--- a/vignettes/figures/decision_tree.pptx
+++ b/vignettes/figures/decision_tree.pptx
@@ -131,13 +131,52 @@
 <file path=ppt/revisionInfo.xml><?xml version="1.0" encoding="utf-8"?>
 <p1510:revInfo xmlns:a="http://schemas.openxmlformats.org/drawingml/2006/main" xmlns:r="http://schemas.openxmlformats.org/officeDocument/2006/relationships" xmlns:p1510="http://schemas.microsoft.com/office/powerpoint/2015/10/main">
   <p1510:revLst>
-    <p1510:client id="{A718DE39-B585-FE45-9424-AE0F75B132A7}" v="373" dt="2023-06-05T21:55:20.992"/>
+    <p1510:client id="{7C4F53DD-EA80-C44F-8A1D-E483E060C42C}" v="3" dt="2025-05-05T16:02:33.201"/>
   </p1510:revLst>
 </p1510:revInfo>
 </file>
 
 <file path=ppt/changesInfos/changesInfo1.xml><?xml version="1.0" encoding="utf-8"?>
 <pc:chgInfo xmlns:a="http://schemas.openxmlformats.org/drawingml/2006/main" xmlns:r="http://schemas.openxmlformats.org/officeDocument/2006/relationships" xmlns:ac="http://schemas.microsoft.com/office/drawing/2013/main/command" xmlns:pc="http://schemas.microsoft.com/office/powerpoint/2013/main/command">
+  <pc:docChgLst>
+    <pc:chgData name="Schilling Sabine HSLU W" userId="b0e2af5c-9187-4900-883a-c96514cd8e15" providerId="ADAL" clId="{7C4F53DD-EA80-C44F-8A1D-E483E060C42C}"/>
+    <pc:docChg chg="modSld">
+      <pc:chgData name="Schilling Sabine HSLU W" userId="b0e2af5c-9187-4900-883a-c96514cd8e15" providerId="ADAL" clId="{7C4F53DD-EA80-C44F-8A1D-E483E060C42C}" dt="2025-05-05T16:04:03.663" v="13" actId="14100"/>
+      <pc:docMkLst>
+        <pc:docMk/>
+      </pc:docMkLst>
+      <pc:sldChg chg="addSp modSp mod">
+        <pc:chgData name="Schilling Sabine HSLU W" userId="b0e2af5c-9187-4900-883a-c96514cd8e15" providerId="ADAL" clId="{7C4F53DD-EA80-C44F-8A1D-E483E060C42C}" dt="2025-05-05T16:02:33.200" v="11" actId="123"/>
+        <pc:sldMkLst>
+          <pc:docMk/>
+          <pc:sldMk cId="2524729559" sldId="259"/>
+        </pc:sldMkLst>
+        <pc:spChg chg="add mod">
+          <ac:chgData name="Schilling Sabine HSLU W" userId="b0e2af5c-9187-4900-883a-c96514cd8e15" providerId="ADAL" clId="{7C4F53DD-EA80-C44F-8A1D-E483E060C42C}" dt="2025-05-05T16:02:33.200" v="11" actId="123"/>
+          <ac:spMkLst>
+            <pc:docMk/>
+            <pc:sldMk cId="2524729559" sldId="259"/>
+            <ac:spMk id="3" creationId="{B911D9A2-EC12-1EAE-FE61-9915CC660179}"/>
+          </ac:spMkLst>
+        </pc:spChg>
+      </pc:sldChg>
+      <pc:sldChg chg="modSp mod">
+        <pc:chgData name="Schilling Sabine HSLU W" userId="b0e2af5c-9187-4900-883a-c96514cd8e15" providerId="ADAL" clId="{7C4F53DD-EA80-C44F-8A1D-E483E060C42C}" dt="2025-05-05T16:04:03.663" v="13" actId="14100"/>
+        <pc:sldMkLst>
+          <pc:docMk/>
+          <pc:sldMk cId="2124167232" sldId="261"/>
+        </pc:sldMkLst>
+        <pc:spChg chg="mod">
+          <ac:chgData name="Schilling Sabine HSLU W" userId="b0e2af5c-9187-4900-883a-c96514cd8e15" providerId="ADAL" clId="{7C4F53DD-EA80-C44F-8A1D-E483E060C42C}" dt="2025-05-05T16:04:03.663" v="13" actId="14100"/>
+          <ac:spMkLst>
+            <pc:docMk/>
+            <pc:sldMk cId="2124167232" sldId="261"/>
+            <ac:spMk id="124" creationId="{503B046D-58C0-0D47-AA46-B1416D553991}"/>
+          </ac:spMkLst>
+        </pc:spChg>
+      </pc:sldChg>
+    </pc:docChg>
+  </pc:docChgLst>
   <pc:docChgLst>
     <pc:chgData name="Schilling Sabine HSLU W" userId="b0e2af5c-9187-4900-883a-c96514cd8e15" providerId="ADAL" clId="{A718DE39-B585-FE45-9424-AE0F75B132A7}"/>
     <pc:docChg chg="undo custSel addSld delSld modSld sldOrd">
@@ -151,22 +190,6 @@
           <pc:docMk/>
           <pc:sldMk cId="1883446362" sldId="257"/>
         </pc:sldMkLst>
-        <pc:spChg chg="mod">
-          <ac:chgData name="Schilling Sabine HSLU W" userId="b0e2af5c-9187-4900-883a-c96514cd8e15" providerId="ADAL" clId="{A718DE39-B585-FE45-9424-AE0F75B132A7}" dt="2023-06-05T21:53:31.572" v="2370" actId="20577"/>
-          <ac:spMkLst>
-            <pc:docMk/>
-            <pc:sldMk cId="1883446362" sldId="257"/>
-            <ac:spMk id="3" creationId="{44B0E848-E59C-8347-BA31-94706F772E15}"/>
-          </ac:spMkLst>
-        </pc:spChg>
-        <pc:spChg chg="add del mod">
-          <ac:chgData name="Schilling Sabine HSLU W" userId="b0e2af5c-9187-4900-883a-c96514cd8e15" providerId="ADAL" clId="{A718DE39-B585-FE45-9424-AE0F75B132A7}" dt="2023-06-05T21:53:38.669" v="2372"/>
-          <ac:spMkLst>
-            <pc:docMk/>
-            <pc:sldMk cId="1883446362" sldId="257"/>
-            <ac:spMk id="5" creationId="{4E77BCD1-E1BF-0447-962F-E3FB7ECBBA55}"/>
-          </ac:spMkLst>
-        </pc:spChg>
       </pc:sldChg>
       <pc:sldChg chg="del">
         <pc:chgData name="Schilling Sabine HSLU W" userId="b0e2af5c-9187-4900-883a-c96514cd8e15" providerId="ADAL" clId="{A718DE39-B585-FE45-9424-AE0F75B132A7}" dt="2023-05-08T15:43:58.684" v="4" actId="2696"/>
@@ -181,630 +204,6 @@
           <pc:docMk/>
           <pc:sldMk cId="2524729559" sldId="259"/>
         </pc:sldMkLst>
-        <pc:spChg chg="add del mod">
-          <ac:chgData name="Schilling Sabine HSLU W" userId="b0e2af5c-9187-4900-883a-c96514cd8e15" providerId="ADAL" clId="{A718DE39-B585-FE45-9424-AE0F75B132A7}" dt="2023-06-04T11:49:01.387" v="1598" actId="478"/>
-          <ac:spMkLst>
-            <pc:docMk/>
-            <pc:sldMk cId="2524729559" sldId="259"/>
-            <ac:spMk id="3" creationId="{122298F2-B3D8-A042-8325-238F79D977F7}"/>
-          </ac:spMkLst>
-        </pc:spChg>
-        <pc:spChg chg="mod">
-          <ac:chgData name="Schilling Sabine HSLU W" userId="b0e2af5c-9187-4900-883a-c96514cd8e15" providerId="ADAL" clId="{A718DE39-B585-FE45-9424-AE0F75B132A7}" dt="2023-05-23T19:56:09.547" v="959" actId="20577"/>
-          <ac:spMkLst>
-            <pc:docMk/>
-            <pc:sldMk cId="2524729559" sldId="259"/>
-            <ac:spMk id="7" creationId="{D954AB4D-A237-C043-A913-633703A9C26B}"/>
-          </ac:spMkLst>
-        </pc:spChg>
-        <pc:spChg chg="mod">
-          <ac:chgData name="Schilling Sabine HSLU W" userId="b0e2af5c-9187-4900-883a-c96514cd8e15" providerId="ADAL" clId="{A718DE39-B585-FE45-9424-AE0F75B132A7}" dt="2023-06-04T11:56:55.047" v="1619" actId="20577"/>
-          <ac:spMkLst>
-            <pc:docMk/>
-            <pc:sldMk cId="2524729559" sldId="259"/>
-            <ac:spMk id="8" creationId="{295FEA9A-D31C-504B-9808-C226C7EA0707}"/>
-          </ac:spMkLst>
-        </pc:spChg>
-        <pc:spChg chg="mod">
-          <ac:chgData name="Schilling Sabine HSLU W" userId="b0e2af5c-9187-4900-883a-c96514cd8e15" providerId="ADAL" clId="{A718DE39-B585-FE45-9424-AE0F75B132A7}" dt="2023-05-23T20:05:37.624" v="1383" actId="20577"/>
-          <ac:spMkLst>
-            <pc:docMk/>
-            <pc:sldMk cId="2524729559" sldId="259"/>
-            <ac:spMk id="9" creationId="{8348F7DE-DD58-0040-AD2D-ECF76CE16313}"/>
-          </ac:spMkLst>
-        </pc:spChg>
-        <pc:spChg chg="mod">
-          <ac:chgData name="Schilling Sabine HSLU W" userId="b0e2af5c-9187-4900-883a-c96514cd8e15" providerId="ADAL" clId="{A718DE39-B585-FE45-9424-AE0F75B132A7}" dt="2023-05-08T16:00:29.453" v="114" actId="1076"/>
-          <ac:spMkLst>
-            <pc:docMk/>
-            <pc:sldMk cId="2524729559" sldId="259"/>
-            <ac:spMk id="12" creationId="{5B3D02EE-D20F-6749-A7FA-5999503CC955}"/>
-          </ac:spMkLst>
-        </pc:spChg>
-        <pc:spChg chg="mod">
-          <ac:chgData name="Schilling Sabine HSLU W" userId="b0e2af5c-9187-4900-883a-c96514cd8e15" providerId="ADAL" clId="{A718DE39-B585-FE45-9424-AE0F75B132A7}" dt="2023-06-04T12:25:00.862" v="1624" actId="20577"/>
-          <ac:spMkLst>
-            <pc:docMk/>
-            <pc:sldMk cId="2524729559" sldId="259"/>
-            <ac:spMk id="13" creationId="{EA67BA80-9E95-9842-A47F-3FEB28489E11}"/>
-          </ac:spMkLst>
-        </pc:spChg>
-        <pc:spChg chg="mod">
-          <ac:chgData name="Schilling Sabine HSLU W" userId="b0e2af5c-9187-4900-883a-c96514cd8e15" providerId="ADAL" clId="{A718DE39-B585-FE45-9424-AE0F75B132A7}" dt="2023-06-04T12:25:06.867" v="1629" actId="20577"/>
-          <ac:spMkLst>
-            <pc:docMk/>
-            <pc:sldMk cId="2524729559" sldId="259"/>
-            <ac:spMk id="15" creationId="{58467891-55C0-5A49-B45B-A1069D545E73}"/>
-          </ac:spMkLst>
-        </pc:spChg>
-        <pc:spChg chg="mod">
-          <ac:chgData name="Schilling Sabine HSLU W" userId="b0e2af5c-9187-4900-883a-c96514cd8e15" providerId="ADAL" clId="{A718DE39-B585-FE45-9424-AE0F75B132A7}" dt="2023-06-04T13:43:39.190" v="1672" actId="20577"/>
-          <ac:spMkLst>
-            <pc:docMk/>
-            <pc:sldMk cId="2524729559" sldId="259"/>
-            <ac:spMk id="18" creationId="{2335DB6E-64F6-8949-ABC8-401B69001A05}"/>
-          </ac:spMkLst>
-        </pc:spChg>
-        <pc:spChg chg="mod">
-          <ac:chgData name="Schilling Sabine HSLU W" userId="b0e2af5c-9187-4900-883a-c96514cd8e15" providerId="ADAL" clId="{A718DE39-B585-FE45-9424-AE0F75B132A7}" dt="2023-06-04T13:20:04.762" v="1634" actId="120"/>
-          <ac:spMkLst>
-            <pc:docMk/>
-            <pc:sldMk cId="2524729559" sldId="259"/>
-            <ac:spMk id="19" creationId="{27AFF27F-0DD9-524C-897D-E4669B9A95DF}"/>
-          </ac:spMkLst>
-        </pc:spChg>
-        <pc:spChg chg="mod">
-          <ac:chgData name="Schilling Sabine HSLU W" userId="b0e2af5c-9187-4900-883a-c96514cd8e15" providerId="ADAL" clId="{A718DE39-B585-FE45-9424-AE0F75B132A7}" dt="2023-06-04T13:20:02.162" v="1633" actId="120"/>
-          <ac:spMkLst>
-            <pc:docMk/>
-            <pc:sldMk cId="2524729559" sldId="259"/>
-            <ac:spMk id="22" creationId="{25BBDB14-38E4-0647-AC5E-BCFF1B8D2112}"/>
-          </ac:spMkLst>
-        </pc:spChg>
-        <pc:spChg chg="mod">
-          <ac:chgData name="Schilling Sabine HSLU W" userId="b0e2af5c-9187-4900-883a-c96514cd8e15" providerId="ADAL" clId="{A718DE39-B585-FE45-9424-AE0F75B132A7}" dt="2023-05-23T20:16:11.549" v="1417" actId="20577"/>
-          <ac:spMkLst>
-            <pc:docMk/>
-            <pc:sldMk cId="2524729559" sldId="259"/>
-            <ac:spMk id="23" creationId="{36EF0048-2E31-5040-B491-130A578F1E88}"/>
-          </ac:spMkLst>
-        </pc:spChg>
-        <pc:spChg chg="mod">
-          <ac:chgData name="Schilling Sabine HSLU W" userId="b0e2af5c-9187-4900-883a-c96514cd8e15" providerId="ADAL" clId="{A718DE39-B585-FE45-9424-AE0F75B132A7}" dt="2023-05-08T23:14:34.824" v="851" actId="1076"/>
-          <ac:spMkLst>
-            <pc:docMk/>
-            <pc:sldMk cId="2524729559" sldId="259"/>
-            <ac:spMk id="24" creationId="{28E8A1CE-2F5B-CA41-BF4F-D564FE688F4A}"/>
-          </ac:spMkLst>
-        </pc:spChg>
-        <pc:spChg chg="del mod">
-          <ac:chgData name="Schilling Sabine HSLU W" userId="b0e2af5c-9187-4900-883a-c96514cd8e15" providerId="ADAL" clId="{A718DE39-B585-FE45-9424-AE0F75B132A7}" dt="2023-05-08T22:41:30.989" v="562" actId="478"/>
-          <ac:spMkLst>
-            <pc:docMk/>
-            <pc:sldMk cId="2524729559" sldId="259"/>
-            <ac:spMk id="25" creationId="{18EC19F6-2057-6349-841C-04A879848AF2}"/>
-          </ac:spMkLst>
-        </pc:spChg>
-        <pc:spChg chg="del mod">
-          <ac:chgData name="Schilling Sabine HSLU W" userId="b0e2af5c-9187-4900-883a-c96514cd8e15" providerId="ADAL" clId="{A718DE39-B585-FE45-9424-AE0F75B132A7}" dt="2023-05-08T22:41:14.060" v="559" actId="478"/>
-          <ac:spMkLst>
-            <pc:docMk/>
-            <pc:sldMk cId="2524729559" sldId="259"/>
-            <ac:spMk id="26" creationId="{4F274D45-13B9-644C-B350-B8E069E0F54B}"/>
-          </ac:spMkLst>
-        </pc:spChg>
-        <pc:spChg chg="mod">
-          <ac:chgData name="Schilling Sabine HSLU W" userId="b0e2af5c-9187-4900-883a-c96514cd8e15" providerId="ADAL" clId="{A718DE39-B585-FE45-9424-AE0F75B132A7}" dt="2023-05-08T22:55:41.410" v="662" actId="1076"/>
-          <ac:spMkLst>
-            <pc:docMk/>
-            <pc:sldMk cId="2524729559" sldId="259"/>
-            <ac:spMk id="27" creationId="{154F606E-7DC7-FF4E-A02F-7F533D595B92}"/>
-          </ac:spMkLst>
-        </pc:spChg>
-        <pc:spChg chg="mod">
-          <ac:chgData name="Schilling Sabine HSLU W" userId="b0e2af5c-9187-4900-883a-c96514cd8e15" providerId="ADAL" clId="{A718DE39-B585-FE45-9424-AE0F75B132A7}" dt="2023-05-08T16:10:40.344" v="165" actId="1076"/>
-          <ac:spMkLst>
-            <pc:docMk/>
-            <pc:sldMk cId="2524729559" sldId="259"/>
-            <ac:spMk id="28" creationId="{7D4896EC-C7F6-524F-8A17-71B3C9850771}"/>
-          </ac:spMkLst>
-        </pc:spChg>
-        <pc:spChg chg="mod">
-          <ac:chgData name="Schilling Sabine HSLU W" userId="b0e2af5c-9187-4900-883a-c96514cd8e15" providerId="ADAL" clId="{A718DE39-B585-FE45-9424-AE0F75B132A7}" dt="2023-05-08T22:42:10.723" v="584" actId="20577"/>
-          <ac:spMkLst>
-            <pc:docMk/>
-            <pc:sldMk cId="2524729559" sldId="259"/>
-            <ac:spMk id="29" creationId="{A1E211F9-17D8-404F-BDD9-8FA1CF6DEBDF}"/>
-          </ac:spMkLst>
-        </pc:spChg>
-        <pc:spChg chg="mod">
-          <ac:chgData name="Schilling Sabine HSLU W" userId="b0e2af5c-9187-4900-883a-c96514cd8e15" providerId="ADAL" clId="{A718DE39-B585-FE45-9424-AE0F75B132A7}" dt="2023-05-08T16:10:40.344" v="165" actId="1076"/>
-          <ac:spMkLst>
-            <pc:docMk/>
-            <pc:sldMk cId="2524729559" sldId="259"/>
-            <ac:spMk id="30" creationId="{5E44A5B4-1C65-9447-A4FA-813B5715A602}"/>
-          </ac:spMkLst>
-        </pc:spChg>
-        <pc:spChg chg="mod">
-          <ac:chgData name="Schilling Sabine HSLU W" userId="b0e2af5c-9187-4900-883a-c96514cd8e15" providerId="ADAL" clId="{A718DE39-B585-FE45-9424-AE0F75B132A7}" dt="2023-05-08T16:10:40.344" v="165" actId="1076"/>
-          <ac:spMkLst>
-            <pc:docMk/>
-            <pc:sldMk cId="2524729559" sldId="259"/>
-            <ac:spMk id="31" creationId="{A84A5B24-3EDF-024C-BA56-40AE6A36DAEC}"/>
-          </ac:spMkLst>
-        </pc:spChg>
-        <pc:spChg chg="add del mod">
-          <ac:chgData name="Schilling Sabine HSLU W" userId="b0e2af5c-9187-4900-883a-c96514cd8e15" providerId="ADAL" clId="{A718DE39-B585-FE45-9424-AE0F75B132A7}" dt="2023-05-08T16:10:40.344" v="165" actId="1076"/>
-          <ac:spMkLst>
-            <pc:docMk/>
-            <pc:sldMk cId="2524729559" sldId="259"/>
-            <ac:spMk id="32" creationId="{071DF41B-9DEB-6D43-B3A8-72AD854F6F00}"/>
-          </ac:spMkLst>
-        </pc:spChg>
-        <pc:spChg chg="add mod">
-          <ac:chgData name="Schilling Sabine HSLU W" userId="b0e2af5c-9187-4900-883a-c96514cd8e15" providerId="ADAL" clId="{A718DE39-B585-FE45-9424-AE0F75B132A7}" dt="2023-05-08T16:06:31.132" v="146" actId="1076"/>
-          <ac:spMkLst>
-            <pc:docMk/>
-            <pc:sldMk cId="2524729559" sldId="259"/>
-            <ac:spMk id="50" creationId="{EDADB854-50AC-BA4C-8480-8C0EC7EFB4F3}"/>
-          </ac:spMkLst>
-        </pc:spChg>
-        <pc:spChg chg="add del mod">
-          <ac:chgData name="Schilling Sabine HSLU W" userId="b0e2af5c-9187-4900-883a-c96514cd8e15" providerId="ADAL" clId="{A718DE39-B585-FE45-9424-AE0F75B132A7}" dt="2023-05-08T22:57:52.095" v="671" actId="478"/>
-          <ac:spMkLst>
-            <pc:docMk/>
-            <pc:sldMk cId="2524729559" sldId="259"/>
-            <ac:spMk id="78" creationId="{0F06C551-4449-5949-BF67-889550F51913}"/>
-          </ac:spMkLst>
-        </pc:spChg>
-        <pc:spChg chg="add del">
-          <ac:chgData name="Schilling Sabine HSLU W" userId="b0e2af5c-9187-4900-883a-c96514cd8e15" providerId="ADAL" clId="{A718DE39-B585-FE45-9424-AE0F75B132A7}" dt="2023-05-08T22:40:07.547" v="548" actId="22"/>
-          <ac:spMkLst>
-            <pc:docMk/>
-            <pc:sldMk cId="2524729559" sldId="259"/>
-            <ac:spMk id="79" creationId="{56228979-00BD-0446-9B99-57ECA0035424}"/>
-          </ac:spMkLst>
-        </pc:spChg>
-        <pc:spChg chg="add del mod">
-          <ac:chgData name="Schilling Sabine HSLU W" userId="b0e2af5c-9187-4900-883a-c96514cd8e15" providerId="ADAL" clId="{A718DE39-B585-FE45-9424-AE0F75B132A7}" dt="2023-06-04T13:43:21.042" v="1662" actId="478"/>
-          <ac:spMkLst>
-            <pc:docMk/>
-            <pc:sldMk cId="2524729559" sldId="259"/>
-            <ac:spMk id="80" creationId="{21BB76EE-C80E-914A-A835-D90D262EF5C4}"/>
-          </ac:spMkLst>
-        </pc:spChg>
-        <pc:spChg chg="add del mod">
-          <ac:chgData name="Schilling Sabine HSLU W" userId="b0e2af5c-9187-4900-883a-c96514cd8e15" providerId="ADAL" clId="{A718DE39-B585-FE45-9424-AE0F75B132A7}" dt="2023-05-08T22:46:34.321" v="603" actId="478"/>
-          <ac:spMkLst>
-            <pc:docMk/>
-            <pc:sldMk cId="2524729559" sldId="259"/>
-            <ac:spMk id="81" creationId="{50D1DC8C-2203-1445-BD73-A73F6B15EDF3}"/>
-          </ac:spMkLst>
-        </pc:spChg>
-        <pc:spChg chg="add mod">
-          <ac:chgData name="Schilling Sabine HSLU W" userId="b0e2af5c-9187-4900-883a-c96514cd8e15" providerId="ADAL" clId="{A718DE39-B585-FE45-9424-AE0F75B132A7}" dt="2023-05-08T23:14:21.116" v="849" actId="1076"/>
-          <ac:spMkLst>
-            <pc:docMk/>
-            <pc:sldMk cId="2524729559" sldId="259"/>
-            <ac:spMk id="82" creationId="{058ACE3D-4E4D-8A41-B7BD-3A0C51AE99CF}"/>
-          </ac:spMkLst>
-        </pc:spChg>
-        <pc:spChg chg="add mod">
-          <ac:chgData name="Schilling Sabine HSLU W" userId="b0e2af5c-9187-4900-883a-c96514cd8e15" providerId="ADAL" clId="{A718DE39-B585-FE45-9424-AE0F75B132A7}" dt="2023-05-08T22:56:54.649" v="667" actId="1076"/>
-          <ac:spMkLst>
-            <pc:docMk/>
-            <pc:sldMk cId="2524729559" sldId="259"/>
-            <ac:spMk id="87" creationId="{B8B2C9CD-29A4-BA45-90B4-448E4B36BF59}"/>
-          </ac:spMkLst>
-        </pc:spChg>
-        <pc:spChg chg="add mod">
-          <ac:chgData name="Schilling Sabine HSLU W" userId="b0e2af5c-9187-4900-883a-c96514cd8e15" providerId="ADAL" clId="{A718DE39-B585-FE45-9424-AE0F75B132A7}" dt="2023-05-08T23:15:07.311" v="854" actId="1076"/>
-          <ac:spMkLst>
-            <pc:docMk/>
-            <pc:sldMk cId="2524729559" sldId="259"/>
-            <ac:spMk id="88" creationId="{0E5AFE29-9DE7-3648-9268-979960C55ADC}"/>
-          </ac:spMkLst>
-        </pc:spChg>
-        <pc:spChg chg="add mod">
-          <ac:chgData name="Schilling Sabine HSLU W" userId="b0e2af5c-9187-4900-883a-c96514cd8e15" providerId="ADAL" clId="{A718DE39-B585-FE45-9424-AE0F75B132A7}" dt="2023-05-08T22:46:45.919" v="605" actId="1076"/>
-          <ac:spMkLst>
-            <pc:docMk/>
-            <pc:sldMk cId="2524729559" sldId="259"/>
-            <ac:spMk id="89" creationId="{7CB6C8CE-EEA2-CD43-A414-C375E3700667}"/>
-          </ac:spMkLst>
-        </pc:spChg>
-        <pc:spChg chg="mod">
-          <ac:chgData name="Schilling Sabine HSLU W" userId="b0e2af5c-9187-4900-883a-c96514cd8e15" providerId="ADAL" clId="{A718DE39-B585-FE45-9424-AE0F75B132A7}" dt="2023-05-08T16:10:40.344" v="165" actId="1076"/>
-          <ac:spMkLst>
-            <pc:docMk/>
-            <pc:sldMk cId="2524729559" sldId="259"/>
-            <ac:spMk id="91" creationId="{CA845AB3-04D9-1F49-BCF4-C436B10CBCD7}"/>
-          </ac:spMkLst>
-        </pc:spChg>
-        <pc:spChg chg="del mod">
-          <ac:chgData name="Schilling Sabine HSLU W" userId="b0e2af5c-9187-4900-883a-c96514cd8e15" providerId="ADAL" clId="{A718DE39-B585-FE45-9424-AE0F75B132A7}" dt="2023-05-08T16:08:17.705" v="158" actId="478"/>
-          <ac:spMkLst>
-            <pc:docMk/>
-            <pc:sldMk cId="2524729559" sldId="259"/>
-            <ac:spMk id="92" creationId="{E7B47004-76A2-C34B-8B17-4B35C6438D10}"/>
-          </ac:spMkLst>
-        </pc:spChg>
-        <pc:spChg chg="mod">
-          <ac:chgData name="Schilling Sabine HSLU W" userId="b0e2af5c-9187-4900-883a-c96514cd8e15" providerId="ADAL" clId="{A718DE39-B585-FE45-9424-AE0F75B132A7}" dt="2023-05-08T16:10:40.344" v="165" actId="1076"/>
-          <ac:spMkLst>
-            <pc:docMk/>
-            <pc:sldMk cId="2524729559" sldId="259"/>
-            <ac:spMk id="93" creationId="{487C5E26-0FCA-9D43-9804-1F43DC2563A0}"/>
-          </ac:spMkLst>
-        </pc:spChg>
-        <pc:spChg chg="mod">
-          <ac:chgData name="Schilling Sabine HSLU W" userId="b0e2af5c-9187-4900-883a-c96514cd8e15" providerId="ADAL" clId="{A718DE39-B585-FE45-9424-AE0F75B132A7}" dt="2023-06-01T10:18:04.579" v="1428" actId="692"/>
-          <ac:spMkLst>
-            <pc:docMk/>
-            <pc:sldMk cId="2524729559" sldId="259"/>
-            <ac:spMk id="94" creationId="{0A82FAB2-00BE-5946-BC39-F6CE2D795AEE}"/>
-          </ac:spMkLst>
-        </pc:spChg>
-        <pc:spChg chg="add del mod">
-          <ac:chgData name="Schilling Sabine HSLU W" userId="b0e2af5c-9187-4900-883a-c96514cd8e15" providerId="ADAL" clId="{A718DE39-B585-FE45-9424-AE0F75B132A7}" dt="2023-06-04T13:43:18.731" v="1658" actId="478"/>
-          <ac:spMkLst>
-            <pc:docMk/>
-            <pc:sldMk cId="2524729559" sldId="259"/>
-            <ac:spMk id="97" creationId="{34ABFF97-4EDA-8A46-924C-6C1AB82DDAE0}"/>
-          </ac:spMkLst>
-        </pc:spChg>
-        <pc:spChg chg="add del mod">
-          <ac:chgData name="Schilling Sabine HSLU W" userId="b0e2af5c-9187-4900-883a-c96514cd8e15" providerId="ADAL" clId="{A718DE39-B585-FE45-9424-AE0F75B132A7}" dt="2023-06-04T13:43:19.135" v="1659" actId="478"/>
-          <ac:spMkLst>
-            <pc:docMk/>
-            <pc:sldMk cId="2524729559" sldId="259"/>
-            <ac:spMk id="98" creationId="{BC90166D-F1CA-654E-8180-7CE0DAAACBBC}"/>
-          </ac:spMkLst>
-        </pc:spChg>
-        <pc:spChg chg="add del mod">
-          <ac:chgData name="Schilling Sabine HSLU W" userId="b0e2af5c-9187-4900-883a-c96514cd8e15" providerId="ADAL" clId="{A718DE39-B585-FE45-9424-AE0F75B132A7}" dt="2023-06-04T13:43:19.539" v="1660" actId="478"/>
-          <ac:spMkLst>
-            <pc:docMk/>
-            <pc:sldMk cId="2524729559" sldId="259"/>
-            <ac:spMk id="99" creationId="{C388AAB4-9470-B240-BB73-85115F4C036C}"/>
-          </ac:spMkLst>
-        </pc:spChg>
-        <pc:grpChg chg="add mod">
-          <ac:chgData name="Schilling Sabine HSLU W" userId="b0e2af5c-9187-4900-883a-c96514cd8e15" providerId="ADAL" clId="{A718DE39-B585-FE45-9424-AE0F75B132A7}" dt="2023-05-08T22:59:21.991" v="681" actId="1076"/>
-          <ac:grpSpMkLst>
-            <pc:docMk/>
-            <pc:sldMk cId="2524729559" sldId="259"/>
-            <ac:grpSpMk id="41" creationId="{83F09A16-73FE-ED4E-AD69-4F9A3E85F4FB}"/>
-          </ac:grpSpMkLst>
-        </pc:grpChg>
-        <pc:grpChg chg="add mod">
-          <ac:chgData name="Schilling Sabine HSLU W" userId="b0e2af5c-9187-4900-883a-c96514cd8e15" providerId="ADAL" clId="{A718DE39-B585-FE45-9424-AE0F75B132A7}" dt="2023-05-08T23:14:40.167" v="852" actId="14100"/>
-          <ac:grpSpMkLst>
-            <pc:docMk/>
-            <pc:sldMk cId="2524729559" sldId="259"/>
-            <ac:grpSpMk id="66" creationId="{281344E7-7346-ED47-88F2-43CF23662C53}"/>
-          </ac:grpSpMkLst>
-        </pc:grpChg>
-        <pc:grpChg chg="add mod">
-          <ac:chgData name="Schilling Sabine HSLU W" userId="b0e2af5c-9187-4900-883a-c96514cd8e15" providerId="ADAL" clId="{A718DE39-B585-FE45-9424-AE0F75B132A7}" dt="2023-05-08T16:05:56.995" v="143" actId="1076"/>
-          <ac:grpSpMkLst>
-            <pc:docMk/>
-            <pc:sldMk cId="2524729559" sldId="259"/>
-            <ac:grpSpMk id="69" creationId="{F293F561-4FC8-2849-9124-4C6573975351}"/>
-          </ac:grpSpMkLst>
-        </pc:grpChg>
-        <pc:grpChg chg="add mod">
-          <ac:chgData name="Schilling Sabine HSLU W" userId="b0e2af5c-9187-4900-883a-c96514cd8e15" providerId="ADAL" clId="{A718DE39-B585-FE45-9424-AE0F75B132A7}" dt="2023-05-08T23:00:52.974" v="690" actId="1076"/>
-          <ac:grpSpMkLst>
-            <pc:docMk/>
-            <pc:sldMk cId="2524729559" sldId="259"/>
-            <ac:grpSpMk id="90" creationId="{7B8FC5AF-7834-A64B-84B2-D8DA87C86379}"/>
-          </ac:grpSpMkLst>
-        </pc:grpChg>
-        <pc:grpChg chg="add del mod">
-          <ac:chgData name="Schilling Sabine HSLU W" userId="b0e2af5c-9187-4900-883a-c96514cd8e15" providerId="ADAL" clId="{A718DE39-B585-FE45-9424-AE0F75B132A7}" dt="2023-06-04T13:43:20.292" v="1661" actId="478"/>
-          <ac:grpSpMkLst>
-            <pc:docMk/>
-            <pc:sldMk cId="2524729559" sldId="259"/>
-            <ac:grpSpMk id="100" creationId="{C3286D5F-EDC9-C940-883C-2F2105ED3C14}"/>
-          </ac:grpSpMkLst>
-        </pc:grpChg>
-        <pc:cxnChg chg="mod">
-          <ac:chgData name="Schilling Sabine HSLU W" userId="b0e2af5c-9187-4900-883a-c96514cd8e15" providerId="ADAL" clId="{A718DE39-B585-FE45-9424-AE0F75B132A7}" dt="2023-05-08T15:48:38.419" v="37" actId="1076"/>
-          <ac:cxnSpMkLst>
-            <pc:docMk/>
-            <pc:sldMk cId="2524729559" sldId="259"/>
-            <ac:cxnSpMk id="2" creationId="{C01A1D17-F046-0EEE-5C75-C706EDB2C4C0}"/>
-          </ac:cxnSpMkLst>
-        </pc:cxnChg>
-        <pc:cxnChg chg="mod">
-          <ac:chgData name="Schilling Sabine HSLU W" userId="b0e2af5c-9187-4900-883a-c96514cd8e15" providerId="ADAL" clId="{A718DE39-B585-FE45-9424-AE0F75B132A7}" dt="2023-05-08T23:14:01.212" v="844" actId="1076"/>
-          <ac:cxnSpMkLst>
-            <pc:docMk/>
-            <pc:sldMk cId="2524729559" sldId="259"/>
-            <ac:cxnSpMk id="20" creationId="{7D99A9B4-E07A-52B7-4249-35305B9F71C3}"/>
-          </ac:cxnSpMkLst>
-        </pc:cxnChg>
-        <pc:cxnChg chg="add del mod">
-          <ac:chgData name="Schilling Sabine HSLU W" userId="b0e2af5c-9187-4900-883a-c96514cd8e15" providerId="ADAL" clId="{A718DE39-B585-FE45-9424-AE0F75B132A7}" dt="2023-05-08T15:46:57.525" v="21" actId="478"/>
-          <ac:cxnSpMkLst>
-            <pc:docMk/>
-            <pc:sldMk cId="2524729559" sldId="259"/>
-            <ac:cxnSpMk id="38" creationId="{F1828BB2-687C-2E40-9DA1-FBE182E6431B}"/>
-          </ac:cxnSpMkLst>
-        </pc:cxnChg>
-        <pc:cxnChg chg="add del mod">
-          <ac:chgData name="Schilling Sabine HSLU W" userId="b0e2af5c-9187-4900-883a-c96514cd8e15" providerId="ADAL" clId="{A718DE39-B585-FE45-9424-AE0F75B132A7}" dt="2023-05-08T15:46:38.096" v="16"/>
-          <ac:cxnSpMkLst>
-            <pc:docMk/>
-            <pc:sldMk cId="2524729559" sldId="259"/>
-            <ac:cxnSpMk id="39" creationId="{B8E1317E-B14E-414C-AA97-102724F72EFA}"/>
-          </ac:cxnSpMkLst>
-        </pc:cxnChg>
-        <pc:cxnChg chg="add mod">
-          <ac:chgData name="Schilling Sabine HSLU W" userId="b0e2af5c-9187-4900-883a-c96514cd8e15" providerId="ADAL" clId="{A718DE39-B585-FE45-9424-AE0F75B132A7}" dt="2023-05-08T22:56:59.346" v="668" actId="1076"/>
-          <ac:cxnSpMkLst>
-            <pc:docMk/>
-            <pc:sldMk cId="2524729559" sldId="259"/>
-            <ac:cxnSpMk id="40" creationId="{0D10A4BB-670F-5F4A-A0F3-729FC94455AB}"/>
-          </ac:cxnSpMkLst>
-        </pc:cxnChg>
-        <pc:cxnChg chg="mod">
-          <ac:chgData name="Schilling Sabine HSLU W" userId="b0e2af5c-9187-4900-883a-c96514cd8e15" providerId="ADAL" clId="{A718DE39-B585-FE45-9424-AE0F75B132A7}" dt="2023-05-08T16:10:40.344" v="165" actId="1076"/>
-          <ac:cxnSpMkLst>
-            <pc:docMk/>
-            <pc:sldMk cId="2524729559" sldId="259"/>
-            <ac:cxnSpMk id="44" creationId="{41CB2540-231C-6703-779B-A332362CCCD0}"/>
-          </ac:cxnSpMkLst>
-        </pc:cxnChg>
-        <pc:cxnChg chg="mod">
-          <ac:chgData name="Schilling Sabine HSLU W" userId="b0e2af5c-9187-4900-883a-c96514cd8e15" providerId="ADAL" clId="{A718DE39-B585-FE45-9424-AE0F75B132A7}" dt="2023-05-08T16:10:40.344" v="165" actId="1076"/>
-          <ac:cxnSpMkLst>
-            <pc:docMk/>
-            <pc:sldMk cId="2524729559" sldId="259"/>
-            <ac:cxnSpMk id="45" creationId="{C345531F-D218-6149-D0A2-593D71DD481A}"/>
-          </ac:cxnSpMkLst>
-        </pc:cxnChg>
-        <pc:cxnChg chg="mod">
-          <ac:chgData name="Schilling Sabine HSLU W" userId="b0e2af5c-9187-4900-883a-c96514cd8e15" providerId="ADAL" clId="{A718DE39-B585-FE45-9424-AE0F75B132A7}" dt="2023-05-08T16:10:40.344" v="165" actId="1076"/>
-          <ac:cxnSpMkLst>
-            <pc:docMk/>
-            <pc:sldMk cId="2524729559" sldId="259"/>
-            <ac:cxnSpMk id="46" creationId="{2C705129-730D-E48F-BAF5-71C823C4600D}"/>
-          </ac:cxnSpMkLst>
-        </pc:cxnChg>
-        <pc:cxnChg chg="add del mod">
-          <ac:chgData name="Schilling Sabine HSLU W" userId="b0e2af5c-9187-4900-883a-c96514cd8e15" providerId="ADAL" clId="{A718DE39-B585-FE45-9424-AE0F75B132A7}" dt="2023-05-08T22:55:49.576" v="665" actId="1076"/>
-          <ac:cxnSpMkLst>
-            <pc:docMk/>
-            <pc:sldMk cId="2524729559" sldId="259"/>
-            <ac:cxnSpMk id="47" creationId="{C197452A-EA6E-C347-904C-AB87B9A22813}"/>
-          </ac:cxnSpMkLst>
-        </pc:cxnChg>
-        <pc:cxnChg chg="del mod">
-          <ac:chgData name="Schilling Sabine HSLU W" userId="b0e2af5c-9187-4900-883a-c96514cd8e15" providerId="ADAL" clId="{A718DE39-B585-FE45-9424-AE0F75B132A7}" dt="2023-05-08T15:51:34.567" v="63" actId="478"/>
-          <ac:cxnSpMkLst>
-            <pc:docMk/>
-            <pc:sldMk cId="2524729559" sldId="259"/>
-            <ac:cxnSpMk id="48" creationId="{6C29ED71-33AA-C180-FF26-C7CAE86159C1}"/>
-          </ac:cxnSpMkLst>
-        </pc:cxnChg>
-        <pc:cxnChg chg="add mod">
-          <ac:chgData name="Schilling Sabine HSLU W" userId="b0e2af5c-9187-4900-883a-c96514cd8e15" providerId="ADAL" clId="{A718DE39-B585-FE45-9424-AE0F75B132A7}" dt="2023-06-04T11:48:39.110" v="1595"/>
-          <ac:cxnSpMkLst>
-            <pc:docMk/>
-            <pc:sldMk cId="2524729559" sldId="259"/>
-            <ac:cxnSpMk id="51" creationId="{210858E2-0DAE-5740-8F45-DA7EDB187874}"/>
-          </ac:cxnSpMkLst>
-        </pc:cxnChg>
-        <pc:cxnChg chg="del mod">
-          <ac:chgData name="Schilling Sabine HSLU W" userId="b0e2af5c-9187-4900-883a-c96514cd8e15" providerId="ADAL" clId="{A718DE39-B585-FE45-9424-AE0F75B132A7}" dt="2023-05-08T23:01:03.284" v="691" actId="478"/>
-          <ac:cxnSpMkLst>
-            <pc:docMk/>
-            <pc:sldMk cId="2524729559" sldId="259"/>
-            <ac:cxnSpMk id="52" creationId="{AAF424F0-2224-B62C-343E-4D506937AB0E}"/>
-          </ac:cxnSpMkLst>
-        </pc:cxnChg>
-        <pc:cxnChg chg="add del mod">
-          <ac:chgData name="Schilling Sabine HSLU W" userId="b0e2af5c-9187-4900-883a-c96514cd8e15" providerId="ADAL" clId="{A718DE39-B585-FE45-9424-AE0F75B132A7}" dt="2023-05-08T16:01:21.977" v="116" actId="21"/>
-          <ac:cxnSpMkLst>
-            <pc:docMk/>
-            <pc:sldMk cId="2524729559" sldId="259"/>
-            <ac:cxnSpMk id="53" creationId="{5417200D-FA5B-AB40-9966-50ECC2037E5F}"/>
-          </ac:cxnSpMkLst>
-        </pc:cxnChg>
-        <pc:cxnChg chg="add del mod">
-          <ac:chgData name="Schilling Sabine HSLU W" userId="b0e2af5c-9187-4900-883a-c96514cd8e15" providerId="ADAL" clId="{A718DE39-B585-FE45-9424-AE0F75B132A7}" dt="2023-05-08T16:01:21.977" v="116" actId="21"/>
-          <ac:cxnSpMkLst>
-            <pc:docMk/>
-            <pc:sldMk cId="2524729559" sldId="259"/>
-            <ac:cxnSpMk id="54" creationId="{B695B70E-87A2-8440-9CB0-989B6EF081A5}"/>
-          </ac:cxnSpMkLst>
-        </pc:cxnChg>
-        <pc:cxnChg chg="add mod">
-          <ac:chgData name="Schilling Sabine HSLU W" userId="b0e2af5c-9187-4900-883a-c96514cd8e15" providerId="ADAL" clId="{A718DE39-B585-FE45-9424-AE0F75B132A7}" dt="2023-05-08T16:05:13.416" v="136" actId="164"/>
-          <ac:cxnSpMkLst>
-            <pc:docMk/>
-            <pc:sldMk cId="2524729559" sldId="259"/>
-            <ac:cxnSpMk id="55" creationId="{C4510D76-DEA6-7B42-BACA-4FAE57148F1D}"/>
-          </ac:cxnSpMkLst>
-        </pc:cxnChg>
-        <pc:cxnChg chg="add mod">
-          <ac:chgData name="Schilling Sabine HSLU W" userId="b0e2af5c-9187-4900-883a-c96514cd8e15" providerId="ADAL" clId="{A718DE39-B585-FE45-9424-AE0F75B132A7}" dt="2023-05-08T16:05:13.416" v="136" actId="164"/>
-          <ac:cxnSpMkLst>
-            <pc:docMk/>
-            <pc:sldMk cId="2524729559" sldId="259"/>
-            <ac:cxnSpMk id="56" creationId="{BF552937-9F27-6A4D-9881-C91D182A811D}"/>
-          </ac:cxnSpMkLst>
-        </pc:cxnChg>
-        <pc:cxnChg chg="add del mod">
-          <ac:chgData name="Schilling Sabine HSLU W" userId="b0e2af5c-9187-4900-883a-c96514cd8e15" providerId="ADAL" clId="{A718DE39-B585-FE45-9424-AE0F75B132A7}" dt="2023-05-08T16:02:29.054" v="122"/>
-          <ac:cxnSpMkLst>
-            <pc:docMk/>
-            <pc:sldMk cId="2524729559" sldId="259"/>
-            <ac:cxnSpMk id="57" creationId="{2EA13C13-6E46-0B4D-8954-24232ACC52BD}"/>
-          </ac:cxnSpMkLst>
-        </pc:cxnChg>
-        <pc:cxnChg chg="add del mod">
-          <ac:chgData name="Schilling Sabine HSLU W" userId="b0e2af5c-9187-4900-883a-c96514cd8e15" providerId="ADAL" clId="{A718DE39-B585-FE45-9424-AE0F75B132A7}" dt="2023-05-08T22:44:52.839" v="586" actId="478"/>
-          <ac:cxnSpMkLst>
-            <pc:docMk/>
-            <pc:sldMk cId="2524729559" sldId="259"/>
-            <ac:cxnSpMk id="58" creationId="{100B85B9-5549-6342-9960-452F4F034086}"/>
-          </ac:cxnSpMkLst>
-        </pc:cxnChg>
-        <pc:cxnChg chg="mod">
-          <ac:chgData name="Schilling Sabine HSLU W" userId="b0e2af5c-9187-4900-883a-c96514cd8e15" providerId="ADAL" clId="{A718DE39-B585-FE45-9424-AE0F75B132A7}" dt="2023-05-08T16:05:33.141" v="139"/>
-          <ac:cxnSpMkLst>
-            <pc:docMk/>
-            <pc:sldMk cId="2524729559" sldId="259"/>
-            <ac:cxnSpMk id="67" creationId="{93126234-22BE-3949-BAF8-B4C411866FCB}"/>
-          </ac:cxnSpMkLst>
-        </pc:cxnChg>
-        <pc:cxnChg chg="mod">
-          <ac:chgData name="Schilling Sabine HSLU W" userId="b0e2af5c-9187-4900-883a-c96514cd8e15" providerId="ADAL" clId="{A718DE39-B585-FE45-9424-AE0F75B132A7}" dt="2023-05-08T16:05:33.141" v="139"/>
-          <ac:cxnSpMkLst>
-            <pc:docMk/>
-            <pc:sldMk cId="2524729559" sldId="259"/>
-            <ac:cxnSpMk id="68" creationId="{B2E274A3-C15A-4348-BD99-2CCC41CC9CB5}"/>
-          </ac:cxnSpMkLst>
-        </pc:cxnChg>
-        <pc:cxnChg chg="mod">
-          <ac:chgData name="Schilling Sabine HSLU W" userId="b0e2af5c-9187-4900-883a-c96514cd8e15" providerId="ADAL" clId="{A718DE39-B585-FE45-9424-AE0F75B132A7}" dt="2023-05-08T16:05:49.587" v="142"/>
-          <ac:cxnSpMkLst>
-            <pc:docMk/>
-            <pc:sldMk cId="2524729559" sldId="259"/>
-            <ac:cxnSpMk id="70" creationId="{CC334861-ED68-7941-9F58-2045C34910FB}"/>
-          </ac:cxnSpMkLst>
-        </pc:cxnChg>
-        <pc:cxnChg chg="mod">
-          <ac:chgData name="Schilling Sabine HSLU W" userId="b0e2af5c-9187-4900-883a-c96514cd8e15" providerId="ADAL" clId="{A718DE39-B585-FE45-9424-AE0F75B132A7}" dt="2023-05-08T16:05:49.587" v="142"/>
-          <ac:cxnSpMkLst>
-            <pc:docMk/>
-            <pc:sldMk cId="2524729559" sldId="259"/>
-            <ac:cxnSpMk id="71" creationId="{0F8CA815-6FE7-3341-8C10-AE6DF72039A1}"/>
-          </ac:cxnSpMkLst>
-        </pc:cxnChg>
-        <pc:cxnChg chg="del mod">
-          <ac:chgData name="Schilling Sabine HSLU W" userId="b0e2af5c-9187-4900-883a-c96514cd8e15" providerId="ADAL" clId="{A718DE39-B585-FE45-9424-AE0F75B132A7}" dt="2023-05-08T16:05:45.287" v="141" actId="478"/>
-          <ac:cxnSpMkLst>
-            <pc:docMk/>
-            <pc:sldMk cId="2524729559" sldId="259"/>
-            <ac:cxnSpMk id="75" creationId="{83126ED3-D190-3D4B-AC8D-BABC5F581622}"/>
-          </ac:cxnSpMkLst>
-        </pc:cxnChg>
-        <pc:cxnChg chg="del mod">
-          <ac:chgData name="Schilling Sabine HSLU W" userId="b0e2af5c-9187-4900-883a-c96514cd8e15" providerId="ADAL" clId="{A718DE39-B585-FE45-9424-AE0F75B132A7}" dt="2023-05-08T16:05:45.287" v="141" actId="478"/>
-          <ac:cxnSpMkLst>
-            <pc:docMk/>
-            <pc:sldMk cId="2524729559" sldId="259"/>
-            <ac:cxnSpMk id="76" creationId="{BB402729-29D2-D040-979E-F6FA1EFA792B}"/>
-          </ac:cxnSpMkLst>
-        </pc:cxnChg>
-        <pc:cxnChg chg="add mod">
-          <ac:chgData name="Schilling Sabine HSLU W" userId="b0e2af5c-9187-4900-883a-c96514cd8e15" providerId="ADAL" clId="{A718DE39-B585-FE45-9424-AE0F75B132A7}" dt="2023-05-08T16:09:50.645" v="164" actId="1076"/>
-          <ac:cxnSpMkLst>
-            <pc:docMk/>
-            <pc:sldMk cId="2524729559" sldId="259"/>
-            <ac:cxnSpMk id="77" creationId="{B3DE73AB-F7BE-824E-91E5-4E8A0CDAB16C}"/>
-          </ac:cxnSpMkLst>
-        </pc:cxnChg>
-        <pc:cxnChg chg="del">
-          <ac:chgData name="Schilling Sabine HSLU W" userId="b0e2af5c-9187-4900-883a-c96514cd8e15" providerId="ADAL" clId="{A718DE39-B585-FE45-9424-AE0F75B132A7}" dt="2023-05-08T16:05:28.632" v="138" actId="478"/>
-          <ac:cxnSpMkLst>
-            <pc:docMk/>
-            <pc:sldMk cId="2524729559" sldId="259"/>
-            <ac:cxnSpMk id="83" creationId="{8A93A00F-EC31-5741-A46B-16F660B3DFCB}"/>
-          </ac:cxnSpMkLst>
-        </pc:cxnChg>
-        <pc:cxnChg chg="del">
-          <ac:chgData name="Schilling Sabine HSLU W" userId="b0e2af5c-9187-4900-883a-c96514cd8e15" providerId="ADAL" clId="{A718DE39-B585-FE45-9424-AE0F75B132A7}" dt="2023-05-08T16:05:28.632" v="138" actId="478"/>
-          <ac:cxnSpMkLst>
-            <pc:docMk/>
-            <pc:sldMk cId="2524729559" sldId="259"/>
-            <ac:cxnSpMk id="84" creationId="{E112BC7B-3B53-CE4C-A43F-7D52D1309C4A}"/>
-          </ac:cxnSpMkLst>
-        </pc:cxnChg>
-        <pc:cxnChg chg="mod">
-          <ac:chgData name="Schilling Sabine HSLU W" userId="b0e2af5c-9187-4900-883a-c96514cd8e15" providerId="ADAL" clId="{A718DE39-B585-FE45-9424-AE0F75B132A7}" dt="2023-05-08T16:10:40.344" v="165" actId="1076"/>
-          <ac:cxnSpMkLst>
-            <pc:docMk/>
-            <pc:sldMk cId="2524729559" sldId="259"/>
-            <ac:cxnSpMk id="85" creationId="{866FE5CB-A394-F946-9E64-757F0968CA3E}"/>
-          </ac:cxnSpMkLst>
-        </pc:cxnChg>
-        <pc:cxnChg chg="mod">
-          <ac:chgData name="Schilling Sabine HSLU W" userId="b0e2af5c-9187-4900-883a-c96514cd8e15" providerId="ADAL" clId="{A718DE39-B585-FE45-9424-AE0F75B132A7}" dt="2023-05-08T16:10:40.344" v="165" actId="1076"/>
-          <ac:cxnSpMkLst>
-            <pc:docMk/>
-            <pc:sldMk cId="2524729559" sldId="259"/>
-            <ac:cxnSpMk id="86" creationId="{E8DACB91-86B4-1542-824F-8D15D1646A1F}"/>
-          </ac:cxnSpMkLst>
-        </pc:cxnChg>
-        <pc:cxnChg chg="mod">
-          <ac:chgData name="Schilling Sabine HSLU W" userId="b0e2af5c-9187-4900-883a-c96514cd8e15" providerId="ADAL" clId="{A718DE39-B585-FE45-9424-AE0F75B132A7}" dt="2023-05-08T22:46:55.378" v="607"/>
-          <ac:cxnSpMkLst>
-            <pc:docMk/>
-            <pc:sldMk cId="2524729559" sldId="259"/>
-            <ac:cxnSpMk id="95" creationId="{B21550C8-3070-B74D-822D-3A9803CDC2DC}"/>
-          </ac:cxnSpMkLst>
-        </pc:cxnChg>
-        <pc:cxnChg chg="mod">
-          <ac:chgData name="Schilling Sabine HSLU W" userId="b0e2af5c-9187-4900-883a-c96514cd8e15" providerId="ADAL" clId="{A718DE39-B585-FE45-9424-AE0F75B132A7}" dt="2023-05-08T22:46:55.378" v="607"/>
-          <ac:cxnSpMkLst>
-            <pc:docMk/>
-            <pc:sldMk cId="2524729559" sldId="259"/>
-            <ac:cxnSpMk id="96" creationId="{30235B87-65EF-9344-A704-ADE2FAFDA3DA}"/>
-          </ac:cxnSpMkLst>
-        </pc:cxnChg>
-        <pc:cxnChg chg="mod">
-          <ac:chgData name="Schilling Sabine HSLU W" userId="b0e2af5c-9187-4900-883a-c96514cd8e15" providerId="ADAL" clId="{A718DE39-B585-FE45-9424-AE0F75B132A7}" dt="2023-05-08T22:54:34.981" v="655"/>
-          <ac:cxnSpMkLst>
-            <pc:docMk/>
-            <pc:sldMk cId="2524729559" sldId="259"/>
-            <ac:cxnSpMk id="101" creationId="{081A7D4F-3955-7B45-99A7-D179FFD3CAF3}"/>
-          </ac:cxnSpMkLst>
-        </pc:cxnChg>
-        <pc:cxnChg chg="mod">
-          <ac:chgData name="Schilling Sabine HSLU W" userId="b0e2af5c-9187-4900-883a-c96514cd8e15" providerId="ADAL" clId="{A718DE39-B585-FE45-9424-AE0F75B132A7}" dt="2023-05-08T22:54:34.981" v="655"/>
-          <ac:cxnSpMkLst>
-            <pc:docMk/>
-            <pc:sldMk cId="2524729559" sldId="259"/>
-            <ac:cxnSpMk id="102" creationId="{632E964A-6AC1-DE4F-9999-AF9328E116CF}"/>
-          </ac:cxnSpMkLst>
-        </pc:cxnChg>
-        <pc:cxnChg chg="add mod">
-          <ac:chgData name="Schilling Sabine HSLU W" userId="b0e2af5c-9187-4900-883a-c96514cd8e15" providerId="ADAL" clId="{A718DE39-B585-FE45-9424-AE0F75B132A7}" dt="2023-05-08T22:55:02.127" v="658"/>
-          <ac:cxnSpMkLst>
-            <pc:docMk/>
-            <pc:sldMk cId="2524729559" sldId="259"/>
-            <ac:cxnSpMk id="103" creationId="{E5A1592E-E2D0-D047-A37B-6903D4C5AE83}"/>
-          </ac:cxnSpMkLst>
-        </pc:cxnChg>
-        <pc:cxnChg chg="add mod">
-          <ac:chgData name="Schilling Sabine HSLU W" userId="b0e2af5c-9187-4900-883a-c96514cd8e15" providerId="ADAL" clId="{A718DE39-B585-FE45-9424-AE0F75B132A7}" dt="2023-05-08T22:55:28.424" v="661" actId="1076"/>
-          <ac:cxnSpMkLst>
-            <pc:docMk/>
-            <pc:sldMk cId="2524729559" sldId="259"/>
-            <ac:cxnSpMk id="104" creationId="{CF429E8F-7133-3F4E-959E-01A0C3122673}"/>
-          </ac:cxnSpMkLst>
-        </pc:cxnChg>
-        <pc:cxnChg chg="add mod">
-          <ac:chgData name="Schilling Sabine HSLU W" userId="b0e2af5c-9187-4900-883a-c96514cd8e15" providerId="ADAL" clId="{A718DE39-B585-FE45-9424-AE0F75B132A7}" dt="2023-05-08T22:57:21.208" v="670" actId="1076"/>
-          <ac:cxnSpMkLst>
-            <pc:docMk/>
-            <pc:sldMk cId="2524729559" sldId="259"/>
-            <ac:cxnSpMk id="105" creationId="{1465166C-CF18-664E-A6E3-32EB0E33B980}"/>
-          </ac:cxnSpMkLst>
-        </pc:cxnChg>
-        <pc:cxnChg chg="add mod">
-          <ac:chgData name="Schilling Sabine HSLU W" userId="b0e2af5c-9187-4900-883a-c96514cd8e15" providerId="ADAL" clId="{A718DE39-B585-FE45-9424-AE0F75B132A7}" dt="2023-06-04T13:43:19.135" v="1659" actId="478"/>
-          <ac:cxnSpMkLst>
-            <pc:docMk/>
-            <pc:sldMk cId="2524729559" sldId="259"/>
-            <ac:cxnSpMk id="106" creationId="{C90D454B-D6FF-5C46-9462-9CFB0F03BFEC}"/>
-          </ac:cxnSpMkLst>
-        </pc:cxnChg>
       </pc:sldChg>
       <pc:sldChg chg="addSp delSp modSp add mod">
         <pc:chgData name="Schilling Sabine HSLU W" userId="b0e2af5c-9187-4900-883a-c96514cd8e15" providerId="ADAL" clId="{A718DE39-B585-FE45-9424-AE0F75B132A7}" dt="2023-06-05T21:56:51.479" v="2427" actId="478"/>
@@ -812,166 +211,6 @@
           <pc:docMk/>
           <pc:sldMk cId="1088011539" sldId="260"/>
         </pc:sldMkLst>
-        <pc:spChg chg="del mod">
-          <ac:chgData name="Schilling Sabine HSLU W" userId="b0e2af5c-9187-4900-883a-c96514cd8e15" providerId="ADAL" clId="{A718DE39-B585-FE45-9424-AE0F75B132A7}" dt="2023-05-08T16:58:49.198" v="491" actId="478"/>
-          <ac:spMkLst>
-            <pc:docMk/>
-            <pc:sldMk cId="1088011539" sldId="260"/>
-            <ac:spMk id="7" creationId="{D954AB4D-A237-C043-A913-633703A9C26B}"/>
-          </ac:spMkLst>
-        </pc:spChg>
-        <pc:spChg chg="mod">
-          <ac:chgData name="Schilling Sabine HSLU W" userId="b0e2af5c-9187-4900-883a-c96514cd8e15" providerId="ADAL" clId="{A718DE39-B585-FE45-9424-AE0F75B132A7}" dt="2023-06-05T21:08:17.390" v="2358" actId="20577"/>
-          <ac:spMkLst>
-            <pc:docMk/>
-            <pc:sldMk cId="1088011539" sldId="260"/>
-            <ac:spMk id="8" creationId="{295FEA9A-D31C-504B-9808-C226C7EA0707}"/>
-          </ac:spMkLst>
-        </pc:spChg>
-        <pc:spChg chg="del">
-          <ac:chgData name="Schilling Sabine HSLU W" userId="b0e2af5c-9187-4900-883a-c96514cd8e15" providerId="ADAL" clId="{A718DE39-B585-FE45-9424-AE0F75B132A7}" dt="2023-06-05T15:02:24.387" v="2198" actId="478"/>
-          <ac:spMkLst>
-            <pc:docMk/>
-            <pc:sldMk cId="1088011539" sldId="260"/>
-            <ac:spMk id="12" creationId="{5B3D02EE-D20F-6749-A7FA-5999503CC955}"/>
-          </ac:spMkLst>
-        </pc:spChg>
-        <pc:spChg chg="del mod">
-          <ac:chgData name="Schilling Sabine HSLU W" userId="b0e2af5c-9187-4900-883a-c96514cd8e15" providerId="ADAL" clId="{A718DE39-B585-FE45-9424-AE0F75B132A7}" dt="2023-05-08T16:53:47.294" v="413" actId="478"/>
-          <ac:spMkLst>
-            <pc:docMk/>
-            <pc:sldMk cId="1088011539" sldId="260"/>
-            <ac:spMk id="13" creationId="{EA67BA80-9E95-9842-A47F-3FEB28489E11}"/>
-          </ac:spMkLst>
-        </pc:spChg>
-        <pc:spChg chg="del">
-          <ac:chgData name="Schilling Sabine HSLU W" userId="b0e2af5c-9187-4900-883a-c96514cd8e15" providerId="ADAL" clId="{A718DE39-B585-FE45-9424-AE0F75B132A7}" dt="2023-05-08T16:53:49.480" v="414" actId="478"/>
-          <ac:spMkLst>
-            <pc:docMk/>
-            <pc:sldMk cId="1088011539" sldId="260"/>
-            <ac:spMk id="15" creationId="{58467891-55C0-5A49-B45B-A1069D545E73}"/>
-          </ac:spMkLst>
-        </pc:spChg>
-        <pc:spChg chg="mod">
-          <ac:chgData name="Schilling Sabine HSLU W" userId="b0e2af5c-9187-4900-883a-c96514cd8e15" providerId="ADAL" clId="{A718DE39-B585-FE45-9424-AE0F75B132A7}" dt="2023-06-05T15:09:12.157" v="2353" actId="1076"/>
-          <ac:spMkLst>
-            <pc:docMk/>
-            <pc:sldMk cId="1088011539" sldId="260"/>
-            <ac:spMk id="18" creationId="{2335DB6E-64F6-8949-ABC8-401B69001A05}"/>
-          </ac:spMkLst>
-        </pc:spChg>
-        <pc:spChg chg="del mod">
-          <ac:chgData name="Schilling Sabine HSLU W" userId="b0e2af5c-9187-4900-883a-c96514cd8e15" providerId="ADAL" clId="{A718DE39-B585-FE45-9424-AE0F75B132A7}" dt="2023-06-05T21:56:35.144" v="2425" actId="478"/>
-          <ac:spMkLst>
-            <pc:docMk/>
-            <pc:sldMk cId="1088011539" sldId="260"/>
-            <ac:spMk id="23" creationId="{36EF0048-2E31-5040-B491-130A578F1E88}"/>
-          </ac:spMkLst>
-        </pc:spChg>
-        <pc:spChg chg="mod">
-          <ac:chgData name="Schilling Sabine HSLU W" userId="b0e2af5c-9187-4900-883a-c96514cd8e15" providerId="ADAL" clId="{A718DE39-B585-FE45-9424-AE0F75B132A7}" dt="2023-05-08T16:53:30.293" v="402" actId="20577"/>
-          <ac:spMkLst>
-            <pc:docMk/>
-            <pc:sldMk cId="1088011539" sldId="260"/>
-            <ac:spMk id="24" creationId="{28E8A1CE-2F5B-CA41-BF4F-D564FE688F4A}"/>
-          </ac:spMkLst>
-        </pc:spChg>
-        <pc:spChg chg="add del mod">
-          <ac:chgData name="Schilling Sabine HSLU W" userId="b0e2af5c-9187-4900-883a-c96514cd8e15" providerId="ADAL" clId="{A718DE39-B585-FE45-9424-AE0F75B132A7}" dt="2023-05-08T16:55:10.501" v="419" actId="478"/>
-          <ac:spMkLst>
-            <pc:docMk/>
-            <pc:sldMk cId="1088011539" sldId="260"/>
-            <ac:spMk id="48" creationId="{13DA8944-F7A5-4040-9550-D11D579973D9}"/>
-          </ac:spMkLst>
-        </pc:spChg>
-        <pc:spChg chg="add del mod">
-          <ac:chgData name="Schilling Sabine HSLU W" userId="b0e2af5c-9187-4900-883a-c96514cd8e15" providerId="ADAL" clId="{A718DE39-B585-FE45-9424-AE0F75B132A7}" dt="2023-05-08T16:57:26.287" v="436" actId="478"/>
-          <ac:spMkLst>
-            <pc:docMk/>
-            <pc:sldMk cId="1088011539" sldId="260"/>
-            <ac:spMk id="49" creationId="{EACFC4C8-EF57-834C-ADE6-C40978CA162D}"/>
-          </ac:spMkLst>
-        </pc:spChg>
-        <pc:spChg chg="mod">
-          <ac:chgData name="Schilling Sabine HSLU W" userId="b0e2af5c-9187-4900-883a-c96514cd8e15" providerId="ADAL" clId="{A718DE39-B585-FE45-9424-AE0F75B132A7}" dt="2023-06-05T15:03:47.009" v="2208" actId="20577"/>
-          <ac:spMkLst>
-            <pc:docMk/>
-            <pc:sldMk cId="1088011539" sldId="260"/>
-            <ac:spMk id="50" creationId="{EDADB854-50AC-BA4C-8480-8C0EC7EFB4F3}"/>
-          </ac:spMkLst>
-        </pc:spChg>
-        <pc:spChg chg="add mod">
-          <ac:chgData name="Schilling Sabine HSLU W" userId="b0e2af5c-9187-4900-883a-c96514cd8e15" providerId="ADAL" clId="{A718DE39-B585-FE45-9424-AE0F75B132A7}" dt="2023-05-08T23:03:13.292" v="767" actId="20577"/>
-          <ac:spMkLst>
-            <pc:docMk/>
-            <pc:sldMk cId="1088011539" sldId="260"/>
-            <ac:spMk id="54" creationId="{09096385-B072-5849-911C-33206C250362}"/>
-          </ac:spMkLst>
-        </pc:spChg>
-        <pc:spChg chg="add del mod">
-          <ac:chgData name="Schilling Sabine HSLU W" userId="b0e2af5c-9187-4900-883a-c96514cd8e15" providerId="ADAL" clId="{A718DE39-B585-FE45-9424-AE0F75B132A7}" dt="2023-06-05T15:02:51.520" v="2199" actId="478"/>
-          <ac:spMkLst>
-            <pc:docMk/>
-            <pc:sldMk cId="1088011539" sldId="260"/>
-            <ac:spMk id="57" creationId="{4457E915-8121-894F-B1A5-3CF85CF037C9}"/>
-          </ac:spMkLst>
-        </pc:spChg>
-        <pc:spChg chg="del">
-          <ac:chgData name="Schilling Sabine HSLU W" userId="b0e2af5c-9187-4900-883a-c96514cd8e15" providerId="ADAL" clId="{A718DE39-B585-FE45-9424-AE0F75B132A7}" dt="2023-06-05T21:56:51.479" v="2427" actId="478"/>
-          <ac:spMkLst>
-            <pc:docMk/>
-            <pc:sldMk cId="1088011539" sldId="260"/>
-            <ac:spMk id="78" creationId="{0F06C551-4449-5949-BF67-889550F51913}"/>
-          </ac:spMkLst>
-        </pc:spChg>
-        <pc:grpChg chg="del">
-          <ac:chgData name="Schilling Sabine HSLU W" userId="b0e2af5c-9187-4900-883a-c96514cd8e15" providerId="ADAL" clId="{A718DE39-B585-FE45-9424-AE0F75B132A7}" dt="2023-05-08T16:54:44.628" v="418" actId="478"/>
-          <ac:grpSpMkLst>
-            <pc:docMk/>
-            <pc:sldMk cId="1088011539" sldId="260"/>
-            <ac:grpSpMk id="41" creationId="{83F09A16-73FE-ED4E-AD69-4F9A3E85F4FB}"/>
-          </ac:grpSpMkLst>
-        </pc:grpChg>
-        <pc:cxnChg chg="del">
-          <ac:chgData name="Schilling Sabine HSLU W" userId="b0e2af5c-9187-4900-883a-c96514cd8e15" providerId="ADAL" clId="{A718DE39-B585-FE45-9424-AE0F75B132A7}" dt="2023-05-08T23:19:36.695" v="933" actId="478"/>
-          <ac:cxnSpMkLst>
-            <pc:docMk/>
-            <pc:sldMk cId="1088011539" sldId="260"/>
-            <ac:cxnSpMk id="2" creationId="{C01A1D17-F046-0EEE-5C75-C706EDB2C4C0}"/>
-          </ac:cxnSpMkLst>
-        </pc:cxnChg>
-        <pc:cxnChg chg="del mod">
-          <ac:chgData name="Schilling Sabine HSLU W" userId="b0e2af5c-9187-4900-883a-c96514cd8e15" providerId="ADAL" clId="{A718DE39-B585-FE45-9424-AE0F75B132A7}" dt="2023-06-05T21:56:37.160" v="2426" actId="478"/>
-          <ac:cxnSpMkLst>
-            <pc:docMk/>
-            <pc:sldMk cId="1088011539" sldId="260"/>
-            <ac:cxnSpMk id="51" creationId="{210858E2-0DAE-5740-8F45-DA7EDB187874}"/>
-          </ac:cxnSpMkLst>
-        </pc:cxnChg>
-        <pc:cxnChg chg="add mod">
-          <ac:chgData name="Schilling Sabine HSLU W" userId="b0e2af5c-9187-4900-883a-c96514cd8e15" providerId="ADAL" clId="{A718DE39-B585-FE45-9424-AE0F75B132A7}" dt="2023-05-08T17:00:00.884" v="508" actId="1076"/>
-          <ac:cxnSpMkLst>
-            <pc:docMk/>
-            <pc:sldMk cId="1088011539" sldId="260"/>
-            <ac:cxnSpMk id="53" creationId="{4A5D2D83-247F-C742-B9A2-04A821DA6B77}"/>
-          </ac:cxnSpMkLst>
-        </pc:cxnChg>
-        <pc:cxnChg chg="add mod">
-          <ac:chgData name="Schilling Sabine HSLU W" userId="b0e2af5c-9187-4900-883a-c96514cd8e15" providerId="ADAL" clId="{A718DE39-B585-FE45-9424-AE0F75B132A7}" dt="2023-05-08T17:00:14.931" v="512" actId="14100"/>
-          <ac:cxnSpMkLst>
-            <pc:docMk/>
-            <pc:sldMk cId="1088011539" sldId="260"/>
-            <ac:cxnSpMk id="59" creationId="{4E3787B7-BCD5-A84C-BE86-030976E593D5}"/>
-          </ac:cxnSpMkLst>
-        </pc:cxnChg>
-        <pc:cxnChg chg="add del mod">
-          <ac:chgData name="Schilling Sabine HSLU W" userId="b0e2af5c-9187-4900-883a-c96514cd8e15" providerId="ADAL" clId="{A718DE39-B585-FE45-9424-AE0F75B132A7}" dt="2023-05-08T23:16:12.979" v="861"/>
-          <ac:cxnSpMkLst>
-            <pc:docMk/>
-            <pc:sldMk cId="1088011539" sldId="260"/>
-            <ac:cxnSpMk id="60" creationId="{517092F1-E631-4648-B3B8-05F496899A1A}"/>
-          </ac:cxnSpMkLst>
-        </pc:cxnChg>
       </pc:sldChg>
       <pc:sldChg chg="addSp delSp modSp add mod modNotesTx">
         <pc:chgData name="Schilling Sabine HSLU W" userId="b0e2af5c-9187-4900-883a-c96514cd8e15" providerId="ADAL" clId="{A718DE39-B585-FE45-9424-AE0F75B132A7}" dt="2023-06-05T21:55:20.992" v="2388" actId="255"/>
@@ -979,478 +218,6 @@
           <pc:docMk/>
           <pc:sldMk cId="2124167232" sldId="261"/>
         </pc:sldMkLst>
-        <pc:spChg chg="mod">
-          <ac:chgData name="Schilling Sabine HSLU W" userId="b0e2af5c-9187-4900-883a-c96514cd8e15" providerId="ADAL" clId="{A718DE39-B585-FE45-9424-AE0F75B132A7}" dt="2023-06-05T21:54:45.075" v="2382" actId="1076"/>
-          <ac:spMkLst>
-            <pc:docMk/>
-            <pc:sldMk cId="2124167232" sldId="261"/>
-            <ac:spMk id="7" creationId="{D954AB4D-A237-C043-A913-633703A9C26B}"/>
-          </ac:spMkLst>
-        </pc:spChg>
-        <pc:spChg chg="mod">
-          <ac:chgData name="Schilling Sabine HSLU W" userId="b0e2af5c-9187-4900-883a-c96514cd8e15" providerId="ADAL" clId="{A718DE39-B585-FE45-9424-AE0F75B132A7}" dt="2023-06-05T21:54:45.075" v="2382" actId="1076"/>
-          <ac:spMkLst>
-            <pc:docMk/>
-            <pc:sldMk cId="2124167232" sldId="261"/>
-            <ac:spMk id="8" creationId="{295FEA9A-D31C-504B-9808-C226C7EA0707}"/>
-          </ac:spMkLst>
-        </pc:spChg>
-        <pc:spChg chg="mod">
-          <ac:chgData name="Schilling Sabine HSLU W" userId="b0e2af5c-9187-4900-883a-c96514cd8e15" providerId="ADAL" clId="{A718DE39-B585-FE45-9424-AE0F75B132A7}" dt="2023-06-05T21:54:45.075" v="2382" actId="1076"/>
-          <ac:spMkLst>
-            <pc:docMk/>
-            <pc:sldMk cId="2124167232" sldId="261"/>
-            <ac:spMk id="9" creationId="{8348F7DE-DD58-0040-AD2D-ECF76CE16313}"/>
-          </ac:spMkLst>
-        </pc:spChg>
-        <pc:spChg chg="mod">
-          <ac:chgData name="Schilling Sabine HSLU W" userId="b0e2af5c-9187-4900-883a-c96514cd8e15" providerId="ADAL" clId="{A718DE39-B585-FE45-9424-AE0F75B132A7}" dt="2023-06-05T21:54:45.075" v="2382" actId="1076"/>
-          <ac:spMkLst>
-            <pc:docMk/>
-            <pc:sldMk cId="2124167232" sldId="261"/>
-            <ac:spMk id="12" creationId="{5B3D02EE-D20F-6749-A7FA-5999503CC955}"/>
-          </ac:spMkLst>
-        </pc:spChg>
-        <pc:spChg chg="mod">
-          <ac:chgData name="Schilling Sabine HSLU W" userId="b0e2af5c-9187-4900-883a-c96514cd8e15" providerId="ADAL" clId="{A718DE39-B585-FE45-9424-AE0F75B132A7}" dt="2023-06-05T21:54:45.075" v="2382" actId="1076"/>
-          <ac:spMkLst>
-            <pc:docMk/>
-            <pc:sldMk cId="2124167232" sldId="261"/>
-            <ac:spMk id="13" creationId="{EA67BA80-9E95-9842-A47F-3FEB28489E11}"/>
-          </ac:spMkLst>
-        </pc:spChg>
-        <pc:spChg chg="mod">
-          <ac:chgData name="Schilling Sabine HSLU W" userId="b0e2af5c-9187-4900-883a-c96514cd8e15" providerId="ADAL" clId="{A718DE39-B585-FE45-9424-AE0F75B132A7}" dt="2023-06-05T21:54:45.075" v="2382" actId="1076"/>
-          <ac:spMkLst>
-            <pc:docMk/>
-            <pc:sldMk cId="2124167232" sldId="261"/>
-            <ac:spMk id="15" creationId="{58467891-55C0-5A49-B45B-A1069D545E73}"/>
-          </ac:spMkLst>
-        </pc:spChg>
-        <pc:spChg chg="mod">
-          <ac:chgData name="Schilling Sabine HSLU W" userId="b0e2af5c-9187-4900-883a-c96514cd8e15" providerId="ADAL" clId="{A718DE39-B585-FE45-9424-AE0F75B132A7}" dt="2023-06-05T21:54:45.075" v="2382" actId="1076"/>
-          <ac:spMkLst>
-            <pc:docMk/>
-            <pc:sldMk cId="2124167232" sldId="261"/>
-            <ac:spMk id="18" creationId="{2335DB6E-64F6-8949-ABC8-401B69001A05}"/>
-          </ac:spMkLst>
-        </pc:spChg>
-        <pc:spChg chg="mod">
-          <ac:chgData name="Schilling Sabine HSLU W" userId="b0e2af5c-9187-4900-883a-c96514cd8e15" providerId="ADAL" clId="{A718DE39-B585-FE45-9424-AE0F75B132A7}" dt="2023-06-05T21:54:45.075" v="2382" actId="1076"/>
-          <ac:spMkLst>
-            <pc:docMk/>
-            <pc:sldMk cId="2124167232" sldId="261"/>
-            <ac:spMk id="19" creationId="{27AFF27F-0DD9-524C-897D-E4669B9A95DF}"/>
-          </ac:spMkLst>
-        </pc:spChg>
-        <pc:spChg chg="mod">
-          <ac:chgData name="Schilling Sabine HSLU W" userId="b0e2af5c-9187-4900-883a-c96514cd8e15" providerId="ADAL" clId="{A718DE39-B585-FE45-9424-AE0F75B132A7}" dt="2023-06-05T21:54:45.075" v="2382" actId="1076"/>
-          <ac:spMkLst>
-            <pc:docMk/>
-            <pc:sldMk cId="2124167232" sldId="261"/>
-            <ac:spMk id="22" creationId="{25BBDB14-38E4-0647-AC5E-BCFF1B8D2112}"/>
-          </ac:spMkLst>
-        </pc:spChg>
-        <pc:spChg chg="mod">
-          <ac:chgData name="Schilling Sabine HSLU W" userId="b0e2af5c-9187-4900-883a-c96514cd8e15" providerId="ADAL" clId="{A718DE39-B585-FE45-9424-AE0F75B132A7}" dt="2023-06-05T21:54:45.075" v="2382" actId="1076"/>
-          <ac:spMkLst>
-            <pc:docMk/>
-            <pc:sldMk cId="2124167232" sldId="261"/>
-            <ac:spMk id="23" creationId="{36EF0048-2E31-5040-B491-130A578F1E88}"/>
-          </ac:spMkLst>
-        </pc:spChg>
-        <pc:spChg chg="mod">
-          <ac:chgData name="Schilling Sabine HSLU W" userId="b0e2af5c-9187-4900-883a-c96514cd8e15" providerId="ADAL" clId="{A718DE39-B585-FE45-9424-AE0F75B132A7}" dt="2023-06-05T21:54:45.075" v="2382" actId="1076"/>
-          <ac:spMkLst>
-            <pc:docMk/>
-            <pc:sldMk cId="2124167232" sldId="261"/>
-            <ac:spMk id="24" creationId="{28E8A1CE-2F5B-CA41-BF4F-D564FE688F4A}"/>
-          </ac:spMkLst>
-        </pc:spChg>
-        <pc:spChg chg="mod">
-          <ac:chgData name="Schilling Sabine HSLU W" userId="b0e2af5c-9187-4900-883a-c96514cd8e15" providerId="ADAL" clId="{A718DE39-B585-FE45-9424-AE0F75B132A7}" dt="2023-06-05T21:54:45.075" v="2382" actId="1076"/>
-          <ac:spMkLst>
-            <pc:docMk/>
-            <pc:sldMk cId="2124167232" sldId="261"/>
-            <ac:spMk id="27" creationId="{154F606E-7DC7-FF4E-A02F-7F533D595B92}"/>
-          </ac:spMkLst>
-        </pc:spChg>
-        <pc:spChg chg="mod">
-          <ac:chgData name="Schilling Sabine HSLU W" userId="b0e2af5c-9187-4900-883a-c96514cd8e15" providerId="ADAL" clId="{A718DE39-B585-FE45-9424-AE0F75B132A7}" dt="2023-06-05T21:54:45.075" v="2382" actId="1076"/>
-          <ac:spMkLst>
-            <pc:docMk/>
-            <pc:sldMk cId="2124167232" sldId="261"/>
-            <ac:spMk id="28" creationId="{7D4896EC-C7F6-524F-8A17-71B3C9850771}"/>
-          </ac:spMkLst>
-        </pc:spChg>
-        <pc:spChg chg="mod">
-          <ac:chgData name="Schilling Sabine HSLU W" userId="b0e2af5c-9187-4900-883a-c96514cd8e15" providerId="ADAL" clId="{A718DE39-B585-FE45-9424-AE0F75B132A7}" dt="2023-06-05T21:54:45.075" v="2382" actId="1076"/>
-          <ac:spMkLst>
-            <pc:docMk/>
-            <pc:sldMk cId="2124167232" sldId="261"/>
-            <ac:spMk id="29" creationId="{A1E211F9-17D8-404F-BDD9-8FA1CF6DEBDF}"/>
-          </ac:spMkLst>
-        </pc:spChg>
-        <pc:spChg chg="mod">
-          <ac:chgData name="Schilling Sabine HSLU W" userId="b0e2af5c-9187-4900-883a-c96514cd8e15" providerId="ADAL" clId="{A718DE39-B585-FE45-9424-AE0F75B132A7}" dt="2023-06-05T21:54:45.075" v="2382" actId="1076"/>
-          <ac:spMkLst>
-            <pc:docMk/>
-            <pc:sldMk cId="2124167232" sldId="261"/>
-            <ac:spMk id="30" creationId="{5E44A5B4-1C65-9447-A4FA-813B5715A602}"/>
-          </ac:spMkLst>
-        </pc:spChg>
-        <pc:spChg chg="mod">
-          <ac:chgData name="Schilling Sabine HSLU W" userId="b0e2af5c-9187-4900-883a-c96514cd8e15" providerId="ADAL" clId="{A718DE39-B585-FE45-9424-AE0F75B132A7}" dt="2023-06-05T21:54:45.075" v="2382" actId="1076"/>
-          <ac:spMkLst>
-            <pc:docMk/>
-            <pc:sldMk cId="2124167232" sldId="261"/>
-            <ac:spMk id="31" creationId="{A84A5B24-3EDF-024C-BA56-40AE6A36DAEC}"/>
-          </ac:spMkLst>
-        </pc:spChg>
-        <pc:spChg chg="mod">
-          <ac:chgData name="Schilling Sabine HSLU W" userId="b0e2af5c-9187-4900-883a-c96514cd8e15" providerId="ADAL" clId="{A718DE39-B585-FE45-9424-AE0F75B132A7}" dt="2023-06-05T21:54:45.075" v="2382" actId="1076"/>
-          <ac:spMkLst>
-            <pc:docMk/>
-            <pc:sldMk cId="2124167232" sldId="261"/>
-            <ac:spMk id="32" creationId="{071DF41B-9DEB-6D43-B3A8-72AD854F6F00}"/>
-          </ac:spMkLst>
-        </pc:spChg>
-        <pc:spChg chg="mod">
-          <ac:chgData name="Schilling Sabine HSLU W" userId="b0e2af5c-9187-4900-883a-c96514cd8e15" providerId="ADAL" clId="{A718DE39-B585-FE45-9424-AE0F75B132A7}" dt="2023-06-05T21:54:45.075" v="2382" actId="1076"/>
-          <ac:spMkLst>
-            <pc:docMk/>
-            <pc:sldMk cId="2124167232" sldId="261"/>
-            <ac:spMk id="50" creationId="{EDADB854-50AC-BA4C-8480-8C0EC7EFB4F3}"/>
-          </ac:spMkLst>
-        </pc:spChg>
-        <pc:spChg chg="add del mod">
-          <ac:chgData name="Schilling Sabine HSLU W" userId="b0e2af5c-9187-4900-883a-c96514cd8e15" providerId="ADAL" clId="{A718DE39-B585-FE45-9424-AE0F75B132A7}" dt="2023-06-05T09:44:15.447" v="1853"/>
-          <ac:spMkLst>
-            <pc:docMk/>
-            <pc:sldMk cId="2124167232" sldId="261"/>
-            <ac:spMk id="64" creationId="{FD37AB60-79C4-0D43-9ECA-2917170161CE}"/>
-          </ac:spMkLst>
-        </pc:spChg>
-        <pc:spChg chg="del">
-          <ac:chgData name="Schilling Sabine HSLU W" userId="b0e2af5c-9187-4900-883a-c96514cd8e15" providerId="ADAL" clId="{A718DE39-B585-FE45-9424-AE0F75B132A7}" dt="2023-06-04T13:52:59.548" v="1722" actId="478"/>
-          <ac:spMkLst>
-            <pc:docMk/>
-            <pc:sldMk cId="2124167232" sldId="261"/>
-            <ac:spMk id="80" creationId="{21BB76EE-C80E-914A-A835-D90D262EF5C4}"/>
-          </ac:spMkLst>
-        </pc:spChg>
-        <pc:spChg chg="mod">
-          <ac:chgData name="Schilling Sabine HSLU W" userId="b0e2af5c-9187-4900-883a-c96514cd8e15" providerId="ADAL" clId="{A718DE39-B585-FE45-9424-AE0F75B132A7}" dt="2023-06-05T21:54:45.075" v="2382" actId="1076"/>
-          <ac:spMkLst>
-            <pc:docMk/>
-            <pc:sldMk cId="2124167232" sldId="261"/>
-            <ac:spMk id="82" creationId="{058ACE3D-4E4D-8A41-B7BD-3A0C51AE99CF}"/>
-          </ac:spMkLst>
-        </pc:spChg>
-        <pc:spChg chg="del">
-          <ac:chgData name="Schilling Sabine HSLU W" userId="b0e2af5c-9187-4900-883a-c96514cd8e15" providerId="ADAL" clId="{A718DE39-B585-FE45-9424-AE0F75B132A7}" dt="2023-06-05T10:20:00.311" v="1924" actId="478"/>
-          <ac:spMkLst>
-            <pc:docMk/>
-            <pc:sldMk cId="2124167232" sldId="261"/>
-            <ac:spMk id="87" creationId="{B8B2C9CD-29A4-BA45-90B4-448E4B36BF59}"/>
-          </ac:spMkLst>
-        </pc:spChg>
-        <pc:spChg chg="mod">
-          <ac:chgData name="Schilling Sabine HSLU W" userId="b0e2af5c-9187-4900-883a-c96514cd8e15" providerId="ADAL" clId="{A718DE39-B585-FE45-9424-AE0F75B132A7}" dt="2023-06-05T21:54:45.075" v="2382" actId="1076"/>
-          <ac:spMkLst>
-            <pc:docMk/>
-            <pc:sldMk cId="2124167232" sldId="261"/>
-            <ac:spMk id="88" creationId="{0E5AFE29-9DE7-3648-9268-979960C55ADC}"/>
-          </ac:spMkLst>
-        </pc:spChg>
-        <pc:spChg chg="del">
-          <ac:chgData name="Schilling Sabine HSLU W" userId="b0e2af5c-9187-4900-883a-c96514cd8e15" providerId="ADAL" clId="{A718DE39-B585-FE45-9424-AE0F75B132A7}" dt="2023-06-05T10:19:57.793" v="1923" actId="478"/>
-          <ac:spMkLst>
-            <pc:docMk/>
-            <pc:sldMk cId="2124167232" sldId="261"/>
-            <ac:spMk id="89" creationId="{7CB6C8CE-EEA2-CD43-A414-C375E3700667}"/>
-          </ac:spMkLst>
-        </pc:spChg>
-        <pc:spChg chg="mod">
-          <ac:chgData name="Schilling Sabine HSLU W" userId="b0e2af5c-9187-4900-883a-c96514cd8e15" providerId="ADAL" clId="{A718DE39-B585-FE45-9424-AE0F75B132A7}" dt="2023-06-05T21:54:45.075" v="2382" actId="1076"/>
-          <ac:spMkLst>
-            <pc:docMk/>
-            <pc:sldMk cId="2124167232" sldId="261"/>
-            <ac:spMk id="91" creationId="{CA845AB3-04D9-1F49-BCF4-C436B10CBCD7}"/>
-          </ac:spMkLst>
-        </pc:spChg>
-        <pc:spChg chg="mod">
-          <ac:chgData name="Schilling Sabine HSLU W" userId="b0e2af5c-9187-4900-883a-c96514cd8e15" providerId="ADAL" clId="{A718DE39-B585-FE45-9424-AE0F75B132A7}" dt="2023-06-05T21:54:45.075" v="2382" actId="1076"/>
-          <ac:spMkLst>
-            <pc:docMk/>
-            <pc:sldMk cId="2124167232" sldId="261"/>
-            <ac:spMk id="93" creationId="{487C5E26-0FCA-9D43-9804-1F43DC2563A0}"/>
-          </ac:spMkLst>
-        </pc:spChg>
-        <pc:spChg chg="mod">
-          <ac:chgData name="Schilling Sabine HSLU W" userId="b0e2af5c-9187-4900-883a-c96514cd8e15" providerId="ADAL" clId="{A718DE39-B585-FE45-9424-AE0F75B132A7}" dt="2023-06-05T21:54:45.075" v="2382" actId="1076"/>
-          <ac:spMkLst>
-            <pc:docMk/>
-            <pc:sldMk cId="2124167232" sldId="261"/>
-            <ac:spMk id="94" creationId="{0A82FAB2-00BE-5946-BC39-F6CE2D795AEE}"/>
-          </ac:spMkLst>
-        </pc:spChg>
-        <pc:spChg chg="del">
-          <ac:chgData name="Schilling Sabine HSLU W" userId="b0e2af5c-9187-4900-883a-c96514cd8e15" providerId="ADAL" clId="{A718DE39-B585-FE45-9424-AE0F75B132A7}" dt="2023-06-04T13:53:03.366" v="1723" actId="478"/>
-          <ac:spMkLst>
-            <pc:docMk/>
-            <pc:sldMk cId="2124167232" sldId="261"/>
-            <ac:spMk id="97" creationId="{34ABFF97-4EDA-8A46-924C-6C1AB82DDAE0}"/>
-          </ac:spMkLst>
-        </pc:spChg>
-        <pc:spChg chg="del">
-          <ac:chgData name="Schilling Sabine HSLU W" userId="b0e2af5c-9187-4900-883a-c96514cd8e15" providerId="ADAL" clId="{A718DE39-B585-FE45-9424-AE0F75B132A7}" dt="2023-06-05T09:45:01.218" v="1856" actId="478"/>
-          <ac:spMkLst>
-            <pc:docMk/>
-            <pc:sldMk cId="2124167232" sldId="261"/>
-            <ac:spMk id="98" creationId="{BC90166D-F1CA-654E-8180-7CE0DAAACBBC}"/>
-          </ac:spMkLst>
-        </pc:spChg>
-        <pc:spChg chg="del">
-          <ac:chgData name="Schilling Sabine HSLU W" userId="b0e2af5c-9187-4900-883a-c96514cd8e15" providerId="ADAL" clId="{A718DE39-B585-FE45-9424-AE0F75B132A7}" dt="2023-06-05T09:44:55.176" v="1855" actId="478"/>
-          <ac:spMkLst>
-            <pc:docMk/>
-            <pc:sldMk cId="2124167232" sldId="261"/>
-            <ac:spMk id="99" creationId="{C388AAB4-9470-B240-BB73-85115F4C036C}"/>
-          </ac:spMkLst>
-        </pc:spChg>
-        <pc:spChg chg="add mod">
-          <ac:chgData name="Schilling Sabine HSLU W" userId="b0e2af5c-9187-4900-883a-c96514cd8e15" providerId="ADAL" clId="{A718DE39-B585-FE45-9424-AE0F75B132A7}" dt="2023-06-05T21:54:55.693" v="2384" actId="1076"/>
-          <ac:spMkLst>
-            <pc:docMk/>
-            <pc:sldMk cId="2124167232" sldId="261"/>
-            <ac:spMk id="120" creationId="{5BF71A48-A690-3F44-A027-26FB590AED49}"/>
-          </ac:spMkLst>
-        </pc:spChg>
-        <pc:spChg chg="add mod">
-          <ac:chgData name="Schilling Sabine HSLU W" userId="b0e2af5c-9187-4900-883a-c96514cd8e15" providerId="ADAL" clId="{A718DE39-B585-FE45-9424-AE0F75B132A7}" dt="2023-06-05T21:54:59.499" v="2385" actId="1076"/>
-          <ac:spMkLst>
-            <pc:docMk/>
-            <pc:sldMk cId="2124167232" sldId="261"/>
-            <ac:spMk id="121" creationId="{47917634-4AB2-2B4C-9DB5-726D47A410C7}"/>
-          </ac:spMkLst>
-        </pc:spChg>
-        <pc:spChg chg="add mod">
-          <ac:chgData name="Schilling Sabine HSLU W" userId="b0e2af5c-9187-4900-883a-c96514cd8e15" providerId="ADAL" clId="{A718DE39-B585-FE45-9424-AE0F75B132A7}" dt="2023-06-05T21:54:53.022" v="2383" actId="1076"/>
-          <ac:spMkLst>
-            <pc:docMk/>
-            <pc:sldMk cId="2124167232" sldId="261"/>
-            <ac:spMk id="122" creationId="{60669524-F80D-B648-BDD7-AE34244714A6}"/>
-          </ac:spMkLst>
-        </pc:spChg>
-        <pc:spChg chg="add mod">
-          <ac:chgData name="Schilling Sabine HSLU W" userId="b0e2af5c-9187-4900-883a-c96514cd8e15" providerId="ADAL" clId="{A718DE39-B585-FE45-9424-AE0F75B132A7}" dt="2023-06-05T21:55:20.992" v="2388" actId="255"/>
-          <ac:spMkLst>
-            <pc:docMk/>
-            <pc:sldMk cId="2124167232" sldId="261"/>
-            <ac:spMk id="124" creationId="{503B046D-58C0-0D47-AA46-B1416D553991}"/>
-          </ac:spMkLst>
-        </pc:spChg>
-        <pc:grpChg chg="mod">
-          <ac:chgData name="Schilling Sabine HSLU W" userId="b0e2af5c-9187-4900-883a-c96514cd8e15" providerId="ADAL" clId="{A718DE39-B585-FE45-9424-AE0F75B132A7}" dt="2023-06-05T21:54:45.075" v="2382" actId="1076"/>
-          <ac:grpSpMkLst>
-            <pc:docMk/>
-            <pc:sldMk cId="2124167232" sldId="261"/>
-            <ac:grpSpMk id="41" creationId="{83F09A16-73FE-ED4E-AD69-4F9A3E85F4FB}"/>
-          </ac:grpSpMkLst>
-        </pc:grpChg>
-        <pc:grpChg chg="mod">
-          <ac:chgData name="Schilling Sabine HSLU W" userId="b0e2af5c-9187-4900-883a-c96514cd8e15" providerId="ADAL" clId="{A718DE39-B585-FE45-9424-AE0F75B132A7}" dt="2023-06-05T21:54:45.075" v="2382" actId="1076"/>
-          <ac:grpSpMkLst>
-            <pc:docMk/>
-            <pc:sldMk cId="2124167232" sldId="261"/>
-            <ac:grpSpMk id="66" creationId="{281344E7-7346-ED47-88F2-43CF23662C53}"/>
-          </ac:grpSpMkLst>
-        </pc:grpChg>
-        <pc:grpChg chg="mod">
-          <ac:chgData name="Schilling Sabine HSLU W" userId="b0e2af5c-9187-4900-883a-c96514cd8e15" providerId="ADAL" clId="{A718DE39-B585-FE45-9424-AE0F75B132A7}" dt="2023-06-05T21:54:45.075" v="2382" actId="1076"/>
-          <ac:grpSpMkLst>
-            <pc:docMk/>
-            <pc:sldMk cId="2124167232" sldId="261"/>
-            <ac:grpSpMk id="69" creationId="{F293F561-4FC8-2849-9124-4C6573975351}"/>
-          </ac:grpSpMkLst>
-        </pc:grpChg>
-        <pc:grpChg chg="del">
-          <ac:chgData name="Schilling Sabine HSLU W" userId="b0e2af5c-9187-4900-883a-c96514cd8e15" providerId="ADAL" clId="{A718DE39-B585-FE45-9424-AE0F75B132A7}" dt="2023-06-05T10:19:48.774" v="1922" actId="478"/>
-          <ac:grpSpMkLst>
-            <pc:docMk/>
-            <pc:sldMk cId="2124167232" sldId="261"/>
-            <ac:grpSpMk id="90" creationId="{7B8FC5AF-7834-A64B-84B2-D8DA87C86379}"/>
-          </ac:grpSpMkLst>
-        </pc:grpChg>
-        <pc:grpChg chg="del">
-          <ac:chgData name="Schilling Sabine HSLU W" userId="b0e2af5c-9187-4900-883a-c96514cd8e15" providerId="ADAL" clId="{A718DE39-B585-FE45-9424-AE0F75B132A7}" dt="2023-06-05T09:44:51.300" v="1854" actId="478"/>
-          <ac:grpSpMkLst>
-            <pc:docMk/>
-            <pc:sldMk cId="2124167232" sldId="261"/>
-            <ac:grpSpMk id="100" creationId="{C3286D5F-EDC9-C940-883C-2F2105ED3C14}"/>
-          </ac:grpSpMkLst>
-        </pc:grpChg>
-        <pc:grpChg chg="add mod">
-          <ac:chgData name="Schilling Sabine HSLU W" userId="b0e2af5c-9187-4900-883a-c96514cd8e15" providerId="ADAL" clId="{A718DE39-B585-FE45-9424-AE0F75B132A7}" dt="2023-06-05T21:54:45.075" v="2382" actId="1076"/>
-          <ac:grpSpMkLst>
-            <pc:docMk/>
-            <pc:sldMk cId="2124167232" sldId="261"/>
-            <ac:grpSpMk id="108" creationId="{92E4899E-5A66-2644-8DA1-99351EF0D72D}"/>
-          </ac:grpSpMkLst>
-        </pc:grpChg>
-        <pc:cxnChg chg="mod">
-          <ac:chgData name="Schilling Sabine HSLU W" userId="b0e2af5c-9187-4900-883a-c96514cd8e15" providerId="ADAL" clId="{A718DE39-B585-FE45-9424-AE0F75B132A7}" dt="2023-06-05T21:54:45.075" v="2382" actId="1076"/>
-          <ac:cxnSpMkLst>
-            <pc:docMk/>
-            <pc:sldMk cId="2124167232" sldId="261"/>
-            <ac:cxnSpMk id="2" creationId="{C01A1D17-F046-0EEE-5C75-C706EDB2C4C0}"/>
-          </ac:cxnSpMkLst>
-        </pc:cxnChg>
-        <pc:cxnChg chg="mod">
-          <ac:chgData name="Schilling Sabine HSLU W" userId="b0e2af5c-9187-4900-883a-c96514cd8e15" providerId="ADAL" clId="{A718DE39-B585-FE45-9424-AE0F75B132A7}" dt="2023-06-05T21:54:45.075" v="2382" actId="1076"/>
-          <ac:cxnSpMkLst>
-            <pc:docMk/>
-            <pc:sldMk cId="2124167232" sldId="261"/>
-            <ac:cxnSpMk id="20" creationId="{7D99A9B4-E07A-52B7-4249-35305B9F71C3}"/>
-          </ac:cxnSpMkLst>
-        </pc:cxnChg>
-        <pc:cxnChg chg="del">
-          <ac:chgData name="Schilling Sabine HSLU W" userId="b0e2af5c-9187-4900-883a-c96514cd8e15" providerId="ADAL" clId="{A718DE39-B585-FE45-9424-AE0F75B132A7}" dt="2023-06-05T10:20:12.706" v="1926" actId="478"/>
-          <ac:cxnSpMkLst>
-            <pc:docMk/>
-            <pc:sldMk cId="2124167232" sldId="261"/>
-            <ac:cxnSpMk id="40" creationId="{0D10A4BB-670F-5F4A-A0F3-729FC94455AB}"/>
-          </ac:cxnSpMkLst>
-        </pc:cxnChg>
-        <pc:cxnChg chg="mod">
-          <ac:chgData name="Schilling Sabine HSLU W" userId="b0e2af5c-9187-4900-883a-c96514cd8e15" providerId="ADAL" clId="{A718DE39-B585-FE45-9424-AE0F75B132A7}" dt="2023-06-05T21:54:45.075" v="2382" actId="1076"/>
-          <ac:cxnSpMkLst>
-            <pc:docMk/>
-            <pc:sldMk cId="2124167232" sldId="261"/>
-            <ac:cxnSpMk id="44" creationId="{41CB2540-231C-6703-779B-A332362CCCD0}"/>
-          </ac:cxnSpMkLst>
-        </pc:cxnChg>
-        <pc:cxnChg chg="mod">
-          <ac:chgData name="Schilling Sabine HSLU W" userId="b0e2af5c-9187-4900-883a-c96514cd8e15" providerId="ADAL" clId="{A718DE39-B585-FE45-9424-AE0F75B132A7}" dt="2023-06-05T21:54:45.075" v="2382" actId="1076"/>
-          <ac:cxnSpMkLst>
-            <pc:docMk/>
-            <pc:sldMk cId="2124167232" sldId="261"/>
-            <ac:cxnSpMk id="45" creationId="{C345531F-D218-6149-D0A2-593D71DD481A}"/>
-          </ac:cxnSpMkLst>
-        </pc:cxnChg>
-        <pc:cxnChg chg="mod">
-          <ac:chgData name="Schilling Sabine HSLU W" userId="b0e2af5c-9187-4900-883a-c96514cd8e15" providerId="ADAL" clId="{A718DE39-B585-FE45-9424-AE0F75B132A7}" dt="2023-06-05T21:54:45.075" v="2382" actId="1076"/>
-          <ac:cxnSpMkLst>
-            <pc:docMk/>
-            <pc:sldMk cId="2124167232" sldId="261"/>
-            <ac:cxnSpMk id="46" creationId="{2C705129-730D-E48F-BAF5-71C823C4600D}"/>
-          </ac:cxnSpMkLst>
-        </pc:cxnChg>
-        <pc:cxnChg chg="del mod">
-          <ac:chgData name="Schilling Sabine HSLU W" userId="b0e2af5c-9187-4900-883a-c96514cd8e15" providerId="ADAL" clId="{A718DE39-B585-FE45-9424-AE0F75B132A7}" dt="2023-06-05T09:45:25.315" v="1864" actId="478"/>
-          <ac:cxnSpMkLst>
-            <pc:docMk/>
-            <pc:sldMk cId="2124167232" sldId="261"/>
-            <ac:cxnSpMk id="47" creationId="{C197452A-EA6E-C347-904C-AB87B9A22813}"/>
-          </ac:cxnSpMkLst>
-        </pc:cxnChg>
-        <pc:cxnChg chg="mod">
-          <ac:chgData name="Schilling Sabine HSLU W" userId="b0e2af5c-9187-4900-883a-c96514cd8e15" providerId="ADAL" clId="{A718DE39-B585-FE45-9424-AE0F75B132A7}" dt="2023-06-05T21:54:45.075" v="2382" actId="1076"/>
-          <ac:cxnSpMkLst>
-            <pc:docMk/>
-            <pc:sldMk cId="2124167232" sldId="261"/>
-            <ac:cxnSpMk id="51" creationId="{210858E2-0DAE-5740-8F45-DA7EDB187874}"/>
-          </ac:cxnSpMkLst>
-        </pc:cxnChg>
-        <pc:cxnChg chg="add mod">
-          <ac:chgData name="Schilling Sabine HSLU W" userId="b0e2af5c-9187-4900-883a-c96514cd8e15" providerId="ADAL" clId="{A718DE39-B585-FE45-9424-AE0F75B132A7}" dt="2023-06-05T21:54:45.075" v="2382" actId="1076"/>
-          <ac:cxnSpMkLst>
-            <pc:docMk/>
-            <pc:sldMk cId="2124167232" sldId="261"/>
-            <ac:cxnSpMk id="61" creationId="{D5F34D77-97A5-5748-A006-464A7F69597C}"/>
-          </ac:cxnSpMkLst>
-        </pc:cxnChg>
-        <pc:cxnChg chg="mod">
-          <ac:chgData name="Schilling Sabine HSLU W" userId="b0e2af5c-9187-4900-883a-c96514cd8e15" providerId="ADAL" clId="{A718DE39-B585-FE45-9424-AE0F75B132A7}" dt="2023-06-05T21:54:45.075" v="2382" actId="1076"/>
-          <ac:cxnSpMkLst>
-            <pc:docMk/>
-            <pc:sldMk cId="2124167232" sldId="261"/>
-            <ac:cxnSpMk id="77" creationId="{B3DE73AB-F7BE-824E-91E5-4E8A0CDAB16C}"/>
-          </ac:cxnSpMkLst>
-        </pc:cxnChg>
-        <pc:cxnChg chg="del mod">
-          <ac:chgData name="Schilling Sabine HSLU W" userId="b0e2af5c-9187-4900-883a-c96514cd8e15" providerId="ADAL" clId="{A718DE39-B585-FE45-9424-AE0F75B132A7}" dt="2023-06-05T12:03:39.404" v="2020" actId="478"/>
-          <ac:cxnSpMkLst>
-            <pc:docMk/>
-            <pc:sldMk cId="2124167232" sldId="261"/>
-            <ac:cxnSpMk id="85" creationId="{866FE5CB-A394-F946-9E64-757F0968CA3E}"/>
-          </ac:cxnSpMkLst>
-        </pc:cxnChg>
-        <pc:cxnChg chg="del mod">
-          <ac:chgData name="Schilling Sabine HSLU W" userId="b0e2af5c-9187-4900-883a-c96514cd8e15" providerId="ADAL" clId="{A718DE39-B585-FE45-9424-AE0F75B132A7}" dt="2023-06-05T12:03:41.148" v="2021" actId="478"/>
-          <ac:cxnSpMkLst>
-            <pc:docMk/>
-            <pc:sldMk cId="2124167232" sldId="261"/>
-            <ac:cxnSpMk id="86" creationId="{E8DACB91-86B4-1542-824F-8D15D1646A1F}"/>
-          </ac:cxnSpMkLst>
-        </pc:cxnChg>
-        <pc:cxnChg chg="mod">
-          <ac:chgData name="Schilling Sabine HSLU W" userId="b0e2af5c-9187-4900-883a-c96514cd8e15" providerId="ADAL" clId="{A718DE39-B585-FE45-9424-AE0F75B132A7}" dt="2023-06-05T21:54:45.075" v="2382" actId="1076"/>
-          <ac:cxnSpMkLst>
-            <pc:docMk/>
-            <pc:sldMk cId="2124167232" sldId="261"/>
-            <ac:cxnSpMk id="103" creationId="{E5A1592E-E2D0-D047-A37B-6903D4C5AE83}"/>
-          </ac:cxnSpMkLst>
-        </pc:cxnChg>
-        <pc:cxnChg chg="mod">
-          <ac:chgData name="Schilling Sabine HSLU W" userId="b0e2af5c-9187-4900-883a-c96514cd8e15" providerId="ADAL" clId="{A718DE39-B585-FE45-9424-AE0F75B132A7}" dt="2023-06-05T21:54:45.075" v="2382" actId="1076"/>
-          <ac:cxnSpMkLst>
-            <pc:docMk/>
-            <pc:sldMk cId="2124167232" sldId="261"/>
-            <ac:cxnSpMk id="104" creationId="{CF429E8F-7133-3F4E-959E-01A0C3122673}"/>
-          </ac:cxnSpMkLst>
-        </pc:cxnChg>
-        <pc:cxnChg chg="del">
-          <ac:chgData name="Schilling Sabine HSLU W" userId="b0e2af5c-9187-4900-883a-c96514cd8e15" providerId="ADAL" clId="{A718DE39-B585-FE45-9424-AE0F75B132A7}" dt="2023-06-05T10:20:14.807" v="1927" actId="478"/>
-          <ac:cxnSpMkLst>
-            <pc:docMk/>
-            <pc:sldMk cId="2124167232" sldId="261"/>
-            <ac:cxnSpMk id="105" creationId="{1465166C-CF18-664E-A6E3-32EB0E33B980}"/>
-          </ac:cxnSpMkLst>
-        </pc:cxnChg>
-        <pc:cxnChg chg="del mod">
-          <ac:chgData name="Schilling Sabine HSLU W" userId="b0e2af5c-9187-4900-883a-c96514cd8e15" providerId="ADAL" clId="{A718DE39-B585-FE45-9424-AE0F75B132A7}" dt="2023-06-05T09:46:10.628" v="1873" actId="478"/>
-          <ac:cxnSpMkLst>
-            <pc:docMk/>
-            <pc:sldMk cId="2124167232" sldId="261"/>
-            <ac:cxnSpMk id="106" creationId="{C90D454B-D6FF-5C46-9462-9CFB0F03BFEC}"/>
-          </ac:cxnSpMkLst>
-        </pc:cxnChg>
-        <pc:cxnChg chg="add mod">
-          <ac:chgData name="Schilling Sabine HSLU W" userId="b0e2af5c-9187-4900-883a-c96514cd8e15" providerId="ADAL" clId="{A718DE39-B585-FE45-9424-AE0F75B132A7}" dt="2023-06-05T21:54:45.075" v="2382" actId="1076"/>
-          <ac:cxnSpMkLst>
-            <pc:docMk/>
-            <pc:sldMk cId="2124167232" sldId="261"/>
-            <ac:cxnSpMk id="107" creationId="{E29BA28E-23C2-6E41-AF56-5E1EBCBA2A94}"/>
-          </ac:cxnSpMkLst>
-        </pc:cxnChg>
-        <pc:cxnChg chg="mod">
-          <ac:chgData name="Schilling Sabine HSLU W" userId="b0e2af5c-9187-4900-883a-c96514cd8e15" providerId="ADAL" clId="{A718DE39-B585-FE45-9424-AE0F75B132A7}" dt="2023-06-05T12:03:51.336" v="2023"/>
-          <ac:cxnSpMkLst>
-            <pc:docMk/>
-            <pc:sldMk cId="2124167232" sldId="261"/>
-            <ac:cxnSpMk id="109" creationId="{FAF19563-767B-CA4D-ADCE-25B2F272A461}"/>
-          </ac:cxnSpMkLst>
-        </pc:cxnChg>
-        <pc:cxnChg chg="mod">
-          <ac:chgData name="Schilling Sabine HSLU W" userId="b0e2af5c-9187-4900-883a-c96514cd8e15" providerId="ADAL" clId="{A718DE39-B585-FE45-9424-AE0F75B132A7}" dt="2023-06-05T12:03:51.336" v="2023"/>
-          <ac:cxnSpMkLst>
-            <pc:docMk/>
-            <pc:sldMk cId="2124167232" sldId="261"/>
-            <ac:cxnSpMk id="110" creationId="{B3651020-8A7C-AB47-BE26-D080FD6A7A52}"/>
-          </ac:cxnSpMkLst>
-        </pc:cxnChg>
       </pc:sldChg>
       <pc:sldChg chg="new del">
         <pc:chgData name="Schilling Sabine HSLU W" userId="b0e2af5c-9187-4900-883a-c96514cd8e15" providerId="ADAL" clId="{A718DE39-B585-FE45-9424-AE0F75B132A7}" dt="2023-06-05T17:20:57.100" v="2355" actId="2696"/>
@@ -1465,14 +232,6 @@
           <pc:docMk/>
           <pc:sldMk cId="1105313096" sldId="263"/>
         </pc:sldMkLst>
-        <pc:spChg chg="mod">
-          <ac:chgData name="Schilling Sabine HSLU W" userId="b0e2af5c-9187-4900-883a-c96514cd8e15" providerId="ADAL" clId="{A718DE39-B585-FE45-9424-AE0F75B132A7}" dt="2023-06-04T13:51:58.253" v="1687" actId="20577"/>
-          <ac:spMkLst>
-            <pc:docMk/>
-            <pc:sldMk cId="1105313096" sldId="263"/>
-            <ac:spMk id="2" creationId="{0ABCBDB6-E35D-6E4F-AC9B-BED33066BD7B}"/>
-          </ac:spMkLst>
-        </pc:spChg>
       </pc:sldChg>
     </pc:docChg>
   </pc:docChgLst>
@@ -1489,150 +248,6 @@
           <pc:docMk/>
           <pc:sldMk cId="448321463" sldId="258"/>
         </pc:sldMkLst>
-        <pc:spChg chg="mod">
-          <ac:chgData name="Sabine" userId="b0e2af5c-9187-4900-883a-c96514cd8e15" providerId="ADAL" clId="{B26FB922-3B4D-4BEB-9B56-C16FD5403E13}" dt="2023-05-08T14:40:05.045" v="63" actId="1076"/>
-          <ac:spMkLst>
-            <pc:docMk/>
-            <pc:sldMk cId="448321463" sldId="258"/>
-            <ac:spMk id="27" creationId="{154F606E-7DC7-FF4E-A02F-7F533D595B92}"/>
-          </ac:spMkLst>
-        </pc:spChg>
-        <pc:spChg chg="mod">
-          <ac:chgData name="Sabine" userId="b0e2af5c-9187-4900-883a-c96514cd8e15" providerId="ADAL" clId="{B26FB922-3B4D-4BEB-9B56-C16FD5403E13}" dt="2023-05-08T14:37:02.838" v="38" actId="1076"/>
-          <ac:spMkLst>
-            <pc:docMk/>
-            <pc:sldMk cId="448321463" sldId="258"/>
-            <ac:spMk id="28" creationId="{7D4896EC-C7F6-524F-8A17-71B3C9850771}"/>
-          </ac:spMkLst>
-        </pc:spChg>
-        <pc:spChg chg="mod">
-          <ac:chgData name="Sabine" userId="b0e2af5c-9187-4900-883a-c96514cd8e15" providerId="ADAL" clId="{B26FB922-3B4D-4BEB-9B56-C16FD5403E13}" dt="2023-05-08T14:36:52.534" v="34" actId="14100"/>
-          <ac:spMkLst>
-            <pc:docMk/>
-            <pc:sldMk cId="448321463" sldId="258"/>
-            <ac:spMk id="30" creationId="{5E44A5B4-1C65-9447-A4FA-813B5715A602}"/>
-          </ac:spMkLst>
-        </pc:spChg>
-        <pc:spChg chg="mod">
-          <ac:chgData name="Sabine" userId="b0e2af5c-9187-4900-883a-c96514cd8e15" providerId="ADAL" clId="{B26FB922-3B4D-4BEB-9B56-C16FD5403E13}" dt="2023-05-08T14:37:09.461" v="40" actId="14100"/>
-          <ac:spMkLst>
-            <pc:docMk/>
-            <pc:sldMk cId="448321463" sldId="258"/>
-            <ac:spMk id="31" creationId="{A84A5B24-3EDF-024C-BA56-40AE6A36DAEC}"/>
-          </ac:spMkLst>
-        </pc:spChg>
-        <pc:spChg chg="mod">
-          <ac:chgData name="Sabine" userId="b0e2af5c-9187-4900-883a-c96514cd8e15" providerId="ADAL" clId="{B26FB922-3B4D-4BEB-9B56-C16FD5403E13}" dt="2023-05-08T14:39:32.485" v="59" actId="14100"/>
-          <ac:spMkLst>
-            <pc:docMk/>
-            <pc:sldMk cId="448321463" sldId="258"/>
-            <ac:spMk id="32" creationId="{071DF41B-9DEB-6D43-B3A8-72AD854F6F00}"/>
-          </ac:spMkLst>
-        </pc:spChg>
-        <pc:spChg chg="mod">
-          <ac:chgData name="Sabine" userId="b0e2af5c-9187-4900-883a-c96514cd8e15" providerId="ADAL" clId="{B26FB922-3B4D-4BEB-9B56-C16FD5403E13}" dt="2023-05-08T14:40:43.318" v="68" actId="14100"/>
-          <ac:spMkLst>
-            <pc:docMk/>
-            <pc:sldMk cId="448321463" sldId="258"/>
-            <ac:spMk id="91" creationId="{CA845AB3-04D9-1F49-BCF4-C436B10CBCD7}"/>
-          </ac:spMkLst>
-        </pc:spChg>
-        <pc:spChg chg="mod">
-          <ac:chgData name="Sabine" userId="b0e2af5c-9187-4900-883a-c96514cd8e15" providerId="ADAL" clId="{B26FB922-3B4D-4BEB-9B56-C16FD5403E13}" dt="2023-05-08T14:38:52.653" v="58" actId="554"/>
-          <ac:spMkLst>
-            <pc:docMk/>
-            <pc:sldMk cId="448321463" sldId="258"/>
-            <ac:spMk id="92" creationId="{E7B47004-76A2-C34B-8B17-4B35C6438D10}"/>
-          </ac:spMkLst>
-        </pc:spChg>
-        <pc:spChg chg="mod">
-          <ac:chgData name="Sabine" userId="b0e2af5c-9187-4900-883a-c96514cd8e15" providerId="ADAL" clId="{B26FB922-3B4D-4BEB-9B56-C16FD5403E13}" dt="2023-05-08T14:40:43.318" v="68" actId="14100"/>
-          <ac:spMkLst>
-            <pc:docMk/>
-            <pc:sldMk cId="448321463" sldId="258"/>
-            <ac:spMk id="93" creationId="{487C5E26-0FCA-9D43-9804-1F43DC2563A0}"/>
-          </ac:spMkLst>
-        </pc:spChg>
-        <pc:spChg chg="mod">
-          <ac:chgData name="Sabine" userId="b0e2af5c-9187-4900-883a-c96514cd8e15" providerId="ADAL" clId="{B26FB922-3B4D-4BEB-9B56-C16FD5403E13}" dt="2023-05-08T14:40:48.912" v="70" actId="14100"/>
-          <ac:spMkLst>
-            <pc:docMk/>
-            <pc:sldMk cId="448321463" sldId="258"/>
-            <ac:spMk id="94" creationId="{0A82FAB2-00BE-5946-BC39-F6CE2D795AEE}"/>
-          </ac:spMkLst>
-        </pc:spChg>
-        <pc:cxnChg chg="add mod">
-          <ac:chgData name="Sabine" userId="b0e2af5c-9187-4900-883a-c96514cd8e15" providerId="ADAL" clId="{B26FB922-3B4D-4BEB-9B56-C16FD5403E13}" dt="2023-05-08T14:40:05.045" v="63" actId="1076"/>
-          <ac:cxnSpMkLst>
-            <pc:docMk/>
-            <pc:sldMk cId="448321463" sldId="258"/>
-            <ac:cxnSpMk id="2" creationId="{C01A1D17-F046-0EEE-5C75-C706EDB2C4C0}"/>
-          </ac:cxnSpMkLst>
-        </pc:cxnChg>
-        <pc:cxnChg chg="add mod">
-          <ac:chgData name="Sabine" userId="b0e2af5c-9187-4900-883a-c96514cd8e15" providerId="ADAL" clId="{B26FB922-3B4D-4BEB-9B56-C16FD5403E13}" dt="2023-05-08T14:37:20.190" v="43" actId="14100"/>
-          <ac:cxnSpMkLst>
-            <pc:docMk/>
-            <pc:sldMk cId="448321463" sldId="258"/>
-            <ac:cxnSpMk id="20" creationId="{7D99A9B4-E07A-52B7-4249-35305B9F71C3}"/>
-          </ac:cxnSpMkLst>
-        </pc:cxnChg>
-        <pc:cxnChg chg="add mod">
-          <ac:chgData name="Sabine" userId="b0e2af5c-9187-4900-883a-c96514cd8e15" providerId="ADAL" clId="{B26FB922-3B4D-4BEB-9B56-C16FD5403E13}" dt="2023-05-08T14:37:29.317" v="45" actId="1076"/>
-          <ac:cxnSpMkLst>
-            <pc:docMk/>
-            <pc:sldMk cId="448321463" sldId="258"/>
-            <ac:cxnSpMk id="44" creationId="{41CB2540-231C-6703-779B-A332362CCCD0}"/>
-          </ac:cxnSpMkLst>
-        </pc:cxnChg>
-        <pc:cxnChg chg="add mod">
-          <ac:chgData name="Sabine" userId="b0e2af5c-9187-4900-883a-c96514cd8e15" providerId="ADAL" clId="{B26FB922-3B4D-4BEB-9B56-C16FD5403E13}" dt="2023-05-08T14:38:13.799" v="50" actId="1076"/>
-          <ac:cxnSpMkLst>
-            <pc:docMk/>
-            <pc:sldMk cId="448321463" sldId="258"/>
-            <ac:cxnSpMk id="45" creationId="{C345531F-D218-6149-D0A2-593D71DD481A}"/>
-          </ac:cxnSpMkLst>
-        </pc:cxnChg>
-        <pc:cxnChg chg="add mod">
-          <ac:chgData name="Sabine" userId="b0e2af5c-9187-4900-883a-c96514cd8e15" providerId="ADAL" clId="{B26FB922-3B4D-4BEB-9B56-C16FD5403E13}" dt="2023-05-08T14:38:13.799" v="50" actId="1076"/>
-          <ac:cxnSpMkLst>
-            <pc:docMk/>
-            <pc:sldMk cId="448321463" sldId="258"/>
-            <ac:cxnSpMk id="46" creationId="{2C705129-730D-E48F-BAF5-71C823C4600D}"/>
-          </ac:cxnSpMkLst>
-        </pc:cxnChg>
-        <pc:cxnChg chg="add del mod">
-          <ac:chgData name="Sabine" userId="b0e2af5c-9187-4900-883a-c96514cd8e15" providerId="ADAL" clId="{B26FB922-3B4D-4BEB-9B56-C16FD5403E13}" dt="2023-05-08T14:39:43.012" v="61" actId="478"/>
-          <ac:cxnSpMkLst>
-            <pc:docMk/>
-            <pc:sldMk cId="448321463" sldId="258"/>
-            <ac:cxnSpMk id="47" creationId="{65285B71-77B1-563D-F346-822BB352C23C}"/>
-          </ac:cxnSpMkLst>
-        </pc:cxnChg>
-        <pc:cxnChg chg="add mod">
-          <ac:chgData name="Sabine" userId="b0e2af5c-9187-4900-883a-c96514cd8e15" providerId="ADAL" clId="{B26FB922-3B4D-4BEB-9B56-C16FD5403E13}" dt="2023-05-08T14:38:20.007" v="53" actId="14100"/>
-          <ac:cxnSpMkLst>
-            <pc:docMk/>
-            <pc:sldMk cId="448321463" sldId="258"/>
-            <ac:cxnSpMk id="48" creationId="{6C29ED71-33AA-C180-FF26-C7CAE86159C1}"/>
-          </ac:cxnSpMkLst>
-        </pc:cxnChg>
-        <pc:cxnChg chg="add del mod">
-          <ac:chgData name="Sabine" userId="b0e2af5c-9187-4900-883a-c96514cd8e15" providerId="ADAL" clId="{B26FB922-3B4D-4BEB-9B56-C16FD5403E13}" dt="2023-05-08T14:38:33.667" v="56" actId="478"/>
-          <ac:cxnSpMkLst>
-            <pc:docMk/>
-            <pc:sldMk cId="448321463" sldId="258"/>
-            <ac:cxnSpMk id="51" creationId="{7194104D-2DA5-618E-4791-98B02E23BDAB}"/>
-          </ac:cxnSpMkLst>
-        </pc:cxnChg>
-        <pc:cxnChg chg="add mod">
-          <ac:chgData name="Sabine" userId="b0e2af5c-9187-4900-883a-c96514cd8e15" providerId="ADAL" clId="{B26FB922-3B4D-4BEB-9B56-C16FD5403E13}" dt="2023-05-08T14:40:19.660" v="65" actId="14100"/>
-          <ac:cxnSpMkLst>
-            <pc:docMk/>
-            <pc:sldMk cId="448321463" sldId="258"/>
-            <ac:cxnSpMk id="52" creationId="{AAF424F0-2224-B62C-343E-4D506937AB0E}"/>
-          </ac:cxnSpMkLst>
-        </pc:cxnChg>
       </pc:sldChg>
     </pc:docChg>
   </pc:docChgLst>
@@ -1721,7 +336,7 @@
           <a:p>
             <a:fld id="{0AECA108-3915-9043-8428-B4BE4472B821}" type="datetimeFigureOut">
               <a:rPr lang="de-DE" smtClean="0"/>
-              <a:t>04.06.23</a:t>
+              <a:t>05.05.25</a:t>
             </a:fld>
             <a:endParaRPr lang="de-DE"/>
           </a:p>
@@ -3092,7 +1707,7 @@
           <a:p>
             <a:fld id="{43497422-92ED-3D47-BF28-17000E80E497}" type="datetimeFigureOut">
               <a:rPr lang="de-DE" smtClean="0"/>
-              <a:t>04.06.23</a:t>
+              <a:t>05.05.25</a:t>
             </a:fld>
             <a:endParaRPr lang="de-DE"/>
           </a:p>
@@ -3290,7 +1905,7 @@
           <a:p>
             <a:fld id="{43497422-92ED-3D47-BF28-17000E80E497}" type="datetimeFigureOut">
               <a:rPr lang="de-DE" smtClean="0"/>
-              <a:t>04.06.23</a:t>
+              <a:t>05.05.25</a:t>
             </a:fld>
             <a:endParaRPr lang="de-DE"/>
           </a:p>
@@ -3498,7 +2113,7 @@
           <a:p>
             <a:fld id="{43497422-92ED-3D47-BF28-17000E80E497}" type="datetimeFigureOut">
               <a:rPr lang="de-DE" smtClean="0"/>
-              <a:t>04.06.23</a:t>
+              <a:t>05.05.25</a:t>
             </a:fld>
             <a:endParaRPr lang="de-DE"/>
           </a:p>
@@ -3696,7 +2311,7 @@
           <a:p>
             <a:fld id="{43497422-92ED-3D47-BF28-17000E80E497}" type="datetimeFigureOut">
               <a:rPr lang="de-DE" smtClean="0"/>
-              <a:t>04.06.23</a:t>
+              <a:t>05.05.25</a:t>
             </a:fld>
             <a:endParaRPr lang="de-DE"/>
           </a:p>
@@ -3971,7 +2586,7 @@
           <a:p>
             <a:fld id="{43497422-92ED-3D47-BF28-17000E80E497}" type="datetimeFigureOut">
               <a:rPr lang="de-DE" smtClean="0"/>
-              <a:t>04.06.23</a:t>
+              <a:t>05.05.25</a:t>
             </a:fld>
             <a:endParaRPr lang="de-DE"/>
           </a:p>
@@ -4236,7 +2851,7 @@
           <a:p>
             <a:fld id="{43497422-92ED-3D47-BF28-17000E80E497}" type="datetimeFigureOut">
               <a:rPr lang="de-DE" smtClean="0"/>
-              <a:t>04.06.23</a:t>
+              <a:t>05.05.25</a:t>
             </a:fld>
             <a:endParaRPr lang="de-DE"/>
           </a:p>
@@ -4648,7 +3263,7 @@
           <a:p>
             <a:fld id="{43497422-92ED-3D47-BF28-17000E80E497}" type="datetimeFigureOut">
               <a:rPr lang="de-DE" smtClean="0"/>
-              <a:t>04.06.23</a:t>
+              <a:t>05.05.25</a:t>
             </a:fld>
             <a:endParaRPr lang="de-DE"/>
           </a:p>
@@ -4789,7 +3404,7 @@
           <a:p>
             <a:fld id="{43497422-92ED-3D47-BF28-17000E80E497}" type="datetimeFigureOut">
               <a:rPr lang="de-DE" smtClean="0"/>
-              <a:t>04.06.23</a:t>
+              <a:t>05.05.25</a:t>
             </a:fld>
             <a:endParaRPr lang="de-DE"/>
           </a:p>
@@ -4902,7 +3517,7 @@
           <a:p>
             <a:fld id="{43497422-92ED-3D47-BF28-17000E80E497}" type="datetimeFigureOut">
               <a:rPr lang="de-DE" smtClean="0"/>
-              <a:t>04.06.23</a:t>
+              <a:t>05.05.25</a:t>
             </a:fld>
             <a:endParaRPr lang="de-DE"/>
           </a:p>
@@ -5213,7 +3828,7 @@
           <a:p>
             <a:fld id="{43497422-92ED-3D47-BF28-17000E80E497}" type="datetimeFigureOut">
               <a:rPr lang="de-DE" smtClean="0"/>
-              <a:t>04.06.23</a:t>
+              <a:t>05.05.25</a:t>
             </a:fld>
             <a:endParaRPr lang="de-DE"/>
           </a:p>
@@ -5501,7 +4116,7 @@
           <a:p>
             <a:fld id="{43497422-92ED-3D47-BF28-17000E80E497}" type="datetimeFigureOut">
               <a:rPr lang="de-DE" smtClean="0"/>
-              <a:t>04.06.23</a:t>
+              <a:t>05.05.25</a:t>
             </a:fld>
             <a:endParaRPr lang="de-DE"/>
           </a:p>
@@ -5742,7 +4357,7 @@
           <a:p>
             <a:fld id="{43497422-92ED-3D47-BF28-17000E80E497}" type="datetimeFigureOut">
               <a:rPr lang="de-DE" smtClean="0"/>
-              <a:t>04.06.23</a:t>
+              <a:t>05.05.25</a:t>
             </a:fld>
             <a:endParaRPr lang="de-DE"/>
           </a:p>
@@ -6237,8 +4852,8 @@
           </a:p>
         </p:txBody>
       </p:sp>
-      <mc:AlternateContent xmlns:mc="http://schemas.openxmlformats.org/markup-compatibility/2006">
-        <mc:Choice xmlns:a14="http://schemas.microsoft.com/office/drawing/2010/main" Requires="a14">
+      <mc:AlternateContent xmlns:mc="http://schemas.openxmlformats.org/markup-compatibility/2006" xmlns:a14="http://schemas.microsoft.com/office/drawing/2010/main">
+        <mc:Choice Requires="a14">
           <p:sp>
             <p:nvSpPr>
               <p:cNvPr id="8" name="Textfeld 7">
@@ -6403,7 +5018,7 @@
             </p:txBody>
           </p:sp>
         </mc:Choice>
-        <mc:Fallback>
+        <mc:Fallback xmlns="">
           <p:sp>
             <p:nvSpPr>
               <p:cNvPr id="8" name="Textfeld 7">
@@ -6557,8 +5172,8 @@
           </a:p>
         </p:txBody>
       </p:sp>
-      <mc:AlternateContent xmlns:mc="http://schemas.openxmlformats.org/markup-compatibility/2006">
-        <mc:Choice xmlns:a14="http://schemas.microsoft.com/office/drawing/2010/main" Requires="a14">
+      <mc:AlternateContent xmlns:mc="http://schemas.openxmlformats.org/markup-compatibility/2006" xmlns:a14="http://schemas.microsoft.com/office/drawing/2010/main">
+        <mc:Choice Requires="a14">
           <p:sp>
             <p:nvSpPr>
               <p:cNvPr id="13" name="Textfeld 12">
@@ -6688,7 +5303,7 @@
             </p:txBody>
           </p:sp>
         </mc:Choice>
-        <mc:Fallback>
+        <mc:Fallback xmlns="">
           <p:sp>
             <p:nvSpPr>
               <p:cNvPr id="13" name="Textfeld 12">
@@ -6741,8 +5356,8 @@
           </p:sp>
         </mc:Fallback>
       </mc:AlternateContent>
-      <mc:AlternateContent xmlns:mc="http://schemas.openxmlformats.org/markup-compatibility/2006">
-        <mc:Choice xmlns:a14="http://schemas.microsoft.com/office/drawing/2010/main" Requires="a14">
+      <mc:AlternateContent xmlns:mc="http://schemas.openxmlformats.org/markup-compatibility/2006" xmlns:a14="http://schemas.microsoft.com/office/drawing/2010/main">
+        <mc:Choice Requires="a14">
           <p:sp>
             <p:nvSpPr>
               <p:cNvPr id="15" name="Textfeld 14">
@@ -6860,7 +5475,7 @@
             </p:txBody>
           </p:sp>
         </mc:Choice>
-        <mc:Fallback>
+        <mc:Fallback xmlns="">
           <p:sp>
             <p:nvSpPr>
               <p:cNvPr id="15" name="Textfeld 14">
@@ -7013,8 +5628,8 @@
           </a:p>
         </p:txBody>
       </p:sp>
-      <mc:AlternateContent xmlns:mc="http://schemas.openxmlformats.org/markup-compatibility/2006">
-        <mc:Choice xmlns:a14="http://schemas.microsoft.com/office/drawing/2010/main" Requires="a14">
+      <mc:AlternateContent xmlns:mc="http://schemas.openxmlformats.org/markup-compatibility/2006" xmlns:a14="http://schemas.microsoft.com/office/drawing/2010/main">
+        <mc:Choice Requires="a14">
           <p:sp>
             <p:nvSpPr>
               <p:cNvPr id="19" name="Textfeld 18">
@@ -7051,7 +5666,6 @@
               </a:bodyPr>
               <a:lstStyle/>
               <a:p>
-                <a:pPr/>
                 <a14:m>
                   <m:oMath xmlns:m="http://schemas.openxmlformats.org/officeDocument/2006/math">
                     <m:sSub>
@@ -7146,7 +5760,7 @@
             </p:txBody>
           </p:sp>
         </mc:Choice>
-        <mc:Fallback>
+        <mc:Fallback xmlns="">
           <p:sp>
             <p:nvSpPr>
               <p:cNvPr id="19" name="Textfeld 18">
@@ -7199,8 +5813,8 @@
           </p:sp>
         </mc:Fallback>
       </mc:AlternateContent>
-      <mc:AlternateContent xmlns:mc="http://schemas.openxmlformats.org/markup-compatibility/2006">
-        <mc:Choice xmlns:a14="http://schemas.microsoft.com/office/drawing/2010/main" Requires="a14">
+      <mc:AlternateContent xmlns:mc="http://schemas.openxmlformats.org/markup-compatibility/2006" xmlns:a14="http://schemas.microsoft.com/office/drawing/2010/main">
+        <mc:Choice Requires="a14">
           <p:sp>
             <p:nvSpPr>
               <p:cNvPr id="22" name="Textfeld 21">
@@ -7237,7 +5851,6 @@
               </a:bodyPr>
               <a:lstStyle/>
               <a:p>
-                <a:pPr/>
                 <a14:m>
                   <m:oMath xmlns:m="http://schemas.openxmlformats.org/officeDocument/2006/math">
                     <m:sSub>
@@ -7338,7 +5951,7 @@
             </p:txBody>
           </p:sp>
         </mc:Choice>
-        <mc:Fallback>
+        <mc:Fallback xmlns="">
           <p:sp>
             <p:nvSpPr>
               <p:cNvPr id="22" name="Textfeld 21">
@@ -7673,8 +6286,8 @@
           </a:p>
         </p:txBody>
       </p:sp>
-      <mc:AlternateContent xmlns:mc="http://schemas.openxmlformats.org/markup-compatibility/2006">
-        <mc:Choice xmlns:a14="http://schemas.microsoft.com/office/drawing/2010/main" Requires="a14">
+      <mc:AlternateContent xmlns:mc="http://schemas.openxmlformats.org/markup-compatibility/2006" xmlns:a14="http://schemas.microsoft.com/office/drawing/2010/main">
+        <mc:Choice Requires="a14">
           <p:sp>
             <p:nvSpPr>
               <p:cNvPr id="29" name="Textfeld 28">
@@ -7744,7 +6357,7 @@
             </p:txBody>
           </p:sp>
         </mc:Choice>
-        <mc:Fallback>
+        <mc:Fallback xmlns="">
           <p:sp>
             <p:nvSpPr>
               <p:cNvPr id="29" name="Textfeld 28">
@@ -7797,8 +6410,8 @@
           </p:sp>
         </mc:Fallback>
       </mc:AlternateContent>
-      <mc:AlternateContent xmlns:mc="http://schemas.openxmlformats.org/markup-compatibility/2006">
-        <mc:Choice xmlns:a14="http://schemas.microsoft.com/office/drawing/2010/main" Requires="a14">
+      <mc:AlternateContent xmlns:mc="http://schemas.openxmlformats.org/markup-compatibility/2006" xmlns:a14="http://schemas.microsoft.com/office/drawing/2010/main">
+        <mc:Choice Requires="a14">
           <p:sp>
             <p:nvSpPr>
               <p:cNvPr id="30" name="Textfeld 29">
@@ -7868,7 +6481,7 @@
             </p:txBody>
           </p:sp>
         </mc:Choice>
-        <mc:Fallback>
+        <mc:Fallback xmlns="">
           <p:sp>
             <p:nvSpPr>
               <p:cNvPr id="30" name="Textfeld 29">
@@ -8815,8 +7428,8 @@
           </a:fontRef>
         </p:style>
       </p:cxnSp>
-      <mc:AlternateContent xmlns:mc="http://schemas.openxmlformats.org/markup-compatibility/2006">
-        <mc:Choice xmlns:a14="http://schemas.microsoft.com/office/drawing/2010/main" Requires="a14">
+      <mc:AlternateContent xmlns:mc="http://schemas.openxmlformats.org/markup-compatibility/2006" xmlns:a14="http://schemas.microsoft.com/office/drawing/2010/main">
+        <mc:Choice Requires="a14">
           <p:sp>
             <p:nvSpPr>
               <p:cNvPr id="82" name="Textfeld 81">
@@ -8886,7 +7499,7 @@
             </p:txBody>
           </p:sp>
         </mc:Choice>
-        <mc:Fallback>
+        <mc:Fallback xmlns="">
           <p:sp>
             <p:nvSpPr>
               <p:cNvPr id="82" name="Textfeld 81">
@@ -8939,8 +7552,8 @@
           </p:sp>
         </mc:Fallback>
       </mc:AlternateContent>
-      <mc:AlternateContent xmlns:mc="http://schemas.openxmlformats.org/markup-compatibility/2006">
-        <mc:Choice xmlns:a14="http://schemas.microsoft.com/office/drawing/2010/main" Requires="a14">
+      <mc:AlternateContent xmlns:mc="http://schemas.openxmlformats.org/markup-compatibility/2006" xmlns:a14="http://schemas.microsoft.com/office/drawing/2010/main">
+        <mc:Choice Requires="a14">
           <p:sp>
             <p:nvSpPr>
               <p:cNvPr id="88" name="Textfeld 87">
@@ -9010,7 +7623,7 @@
             </p:txBody>
           </p:sp>
         </mc:Choice>
-        <mc:Fallback>
+        <mc:Fallback xmlns="">
           <p:sp>
             <p:nvSpPr>
               <p:cNvPr id="88" name="Textfeld 87">
@@ -9499,7 +8112,7 @@
             <p:spPr>
               <a:xfrm>
                 <a:off x="333937" y="-2028"/>
-                <a:ext cx="6096000" cy="707886"/>
+                <a:ext cx="3844524" cy="707886"/>
               </a:xfrm>
               <a:prstGeom prst="rect">
                 <a:avLst/>
@@ -9529,6 +8142,10 @@
                   </m:oMath>
                 </a14:m>
                 <a:r>
+                  <a:rPr lang="de-DE" sz="1000" dirty="0"/>
+                  <a:t> </a:t>
+                </a:r>
+                <a:r>
                   <a:rPr lang="de-DE" sz="1000" dirty="0" err="1"/>
                   <a:t>conf.int</a:t>
                 </a:r>
@@ -9699,7 +8316,7 @@
                 </a:pPr>
                 <a:r>
                   <a:rPr lang="de-DE" sz="1000" dirty="0" err="1"/>
-                  <a:t>N_i</a:t>
+                  <a:t>n_i</a:t>
                 </a:r>
                 <a:r>
                   <a:rPr lang="de-DE" sz="1000" dirty="0"/>
@@ -9764,7 +8381,7 @@
             <p:spPr>
               <a:xfrm>
                 <a:off x="333937" y="-2028"/>
-                <a:ext cx="6096000" cy="707886"/>
+                <a:ext cx="3844524" cy="707886"/>
               </a:xfrm>
               <a:prstGeom prst="rect">
                 <a:avLst/>
@@ -9821,8 +8438,8 @@
           <a:chExt cx="0" cy="0"/>
         </a:xfrm>
       </p:grpSpPr>
-      <mc:AlternateContent xmlns:mc="http://schemas.openxmlformats.org/markup-compatibility/2006">
-        <mc:Choice xmlns:a14="http://schemas.microsoft.com/office/drawing/2010/main" Requires="a14">
+      <mc:AlternateContent xmlns:mc="http://schemas.openxmlformats.org/markup-compatibility/2006" xmlns:a14="http://schemas.microsoft.com/office/drawing/2010/main">
+        <mc:Choice Requires="a14">
           <p:sp>
             <p:nvSpPr>
               <p:cNvPr id="8" name="Textfeld 7">
@@ -10151,7 +8768,7 @@
             </p:txBody>
           </p:sp>
         </mc:Choice>
-        <mc:Fallback>
+        <mc:Fallback xmlns="">
           <p:sp>
             <p:nvSpPr>
               <p:cNvPr id="8" name="Textfeld 7">
@@ -12599,8 +11216,8 @@
           </a:p>
         </p:txBody>
       </p:sp>
-      <mc:AlternateContent xmlns:mc="http://schemas.openxmlformats.org/markup-compatibility/2006">
-        <mc:Choice xmlns:a14="http://schemas.microsoft.com/office/drawing/2010/main" Requires="a14">
+      <mc:AlternateContent xmlns:mc="http://schemas.openxmlformats.org/markup-compatibility/2006" xmlns:a14="http://schemas.microsoft.com/office/drawing/2010/main">
+        <mc:Choice Requires="a14">
           <p:sp>
             <p:nvSpPr>
               <p:cNvPr id="8" name="Textfeld 7">
@@ -12765,7 +11382,7 @@
             </p:txBody>
           </p:sp>
         </mc:Choice>
-        <mc:Fallback>
+        <mc:Fallback xmlns="">
           <p:sp>
             <p:nvSpPr>
               <p:cNvPr id="8" name="Textfeld 7">
@@ -12919,8 +11536,8 @@
           </a:p>
         </p:txBody>
       </p:sp>
-      <mc:AlternateContent xmlns:mc="http://schemas.openxmlformats.org/markup-compatibility/2006">
-        <mc:Choice xmlns:a14="http://schemas.microsoft.com/office/drawing/2010/main" Requires="a14">
+      <mc:AlternateContent xmlns:mc="http://schemas.openxmlformats.org/markup-compatibility/2006" xmlns:a14="http://schemas.microsoft.com/office/drawing/2010/main">
+        <mc:Choice Requires="a14">
           <p:sp>
             <p:nvSpPr>
               <p:cNvPr id="13" name="Textfeld 12">
@@ -13050,7 +11667,7 @@
             </p:txBody>
           </p:sp>
         </mc:Choice>
-        <mc:Fallback>
+        <mc:Fallback xmlns="">
           <p:sp>
             <p:nvSpPr>
               <p:cNvPr id="13" name="Textfeld 12">
@@ -13103,8 +11720,8 @@
           </p:sp>
         </mc:Fallback>
       </mc:AlternateContent>
-      <mc:AlternateContent xmlns:mc="http://schemas.openxmlformats.org/markup-compatibility/2006">
-        <mc:Choice xmlns:a14="http://schemas.microsoft.com/office/drawing/2010/main" Requires="a14">
+      <mc:AlternateContent xmlns:mc="http://schemas.openxmlformats.org/markup-compatibility/2006" xmlns:a14="http://schemas.microsoft.com/office/drawing/2010/main">
+        <mc:Choice Requires="a14">
           <p:sp>
             <p:nvSpPr>
               <p:cNvPr id="15" name="Textfeld 14">
@@ -13226,7 +11843,7 @@
             </p:txBody>
           </p:sp>
         </mc:Choice>
-        <mc:Fallback>
+        <mc:Fallback xmlns="">
           <p:sp>
             <p:nvSpPr>
               <p:cNvPr id="15" name="Textfeld 14">
@@ -13347,8 +11964,8 @@
           </a:p>
         </p:txBody>
       </p:sp>
-      <mc:AlternateContent xmlns:mc="http://schemas.openxmlformats.org/markup-compatibility/2006">
-        <mc:Choice xmlns:a14="http://schemas.microsoft.com/office/drawing/2010/main" Requires="a14">
+      <mc:AlternateContent xmlns:mc="http://schemas.openxmlformats.org/markup-compatibility/2006" xmlns:a14="http://schemas.microsoft.com/office/drawing/2010/main">
+        <mc:Choice Requires="a14">
           <p:sp>
             <p:nvSpPr>
               <p:cNvPr id="19" name="Textfeld 18">
@@ -13385,7 +12002,6 @@
               </a:bodyPr>
               <a:lstStyle/>
               <a:p>
-                <a:pPr/>
                 <a14:m>
                   <m:oMath xmlns:m="http://schemas.openxmlformats.org/officeDocument/2006/math">
                     <m:sSub>
@@ -13480,7 +12096,7 @@
             </p:txBody>
           </p:sp>
         </mc:Choice>
-        <mc:Fallback>
+        <mc:Fallback xmlns="">
           <p:sp>
             <p:nvSpPr>
               <p:cNvPr id="19" name="Textfeld 18">
@@ -13533,8 +12149,8 @@
           </p:sp>
         </mc:Fallback>
       </mc:AlternateContent>
-      <mc:AlternateContent xmlns:mc="http://schemas.openxmlformats.org/markup-compatibility/2006">
-        <mc:Choice xmlns:a14="http://schemas.microsoft.com/office/drawing/2010/main" Requires="a14">
+      <mc:AlternateContent xmlns:mc="http://schemas.openxmlformats.org/markup-compatibility/2006" xmlns:a14="http://schemas.microsoft.com/office/drawing/2010/main">
+        <mc:Choice Requires="a14">
           <p:sp>
             <p:nvSpPr>
               <p:cNvPr id="22" name="Textfeld 21">
@@ -13571,7 +12187,6 @@
               </a:bodyPr>
               <a:lstStyle/>
               <a:p>
-                <a:pPr/>
                 <a14:m>
                   <m:oMath xmlns:m="http://schemas.openxmlformats.org/officeDocument/2006/math">
                     <m:sSub>
@@ -13672,7 +12287,7 @@
             </p:txBody>
           </p:sp>
         </mc:Choice>
-        <mc:Fallback>
+        <mc:Fallback xmlns="">
           <p:sp>
             <p:nvSpPr>
               <p:cNvPr id="22" name="Textfeld 21">
@@ -16566,6 +15181,322 @@
           </a:fontRef>
         </p:style>
       </p:cxnSp>
+      <mc:AlternateContent xmlns:mc="http://schemas.openxmlformats.org/markup-compatibility/2006">
+        <mc:Choice xmlns:a14="http://schemas.microsoft.com/office/drawing/2010/main" Requires="a14">
+          <p:sp>
+            <p:nvSpPr>
+              <p:cNvPr id="3" name="Textfeld 2">
+                <a:extLst>
+                  <a:ext uri="{FF2B5EF4-FFF2-40B4-BE49-F238E27FC236}">
+                    <a16:creationId xmlns:a16="http://schemas.microsoft.com/office/drawing/2014/main" id="{B911D9A2-EC12-1EAE-FE61-9915CC660179}"/>
+                  </a:ext>
+                </a:extLst>
+              </p:cNvPr>
+              <p:cNvSpPr txBox="1"/>
+              <p:nvPr/>
+            </p:nvSpPr>
+            <p:spPr>
+              <a:xfrm>
+                <a:off x="6699" y="93154"/>
+                <a:ext cx="1944186" cy="1323439"/>
+              </a:xfrm>
+              <a:prstGeom prst="rect">
+                <a:avLst/>
+              </a:prstGeom>
+              <a:noFill/>
+            </p:spPr>
+            <p:txBody>
+              <a:bodyPr wrap="square">
+                <a:spAutoFit/>
+              </a:bodyPr>
+              <a:lstStyle/>
+              <a:p>
+                <a:pPr algn="just"/>
+                <a14:m>
+                  <m:oMath xmlns:m="http://schemas.openxmlformats.org/officeDocument/2006/math">
+                    <m:r>
+                      <a:rPr lang="en-US" sz="1000" b="0" i="1" smtClean="0">
+                        <a:latin typeface="Cambria Math" panose="02040503050406030204" pitchFamily="18" charset="0"/>
+                      </a:rPr>
+                      <m:t>𝛼</m:t>
+                    </m:r>
+                    <m:r>
+                      <a:rPr lang="en-US" sz="1000" b="0" i="1" smtClean="0">
+                        <a:latin typeface="Cambria Math" panose="02040503050406030204" pitchFamily="18" charset="0"/>
+                      </a:rPr>
+                      <m:t>=1−</m:t>
+                    </m:r>
+                  </m:oMath>
+                </a14:m>
+                <a:r>
+                  <a:rPr lang="de-DE" sz="1000" dirty="0"/>
+                  <a:t> </a:t>
+                </a:r>
+                <a:r>
+                  <a:rPr lang="de-DE" sz="1000" dirty="0" err="1"/>
+                  <a:t>conf.int</a:t>
+                </a:r>
+                <a:r>
+                  <a:rPr lang="de-DE" sz="1000" dirty="0"/>
+                  <a:t> . </a:t>
+                </a:r>
+              </a:p>
+              <a:p>
+                <a:pPr algn="just"/>
+                <a:r>
+                  <a:rPr lang="de-DE" sz="1000" dirty="0" err="1"/>
+                  <a:t>feature</a:t>
+                </a:r>
+                <a:r>
+                  <a:rPr lang="de-DE" sz="1000" dirty="0"/>
+                  <a:t> </a:t>
+                </a:r>
+                <a:r>
+                  <a:rPr lang="de-DE" sz="1000" dirty="0" err="1"/>
+                  <a:t>and</a:t>
+                </a:r>
+                <a:r>
+                  <a:rPr lang="de-DE" sz="1000" dirty="0"/>
+                  <a:t> </a:t>
+                </a:r>
+                <a:r>
+                  <a:rPr lang="de-DE" sz="1000" dirty="0" err="1"/>
+                  <a:t>response</a:t>
+                </a:r>
+                <a:r>
+                  <a:rPr lang="de-DE" sz="1000" dirty="0"/>
+                  <a:t> </a:t>
+                </a:r>
+                <a:r>
+                  <a:rPr lang="de-DE" sz="1000" dirty="0" err="1"/>
+                  <a:t>are</a:t>
+                </a:r>
+                <a:r>
+                  <a:rPr lang="de-DE" sz="1000" dirty="0"/>
+                  <a:t> </a:t>
+                </a:r>
+                <a:r>
+                  <a:rPr lang="de-DE" sz="1000" dirty="0" err="1"/>
+                  <a:t>characterized</a:t>
+                </a:r>
+                <a:r>
+                  <a:rPr lang="de-DE" sz="1000" dirty="0"/>
+                  <a:t> </a:t>
+                </a:r>
+                <a:r>
+                  <a:rPr lang="de-DE" sz="1000" dirty="0" err="1"/>
+                  <a:t>by</a:t>
+                </a:r>
+                <a:r>
+                  <a:rPr lang="de-DE" sz="1000" dirty="0"/>
+                  <a:t> </a:t>
+                </a:r>
+                <a:r>
+                  <a:rPr lang="de-DE" sz="1000" dirty="0" err="1"/>
+                  <a:t>their</a:t>
+                </a:r>
+                <a:r>
+                  <a:rPr lang="de-DE" sz="1000" dirty="0"/>
+                  <a:t> </a:t>
+                </a:r>
+                <a:r>
+                  <a:rPr lang="de-DE" sz="1000" dirty="0" err="1"/>
+                  <a:t>data</a:t>
+                </a:r>
+                <a:r>
+                  <a:rPr lang="de-DE" sz="1000" dirty="0"/>
+                  <a:t> type `</a:t>
+                </a:r>
+                <a:r>
+                  <a:rPr lang="de-DE" sz="1000" dirty="0" err="1"/>
+                  <a:t>class</a:t>
+                </a:r>
+                <a:r>
+                  <a:rPr lang="de-DE" sz="1000" dirty="0"/>
+                  <a:t>`</a:t>
+                </a:r>
+              </a:p>
+              <a:p>
+                <a:pPr algn="just"/>
+                <a:r>
+                  <a:rPr lang="de-DE" sz="1000" dirty="0" err="1"/>
+                  <a:t>feature</a:t>
+                </a:r>
+                <a:r>
+                  <a:rPr lang="de-DE" sz="1000" dirty="0"/>
+                  <a:t>  </a:t>
+                </a:r>
+                <a:r>
+                  <a:rPr lang="de-DE" sz="1000" dirty="0" err="1"/>
+                  <a:t>of</a:t>
+                </a:r>
+                <a:r>
+                  <a:rPr lang="de-DE" sz="1000" dirty="0"/>
+                  <a:t> </a:t>
+                </a:r>
+                <a:r>
+                  <a:rPr lang="de-DE" sz="1000" dirty="0" err="1"/>
+                  <a:t>class</a:t>
+                </a:r>
+                <a:r>
+                  <a:rPr lang="de-DE" sz="1000" dirty="0"/>
+                  <a:t>  `</a:t>
+                </a:r>
+                <a:r>
+                  <a:rPr lang="de-DE" sz="1000" dirty="0" err="1"/>
+                  <a:t>factor</a:t>
+                </a:r>
+                <a:r>
+                  <a:rPr lang="de-DE" sz="1000" dirty="0"/>
+                  <a:t>` </a:t>
+                </a:r>
+                <a:r>
+                  <a:rPr lang="de-DE" sz="1000" dirty="0" err="1"/>
+                  <a:t>can</a:t>
+                </a:r>
+                <a:r>
+                  <a:rPr lang="de-DE" sz="1000" dirty="0"/>
+                  <a:t> </a:t>
+                </a:r>
+                <a:r>
+                  <a:rPr lang="de-DE" sz="1000" dirty="0" err="1"/>
+                  <a:t>have</a:t>
+                </a:r>
+                <a:r>
+                  <a:rPr lang="de-DE" sz="1000" dirty="0"/>
+                  <a:t> N </a:t>
+                </a:r>
+                <a:r>
+                  <a:rPr lang="de-DE" sz="1000" dirty="0" err="1"/>
+                  <a:t>factor</a:t>
+                </a:r>
+                <a:r>
+                  <a:rPr lang="de-DE" sz="1000" dirty="0"/>
+                  <a:t> </a:t>
+                </a:r>
+                <a:r>
+                  <a:rPr lang="de-DE" sz="1000" dirty="0" err="1"/>
+                  <a:t>levels</a:t>
+                </a:r>
+                <a:r>
+                  <a:rPr lang="de-DE" sz="1000" dirty="0"/>
+                  <a:t> (</a:t>
+                </a:r>
+                <a:r>
+                  <a:rPr lang="de-DE" sz="1000" dirty="0" err="1"/>
+                  <a:t>groups</a:t>
+                </a:r>
+                <a:r>
+                  <a:rPr lang="de-DE" sz="1000" dirty="0"/>
+                  <a:t>) </a:t>
+                </a:r>
+                <a:r>
+                  <a:rPr lang="de-DE" sz="1000" dirty="0" err="1"/>
+                  <a:t>with</a:t>
+                </a:r>
+                <a:r>
+                  <a:rPr lang="de-DE" sz="1000" dirty="0"/>
+                  <a:t> </a:t>
+                </a:r>
+              </a:p>
+              <a:p>
+                <a:pPr marL="0" indent="0" algn="just">
+                  <a:buNone/>
+                </a:pPr>
+                <a:r>
+                  <a:rPr lang="de-DE" sz="1000" dirty="0" err="1"/>
+                  <a:t>n_i</a:t>
+                </a:r>
+                <a:r>
+                  <a:rPr lang="de-DE" sz="1000" dirty="0"/>
+                  <a:t>, i=1,...N </a:t>
+                </a:r>
+                <a:r>
+                  <a:rPr lang="de-DE" sz="1000" dirty="0" err="1"/>
+                  <a:t>number</a:t>
+                </a:r>
+                <a:r>
+                  <a:rPr lang="de-DE" sz="1000" dirty="0"/>
+                  <a:t> </a:t>
+                </a:r>
+                <a:r>
+                  <a:rPr lang="de-DE" sz="1000" dirty="0" err="1"/>
+                  <a:t>of</a:t>
+                </a:r>
+                <a:r>
+                  <a:rPr lang="de-DE" sz="1000" dirty="0"/>
+                  <a:t> </a:t>
+                </a:r>
+                <a:r>
+                  <a:rPr lang="de-DE" sz="1000" dirty="0" err="1"/>
+                  <a:t>entries</a:t>
+                </a:r>
+                <a:r>
+                  <a:rPr lang="de-DE" sz="1000" dirty="0"/>
+                  <a:t> in </a:t>
+                </a:r>
+                <a:r>
+                  <a:rPr lang="de-DE" sz="1000" dirty="0" err="1"/>
+                  <a:t>each</a:t>
+                </a:r>
+                <a:r>
+                  <a:rPr lang="de-DE" sz="1000" dirty="0"/>
+                  <a:t> </a:t>
+                </a:r>
+                <a:r>
+                  <a:rPr lang="de-DE" sz="1000" dirty="0" err="1"/>
+                  <a:t>group</a:t>
+                </a:r>
+                <a:endParaRPr lang="de-DE" sz="1000" dirty="0"/>
+              </a:p>
+            </p:txBody>
+          </p:sp>
+        </mc:Choice>
+        <mc:Fallback>
+          <p:sp>
+            <p:nvSpPr>
+              <p:cNvPr id="3" name="Textfeld 2">
+                <a:extLst>
+                  <a:ext uri="{FF2B5EF4-FFF2-40B4-BE49-F238E27FC236}">
+                    <a16:creationId xmlns:a16="http://schemas.microsoft.com/office/drawing/2014/main" id="{B911D9A2-EC12-1EAE-FE61-9915CC660179}"/>
+                  </a:ext>
+                </a:extLst>
+              </p:cNvPr>
+              <p:cNvSpPr txBox="1">
+                <a:spLocks noRot="1" noChangeAspect="1" noMove="1" noResize="1" noEditPoints="1" noAdjustHandles="1" noChangeArrowheads="1" noChangeShapeType="1" noTextEdit="1"/>
+              </p:cNvSpPr>
+              <p:nvPr/>
+            </p:nvSpPr>
+            <p:spPr>
+              <a:xfrm>
+                <a:off x="6699" y="93154"/>
+                <a:ext cx="1944186" cy="1323439"/>
+              </a:xfrm>
+              <a:prstGeom prst="rect">
+                <a:avLst/>
+              </a:prstGeom>
+              <a:blipFill>
+                <a:blip r:embed="rId16"/>
+                <a:stretch>
+                  <a:fillRect b="-1905"/>
+                </a:stretch>
+              </a:blipFill>
+            </p:spPr>
+            <p:txBody>
+              <a:bodyPr/>
+              <a:lstStyle/>
+              <a:p>
+                <a:r>
+                  <a:rPr lang="de-DE">
+                    <a:noFill/>
+                  </a:rPr>
+                  <a:t> </a:t>
+                </a:r>
+              </a:p>
+            </p:txBody>
+          </p:sp>
+        </mc:Fallback>
+      </mc:AlternateContent>
     </p:spTree>
     <p:extLst>
       <p:ext uri="{BB962C8B-B14F-4D97-AF65-F5344CB8AC3E}">

--- a/vignettes/figures/decision_tree.pptx
+++ b/vignettes/figures/decision_tree.pptx
@@ -129,9 +129,70 @@
 <file path=ppt/revisionInfo.xml><?xml version="1.0" encoding="utf-8"?>
 <p1510:revInfo xmlns:a="http://schemas.openxmlformats.org/drawingml/2006/main" xmlns:r="http://schemas.openxmlformats.org/officeDocument/2006/relationships" xmlns:p1510="http://schemas.microsoft.com/office/powerpoint/2015/10/main">
   <p1510:revLst>
-    <p1510:client id="{895C96C1-8C91-454F-AE14-4A89B17CB3FA}" v="18" dt="2025-05-10T11:35:50.993"/>
+    <p1510:client id="{895C96C1-8C91-454F-AE14-4A89B17CB3FA}" v="19" dt="2025-05-25T16:17:38.341"/>
   </p1510:revLst>
 </p1510:revInfo>
+</file>
+
+<file path=ppt/changesInfos/changesInfo1.xml><?xml version="1.0" encoding="utf-8"?>
+<pc:chgInfo xmlns:a="http://schemas.openxmlformats.org/drawingml/2006/main" xmlns:r="http://schemas.openxmlformats.org/officeDocument/2006/relationships" xmlns:ac="http://schemas.microsoft.com/office/drawing/2013/main/command" xmlns:pc="http://schemas.microsoft.com/office/powerpoint/2013/main/command">
+  <pc:docChgLst>
+    <pc:chgData name="Schilling Sabine HSLU W" userId="b0e2af5c-9187-4900-883a-c96514cd8e15" providerId="ADAL" clId="{895C96C1-8C91-454F-AE14-4A89B17CB3FA}"/>
+    <pc:docChg chg="modSld">
+      <pc:chgData name="Schilling Sabine HSLU W" userId="b0e2af5c-9187-4900-883a-c96514cd8e15" providerId="ADAL" clId="{895C96C1-8C91-454F-AE14-4A89B17CB3FA}" dt="2025-05-25T16:17:38.340" v="0"/>
+      <pc:docMkLst>
+        <pc:docMk/>
+      </pc:docMkLst>
+      <pc:sldChg chg="modSp">
+        <pc:chgData name="Schilling Sabine HSLU W" userId="b0e2af5c-9187-4900-883a-c96514cd8e15" providerId="ADAL" clId="{895C96C1-8C91-454F-AE14-4A89B17CB3FA}" dt="2025-05-25T16:17:38.340" v="0"/>
+        <pc:sldMkLst>
+          <pc:docMk/>
+          <pc:sldMk cId="2524729559" sldId="259"/>
+        </pc:sldMkLst>
+        <pc:spChg chg="mod">
+          <ac:chgData name="Schilling Sabine HSLU W" userId="b0e2af5c-9187-4900-883a-c96514cd8e15" providerId="ADAL" clId="{895C96C1-8C91-454F-AE14-4A89B17CB3FA}" dt="2025-05-25T16:17:38.340" v="0"/>
+          <ac:spMkLst>
+            <pc:docMk/>
+            <pc:sldMk cId="2524729559" sldId="259"/>
+            <ac:spMk id="7" creationId="{D954AB4D-A237-C043-A913-633703A9C26B}"/>
+          </ac:spMkLst>
+        </pc:spChg>
+        <pc:spChg chg="mod">
+          <ac:chgData name="Schilling Sabine HSLU W" userId="b0e2af5c-9187-4900-883a-c96514cd8e15" providerId="ADAL" clId="{895C96C1-8C91-454F-AE14-4A89B17CB3FA}" dt="2025-05-25T16:17:38.340" v="0"/>
+          <ac:spMkLst>
+            <pc:docMk/>
+            <pc:sldMk cId="2524729559" sldId="259"/>
+            <ac:spMk id="8" creationId="{295FEA9A-D31C-504B-9808-C226C7EA0707}"/>
+          </ac:spMkLst>
+        </pc:spChg>
+        <pc:spChg chg="mod">
+          <ac:chgData name="Schilling Sabine HSLU W" userId="b0e2af5c-9187-4900-883a-c96514cd8e15" providerId="ADAL" clId="{895C96C1-8C91-454F-AE14-4A89B17CB3FA}" dt="2025-05-25T16:17:38.340" v="0"/>
+          <ac:spMkLst>
+            <pc:docMk/>
+            <pc:sldMk cId="2524729559" sldId="259"/>
+            <ac:spMk id="9" creationId="{8348F7DE-DD58-0040-AD2D-ECF76CE16313}"/>
+          </ac:spMkLst>
+        </pc:spChg>
+        <pc:spChg chg="mod">
+          <ac:chgData name="Schilling Sabine HSLU W" userId="b0e2af5c-9187-4900-883a-c96514cd8e15" providerId="ADAL" clId="{895C96C1-8C91-454F-AE14-4A89B17CB3FA}" dt="2025-05-25T16:17:38.340" v="0"/>
+          <ac:spMkLst>
+            <pc:docMk/>
+            <pc:sldMk cId="2524729559" sldId="259"/>
+            <ac:spMk id="467" creationId="{9F3DB9C3-A6B3-DC3B-D937-ACB248DD1895}"/>
+          </ac:spMkLst>
+        </pc:spChg>
+        <pc:spChg chg="mod">
+          <ac:chgData name="Schilling Sabine HSLU W" userId="b0e2af5c-9187-4900-883a-c96514cd8e15" providerId="ADAL" clId="{895C96C1-8C91-454F-AE14-4A89B17CB3FA}" dt="2025-05-25T16:17:38.340" v="0"/>
+          <ac:spMkLst>
+            <pc:docMk/>
+            <pc:sldMk cId="2524729559" sldId="259"/>
+            <ac:spMk id="468" creationId="{706DE281-AE3D-2689-6BA1-030155DAFDD8}"/>
+          </ac:spMkLst>
+        </pc:spChg>
+      </pc:sldChg>
+    </pc:docChg>
+  </pc:docChgLst>
+</pc:chgInfo>
 </file>
 
 <file path=ppt/notesMasters/notesMaster1.xml><?xml version="1.0" encoding="utf-8"?>
@@ -216,7 +277,7 @@
           <a:p>
             <a:fld id="{0AECA108-3915-9043-8428-B4BE4472B821}" type="datetimeFigureOut">
               <a:rPr lang="de-DE" smtClean="0"/>
-              <a:t>10.05.25</a:t>
+              <a:t>25.05.25</a:t>
             </a:fld>
             <a:endParaRPr lang="de-DE"/>
           </a:p>
@@ -714,7 +775,7 @@
           <a:p>
             <a:fld id="{43497422-92ED-3D47-BF28-17000E80E497}" type="datetimeFigureOut">
               <a:rPr lang="de-DE" smtClean="0"/>
-              <a:t>10.05.25</a:t>
+              <a:t>25.05.25</a:t>
             </a:fld>
             <a:endParaRPr lang="de-DE"/>
           </a:p>
@@ -912,7 +973,7 @@
           <a:p>
             <a:fld id="{43497422-92ED-3D47-BF28-17000E80E497}" type="datetimeFigureOut">
               <a:rPr lang="de-DE" smtClean="0"/>
-              <a:t>10.05.25</a:t>
+              <a:t>25.05.25</a:t>
             </a:fld>
             <a:endParaRPr lang="de-DE"/>
           </a:p>
@@ -1120,7 +1181,7 @@
           <a:p>
             <a:fld id="{43497422-92ED-3D47-BF28-17000E80E497}" type="datetimeFigureOut">
               <a:rPr lang="de-DE" smtClean="0"/>
-              <a:t>10.05.25</a:t>
+              <a:t>25.05.25</a:t>
             </a:fld>
             <a:endParaRPr lang="de-DE"/>
           </a:p>
@@ -1318,7 +1379,7 @@
           <a:p>
             <a:fld id="{43497422-92ED-3D47-BF28-17000E80E497}" type="datetimeFigureOut">
               <a:rPr lang="de-DE" smtClean="0"/>
-              <a:t>10.05.25</a:t>
+              <a:t>25.05.25</a:t>
             </a:fld>
             <a:endParaRPr lang="de-DE"/>
           </a:p>
@@ -1593,7 +1654,7 @@
           <a:p>
             <a:fld id="{43497422-92ED-3D47-BF28-17000E80E497}" type="datetimeFigureOut">
               <a:rPr lang="de-DE" smtClean="0"/>
-              <a:t>10.05.25</a:t>
+              <a:t>25.05.25</a:t>
             </a:fld>
             <a:endParaRPr lang="de-DE"/>
           </a:p>
@@ -1858,7 +1919,7 @@
           <a:p>
             <a:fld id="{43497422-92ED-3D47-BF28-17000E80E497}" type="datetimeFigureOut">
               <a:rPr lang="de-DE" smtClean="0"/>
-              <a:t>10.05.25</a:t>
+              <a:t>25.05.25</a:t>
             </a:fld>
             <a:endParaRPr lang="de-DE"/>
           </a:p>
@@ -2270,7 +2331,7 @@
           <a:p>
             <a:fld id="{43497422-92ED-3D47-BF28-17000E80E497}" type="datetimeFigureOut">
               <a:rPr lang="de-DE" smtClean="0"/>
-              <a:t>10.05.25</a:t>
+              <a:t>25.05.25</a:t>
             </a:fld>
             <a:endParaRPr lang="de-DE"/>
           </a:p>
@@ -2411,7 +2472,7 @@
           <a:p>
             <a:fld id="{43497422-92ED-3D47-BF28-17000E80E497}" type="datetimeFigureOut">
               <a:rPr lang="de-DE" smtClean="0"/>
-              <a:t>10.05.25</a:t>
+              <a:t>25.05.25</a:t>
             </a:fld>
             <a:endParaRPr lang="de-DE"/>
           </a:p>
@@ -2524,7 +2585,7 @@
           <a:p>
             <a:fld id="{43497422-92ED-3D47-BF28-17000E80E497}" type="datetimeFigureOut">
               <a:rPr lang="de-DE" smtClean="0"/>
-              <a:t>10.05.25</a:t>
+              <a:t>25.05.25</a:t>
             </a:fld>
             <a:endParaRPr lang="de-DE"/>
           </a:p>
@@ -2835,7 +2896,7 @@
           <a:p>
             <a:fld id="{43497422-92ED-3D47-BF28-17000E80E497}" type="datetimeFigureOut">
               <a:rPr lang="de-DE" smtClean="0"/>
-              <a:t>10.05.25</a:t>
+              <a:t>25.05.25</a:t>
             </a:fld>
             <a:endParaRPr lang="de-DE"/>
           </a:p>
@@ -3123,7 +3184,7 @@
           <a:p>
             <a:fld id="{43497422-92ED-3D47-BF28-17000E80E497}" type="datetimeFigureOut">
               <a:rPr lang="de-DE" smtClean="0"/>
-              <a:t>10.05.25</a:t>
+              <a:t>25.05.25</a:t>
             </a:fld>
             <a:endParaRPr lang="de-DE"/>
           </a:p>
@@ -3364,7 +3425,7 @@
           <a:p>
             <a:fld id="{43497422-92ED-3D47-BF28-17000E80E497}" type="datetimeFigureOut">
               <a:rPr lang="de-DE" smtClean="0"/>
-              <a:t>10.05.25</a:t>
+              <a:t>25.05.25</a:t>
             </a:fld>
             <a:endParaRPr lang="de-DE"/>
           </a:p>
@@ -3844,7 +3905,7 @@
                     <a:ea typeface="Cambria Math" panose="02040503050406030204" pitchFamily="18" charset="0"/>
                     <a:cs typeface="Calibri" panose="020F0502020204030204" pitchFamily="34" charset="0"/>
                   </a:rPr>
-                  <a:t> feature of </a:t>
+                  <a:t> predictor of </a:t>
                 </a:r>
                 <a:r>
                   <a:rPr lang="en-GB" sz="1200" noProof="0" dirty="0">
@@ -4098,15 +4159,7 @@
                     <a:ea typeface="Cambria Math" panose="02040503050406030204" pitchFamily="18" charset="0"/>
                     <a:cs typeface="Calibri" panose="020F0502020204030204" pitchFamily="34" charset="0"/>
                   </a:rPr>
-                  <a:t>F</a:t>
-                </a:r>
-                <a:r>
-                  <a:rPr lang="en-GB" sz="1200" noProof="0" dirty="0" err="1">
-                    <a:latin typeface="Calibri" panose="020F0502020204030204" pitchFamily="34" charset="0"/>
-                    <a:ea typeface="Cambria Math" panose="02040503050406030204" pitchFamily="18" charset="0"/>
-                    <a:cs typeface="Calibri" panose="020F0502020204030204" pitchFamily="34" charset="0"/>
-                  </a:rPr>
-                  <a:t>eature</a:t>
+                  <a:t>predictor</a:t>
                 </a:r>
                 <a:r>
                   <a:rPr lang="en-GB" sz="1200" noProof="0" dirty="0">
@@ -4321,15 +4374,7 @@
                     <a:ea typeface="Cambria Math" panose="02040503050406030204" pitchFamily="18" charset="0"/>
                     <a:cs typeface="Calibri" panose="020F0502020204030204" pitchFamily="34" charset="0"/>
                   </a:rPr>
-                  <a:t>F</a:t>
-                </a:r>
-                <a:r>
-                  <a:rPr lang="en-GB" sz="1200" noProof="0" dirty="0" err="1">
-                    <a:latin typeface="Calibri" panose="020F0502020204030204" pitchFamily="34" charset="0"/>
-                    <a:ea typeface="Cambria Math" panose="02040503050406030204" pitchFamily="18" charset="0"/>
-                    <a:cs typeface="Calibri" panose="020F0502020204030204" pitchFamily="34" charset="0"/>
-                  </a:rPr>
-                  <a:t>eature</a:t>
+                  <a:t>predictor</a:t>
                 </a:r>
                 <a:r>
                   <a:rPr lang="en-GB" sz="1200" noProof="0" dirty="0">
@@ -4422,8 +4467,8 @@
           </p:sp>
         </mc:Fallback>
       </mc:AlternateContent>
-      <mc:AlternateContent xmlns:mc="http://schemas.openxmlformats.org/markup-compatibility/2006">
-        <mc:Choice xmlns:a14="http://schemas.microsoft.com/office/drawing/2010/main" Requires="a14">
+      <mc:AlternateContent xmlns:mc="http://schemas.openxmlformats.org/markup-compatibility/2006" xmlns:a14="http://schemas.microsoft.com/office/drawing/2010/main">
+        <mc:Choice Requires="a14">
           <p:sp>
             <p:nvSpPr>
               <p:cNvPr id="13" name="Textfeld 12">
@@ -4553,7 +4598,7 @@
             </p:txBody>
           </p:sp>
         </mc:Choice>
-        <mc:Fallback>
+        <mc:Fallback xmlns="">
           <p:sp>
             <p:nvSpPr>
               <p:cNvPr id="13" name="Textfeld 12">
@@ -4603,8 +4648,8 @@
           </p:sp>
         </mc:Fallback>
       </mc:AlternateContent>
-      <mc:AlternateContent xmlns:mc="http://schemas.openxmlformats.org/markup-compatibility/2006">
-        <mc:Choice xmlns:a14="http://schemas.microsoft.com/office/drawing/2010/main" Requires="a14">
+      <mc:AlternateContent xmlns:mc="http://schemas.openxmlformats.org/markup-compatibility/2006" xmlns:a14="http://schemas.microsoft.com/office/drawing/2010/main">
+        <mc:Choice Requires="a14">
           <p:sp>
             <p:nvSpPr>
               <p:cNvPr id="15" name="Textfeld 14">
@@ -4740,7 +4785,7 @@
             </p:txBody>
           </p:sp>
         </mc:Choice>
-        <mc:Fallback>
+        <mc:Fallback xmlns="">
           <p:sp>
             <p:nvSpPr>
               <p:cNvPr id="15" name="Textfeld 14">
@@ -4855,8 +4900,8 @@
           </a:p>
         </p:txBody>
       </p:sp>
-      <mc:AlternateContent xmlns:mc="http://schemas.openxmlformats.org/markup-compatibility/2006">
-        <mc:Choice xmlns:a14="http://schemas.microsoft.com/office/drawing/2010/main" Requires="a14">
+      <mc:AlternateContent xmlns:mc="http://schemas.openxmlformats.org/markup-compatibility/2006" xmlns:a14="http://schemas.microsoft.com/office/drawing/2010/main">
+        <mc:Choice Requires="a14">
           <p:sp>
             <p:nvSpPr>
               <p:cNvPr id="19" name="Textfeld 18">
@@ -5002,7 +5047,7 @@
             </p:txBody>
           </p:sp>
         </mc:Choice>
-        <mc:Fallback>
+        <mc:Fallback xmlns="">
           <p:sp>
             <p:nvSpPr>
               <p:cNvPr id="19" name="Textfeld 18">
@@ -5052,8 +5097,8 @@
           </p:sp>
         </mc:Fallback>
       </mc:AlternateContent>
-      <mc:AlternateContent xmlns:mc="http://schemas.openxmlformats.org/markup-compatibility/2006">
-        <mc:Choice xmlns:a14="http://schemas.microsoft.com/office/drawing/2010/main" Requires="a14">
+      <mc:AlternateContent xmlns:mc="http://schemas.openxmlformats.org/markup-compatibility/2006" xmlns:a14="http://schemas.microsoft.com/office/drawing/2010/main">
+        <mc:Choice Requires="a14">
           <p:sp>
             <p:nvSpPr>
               <p:cNvPr id="22" name="Textfeld 21">
@@ -5206,7 +5251,7 @@
             </p:txBody>
           </p:sp>
         </mc:Choice>
-        <mc:Fallback>
+        <mc:Fallback xmlns="">
           <p:sp>
             <p:nvSpPr>
               <p:cNvPr id="22" name="Textfeld 21">
@@ -5529,8 +5574,8 @@
           </a:p>
         </p:txBody>
       </p:sp>
-      <mc:AlternateContent xmlns:mc="http://schemas.openxmlformats.org/markup-compatibility/2006">
-        <mc:Choice xmlns:a14="http://schemas.microsoft.com/office/drawing/2010/main" Requires="a14">
+      <mc:AlternateContent xmlns:mc="http://schemas.openxmlformats.org/markup-compatibility/2006" xmlns:a14="http://schemas.microsoft.com/office/drawing/2010/main">
+        <mc:Choice Requires="a14">
           <p:sp>
             <p:nvSpPr>
               <p:cNvPr id="29" name="Textfeld 28">
@@ -5607,7 +5652,7 @@
             </p:txBody>
           </p:sp>
         </mc:Choice>
-        <mc:Fallback>
+        <mc:Fallback xmlns="">
           <p:sp>
             <p:nvSpPr>
               <p:cNvPr id="29" name="Textfeld 28">
@@ -5660,8 +5705,8 @@
           </p:sp>
         </mc:Fallback>
       </mc:AlternateContent>
-      <mc:AlternateContent xmlns:mc="http://schemas.openxmlformats.org/markup-compatibility/2006">
-        <mc:Choice xmlns:a14="http://schemas.microsoft.com/office/drawing/2010/main" Requires="a14">
+      <mc:AlternateContent xmlns:mc="http://schemas.openxmlformats.org/markup-compatibility/2006" xmlns:a14="http://schemas.microsoft.com/office/drawing/2010/main">
+        <mc:Choice Requires="a14">
           <p:sp>
             <p:nvSpPr>
               <p:cNvPr id="30" name="Textfeld 29">
@@ -5738,7 +5783,7 @@
             </p:txBody>
           </p:sp>
         </mc:Choice>
-        <mc:Fallback>
+        <mc:Fallback xmlns="">
           <p:sp>
             <p:nvSpPr>
               <p:cNvPr id="30" name="Textfeld 29">
@@ -6402,8 +6447,8 @@
           </p:style>
         </p:cxnSp>
       </p:grpSp>
-      <mc:AlternateContent xmlns:mc="http://schemas.openxmlformats.org/markup-compatibility/2006">
-        <mc:Choice xmlns:a14="http://schemas.microsoft.com/office/drawing/2010/main" Requires="a14">
+      <mc:AlternateContent xmlns:mc="http://schemas.openxmlformats.org/markup-compatibility/2006" xmlns:a14="http://schemas.microsoft.com/office/drawing/2010/main">
+        <mc:Choice Requires="a14">
           <p:sp>
             <p:nvSpPr>
               <p:cNvPr id="82" name="Textfeld 81">
@@ -6480,7 +6525,7 @@
             </p:txBody>
           </p:sp>
         </mc:Choice>
-        <mc:Fallback>
+        <mc:Fallback xmlns="">
           <p:sp>
             <p:nvSpPr>
               <p:cNvPr id="82" name="Textfeld 81">
@@ -6533,8 +6578,8 @@
           </p:sp>
         </mc:Fallback>
       </mc:AlternateContent>
-      <mc:AlternateContent xmlns:mc="http://schemas.openxmlformats.org/markup-compatibility/2006">
-        <mc:Choice xmlns:a14="http://schemas.microsoft.com/office/drawing/2010/main" Requires="a14">
+      <mc:AlternateContent xmlns:mc="http://schemas.openxmlformats.org/markup-compatibility/2006" xmlns:a14="http://schemas.microsoft.com/office/drawing/2010/main">
+        <mc:Choice Requires="a14">
           <p:sp>
             <p:nvSpPr>
               <p:cNvPr id="87" name="Textfeld 86">
@@ -6611,7 +6656,7 @@
             </p:txBody>
           </p:sp>
         </mc:Choice>
-        <mc:Fallback>
+        <mc:Fallback xmlns="">
           <p:sp>
             <p:nvSpPr>
               <p:cNvPr id="87" name="Textfeld 86">
@@ -6664,8 +6709,8 @@
           </p:sp>
         </mc:Fallback>
       </mc:AlternateContent>
-      <mc:AlternateContent xmlns:mc="http://schemas.openxmlformats.org/markup-compatibility/2006">
-        <mc:Choice xmlns:a14="http://schemas.microsoft.com/office/drawing/2010/main" Requires="a14">
+      <mc:AlternateContent xmlns:mc="http://schemas.openxmlformats.org/markup-compatibility/2006" xmlns:a14="http://schemas.microsoft.com/office/drawing/2010/main">
+        <mc:Choice Requires="a14">
           <p:sp>
             <p:nvSpPr>
               <p:cNvPr id="88" name="Textfeld 87">
@@ -6742,7 +6787,7 @@
             </p:txBody>
           </p:sp>
         </mc:Choice>
-        <mc:Fallback>
+        <mc:Fallback xmlns="">
           <p:sp>
             <p:nvSpPr>
               <p:cNvPr id="88" name="Textfeld 87">
@@ -6795,8 +6840,8 @@
           </p:sp>
         </mc:Fallback>
       </mc:AlternateContent>
-      <mc:AlternateContent xmlns:mc="http://schemas.openxmlformats.org/markup-compatibility/2006">
-        <mc:Choice xmlns:a14="http://schemas.microsoft.com/office/drawing/2010/main" Requires="a14">
+      <mc:AlternateContent xmlns:mc="http://schemas.openxmlformats.org/markup-compatibility/2006" xmlns:a14="http://schemas.microsoft.com/office/drawing/2010/main">
+        <mc:Choice Requires="a14">
           <p:sp>
             <p:nvSpPr>
               <p:cNvPr id="89" name="Textfeld 88">
@@ -6873,7 +6918,7 @@
             </p:txBody>
           </p:sp>
         </mc:Choice>
-        <mc:Fallback>
+        <mc:Fallback xmlns="">
           <p:sp>
             <p:nvSpPr>
               <p:cNvPr id="89" name="Textfeld 88">
@@ -7113,8 +7158,8 @@
           </a:p>
         </p:txBody>
       </p:sp>
-      <mc:AlternateContent xmlns:mc="http://schemas.openxmlformats.org/markup-compatibility/2006">
-        <mc:Choice xmlns:a14="http://schemas.microsoft.com/office/drawing/2010/main" Requires="a14">
+      <mc:AlternateContent xmlns:mc="http://schemas.openxmlformats.org/markup-compatibility/2006" xmlns:a14="http://schemas.microsoft.com/office/drawing/2010/main">
+        <mc:Choice Requires="a14">
           <p:sp>
             <p:nvSpPr>
               <p:cNvPr id="98" name="Textfeld 97">
@@ -7191,7 +7236,7 @@
             </p:txBody>
           </p:sp>
         </mc:Choice>
-        <mc:Fallback>
+        <mc:Fallback xmlns="">
           <p:sp>
             <p:nvSpPr>
               <p:cNvPr id="98" name="Textfeld 97">
@@ -7244,8 +7289,8 @@
           </p:sp>
         </mc:Fallback>
       </mc:AlternateContent>
-      <mc:AlternateContent xmlns:mc="http://schemas.openxmlformats.org/markup-compatibility/2006">
-        <mc:Choice xmlns:a14="http://schemas.microsoft.com/office/drawing/2010/main" Requires="a14">
+      <mc:AlternateContent xmlns:mc="http://schemas.openxmlformats.org/markup-compatibility/2006" xmlns:a14="http://schemas.microsoft.com/office/drawing/2010/main">
+        <mc:Choice Requires="a14">
           <p:sp>
             <p:nvSpPr>
               <p:cNvPr id="99" name="Textfeld 98">
@@ -7322,7 +7367,7 @@
             </p:txBody>
           </p:sp>
         </mc:Choice>
-        <mc:Fallback>
+        <mc:Fallback xmlns="">
           <p:sp>
             <p:nvSpPr>
               <p:cNvPr id="99" name="Textfeld 98">
@@ -7432,8 +7477,8 @@
           </a:p>
         </p:txBody>
       </p:sp>
-      <mc:AlternateContent xmlns:mc="http://schemas.openxmlformats.org/markup-compatibility/2006">
-        <mc:Choice xmlns:a14="http://schemas.microsoft.com/office/drawing/2010/main" Requires="a14">
+      <mc:AlternateContent xmlns:mc="http://schemas.openxmlformats.org/markup-compatibility/2006" xmlns:a14="http://schemas.microsoft.com/office/drawing/2010/main">
+        <mc:Choice Requires="a14">
           <p:sp>
             <p:nvSpPr>
               <p:cNvPr id="11" name="Textfeld 10">
@@ -7622,7 +7667,7 @@
             </p:txBody>
           </p:sp>
         </mc:Choice>
-        <mc:Fallback>
+        <mc:Fallback xmlns="">
           <p:sp>
             <p:nvSpPr>
               <p:cNvPr id="11" name="Textfeld 10">
@@ -8444,15 +8489,7 @@
                     <a:ea typeface="Cambria Math" panose="02040503050406030204" pitchFamily="18" charset="0"/>
                     <a:cs typeface="Calibri" panose="020F0502020204030204" pitchFamily="34" charset="0"/>
                   </a:rPr>
-                  <a:t>f</a:t>
-                </a:r>
-                <a:r>
-                  <a:rPr lang="en-GB" noProof="0" dirty="0" err="1">
-                    <a:latin typeface="Calibri" panose="020F0502020204030204" pitchFamily="34" charset="0"/>
-                    <a:ea typeface="Cambria Math" panose="02040503050406030204" pitchFamily="18" charset="0"/>
-                    <a:cs typeface="Calibri" panose="020F0502020204030204" pitchFamily="34" charset="0"/>
-                  </a:rPr>
-                  <a:t>eature</a:t>
+                  <a:t>predictor</a:t>
                 </a:r>
                 <a:r>
                   <a:rPr lang="en-GB" noProof="0" dirty="0">
@@ -8595,15 +8632,7 @@
                     <a:ea typeface="Cambria Math" panose="02040503050406030204" pitchFamily="18" charset="0"/>
                     <a:cs typeface="Calibri" panose="020F0502020204030204" pitchFamily="34" charset="0"/>
                   </a:rPr>
-                  <a:t>f</a:t>
-                </a:r>
-                <a:r>
-                  <a:rPr lang="en-GB" noProof="0" dirty="0" err="1">
-                    <a:latin typeface="Calibri" panose="020F0502020204030204" pitchFamily="34" charset="0"/>
-                    <a:ea typeface="Cambria Math" panose="02040503050406030204" pitchFamily="18" charset="0"/>
-                    <a:cs typeface="Calibri" panose="020F0502020204030204" pitchFamily="34" charset="0"/>
-                  </a:rPr>
-                  <a:t>eature</a:t>
+                  <a:t>predictor</a:t>
                 </a:r>
                 <a:r>
                   <a:rPr lang="en-GB" noProof="0" dirty="0">

--- a/vignettes/figures/decision_tree.pptx
+++ b/vignettes/figures/decision_tree.pptx
@@ -129,7 +129,7 @@
 <file path=ppt/revisionInfo.xml><?xml version="1.0" encoding="utf-8"?>
 <p1510:revInfo xmlns:a="http://schemas.openxmlformats.org/drawingml/2006/main" xmlns:r="http://schemas.openxmlformats.org/officeDocument/2006/relationships" xmlns:p1510="http://schemas.microsoft.com/office/powerpoint/2015/10/main">
   <p1510:revLst>
-    <p1510:client id="{895C96C1-8C91-454F-AE14-4A89B17CB3FA}" v="19" dt="2025-05-25T16:17:38.341"/>
+    <p1510:client id="{895C96C1-8C91-454F-AE14-4A89B17CB3FA}" v="20" dt="2025-05-25T17:04:25.327"/>
   </p1510:revLst>
 </p1510:revInfo>
 </file>
@@ -139,16 +139,24 @@
   <pc:docChgLst>
     <pc:chgData name="Schilling Sabine HSLU W" userId="b0e2af5c-9187-4900-883a-c96514cd8e15" providerId="ADAL" clId="{895C96C1-8C91-454F-AE14-4A89B17CB3FA}"/>
     <pc:docChg chg="modSld">
-      <pc:chgData name="Schilling Sabine HSLU W" userId="b0e2af5c-9187-4900-883a-c96514cd8e15" providerId="ADAL" clId="{895C96C1-8C91-454F-AE14-4A89B17CB3FA}" dt="2025-05-25T16:17:38.340" v="0"/>
+      <pc:chgData name="Schilling Sabine HSLU W" userId="b0e2af5c-9187-4900-883a-c96514cd8e15" providerId="ADAL" clId="{895C96C1-8C91-454F-AE14-4A89B17CB3FA}" dt="2025-05-25T17:04:25.327" v="1" actId="767"/>
       <pc:docMkLst>
         <pc:docMk/>
       </pc:docMkLst>
-      <pc:sldChg chg="modSp">
-        <pc:chgData name="Schilling Sabine HSLU W" userId="b0e2af5c-9187-4900-883a-c96514cd8e15" providerId="ADAL" clId="{895C96C1-8C91-454F-AE14-4A89B17CB3FA}" dt="2025-05-25T16:17:38.340" v="0"/>
+      <pc:sldChg chg="addSp modSp">
+        <pc:chgData name="Schilling Sabine HSLU W" userId="b0e2af5c-9187-4900-883a-c96514cd8e15" providerId="ADAL" clId="{895C96C1-8C91-454F-AE14-4A89B17CB3FA}" dt="2025-05-25T17:04:25.327" v="1" actId="767"/>
         <pc:sldMkLst>
           <pc:docMk/>
           <pc:sldMk cId="2524729559" sldId="259"/>
         </pc:sldMkLst>
+        <pc:spChg chg="add mod">
+          <ac:chgData name="Schilling Sabine HSLU W" userId="b0e2af5c-9187-4900-883a-c96514cd8e15" providerId="ADAL" clId="{895C96C1-8C91-454F-AE14-4A89B17CB3FA}" dt="2025-05-25T17:04:25.327" v="1" actId="767"/>
+          <ac:spMkLst>
+            <pc:docMk/>
+            <pc:sldMk cId="2524729559" sldId="259"/>
+            <ac:spMk id="3" creationId="{13D4617A-5AD3-C651-06BE-4114C5B4BFCF}"/>
+          </ac:spMkLst>
+        </pc:spChg>
         <pc:spChg chg="mod">
           <ac:chgData name="Schilling Sabine HSLU W" userId="b0e2af5c-9187-4900-883a-c96514cd8e15" providerId="ADAL" clId="{895C96C1-8C91-454F-AE14-4A89B17CB3FA}" dt="2025-05-25T16:17:38.340" v="0"/>
           <ac:spMkLst>
@@ -9573,6 +9581,50 @@
           </a:p>
         </p:txBody>
       </p:sp>
+      <p:sp>
+        <p:nvSpPr>
+          <p:cNvPr id="3" name="Textfeld 2">
+            <a:extLst>
+              <a:ext uri="{FF2B5EF4-FFF2-40B4-BE49-F238E27FC236}">
+                <a16:creationId xmlns:a16="http://schemas.microsoft.com/office/drawing/2014/main" id="{13D4617A-5AD3-C651-06BE-4114C5B4BFCF}"/>
+              </a:ext>
+            </a:extLst>
+          </p:cNvPr>
+          <p:cNvSpPr txBox="1"/>
+          <p:nvPr/>
+        </p:nvSpPr>
+        <p:spPr>
+          <a:xfrm>
+            <a:off x="-1706853" y="2471738"/>
+            <a:ext cx="184731" cy="215444"/>
+          </a:xfrm>
+          <a:prstGeom prst="rect">
+            <a:avLst/>
+          </a:prstGeom>
+          <a:solidFill>
+            <a:schemeClr val="accent4">
+              <a:alpha val="19758"/>
+            </a:schemeClr>
+          </a:solidFill>
+          <a:ln w="12700">
+            <a:noFill/>
+          </a:ln>
+        </p:spPr>
+        <p:txBody>
+          <a:bodyPr wrap="none" rtlCol="0">
+            <a:spAutoFit/>
+          </a:bodyPr>
+          <a:lstStyle/>
+          <a:p>
+            <a:pPr algn="ctr"/>
+            <a:endParaRPr lang="de-DE" sz="800" noProof="0" dirty="0">
+              <a:latin typeface="Calibri" panose="020F0502020204030204" pitchFamily="34" charset="0"/>
+              <a:ea typeface="Cambria Math" panose="02040503050406030204" pitchFamily="18" charset="0"/>
+              <a:cs typeface="Calibri" panose="020F0502020204030204" pitchFamily="34" charset="0"/>
+            </a:endParaRPr>
+          </a:p>
+        </p:txBody>
+      </p:sp>
     </p:spTree>
     <p:extLst>
       <p:ext uri="{BB962C8B-B14F-4D97-AF65-F5344CB8AC3E}">

--- a/vignettes/figures/decision_tree.pptx
+++ b/vignettes/figures/decision_tree.pptx
@@ -5,10 +5,11 @@
     <p:sldMasterId id="2147483648" r:id="rId1"/>
   </p:sldMasterIdLst>
   <p:notesMasterIdLst>
-    <p:notesMasterId r:id="rId3"/>
+    <p:notesMasterId r:id="rId4"/>
   </p:notesMasterIdLst>
   <p:sldIdLst>
     <p:sldId id="259" r:id="rId2"/>
+    <p:sldId id="260" r:id="rId3"/>
   </p:sldIdLst>
   <p:sldSz cx="12192000" cy="6858000"/>
   <p:notesSz cx="6858000" cy="9144000"/>
@@ -110,7 +111,7 @@
   <p:extLst>
     <p:ext uri="{EFAFB233-063F-42B5-8137-9DF3F51BA10A}">
       <p15:sldGuideLst xmlns:p15="http://schemas.microsoft.com/office/powerpoint/2012/main">
-        <p15:guide id="1" orient="horz" pos="2183" userDrawn="1">
+        <p15:guide id="1" orient="horz" pos="2205" userDrawn="1">
           <p15:clr>
             <a:srgbClr val="A4A3A4"/>
           </p15:clr>
@@ -285,7 +286,7 @@
           <a:p>
             <a:fld id="{0AECA108-3915-9043-8428-B4BE4472B821}" type="datetimeFigureOut">
               <a:rPr lang="de-DE" smtClean="0"/>
-              <a:t>25.05.25</a:t>
+              <a:t>29.05.25</a:t>
             </a:fld>
             <a:endParaRPr lang="de-DE"/>
           </a:p>
@@ -636,6 +637,114 @@
 </p:notes>
 </file>
 
+<file path=ppt/notesSlides/notesSlide2.xml><?xml version="1.0" encoding="utf-8"?>
+<p:notes xmlns:a="http://schemas.openxmlformats.org/drawingml/2006/main" xmlns:r="http://schemas.openxmlformats.org/officeDocument/2006/relationships" xmlns:p="http://schemas.openxmlformats.org/presentationml/2006/main">
+  <p:cSld>
+    <p:spTree>
+      <p:nvGrpSpPr>
+        <p:cNvPr id="1" name="">
+          <a:extLst>
+            <a:ext uri="{FF2B5EF4-FFF2-40B4-BE49-F238E27FC236}">
+              <a16:creationId xmlns:a16="http://schemas.microsoft.com/office/drawing/2014/main" id="{EB5E5CAC-38A9-4D47-4FB3-21F18E4FC1F6}"/>
+            </a:ext>
+          </a:extLst>
+        </p:cNvPr>
+        <p:cNvGrpSpPr/>
+        <p:nvPr/>
+      </p:nvGrpSpPr>
+      <p:grpSpPr>
+        <a:xfrm>
+          <a:off x="0" y="0"/>
+          <a:ext cx="0" cy="0"/>
+          <a:chOff x="0" y="0"/>
+          <a:chExt cx="0" cy="0"/>
+        </a:xfrm>
+      </p:grpSpPr>
+      <p:sp>
+        <p:nvSpPr>
+          <p:cNvPr id="2" name="Folienbildplatzhalter 1">
+            <a:extLst>
+              <a:ext uri="{FF2B5EF4-FFF2-40B4-BE49-F238E27FC236}">
+                <a16:creationId xmlns:a16="http://schemas.microsoft.com/office/drawing/2014/main" id="{D11C89AC-1E0E-96D4-378E-71B115BFCDF3}"/>
+              </a:ext>
+            </a:extLst>
+          </p:cNvPr>
+          <p:cNvSpPr>
+            <a:spLocks noGrp="1" noRot="1" noChangeAspect="1"/>
+          </p:cNvSpPr>
+          <p:nvPr>
+            <p:ph type="sldImg"/>
+          </p:nvPr>
+        </p:nvSpPr>
+        <p:spPr/>
+      </p:sp>
+      <p:sp>
+        <p:nvSpPr>
+          <p:cNvPr id="3" name="Notizenplatzhalter 2">
+            <a:extLst>
+              <a:ext uri="{FF2B5EF4-FFF2-40B4-BE49-F238E27FC236}">
+                <a16:creationId xmlns:a16="http://schemas.microsoft.com/office/drawing/2014/main" id="{DCCE788D-7C9F-EA1C-69B3-A54098FA02DD}"/>
+              </a:ext>
+            </a:extLst>
+          </p:cNvPr>
+          <p:cNvSpPr>
+            <a:spLocks noGrp="1"/>
+          </p:cNvSpPr>
+          <p:nvPr>
+            <p:ph type="body" idx="1"/>
+          </p:nvPr>
+        </p:nvSpPr>
+        <p:spPr/>
+        <p:txBody>
+          <a:bodyPr/>
+          <a:lstStyle/>
+          <a:p>
+            <a:endParaRPr lang="de-DE" dirty="0"/>
+          </a:p>
+        </p:txBody>
+      </p:sp>
+      <p:sp>
+        <p:nvSpPr>
+          <p:cNvPr id="4" name="Foliennummernplatzhalter 3">
+            <a:extLst>
+              <a:ext uri="{FF2B5EF4-FFF2-40B4-BE49-F238E27FC236}">
+                <a16:creationId xmlns:a16="http://schemas.microsoft.com/office/drawing/2014/main" id="{FB08C572-E14B-6AF1-3E30-32DA027BA7C3}"/>
+              </a:ext>
+            </a:extLst>
+          </p:cNvPr>
+          <p:cNvSpPr>
+            <a:spLocks noGrp="1"/>
+          </p:cNvSpPr>
+          <p:nvPr>
+            <p:ph type="sldNum" sz="quarter" idx="5"/>
+          </p:nvPr>
+        </p:nvSpPr>
+        <p:spPr/>
+        <p:txBody>
+          <a:bodyPr/>
+          <a:lstStyle/>
+          <a:p>
+            <a:fld id="{67B21A6D-3249-074E-BBD6-BCFA95367850}" type="slidenum">
+              <a:rPr lang="de-DE" smtClean="0"/>
+              <a:t>2</a:t>
+            </a:fld>
+            <a:endParaRPr lang="de-DE"/>
+          </a:p>
+        </p:txBody>
+      </p:sp>
+    </p:spTree>
+    <p:extLst>
+      <p:ext uri="{BB962C8B-B14F-4D97-AF65-F5344CB8AC3E}">
+        <p14:creationId xmlns:p14="http://schemas.microsoft.com/office/powerpoint/2010/main" val="4059778080"/>
+      </p:ext>
+    </p:extLst>
+  </p:cSld>
+  <p:clrMapOvr>
+    <a:masterClrMapping/>
+  </p:clrMapOvr>
+</p:notes>
+</file>
+
 <file path=ppt/slideLayouts/slideLayout1.xml><?xml version="1.0" encoding="utf-8"?>
 <p:sldLayout xmlns:a="http://schemas.openxmlformats.org/drawingml/2006/main" xmlns:r="http://schemas.openxmlformats.org/officeDocument/2006/relationships" xmlns:p="http://schemas.openxmlformats.org/presentationml/2006/main" type="title" preserve="1">
   <p:cSld name="Titelfolie">
@@ -783,7 +892,7 @@
           <a:p>
             <a:fld id="{43497422-92ED-3D47-BF28-17000E80E497}" type="datetimeFigureOut">
               <a:rPr lang="de-DE" smtClean="0"/>
-              <a:t>25.05.25</a:t>
+              <a:t>29.05.25</a:t>
             </a:fld>
             <a:endParaRPr lang="de-DE"/>
           </a:p>
@@ -981,7 +1090,7 @@
           <a:p>
             <a:fld id="{43497422-92ED-3D47-BF28-17000E80E497}" type="datetimeFigureOut">
               <a:rPr lang="de-DE" smtClean="0"/>
-              <a:t>25.05.25</a:t>
+              <a:t>29.05.25</a:t>
             </a:fld>
             <a:endParaRPr lang="de-DE"/>
           </a:p>
@@ -1189,7 +1298,7 @@
           <a:p>
             <a:fld id="{43497422-92ED-3D47-BF28-17000E80E497}" type="datetimeFigureOut">
               <a:rPr lang="de-DE" smtClean="0"/>
-              <a:t>25.05.25</a:t>
+              <a:t>29.05.25</a:t>
             </a:fld>
             <a:endParaRPr lang="de-DE"/>
           </a:p>
@@ -1387,7 +1496,7 @@
           <a:p>
             <a:fld id="{43497422-92ED-3D47-BF28-17000E80E497}" type="datetimeFigureOut">
               <a:rPr lang="de-DE" smtClean="0"/>
-              <a:t>25.05.25</a:t>
+              <a:t>29.05.25</a:t>
             </a:fld>
             <a:endParaRPr lang="de-DE"/>
           </a:p>
@@ -1662,7 +1771,7 @@
           <a:p>
             <a:fld id="{43497422-92ED-3D47-BF28-17000E80E497}" type="datetimeFigureOut">
               <a:rPr lang="de-DE" smtClean="0"/>
-              <a:t>25.05.25</a:t>
+              <a:t>29.05.25</a:t>
             </a:fld>
             <a:endParaRPr lang="de-DE"/>
           </a:p>
@@ -1927,7 +2036,7 @@
           <a:p>
             <a:fld id="{43497422-92ED-3D47-BF28-17000E80E497}" type="datetimeFigureOut">
               <a:rPr lang="de-DE" smtClean="0"/>
-              <a:t>25.05.25</a:t>
+              <a:t>29.05.25</a:t>
             </a:fld>
             <a:endParaRPr lang="de-DE"/>
           </a:p>
@@ -2339,7 +2448,7 @@
           <a:p>
             <a:fld id="{43497422-92ED-3D47-BF28-17000E80E497}" type="datetimeFigureOut">
               <a:rPr lang="de-DE" smtClean="0"/>
-              <a:t>25.05.25</a:t>
+              <a:t>29.05.25</a:t>
             </a:fld>
             <a:endParaRPr lang="de-DE"/>
           </a:p>
@@ -2480,7 +2589,7 @@
           <a:p>
             <a:fld id="{43497422-92ED-3D47-BF28-17000E80E497}" type="datetimeFigureOut">
               <a:rPr lang="de-DE" smtClean="0"/>
-              <a:t>25.05.25</a:t>
+              <a:t>29.05.25</a:t>
             </a:fld>
             <a:endParaRPr lang="de-DE"/>
           </a:p>
@@ -2593,7 +2702,7 @@
           <a:p>
             <a:fld id="{43497422-92ED-3D47-BF28-17000E80E497}" type="datetimeFigureOut">
               <a:rPr lang="de-DE" smtClean="0"/>
-              <a:t>25.05.25</a:t>
+              <a:t>29.05.25</a:t>
             </a:fld>
             <a:endParaRPr lang="de-DE"/>
           </a:p>
@@ -2904,7 +3013,7 @@
           <a:p>
             <a:fld id="{43497422-92ED-3D47-BF28-17000E80E497}" type="datetimeFigureOut">
               <a:rPr lang="de-DE" smtClean="0"/>
-              <a:t>25.05.25</a:t>
+              <a:t>29.05.25</a:t>
             </a:fld>
             <a:endParaRPr lang="de-DE"/>
           </a:p>
@@ -3192,7 +3301,7 @@
           <a:p>
             <a:fld id="{43497422-92ED-3D47-BF28-17000E80E497}" type="datetimeFigureOut">
               <a:rPr lang="de-DE" smtClean="0"/>
-              <a:t>25.05.25</a:t>
+              <a:t>29.05.25</a:t>
             </a:fld>
             <a:endParaRPr lang="de-DE"/>
           </a:p>
@@ -3433,7 +3542,7 @@
           <a:p>
             <a:fld id="{43497422-92ED-3D47-BF28-17000E80E497}" type="datetimeFigureOut">
               <a:rPr lang="de-DE" smtClean="0"/>
-              <a:t>25.05.25</a:t>
+              <a:t>29.05.25</a:t>
             </a:fld>
             <a:endParaRPr lang="de-DE"/>
           </a:p>
@@ -3850,8 +3959,8 @@
           <a:chExt cx="0" cy="0"/>
         </a:xfrm>
       </p:grpSpPr>
-      <mc:AlternateContent xmlns:mc="http://schemas.openxmlformats.org/markup-compatibility/2006">
-        <mc:Choice xmlns:a14="http://schemas.microsoft.com/office/drawing/2010/main" Requires="a14">
+      <mc:AlternateContent xmlns:mc="http://schemas.openxmlformats.org/markup-compatibility/2006" xmlns:a14="http://schemas.microsoft.com/office/drawing/2010/main">
+        <mc:Choice Requires="a14">
           <p:sp>
             <p:nvSpPr>
               <p:cNvPr id="7" name="Textfeld 6">
@@ -4069,7 +4178,7 @@
             </p:txBody>
           </p:sp>
         </mc:Choice>
-        <mc:Fallback>
+        <mc:Fallback xmlns="">
           <p:sp>
             <p:nvSpPr>
               <p:cNvPr id="7" name="Textfeld 6">
@@ -4121,8 +4230,8 @@
           </p:sp>
         </mc:Fallback>
       </mc:AlternateContent>
-      <mc:AlternateContent xmlns:mc="http://schemas.openxmlformats.org/markup-compatibility/2006">
-        <mc:Choice xmlns:a14="http://schemas.microsoft.com/office/drawing/2010/main" Requires="a14">
+      <mc:AlternateContent xmlns:mc="http://schemas.openxmlformats.org/markup-compatibility/2006" xmlns:a14="http://schemas.microsoft.com/office/drawing/2010/main">
+        <mc:Choice Requires="a14">
           <p:sp>
             <p:nvSpPr>
               <p:cNvPr id="8" name="Textfeld 7">
@@ -4287,7 +4396,7 @@
             </p:txBody>
           </p:sp>
         </mc:Choice>
-        <mc:Fallback>
+        <mc:Fallback xmlns="">
           <p:sp>
             <p:nvSpPr>
               <p:cNvPr id="8" name="Textfeld 7">
@@ -4337,8 +4446,8 @@
           </p:sp>
         </mc:Fallback>
       </mc:AlternateContent>
-      <mc:AlternateContent xmlns:mc="http://schemas.openxmlformats.org/markup-compatibility/2006">
-        <mc:Choice xmlns:a14="http://schemas.microsoft.com/office/drawing/2010/main" Requires="a14">
+      <mc:AlternateContent xmlns:mc="http://schemas.openxmlformats.org/markup-compatibility/2006" xmlns:a14="http://schemas.microsoft.com/office/drawing/2010/main">
+        <mc:Choice Requires="a14">
           <p:sp>
             <p:nvSpPr>
               <p:cNvPr id="9" name="Textfeld 8">
@@ -4422,7 +4531,7 @@
             </p:txBody>
           </p:sp>
         </mc:Choice>
-        <mc:Fallback>
+        <mc:Fallback xmlns="">
           <p:sp>
             <p:nvSpPr>
               <p:cNvPr id="9" name="Textfeld 8">
@@ -8053,7 +8162,7 @@
           </a:xfrm>
           <a:prstGeom prst="bentConnector3">
             <a:avLst>
-              <a:gd name="adj1" fmla="val 58890"/>
+              <a:gd name="adj1" fmla="val 100108"/>
             </a:avLst>
           </a:prstGeom>
           <a:ln>
@@ -8449,8 +8558,8 @@
           </a:p>
         </p:txBody>
       </p:sp>
-      <mc:AlternateContent xmlns:mc="http://schemas.openxmlformats.org/markup-compatibility/2006">
-        <mc:Choice xmlns:a14="http://schemas.microsoft.com/office/drawing/2010/main" Requires="a14">
+      <mc:AlternateContent xmlns:mc="http://schemas.openxmlformats.org/markup-compatibility/2006" xmlns:a14="http://schemas.microsoft.com/office/drawing/2010/main">
+        <mc:Choice Requires="a14">
           <p:sp>
             <p:nvSpPr>
               <p:cNvPr id="467" name="Textfeld 466">
@@ -8539,7 +8648,7 @@
             </p:txBody>
           </p:sp>
         </mc:Choice>
-        <mc:Fallback>
+        <mc:Fallback xmlns="">
           <p:sp>
             <p:nvSpPr>
               <p:cNvPr id="467" name="Textfeld 466">
@@ -8589,8 +8698,8 @@
           </p:sp>
         </mc:Fallback>
       </mc:AlternateContent>
-      <mc:AlternateContent xmlns:mc="http://schemas.openxmlformats.org/markup-compatibility/2006">
-        <mc:Choice xmlns:a14="http://schemas.microsoft.com/office/drawing/2010/main" Requires="a14">
+      <mc:AlternateContent xmlns:mc="http://schemas.openxmlformats.org/markup-compatibility/2006" xmlns:a14="http://schemas.microsoft.com/office/drawing/2010/main">
+        <mc:Choice Requires="a14">
           <p:sp>
             <p:nvSpPr>
               <p:cNvPr id="468" name="Textfeld 467">
@@ -8682,7 +8791,7 @@
             </p:txBody>
           </p:sp>
         </mc:Choice>
-        <mc:Fallback>
+        <mc:Fallback xmlns="">
           <p:sp>
             <p:nvSpPr>
               <p:cNvPr id="468" name="Textfeld 467">
@@ -9638,6 +9747,4629 @@
 </p:sld>
 </file>
 
+<file path=ppt/slides/slide2.xml><?xml version="1.0" encoding="utf-8"?>
+<p:sld xmlns:a="http://schemas.openxmlformats.org/drawingml/2006/main" xmlns:r="http://schemas.openxmlformats.org/officeDocument/2006/relationships" xmlns:p="http://schemas.openxmlformats.org/presentationml/2006/main">
+  <p:cSld>
+    <p:spTree>
+      <p:nvGrpSpPr>
+        <p:cNvPr id="1" name="">
+          <a:extLst>
+            <a:ext uri="{FF2B5EF4-FFF2-40B4-BE49-F238E27FC236}">
+              <a16:creationId xmlns:a16="http://schemas.microsoft.com/office/drawing/2014/main" id="{890570BE-1640-9F73-D788-8A46DD31514A}"/>
+            </a:ext>
+          </a:extLst>
+        </p:cNvPr>
+        <p:cNvGrpSpPr/>
+        <p:nvPr/>
+      </p:nvGrpSpPr>
+      <p:grpSpPr>
+        <a:xfrm>
+          <a:off x="0" y="0"/>
+          <a:ext cx="0" cy="0"/>
+          <a:chOff x="0" y="0"/>
+          <a:chExt cx="0" cy="0"/>
+        </a:xfrm>
+      </p:grpSpPr>
+      <p:sp>
+        <p:nvSpPr>
+          <p:cNvPr id="18" name="Textfeld 17">
+            <a:extLst>
+              <a:ext uri="{FF2B5EF4-FFF2-40B4-BE49-F238E27FC236}">
+                <a16:creationId xmlns:a16="http://schemas.microsoft.com/office/drawing/2014/main" id="{D34CBB56-14B3-2DA6-2C01-C65D358BF1B9}"/>
+              </a:ext>
+            </a:extLst>
+          </p:cNvPr>
+          <p:cNvSpPr txBox="1"/>
+          <p:nvPr/>
+        </p:nvSpPr>
+        <p:spPr>
+          <a:xfrm>
+            <a:off x="262794" y="2202514"/>
+            <a:ext cx="2959748" cy="276999"/>
+          </a:xfrm>
+          <a:prstGeom prst="rect">
+            <a:avLst/>
+          </a:prstGeom>
+          <a:solidFill>
+            <a:schemeClr val="accent2">
+              <a:alpha val="19906"/>
+            </a:schemeClr>
+          </a:solidFill>
+          <a:ln w="12700">
+            <a:solidFill>
+              <a:schemeClr val="tx1"/>
+            </a:solidFill>
+          </a:ln>
+        </p:spPr>
+        <p:txBody>
+          <a:bodyPr wrap="square">
+            <a:spAutoFit/>
+          </a:bodyPr>
+          <a:lstStyle/>
+          <a:p>
+            <a:pPr algn="ctr"/>
+            <a:r>
+              <a:rPr lang="en-GB" sz="1200" noProof="0" dirty="0" err="1">
+                <a:latin typeface="Courier New" panose="02070309020205020404" pitchFamily="49" charset="0"/>
+                <a:ea typeface="Cambria Math" panose="02040503050406030204" pitchFamily="18" charset="0"/>
+                <a:cs typeface="Courier New" panose="02070309020205020404" pitchFamily="49" charset="0"/>
+              </a:rPr>
+              <a:t>shapiro.test</a:t>
+            </a:r>
+            <a:r>
+              <a:rPr lang="en-GB" sz="1200" noProof="0" dirty="0">
+                <a:latin typeface="Courier New" panose="02070309020205020404" pitchFamily="49" charset="0"/>
+                <a:ea typeface="Cambria Math" panose="02040503050406030204" pitchFamily="18" charset="0"/>
+                <a:cs typeface="Courier New" panose="02070309020205020404" pitchFamily="49" charset="0"/>
+              </a:rPr>
+              <a:t>()</a:t>
+            </a:r>
+            <a:r>
+              <a:rPr lang="en-GB" sz="1200" noProof="0" dirty="0">
+                <a:latin typeface="Calibri" panose="020F0502020204030204" pitchFamily="34" charset="0"/>
+                <a:ea typeface="Cambria Math" panose="02040503050406030204" pitchFamily="18" charset="0"/>
+                <a:cs typeface="Calibri" panose="020F0502020204030204" pitchFamily="34" charset="0"/>
+              </a:rPr>
+              <a:t> for both levels</a:t>
+            </a:r>
+          </a:p>
+        </p:txBody>
+      </p:sp>
+      <p:sp>
+        <p:nvSpPr>
+          <p:cNvPr id="160" name="Textfeld 159">
+            <a:extLst>
+              <a:ext uri="{FF2B5EF4-FFF2-40B4-BE49-F238E27FC236}">
+                <a16:creationId xmlns:a16="http://schemas.microsoft.com/office/drawing/2014/main" id="{279A448E-3101-CAB7-D021-1115A77D135F}"/>
+              </a:ext>
+            </a:extLst>
+          </p:cNvPr>
+          <p:cNvSpPr txBox="1"/>
+          <p:nvPr/>
+        </p:nvSpPr>
+        <p:spPr>
+          <a:xfrm>
+            <a:off x="10508890" y="2202514"/>
+            <a:ext cx="1618428" cy="276999"/>
+          </a:xfrm>
+          <a:prstGeom prst="rect">
+            <a:avLst/>
+          </a:prstGeom>
+          <a:solidFill>
+            <a:schemeClr val="accent2">
+              <a:lumMod val="20000"/>
+              <a:lumOff val="80000"/>
+            </a:schemeClr>
+          </a:solidFill>
+          <a:ln w="12700">
+            <a:solidFill>
+              <a:schemeClr val="accent1">
+                <a:lumMod val="20000"/>
+                <a:lumOff val="80000"/>
+              </a:schemeClr>
+            </a:solidFill>
+          </a:ln>
+        </p:spPr>
+        <p:txBody>
+          <a:bodyPr wrap="square">
+            <a:spAutoFit/>
+          </a:bodyPr>
+          <a:lstStyle>
+            <a:defPPr>
+              <a:defRPr lang="de-DE"/>
+            </a:defPPr>
+            <a:lvl1pPr algn="ctr">
+              <a:defRPr sz="1200"/>
+            </a:lvl1pPr>
+          </a:lstStyle>
+          <a:p>
+            <a:r>
+              <a:rPr lang="en-GB" noProof="0" dirty="0">
+                <a:latin typeface="Calibri" panose="020F0502020204030204" pitchFamily="34" charset="0"/>
+                <a:ea typeface="Cambria Math" panose="02040503050406030204" pitchFamily="18" charset="0"/>
+                <a:cs typeface="Calibri" panose="020F0502020204030204" pitchFamily="34" charset="0"/>
+              </a:rPr>
+              <a:t>Check normality</a:t>
+            </a:r>
+          </a:p>
+        </p:txBody>
+      </p:sp>
+      <p:sp>
+        <p:nvSpPr>
+          <p:cNvPr id="6" name="Textfeld 5">
+            <a:extLst>
+              <a:ext uri="{FF2B5EF4-FFF2-40B4-BE49-F238E27FC236}">
+                <a16:creationId xmlns:a16="http://schemas.microsoft.com/office/drawing/2014/main" id="{56801521-3031-9E27-A997-448C5AD6BB77}"/>
+              </a:ext>
+            </a:extLst>
+          </p:cNvPr>
+          <p:cNvSpPr txBox="1"/>
+          <p:nvPr/>
+        </p:nvSpPr>
+        <p:spPr>
+          <a:xfrm>
+            <a:off x="5037088" y="2202514"/>
+            <a:ext cx="5300726" cy="276999"/>
+          </a:xfrm>
+          <a:prstGeom prst="rect">
+            <a:avLst/>
+          </a:prstGeom>
+          <a:solidFill>
+            <a:schemeClr val="accent2">
+              <a:alpha val="19906"/>
+            </a:schemeClr>
+          </a:solidFill>
+          <a:ln w="12700">
+            <a:solidFill>
+              <a:schemeClr val="tx1"/>
+            </a:solidFill>
+          </a:ln>
+        </p:spPr>
+        <p:txBody>
+          <a:bodyPr wrap="square">
+            <a:spAutoFit/>
+          </a:bodyPr>
+          <a:lstStyle/>
+          <a:p>
+            <a:pPr algn="ctr"/>
+            <a:r>
+              <a:rPr lang="en-GB" sz="1200" noProof="0" dirty="0" err="1">
+                <a:latin typeface="Courier New" panose="02070309020205020404" pitchFamily="49" charset="0"/>
+                <a:ea typeface="Cambria Math" panose="02040503050406030204" pitchFamily="18" charset="0"/>
+                <a:cs typeface="Courier New" panose="02070309020205020404" pitchFamily="49" charset="0"/>
+              </a:rPr>
+              <a:t>shapiro.test</a:t>
+            </a:r>
+            <a:r>
+              <a:rPr lang="en-GB" sz="1200" noProof="0" dirty="0">
+                <a:latin typeface="Courier New" panose="02070309020205020404" pitchFamily="49" charset="0"/>
+                <a:ea typeface="Cambria Math" panose="02040503050406030204" pitchFamily="18" charset="0"/>
+                <a:cs typeface="Courier New" panose="02070309020205020404" pitchFamily="49" charset="0"/>
+              </a:rPr>
+              <a:t>()</a:t>
+            </a:r>
+            <a:r>
+              <a:rPr lang="en-GB" sz="1200" noProof="0" dirty="0">
+                <a:latin typeface="Calibri" panose="020F0502020204030204" pitchFamily="34" charset="0"/>
+                <a:ea typeface="Cambria Math" panose="02040503050406030204" pitchFamily="18" charset="0"/>
+                <a:cs typeface="Calibri" panose="020F0502020204030204" pitchFamily="34" charset="0"/>
+              </a:rPr>
+              <a:t> </a:t>
+            </a:r>
+            <a:r>
+              <a:rPr lang="en-GB" sz="1200" dirty="0">
+                <a:latin typeface="Calibri" panose="020F0502020204030204" pitchFamily="34" charset="0"/>
+                <a:ea typeface="Cambria Math" panose="02040503050406030204" pitchFamily="18" charset="0"/>
+                <a:cs typeface="Calibri" panose="020F0502020204030204" pitchFamily="34" charset="0"/>
+              </a:rPr>
+              <a:t>of residuals</a:t>
+            </a:r>
+            <a:endParaRPr lang="en-GB" sz="1200" noProof="0" dirty="0">
+              <a:latin typeface="Calibri" panose="020F0502020204030204" pitchFamily="34" charset="0"/>
+              <a:ea typeface="Cambria Math" panose="02040503050406030204" pitchFamily="18" charset="0"/>
+              <a:cs typeface="Calibri" panose="020F0502020204030204" pitchFamily="34" charset="0"/>
+            </a:endParaRPr>
+          </a:p>
+        </p:txBody>
+      </p:sp>
+      <mc:AlternateContent xmlns:mc="http://schemas.openxmlformats.org/markup-compatibility/2006" xmlns:a14="http://schemas.microsoft.com/office/drawing/2010/main">
+        <mc:Choice Requires="a14">
+          <p:sp>
+            <p:nvSpPr>
+              <p:cNvPr id="7" name="Textfeld 6">
+                <a:extLst>
+                  <a:ext uri="{FF2B5EF4-FFF2-40B4-BE49-F238E27FC236}">
+                    <a16:creationId xmlns:a16="http://schemas.microsoft.com/office/drawing/2014/main" id="{AC04AABE-BA22-DA34-30B9-149C93C893D7}"/>
+                  </a:ext>
+                </a:extLst>
+              </p:cNvPr>
+              <p:cNvSpPr txBox="1"/>
+              <p:nvPr/>
+            </p:nvSpPr>
+            <p:spPr>
+              <a:xfrm>
+                <a:off x="3982498" y="268315"/>
+                <a:ext cx="4305145" cy="461665"/>
+              </a:xfrm>
+              <a:prstGeom prst="rect">
+                <a:avLst/>
+              </a:prstGeom>
+              <a:noFill/>
+              <a:ln w="6350">
+                <a:solidFill>
+                  <a:schemeClr val="bg1">
+                    <a:lumMod val="85000"/>
+                  </a:schemeClr>
+                </a:solidFill>
+              </a:ln>
+            </p:spPr>
+            <p:txBody>
+              <a:bodyPr wrap="square">
+                <a:spAutoFit/>
+              </a:bodyPr>
+              <a:lstStyle/>
+              <a:p>
+                <a:pPr marL="171450" indent="-171450">
+                  <a:buFont typeface="Arial" panose="020B0604020202020204" pitchFamily="34" charset="0"/>
+                  <a:buChar char="•"/>
+                </a:pPr>
+                <a:r>
+                  <a:rPr lang="en-GB" sz="1200" dirty="0">
+                    <a:latin typeface="Calibri" panose="020F0502020204030204" pitchFamily="34" charset="0"/>
+                    <a:ea typeface="Cambria Math" panose="02040503050406030204" pitchFamily="18" charset="0"/>
+                    <a:cs typeface="Calibri" panose="020F0502020204030204" pitchFamily="34" charset="0"/>
+                  </a:rPr>
+                  <a:t>C</a:t>
+                </a:r>
+                <a:r>
+                  <a:rPr lang="en-GB" sz="1200" noProof="0" dirty="0" err="1">
+                    <a:latin typeface="Calibri" panose="020F0502020204030204" pitchFamily="34" charset="0"/>
+                    <a:ea typeface="Cambria Math" panose="02040503050406030204" pitchFamily="18" charset="0"/>
+                    <a:cs typeface="Calibri" panose="020F0502020204030204" pitchFamily="34" charset="0"/>
+                  </a:rPr>
+                  <a:t>ategorical</a:t>
+                </a:r>
+                <a:r>
+                  <a:rPr lang="en-GB" sz="1200" noProof="0" dirty="0">
+                    <a:latin typeface="Calibri" panose="020F0502020204030204" pitchFamily="34" charset="0"/>
+                    <a:ea typeface="Cambria Math" panose="02040503050406030204" pitchFamily="18" charset="0"/>
+                    <a:cs typeface="Calibri" panose="020F0502020204030204" pitchFamily="34" charset="0"/>
+                  </a:rPr>
+                  <a:t> predictor of </a:t>
+                </a:r>
+                <a:r>
+                  <a:rPr lang="en-GB" sz="1200" noProof="0" dirty="0">
+                    <a:latin typeface="Courier New" panose="02070309020205020404" pitchFamily="49" charset="0"/>
+                    <a:ea typeface="Cambria Math" panose="02040503050406030204" pitchFamily="18" charset="0"/>
+                    <a:cs typeface="Courier New" panose="02070309020205020404" pitchFamily="49" charset="0"/>
+                  </a:rPr>
+                  <a:t>class </a:t>
+                </a:r>
+                <a:r>
+                  <a:rPr lang="en-GB" sz="1200" dirty="0">
+                    <a:latin typeface="Calibri" panose="020F0502020204030204" pitchFamily="34" charset="0"/>
+                    <a:ea typeface="Cambria Math" panose="02040503050406030204" pitchFamily="18" charset="0"/>
+                    <a:cs typeface="Calibri" panose="020F0502020204030204" pitchFamily="34" charset="0"/>
+                  </a:rPr>
+                  <a:t>“</a:t>
+                </a:r>
+                <a:r>
+                  <a:rPr lang="en-GB" sz="1200" dirty="0">
+                    <a:latin typeface="Courier New" panose="02070309020205020404" pitchFamily="49" charset="0"/>
+                    <a:ea typeface="Cambria Math" panose="02040503050406030204" pitchFamily="18" charset="0"/>
+                    <a:cs typeface="Courier New" panose="02070309020205020404" pitchFamily="49" charset="0"/>
+                  </a:rPr>
+                  <a:t>factor</a:t>
+                </a:r>
+                <a:r>
+                  <a:rPr lang="en-GB" sz="1200" noProof="0" dirty="0">
+                    <a:latin typeface="Calibri" panose="020F0502020204030204" pitchFamily="34" charset="0"/>
+                    <a:ea typeface="Cambria Math" panose="02040503050406030204" pitchFamily="18" charset="0"/>
+                    <a:cs typeface="Calibri" panose="020F0502020204030204" pitchFamily="34" charset="0"/>
+                  </a:rPr>
+                  <a:t>“  with </a:t>
+                </a:r>
+                <a14:m>
+                  <m:oMath xmlns:m="http://schemas.openxmlformats.org/officeDocument/2006/math">
+                    <m:r>
+                      <a:rPr lang="en-GB" sz="1200" i="1" noProof="0" smtClean="0">
+                        <a:latin typeface="Cambria Math" panose="02040503050406030204" pitchFamily="18" charset="0"/>
+                        <a:ea typeface="Cambria Math" panose="02040503050406030204" pitchFamily="18" charset="0"/>
+                      </a:rPr>
+                      <m:t>𝑁</m:t>
+                    </m:r>
+                  </m:oMath>
+                </a14:m>
+                <a:r>
+                  <a:rPr lang="en-GB" sz="1200" noProof="0" dirty="0">
+                    <a:latin typeface="Calibri" panose="020F0502020204030204" pitchFamily="34" charset="0"/>
+                    <a:ea typeface="Cambria Math" panose="02040503050406030204" pitchFamily="18" charset="0"/>
+                    <a:cs typeface="Calibri" panose="020F0502020204030204" pitchFamily="34" charset="0"/>
+                  </a:rPr>
+                  <a:t> levels</a:t>
+                </a:r>
+              </a:p>
+              <a:p>
+                <a:pPr marL="171450" indent="-171450">
+                  <a:buFont typeface="Arial" panose="020B0604020202020204" pitchFamily="34" charset="0"/>
+                  <a:buChar char="•"/>
+                </a:pPr>
+                <a:r>
+                  <a:rPr lang="en-GB" sz="1200" dirty="0">
+                    <a:latin typeface="Calibri" panose="020F0502020204030204" pitchFamily="34" charset="0"/>
+                    <a:ea typeface="Cambria Math" panose="02040503050406030204" pitchFamily="18" charset="0"/>
+                    <a:cs typeface="Calibri" panose="020F0502020204030204" pitchFamily="34" charset="0"/>
+                  </a:rPr>
+                  <a:t>N</a:t>
+                </a:r>
+                <a:r>
+                  <a:rPr lang="en-GB" sz="1200" noProof="0" dirty="0" err="1">
+                    <a:latin typeface="Calibri" panose="020F0502020204030204" pitchFamily="34" charset="0"/>
+                    <a:ea typeface="Cambria Math" panose="02040503050406030204" pitchFamily="18" charset="0"/>
+                    <a:cs typeface="Calibri" panose="020F0502020204030204" pitchFamily="34" charset="0"/>
+                  </a:rPr>
+                  <a:t>umeric</a:t>
+                </a:r>
+                <a:r>
+                  <a:rPr lang="en-GB" sz="1200" noProof="0" dirty="0">
+                    <a:latin typeface="Calibri" panose="020F0502020204030204" pitchFamily="34" charset="0"/>
+                    <a:ea typeface="Cambria Math" panose="02040503050406030204" pitchFamily="18" charset="0"/>
+                    <a:cs typeface="Calibri" panose="020F0502020204030204" pitchFamily="34" charset="0"/>
+                  </a:rPr>
+                  <a:t> response of </a:t>
+                </a:r>
+                <a:r>
+                  <a:rPr lang="en-GB" sz="1200" noProof="0" dirty="0">
+                    <a:latin typeface="Courier New" panose="02070309020205020404" pitchFamily="49" charset="0"/>
+                    <a:ea typeface="Cambria Math" panose="02040503050406030204" pitchFamily="18" charset="0"/>
+                    <a:cs typeface="Courier New" panose="02070309020205020404" pitchFamily="49" charset="0"/>
+                  </a:rPr>
+                  <a:t>class </a:t>
+                </a:r>
+                <a:r>
+                  <a:rPr lang="en-GB" sz="1200" dirty="0">
+                    <a:latin typeface="Calibri" panose="020F0502020204030204" pitchFamily="34" charset="0"/>
+                    <a:ea typeface="Cambria Math" panose="02040503050406030204" pitchFamily="18" charset="0"/>
+                    <a:cs typeface="Calibri" panose="020F0502020204030204" pitchFamily="34" charset="0"/>
+                  </a:rPr>
+                  <a:t>“</a:t>
+                </a:r>
+                <a:r>
+                  <a:rPr lang="en-GB" sz="1200" noProof="0" dirty="0">
+                    <a:latin typeface="Courier New" panose="02070309020205020404" pitchFamily="49" charset="0"/>
+                    <a:ea typeface="Cambria Math" panose="02040503050406030204" pitchFamily="18" charset="0"/>
+                    <a:cs typeface="Courier New" panose="02070309020205020404" pitchFamily="49" charset="0"/>
+                  </a:rPr>
+                  <a:t>numeric</a:t>
+                </a:r>
+                <a:r>
+                  <a:rPr lang="en-GB" sz="1200" dirty="0">
+                    <a:latin typeface="Calibri" panose="020F0502020204030204" pitchFamily="34" charset="0"/>
+                    <a:ea typeface="Cambria Math" panose="02040503050406030204" pitchFamily="18" charset="0"/>
+                    <a:cs typeface="Calibri" panose="020F0502020204030204" pitchFamily="34" charset="0"/>
+                  </a:rPr>
+                  <a:t>”</a:t>
+                </a:r>
+                <a:r>
+                  <a:rPr lang="en-GB" sz="1200" dirty="0">
+                    <a:latin typeface="Courier New" panose="02070309020205020404" pitchFamily="49" charset="0"/>
+                    <a:ea typeface="Cambria Math" panose="02040503050406030204" pitchFamily="18" charset="0"/>
+                    <a:cs typeface="Courier New" panose="02070309020205020404" pitchFamily="49" charset="0"/>
+                  </a:rPr>
+                  <a:t> </a:t>
+                </a:r>
+                <a:r>
+                  <a:rPr lang="en-GB" sz="1200" noProof="0" dirty="0">
+                    <a:latin typeface="Calibri" panose="020F0502020204030204" pitchFamily="34" charset="0"/>
+                    <a:ea typeface="Cambria Math" panose="02040503050406030204" pitchFamily="18" charset="0"/>
+                    <a:cs typeface="Calibri" panose="020F0502020204030204" pitchFamily="34" charset="0"/>
+                  </a:rPr>
+                  <a:t>or “</a:t>
+                </a:r>
+                <a:r>
+                  <a:rPr lang="en-GB" sz="1200" noProof="0" dirty="0">
+                    <a:latin typeface="Courier New" panose="02070309020205020404" pitchFamily="49" charset="0"/>
+                    <a:ea typeface="Cambria Math" panose="02040503050406030204" pitchFamily="18" charset="0"/>
+                    <a:cs typeface="Courier New" panose="02070309020205020404" pitchFamily="49" charset="0"/>
+                  </a:rPr>
+                  <a:t>integer</a:t>
+                </a:r>
+                <a:r>
+                  <a:rPr lang="en-GB" sz="1200" dirty="0">
+                    <a:latin typeface="Calibri" panose="020F0502020204030204" pitchFamily="34" charset="0"/>
+                    <a:ea typeface="Cambria Math" panose="02040503050406030204" pitchFamily="18" charset="0"/>
+                    <a:cs typeface="Calibri" panose="020F0502020204030204" pitchFamily="34" charset="0"/>
+                  </a:rPr>
+                  <a:t>”</a:t>
+                </a:r>
+                <a:endParaRPr lang="en-GB" sz="1200" noProof="0" dirty="0">
+                  <a:latin typeface="Calibri" panose="020F0502020204030204" pitchFamily="34" charset="0"/>
+                  <a:ea typeface="Cambria Math" panose="02040503050406030204" pitchFamily="18" charset="0"/>
+                  <a:cs typeface="Calibri" panose="020F0502020204030204" pitchFamily="34" charset="0"/>
+                </a:endParaRPr>
+              </a:p>
+            </p:txBody>
+          </p:sp>
+        </mc:Choice>
+        <mc:Fallback xmlns="">
+          <p:sp>
+            <p:nvSpPr>
+              <p:cNvPr id="7" name="Textfeld 6">
+                <a:extLst>
+                  <a:ext uri="{FF2B5EF4-FFF2-40B4-BE49-F238E27FC236}">
+                    <a16:creationId xmlns:a16="http://schemas.microsoft.com/office/drawing/2014/main" id="{D954AB4D-A237-C043-A913-633703A9C26B}"/>
+                  </a:ext>
+                </a:extLst>
+              </p:cNvPr>
+              <p:cNvSpPr txBox="1">
+                <a:spLocks noRot="1" noChangeAspect="1" noMove="1" noResize="1" noEditPoints="1" noAdjustHandles="1" noChangeArrowheads="1" noChangeShapeType="1" noTextEdit="1"/>
+              </p:cNvSpPr>
+              <p:nvPr/>
+            </p:nvSpPr>
+            <p:spPr>
+              <a:xfrm>
+                <a:off x="3982498" y="268315"/>
+                <a:ext cx="4305145" cy="461665"/>
+              </a:xfrm>
+              <a:prstGeom prst="rect">
+                <a:avLst/>
+              </a:prstGeom>
+              <a:blipFill>
+                <a:blip r:embed="rId3"/>
+                <a:stretch>
+                  <a:fillRect b="-5263"/>
+                </a:stretch>
+              </a:blipFill>
+              <a:ln w="6350">
+                <a:solidFill>
+                  <a:schemeClr val="bg1">
+                    <a:lumMod val="85000"/>
+                  </a:schemeClr>
+                </a:solidFill>
+              </a:ln>
+            </p:spPr>
+            <p:txBody>
+              <a:bodyPr/>
+              <a:lstStyle/>
+              <a:p>
+                <a:r>
+                  <a:rPr lang="de-DE">
+                    <a:noFill/>
+                  </a:rPr>
+                  <a:t> </a:t>
+                </a:r>
+              </a:p>
+            </p:txBody>
+          </p:sp>
+        </mc:Fallback>
+      </mc:AlternateContent>
+      <mc:AlternateContent xmlns:mc="http://schemas.openxmlformats.org/markup-compatibility/2006" xmlns:a14="http://schemas.microsoft.com/office/drawing/2010/main">
+        <mc:Choice Requires="a14">
+          <p:sp>
+            <p:nvSpPr>
+              <p:cNvPr id="8" name="Textfeld 7">
+                <a:extLst>
+                  <a:ext uri="{FF2B5EF4-FFF2-40B4-BE49-F238E27FC236}">
+                    <a16:creationId xmlns:a16="http://schemas.microsoft.com/office/drawing/2014/main" id="{AE054EA2-1B0A-7D73-BA51-482017E880A4}"/>
+                  </a:ext>
+                </a:extLst>
+              </p:cNvPr>
+              <p:cNvSpPr txBox="1"/>
+              <p:nvPr/>
+            </p:nvSpPr>
+            <p:spPr>
+              <a:xfrm>
+                <a:off x="262794" y="832787"/>
+                <a:ext cx="4514400" cy="276999"/>
+              </a:xfrm>
+              <a:prstGeom prst="rect">
+                <a:avLst/>
+              </a:prstGeom>
+              <a:noFill/>
+              <a:ln w="12700">
+                <a:solidFill>
+                  <a:schemeClr val="tx1"/>
+                </a:solidFill>
+              </a:ln>
+            </p:spPr>
+            <p:txBody>
+              <a:bodyPr wrap="square">
+                <a:spAutoFit/>
+              </a:bodyPr>
+              <a:lstStyle>
+                <a:defPPr>
+                  <a:defRPr lang="de-DE"/>
+                </a:defPPr>
+              </a:lstStyle>
+              <a:p>
+                <a:pPr algn="ctr"/>
+                <a:r>
+                  <a:rPr lang="en-GB" sz="1200" dirty="0">
+                    <a:latin typeface="Calibri" panose="020F0502020204030204" pitchFamily="34" charset="0"/>
+                    <a:ea typeface="Cambria Math" panose="02040503050406030204" pitchFamily="18" charset="0"/>
+                    <a:cs typeface="Calibri" panose="020F0502020204030204" pitchFamily="34" charset="0"/>
+                  </a:rPr>
+                  <a:t>predictor</a:t>
+                </a:r>
+                <a:r>
+                  <a:rPr lang="en-GB" sz="1200" noProof="0" dirty="0">
+                    <a:latin typeface="Calibri" panose="020F0502020204030204" pitchFamily="34" charset="0"/>
+                    <a:ea typeface="Cambria Math" panose="02040503050406030204" pitchFamily="18" charset="0"/>
+                    <a:cs typeface="Calibri" panose="020F0502020204030204" pitchFamily="34" charset="0"/>
+                  </a:rPr>
+                  <a:t>: </a:t>
+                </a:r>
+                <a14:m>
+                  <m:oMath xmlns:m="http://schemas.openxmlformats.org/officeDocument/2006/math">
+                    <m:r>
+                      <a:rPr lang="en-GB" sz="1200" i="1" noProof="0" smtClean="0">
+                        <a:latin typeface="Cambria Math" panose="02040503050406030204" pitchFamily="18" charset="0"/>
+                        <a:ea typeface="Cambria Math" panose="02040503050406030204" pitchFamily="18" charset="0"/>
+                      </a:rPr>
+                      <m:t>𝑁</m:t>
+                    </m:r>
+                    <m:r>
+                      <a:rPr lang="en-GB" sz="1200" i="1" noProof="0" smtClean="0">
+                        <a:latin typeface="Cambria Math" panose="02040503050406030204" pitchFamily="18" charset="0"/>
+                        <a:ea typeface="Cambria Math" panose="02040503050406030204" pitchFamily="18" charset="0"/>
+                      </a:rPr>
+                      <m:t>=2 </m:t>
+                    </m:r>
+                  </m:oMath>
+                </a14:m>
+                <a:r>
+                  <a:rPr lang="en-GB" sz="1200" noProof="0" dirty="0">
+                    <a:latin typeface="Calibri" panose="020F0502020204030204" pitchFamily="34" charset="0"/>
+                    <a:ea typeface="Cambria Math" panose="02040503050406030204" pitchFamily="18" charset="0"/>
+                    <a:cs typeface="Calibri" panose="020F0502020204030204" pitchFamily="34" charset="0"/>
+                  </a:rPr>
+                  <a:t>levels  with </a:t>
+                </a:r>
+                <a14:m>
+                  <m:oMath xmlns:m="http://schemas.openxmlformats.org/officeDocument/2006/math">
+                    <m:sSub>
+                      <m:sSubPr>
+                        <m:ctrlPr>
+                          <a:rPr lang="en-GB" sz="1200" b="0" i="1" noProof="0" smtClean="0">
+                            <a:latin typeface="Cambria Math" panose="02040503050406030204" pitchFamily="18" charset="0"/>
+                            <a:ea typeface="Cambria Math" panose="02040503050406030204" pitchFamily="18" charset="0"/>
+                          </a:rPr>
+                        </m:ctrlPr>
+                      </m:sSubPr>
+                      <m:e>
+                        <m:r>
+                          <a:rPr lang="en-GB" sz="1200" b="0" i="1" noProof="0" smtClean="0">
+                            <a:latin typeface="Cambria Math" panose="02040503050406030204" pitchFamily="18" charset="0"/>
+                            <a:ea typeface="Cambria Math" panose="02040503050406030204" pitchFamily="18" charset="0"/>
+                          </a:rPr>
+                          <m:t>𝑛</m:t>
+                        </m:r>
+                      </m:e>
+                      <m:sub>
+                        <m:r>
+                          <a:rPr lang="en-GB" sz="1200" b="0" i="1" noProof="0" smtClean="0">
+                            <a:latin typeface="Cambria Math" panose="02040503050406030204" pitchFamily="18" charset="0"/>
+                            <a:ea typeface="Cambria Math" panose="02040503050406030204" pitchFamily="18" charset="0"/>
+                          </a:rPr>
+                          <m:t>1</m:t>
+                        </m:r>
+                      </m:sub>
+                    </m:sSub>
+                  </m:oMath>
+                </a14:m>
+                <a:r>
+                  <a:rPr lang="en-GB" sz="1200" noProof="0" dirty="0">
+                    <a:latin typeface="Calibri" panose="020F0502020204030204" pitchFamily="34" charset="0"/>
+                    <a:ea typeface="Cambria Math" panose="02040503050406030204" pitchFamily="18" charset="0"/>
+                    <a:cs typeface="Calibri" panose="020F0502020204030204" pitchFamily="34" charset="0"/>
+                  </a:rPr>
+                  <a:t> resp.  </a:t>
+                </a:r>
+                <a14:m>
+                  <m:oMath xmlns:m="http://schemas.openxmlformats.org/officeDocument/2006/math">
+                    <m:sSub>
+                      <m:sSubPr>
+                        <m:ctrlPr>
+                          <a:rPr lang="en-GB" sz="1200" b="0" i="1" noProof="0" smtClean="0">
+                            <a:latin typeface="Cambria Math" panose="02040503050406030204" pitchFamily="18" charset="0"/>
+                            <a:ea typeface="Cambria Math" panose="02040503050406030204" pitchFamily="18" charset="0"/>
+                          </a:rPr>
+                        </m:ctrlPr>
+                      </m:sSubPr>
+                      <m:e>
+                        <m:r>
+                          <a:rPr lang="en-GB" sz="1200" b="0" i="1" noProof="0" smtClean="0">
+                            <a:latin typeface="Cambria Math" panose="02040503050406030204" pitchFamily="18" charset="0"/>
+                            <a:ea typeface="Cambria Math" panose="02040503050406030204" pitchFamily="18" charset="0"/>
+                          </a:rPr>
+                          <m:t>𝑛</m:t>
+                        </m:r>
+                      </m:e>
+                      <m:sub>
+                        <m:r>
+                          <a:rPr lang="en-GB" sz="1200" b="0" i="1" noProof="0" smtClean="0">
+                            <a:latin typeface="Cambria Math" panose="02040503050406030204" pitchFamily="18" charset="0"/>
+                            <a:ea typeface="Cambria Math" panose="02040503050406030204" pitchFamily="18" charset="0"/>
+                          </a:rPr>
+                          <m:t>2</m:t>
+                        </m:r>
+                      </m:sub>
+                    </m:sSub>
+                  </m:oMath>
+                </a14:m>
+                <a:r>
+                  <a:rPr lang="en-GB" sz="1200" noProof="0" dirty="0">
+                    <a:latin typeface="Calibri" panose="020F0502020204030204" pitchFamily="34" charset="0"/>
+                    <a:ea typeface="Cambria Math" panose="02040503050406030204" pitchFamily="18" charset="0"/>
+                    <a:cs typeface="Calibri" panose="020F0502020204030204" pitchFamily="34" charset="0"/>
+                  </a:rPr>
+                  <a:t> entries in each level</a:t>
+                </a:r>
+              </a:p>
+            </p:txBody>
+          </p:sp>
+        </mc:Choice>
+        <mc:Fallback xmlns="">
+          <p:sp>
+            <p:nvSpPr>
+              <p:cNvPr id="8" name="Textfeld 7">
+                <a:extLst>
+                  <a:ext uri="{FF2B5EF4-FFF2-40B4-BE49-F238E27FC236}">
+                    <a16:creationId xmlns:a16="http://schemas.microsoft.com/office/drawing/2014/main" id="{295FEA9A-D31C-504B-9808-C226C7EA0707}"/>
+                  </a:ext>
+                </a:extLst>
+              </p:cNvPr>
+              <p:cNvSpPr txBox="1">
+                <a:spLocks noRot="1" noChangeAspect="1" noMove="1" noResize="1" noEditPoints="1" noAdjustHandles="1" noChangeArrowheads="1" noChangeShapeType="1" noTextEdit="1"/>
+              </p:cNvSpPr>
+              <p:nvPr/>
+            </p:nvSpPr>
+            <p:spPr>
+              <a:xfrm>
+                <a:off x="262794" y="832787"/>
+                <a:ext cx="4514400" cy="276999"/>
+              </a:xfrm>
+              <a:prstGeom prst="rect">
+                <a:avLst/>
+              </a:prstGeom>
+              <a:blipFill>
+                <a:blip r:embed="rId4"/>
+                <a:stretch>
+                  <a:fillRect b="-13043"/>
+                </a:stretch>
+              </a:blipFill>
+              <a:ln w="12700">
+                <a:solidFill>
+                  <a:schemeClr val="tx1"/>
+                </a:solidFill>
+              </a:ln>
+            </p:spPr>
+            <p:txBody>
+              <a:bodyPr/>
+              <a:lstStyle/>
+              <a:p>
+                <a:r>
+                  <a:rPr lang="de-DE">
+                    <a:noFill/>
+                  </a:rPr>
+                  <a:t> </a:t>
+                </a:r>
+              </a:p>
+            </p:txBody>
+          </p:sp>
+        </mc:Fallback>
+      </mc:AlternateContent>
+      <mc:AlternateContent xmlns:mc="http://schemas.openxmlformats.org/markup-compatibility/2006">
+        <mc:Choice xmlns:a14="http://schemas.microsoft.com/office/drawing/2010/main" Requires="a14">
+          <p:sp>
+            <p:nvSpPr>
+              <p:cNvPr id="9" name="Textfeld 8">
+                <a:extLst>
+                  <a:ext uri="{FF2B5EF4-FFF2-40B4-BE49-F238E27FC236}">
+                    <a16:creationId xmlns:a16="http://schemas.microsoft.com/office/drawing/2014/main" id="{8503CA89-315E-D465-88DB-CCE4B3127177}"/>
+                  </a:ext>
+                </a:extLst>
+              </p:cNvPr>
+              <p:cNvSpPr txBox="1"/>
+              <p:nvPr/>
+            </p:nvSpPr>
+            <p:spPr>
+              <a:xfrm>
+                <a:off x="5050390" y="832787"/>
+                <a:ext cx="5304067" cy="276999"/>
+              </a:xfrm>
+              <a:prstGeom prst="rect">
+                <a:avLst/>
+              </a:prstGeom>
+              <a:noFill/>
+              <a:ln w="12700">
+                <a:solidFill>
+                  <a:schemeClr val="accent1">
+                    <a:lumMod val="40000"/>
+                    <a:lumOff val="60000"/>
+                  </a:schemeClr>
+                </a:solidFill>
+              </a:ln>
+            </p:spPr>
+            <p:txBody>
+              <a:bodyPr wrap="square">
+                <a:spAutoFit/>
+              </a:bodyPr>
+              <a:lstStyle/>
+              <a:p>
+                <a:pPr algn="ctr"/>
+                <a:r>
+                  <a:rPr lang="en-GB" sz="1200" dirty="0">
+                    <a:latin typeface="Calibri" panose="020F0502020204030204" pitchFamily="34" charset="0"/>
+                    <a:ea typeface="Cambria Math" panose="02040503050406030204" pitchFamily="18" charset="0"/>
+                    <a:cs typeface="Calibri" panose="020F0502020204030204" pitchFamily="34" charset="0"/>
+                  </a:rPr>
+                  <a:t>predictor</a:t>
+                </a:r>
+                <a:r>
+                  <a:rPr lang="en-GB" sz="1200" noProof="0" dirty="0">
+                    <a:latin typeface="Calibri" panose="020F0502020204030204" pitchFamily="34" charset="0"/>
+                    <a:ea typeface="Cambria Math" panose="02040503050406030204" pitchFamily="18" charset="0"/>
+                    <a:cs typeface="Calibri" panose="020F0502020204030204" pitchFamily="34" charset="0"/>
+                  </a:rPr>
+                  <a:t>:  </a:t>
+                </a:r>
+                <a14:m>
+                  <m:oMath xmlns:m="http://schemas.openxmlformats.org/officeDocument/2006/math">
+                    <m:r>
+                      <a:rPr lang="en-GB" sz="1200" b="0" i="1" noProof="0" smtClean="0">
+                        <a:latin typeface="Cambria Math" panose="02040503050406030204" pitchFamily="18" charset="0"/>
+                        <a:ea typeface="Cambria Math" panose="02040503050406030204" pitchFamily="18" charset="0"/>
+                      </a:rPr>
+                      <m:t>𝑁</m:t>
+                    </m:r>
+                    <m:r>
+                      <a:rPr lang="en-GB" sz="1200" b="0" i="1" noProof="0" smtClean="0">
+                        <a:latin typeface="Cambria Math" panose="02040503050406030204" pitchFamily="18" charset="0"/>
+                        <a:ea typeface="Cambria Math" panose="02040503050406030204" pitchFamily="18" charset="0"/>
+                      </a:rPr>
+                      <m:t>&gt;2</m:t>
+                    </m:r>
+                  </m:oMath>
+                </a14:m>
+                <a:r>
+                  <a:rPr lang="en-GB" sz="1200" noProof="0" dirty="0">
+                    <a:latin typeface="Calibri" panose="020F0502020204030204" pitchFamily="34" charset="0"/>
+                    <a:ea typeface="Cambria Math" panose="02040503050406030204" pitchFamily="18" charset="0"/>
+                    <a:cs typeface="Calibri" panose="020F0502020204030204" pitchFamily="34" charset="0"/>
+                  </a:rPr>
+                  <a:t> levels</a:t>
+                </a:r>
+              </a:p>
+            </p:txBody>
+          </p:sp>
+        </mc:Choice>
+        <mc:Fallback>
+          <p:sp>
+            <p:nvSpPr>
+              <p:cNvPr id="9" name="Textfeld 8">
+                <a:extLst>
+                  <a:ext uri="{FF2B5EF4-FFF2-40B4-BE49-F238E27FC236}">
+                    <a16:creationId xmlns:a16="http://schemas.microsoft.com/office/drawing/2014/main" id="{8503CA89-315E-D465-88DB-CCE4B3127177}"/>
+                  </a:ext>
+                </a:extLst>
+              </p:cNvPr>
+              <p:cNvSpPr txBox="1">
+                <a:spLocks noRot="1" noChangeAspect="1" noMove="1" noResize="1" noEditPoints="1" noAdjustHandles="1" noChangeArrowheads="1" noChangeShapeType="1" noTextEdit="1"/>
+              </p:cNvSpPr>
+              <p:nvPr/>
+            </p:nvSpPr>
+            <p:spPr>
+              <a:xfrm>
+                <a:off x="5050390" y="832787"/>
+                <a:ext cx="5304067" cy="276999"/>
+              </a:xfrm>
+              <a:prstGeom prst="rect">
+                <a:avLst/>
+              </a:prstGeom>
+              <a:blipFill>
+                <a:blip r:embed="rId5"/>
+                <a:stretch>
+                  <a:fillRect b="-13043"/>
+                </a:stretch>
+              </a:blipFill>
+              <a:ln w="12700">
+                <a:solidFill>
+                  <a:schemeClr val="accent1">
+                    <a:lumMod val="40000"/>
+                    <a:lumOff val="60000"/>
+                  </a:schemeClr>
+                </a:solidFill>
+              </a:ln>
+            </p:spPr>
+            <p:txBody>
+              <a:bodyPr/>
+              <a:lstStyle/>
+              <a:p>
+                <a:r>
+                  <a:rPr lang="de-DE">
+                    <a:noFill/>
+                  </a:rPr>
+                  <a:t> </a:t>
+                </a:r>
+              </a:p>
+            </p:txBody>
+          </p:sp>
+        </mc:Fallback>
+      </mc:AlternateContent>
+      <mc:AlternateContent xmlns:mc="http://schemas.openxmlformats.org/markup-compatibility/2006">
+        <mc:Choice xmlns:a14="http://schemas.microsoft.com/office/drawing/2010/main" Requires="a14">
+          <p:sp>
+            <p:nvSpPr>
+              <p:cNvPr id="13" name="Textfeld 12">
+                <a:extLst>
+                  <a:ext uri="{FF2B5EF4-FFF2-40B4-BE49-F238E27FC236}">
+                    <a16:creationId xmlns:a16="http://schemas.microsoft.com/office/drawing/2014/main" id="{E013A2E8-9419-9082-A924-2FDA53C069E7}"/>
+                  </a:ext>
+                </a:extLst>
+              </p:cNvPr>
+              <p:cNvSpPr txBox="1"/>
+              <p:nvPr/>
+            </p:nvSpPr>
+            <p:spPr>
+              <a:xfrm>
+                <a:off x="3296687" y="1721123"/>
+                <a:ext cx="1490532" cy="276999"/>
+              </a:xfrm>
+              <a:prstGeom prst="rect">
+                <a:avLst/>
+              </a:prstGeom>
+              <a:noFill/>
+              <a:ln w="12700">
+                <a:solidFill>
+                  <a:schemeClr val="tx1"/>
+                </a:solidFill>
+              </a:ln>
+            </p:spPr>
+            <p:txBody>
+              <a:bodyPr wrap="square">
+                <a:spAutoFit/>
+              </a:bodyPr>
+              <a:lstStyle>
+                <a:defPPr>
+                  <a:defRPr lang="de-DE"/>
+                </a:defPPr>
+              </a:lstStyle>
+              <a:p>
+                <a:pPr algn="ctr"/>
+                <a14:m>
+                  <m:oMath xmlns:m="http://schemas.openxmlformats.org/officeDocument/2006/math">
+                    <m:sSub>
+                      <m:sSubPr>
+                        <m:ctrlPr>
+                          <a:rPr lang="en-GB" sz="1200" b="0" i="1" noProof="0" smtClean="0">
+                            <a:latin typeface="Cambria Math" panose="02040503050406030204" pitchFamily="18" charset="0"/>
+                            <a:ea typeface="Cambria Math" panose="02040503050406030204" pitchFamily="18" charset="0"/>
+                          </a:rPr>
+                        </m:ctrlPr>
+                      </m:sSubPr>
+                      <m:e>
+                        <m:r>
+                          <a:rPr lang="en-GB" sz="1200" b="0" i="1" noProof="0" smtClean="0">
+                            <a:latin typeface="Cambria Math" panose="02040503050406030204" pitchFamily="18" charset="0"/>
+                            <a:ea typeface="Cambria Math" panose="02040503050406030204" pitchFamily="18" charset="0"/>
+                          </a:rPr>
+                          <m:t>𝑛</m:t>
+                        </m:r>
+                      </m:e>
+                      <m:sub>
+                        <m:r>
+                          <a:rPr lang="en-GB" sz="1200" b="0" i="1" noProof="0" smtClean="0">
+                            <a:latin typeface="Cambria Math" panose="02040503050406030204" pitchFamily="18" charset="0"/>
+                            <a:ea typeface="Cambria Math" panose="02040503050406030204" pitchFamily="18" charset="0"/>
+                          </a:rPr>
+                          <m:t>1</m:t>
+                        </m:r>
+                      </m:sub>
+                    </m:sSub>
+                  </m:oMath>
+                </a14:m>
+                <a:r>
+                  <a:rPr lang="en-GB" sz="1200" noProof="0" dirty="0">
+                    <a:latin typeface="Calibri" panose="020F0502020204030204" pitchFamily="34" charset="0"/>
+                    <a:ea typeface="Cambria Math" panose="02040503050406030204" pitchFamily="18" charset="0"/>
+                    <a:cs typeface="Calibri" panose="020F0502020204030204" pitchFamily="34" charset="0"/>
+                  </a:rPr>
+                  <a:t> and </a:t>
+                </a:r>
+                <a14:m>
+                  <m:oMath xmlns:m="http://schemas.openxmlformats.org/officeDocument/2006/math">
+                    <m:sSub>
+                      <m:sSubPr>
+                        <m:ctrlPr>
+                          <a:rPr lang="en-GB" sz="1200" i="1" noProof="0" smtClean="0">
+                            <a:latin typeface="Cambria Math" panose="02040503050406030204" pitchFamily="18" charset="0"/>
+                            <a:ea typeface="Cambria Math" panose="02040503050406030204" pitchFamily="18" charset="0"/>
+                          </a:rPr>
+                        </m:ctrlPr>
+                      </m:sSubPr>
+                      <m:e>
+                        <m:r>
+                          <a:rPr lang="en-GB" sz="1200" i="1" noProof="0" smtClean="0">
+                            <a:latin typeface="Cambria Math" panose="02040503050406030204" pitchFamily="18" charset="0"/>
+                            <a:ea typeface="Cambria Math" panose="02040503050406030204" pitchFamily="18" charset="0"/>
+                          </a:rPr>
+                          <m:t>𝑛</m:t>
+                        </m:r>
+                      </m:e>
+                      <m:sub>
+                        <m:r>
+                          <a:rPr lang="en-GB" sz="1200" b="0" i="1" noProof="0" smtClean="0">
+                            <a:latin typeface="Cambria Math" panose="02040503050406030204" pitchFamily="18" charset="0"/>
+                            <a:ea typeface="Cambria Math" panose="02040503050406030204" pitchFamily="18" charset="0"/>
+                          </a:rPr>
+                          <m:t>2</m:t>
+                        </m:r>
+                      </m:sub>
+                    </m:sSub>
+                    <m:r>
+                      <a:rPr lang="en-GB" sz="1200" b="0" i="1" noProof="0" smtClean="0">
+                        <a:latin typeface="Cambria Math" panose="02040503050406030204" pitchFamily="18" charset="0"/>
+                        <a:ea typeface="Cambria Math" panose="02040503050406030204" pitchFamily="18" charset="0"/>
+                      </a:rPr>
+                      <m:t>&gt;30</m:t>
+                    </m:r>
+                  </m:oMath>
+                </a14:m>
+                <a:r>
+                  <a:rPr lang="en-GB" sz="1200" noProof="0" dirty="0">
+                    <a:latin typeface="Calibri" panose="020F0502020204030204" pitchFamily="34" charset="0"/>
+                    <a:ea typeface="Cambria Math" panose="02040503050406030204" pitchFamily="18" charset="0"/>
+                    <a:cs typeface="Calibri" panose="020F0502020204030204" pitchFamily="34" charset="0"/>
+                  </a:rPr>
+                  <a:t> </a:t>
+                </a:r>
+              </a:p>
+            </p:txBody>
+          </p:sp>
+        </mc:Choice>
+        <mc:Fallback>
+          <p:sp>
+            <p:nvSpPr>
+              <p:cNvPr id="13" name="Textfeld 12">
+                <a:extLst>
+                  <a:ext uri="{FF2B5EF4-FFF2-40B4-BE49-F238E27FC236}">
+                    <a16:creationId xmlns:a16="http://schemas.microsoft.com/office/drawing/2014/main" id="{E013A2E8-9419-9082-A924-2FDA53C069E7}"/>
+                  </a:ext>
+                </a:extLst>
+              </p:cNvPr>
+              <p:cNvSpPr txBox="1">
+                <a:spLocks noRot="1" noChangeAspect="1" noMove="1" noResize="1" noEditPoints="1" noAdjustHandles="1" noChangeArrowheads="1" noChangeShapeType="1" noTextEdit="1"/>
+              </p:cNvSpPr>
+              <p:nvPr/>
+            </p:nvSpPr>
+            <p:spPr>
+              <a:xfrm>
+                <a:off x="3296687" y="1721123"/>
+                <a:ext cx="1490532" cy="276999"/>
+              </a:xfrm>
+              <a:prstGeom prst="rect">
+                <a:avLst/>
+              </a:prstGeom>
+              <a:blipFill>
+                <a:blip r:embed="rId6"/>
+                <a:stretch>
+                  <a:fillRect b="-12500"/>
+                </a:stretch>
+              </a:blipFill>
+              <a:ln w="12700">
+                <a:solidFill>
+                  <a:schemeClr val="tx1"/>
+                </a:solidFill>
+              </a:ln>
+            </p:spPr>
+            <p:txBody>
+              <a:bodyPr/>
+              <a:lstStyle/>
+              <a:p>
+                <a:r>
+                  <a:rPr lang="de-DE">
+                    <a:noFill/>
+                  </a:rPr>
+                  <a:t> </a:t>
+                </a:r>
+              </a:p>
+            </p:txBody>
+          </p:sp>
+        </mc:Fallback>
+      </mc:AlternateContent>
+      <mc:AlternateContent xmlns:mc="http://schemas.openxmlformats.org/markup-compatibility/2006">
+        <mc:Choice xmlns:a14="http://schemas.microsoft.com/office/drawing/2010/main" Requires="a14">
+          <p:sp>
+            <p:nvSpPr>
+              <p:cNvPr id="15" name="Textfeld 14">
+                <a:extLst>
+                  <a:ext uri="{FF2B5EF4-FFF2-40B4-BE49-F238E27FC236}">
+                    <a16:creationId xmlns:a16="http://schemas.microsoft.com/office/drawing/2014/main" id="{2A7C589D-90CE-28E1-F515-49850CAABBCC}"/>
+                  </a:ext>
+                </a:extLst>
+              </p:cNvPr>
+              <p:cNvSpPr txBox="1"/>
+              <p:nvPr/>
+            </p:nvSpPr>
+            <p:spPr>
+              <a:xfrm>
+                <a:off x="271610" y="1721123"/>
+                <a:ext cx="2950932" cy="276999"/>
+              </a:xfrm>
+              <a:prstGeom prst="rect">
+                <a:avLst/>
+              </a:prstGeom>
+              <a:noFill/>
+              <a:ln w="12700">
+                <a:solidFill>
+                  <a:schemeClr val="tx1"/>
+                </a:solidFill>
+              </a:ln>
+            </p:spPr>
+            <p:txBody>
+              <a:bodyPr wrap="square">
+                <a:spAutoFit/>
+              </a:bodyPr>
+              <a:lstStyle>
+                <a:defPPr>
+                  <a:defRPr lang="de-DE"/>
+                </a:defPPr>
+              </a:lstStyle>
+              <a:p>
+                <a:pPr algn="ctr"/>
+                <a14:m>
+                  <m:oMath xmlns:m="http://schemas.openxmlformats.org/officeDocument/2006/math">
+                    <m:sSub>
+                      <m:sSubPr>
+                        <m:ctrlPr>
+                          <a:rPr lang="en-GB" sz="1200" b="0" i="1" noProof="0" smtClean="0">
+                            <a:latin typeface="Cambria Math" panose="02040503050406030204" pitchFamily="18" charset="0"/>
+                            <a:ea typeface="Cambria Math" panose="02040503050406030204" pitchFamily="18" charset="0"/>
+                          </a:rPr>
+                        </m:ctrlPr>
+                      </m:sSubPr>
+                      <m:e>
+                        <m:r>
+                          <a:rPr lang="en-GB" sz="1200" b="0" i="1" noProof="0" smtClean="0">
+                            <a:latin typeface="Cambria Math" panose="02040503050406030204" pitchFamily="18" charset="0"/>
+                            <a:ea typeface="Cambria Math" panose="02040503050406030204" pitchFamily="18" charset="0"/>
+                          </a:rPr>
+                          <m:t>𝑛</m:t>
+                        </m:r>
+                      </m:e>
+                      <m:sub>
+                        <m:r>
+                          <a:rPr lang="en-GB" sz="1200" b="0" i="1" noProof="0" smtClean="0">
+                            <a:latin typeface="Cambria Math" panose="02040503050406030204" pitchFamily="18" charset="0"/>
+                            <a:ea typeface="Cambria Math" panose="02040503050406030204" pitchFamily="18" charset="0"/>
+                          </a:rPr>
+                          <m:t>1</m:t>
+                        </m:r>
+                      </m:sub>
+                    </m:sSub>
+                  </m:oMath>
+                </a14:m>
+                <a:r>
+                  <a:rPr lang="en-GB" sz="1200" noProof="0" dirty="0">
+                    <a:latin typeface="Calibri" panose="020F0502020204030204" pitchFamily="34" charset="0"/>
+                    <a:ea typeface="Cambria Math" panose="02040503050406030204" pitchFamily="18" charset="0"/>
+                    <a:cs typeface="Calibri" panose="020F0502020204030204" pitchFamily="34" charset="0"/>
+                  </a:rPr>
+                  <a:t> or </a:t>
+                </a:r>
+                <a14:m>
+                  <m:oMath xmlns:m="http://schemas.openxmlformats.org/officeDocument/2006/math">
+                    <m:sSub>
+                      <m:sSubPr>
+                        <m:ctrlPr>
+                          <a:rPr lang="en-GB" sz="1200" i="1" noProof="0" smtClean="0">
+                            <a:latin typeface="Cambria Math" panose="02040503050406030204" pitchFamily="18" charset="0"/>
+                            <a:ea typeface="Cambria Math" panose="02040503050406030204" pitchFamily="18" charset="0"/>
+                            <a:cs typeface="Calibri" panose="020F0502020204030204" pitchFamily="34" charset="0"/>
+                          </a:rPr>
+                        </m:ctrlPr>
+                      </m:sSubPr>
+                      <m:e>
+                        <m:r>
+                          <a:rPr lang="en-GB" sz="1200" i="1" noProof="0" smtClean="0">
+                            <a:latin typeface="Cambria Math" panose="02040503050406030204" pitchFamily="18" charset="0"/>
+                            <a:ea typeface="Cambria Math" panose="02040503050406030204" pitchFamily="18" charset="0"/>
+                          </a:rPr>
+                          <m:t>𝑛</m:t>
+                        </m:r>
+                      </m:e>
+                      <m:sub>
+                        <m:r>
+                          <a:rPr lang="en-GB" sz="1200" i="1" noProof="0" smtClean="0">
+                            <a:latin typeface="Cambria Math" panose="02040503050406030204" pitchFamily="18" charset="0"/>
+                            <a:ea typeface="Cambria Math" panose="02040503050406030204" pitchFamily="18" charset="0"/>
+                          </a:rPr>
+                          <m:t>2</m:t>
+                        </m:r>
+                      </m:sub>
+                    </m:sSub>
+                    <m:r>
+                      <a:rPr lang="en-GB" sz="1200" i="1" noProof="0" smtClean="0">
+                        <a:latin typeface="Cambria Math" panose="02040503050406030204" pitchFamily="18" charset="0"/>
+                        <a:ea typeface="Cambria Math" panose="02040503050406030204" pitchFamily="18" charset="0"/>
+                      </a:rPr>
+                      <m:t>≤30</m:t>
+                    </m:r>
+                    <m:r>
+                      <a:rPr lang="en-GB" sz="1200" i="1" noProof="0" smtClean="0">
+                        <a:latin typeface="Cambria Math" panose="02040503050406030204" pitchFamily="18" charset="0"/>
+                        <a:ea typeface="Cambria Math" panose="02040503050406030204" pitchFamily="18" charset="0"/>
+                        <a:cs typeface="Calibri" panose="020F0502020204030204" pitchFamily="34" charset="0"/>
+                      </a:rPr>
+                      <m:t> </m:t>
+                    </m:r>
+                  </m:oMath>
+                </a14:m>
+                <a:endParaRPr lang="en-GB" sz="1200" noProof="0" dirty="0">
+                  <a:latin typeface="Calibri" panose="020F0502020204030204" pitchFamily="34" charset="0"/>
+                  <a:ea typeface="Cambria Math" panose="02040503050406030204" pitchFamily="18" charset="0"/>
+                  <a:cs typeface="Calibri" panose="020F0502020204030204" pitchFamily="34" charset="0"/>
+                </a:endParaRPr>
+              </a:p>
+            </p:txBody>
+          </p:sp>
+        </mc:Choice>
+        <mc:Fallback>
+          <p:sp>
+            <p:nvSpPr>
+              <p:cNvPr id="15" name="Textfeld 14">
+                <a:extLst>
+                  <a:ext uri="{FF2B5EF4-FFF2-40B4-BE49-F238E27FC236}">
+                    <a16:creationId xmlns:a16="http://schemas.microsoft.com/office/drawing/2014/main" id="{2A7C589D-90CE-28E1-F515-49850CAABBCC}"/>
+                  </a:ext>
+                </a:extLst>
+              </p:cNvPr>
+              <p:cNvSpPr txBox="1">
+                <a:spLocks noRot="1" noChangeAspect="1" noMove="1" noResize="1" noEditPoints="1" noAdjustHandles="1" noChangeArrowheads="1" noChangeShapeType="1" noTextEdit="1"/>
+              </p:cNvSpPr>
+              <p:nvPr/>
+            </p:nvSpPr>
+            <p:spPr>
+              <a:xfrm>
+                <a:off x="271610" y="1721123"/>
+                <a:ext cx="2950932" cy="276999"/>
+              </a:xfrm>
+              <a:prstGeom prst="rect">
+                <a:avLst/>
+              </a:prstGeom>
+              <a:blipFill>
+                <a:blip r:embed="rId7"/>
+                <a:stretch>
+                  <a:fillRect b="-12500"/>
+                </a:stretch>
+              </a:blipFill>
+              <a:ln w="12700">
+                <a:solidFill>
+                  <a:schemeClr val="tx1"/>
+                </a:solidFill>
+              </a:ln>
+            </p:spPr>
+            <p:txBody>
+              <a:bodyPr/>
+              <a:lstStyle/>
+              <a:p>
+                <a:r>
+                  <a:rPr lang="de-DE">
+                    <a:noFill/>
+                  </a:rPr>
+                  <a:t> </a:t>
+                </a:r>
+              </a:p>
+            </p:txBody>
+          </p:sp>
+        </mc:Fallback>
+      </mc:AlternateContent>
+      <mc:AlternateContent xmlns:mc="http://schemas.openxmlformats.org/markup-compatibility/2006">
+        <mc:Choice xmlns:a14="http://schemas.microsoft.com/office/drawing/2010/main" Requires="a14">
+          <p:sp>
+            <p:nvSpPr>
+              <p:cNvPr id="19" name="Textfeld 18">
+                <a:extLst>
+                  <a:ext uri="{FF2B5EF4-FFF2-40B4-BE49-F238E27FC236}">
+                    <a16:creationId xmlns:a16="http://schemas.microsoft.com/office/drawing/2014/main" id="{738B4D66-E2FD-3D06-F527-A82D7C3BDF1B}"/>
+                  </a:ext>
+                </a:extLst>
+              </p:cNvPr>
+              <p:cNvSpPr txBox="1"/>
+              <p:nvPr/>
+            </p:nvSpPr>
+            <p:spPr>
+              <a:xfrm>
+                <a:off x="1782316" y="3003780"/>
+                <a:ext cx="1440000" cy="276999"/>
+              </a:xfrm>
+              <a:prstGeom prst="rect">
+                <a:avLst/>
+              </a:prstGeom>
+              <a:noFill/>
+              <a:ln w="12700">
+                <a:solidFill>
+                  <a:schemeClr val="tx1"/>
+                </a:solidFill>
+              </a:ln>
+            </p:spPr>
+            <p:txBody>
+              <a:bodyPr wrap="square">
+                <a:spAutoFit/>
+              </a:bodyPr>
+              <a:lstStyle/>
+              <a:p>
+                <a14:m>
+                  <m:oMath xmlns:m="http://schemas.openxmlformats.org/officeDocument/2006/math">
+                    <m:sSub>
+                      <m:sSubPr>
+                        <m:ctrlPr>
+                          <a:rPr lang="en-GB" sz="1200" b="0" i="1" noProof="0" smtClean="0">
+                            <a:latin typeface="Cambria Math" panose="02040503050406030204" pitchFamily="18" charset="0"/>
+                            <a:ea typeface="Cambria Math" panose="02040503050406030204" pitchFamily="18" charset="0"/>
+                          </a:rPr>
+                        </m:ctrlPr>
+                      </m:sSubPr>
+                      <m:e>
+                        <m:r>
+                          <a:rPr lang="en-GB" sz="1200" b="0" i="1" noProof="0" smtClean="0">
+                            <a:latin typeface="Cambria Math" panose="02040503050406030204" pitchFamily="18" charset="0"/>
+                            <a:ea typeface="Cambria Math" panose="02040503050406030204" pitchFamily="18" charset="0"/>
+                          </a:rPr>
+                          <m:t>𝑝</m:t>
+                        </m:r>
+                      </m:e>
+                      <m:sub>
+                        <m:r>
+                          <a:rPr lang="en-GB" sz="1200" b="0" i="1" noProof="0" smtClean="0">
+                            <a:latin typeface="Cambria Math" panose="02040503050406030204" pitchFamily="18" charset="0"/>
+                            <a:ea typeface="Cambria Math" panose="02040503050406030204" pitchFamily="18" charset="0"/>
+                          </a:rPr>
+                          <m:t>1</m:t>
+                        </m:r>
+                      </m:sub>
+                    </m:sSub>
+                    <m:r>
+                      <a:rPr lang="en-GB" sz="1200" b="0" i="1" noProof="0" smtClean="0">
+                        <a:latin typeface="Cambria Math" panose="02040503050406030204" pitchFamily="18" charset="0"/>
+                        <a:ea typeface="Cambria Math" panose="02040503050406030204" pitchFamily="18" charset="0"/>
+                      </a:rPr>
+                      <m:t>≥</m:t>
+                    </m:r>
+                    <m:r>
+                      <a:rPr lang="en-GB" sz="1200" b="0" i="1" noProof="0" smtClean="0">
+                        <a:latin typeface="Cambria Math" panose="02040503050406030204" pitchFamily="18" charset="0"/>
+                        <a:ea typeface="Cambria Math" panose="02040503050406030204" pitchFamily="18" charset="0"/>
+                      </a:rPr>
+                      <m:t>𝛼</m:t>
+                    </m:r>
+                  </m:oMath>
+                </a14:m>
+                <a:r>
+                  <a:rPr lang="en-GB" sz="1200" noProof="0" dirty="0">
+                    <a:latin typeface="Calibri" panose="020F0502020204030204" pitchFamily="34" charset="0"/>
+                    <a:ea typeface="Cambria Math" panose="02040503050406030204" pitchFamily="18" charset="0"/>
+                    <a:cs typeface="Calibri" panose="020F0502020204030204" pitchFamily="34" charset="0"/>
+                  </a:rPr>
+                  <a:t> and </a:t>
+                </a:r>
+                <a14:m>
+                  <m:oMath xmlns:m="http://schemas.openxmlformats.org/officeDocument/2006/math">
+                    <m:sSub>
+                      <m:sSubPr>
+                        <m:ctrlPr>
+                          <a:rPr lang="en-GB" sz="1200" b="0" i="1" noProof="0" smtClean="0">
+                            <a:latin typeface="Cambria Math" panose="02040503050406030204" pitchFamily="18" charset="0"/>
+                            <a:ea typeface="Cambria Math" panose="02040503050406030204" pitchFamily="18" charset="0"/>
+                          </a:rPr>
+                        </m:ctrlPr>
+                      </m:sSubPr>
+                      <m:e>
+                        <m:r>
+                          <a:rPr lang="en-GB" sz="1200" b="0" i="1" noProof="0" smtClean="0">
+                            <a:latin typeface="Cambria Math" panose="02040503050406030204" pitchFamily="18" charset="0"/>
+                            <a:ea typeface="Cambria Math" panose="02040503050406030204" pitchFamily="18" charset="0"/>
+                          </a:rPr>
+                          <m:t>𝑝</m:t>
+                        </m:r>
+                      </m:e>
+                      <m:sub>
+                        <m:r>
+                          <a:rPr lang="en-GB" sz="1200" b="0" i="1" noProof="0" smtClean="0">
+                            <a:latin typeface="Cambria Math" panose="02040503050406030204" pitchFamily="18" charset="0"/>
+                            <a:ea typeface="Cambria Math" panose="02040503050406030204" pitchFamily="18" charset="0"/>
+                          </a:rPr>
+                          <m:t>2</m:t>
+                        </m:r>
+                      </m:sub>
+                    </m:sSub>
+                    <m:r>
+                      <a:rPr lang="en-GB" sz="1200" b="0" i="1" noProof="0" smtClean="0">
+                        <a:latin typeface="Cambria Math" panose="02040503050406030204" pitchFamily="18" charset="0"/>
+                        <a:ea typeface="Cambria Math" panose="02040503050406030204" pitchFamily="18" charset="0"/>
+                      </a:rPr>
+                      <m:t>≥</m:t>
+                    </m:r>
+                    <m:r>
+                      <a:rPr lang="en-GB" sz="1200" b="0" i="1" noProof="0" smtClean="0">
+                        <a:latin typeface="Cambria Math" panose="02040503050406030204" pitchFamily="18" charset="0"/>
+                        <a:ea typeface="Cambria Math" panose="02040503050406030204" pitchFamily="18" charset="0"/>
+                      </a:rPr>
+                      <m:t>𝛼</m:t>
+                    </m:r>
+                  </m:oMath>
+                </a14:m>
+                <a:r>
+                  <a:rPr lang="en-GB" sz="1200" noProof="0" dirty="0">
+                    <a:latin typeface="Calibri" panose="020F0502020204030204" pitchFamily="34" charset="0"/>
+                    <a:ea typeface="Cambria Math" panose="02040503050406030204" pitchFamily="18" charset="0"/>
+                    <a:cs typeface="Calibri" panose="020F0502020204030204" pitchFamily="34" charset="0"/>
+                  </a:rPr>
+                  <a:t> </a:t>
+                </a:r>
+              </a:p>
+            </p:txBody>
+          </p:sp>
+        </mc:Choice>
+        <mc:Fallback>
+          <p:sp>
+            <p:nvSpPr>
+              <p:cNvPr id="19" name="Textfeld 18">
+                <a:extLst>
+                  <a:ext uri="{FF2B5EF4-FFF2-40B4-BE49-F238E27FC236}">
+                    <a16:creationId xmlns:a16="http://schemas.microsoft.com/office/drawing/2014/main" id="{738B4D66-E2FD-3D06-F527-A82D7C3BDF1B}"/>
+                  </a:ext>
+                </a:extLst>
+              </p:cNvPr>
+              <p:cNvSpPr txBox="1">
+                <a:spLocks noRot="1" noChangeAspect="1" noMove="1" noResize="1" noEditPoints="1" noAdjustHandles="1" noChangeArrowheads="1" noChangeShapeType="1" noTextEdit="1"/>
+              </p:cNvSpPr>
+              <p:nvPr/>
+            </p:nvSpPr>
+            <p:spPr>
+              <a:xfrm>
+                <a:off x="1782316" y="3003780"/>
+                <a:ext cx="1440000" cy="276999"/>
+              </a:xfrm>
+              <a:prstGeom prst="rect">
+                <a:avLst/>
+              </a:prstGeom>
+              <a:blipFill>
+                <a:blip r:embed="rId8"/>
+                <a:stretch>
+                  <a:fillRect b="-13043"/>
+                </a:stretch>
+              </a:blipFill>
+              <a:ln w="12700">
+                <a:solidFill>
+                  <a:schemeClr val="tx1"/>
+                </a:solidFill>
+              </a:ln>
+            </p:spPr>
+            <p:txBody>
+              <a:bodyPr/>
+              <a:lstStyle/>
+              <a:p>
+                <a:r>
+                  <a:rPr lang="de-DE">
+                    <a:noFill/>
+                  </a:rPr>
+                  <a:t> </a:t>
+                </a:r>
+              </a:p>
+            </p:txBody>
+          </p:sp>
+        </mc:Fallback>
+      </mc:AlternateContent>
+      <mc:AlternateContent xmlns:mc="http://schemas.openxmlformats.org/markup-compatibility/2006">
+        <mc:Choice xmlns:a14="http://schemas.microsoft.com/office/drawing/2010/main" Requires="a14">
+          <p:sp>
+            <p:nvSpPr>
+              <p:cNvPr id="22" name="Textfeld 21">
+                <a:extLst>
+                  <a:ext uri="{FF2B5EF4-FFF2-40B4-BE49-F238E27FC236}">
+                    <a16:creationId xmlns:a16="http://schemas.microsoft.com/office/drawing/2014/main" id="{935D93BB-1C95-A787-6B51-42A0FF2A9242}"/>
+                  </a:ext>
+                </a:extLst>
+              </p:cNvPr>
+              <p:cNvSpPr txBox="1"/>
+              <p:nvPr/>
+            </p:nvSpPr>
+            <p:spPr>
+              <a:xfrm>
+                <a:off x="271610" y="3003780"/>
+                <a:ext cx="1440000" cy="276999"/>
+              </a:xfrm>
+              <a:prstGeom prst="rect">
+                <a:avLst/>
+              </a:prstGeom>
+              <a:noFill/>
+              <a:ln w="12700">
+                <a:solidFill>
+                  <a:schemeClr val="tx1"/>
+                </a:solidFill>
+              </a:ln>
+            </p:spPr>
+            <p:txBody>
+              <a:bodyPr wrap="square">
+                <a:spAutoFit/>
+              </a:bodyPr>
+              <a:lstStyle/>
+              <a:p>
+                <a14:m>
+                  <m:oMath xmlns:m="http://schemas.openxmlformats.org/officeDocument/2006/math">
+                    <m:sSub>
+                      <m:sSubPr>
+                        <m:ctrlPr>
+                          <a:rPr lang="en-GB" sz="1200" b="0" i="1" noProof="0" smtClean="0">
+                            <a:latin typeface="Cambria Math" panose="02040503050406030204" pitchFamily="18" charset="0"/>
+                            <a:ea typeface="Cambria Math" panose="02040503050406030204" pitchFamily="18" charset="0"/>
+                          </a:rPr>
+                        </m:ctrlPr>
+                      </m:sSubPr>
+                      <m:e>
+                        <m:r>
+                          <a:rPr lang="en-GB" sz="1200" b="0" i="1" noProof="0" smtClean="0">
+                            <a:latin typeface="Cambria Math" panose="02040503050406030204" pitchFamily="18" charset="0"/>
+                            <a:ea typeface="Cambria Math" panose="02040503050406030204" pitchFamily="18" charset="0"/>
+                          </a:rPr>
+                          <m:t>𝑝</m:t>
+                        </m:r>
+                      </m:e>
+                      <m:sub>
+                        <m:r>
+                          <a:rPr lang="en-GB" sz="1200" b="0" i="1" noProof="0" smtClean="0">
+                            <a:latin typeface="Cambria Math" panose="02040503050406030204" pitchFamily="18" charset="0"/>
+                            <a:ea typeface="Cambria Math" panose="02040503050406030204" pitchFamily="18" charset="0"/>
+                          </a:rPr>
+                          <m:t>1</m:t>
+                        </m:r>
+                      </m:sub>
+                    </m:sSub>
+                    <m:r>
+                      <a:rPr lang="en-GB" sz="1200" b="0" i="1" noProof="0" smtClean="0">
+                        <a:latin typeface="Cambria Math" panose="02040503050406030204" pitchFamily="18" charset="0"/>
+                        <a:ea typeface="Cambria Math" panose="02040503050406030204" pitchFamily="18" charset="0"/>
+                      </a:rPr>
+                      <m:t>&lt;</m:t>
+                    </m:r>
+                    <m:r>
+                      <a:rPr lang="en-GB" sz="1200" b="0" i="1" noProof="0" smtClean="0">
+                        <a:latin typeface="Cambria Math" panose="02040503050406030204" pitchFamily="18" charset="0"/>
+                        <a:ea typeface="Cambria Math" panose="02040503050406030204" pitchFamily="18" charset="0"/>
+                      </a:rPr>
+                      <m:t>𝛼</m:t>
+                    </m:r>
+                    <m:r>
+                      <a:rPr lang="en-GB" sz="1200" b="0" i="1" noProof="0" smtClean="0">
+                        <a:latin typeface="Cambria Math" panose="02040503050406030204" pitchFamily="18" charset="0"/>
+                        <a:ea typeface="Cambria Math" panose="02040503050406030204" pitchFamily="18" charset="0"/>
+                      </a:rPr>
+                      <m:t>  </m:t>
+                    </m:r>
+                  </m:oMath>
+                </a14:m>
+                <a:r>
+                  <a:rPr lang="en-GB" sz="1200" noProof="0" dirty="0">
+                    <a:latin typeface="Calibri" panose="020F0502020204030204" pitchFamily="34" charset="0"/>
+                    <a:ea typeface="Cambria Math" panose="02040503050406030204" pitchFamily="18" charset="0"/>
+                    <a:cs typeface="Calibri" panose="020F0502020204030204" pitchFamily="34" charset="0"/>
+                  </a:rPr>
+                  <a:t>or </a:t>
+                </a:r>
+                <a14:m>
+                  <m:oMath xmlns:m="http://schemas.openxmlformats.org/officeDocument/2006/math">
+                    <m:sSub>
+                      <m:sSubPr>
+                        <m:ctrlPr>
+                          <a:rPr lang="en-GB" sz="1200" i="1" noProof="0" smtClean="0">
+                            <a:latin typeface="Cambria Math" panose="02040503050406030204" pitchFamily="18" charset="0"/>
+                            <a:ea typeface="Cambria Math" panose="02040503050406030204" pitchFamily="18" charset="0"/>
+                          </a:rPr>
+                        </m:ctrlPr>
+                      </m:sSubPr>
+                      <m:e>
+                        <m:r>
+                          <a:rPr lang="en-GB" sz="1200" i="1" noProof="0" smtClean="0">
+                            <a:latin typeface="Cambria Math" panose="02040503050406030204" pitchFamily="18" charset="0"/>
+                            <a:ea typeface="Cambria Math" panose="02040503050406030204" pitchFamily="18" charset="0"/>
+                          </a:rPr>
+                          <m:t>𝑝</m:t>
+                        </m:r>
+                      </m:e>
+                      <m:sub>
+                        <m:r>
+                          <a:rPr lang="en-GB" sz="1200" b="0" i="1" noProof="0" smtClean="0">
+                            <a:latin typeface="Cambria Math" panose="02040503050406030204" pitchFamily="18" charset="0"/>
+                            <a:ea typeface="Cambria Math" panose="02040503050406030204" pitchFamily="18" charset="0"/>
+                          </a:rPr>
+                          <m:t>2</m:t>
+                        </m:r>
+                      </m:sub>
+                    </m:sSub>
+                    <m:r>
+                      <a:rPr lang="en-GB" sz="1200" i="1" noProof="0" smtClean="0">
+                        <a:latin typeface="Cambria Math" panose="02040503050406030204" pitchFamily="18" charset="0"/>
+                        <a:ea typeface="Cambria Math" panose="02040503050406030204" pitchFamily="18" charset="0"/>
+                      </a:rPr>
+                      <m:t>&lt;</m:t>
+                    </m:r>
+                    <m:r>
+                      <a:rPr lang="en-GB" sz="1200" i="1" noProof="0" smtClean="0">
+                        <a:latin typeface="Cambria Math" panose="02040503050406030204" pitchFamily="18" charset="0"/>
+                        <a:ea typeface="Cambria Math" panose="02040503050406030204" pitchFamily="18" charset="0"/>
+                      </a:rPr>
+                      <m:t>𝛼</m:t>
+                    </m:r>
+                  </m:oMath>
+                </a14:m>
+                <a:r>
+                  <a:rPr lang="en-GB" sz="1200" noProof="0" dirty="0">
+                    <a:latin typeface="Calibri" panose="020F0502020204030204" pitchFamily="34" charset="0"/>
+                    <a:ea typeface="Cambria Math" panose="02040503050406030204" pitchFamily="18" charset="0"/>
+                    <a:cs typeface="Calibri" panose="020F0502020204030204" pitchFamily="34" charset="0"/>
+                  </a:rPr>
+                  <a:t> </a:t>
+                </a:r>
+              </a:p>
+            </p:txBody>
+          </p:sp>
+        </mc:Choice>
+        <mc:Fallback>
+          <p:sp>
+            <p:nvSpPr>
+              <p:cNvPr id="22" name="Textfeld 21">
+                <a:extLst>
+                  <a:ext uri="{FF2B5EF4-FFF2-40B4-BE49-F238E27FC236}">
+                    <a16:creationId xmlns:a16="http://schemas.microsoft.com/office/drawing/2014/main" id="{935D93BB-1C95-A787-6B51-42A0FF2A9242}"/>
+                  </a:ext>
+                </a:extLst>
+              </p:cNvPr>
+              <p:cNvSpPr txBox="1">
+                <a:spLocks noRot="1" noChangeAspect="1" noMove="1" noResize="1" noEditPoints="1" noAdjustHandles="1" noChangeArrowheads="1" noChangeShapeType="1" noTextEdit="1"/>
+              </p:cNvSpPr>
+              <p:nvPr/>
+            </p:nvSpPr>
+            <p:spPr>
+              <a:xfrm>
+                <a:off x="271610" y="3003780"/>
+                <a:ext cx="1440000" cy="276999"/>
+              </a:xfrm>
+              <a:prstGeom prst="rect">
+                <a:avLst/>
+              </a:prstGeom>
+              <a:blipFill>
+                <a:blip r:embed="rId9"/>
+                <a:stretch>
+                  <a:fillRect b="-13043"/>
+                </a:stretch>
+              </a:blipFill>
+              <a:ln w="12700">
+                <a:solidFill>
+                  <a:schemeClr val="tx1"/>
+                </a:solidFill>
+              </a:ln>
+            </p:spPr>
+            <p:txBody>
+              <a:bodyPr/>
+              <a:lstStyle/>
+              <a:p>
+                <a:r>
+                  <a:rPr lang="de-DE">
+                    <a:noFill/>
+                  </a:rPr>
+                  <a:t> </a:t>
+                </a:r>
+              </a:p>
+            </p:txBody>
+          </p:sp>
+        </mc:Fallback>
+      </mc:AlternateContent>
+      <p:sp>
+        <p:nvSpPr>
+          <p:cNvPr id="23" name="Textfeld 22">
+            <a:extLst>
+              <a:ext uri="{FF2B5EF4-FFF2-40B4-BE49-F238E27FC236}">
+                <a16:creationId xmlns:a16="http://schemas.microsoft.com/office/drawing/2014/main" id="{4962E47A-D838-C779-D5B4-7C91FDFA8D4F}"/>
+              </a:ext>
+            </a:extLst>
+          </p:cNvPr>
+          <p:cNvSpPr txBox="1"/>
+          <p:nvPr/>
+        </p:nvSpPr>
+        <p:spPr>
+          <a:xfrm>
+            <a:off x="219834" y="4971020"/>
+            <a:ext cx="1447008" cy="276999"/>
+          </a:xfrm>
+          <a:prstGeom prst="rect">
+            <a:avLst/>
+          </a:prstGeom>
+          <a:solidFill>
+            <a:schemeClr val="accent1">
+              <a:lumMod val="40000"/>
+              <a:lumOff val="60000"/>
+            </a:schemeClr>
+          </a:solidFill>
+          <a:ln w="12700">
+            <a:solidFill>
+              <a:schemeClr val="tx1"/>
+            </a:solidFill>
+          </a:ln>
+        </p:spPr>
+        <p:txBody>
+          <a:bodyPr wrap="square">
+            <a:spAutoFit/>
+          </a:bodyPr>
+          <a:lstStyle>
+            <a:defPPr>
+              <a:defRPr lang="de-DE"/>
+            </a:defPPr>
+            <a:lvl1pPr algn="ctr">
+              <a:defRPr sz="1200"/>
+            </a:lvl1pPr>
+          </a:lstStyle>
+          <a:p>
+            <a:r>
+              <a:rPr lang="en-GB" noProof="0" dirty="0" err="1">
+                <a:latin typeface="Courier New" panose="02070309020205020404" pitchFamily="49" charset="0"/>
+                <a:ea typeface="Cambria Math" panose="02040503050406030204" pitchFamily="18" charset="0"/>
+                <a:cs typeface="Courier New" panose="02070309020205020404" pitchFamily="49" charset="0"/>
+              </a:rPr>
+              <a:t>wilcox.test</a:t>
+            </a:r>
+            <a:r>
+              <a:rPr lang="en-GB" noProof="0" dirty="0">
+                <a:latin typeface="Courier New" panose="02070309020205020404" pitchFamily="49" charset="0"/>
+                <a:ea typeface="Cambria Math" panose="02040503050406030204" pitchFamily="18" charset="0"/>
+                <a:cs typeface="Courier New" panose="02070309020205020404" pitchFamily="49" charset="0"/>
+              </a:rPr>
+              <a:t>()</a:t>
+            </a:r>
+          </a:p>
+        </p:txBody>
+      </p:sp>
+      <p:sp>
+        <p:nvSpPr>
+          <p:cNvPr id="27" name="Textfeld 26">
+            <a:extLst>
+              <a:ext uri="{FF2B5EF4-FFF2-40B4-BE49-F238E27FC236}">
+                <a16:creationId xmlns:a16="http://schemas.microsoft.com/office/drawing/2014/main" id="{0644D9CF-CD52-FF0C-4442-A4247BB3D4A1}"/>
+              </a:ext>
+            </a:extLst>
+          </p:cNvPr>
+          <p:cNvSpPr txBox="1"/>
+          <p:nvPr/>
+        </p:nvSpPr>
+        <p:spPr>
+          <a:xfrm>
+            <a:off x="5130837" y="4971019"/>
+            <a:ext cx="2338435" cy="276999"/>
+          </a:xfrm>
+          <a:prstGeom prst="rect">
+            <a:avLst/>
+          </a:prstGeom>
+          <a:solidFill>
+            <a:schemeClr val="accent1">
+              <a:lumMod val="40000"/>
+              <a:lumOff val="60000"/>
+            </a:schemeClr>
+          </a:solidFill>
+          <a:ln w="12700">
+            <a:solidFill>
+              <a:schemeClr val="accent1">
+                <a:lumMod val="40000"/>
+                <a:lumOff val="60000"/>
+              </a:schemeClr>
+            </a:solidFill>
+          </a:ln>
+        </p:spPr>
+        <p:txBody>
+          <a:bodyPr wrap="square">
+            <a:spAutoFit/>
+          </a:bodyPr>
+          <a:lstStyle>
+            <a:defPPr>
+              <a:defRPr lang="de-DE"/>
+            </a:defPPr>
+            <a:lvl1pPr algn="ctr">
+              <a:defRPr sz="1200"/>
+            </a:lvl1pPr>
+          </a:lstStyle>
+          <a:p>
+            <a:r>
+              <a:rPr lang="en-GB" noProof="0" dirty="0" err="1">
+                <a:latin typeface="Courier New" panose="02070309020205020404" pitchFamily="49" charset="0"/>
+                <a:ea typeface="Cambria Math" panose="02040503050406030204" pitchFamily="18" charset="0"/>
+                <a:cs typeface="Courier New" panose="02070309020205020404" pitchFamily="49" charset="0"/>
+              </a:rPr>
+              <a:t>kruskal.test</a:t>
+            </a:r>
+            <a:r>
+              <a:rPr lang="en-GB" noProof="0" dirty="0">
+                <a:latin typeface="Courier New" panose="02070309020205020404" pitchFamily="49" charset="0"/>
+                <a:ea typeface="Cambria Math" panose="02040503050406030204" pitchFamily="18" charset="0"/>
+                <a:cs typeface="Courier New" panose="02070309020205020404" pitchFamily="49" charset="0"/>
+              </a:rPr>
+              <a:t>()</a:t>
+            </a:r>
+          </a:p>
+        </p:txBody>
+      </p:sp>
+      <p:sp>
+        <p:nvSpPr>
+          <p:cNvPr id="28" name="Textfeld 27">
+            <a:extLst>
+              <a:ext uri="{FF2B5EF4-FFF2-40B4-BE49-F238E27FC236}">
+                <a16:creationId xmlns:a16="http://schemas.microsoft.com/office/drawing/2014/main" id="{0F0AEF4C-6AC0-4916-C978-C601B1A9FC63}"/>
+              </a:ext>
+            </a:extLst>
+          </p:cNvPr>
+          <p:cNvSpPr txBox="1"/>
+          <p:nvPr/>
+        </p:nvSpPr>
+        <p:spPr>
+          <a:xfrm>
+            <a:off x="7559455" y="3878295"/>
+            <a:ext cx="2795001" cy="280863"/>
+          </a:xfrm>
+          <a:prstGeom prst="rect">
+            <a:avLst/>
+          </a:prstGeom>
+          <a:solidFill>
+            <a:schemeClr val="accent6">
+              <a:lumMod val="20000"/>
+              <a:lumOff val="80000"/>
+            </a:schemeClr>
+          </a:solidFill>
+          <a:ln w="12700">
+            <a:solidFill>
+              <a:schemeClr val="accent1">
+                <a:lumMod val="40000"/>
+                <a:lumOff val="60000"/>
+              </a:schemeClr>
+            </a:solidFill>
+          </a:ln>
+        </p:spPr>
+        <p:txBody>
+          <a:bodyPr wrap="square">
+            <a:spAutoFit/>
+          </a:bodyPr>
+          <a:lstStyle/>
+          <a:p>
+            <a:pPr algn="ctr"/>
+            <a:r>
+              <a:rPr lang="en-GB" sz="1200" noProof="0" dirty="0" err="1">
+                <a:latin typeface="Courier New" panose="02070309020205020404" pitchFamily="49" charset="0"/>
+                <a:ea typeface="Cambria Math" panose="02040503050406030204" pitchFamily="18" charset="0"/>
+                <a:cs typeface="Courier New" panose="02070309020205020404" pitchFamily="49" charset="0"/>
+              </a:rPr>
+              <a:t>bartlett.test</a:t>
+            </a:r>
+            <a:r>
+              <a:rPr lang="en-GB" sz="1200" noProof="0" dirty="0">
+                <a:latin typeface="Courier New" panose="02070309020205020404" pitchFamily="49" charset="0"/>
+                <a:ea typeface="Cambria Math" panose="02040503050406030204" pitchFamily="18" charset="0"/>
+                <a:cs typeface="Courier New" panose="02070309020205020404" pitchFamily="49" charset="0"/>
+              </a:rPr>
+              <a:t>() </a:t>
+            </a:r>
+          </a:p>
+        </p:txBody>
+      </p:sp>
+      <mc:AlternateContent xmlns:mc="http://schemas.openxmlformats.org/markup-compatibility/2006" xmlns:a14="http://schemas.microsoft.com/office/drawing/2010/main">
+        <mc:Choice Requires="a14">
+          <p:sp>
+            <p:nvSpPr>
+              <p:cNvPr id="29" name="Textfeld 28">
+                <a:extLst>
+                  <a:ext uri="{FF2B5EF4-FFF2-40B4-BE49-F238E27FC236}">
+                    <a16:creationId xmlns:a16="http://schemas.microsoft.com/office/drawing/2014/main" id="{6A843E82-AE36-2049-F32E-7DB7C257BD0C}"/>
+                  </a:ext>
+                </a:extLst>
+              </p:cNvPr>
+              <p:cNvSpPr txBox="1"/>
+              <p:nvPr/>
+            </p:nvSpPr>
+            <p:spPr>
+              <a:xfrm>
+                <a:off x="9261991" y="4482840"/>
+                <a:ext cx="1080000" cy="277200"/>
+              </a:xfrm>
+              <a:prstGeom prst="rect">
+                <a:avLst/>
+              </a:prstGeom>
+              <a:noFill/>
+              <a:ln w="12700">
+                <a:solidFill>
+                  <a:schemeClr val="accent1">
+                    <a:lumMod val="40000"/>
+                    <a:lumOff val="60000"/>
+                  </a:schemeClr>
+                </a:solidFill>
+              </a:ln>
+            </p:spPr>
+            <p:txBody>
+              <a:bodyPr wrap="square">
+                <a:spAutoFit/>
+              </a:bodyPr>
+              <a:lstStyle/>
+              <a:p>
+                <a:pPr algn="ctr"/>
+                <a14:m>
+                  <m:oMathPara xmlns:m="http://schemas.openxmlformats.org/officeDocument/2006/math">
+                    <m:oMathParaPr>
+                      <m:jc m:val="centerGroup"/>
+                    </m:oMathParaPr>
+                    <m:oMath xmlns:m="http://schemas.openxmlformats.org/officeDocument/2006/math">
+                      <m:r>
+                        <a:rPr lang="en-GB" sz="1200" b="0" i="1" noProof="0" smtClean="0">
+                          <a:latin typeface="Cambria Math" panose="02040503050406030204" pitchFamily="18" charset="0"/>
+                          <a:ea typeface="Cambria Math" panose="02040503050406030204" pitchFamily="18" charset="0"/>
+                        </a:rPr>
+                        <m:t>𝑝</m:t>
+                      </m:r>
+                      <m:r>
+                        <a:rPr lang="en-GB" sz="1200" b="0" i="1" noProof="0" smtClean="0">
+                          <a:latin typeface="Cambria Math" panose="02040503050406030204" pitchFamily="18" charset="0"/>
+                          <a:ea typeface="Cambria Math" panose="02040503050406030204" pitchFamily="18" charset="0"/>
+                        </a:rPr>
+                        <m:t>≥</m:t>
+                      </m:r>
+                      <m:r>
+                        <a:rPr lang="en-GB" sz="1200" b="0" i="1" noProof="0" smtClean="0">
+                          <a:latin typeface="Cambria Math" panose="02040503050406030204" pitchFamily="18" charset="0"/>
+                          <a:ea typeface="Cambria Math" panose="02040503050406030204" pitchFamily="18" charset="0"/>
+                        </a:rPr>
+                        <m:t>𝛼</m:t>
+                      </m:r>
+                    </m:oMath>
+                  </m:oMathPara>
+                </a14:m>
+                <a:endParaRPr lang="en-GB" sz="1200" noProof="0" dirty="0">
+                  <a:latin typeface="Calibri" panose="020F0502020204030204" pitchFamily="34" charset="0"/>
+                  <a:ea typeface="Cambria Math" panose="02040503050406030204" pitchFamily="18" charset="0"/>
+                  <a:cs typeface="Calibri" panose="020F0502020204030204" pitchFamily="34" charset="0"/>
+                </a:endParaRPr>
+              </a:p>
+            </p:txBody>
+          </p:sp>
+        </mc:Choice>
+        <mc:Fallback xmlns="">
+          <p:sp>
+            <p:nvSpPr>
+              <p:cNvPr id="29" name="Textfeld 28">
+                <a:extLst>
+                  <a:ext uri="{FF2B5EF4-FFF2-40B4-BE49-F238E27FC236}">
+                    <a16:creationId xmlns:a16="http://schemas.microsoft.com/office/drawing/2014/main" id="{A1E211F9-17D8-404F-BDD9-8FA1CF6DEBDF}"/>
+                  </a:ext>
+                </a:extLst>
+              </p:cNvPr>
+              <p:cNvSpPr txBox="1">
+                <a:spLocks noRot="1" noChangeAspect="1" noMove="1" noResize="1" noEditPoints="1" noAdjustHandles="1" noChangeArrowheads="1" noChangeShapeType="1" noTextEdit="1"/>
+              </p:cNvSpPr>
+              <p:nvPr/>
+            </p:nvSpPr>
+            <p:spPr>
+              <a:xfrm>
+                <a:off x="9261991" y="4482840"/>
+                <a:ext cx="1080000" cy="277200"/>
+              </a:xfrm>
+              <a:prstGeom prst="rect">
+                <a:avLst/>
+              </a:prstGeom>
+              <a:blipFill>
+                <a:blip r:embed="rId10"/>
+                <a:stretch>
+                  <a:fillRect/>
+                </a:stretch>
+              </a:blipFill>
+              <a:ln w="12700">
+                <a:solidFill>
+                  <a:schemeClr val="accent1">
+                    <a:lumMod val="40000"/>
+                    <a:lumOff val="60000"/>
+                  </a:schemeClr>
+                </a:solidFill>
+              </a:ln>
+            </p:spPr>
+            <p:txBody>
+              <a:bodyPr/>
+              <a:lstStyle/>
+              <a:p>
+                <a:r>
+                  <a:rPr lang="de-DE">
+                    <a:noFill/>
+                  </a:rPr>
+                  <a:t> </a:t>
+                </a:r>
+              </a:p>
+            </p:txBody>
+          </p:sp>
+        </mc:Fallback>
+      </mc:AlternateContent>
+      <mc:AlternateContent xmlns:mc="http://schemas.openxmlformats.org/markup-compatibility/2006" xmlns:a14="http://schemas.microsoft.com/office/drawing/2010/main">
+        <mc:Choice Requires="a14">
+          <p:sp>
+            <p:nvSpPr>
+              <p:cNvPr id="30" name="Textfeld 29">
+                <a:extLst>
+                  <a:ext uri="{FF2B5EF4-FFF2-40B4-BE49-F238E27FC236}">
+                    <a16:creationId xmlns:a16="http://schemas.microsoft.com/office/drawing/2014/main" id="{535CC64A-5626-C143-9BE2-9D075A38E65A}"/>
+                  </a:ext>
+                </a:extLst>
+              </p:cNvPr>
+              <p:cNvSpPr txBox="1"/>
+              <p:nvPr/>
+            </p:nvSpPr>
+            <p:spPr>
+              <a:xfrm>
+                <a:off x="7582544" y="4472251"/>
+                <a:ext cx="1080000" cy="276999"/>
+              </a:xfrm>
+              <a:prstGeom prst="rect">
+                <a:avLst/>
+              </a:prstGeom>
+              <a:noFill/>
+              <a:ln w="12700">
+                <a:solidFill>
+                  <a:schemeClr val="accent1">
+                    <a:lumMod val="40000"/>
+                    <a:lumOff val="60000"/>
+                  </a:schemeClr>
+                </a:solidFill>
+              </a:ln>
+            </p:spPr>
+            <p:txBody>
+              <a:bodyPr wrap="square">
+                <a:spAutoFit/>
+              </a:bodyPr>
+              <a:lstStyle/>
+              <a:p>
+                <a:pPr algn="ctr"/>
+                <a14:m>
+                  <m:oMathPara xmlns:m="http://schemas.openxmlformats.org/officeDocument/2006/math">
+                    <m:oMathParaPr>
+                      <m:jc m:val="centerGroup"/>
+                    </m:oMathParaPr>
+                    <m:oMath xmlns:m="http://schemas.openxmlformats.org/officeDocument/2006/math">
+                      <m:r>
+                        <a:rPr lang="en-GB" sz="1200" b="0" i="1" noProof="0" smtClean="0">
+                          <a:latin typeface="Cambria Math" panose="02040503050406030204" pitchFamily="18" charset="0"/>
+                          <a:ea typeface="Cambria Math" panose="02040503050406030204" pitchFamily="18" charset="0"/>
+                        </a:rPr>
+                        <m:t>𝑝</m:t>
+                      </m:r>
+                      <m:r>
+                        <a:rPr lang="en-GB" sz="1200" b="0" i="1" noProof="0" smtClean="0">
+                          <a:latin typeface="Cambria Math" panose="02040503050406030204" pitchFamily="18" charset="0"/>
+                          <a:ea typeface="Cambria Math" panose="02040503050406030204" pitchFamily="18" charset="0"/>
+                        </a:rPr>
+                        <m:t>&lt;</m:t>
+                      </m:r>
+                      <m:r>
+                        <a:rPr lang="en-GB" sz="1200" b="0" i="1" noProof="0" smtClean="0">
+                          <a:latin typeface="Cambria Math" panose="02040503050406030204" pitchFamily="18" charset="0"/>
+                          <a:ea typeface="Cambria Math" panose="02040503050406030204" pitchFamily="18" charset="0"/>
+                        </a:rPr>
+                        <m:t>𝛼</m:t>
+                      </m:r>
+                    </m:oMath>
+                  </m:oMathPara>
+                </a14:m>
+                <a:endParaRPr lang="en-GB" sz="1200" noProof="0" dirty="0">
+                  <a:latin typeface="Calibri" panose="020F0502020204030204" pitchFamily="34" charset="0"/>
+                  <a:ea typeface="Cambria Math" panose="02040503050406030204" pitchFamily="18" charset="0"/>
+                  <a:cs typeface="Calibri" panose="020F0502020204030204" pitchFamily="34" charset="0"/>
+                </a:endParaRPr>
+              </a:p>
+            </p:txBody>
+          </p:sp>
+        </mc:Choice>
+        <mc:Fallback xmlns="">
+          <p:sp>
+            <p:nvSpPr>
+              <p:cNvPr id="30" name="Textfeld 29">
+                <a:extLst>
+                  <a:ext uri="{FF2B5EF4-FFF2-40B4-BE49-F238E27FC236}">
+                    <a16:creationId xmlns:a16="http://schemas.microsoft.com/office/drawing/2014/main" id="{5E44A5B4-1C65-9447-A4FA-813B5715A602}"/>
+                  </a:ext>
+                </a:extLst>
+              </p:cNvPr>
+              <p:cNvSpPr txBox="1">
+                <a:spLocks noRot="1" noChangeAspect="1" noMove="1" noResize="1" noEditPoints="1" noAdjustHandles="1" noChangeArrowheads="1" noChangeShapeType="1" noTextEdit="1"/>
+              </p:cNvSpPr>
+              <p:nvPr/>
+            </p:nvSpPr>
+            <p:spPr>
+              <a:xfrm>
+                <a:off x="7582544" y="4472251"/>
+                <a:ext cx="1080000" cy="276999"/>
+              </a:xfrm>
+              <a:prstGeom prst="rect">
+                <a:avLst/>
+              </a:prstGeom>
+              <a:blipFill>
+                <a:blip r:embed="rId11"/>
+                <a:stretch>
+                  <a:fillRect/>
+                </a:stretch>
+              </a:blipFill>
+              <a:ln w="12700">
+                <a:solidFill>
+                  <a:schemeClr val="accent1">
+                    <a:lumMod val="40000"/>
+                    <a:lumOff val="60000"/>
+                  </a:schemeClr>
+                </a:solidFill>
+              </a:ln>
+            </p:spPr>
+            <p:txBody>
+              <a:bodyPr/>
+              <a:lstStyle/>
+              <a:p>
+                <a:r>
+                  <a:rPr lang="de-DE">
+                    <a:noFill/>
+                  </a:rPr>
+                  <a:t> </a:t>
+                </a:r>
+              </a:p>
+            </p:txBody>
+          </p:sp>
+        </mc:Fallback>
+      </mc:AlternateContent>
+      <p:sp>
+        <p:nvSpPr>
+          <p:cNvPr id="31" name="Textfeld 30">
+            <a:extLst>
+              <a:ext uri="{FF2B5EF4-FFF2-40B4-BE49-F238E27FC236}">
+                <a16:creationId xmlns:a16="http://schemas.microsoft.com/office/drawing/2014/main" id="{568EBC00-FD00-E246-A517-9021CAF2EEED}"/>
+              </a:ext>
+            </a:extLst>
+          </p:cNvPr>
+          <p:cNvSpPr txBox="1"/>
+          <p:nvPr/>
+        </p:nvSpPr>
+        <p:spPr>
+          <a:xfrm>
+            <a:off x="7579542" y="4968485"/>
+            <a:ext cx="1457998" cy="276999"/>
+          </a:xfrm>
+          <a:prstGeom prst="rect">
+            <a:avLst/>
+          </a:prstGeom>
+          <a:solidFill>
+            <a:schemeClr val="accent4">
+              <a:alpha val="19758"/>
+            </a:schemeClr>
+          </a:solidFill>
+          <a:ln w="12700">
+            <a:solidFill>
+              <a:schemeClr val="accent1">
+                <a:lumMod val="40000"/>
+                <a:lumOff val="60000"/>
+              </a:schemeClr>
+            </a:solidFill>
+          </a:ln>
+        </p:spPr>
+        <p:txBody>
+          <a:bodyPr wrap="square">
+            <a:spAutoFit/>
+          </a:bodyPr>
+          <a:lstStyle>
+            <a:defPPr>
+              <a:defRPr lang="de-DE"/>
+            </a:defPPr>
+            <a:lvl1pPr algn="ctr">
+              <a:defRPr sz="1200"/>
+            </a:lvl1pPr>
+          </a:lstStyle>
+          <a:p>
+            <a:r>
+              <a:rPr lang="en-GB" noProof="0" dirty="0" err="1">
+                <a:latin typeface="Courier New" panose="02070309020205020404" pitchFamily="49" charset="0"/>
+                <a:ea typeface="Cambria Math" panose="02040503050406030204" pitchFamily="18" charset="0"/>
+                <a:cs typeface="Courier New" panose="02070309020205020404" pitchFamily="49" charset="0"/>
+              </a:rPr>
+              <a:t>oneway.test</a:t>
+            </a:r>
+            <a:r>
+              <a:rPr lang="en-GB" noProof="0" dirty="0">
+                <a:latin typeface="Courier New" panose="02070309020205020404" pitchFamily="49" charset="0"/>
+                <a:ea typeface="Cambria Math" panose="02040503050406030204" pitchFamily="18" charset="0"/>
+                <a:cs typeface="Courier New" panose="02070309020205020404" pitchFamily="49" charset="0"/>
+              </a:rPr>
+              <a:t>()</a:t>
+            </a:r>
+          </a:p>
+        </p:txBody>
+      </p:sp>
+      <p:sp>
+        <p:nvSpPr>
+          <p:cNvPr id="32" name="Textfeld 31">
+            <a:extLst>
+              <a:ext uri="{FF2B5EF4-FFF2-40B4-BE49-F238E27FC236}">
+                <a16:creationId xmlns:a16="http://schemas.microsoft.com/office/drawing/2014/main" id="{15E6515F-83AA-08EF-8A65-00AE681B3602}"/>
+              </a:ext>
+            </a:extLst>
+          </p:cNvPr>
+          <p:cNvSpPr txBox="1"/>
+          <p:nvPr/>
+        </p:nvSpPr>
+        <p:spPr>
+          <a:xfrm>
+            <a:off x="9168872" y="4968284"/>
+            <a:ext cx="1168942" cy="276999"/>
+          </a:xfrm>
+          <a:prstGeom prst="rect">
+            <a:avLst/>
+          </a:prstGeom>
+          <a:solidFill>
+            <a:schemeClr val="accent4">
+              <a:alpha val="19758"/>
+            </a:schemeClr>
+          </a:solidFill>
+          <a:ln w="12700">
+            <a:solidFill>
+              <a:schemeClr val="accent1">
+                <a:lumMod val="40000"/>
+                <a:lumOff val="60000"/>
+              </a:schemeClr>
+            </a:solidFill>
+          </a:ln>
+        </p:spPr>
+        <p:txBody>
+          <a:bodyPr wrap="square">
+            <a:spAutoFit/>
+          </a:bodyPr>
+          <a:lstStyle/>
+          <a:p>
+            <a:pPr algn="ctr"/>
+            <a:r>
+              <a:rPr lang="en-GB" sz="1200" noProof="0" dirty="0" err="1">
+                <a:latin typeface="Courier New" panose="02070309020205020404" pitchFamily="49" charset="0"/>
+                <a:ea typeface="Cambria Math" panose="02040503050406030204" pitchFamily="18" charset="0"/>
+                <a:cs typeface="Courier New" panose="02070309020205020404" pitchFamily="49" charset="0"/>
+              </a:rPr>
+              <a:t>aov</a:t>
+            </a:r>
+            <a:r>
+              <a:rPr lang="en-GB" sz="1200" noProof="0" dirty="0">
+                <a:latin typeface="Courier New" panose="02070309020205020404" pitchFamily="49" charset="0"/>
+                <a:ea typeface="Cambria Math" panose="02040503050406030204" pitchFamily="18" charset="0"/>
+                <a:cs typeface="Courier New" panose="02070309020205020404" pitchFamily="49" charset="0"/>
+              </a:rPr>
+              <a:t>()</a:t>
+            </a:r>
+          </a:p>
+        </p:txBody>
+      </p:sp>
+      <p:grpSp>
+        <p:nvGrpSpPr>
+          <p:cNvPr id="427" name="Gruppieren 426">
+            <a:extLst>
+              <a:ext uri="{FF2B5EF4-FFF2-40B4-BE49-F238E27FC236}">
+                <a16:creationId xmlns:a16="http://schemas.microsoft.com/office/drawing/2014/main" id="{D3A534CE-84E6-368A-DD37-D6F5A126F136}"/>
+              </a:ext>
+            </a:extLst>
+          </p:cNvPr>
+          <p:cNvGrpSpPr/>
+          <p:nvPr/>
+        </p:nvGrpSpPr>
+        <p:grpSpPr>
+          <a:xfrm>
+            <a:off x="8296125" y="4173488"/>
+            <a:ext cx="1289076" cy="305400"/>
+            <a:chOff x="8002301" y="4581613"/>
+            <a:chExt cx="1289076" cy="305400"/>
+          </a:xfrm>
+        </p:grpSpPr>
+        <p:cxnSp>
+          <p:nvCxnSpPr>
+            <p:cNvPr id="85" name="Gerade Verbindung mit Pfeil 84">
+              <a:extLst>
+                <a:ext uri="{FF2B5EF4-FFF2-40B4-BE49-F238E27FC236}">
+                  <a16:creationId xmlns:a16="http://schemas.microsoft.com/office/drawing/2014/main" id="{707EAF21-9518-3159-BE43-A30A8AEA8FA2}"/>
+                </a:ext>
+              </a:extLst>
+            </p:cNvPr>
+            <p:cNvCxnSpPr>
+              <a:cxnSpLocks/>
+            </p:cNvCxnSpPr>
+            <p:nvPr/>
+          </p:nvCxnSpPr>
+          <p:spPr>
+            <a:xfrm flipH="1">
+              <a:off x="8002301" y="4581613"/>
+              <a:ext cx="639486" cy="305400"/>
+            </a:xfrm>
+            <a:prstGeom prst="straightConnector1">
+              <a:avLst/>
+            </a:prstGeom>
+            <a:ln>
+              <a:tailEnd type="triangle"/>
+            </a:ln>
+          </p:spPr>
+          <p:style>
+            <a:lnRef idx="1">
+              <a:schemeClr val="accent1"/>
+            </a:lnRef>
+            <a:fillRef idx="0">
+              <a:schemeClr val="accent1"/>
+            </a:fillRef>
+            <a:effectRef idx="0">
+              <a:schemeClr val="accent1"/>
+            </a:effectRef>
+            <a:fontRef idx="minor">
+              <a:schemeClr val="tx1"/>
+            </a:fontRef>
+          </p:style>
+        </p:cxnSp>
+        <p:cxnSp>
+          <p:nvCxnSpPr>
+            <p:cNvPr id="86" name="Gerade Verbindung mit Pfeil 85">
+              <a:extLst>
+                <a:ext uri="{FF2B5EF4-FFF2-40B4-BE49-F238E27FC236}">
+                  <a16:creationId xmlns:a16="http://schemas.microsoft.com/office/drawing/2014/main" id="{62546CDC-7C3B-F9AE-901A-BBC57BD2E83B}"/>
+                </a:ext>
+              </a:extLst>
+            </p:cNvPr>
+            <p:cNvCxnSpPr>
+              <a:cxnSpLocks/>
+            </p:cNvCxnSpPr>
+            <p:nvPr/>
+          </p:nvCxnSpPr>
+          <p:spPr>
+            <a:xfrm>
+              <a:off x="8641787" y="4581613"/>
+              <a:ext cx="649590" cy="305400"/>
+            </a:xfrm>
+            <a:prstGeom prst="straightConnector1">
+              <a:avLst/>
+            </a:prstGeom>
+            <a:ln>
+              <a:tailEnd type="triangle"/>
+            </a:ln>
+          </p:spPr>
+          <p:style>
+            <a:lnRef idx="1">
+              <a:schemeClr val="accent1"/>
+            </a:lnRef>
+            <a:fillRef idx="0">
+              <a:schemeClr val="accent1"/>
+            </a:fillRef>
+            <a:effectRef idx="0">
+              <a:schemeClr val="accent1"/>
+            </a:effectRef>
+            <a:fontRef idx="minor">
+              <a:schemeClr val="tx1"/>
+            </a:fontRef>
+          </p:style>
+        </p:cxnSp>
+      </p:grpSp>
+      <p:sp>
+        <p:nvSpPr>
+          <p:cNvPr id="93" name="Textfeld 92">
+            <a:extLst>
+              <a:ext uri="{FF2B5EF4-FFF2-40B4-BE49-F238E27FC236}">
+                <a16:creationId xmlns:a16="http://schemas.microsoft.com/office/drawing/2014/main" id="{9DACF3C4-FAF8-1492-DA7F-B5BBFD222B05}"/>
+              </a:ext>
+            </a:extLst>
+          </p:cNvPr>
+          <p:cNvSpPr txBox="1"/>
+          <p:nvPr/>
+        </p:nvSpPr>
+        <p:spPr>
+          <a:xfrm>
+            <a:off x="7588434" y="5449810"/>
+            <a:ext cx="2795000" cy="280863"/>
+          </a:xfrm>
+          <a:prstGeom prst="rect">
+            <a:avLst/>
+          </a:prstGeom>
+          <a:solidFill>
+            <a:schemeClr val="bg2">
+              <a:lumMod val="90000"/>
+            </a:schemeClr>
+          </a:solidFill>
+          <a:ln w="12700">
+            <a:solidFill>
+              <a:schemeClr val="accent1">
+                <a:lumMod val="40000"/>
+                <a:lumOff val="60000"/>
+              </a:schemeClr>
+            </a:solidFill>
+          </a:ln>
+        </p:spPr>
+        <p:txBody>
+          <a:bodyPr wrap="square">
+            <a:spAutoFit/>
+          </a:bodyPr>
+          <a:lstStyle>
+            <a:defPPr>
+              <a:defRPr lang="de-DE"/>
+            </a:defPPr>
+            <a:lvl1pPr algn="ctr">
+              <a:defRPr sz="1200"/>
+            </a:lvl1pPr>
+          </a:lstStyle>
+          <a:p>
+            <a:r>
+              <a:rPr lang="en-GB" noProof="0" dirty="0" err="1">
+                <a:latin typeface="Courier New" panose="02070309020205020404" pitchFamily="49" charset="0"/>
+                <a:ea typeface="Cambria Math" panose="02040503050406030204" pitchFamily="18" charset="0"/>
+                <a:cs typeface="Courier New" panose="02070309020205020404" pitchFamily="49" charset="0"/>
+              </a:rPr>
+              <a:t>TukeyHSD</a:t>
+            </a:r>
+            <a:r>
+              <a:rPr lang="en-GB" noProof="0" dirty="0">
+                <a:latin typeface="Courier New" panose="02070309020205020404" pitchFamily="49" charset="0"/>
+                <a:ea typeface="Cambria Math" panose="02040503050406030204" pitchFamily="18" charset="0"/>
+                <a:cs typeface="Courier New" panose="02070309020205020404" pitchFamily="49" charset="0"/>
+              </a:rPr>
+              <a:t>()</a:t>
+            </a:r>
+          </a:p>
+        </p:txBody>
+      </p:sp>
+      <p:sp>
+        <p:nvSpPr>
+          <p:cNvPr id="94" name="Textfeld 93">
+            <a:extLst>
+              <a:ext uri="{FF2B5EF4-FFF2-40B4-BE49-F238E27FC236}">
+                <a16:creationId xmlns:a16="http://schemas.microsoft.com/office/drawing/2014/main" id="{96AD3D76-097F-C0EA-C7DD-0981F3E66582}"/>
+              </a:ext>
+            </a:extLst>
+          </p:cNvPr>
+          <p:cNvSpPr txBox="1"/>
+          <p:nvPr/>
+        </p:nvSpPr>
+        <p:spPr>
+          <a:xfrm>
+            <a:off x="5130837" y="5449811"/>
+            <a:ext cx="2341205" cy="276999"/>
+          </a:xfrm>
+          <a:prstGeom prst="rect">
+            <a:avLst/>
+          </a:prstGeom>
+          <a:solidFill>
+            <a:schemeClr val="bg2">
+              <a:lumMod val="90000"/>
+            </a:schemeClr>
+          </a:solidFill>
+          <a:ln w="12700">
+            <a:solidFill>
+              <a:schemeClr val="accent1">
+                <a:lumMod val="40000"/>
+                <a:lumOff val="60000"/>
+              </a:schemeClr>
+            </a:solidFill>
+          </a:ln>
+        </p:spPr>
+        <p:txBody>
+          <a:bodyPr wrap="square">
+            <a:spAutoFit/>
+          </a:bodyPr>
+          <a:lstStyle/>
+          <a:p>
+            <a:pPr algn="ctr"/>
+            <a:r>
+              <a:rPr lang="en-GB" sz="1200" noProof="0" dirty="0" err="1">
+                <a:latin typeface="Courier New" panose="02070309020205020404" pitchFamily="49" charset="0"/>
+                <a:ea typeface="Cambria Math" panose="02040503050406030204" pitchFamily="18" charset="0"/>
+                <a:cs typeface="Courier New" panose="02070309020205020404" pitchFamily="49" charset="0"/>
+              </a:rPr>
+              <a:t>pairwise.wilcox.test</a:t>
+            </a:r>
+            <a:r>
+              <a:rPr lang="en-GB" sz="1200" noProof="0" dirty="0">
+                <a:latin typeface="Courier New" panose="02070309020205020404" pitchFamily="49" charset="0"/>
+                <a:ea typeface="Cambria Math" panose="02040503050406030204" pitchFamily="18" charset="0"/>
+                <a:cs typeface="Courier New" panose="02070309020205020404" pitchFamily="49" charset="0"/>
+              </a:rPr>
+              <a:t>()</a:t>
+            </a:r>
+          </a:p>
+        </p:txBody>
+      </p:sp>
+      <p:cxnSp>
+        <p:nvCxnSpPr>
+          <p:cNvPr id="2" name="Gerade Verbindung mit Pfeil 1">
+            <a:extLst>
+              <a:ext uri="{FF2B5EF4-FFF2-40B4-BE49-F238E27FC236}">
+                <a16:creationId xmlns:a16="http://schemas.microsoft.com/office/drawing/2014/main" id="{68DD2B25-F231-6FE2-8E70-2894F8A7391C}"/>
+              </a:ext>
+            </a:extLst>
+          </p:cNvPr>
+          <p:cNvCxnSpPr>
+            <a:cxnSpLocks/>
+          </p:cNvCxnSpPr>
+          <p:nvPr/>
+        </p:nvCxnSpPr>
+        <p:spPr>
+          <a:xfrm flipH="1">
+            <a:off x="4041194" y="1992541"/>
+            <a:ext cx="15604" cy="2920119"/>
+          </a:xfrm>
+          <a:prstGeom prst="straightConnector1">
+            <a:avLst/>
+          </a:prstGeom>
+          <a:ln>
+            <a:solidFill>
+              <a:schemeClr val="tx1"/>
+            </a:solidFill>
+            <a:tailEnd type="triangle"/>
+          </a:ln>
+        </p:spPr>
+        <p:style>
+          <a:lnRef idx="1">
+            <a:schemeClr val="accent1"/>
+          </a:lnRef>
+          <a:fillRef idx="0">
+            <a:schemeClr val="accent1"/>
+          </a:fillRef>
+          <a:effectRef idx="0">
+            <a:schemeClr val="accent1"/>
+          </a:effectRef>
+          <a:fontRef idx="minor">
+            <a:schemeClr val="tx1"/>
+          </a:fontRef>
+        </p:style>
+      </p:cxnSp>
+      <p:sp>
+        <p:nvSpPr>
+          <p:cNvPr id="50" name="Textfeld 49">
+            <a:extLst>
+              <a:ext uri="{FF2B5EF4-FFF2-40B4-BE49-F238E27FC236}">
+                <a16:creationId xmlns:a16="http://schemas.microsoft.com/office/drawing/2014/main" id="{8D907A8C-F56A-3B8D-43ED-DE56F55FF30F}"/>
+              </a:ext>
+            </a:extLst>
+          </p:cNvPr>
+          <p:cNvSpPr txBox="1"/>
+          <p:nvPr/>
+        </p:nvSpPr>
+        <p:spPr>
+          <a:xfrm>
+            <a:off x="1792997" y="4971020"/>
+            <a:ext cx="3053668" cy="276999"/>
+          </a:xfrm>
+          <a:prstGeom prst="rect">
+            <a:avLst/>
+          </a:prstGeom>
+          <a:solidFill>
+            <a:schemeClr val="accent4">
+              <a:alpha val="19758"/>
+            </a:schemeClr>
+          </a:solidFill>
+          <a:ln w="12700">
+            <a:solidFill>
+              <a:schemeClr val="tx1"/>
+            </a:solidFill>
+          </a:ln>
+        </p:spPr>
+        <p:txBody>
+          <a:bodyPr wrap="square">
+            <a:spAutoFit/>
+          </a:bodyPr>
+          <a:lstStyle/>
+          <a:p>
+            <a:pPr algn="ctr"/>
+            <a:r>
+              <a:rPr lang="en-GB" sz="1200" noProof="0" dirty="0" err="1">
+                <a:latin typeface="Courier New" panose="02070309020205020404" pitchFamily="49" charset="0"/>
+                <a:ea typeface="Cambria Math" panose="02040503050406030204" pitchFamily="18" charset="0"/>
+                <a:cs typeface="Courier New" panose="02070309020205020404" pitchFamily="49" charset="0"/>
+              </a:rPr>
+              <a:t>t.test</a:t>
+            </a:r>
+            <a:r>
+              <a:rPr lang="en-GB" sz="1200" noProof="0" dirty="0">
+                <a:latin typeface="Courier New" panose="02070309020205020404" pitchFamily="49" charset="0"/>
+                <a:ea typeface="Cambria Math" panose="02040503050406030204" pitchFamily="18" charset="0"/>
+                <a:cs typeface="Courier New" panose="02070309020205020404" pitchFamily="49" charset="0"/>
+              </a:rPr>
+              <a:t>()</a:t>
+            </a:r>
+          </a:p>
+        </p:txBody>
+      </p:sp>
+      <p:cxnSp>
+        <p:nvCxnSpPr>
+          <p:cNvPr id="51" name="Gerade Verbindung mit Pfeil 50">
+            <a:extLst>
+              <a:ext uri="{FF2B5EF4-FFF2-40B4-BE49-F238E27FC236}">
+                <a16:creationId xmlns:a16="http://schemas.microsoft.com/office/drawing/2014/main" id="{C9369E25-4BFC-28CB-8903-95F3A0AF4FA4}"/>
+              </a:ext>
+            </a:extLst>
+          </p:cNvPr>
+          <p:cNvCxnSpPr>
+            <a:cxnSpLocks/>
+            <a:stCxn id="22" idx="2"/>
+            <a:endCxn id="23" idx="0"/>
+          </p:cNvCxnSpPr>
+          <p:nvPr/>
+        </p:nvCxnSpPr>
+        <p:spPr>
+          <a:xfrm flipH="1">
+            <a:off x="943338" y="3280779"/>
+            <a:ext cx="48272" cy="1690241"/>
+          </a:xfrm>
+          <a:prstGeom prst="straightConnector1">
+            <a:avLst/>
+          </a:prstGeom>
+          <a:ln>
+            <a:solidFill>
+              <a:schemeClr val="tx1"/>
+            </a:solidFill>
+            <a:tailEnd type="triangle"/>
+          </a:ln>
+        </p:spPr>
+        <p:style>
+          <a:lnRef idx="1">
+            <a:schemeClr val="accent1"/>
+          </a:lnRef>
+          <a:fillRef idx="0">
+            <a:schemeClr val="accent1"/>
+          </a:fillRef>
+          <a:effectRef idx="0">
+            <a:schemeClr val="accent1"/>
+          </a:effectRef>
+          <a:fontRef idx="minor">
+            <a:schemeClr val="tx1"/>
+          </a:fontRef>
+        </p:style>
+      </p:cxnSp>
+      <p:grpSp>
+        <p:nvGrpSpPr>
+          <p:cNvPr id="69" name="Gruppieren 68">
+            <a:extLst>
+              <a:ext uri="{FF2B5EF4-FFF2-40B4-BE49-F238E27FC236}">
+                <a16:creationId xmlns:a16="http://schemas.microsoft.com/office/drawing/2014/main" id="{9F7D8173-989D-10CF-310E-FBD280ED595E}"/>
+              </a:ext>
+            </a:extLst>
+          </p:cNvPr>
+          <p:cNvGrpSpPr/>
+          <p:nvPr/>
+        </p:nvGrpSpPr>
+        <p:grpSpPr>
+          <a:xfrm>
+            <a:off x="824372" y="2492447"/>
+            <a:ext cx="1552397" cy="469922"/>
+            <a:chOff x="2719572" y="1536945"/>
+            <a:chExt cx="1289076" cy="305400"/>
+          </a:xfrm>
+        </p:grpSpPr>
+        <p:cxnSp>
+          <p:nvCxnSpPr>
+            <p:cNvPr id="70" name="Gerade Verbindung mit Pfeil 69">
+              <a:extLst>
+                <a:ext uri="{FF2B5EF4-FFF2-40B4-BE49-F238E27FC236}">
+                  <a16:creationId xmlns:a16="http://schemas.microsoft.com/office/drawing/2014/main" id="{D23DFB83-B73D-C907-0AC1-ED4C7C243527}"/>
+                </a:ext>
+              </a:extLst>
+            </p:cNvPr>
+            <p:cNvCxnSpPr>
+              <a:cxnSpLocks/>
+            </p:cNvCxnSpPr>
+            <p:nvPr/>
+          </p:nvCxnSpPr>
+          <p:spPr>
+            <a:xfrm flipH="1">
+              <a:off x="2719572" y="1536945"/>
+              <a:ext cx="639486" cy="305400"/>
+            </a:xfrm>
+            <a:prstGeom prst="straightConnector1">
+              <a:avLst/>
+            </a:prstGeom>
+            <a:ln>
+              <a:solidFill>
+                <a:schemeClr val="tx1"/>
+              </a:solidFill>
+              <a:tailEnd type="triangle"/>
+            </a:ln>
+          </p:spPr>
+          <p:style>
+            <a:lnRef idx="1">
+              <a:schemeClr val="accent1"/>
+            </a:lnRef>
+            <a:fillRef idx="0">
+              <a:schemeClr val="accent1"/>
+            </a:fillRef>
+            <a:effectRef idx="0">
+              <a:schemeClr val="accent1"/>
+            </a:effectRef>
+            <a:fontRef idx="minor">
+              <a:schemeClr val="tx1"/>
+            </a:fontRef>
+          </p:style>
+        </p:cxnSp>
+        <p:cxnSp>
+          <p:nvCxnSpPr>
+            <p:cNvPr id="71" name="Gerade Verbindung mit Pfeil 70">
+              <a:extLst>
+                <a:ext uri="{FF2B5EF4-FFF2-40B4-BE49-F238E27FC236}">
+                  <a16:creationId xmlns:a16="http://schemas.microsoft.com/office/drawing/2014/main" id="{B79EDE03-9D5A-4CBD-8BEB-F9F52F0AADD2}"/>
+                </a:ext>
+              </a:extLst>
+            </p:cNvPr>
+            <p:cNvCxnSpPr>
+              <a:cxnSpLocks/>
+            </p:cNvCxnSpPr>
+            <p:nvPr/>
+          </p:nvCxnSpPr>
+          <p:spPr>
+            <a:xfrm>
+              <a:off x="3359058" y="1536945"/>
+              <a:ext cx="649590" cy="305400"/>
+            </a:xfrm>
+            <a:prstGeom prst="straightConnector1">
+              <a:avLst/>
+            </a:prstGeom>
+            <a:ln>
+              <a:solidFill>
+                <a:schemeClr val="tx1"/>
+              </a:solidFill>
+              <a:tailEnd type="triangle"/>
+            </a:ln>
+          </p:spPr>
+          <p:style>
+            <a:lnRef idx="1">
+              <a:schemeClr val="accent1"/>
+            </a:lnRef>
+            <a:fillRef idx="0">
+              <a:schemeClr val="accent1"/>
+            </a:fillRef>
+            <a:effectRef idx="0">
+              <a:schemeClr val="accent1"/>
+            </a:effectRef>
+            <a:fontRef idx="minor">
+              <a:schemeClr val="tx1"/>
+            </a:fontRef>
+          </p:style>
+        </p:cxnSp>
+      </p:grpSp>
+      <mc:AlternateContent xmlns:mc="http://schemas.openxmlformats.org/markup-compatibility/2006">
+        <mc:Choice xmlns:a14="http://schemas.microsoft.com/office/drawing/2010/main" Requires="a14">
+          <p:sp>
+            <p:nvSpPr>
+              <p:cNvPr id="82" name="Textfeld 81">
+                <a:extLst>
+                  <a:ext uri="{FF2B5EF4-FFF2-40B4-BE49-F238E27FC236}">
+                    <a16:creationId xmlns:a16="http://schemas.microsoft.com/office/drawing/2014/main" id="{74CB43FD-F472-800C-0BC9-D288FF8733B0}"/>
+                  </a:ext>
+                </a:extLst>
+              </p:cNvPr>
+              <p:cNvSpPr txBox="1"/>
+              <p:nvPr/>
+            </p:nvSpPr>
+            <p:spPr>
+              <a:xfrm>
+                <a:off x="5037088" y="3113051"/>
+                <a:ext cx="2338425" cy="276999"/>
+              </a:xfrm>
+              <a:prstGeom prst="rect">
+                <a:avLst/>
+              </a:prstGeom>
+              <a:noFill/>
+              <a:ln w="12700">
+                <a:solidFill>
+                  <a:schemeClr val="accent1">
+                    <a:lumMod val="40000"/>
+                    <a:lumOff val="60000"/>
+                  </a:schemeClr>
+                </a:solidFill>
+              </a:ln>
+            </p:spPr>
+            <p:txBody>
+              <a:bodyPr wrap="square">
+                <a:spAutoFit/>
+              </a:bodyPr>
+              <a:lstStyle/>
+              <a:p>
+                <a:pPr algn="ctr"/>
+                <a14:m>
+                  <m:oMathPara xmlns:m="http://schemas.openxmlformats.org/officeDocument/2006/math">
+                    <m:oMathParaPr>
+                      <m:jc m:val="centerGroup"/>
+                    </m:oMathParaPr>
+                    <m:oMath xmlns:m="http://schemas.openxmlformats.org/officeDocument/2006/math">
+                      <m:r>
+                        <a:rPr lang="en-GB" sz="1200" i="1">
+                          <a:latin typeface="Cambria Math" panose="02040503050406030204" pitchFamily="18" charset="0"/>
+                          <a:ea typeface="Cambria Math" panose="02040503050406030204" pitchFamily="18" charset="0"/>
+                        </a:rPr>
+                        <m:t>𝑝</m:t>
+                      </m:r>
+                      <m:r>
+                        <a:rPr lang="en-GB" sz="1200" i="1">
+                          <a:latin typeface="Cambria Math" panose="02040503050406030204" pitchFamily="18" charset="0"/>
+                          <a:ea typeface="Cambria Math" panose="02040503050406030204" pitchFamily="18" charset="0"/>
+                        </a:rPr>
+                        <m:t>&lt;</m:t>
+                      </m:r>
+                      <m:r>
+                        <a:rPr lang="en-GB" sz="1200" i="1">
+                          <a:latin typeface="Cambria Math" panose="02040503050406030204" pitchFamily="18" charset="0"/>
+                          <a:ea typeface="Cambria Math" panose="02040503050406030204" pitchFamily="18" charset="0"/>
+                        </a:rPr>
+                        <m:t>𝛼</m:t>
+                      </m:r>
+                    </m:oMath>
+                  </m:oMathPara>
+                </a14:m>
+                <a:endParaRPr lang="en-GB" sz="1200" noProof="0" dirty="0">
+                  <a:latin typeface="Calibri" panose="020F0502020204030204" pitchFamily="34" charset="0"/>
+                  <a:ea typeface="Cambria Math" panose="02040503050406030204" pitchFamily="18" charset="0"/>
+                  <a:cs typeface="Calibri" panose="020F0502020204030204" pitchFamily="34" charset="0"/>
+                </a:endParaRPr>
+              </a:p>
+            </p:txBody>
+          </p:sp>
+        </mc:Choice>
+        <mc:Fallback>
+          <p:sp>
+            <p:nvSpPr>
+              <p:cNvPr id="82" name="Textfeld 81">
+                <a:extLst>
+                  <a:ext uri="{FF2B5EF4-FFF2-40B4-BE49-F238E27FC236}">
+                    <a16:creationId xmlns:a16="http://schemas.microsoft.com/office/drawing/2014/main" id="{74CB43FD-F472-800C-0BC9-D288FF8733B0}"/>
+                  </a:ext>
+                </a:extLst>
+              </p:cNvPr>
+              <p:cNvSpPr txBox="1">
+                <a:spLocks noRot="1" noChangeAspect="1" noMove="1" noResize="1" noEditPoints="1" noAdjustHandles="1" noChangeArrowheads="1" noChangeShapeType="1" noTextEdit="1"/>
+              </p:cNvSpPr>
+              <p:nvPr/>
+            </p:nvSpPr>
+            <p:spPr>
+              <a:xfrm>
+                <a:off x="5037088" y="3113051"/>
+                <a:ext cx="2338425" cy="276999"/>
+              </a:xfrm>
+              <a:prstGeom prst="rect">
+                <a:avLst/>
+              </a:prstGeom>
+              <a:blipFill>
+                <a:blip r:embed="rId12"/>
+                <a:stretch>
+                  <a:fillRect/>
+                </a:stretch>
+              </a:blipFill>
+              <a:ln w="12700">
+                <a:solidFill>
+                  <a:schemeClr val="accent1">
+                    <a:lumMod val="40000"/>
+                    <a:lumOff val="60000"/>
+                  </a:schemeClr>
+                </a:solidFill>
+              </a:ln>
+            </p:spPr>
+            <p:txBody>
+              <a:bodyPr/>
+              <a:lstStyle/>
+              <a:p>
+                <a:r>
+                  <a:rPr lang="de-DE">
+                    <a:noFill/>
+                  </a:rPr>
+                  <a:t> </a:t>
+                </a:r>
+              </a:p>
+            </p:txBody>
+          </p:sp>
+        </mc:Fallback>
+      </mc:AlternateContent>
+      <mc:AlternateContent xmlns:mc="http://schemas.openxmlformats.org/markup-compatibility/2006">
+        <mc:Choice xmlns:a14="http://schemas.microsoft.com/office/drawing/2010/main" Requires="a14">
+          <p:sp>
+            <p:nvSpPr>
+              <p:cNvPr id="88" name="Textfeld 87">
+                <a:extLst>
+                  <a:ext uri="{FF2B5EF4-FFF2-40B4-BE49-F238E27FC236}">
+                    <a16:creationId xmlns:a16="http://schemas.microsoft.com/office/drawing/2014/main" id="{436DE9B5-559B-6581-9440-FF83D251A495}"/>
+                  </a:ext>
+                </a:extLst>
+              </p:cNvPr>
+              <p:cNvSpPr txBox="1"/>
+              <p:nvPr/>
+            </p:nvSpPr>
+            <p:spPr>
+              <a:xfrm>
+                <a:off x="7588434" y="3100255"/>
+                <a:ext cx="2805646" cy="276999"/>
+              </a:xfrm>
+              <a:prstGeom prst="rect">
+                <a:avLst/>
+              </a:prstGeom>
+              <a:noFill/>
+              <a:ln w="12700">
+                <a:solidFill>
+                  <a:schemeClr val="accent1">
+                    <a:lumMod val="40000"/>
+                    <a:lumOff val="60000"/>
+                  </a:schemeClr>
+                </a:solidFill>
+              </a:ln>
+            </p:spPr>
+            <p:txBody>
+              <a:bodyPr wrap="square">
+                <a:spAutoFit/>
+              </a:bodyPr>
+              <a:lstStyle/>
+              <a:p>
+                <a:pPr algn="ctr"/>
+                <a14:m>
+                  <m:oMathPara xmlns:m="http://schemas.openxmlformats.org/officeDocument/2006/math">
+                    <m:oMathParaPr>
+                      <m:jc m:val="centerGroup"/>
+                    </m:oMathParaPr>
+                    <m:oMath xmlns:m="http://schemas.openxmlformats.org/officeDocument/2006/math">
+                      <m:r>
+                        <a:rPr lang="en-GB" sz="1200" b="0" i="1" noProof="0" smtClean="0">
+                          <a:latin typeface="Cambria Math" panose="02040503050406030204" pitchFamily="18" charset="0"/>
+                          <a:ea typeface="Cambria Math" panose="02040503050406030204" pitchFamily="18" charset="0"/>
+                        </a:rPr>
+                        <m:t>𝑝</m:t>
+                      </m:r>
+                      <m:r>
+                        <a:rPr lang="en-GB" sz="1200" b="0" i="1" noProof="0" smtClean="0">
+                          <a:latin typeface="Cambria Math" panose="02040503050406030204" pitchFamily="18" charset="0"/>
+                          <a:ea typeface="Cambria Math" panose="02040503050406030204" pitchFamily="18" charset="0"/>
+                        </a:rPr>
+                        <m:t>≥</m:t>
+                      </m:r>
+                      <m:r>
+                        <a:rPr lang="en-GB" sz="1200" b="0" i="1" noProof="0" smtClean="0">
+                          <a:latin typeface="Cambria Math" panose="02040503050406030204" pitchFamily="18" charset="0"/>
+                          <a:ea typeface="Cambria Math" panose="02040503050406030204" pitchFamily="18" charset="0"/>
+                        </a:rPr>
+                        <m:t>𝛼</m:t>
+                      </m:r>
+                    </m:oMath>
+                  </m:oMathPara>
+                </a14:m>
+                <a:endParaRPr lang="en-GB" sz="1200" noProof="0" dirty="0">
+                  <a:latin typeface="Calibri" panose="020F0502020204030204" pitchFamily="34" charset="0"/>
+                  <a:ea typeface="Cambria Math" panose="02040503050406030204" pitchFamily="18" charset="0"/>
+                  <a:cs typeface="Calibri" panose="020F0502020204030204" pitchFamily="34" charset="0"/>
+                </a:endParaRPr>
+              </a:p>
+            </p:txBody>
+          </p:sp>
+        </mc:Choice>
+        <mc:Fallback>
+          <p:sp>
+            <p:nvSpPr>
+              <p:cNvPr id="88" name="Textfeld 87">
+                <a:extLst>
+                  <a:ext uri="{FF2B5EF4-FFF2-40B4-BE49-F238E27FC236}">
+                    <a16:creationId xmlns:a16="http://schemas.microsoft.com/office/drawing/2014/main" id="{436DE9B5-559B-6581-9440-FF83D251A495}"/>
+                  </a:ext>
+                </a:extLst>
+              </p:cNvPr>
+              <p:cNvSpPr txBox="1">
+                <a:spLocks noRot="1" noChangeAspect="1" noMove="1" noResize="1" noEditPoints="1" noAdjustHandles="1" noChangeArrowheads="1" noChangeShapeType="1" noTextEdit="1"/>
+              </p:cNvSpPr>
+              <p:nvPr/>
+            </p:nvSpPr>
+            <p:spPr>
+              <a:xfrm>
+                <a:off x="7588434" y="3100255"/>
+                <a:ext cx="2805646" cy="276999"/>
+              </a:xfrm>
+              <a:prstGeom prst="rect">
+                <a:avLst/>
+              </a:prstGeom>
+              <a:blipFill>
+                <a:blip r:embed="rId13"/>
+                <a:stretch>
+                  <a:fillRect/>
+                </a:stretch>
+              </a:blipFill>
+              <a:ln w="12700">
+                <a:solidFill>
+                  <a:schemeClr val="accent1">
+                    <a:lumMod val="40000"/>
+                    <a:lumOff val="60000"/>
+                  </a:schemeClr>
+                </a:solidFill>
+              </a:ln>
+            </p:spPr>
+            <p:txBody>
+              <a:bodyPr/>
+              <a:lstStyle/>
+              <a:p>
+                <a:r>
+                  <a:rPr lang="de-DE">
+                    <a:noFill/>
+                  </a:rPr>
+                  <a:t> </a:t>
+                </a:r>
+              </a:p>
+            </p:txBody>
+          </p:sp>
+        </mc:Fallback>
+      </mc:AlternateContent>
+      <p:sp>
+        <p:nvSpPr>
+          <p:cNvPr id="4" name="Textfeld 3">
+            <a:extLst>
+              <a:ext uri="{FF2B5EF4-FFF2-40B4-BE49-F238E27FC236}">
+                <a16:creationId xmlns:a16="http://schemas.microsoft.com/office/drawing/2014/main" id="{55D4BC46-7BBE-D3F9-BDA9-AF61B5CB9651}"/>
+              </a:ext>
+            </a:extLst>
+          </p:cNvPr>
+          <p:cNvSpPr txBox="1"/>
+          <p:nvPr/>
+        </p:nvSpPr>
+        <p:spPr>
+          <a:xfrm>
+            <a:off x="10463276" y="5446449"/>
+            <a:ext cx="1586791" cy="276999"/>
+          </a:xfrm>
+          <a:prstGeom prst="rect">
+            <a:avLst/>
+          </a:prstGeom>
+          <a:solidFill>
+            <a:schemeClr val="bg2">
+              <a:lumMod val="90000"/>
+            </a:schemeClr>
+          </a:solidFill>
+          <a:ln w="12700">
+            <a:solidFill>
+              <a:schemeClr val="bg2">
+                <a:lumMod val="90000"/>
+              </a:schemeClr>
+            </a:solidFill>
+          </a:ln>
+        </p:spPr>
+        <p:txBody>
+          <a:bodyPr wrap="square">
+            <a:spAutoFit/>
+          </a:bodyPr>
+          <a:lstStyle>
+            <a:defPPr>
+              <a:defRPr lang="de-DE"/>
+            </a:defPPr>
+            <a:lvl1pPr algn="ctr">
+              <a:defRPr sz="1200"/>
+            </a:lvl1pPr>
+          </a:lstStyle>
+          <a:p>
+            <a:r>
+              <a:rPr lang="en-GB" noProof="0" dirty="0">
+                <a:latin typeface="Calibri" panose="020F0502020204030204" pitchFamily="34" charset="0"/>
+                <a:ea typeface="Cambria Math" panose="02040503050406030204" pitchFamily="18" charset="0"/>
+                <a:cs typeface="Calibri" panose="020F0502020204030204" pitchFamily="34" charset="0"/>
+              </a:rPr>
+              <a:t>Post-hoc test </a:t>
+            </a:r>
+          </a:p>
+        </p:txBody>
+      </p:sp>
+      <mc:AlternateContent xmlns:mc="http://schemas.openxmlformats.org/markup-compatibility/2006" xmlns:a14="http://schemas.microsoft.com/office/drawing/2010/main">
+        <mc:Choice Requires="a14">
+          <p:sp>
+            <p:nvSpPr>
+              <p:cNvPr id="11" name="Textfeld 10">
+                <a:extLst>
+                  <a:ext uri="{FF2B5EF4-FFF2-40B4-BE49-F238E27FC236}">
+                    <a16:creationId xmlns:a16="http://schemas.microsoft.com/office/drawing/2014/main" id="{0671DC0B-98EA-AB7D-65B6-355C18DCDA54}"/>
+                  </a:ext>
+                </a:extLst>
+              </p:cNvPr>
+              <p:cNvSpPr txBox="1"/>
+              <p:nvPr/>
+            </p:nvSpPr>
+            <p:spPr>
+              <a:xfrm>
+                <a:off x="9967683" y="5959220"/>
+                <a:ext cx="2082384" cy="461665"/>
+              </a:xfrm>
+              <a:prstGeom prst="rect">
+                <a:avLst/>
+              </a:prstGeom>
+              <a:noFill/>
+              <a:ln>
+                <a:noFill/>
+              </a:ln>
+            </p:spPr>
+            <p:txBody>
+              <a:bodyPr wrap="square">
+                <a:spAutoFit/>
+              </a:bodyPr>
+              <a:lstStyle/>
+              <a:p>
+                <a14:m>
+                  <m:oMath xmlns:m="http://schemas.openxmlformats.org/officeDocument/2006/math">
+                    <m:r>
+                      <a:rPr lang="en-GB" sz="1200" i="1" noProof="0" smtClean="0">
+                        <a:latin typeface="Cambria Math" panose="02040503050406030204" pitchFamily="18" charset="0"/>
+                        <a:ea typeface="Cambria Math" panose="02040503050406030204" pitchFamily="18" charset="0"/>
+                      </a:rPr>
+                      <m:t>𝛼</m:t>
+                    </m:r>
+                    <m:r>
+                      <a:rPr lang="en-GB" sz="1200" b="0" i="1" noProof="0" smtClean="0">
+                        <a:latin typeface="Cambria Math" panose="02040503050406030204" pitchFamily="18" charset="0"/>
+                        <a:ea typeface="Cambria Math" panose="02040503050406030204" pitchFamily="18" charset="0"/>
+                      </a:rPr>
+                      <m:t>=1−</m:t>
+                    </m:r>
+                  </m:oMath>
+                </a14:m>
+                <a:r>
+                  <a:rPr lang="en-GB" sz="1200" noProof="0" dirty="0">
+                    <a:latin typeface="Calibri" panose="020F0502020204030204" pitchFamily="34" charset="0"/>
+                    <a:ea typeface="Cambria Math" panose="02040503050406030204" pitchFamily="18" charset="0"/>
+                    <a:cs typeface="Calibri" panose="020F0502020204030204" pitchFamily="34" charset="0"/>
+                  </a:rPr>
+                  <a:t> </a:t>
+                </a:r>
+                <a:r>
+                  <a:rPr lang="en-GB" sz="1200" noProof="0" dirty="0" err="1">
+                    <a:latin typeface="Courier New" panose="02070309020205020404" pitchFamily="49" charset="0"/>
+                    <a:ea typeface="CMU Bright Roman" panose="02000603000000000000" pitchFamily="2" charset="0"/>
+                    <a:cs typeface="Courier New" panose="02070309020205020404" pitchFamily="49" charset="0"/>
+                  </a:rPr>
+                  <a:t>conf.level</a:t>
+                </a:r>
+                <a:r>
+                  <a:rPr lang="en-GB" sz="800" noProof="0" dirty="0">
+                    <a:latin typeface="CMU Bright Roman" panose="02000603000000000000" pitchFamily="2" charset="0"/>
+                    <a:ea typeface="CMU Bright Roman" panose="02000603000000000000" pitchFamily="2" charset="0"/>
+                    <a:cs typeface="CMU Bright Roman" panose="02000603000000000000" pitchFamily="2" charset="0"/>
+                  </a:rPr>
+                  <a:t> </a:t>
+                </a:r>
+              </a:p>
+              <a:p>
+                <a14:m>
+                  <m:oMath xmlns:m="http://schemas.openxmlformats.org/officeDocument/2006/math">
+                    <m:sSub>
+                      <m:sSubPr>
+                        <m:ctrlPr>
+                          <a:rPr lang="en-GB" sz="1200" i="1" noProof="0" smtClean="0">
+                            <a:latin typeface="Cambria Math" panose="02040503050406030204" pitchFamily="18" charset="0"/>
+                            <a:ea typeface="Cambria Math" panose="02040503050406030204" pitchFamily="18" charset="0"/>
+                          </a:rPr>
+                        </m:ctrlPr>
+                      </m:sSubPr>
+                      <m:e>
+                        <m:r>
+                          <a:rPr lang="en-GB" sz="1200" i="1" noProof="0" smtClean="0">
+                            <a:latin typeface="Cambria Math" panose="02040503050406030204" pitchFamily="18" charset="0"/>
+                            <a:ea typeface="Cambria Math" panose="02040503050406030204" pitchFamily="18" charset="0"/>
+                          </a:rPr>
+                          <m:t>𝑝</m:t>
+                        </m:r>
+                      </m:e>
+                      <m:sub>
+                        <m:r>
+                          <a:rPr lang="en-GB" sz="1200" i="1" noProof="0" smtClean="0">
+                            <a:latin typeface="Cambria Math" panose="02040503050406030204" pitchFamily="18" charset="0"/>
+                            <a:ea typeface="Cambria Math" panose="02040503050406030204" pitchFamily="18" charset="0"/>
+                          </a:rPr>
+                          <m:t>𝑖</m:t>
+                        </m:r>
+                      </m:sub>
+                    </m:sSub>
+                    <m:r>
+                      <a:rPr lang="en-US" sz="1200" b="0" i="0" noProof="0" smtClean="0">
+                        <a:latin typeface="Cambria Math" panose="02040503050406030204" pitchFamily="18" charset="0"/>
+                        <a:ea typeface="Cambria Math" panose="02040503050406030204" pitchFamily="18" charset="0"/>
+                      </a:rPr>
+                      <m:t>=</m:t>
+                    </m:r>
+                  </m:oMath>
+                </a14:m>
+                <a:r>
+                  <a:rPr lang="en-GB" sz="1200" noProof="0" dirty="0">
+                    <a:ea typeface="Cambria Math" panose="02040503050406030204" pitchFamily="18" charset="0"/>
+                  </a:rPr>
+                  <a:t> </a:t>
+                </a:r>
+                <a14:m>
+                  <m:oMath xmlns:m="http://schemas.openxmlformats.org/officeDocument/2006/math">
+                    <m:r>
+                      <a:rPr lang="en-GB" sz="1200" i="1" noProof="0" dirty="0" smtClean="0">
+                        <a:latin typeface="Cambria Math" panose="02040503050406030204" pitchFamily="18" charset="0"/>
+                        <a:ea typeface="Cambria Math" panose="02040503050406030204" pitchFamily="18" charset="0"/>
+                      </a:rPr>
+                      <m:t>𝑝</m:t>
+                    </m:r>
+                  </m:oMath>
+                </a14:m>
+                <a:r>
+                  <a:rPr lang="en-GB" sz="1200" noProof="0" dirty="0">
+                    <a:ea typeface="Cambria Math" panose="02040503050406030204" pitchFamily="18" charset="0"/>
+                  </a:rPr>
+                  <a:t>-value of level </a:t>
+                </a:r>
+                <a14:m>
+                  <m:oMath xmlns:m="http://schemas.openxmlformats.org/officeDocument/2006/math">
+                    <m:r>
+                      <a:rPr lang="en-GB" sz="1200" i="1" noProof="0" smtClean="0">
+                        <a:latin typeface="Cambria Math" panose="02040503050406030204" pitchFamily="18" charset="0"/>
+                        <a:ea typeface="Cambria Math" panose="02040503050406030204" pitchFamily="18" charset="0"/>
+                      </a:rPr>
+                      <m:t>𝑖</m:t>
+                    </m:r>
+                    <m:r>
+                      <a:rPr lang="en-GB" sz="1200" i="1" noProof="0" smtClean="0">
+                        <a:latin typeface="Cambria Math" panose="02040503050406030204" pitchFamily="18" charset="0"/>
+                        <a:ea typeface="Cambria Math" panose="02040503050406030204" pitchFamily="18" charset="0"/>
+                      </a:rPr>
+                      <m:t>,</m:t>
+                    </m:r>
+                  </m:oMath>
+                </a14:m>
+                <a:r>
+                  <a:rPr lang="en-GB" sz="1200" noProof="0" dirty="0">
+                    <a:ea typeface="Cambria Math" panose="02040503050406030204" pitchFamily="18" charset="0"/>
+                  </a:rPr>
+                  <a:t> </a:t>
+                </a:r>
+                <a14:m>
+                  <m:oMath xmlns:m="http://schemas.openxmlformats.org/officeDocument/2006/math">
+                    <m:r>
+                      <a:rPr lang="en-GB" sz="1200" i="1" noProof="0" smtClean="0">
+                        <a:latin typeface="Cambria Math" panose="02040503050406030204" pitchFamily="18" charset="0"/>
+                        <a:ea typeface="Cambria Math" panose="02040503050406030204" pitchFamily="18" charset="0"/>
+                      </a:rPr>
+                      <m:t>𝑖</m:t>
+                    </m:r>
+                    <m:r>
+                      <a:rPr lang="en-GB" sz="1200" i="1" noProof="0" smtClean="0">
+                        <a:latin typeface="Cambria Math" panose="02040503050406030204" pitchFamily="18" charset="0"/>
+                        <a:ea typeface="Cambria Math" panose="02040503050406030204" pitchFamily="18" charset="0"/>
+                      </a:rPr>
+                      <m:t>=1,2</m:t>
+                    </m:r>
+                  </m:oMath>
+                </a14:m>
+                <a:endParaRPr lang="en-GB" sz="1200" noProof="0" dirty="0">
+                  <a:latin typeface="CMU Bright Roman" panose="02000603000000000000" pitchFamily="2" charset="0"/>
+                  <a:ea typeface="CMU Bright Roman" panose="02000603000000000000" pitchFamily="2" charset="0"/>
+                  <a:cs typeface="CMU Bright Roman" panose="02000603000000000000" pitchFamily="2" charset="0"/>
+                </a:endParaRPr>
+              </a:p>
+            </p:txBody>
+          </p:sp>
+        </mc:Choice>
+        <mc:Fallback xmlns="">
+          <p:sp>
+            <p:nvSpPr>
+              <p:cNvPr id="11" name="Textfeld 10">
+                <a:extLst>
+                  <a:ext uri="{FF2B5EF4-FFF2-40B4-BE49-F238E27FC236}">
+                    <a16:creationId xmlns:a16="http://schemas.microsoft.com/office/drawing/2014/main" id="{BEADCB87-2FE2-B735-89A2-59CFEE3B9378}"/>
+                  </a:ext>
+                </a:extLst>
+              </p:cNvPr>
+              <p:cNvSpPr txBox="1">
+                <a:spLocks noRot="1" noChangeAspect="1" noMove="1" noResize="1" noEditPoints="1" noAdjustHandles="1" noChangeArrowheads="1" noChangeShapeType="1" noTextEdit="1"/>
+              </p:cNvSpPr>
+              <p:nvPr/>
+            </p:nvSpPr>
+            <p:spPr>
+              <a:xfrm>
+                <a:off x="9967683" y="5959220"/>
+                <a:ext cx="2082384" cy="461665"/>
+              </a:xfrm>
+              <a:prstGeom prst="rect">
+                <a:avLst/>
+              </a:prstGeom>
+              <a:blipFill>
+                <a:blip r:embed="rId18"/>
+                <a:stretch>
+                  <a:fillRect t="-2703" b="-10811"/>
+                </a:stretch>
+              </a:blipFill>
+              <a:ln>
+                <a:noFill/>
+              </a:ln>
+            </p:spPr>
+            <p:txBody>
+              <a:bodyPr/>
+              <a:lstStyle/>
+              <a:p>
+                <a:r>
+                  <a:rPr lang="de-DE">
+                    <a:noFill/>
+                  </a:rPr>
+                  <a:t> </a:t>
+                </a:r>
+              </a:p>
+            </p:txBody>
+          </p:sp>
+        </mc:Fallback>
+      </mc:AlternateContent>
+      <p:sp>
+        <p:nvSpPr>
+          <p:cNvPr id="149" name="Textfeld 148">
+            <a:extLst>
+              <a:ext uri="{FF2B5EF4-FFF2-40B4-BE49-F238E27FC236}">
+                <a16:creationId xmlns:a16="http://schemas.microsoft.com/office/drawing/2014/main" id="{CE1FEDEC-B92D-BD7A-7726-0F1EC8EF7C1A}"/>
+              </a:ext>
+            </a:extLst>
+          </p:cNvPr>
+          <p:cNvSpPr txBox="1"/>
+          <p:nvPr/>
+        </p:nvSpPr>
+        <p:spPr>
+          <a:xfrm>
+            <a:off x="10463276" y="4951684"/>
+            <a:ext cx="1618427" cy="276999"/>
+          </a:xfrm>
+          <a:prstGeom prst="rect">
+            <a:avLst/>
+          </a:prstGeom>
+          <a:noFill/>
+          <a:ln w="12700">
+            <a:solidFill>
+              <a:schemeClr val="bg2">
+                <a:lumMod val="90000"/>
+              </a:schemeClr>
+            </a:solidFill>
+          </a:ln>
+        </p:spPr>
+        <p:txBody>
+          <a:bodyPr wrap="square">
+            <a:spAutoFit/>
+          </a:bodyPr>
+          <a:lstStyle>
+            <a:defPPr>
+              <a:defRPr lang="de-DE"/>
+            </a:defPPr>
+            <a:lvl1pPr algn="ctr">
+              <a:defRPr sz="1200"/>
+            </a:lvl1pPr>
+          </a:lstStyle>
+          <a:p>
+            <a:r>
+              <a:rPr lang="en-GB" noProof="0" dirty="0">
+                <a:latin typeface="Calibri" panose="020F0502020204030204" pitchFamily="34" charset="0"/>
+                <a:ea typeface="Cambria Math" panose="02040503050406030204" pitchFamily="18" charset="0"/>
+                <a:cs typeface="Calibri" panose="020F0502020204030204" pitchFamily="34" charset="0"/>
+              </a:rPr>
+              <a:t>Final test selected </a:t>
+            </a:r>
+          </a:p>
+        </p:txBody>
+      </p:sp>
+      <p:sp>
+        <p:nvSpPr>
+          <p:cNvPr id="159" name="Textfeld 158">
+            <a:extLst>
+              <a:ext uri="{FF2B5EF4-FFF2-40B4-BE49-F238E27FC236}">
+                <a16:creationId xmlns:a16="http://schemas.microsoft.com/office/drawing/2014/main" id="{85EC3D29-68E2-17B6-1748-38B8CC7178F0}"/>
+              </a:ext>
+            </a:extLst>
+          </p:cNvPr>
+          <p:cNvSpPr txBox="1"/>
+          <p:nvPr/>
+        </p:nvSpPr>
+        <p:spPr>
+          <a:xfrm>
+            <a:off x="10463276" y="3876297"/>
+            <a:ext cx="1618761" cy="276999"/>
+          </a:xfrm>
+          <a:prstGeom prst="rect">
+            <a:avLst/>
+          </a:prstGeom>
+          <a:solidFill>
+            <a:schemeClr val="accent6">
+              <a:lumMod val="20000"/>
+              <a:lumOff val="80000"/>
+            </a:schemeClr>
+          </a:solidFill>
+          <a:ln w="12700">
+            <a:solidFill>
+              <a:schemeClr val="accent1">
+                <a:lumMod val="20000"/>
+                <a:lumOff val="80000"/>
+              </a:schemeClr>
+            </a:solidFill>
+          </a:ln>
+        </p:spPr>
+        <p:txBody>
+          <a:bodyPr wrap="square">
+            <a:spAutoFit/>
+          </a:bodyPr>
+          <a:lstStyle>
+            <a:defPPr>
+              <a:defRPr lang="de-DE"/>
+            </a:defPPr>
+            <a:lvl1pPr algn="ctr">
+              <a:defRPr sz="1200"/>
+            </a:lvl1pPr>
+          </a:lstStyle>
+          <a:p>
+            <a:r>
+              <a:rPr lang="en-GB" dirty="0">
+                <a:latin typeface="Calibri" panose="020F0502020204030204" pitchFamily="34" charset="0"/>
+                <a:ea typeface="Cambria Math" panose="02040503050406030204" pitchFamily="18" charset="0"/>
+                <a:cs typeface="Calibri" panose="020F0502020204030204" pitchFamily="34" charset="0"/>
+              </a:rPr>
+              <a:t>C</a:t>
+            </a:r>
+            <a:r>
+              <a:rPr lang="en-GB" noProof="0" dirty="0">
+                <a:latin typeface="Calibri" panose="020F0502020204030204" pitchFamily="34" charset="0"/>
+                <a:ea typeface="Cambria Math" panose="02040503050406030204" pitchFamily="18" charset="0"/>
+                <a:cs typeface="Calibri" panose="020F0502020204030204" pitchFamily="34" charset="0"/>
+              </a:rPr>
+              <a:t>heck </a:t>
+            </a:r>
+            <a:r>
+              <a:rPr lang="en-GB" noProof="0" dirty="0" err="1">
+                <a:latin typeface="Calibri" panose="020F0502020204030204" pitchFamily="34" charset="0"/>
+                <a:ea typeface="Cambria Math" panose="02040503050406030204" pitchFamily="18" charset="0"/>
+                <a:cs typeface="Calibri" panose="020F0502020204030204" pitchFamily="34" charset="0"/>
+              </a:rPr>
+              <a:t>homoscedacity</a:t>
+            </a:r>
+            <a:r>
+              <a:rPr lang="en-GB" noProof="0" dirty="0">
+                <a:latin typeface="Calibri" panose="020F0502020204030204" pitchFamily="34" charset="0"/>
+                <a:ea typeface="Cambria Math" panose="02040503050406030204" pitchFamily="18" charset="0"/>
+                <a:cs typeface="Calibri" panose="020F0502020204030204" pitchFamily="34" charset="0"/>
+              </a:rPr>
+              <a:t> </a:t>
+            </a:r>
+          </a:p>
+        </p:txBody>
+      </p:sp>
+      <p:cxnSp>
+        <p:nvCxnSpPr>
+          <p:cNvPr id="182" name="Gewinkelte Verbindung 181">
+            <a:extLst>
+              <a:ext uri="{FF2B5EF4-FFF2-40B4-BE49-F238E27FC236}">
+                <a16:creationId xmlns:a16="http://schemas.microsoft.com/office/drawing/2014/main" id="{5A11CD97-F054-F225-1DBF-67EFA6F48542}"/>
+              </a:ext>
+            </a:extLst>
+          </p:cNvPr>
+          <p:cNvCxnSpPr>
+            <a:cxnSpLocks/>
+            <a:stCxn id="7" idx="1"/>
+            <a:endCxn id="8" idx="0"/>
+          </p:cNvCxnSpPr>
+          <p:nvPr/>
+        </p:nvCxnSpPr>
+        <p:spPr>
+          <a:xfrm rot="10800000" flipV="1">
+            <a:off x="2519994" y="499147"/>
+            <a:ext cx="1462504" cy="333639"/>
+          </a:xfrm>
+          <a:prstGeom prst="bentConnector2">
+            <a:avLst/>
+          </a:prstGeom>
+          <a:ln>
+            <a:solidFill>
+              <a:schemeClr val="tx1"/>
+            </a:solidFill>
+            <a:tailEnd type="triangle"/>
+          </a:ln>
+        </p:spPr>
+        <p:style>
+          <a:lnRef idx="1">
+            <a:schemeClr val="accent1"/>
+          </a:lnRef>
+          <a:fillRef idx="0">
+            <a:schemeClr val="accent1"/>
+          </a:fillRef>
+          <a:effectRef idx="0">
+            <a:schemeClr val="accent1"/>
+          </a:effectRef>
+          <a:fontRef idx="minor">
+            <a:schemeClr val="tx1"/>
+          </a:fontRef>
+        </p:style>
+      </p:cxnSp>
+      <p:cxnSp>
+        <p:nvCxnSpPr>
+          <p:cNvPr id="185" name="Gewinkelte Verbindung 184">
+            <a:extLst>
+              <a:ext uri="{FF2B5EF4-FFF2-40B4-BE49-F238E27FC236}">
+                <a16:creationId xmlns:a16="http://schemas.microsoft.com/office/drawing/2014/main" id="{4B0BA790-441F-6198-AE12-BC42FC48AE9A}"/>
+              </a:ext>
+            </a:extLst>
+          </p:cNvPr>
+          <p:cNvCxnSpPr>
+            <a:cxnSpLocks/>
+            <a:stCxn id="7" idx="3"/>
+          </p:cNvCxnSpPr>
+          <p:nvPr/>
+        </p:nvCxnSpPr>
+        <p:spPr>
+          <a:xfrm>
+            <a:off x="8287643" y="499148"/>
+            <a:ext cx="1512594" cy="334194"/>
+          </a:xfrm>
+          <a:prstGeom prst="bentConnector3">
+            <a:avLst>
+              <a:gd name="adj1" fmla="val 101482"/>
+            </a:avLst>
+          </a:prstGeom>
+          <a:ln>
+            <a:tailEnd type="triangle"/>
+          </a:ln>
+        </p:spPr>
+        <p:style>
+          <a:lnRef idx="1">
+            <a:schemeClr val="accent1"/>
+          </a:lnRef>
+          <a:fillRef idx="0">
+            <a:schemeClr val="accent1"/>
+          </a:fillRef>
+          <a:effectRef idx="0">
+            <a:schemeClr val="accent1"/>
+          </a:effectRef>
+          <a:fontRef idx="minor">
+            <a:schemeClr val="tx1"/>
+          </a:fontRef>
+        </p:style>
+      </p:cxnSp>
+      <p:cxnSp>
+        <p:nvCxnSpPr>
+          <p:cNvPr id="320" name="Gerade Verbindung mit Pfeil 319">
+            <a:extLst>
+              <a:ext uri="{FF2B5EF4-FFF2-40B4-BE49-F238E27FC236}">
+                <a16:creationId xmlns:a16="http://schemas.microsoft.com/office/drawing/2014/main" id="{E12E9B3F-FCC3-612B-5C29-F2F0DE54673F}"/>
+              </a:ext>
+            </a:extLst>
+          </p:cNvPr>
+          <p:cNvCxnSpPr>
+            <a:cxnSpLocks/>
+          </p:cNvCxnSpPr>
+          <p:nvPr/>
+        </p:nvCxnSpPr>
+        <p:spPr>
+          <a:xfrm>
+            <a:off x="6189491" y="3402561"/>
+            <a:ext cx="0" cy="1510099"/>
+          </a:xfrm>
+          <a:prstGeom prst="straightConnector1">
+            <a:avLst/>
+          </a:prstGeom>
+          <a:ln>
+            <a:tailEnd type="triangle"/>
+          </a:ln>
+        </p:spPr>
+        <p:style>
+          <a:lnRef idx="1">
+            <a:schemeClr val="accent1"/>
+          </a:lnRef>
+          <a:fillRef idx="0">
+            <a:schemeClr val="accent1"/>
+          </a:fillRef>
+          <a:effectRef idx="0">
+            <a:schemeClr val="accent1"/>
+          </a:effectRef>
+          <a:fontRef idx="minor">
+            <a:schemeClr val="tx1"/>
+          </a:fontRef>
+        </p:style>
+      </p:cxnSp>
+      <p:cxnSp>
+        <p:nvCxnSpPr>
+          <p:cNvPr id="363" name="Gerade Verbindung mit Pfeil 362">
+            <a:extLst>
+              <a:ext uri="{FF2B5EF4-FFF2-40B4-BE49-F238E27FC236}">
+                <a16:creationId xmlns:a16="http://schemas.microsoft.com/office/drawing/2014/main" id="{EBAAC66C-8BED-EAAE-1149-6326C2446004}"/>
+              </a:ext>
+            </a:extLst>
+          </p:cNvPr>
+          <p:cNvCxnSpPr>
+            <a:cxnSpLocks/>
+            <a:stCxn id="19" idx="2"/>
+          </p:cNvCxnSpPr>
+          <p:nvPr/>
+        </p:nvCxnSpPr>
+        <p:spPr>
+          <a:xfrm>
+            <a:off x="2502316" y="3280779"/>
+            <a:ext cx="0" cy="1670905"/>
+          </a:xfrm>
+          <a:prstGeom prst="straightConnector1">
+            <a:avLst/>
+          </a:prstGeom>
+          <a:ln>
+            <a:solidFill>
+              <a:schemeClr val="tx1"/>
+            </a:solidFill>
+            <a:tailEnd type="triangle"/>
+          </a:ln>
+        </p:spPr>
+        <p:style>
+          <a:lnRef idx="1">
+            <a:schemeClr val="accent1"/>
+          </a:lnRef>
+          <a:fillRef idx="0">
+            <a:schemeClr val="accent1"/>
+          </a:fillRef>
+          <a:effectRef idx="0">
+            <a:schemeClr val="accent1"/>
+          </a:effectRef>
+          <a:fontRef idx="minor">
+            <a:schemeClr val="tx1"/>
+          </a:fontRef>
+        </p:style>
+      </p:cxnSp>
+      <p:sp>
+        <p:nvSpPr>
+          <p:cNvPr id="5" name="Textfeld 4">
+            <a:extLst>
+              <a:ext uri="{FF2B5EF4-FFF2-40B4-BE49-F238E27FC236}">
+                <a16:creationId xmlns:a16="http://schemas.microsoft.com/office/drawing/2014/main" id="{8478B313-8FA0-6417-6650-04F8FE543C2B}"/>
+              </a:ext>
+            </a:extLst>
+          </p:cNvPr>
+          <p:cNvSpPr txBox="1"/>
+          <p:nvPr/>
+        </p:nvSpPr>
+        <p:spPr>
+          <a:xfrm>
+            <a:off x="305981" y="6396835"/>
+            <a:ext cx="1868481" cy="281831"/>
+          </a:xfrm>
+          <a:prstGeom prst="rect">
+            <a:avLst/>
+          </a:prstGeom>
+          <a:solidFill>
+            <a:schemeClr val="accent1">
+              <a:lumMod val="40000"/>
+              <a:lumOff val="60000"/>
+            </a:schemeClr>
+          </a:solidFill>
+          <a:ln w="12700">
+            <a:noFill/>
+          </a:ln>
+        </p:spPr>
+        <p:txBody>
+          <a:bodyPr wrap="square">
+            <a:spAutoFit/>
+          </a:bodyPr>
+          <a:lstStyle>
+            <a:defPPr>
+              <a:defRPr lang="de-DE"/>
+            </a:defPPr>
+            <a:lvl1pPr algn="ctr">
+              <a:defRPr sz="1200"/>
+            </a:lvl1pPr>
+          </a:lstStyle>
+          <a:p>
+            <a:r>
+              <a:rPr lang="en-GB" noProof="0" dirty="0">
+                <a:latin typeface="Calibri" panose="020F0502020204030204" pitchFamily="34" charset="0"/>
+                <a:ea typeface="Cambria Math" panose="02040503050406030204" pitchFamily="18" charset="0"/>
+                <a:cs typeface="Calibri" panose="020F0502020204030204" pitchFamily="34" charset="0"/>
+              </a:rPr>
+              <a:t>non-parametric tests </a:t>
+            </a:r>
+          </a:p>
+        </p:txBody>
+      </p:sp>
+      <p:sp>
+        <p:nvSpPr>
+          <p:cNvPr id="148" name="Textfeld 147">
+            <a:extLst>
+              <a:ext uri="{FF2B5EF4-FFF2-40B4-BE49-F238E27FC236}">
+                <a16:creationId xmlns:a16="http://schemas.microsoft.com/office/drawing/2014/main" id="{CD7AC8B7-7B80-A6EF-01DF-E98D1A1C4D0A}"/>
+              </a:ext>
+            </a:extLst>
+          </p:cNvPr>
+          <p:cNvSpPr txBox="1"/>
+          <p:nvPr/>
+        </p:nvSpPr>
+        <p:spPr>
+          <a:xfrm>
+            <a:off x="305981" y="5974839"/>
+            <a:ext cx="1859022" cy="281831"/>
+          </a:xfrm>
+          <a:prstGeom prst="rect">
+            <a:avLst/>
+          </a:prstGeom>
+          <a:solidFill>
+            <a:schemeClr val="accent4">
+              <a:alpha val="19758"/>
+            </a:schemeClr>
+          </a:solidFill>
+          <a:ln w="12700">
+            <a:noFill/>
+          </a:ln>
+        </p:spPr>
+        <p:txBody>
+          <a:bodyPr wrap="square">
+            <a:spAutoFit/>
+          </a:bodyPr>
+          <a:lstStyle/>
+          <a:p>
+            <a:pPr algn="ctr"/>
+            <a:r>
+              <a:rPr lang="en-GB" sz="1200" noProof="0" dirty="0">
+                <a:latin typeface="Calibri" panose="020F0502020204030204" pitchFamily="34" charset="0"/>
+                <a:ea typeface="Cambria Math" panose="02040503050406030204" pitchFamily="18" charset="0"/>
+                <a:cs typeface="Calibri" panose="020F0502020204030204" pitchFamily="34" charset="0"/>
+              </a:rPr>
+              <a:t>parametric tests</a:t>
+            </a:r>
+          </a:p>
+        </p:txBody>
+      </p:sp>
+      <mc:AlternateContent xmlns:mc="http://schemas.openxmlformats.org/markup-compatibility/2006" xmlns:a14="http://schemas.microsoft.com/office/drawing/2010/main">
+        <mc:Choice Requires="a14">
+          <p:sp>
+            <p:nvSpPr>
+              <p:cNvPr id="467" name="Textfeld 466">
+                <a:extLst>
+                  <a:ext uri="{FF2B5EF4-FFF2-40B4-BE49-F238E27FC236}">
+                    <a16:creationId xmlns:a16="http://schemas.microsoft.com/office/drawing/2014/main" id="{280A40E3-10CB-1273-98D2-08CCB29196B1}"/>
+                  </a:ext>
+                </a:extLst>
+              </p:cNvPr>
+              <p:cNvSpPr txBox="1"/>
+              <p:nvPr/>
+            </p:nvSpPr>
+            <p:spPr>
+              <a:xfrm>
+                <a:off x="2248265" y="5954905"/>
+                <a:ext cx="2538462" cy="281831"/>
+              </a:xfrm>
+              <a:prstGeom prst="rect">
+                <a:avLst/>
+              </a:prstGeom>
+              <a:noFill/>
+              <a:ln w="12700">
+                <a:solidFill>
+                  <a:schemeClr val="tx1"/>
+                </a:solidFill>
+              </a:ln>
+            </p:spPr>
+            <p:txBody>
+              <a:bodyPr wrap="square">
+                <a:spAutoFit/>
+              </a:bodyPr>
+              <a:lstStyle>
+                <a:defPPr>
+                  <a:defRPr lang="de-DE"/>
+                </a:defPPr>
+                <a:lvl1pPr algn="ctr">
+                  <a:defRPr sz="1200"/>
+                </a:lvl1pPr>
+              </a:lstStyle>
+              <a:p>
+                <a:r>
+                  <a:rPr lang="en-GB" dirty="0">
+                    <a:latin typeface="Calibri" panose="020F0502020204030204" pitchFamily="34" charset="0"/>
+                    <a:ea typeface="Cambria Math" panose="02040503050406030204" pitchFamily="18" charset="0"/>
+                    <a:cs typeface="Calibri" panose="020F0502020204030204" pitchFamily="34" charset="0"/>
+                  </a:rPr>
+                  <a:t>predictor</a:t>
+                </a:r>
+                <a:r>
+                  <a:rPr lang="en-GB" noProof="0" dirty="0">
+                    <a:latin typeface="Calibri" panose="020F0502020204030204" pitchFamily="34" charset="0"/>
+                    <a:ea typeface="Cambria Math" panose="02040503050406030204" pitchFamily="18" charset="0"/>
+                    <a:cs typeface="Calibri" panose="020F0502020204030204" pitchFamily="34" charset="0"/>
+                  </a:rPr>
+                  <a:t> with </a:t>
+                </a:r>
+                <a14:m>
+                  <m:oMath xmlns:m="http://schemas.openxmlformats.org/officeDocument/2006/math">
+                    <m:r>
+                      <a:rPr lang="en-GB" i="1" noProof="0" dirty="0" smtClean="0">
+                        <a:latin typeface="Cambria Math" panose="02040503050406030204" pitchFamily="18" charset="0"/>
+                        <a:ea typeface="Cambria Math" panose="02040503050406030204" pitchFamily="18" charset="0"/>
+                        <a:cs typeface="Calibri" panose="020F0502020204030204" pitchFamily="34" charset="0"/>
+                      </a:rPr>
+                      <m:t>𝑁</m:t>
+                    </m:r>
+                    <m:r>
+                      <a:rPr lang="en-GB" i="1" noProof="0" dirty="0" smtClean="0">
+                        <a:latin typeface="Cambria Math" panose="02040503050406030204" pitchFamily="18" charset="0"/>
+                        <a:ea typeface="Cambria Math" panose="02040503050406030204" pitchFamily="18" charset="0"/>
+                        <a:cs typeface="Calibri" panose="020F0502020204030204" pitchFamily="34" charset="0"/>
+                      </a:rPr>
+                      <m:t>=2</m:t>
+                    </m:r>
+                  </m:oMath>
+                </a14:m>
+                <a:r>
+                  <a:rPr lang="en-GB" noProof="0" dirty="0">
+                    <a:latin typeface="Calibri" panose="020F0502020204030204" pitchFamily="34" charset="0"/>
+                    <a:ea typeface="Cambria Math" panose="02040503050406030204" pitchFamily="18" charset="0"/>
+                    <a:cs typeface="Calibri" panose="020F0502020204030204" pitchFamily="34" charset="0"/>
+                  </a:rPr>
+                  <a:t> levels </a:t>
+                </a:r>
+              </a:p>
+            </p:txBody>
+          </p:sp>
+        </mc:Choice>
+        <mc:Fallback xmlns="">
+          <p:sp>
+            <p:nvSpPr>
+              <p:cNvPr id="467" name="Textfeld 466">
+                <a:extLst>
+                  <a:ext uri="{FF2B5EF4-FFF2-40B4-BE49-F238E27FC236}">
+                    <a16:creationId xmlns:a16="http://schemas.microsoft.com/office/drawing/2014/main" id="{9F3DB9C3-A6B3-DC3B-D937-ACB248DD1895}"/>
+                  </a:ext>
+                </a:extLst>
+              </p:cNvPr>
+              <p:cNvSpPr txBox="1">
+                <a:spLocks noRot="1" noChangeAspect="1" noMove="1" noResize="1" noEditPoints="1" noAdjustHandles="1" noChangeArrowheads="1" noChangeShapeType="1" noTextEdit="1"/>
+              </p:cNvSpPr>
+              <p:nvPr/>
+            </p:nvSpPr>
+            <p:spPr>
+              <a:xfrm>
+                <a:off x="2248265" y="5954905"/>
+                <a:ext cx="2538462" cy="281831"/>
+              </a:xfrm>
+              <a:prstGeom prst="rect">
+                <a:avLst/>
+              </a:prstGeom>
+              <a:blipFill>
+                <a:blip r:embed="rId19"/>
+                <a:stretch>
+                  <a:fillRect b="-8333"/>
+                </a:stretch>
+              </a:blipFill>
+              <a:ln w="12700">
+                <a:solidFill>
+                  <a:schemeClr val="tx1"/>
+                </a:solidFill>
+              </a:ln>
+            </p:spPr>
+            <p:txBody>
+              <a:bodyPr/>
+              <a:lstStyle/>
+              <a:p>
+                <a:r>
+                  <a:rPr lang="de-DE">
+                    <a:noFill/>
+                  </a:rPr>
+                  <a:t> </a:t>
+                </a:r>
+              </a:p>
+            </p:txBody>
+          </p:sp>
+        </mc:Fallback>
+      </mc:AlternateContent>
+      <mc:AlternateContent xmlns:mc="http://schemas.openxmlformats.org/markup-compatibility/2006" xmlns:a14="http://schemas.microsoft.com/office/drawing/2010/main">
+        <mc:Choice Requires="a14">
+          <p:sp>
+            <p:nvSpPr>
+              <p:cNvPr id="468" name="Textfeld 467">
+                <a:extLst>
+                  <a:ext uri="{FF2B5EF4-FFF2-40B4-BE49-F238E27FC236}">
+                    <a16:creationId xmlns:a16="http://schemas.microsoft.com/office/drawing/2014/main" id="{AC807ECB-FC40-C269-CE8F-FFEA920BDAD9}"/>
+                  </a:ext>
+                </a:extLst>
+              </p:cNvPr>
+              <p:cNvSpPr txBox="1"/>
+              <p:nvPr/>
+            </p:nvSpPr>
+            <p:spPr>
+              <a:xfrm>
+                <a:off x="2238790" y="6376901"/>
+                <a:ext cx="2543546" cy="276999"/>
+              </a:xfrm>
+              <a:prstGeom prst="rect">
+                <a:avLst/>
+              </a:prstGeom>
+              <a:noFill/>
+              <a:ln w="12700">
+                <a:solidFill>
+                  <a:schemeClr val="accent1">
+                    <a:lumMod val="40000"/>
+                    <a:lumOff val="60000"/>
+                  </a:schemeClr>
+                </a:solidFill>
+              </a:ln>
+            </p:spPr>
+            <p:txBody>
+              <a:bodyPr wrap="square">
+                <a:spAutoFit/>
+              </a:bodyPr>
+              <a:lstStyle>
+                <a:defPPr>
+                  <a:defRPr lang="de-DE"/>
+                </a:defPPr>
+                <a:lvl1pPr algn="ctr">
+                  <a:defRPr sz="1200"/>
+                </a:lvl1pPr>
+              </a:lstStyle>
+              <a:p>
+                <a:r>
+                  <a:rPr lang="en-GB" dirty="0">
+                    <a:latin typeface="Calibri" panose="020F0502020204030204" pitchFamily="34" charset="0"/>
+                    <a:ea typeface="Cambria Math" panose="02040503050406030204" pitchFamily="18" charset="0"/>
+                    <a:cs typeface="Calibri" panose="020F0502020204030204" pitchFamily="34" charset="0"/>
+                  </a:rPr>
+                  <a:t>predictor</a:t>
+                </a:r>
+                <a:r>
+                  <a:rPr lang="en-GB" noProof="0" dirty="0">
+                    <a:latin typeface="Calibri" panose="020F0502020204030204" pitchFamily="34" charset="0"/>
+                    <a:ea typeface="Cambria Math" panose="02040503050406030204" pitchFamily="18" charset="0"/>
+                    <a:cs typeface="Calibri" panose="020F0502020204030204" pitchFamily="34" charset="0"/>
+                  </a:rPr>
+                  <a:t> with </a:t>
+                </a:r>
+                <a14:m>
+                  <m:oMath xmlns:m="http://schemas.openxmlformats.org/officeDocument/2006/math">
+                    <m:r>
+                      <a:rPr lang="en-GB" i="1" noProof="0" dirty="0" smtClean="0">
+                        <a:latin typeface="Cambria Math" panose="02040503050406030204" pitchFamily="18" charset="0"/>
+                        <a:ea typeface="Cambria Math" panose="02040503050406030204" pitchFamily="18" charset="0"/>
+                        <a:cs typeface="Calibri" panose="020F0502020204030204" pitchFamily="34" charset="0"/>
+                      </a:rPr>
+                      <m:t>𝑁</m:t>
+                    </m:r>
+                    <m:r>
+                      <a:rPr lang="en-GB" i="1" noProof="0" dirty="0" smtClean="0">
+                        <a:latin typeface="Cambria Math" panose="02040503050406030204" pitchFamily="18" charset="0"/>
+                        <a:ea typeface="Cambria Math" panose="02040503050406030204" pitchFamily="18" charset="0"/>
+                        <a:cs typeface="Calibri" panose="020F0502020204030204" pitchFamily="34" charset="0"/>
+                      </a:rPr>
+                      <m:t>&gt; 2 </m:t>
+                    </m:r>
+                  </m:oMath>
+                </a14:m>
+                <a:r>
+                  <a:rPr lang="en-GB" noProof="0" dirty="0">
+                    <a:latin typeface="Calibri" panose="020F0502020204030204" pitchFamily="34" charset="0"/>
+                    <a:ea typeface="Cambria Math" panose="02040503050406030204" pitchFamily="18" charset="0"/>
+                    <a:cs typeface="Calibri" panose="020F0502020204030204" pitchFamily="34" charset="0"/>
+                  </a:rPr>
+                  <a:t>levels </a:t>
+                </a:r>
+              </a:p>
+            </p:txBody>
+          </p:sp>
+        </mc:Choice>
+        <mc:Fallback xmlns="">
+          <p:sp>
+            <p:nvSpPr>
+              <p:cNvPr id="468" name="Textfeld 467">
+                <a:extLst>
+                  <a:ext uri="{FF2B5EF4-FFF2-40B4-BE49-F238E27FC236}">
+                    <a16:creationId xmlns:a16="http://schemas.microsoft.com/office/drawing/2014/main" id="{706DE281-AE3D-2689-6BA1-030155DAFDD8}"/>
+                  </a:ext>
+                </a:extLst>
+              </p:cNvPr>
+              <p:cNvSpPr txBox="1">
+                <a:spLocks noRot="1" noChangeAspect="1" noMove="1" noResize="1" noEditPoints="1" noAdjustHandles="1" noChangeArrowheads="1" noChangeShapeType="1" noTextEdit="1"/>
+              </p:cNvSpPr>
+              <p:nvPr/>
+            </p:nvSpPr>
+            <p:spPr>
+              <a:xfrm>
+                <a:off x="2238790" y="6376901"/>
+                <a:ext cx="2543546" cy="276999"/>
+              </a:xfrm>
+              <a:prstGeom prst="rect">
+                <a:avLst/>
+              </a:prstGeom>
+              <a:blipFill>
+                <a:blip r:embed="rId20"/>
+                <a:stretch>
+                  <a:fillRect b="-12500"/>
+                </a:stretch>
+              </a:blipFill>
+              <a:ln w="12700">
+                <a:solidFill>
+                  <a:schemeClr val="accent1">
+                    <a:lumMod val="40000"/>
+                    <a:lumOff val="60000"/>
+                  </a:schemeClr>
+                </a:solidFill>
+              </a:ln>
+            </p:spPr>
+            <p:txBody>
+              <a:bodyPr/>
+              <a:lstStyle/>
+              <a:p>
+                <a:r>
+                  <a:rPr lang="de-DE">
+                    <a:noFill/>
+                  </a:rPr>
+                  <a:t> </a:t>
+                </a:r>
+              </a:p>
+            </p:txBody>
+          </p:sp>
+        </mc:Fallback>
+      </mc:AlternateContent>
+      <p:sp>
+        <p:nvSpPr>
+          <p:cNvPr id="477" name="Textfeld 476">
+            <a:extLst>
+              <a:ext uri="{FF2B5EF4-FFF2-40B4-BE49-F238E27FC236}">
+                <a16:creationId xmlns:a16="http://schemas.microsoft.com/office/drawing/2014/main" id="{0BB4503C-4B3B-10E0-FDE3-8D464E5FD75F}"/>
+              </a:ext>
+            </a:extLst>
+          </p:cNvPr>
+          <p:cNvSpPr txBox="1"/>
+          <p:nvPr/>
+        </p:nvSpPr>
+        <p:spPr>
+          <a:xfrm>
+            <a:off x="305981" y="5743382"/>
+            <a:ext cx="1091245" cy="281831"/>
+          </a:xfrm>
+          <a:prstGeom prst="rect">
+            <a:avLst/>
+          </a:prstGeom>
+          <a:noFill/>
+          <a:ln w="12700">
+            <a:noFill/>
+          </a:ln>
+        </p:spPr>
+        <p:txBody>
+          <a:bodyPr wrap="square">
+            <a:spAutoFit/>
+          </a:bodyPr>
+          <a:lstStyle>
+            <a:defPPr>
+              <a:defRPr lang="de-DE"/>
+            </a:defPPr>
+            <a:lvl1pPr algn="ctr">
+              <a:defRPr sz="1200"/>
+            </a:lvl1pPr>
+          </a:lstStyle>
+          <a:p>
+            <a:pPr algn="l"/>
+            <a:r>
+              <a:rPr lang="en-GB" noProof="0" dirty="0">
+                <a:latin typeface="Calibri" panose="020F0502020204030204" pitchFamily="34" charset="0"/>
+                <a:ea typeface="Cambria Math" panose="02040503050406030204" pitchFamily="18" charset="0"/>
+                <a:cs typeface="Calibri" panose="020F0502020204030204" pitchFamily="34" charset="0"/>
+              </a:rPr>
+              <a:t>Colour code: </a:t>
+            </a:r>
+          </a:p>
+        </p:txBody>
+      </p:sp>
+      <p:grpSp>
+        <p:nvGrpSpPr>
+          <p:cNvPr id="491" name="Gruppieren 490">
+            <a:extLst>
+              <a:ext uri="{FF2B5EF4-FFF2-40B4-BE49-F238E27FC236}">
+                <a16:creationId xmlns:a16="http://schemas.microsoft.com/office/drawing/2014/main" id="{79827321-6213-5ED6-CA7E-C4EB130F0835}"/>
+              </a:ext>
+            </a:extLst>
+          </p:cNvPr>
+          <p:cNvGrpSpPr/>
+          <p:nvPr/>
+        </p:nvGrpSpPr>
+        <p:grpSpPr>
+          <a:xfrm>
+            <a:off x="1666842" y="1127125"/>
+            <a:ext cx="1785240" cy="542165"/>
+            <a:chOff x="2719572" y="1536945"/>
+            <a:chExt cx="1289076" cy="305400"/>
+          </a:xfrm>
+        </p:grpSpPr>
+        <p:cxnSp>
+          <p:nvCxnSpPr>
+            <p:cNvPr id="492" name="Gerade Verbindung mit Pfeil 491">
+              <a:extLst>
+                <a:ext uri="{FF2B5EF4-FFF2-40B4-BE49-F238E27FC236}">
+                  <a16:creationId xmlns:a16="http://schemas.microsoft.com/office/drawing/2014/main" id="{16A58645-1CDC-5688-788C-9141FE5CCB81}"/>
+                </a:ext>
+              </a:extLst>
+            </p:cNvPr>
+            <p:cNvCxnSpPr>
+              <a:cxnSpLocks/>
+            </p:cNvCxnSpPr>
+            <p:nvPr/>
+          </p:nvCxnSpPr>
+          <p:spPr>
+            <a:xfrm flipH="1">
+              <a:off x="2719572" y="1536945"/>
+              <a:ext cx="639486" cy="305400"/>
+            </a:xfrm>
+            <a:prstGeom prst="straightConnector1">
+              <a:avLst/>
+            </a:prstGeom>
+            <a:ln>
+              <a:solidFill>
+                <a:schemeClr val="tx1"/>
+              </a:solidFill>
+              <a:tailEnd type="triangle"/>
+            </a:ln>
+          </p:spPr>
+          <p:style>
+            <a:lnRef idx="1">
+              <a:schemeClr val="accent1"/>
+            </a:lnRef>
+            <a:fillRef idx="0">
+              <a:schemeClr val="accent1"/>
+            </a:fillRef>
+            <a:effectRef idx="0">
+              <a:schemeClr val="accent1"/>
+            </a:effectRef>
+            <a:fontRef idx="minor">
+              <a:schemeClr val="tx1"/>
+            </a:fontRef>
+          </p:style>
+        </p:cxnSp>
+        <p:cxnSp>
+          <p:nvCxnSpPr>
+            <p:cNvPr id="493" name="Gerade Verbindung mit Pfeil 492">
+              <a:extLst>
+                <a:ext uri="{FF2B5EF4-FFF2-40B4-BE49-F238E27FC236}">
+                  <a16:creationId xmlns:a16="http://schemas.microsoft.com/office/drawing/2014/main" id="{8A7D1534-4F84-E513-64D5-BFCE40C6B39B}"/>
+                </a:ext>
+              </a:extLst>
+            </p:cNvPr>
+            <p:cNvCxnSpPr>
+              <a:cxnSpLocks/>
+            </p:cNvCxnSpPr>
+            <p:nvPr/>
+          </p:nvCxnSpPr>
+          <p:spPr>
+            <a:xfrm>
+              <a:off x="3359058" y="1536945"/>
+              <a:ext cx="649590" cy="305400"/>
+            </a:xfrm>
+            <a:prstGeom prst="straightConnector1">
+              <a:avLst/>
+            </a:prstGeom>
+            <a:ln>
+              <a:solidFill>
+                <a:schemeClr val="tx1"/>
+              </a:solidFill>
+              <a:tailEnd type="triangle"/>
+            </a:ln>
+          </p:spPr>
+          <p:style>
+            <a:lnRef idx="1">
+              <a:schemeClr val="accent1"/>
+            </a:lnRef>
+            <a:fillRef idx="0">
+              <a:schemeClr val="accent1"/>
+            </a:fillRef>
+            <a:effectRef idx="0">
+              <a:schemeClr val="accent1"/>
+            </a:effectRef>
+            <a:fontRef idx="minor">
+              <a:schemeClr val="tx1"/>
+            </a:fontRef>
+          </p:style>
+        </p:cxnSp>
+      </p:grpSp>
+      <p:cxnSp>
+        <p:nvCxnSpPr>
+          <p:cNvPr id="461" name="Gerade Verbindung mit Pfeil 460">
+            <a:extLst>
+              <a:ext uri="{FF2B5EF4-FFF2-40B4-BE49-F238E27FC236}">
+                <a16:creationId xmlns:a16="http://schemas.microsoft.com/office/drawing/2014/main" id="{88C4B9E7-F944-F5A5-374F-D4BD03ACA072}"/>
+              </a:ext>
+            </a:extLst>
+          </p:cNvPr>
+          <p:cNvCxnSpPr>
+            <a:cxnSpLocks/>
+          </p:cNvCxnSpPr>
+          <p:nvPr/>
+        </p:nvCxnSpPr>
+        <p:spPr>
+          <a:xfrm flipH="1">
+            <a:off x="8287643" y="4758610"/>
+            <a:ext cx="4391" cy="180489"/>
+          </a:xfrm>
+          <a:prstGeom prst="straightConnector1">
+            <a:avLst/>
+          </a:prstGeom>
+          <a:ln>
+            <a:solidFill>
+              <a:schemeClr val="accent1"/>
+            </a:solidFill>
+            <a:tailEnd type="triangle"/>
+          </a:ln>
+        </p:spPr>
+        <p:style>
+          <a:lnRef idx="1">
+            <a:schemeClr val="accent1"/>
+          </a:lnRef>
+          <a:fillRef idx="0">
+            <a:schemeClr val="accent1"/>
+          </a:fillRef>
+          <a:effectRef idx="0">
+            <a:schemeClr val="accent1"/>
+          </a:effectRef>
+          <a:fontRef idx="minor">
+            <a:schemeClr val="tx1"/>
+          </a:fontRef>
+        </p:style>
+      </p:cxnSp>
+      <p:cxnSp>
+        <p:nvCxnSpPr>
+          <p:cNvPr id="465" name="Gerade Verbindung mit Pfeil 464">
+            <a:extLst>
+              <a:ext uri="{FF2B5EF4-FFF2-40B4-BE49-F238E27FC236}">
+                <a16:creationId xmlns:a16="http://schemas.microsoft.com/office/drawing/2014/main" id="{0785F576-956F-B66A-DA20-F625740590FF}"/>
+              </a:ext>
+            </a:extLst>
+          </p:cNvPr>
+          <p:cNvCxnSpPr>
+            <a:cxnSpLocks/>
+          </p:cNvCxnSpPr>
+          <p:nvPr/>
+        </p:nvCxnSpPr>
+        <p:spPr>
+          <a:xfrm flipH="1">
+            <a:off x="9767473" y="4763372"/>
+            <a:ext cx="4391" cy="180489"/>
+          </a:xfrm>
+          <a:prstGeom prst="straightConnector1">
+            <a:avLst/>
+          </a:prstGeom>
+          <a:ln>
+            <a:solidFill>
+              <a:schemeClr val="accent1"/>
+            </a:solidFill>
+            <a:tailEnd type="triangle"/>
+          </a:ln>
+        </p:spPr>
+        <p:style>
+          <a:lnRef idx="1">
+            <a:schemeClr val="accent1"/>
+          </a:lnRef>
+          <a:fillRef idx="0">
+            <a:schemeClr val="accent1"/>
+          </a:fillRef>
+          <a:effectRef idx="0">
+            <a:schemeClr val="accent1"/>
+          </a:effectRef>
+          <a:fontRef idx="minor">
+            <a:schemeClr val="tx1"/>
+          </a:fontRef>
+        </p:style>
+      </p:cxnSp>
+      <p:cxnSp>
+        <p:nvCxnSpPr>
+          <p:cNvPr id="466" name="Gerade Verbindung mit Pfeil 465">
+            <a:extLst>
+              <a:ext uri="{FF2B5EF4-FFF2-40B4-BE49-F238E27FC236}">
+                <a16:creationId xmlns:a16="http://schemas.microsoft.com/office/drawing/2014/main" id="{BF011261-4818-C92F-58C9-C7B25CDFDE35}"/>
+              </a:ext>
+            </a:extLst>
+          </p:cNvPr>
+          <p:cNvCxnSpPr>
+            <a:cxnSpLocks/>
+          </p:cNvCxnSpPr>
+          <p:nvPr/>
+        </p:nvCxnSpPr>
+        <p:spPr>
+          <a:xfrm flipH="1">
+            <a:off x="8287643" y="5246480"/>
+            <a:ext cx="4391" cy="180489"/>
+          </a:xfrm>
+          <a:prstGeom prst="straightConnector1">
+            <a:avLst/>
+          </a:prstGeom>
+          <a:ln>
+            <a:solidFill>
+              <a:schemeClr val="accent1"/>
+            </a:solidFill>
+            <a:tailEnd type="triangle"/>
+          </a:ln>
+        </p:spPr>
+        <p:style>
+          <a:lnRef idx="1">
+            <a:schemeClr val="accent1"/>
+          </a:lnRef>
+          <a:fillRef idx="0">
+            <a:schemeClr val="accent1"/>
+          </a:fillRef>
+          <a:effectRef idx="0">
+            <a:schemeClr val="accent1"/>
+          </a:effectRef>
+          <a:fontRef idx="minor">
+            <a:schemeClr val="tx1"/>
+          </a:fontRef>
+        </p:style>
+      </p:cxnSp>
+      <p:cxnSp>
+        <p:nvCxnSpPr>
+          <p:cNvPr id="469" name="Gerade Verbindung mit Pfeil 468">
+            <a:extLst>
+              <a:ext uri="{FF2B5EF4-FFF2-40B4-BE49-F238E27FC236}">
+                <a16:creationId xmlns:a16="http://schemas.microsoft.com/office/drawing/2014/main" id="{B1436C2A-9649-39A1-69A1-D2558C1F5025}"/>
+              </a:ext>
+            </a:extLst>
+          </p:cNvPr>
+          <p:cNvCxnSpPr>
+            <a:cxnSpLocks/>
+          </p:cNvCxnSpPr>
+          <p:nvPr/>
+        </p:nvCxnSpPr>
+        <p:spPr>
+          <a:xfrm flipH="1">
+            <a:off x="9767473" y="5251947"/>
+            <a:ext cx="4391" cy="180489"/>
+          </a:xfrm>
+          <a:prstGeom prst="straightConnector1">
+            <a:avLst/>
+          </a:prstGeom>
+          <a:ln>
+            <a:solidFill>
+              <a:schemeClr val="accent1"/>
+            </a:solidFill>
+            <a:tailEnd type="triangle"/>
+          </a:ln>
+        </p:spPr>
+        <p:style>
+          <a:lnRef idx="1">
+            <a:schemeClr val="accent1"/>
+          </a:lnRef>
+          <a:fillRef idx="0">
+            <a:schemeClr val="accent1"/>
+          </a:fillRef>
+          <a:effectRef idx="0">
+            <a:schemeClr val="accent1"/>
+          </a:effectRef>
+          <a:fontRef idx="minor">
+            <a:schemeClr val="tx1"/>
+          </a:fontRef>
+        </p:style>
+      </p:cxnSp>
+      <p:cxnSp>
+        <p:nvCxnSpPr>
+          <p:cNvPr id="470" name="Gerade Verbindung mit Pfeil 469">
+            <a:extLst>
+              <a:ext uri="{FF2B5EF4-FFF2-40B4-BE49-F238E27FC236}">
+                <a16:creationId xmlns:a16="http://schemas.microsoft.com/office/drawing/2014/main" id="{07351EF4-0BAD-6A84-9BEA-F079675CE45E}"/>
+              </a:ext>
+            </a:extLst>
+          </p:cNvPr>
+          <p:cNvCxnSpPr>
+            <a:cxnSpLocks/>
+          </p:cNvCxnSpPr>
+          <p:nvPr/>
+        </p:nvCxnSpPr>
+        <p:spPr>
+          <a:xfrm flipH="1">
+            <a:off x="6086811" y="5264410"/>
+            <a:ext cx="4391" cy="180489"/>
+          </a:xfrm>
+          <a:prstGeom prst="straightConnector1">
+            <a:avLst/>
+          </a:prstGeom>
+          <a:ln>
+            <a:solidFill>
+              <a:schemeClr val="accent1"/>
+            </a:solidFill>
+            <a:tailEnd type="triangle"/>
+          </a:ln>
+        </p:spPr>
+        <p:style>
+          <a:lnRef idx="1">
+            <a:schemeClr val="accent1"/>
+          </a:lnRef>
+          <a:fillRef idx="0">
+            <a:schemeClr val="accent1"/>
+          </a:fillRef>
+          <a:effectRef idx="0">
+            <a:schemeClr val="accent1"/>
+          </a:effectRef>
+          <a:fontRef idx="minor">
+            <a:schemeClr val="tx1"/>
+          </a:fontRef>
+        </p:style>
+      </p:cxnSp>
+      <p:cxnSp>
+        <p:nvCxnSpPr>
+          <p:cNvPr id="496" name="Gerade Verbindung mit Pfeil 495">
+            <a:extLst>
+              <a:ext uri="{FF2B5EF4-FFF2-40B4-BE49-F238E27FC236}">
+                <a16:creationId xmlns:a16="http://schemas.microsoft.com/office/drawing/2014/main" id="{3056F5E5-586F-C220-7943-C7C7F9AC8D51}"/>
+              </a:ext>
+            </a:extLst>
+          </p:cNvPr>
+          <p:cNvCxnSpPr>
+            <a:cxnSpLocks/>
+          </p:cNvCxnSpPr>
+          <p:nvPr/>
+        </p:nvCxnSpPr>
+        <p:spPr>
+          <a:xfrm flipH="1">
+            <a:off x="8946555" y="3270049"/>
+            <a:ext cx="7967" cy="597516"/>
+          </a:xfrm>
+          <a:prstGeom prst="straightConnector1">
+            <a:avLst/>
+          </a:prstGeom>
+          <a:ln>
+            <a:solidFill>
+              <a:schemeClr val="accent1"/>
+            </a:solidFill>
+            <a:tailEnd type="triangle"/>
+          </a:ln>
+        </p:spPr>
+        <p:style>
+          <a:lnRef idx="1">
+            <a:schemeClr val="accent1"/>
+          </a:lnRef>
+          <a:fillRef idx="0">
+            <a:schemeClr val="accent1"/>
+          </a:fillRef>
+          <a:effectRef idx="0">
+            <a:schemeClr val="accent1"/>
+          </a:effectRef>
+          <a:fontRef idx="minor">
+            <a:schemeClr val="tx1"/>
+          </a:fontRef>
+        </p:style>
+      </p:cxnSp>
+      <p:cxnSp>
+        <p:nvCxnSpPr>
+          <p:cNvPr id="77" name="Gerade Verbindung mit Pfeil 76">
+            <a:extLst>
+              <a:ext uri="{FF2B5EF4-FFF2-40B4-BE49-F238E27FC236}">
+                <a16:creationId xmlns:a16="http://schemas.microsoft.com/office/drawing/2014/main" id="{3D34EA8C-CFAB-FAB2-DCD4-4CF7537C6E76}"/>
+              </a:ext>
+            </a:extLst>
+          </p:cNvPr>
+          <p:cNvCxnSpPr>
+            <a:cxnSpLocks/>
+            <a:stCxn id="9" idx="2"/>
+            <a:endCxn id="6" idx="0"/>
+          </p:cNvCxnSpPr>
+          <p:nvPr/>
+        </p:nvCxnSpPr>
+        <p:spPr>
+          <a:xfrm flipH="1">
+            <a:off x="7687451" y="1109786"/>
+            <a:ext cx="14973" cy="1092728"/>
+          </a:xfrm>
+          <a:prstGeom prst="straightConnector1">
+            <a:avLst/>
+          </a:prstGeom>
+          <a:ln>
+            <a:solidFill>
+              <a:schemeClr val="accent1"/>
+            </a:solidFill>
+            <a:tailEnd type="triangle"/>
+          </a:ln>
+        </p:spPr>
+        <p:style>
+          <a:lnRef idx="1">
+            <a:schemeClr val="accent1"/>
+          </a:lnRef>
+          <a:fillRef idx="0">
+            <a:schemeClr val="accent1"/>
+          </a:fillRef>
+          <a:effectRef idx="0">
+            <a:schemeClr val="accent1"/>
+          </a:effectRef>
+          <a:fontRef idx="minor">
+            <a:schemeClr val="tx1"/>
+          </a:fontRef>
+        </p:style>
+      </p:cxnSp>
+      <p:cxnSp>
+        <p:nvCxnSpPr>
+          <p:cNvPr id="78" name="Gerade Verbindung mit Pfeil 77">
+            <a:extLst>
+              <a:ext uri="{FF2B5EF4-FFF2-40B4-BE49-F238E27FC236}">
+                <a16:creationId xmlns:a16="http://schemas.microsoft.com/office/drawing/2014/main" id="{1E0318E4-BC90-DAA1-B165-1528F8DBB633}"/>
+              </a:ext>
+            </a:extLst>
+          </p:cNvPr>
+          <p:cNvCxnSpPr>
+            <a:cxnSpLocks/>
+          </p:cNvCxnSpPr>
+          <p:nvPr/>
+        </p:nvCxnSpPr>
+        <p:spPr>
+          <a:xfrm flipH="1">
+            <a:off x="1572292" y="1996567"/>
+            <a:ext cx="4391" cy="180489"/>
+          </a:xfrm>
+          <a:prstGeom prst="straightConnector1">
+            <a:avLst/>
+          </a:prstGeom>
+          <a:ln>
+            <a:solidFill>
+              <a:schemeClr val="tx1"/>
+            </a:solidFill>
+            <a:tailEnd type="triangle"/>
+          </a:ln>
+        </p:spPr>
+        <p:style>
+          <a:lnRef idx="1">
+            <a:schemeClr val="accent1"/>
+          </a:lnRef>
+          <a:fillRef idx="0">
+            <a:schemeClr val="accent1"/>
+          </a:fillRef>
+          <a:effectRef idx="0">
+            <a:schemeClr val="accent1"/>
+          </a:effectRef>
+          <a:fontRef idx="minor">
+            <a:schemeClr val="tx1"/>
+          </a:fontRef>
+        </p:style>
+      </p:cxnSp>
+      <p:sp>
+        <p:nvSpPr>
+          <p:cNvPr id="79" name="Rechteck 78">
+            <a:extLst>
+              <a:ext uri="{FF2B5EF4-FFF2-40B4-BE49-F238E27FC236}">
+                <a16:creationId xmlns:a16="http://schemas.microsoft.com/office/drawing/2014/main" id="{E4453A76-E89A-BF08-4B09-EF6173FCD0FF}"/>
+              </a:ext>
+            </a:extLst>
+          </p:cNvPr>
+          <p:cNvSpPr/>
+          <p:nvPr/>
+        </p:nvSpPr>
+        <p:spPr>
+          <a:xfrm>
+            <a:off x="243603" y="5730875"/>
+            <a:ext cx="4603061" cy="999264"/>
+          </a:xfrm>
+          <a:prstGeom prst="rect">
+            <a:avLst/>
+          </a:prstGeom>
+          <a:noFill/>
+          <a:ln>
+            <a:solidFill>
+              <a:schemeClr val="bg1">
+                <a:lumMod val="85000"/>
+              </a:schemeClr>
+            </a:solidFill>
+          </a:ln>
+        </p:spPr>
+        <p:style>
+          <a:lnRef idx="2">
+            <a:schemeClr val="accent1">
+              <a:shade val="15000"/>
+            </a:schemeClr>
+          </a:lnRef>
+          <a:fillRef idx="1">
+            <a:schemeClr val="accent1"/>
+          </a:fillRef>
+          <a:effectRef idx="0">
+            <a:schemeClr val="accent1"/>
+          </a:effectRef>
+          <a:fontRef idx="minor">
+            <a:schemeClr val="lt1"/>
+          </a:fontRef>
+        </p:style>
+        <p:txBody>
+          <a:bodyPr rtlCol="0" anchor="ctr"/>
+          <a:lstStyle/>
+          <a:p>
+            <a:pPr algn="ctr"/>
+            <a:endParaRPr lang="de-DE"/>
+          </a:p>
+        </p:txBody>
+      </p:sp>
+      <p:grpSp>
+        <p:nvGrpSpPr>
+          <p:cNvPr id="17" name="Gruppieren 16">
+            <a:extLst>
+              <a:ext uri="{FF2B5EF4-FFF2-40B4-BE49-F238E27FC236}">
+                <a16:creationId xmlns:a16="http://schemas.microsoft.com/office/drawing/2014/main" id="{62906819-8555-A4E6-C8DA-A8AB35D898BE}"/>
+              </a:ext>
+            </a:extLst>
+          </p:cNvPr>
+          <p:cNvGrpSpPr/>
+          <p:nvPr/>
+        </p:nvGrpSpPr>
+        <p:grpSpPr>
+          <a:xfrm>
+            <a:off x="6911252" y="2511762"/>
+            <a:ext cx="1552397" cy="469922"/>
+            <a:chOff x="2719572" y="1536945"/>
+            <a:chExt cx="1289076" cy="305400"/>
+          </a:xfrm>
+        </p:grpSpPr>
+        <p:cxnSp>
+          <p:nvCxnSpPr>
+            <p:cNvPr id="20" name="Gerade Verbindung mit Pfeil 19">
+              <a:extLst>
+                <a:ext uri="{FF2B5EF4-FFF2-40B4-BE49-F238E27FC236}">
+                  <a16:creationId xmlns:a16="http://schemas.microsoft.com/office/drawing/2014/main" id="{66F22CE8-5044-57ED-E9E6-7BF99A4A9B98}"/>
+                </a:ext>
+              </a:extLst>
+            </p:cNvPr>
+            <p:cNvCxnSpPr>
+              <a:cxnSpLocks/>
+            </p:cNvCxnSpPr>
+            <p:nvPr/>
+          </p:nvCxnSpPr>
+          <p:spPr>
+            <a:xfrm flipH="1">
+              <a:off x="2719572" y="1536945"/>
+              <a:ext cx="639486" cy="305400"/>
+            </a:xfrm>
+            <a:prstGeom prst="straightConnector1">
+              <a:avLst/>
+            </a:prstGeom>
+            <a:ln>
+              <a:tailEnd type="triangle"/>
+            </a:ln>
+          </p:spPr>
+          <p:style>
+            <a:lnRef idx="1">
+              <a:schemeClr val="accent1"/>
+            </a:lnRef>
+            <a:fillRef idx="0">
+              <a:schemeClr val="accent1"/>
+            </a:fillRef>
+            <a:effectRef idx="0">
+              <a:schemeClr val="accent1"/>
+            </a:effectRef>
+            <a:fontRef idx="minor">
+              <a:schemeClr val="tx1"/>
+            </a:fontRef>
+          </p:style>
+        </p:cxnSp>
+        <p:cxnSp>
+          <p:nvCxnSpPr>
+            <p:cNvPr id="21" name="Gerade Verbindung mit Pfeil 20">
+              <a:extLst>
+                <a:ext uri="{FF2B5EF4-FFF2-40B4-BE49-F238E27FC236}">
+                  <a16:creationId xmlns:a16="http://schemas.microsoft.com/office/drawing/2014/main" id="{A3C77367-1FDC-FC74-5353-DAE4E9FD420E}"/>
+                </a:ext>
+              </a:extLst>
+            </p:cNvPr>
+            <p:cNvCxnSpPr>
+              <a:cxnSpLocks/>
+            </p:cNvCxnSpPr>
+            <p:nvPr/>
+          </p:nvCxnSpPr>
+          <p:spPr>
+            <a:xfrm>
+              <a:off x="3359058" y="1536945"/>
+              <a:ext cx="649590" cy="305400"/>
+            </a:xfrm>
+            <a:prstGeom prst="straightConnector1">
+              <a:avLst/>
+            </a:prstGeom>
+            <a:ln>
+              <a:tailEnd type="triangle"/>
+            </a:ln>
+          </p:spPr>
+          <p:style>
+            <a:lnRef idx="1">
+              <a:schemeClr val="accent1"/>
+            </a:lnRef>
+            <a:fillRef idx="0">
+              <a:schemeClr val="accent1"/>
+            </a:fillRef>
+            <a:effectRef idx="0">
+              <a:schemeClr val="accent1"/>
+            </a:effectRef>
+            <a:fontRef idx="minor">
+              <a:schemeClr val="tx1"/>
+            </a:fontRef>
+          </p:style>
+        </p:cxnSp>
+      </p:grpSp>
+    </p:spTree>
+    <p:extLst>
+      <p:ext uri="{BB962C8B-B14F-4D97-AF65-F5344CB8AC3E}">
+        <p14:creationId xmlns:p14="http://schemas.microsoft.com/office/powerpoint/2010/main" val="638986528"/>
+      </p:ext>
+    </p:extLst>
+  </p:cSld>
+  <p:clrMapOvr>
+    <a:masterClrMapping/>
+  </p:clrMapOvr>
+</p:sld>
+</file>
+
 <file path=ppt/theme/theme1.xml><?xml version="1.0" encoding="utf-8"?>
 <a:theme xmlns:a="http://schemas.openxmlformats.org/drawingml/2006/main" name="Office">
   <a:themeElements>

--- a/vignettes/figures/decision_tree.pptx
+++ b/vignettes/figures/decision_tree.pptx
@@ -286,7 +286,7 @@
           <a:p>
             <a:fld id="{0AECA108-3915-9043-8428-B4BE4472B821}" type="datetimeFigureOut">
               <a:rPr lang="de-DE" smtClean="0"/>
-              <a:t>29.05.25</a:t>
+              <a:t>02.06.25</a:t>
             </a:fld>
             <a:endParaRPr lang="de-DE"/>
           </a:p>
@@ -892,7 +892,7 @@
           <a:p>
             <a:fld id="{43497422-92ED-3D47-BF28-17000E80E497}" type="datetimeFigureOut">
               <a:rPr lang="de-DE" smtClean="0"/>
-              <a:t>29.05.25</a:t>
+              <a:t>02.06.25</a:t>
             </a:fld>
             <a:endParaRPr lang="de-DE"/>
           </a:p>
@@ -1090,7 +1090,7 @@
           <a:p>
             <a:fld id="{43497422-92ED-3D47-BF28-17000E80E497}" type="datetimeFigureOut">
               <a:rPr lang="de-DE" smtClean="0"/>
-              <a:t>29.05.25</a:t>
+              <a:t>02.06.25</a:t>
             </a:fld>
             <a:endParaRPr lang="de-DE"/>
           </a:p>
@@ -1298,7 +1298,7 @@
           <a:p>
             <a:fld id="{43497422-92ED-3D47-BF28-17000E80E497}" type="datetimeFigureOut">
               <a:rPr lang="de-DE" smtClean="0"/>
-              <a:t>29.05.25</a:t>
+              <a:t>02.06.25</a:t>
             </a:fld>
             <a:endParaRPr lang="de-DE"/>
           </a:p>
@@ -1496,7 +1496,7 @@
           <a:p>
             <a:fld id="{43497422-92ED-3D47-BF28-17000E80E497}" type="datetimeFigureOut">
               <a:rPr lang="de-DE" smtClean="0"/>
-              <a:t>29.05.25</a:t>
+              <a:t>02.06.25</a:t>
             </a:fld>
             <a:endParaRPr lang="de-DE"/>
           </a:p>
@@ -1771,7 +1771,7 @@
           <a:p>
             <a:fld id="{43497422-92ED-3D47-BF28-17000E80E497}" type="datetimeFigureOut">
               <a:rPr lang="de-DE" smtClean="0"/>
-              <a:t>29.05.25</a:t>
+              <a:t>02.06.25</a:t>
             </a:fld>
             <a:endParaRPr lang="de-DE"/>
           </a:p>
@@ -2036,7 +2036,7 @@
           <a:p>
             <a:fld id="{43497422-92ED-3D47-BF28-17000E80E497}" type="datetimeFigureOut">
               <a:rPr lang="de-DE" smtClean="0"/>
-              <a:t>29.05.25</a:t>
+              <a:t>02.06.25</a:t>
             </a:fld>
             <a:endParaRPr lang="de-DE"/>
           </a:p>
@@ -2448,7 +2448,7 @@
           <a:p>
             <a:fld id="{43497422-92ED-3D47-BF28-17000E80E497}" type="datetimeFigureOut">
               <a:rPr lang="de-DE" smtClean="0"/>
-              <a:t>29.05.25</a:t>
+              <a:t>02.06.25</a:t>
             </a:fld>
             <a:endParaRPr lang="de-DE"/>
           </a:p>
@@ -2589,7 +2589,7 @@
           <a:p>
             <a:fld id="{43497422-92ED-3D47-BF28-17000E80E497}" type="datetimeFigureOut">
               <a:rPr lang="de-DE" smtClean="0"/>
-              <a:t>29.05.25</a:t>
+              <a:t>02.06.25</a:t>
             </a:fld>
             <a:endParaRPr lang="de-DE"/>
           </a:p>
@@ -2702,7 +2702,7 @@
           <a:p>
             <a:fld id="{43497422-92ED-3D47-BF28-17000E80E497}" type="datetimeFigureOut">
               <a:rPr lang="de-DE" smtClean="0"/>
-              <a:t>29.05.25</a:t>
+              <a:t>02.06.25</a:t>
             </a:fld>
             <a:endParaRPr lang="de-DE"/>
           </a:p>
@@ -3013,7 +3013,7 @@
           <a:p>
             <a:fld id="{43497422-92ED-3D47-BF28-17000E80E497}" type="datetimeFigureOut">
               <a:rPr lang="de-DE" smtClean="0"/>
-              <a:t>29.05.25</a:t>
+              <a:t>02.06.25</a:t>
             </a:fld>
             <a:endParaRPr lang="de-DE"/>
           </a:p>
@@ -3301,7 +3301,7 @@
           <a:p>
             <a:fld id="{43497422-92ED-3D47-BF28-17000E80E497}" type="datetimeFigureOut">
               <a:rPr lang="de-DE" smtClean="0"/>
-              <a:t>29.05.25</a:t>
+              <a:t>02.06.25</a:t>
             </a:fld>
             <a:endParaRPr lang="de-DE"/>
           </a:p>
@@ -3542,7 +3542,7 @@
           <a:p>
             <a:fld id="{43497422-92ED-3D47-BF28-17000E80E497}" type="datetimeFigureOut">
               <a:rPr lang="de-DE" smtClean="0"/>
-              <a:t>29.05.25</a:t>
+              <a:t>02.06.25</a:t>
             </a:fld>
             <a:endParaRPr lang="de-DE"/>
           </a:p>
@@ -9908,7 +9908,7 @@
         </p:nvSpPr>
         <p:spPr>
           <a:xfrm>
-            <a:off x="5037088" y="2202514"/>
+            <a:off x="5130837" y="2201318"/>
             <a:ext cx="5300726" cy="276999"/>
           </a:xfrm>
           <a:prstGeom prst="rect">
@@ -10459,8 +10459,8 @@
           </p:sp>
         </mc:Fallback>
       </mc:AlternateContent>
-      <mc:AlternateContent xmlns:mc="http://schemas.openxmlformats.org/markup-compatibility/2006">
-        <mc:Choice xmlns:a14="http://schemas.microsoft.com/office/drawing/2010/main" Requires="a14">
+      <mc:AlternateContent xmlns:mc="http://schemas.openxmlformats.org/markup-compatibility/2006" xmlns:a14="http://schemas.microsoft.com/office/drawing/2010/main">
+        <mc:Choice Requires="a14">
           <p:sp>
             <p:nvSpPr>
               <p:cNvPr id="9" name="Textfeld 8">
@@ -10544,7 +10544,7 @@
             </p:txBody>
           </p:sp>
         </mc:Choice>
-        <mc:Fallback>
+        <mc:Fallback xmlns="">
           <p:sp>
             <p:nvSpPr>
               <p:cNvPr id="9" name="Textfeld 8">
@@ -10597,8 +10597,8 @@
           </p:sp>
         </mc:Fallback>
       </mc:AlternateContent>
-      <mc:AlternateContent xmlns:mc="http://schemas.openxmlformats.org/markup-compatibility/2006">
-        <mc:Choice xmlns:a14="http://schemas.microsoft.com/office/drawing/2010/main" Requires="a14">
+      <mc:AlternateContent xmlns:mc="http://schemas.openxmlformats.org/markup-compatibility/2006" xmlns:a14="http://schemas.microsoft.com/office/drawing/2010/main">
+        <mc:Choice Requires="a14">
           <p:sp>
             <p:nvSpPr>
               <p:cNvPr id="13" name="Textfeld 12">
@@ -10728,7 +10728,7 @@
             </p:txBody>
           </p:sp>
         </mc:Choice>
-        <mc:Fallback>
+        <mc:Fallback xmlns="">
           <p:sp>
             <p:nvSpPr>
               <p:cNvPr id="13" name="Textfeld 12">
@@ -10778,8 +10778,8 @@
           </p:sp>
         </mc:Fallback>
       </mc:AlternateContent>
-      <mc:AlternateContent xmlns:mc="http://schemas.openxmlformats.org/markup-compatibility/2006">
-        <mc:Choice xmlns:a14="http://schemas.microsoft.com/office/drawing/2010/main" Requires="a14">
+      <mc:AlternateContent xmlns:mc="http://schemas.openxmlformats.org/markup-compatibility/2006" xmlns:a14="http://schemas.microsoft.com/office/drawing/2010/main">
+        <mc:Choice Requires="a14">
           <p:sp>
             <p:nvSpPr>
               <p:cNvPr id="15" name="Textfeld 14">
@@ -10915,7 +10915,7 @@
             </p:txBody>
           </p:sp>
         </mc:Choice>
-        <mc:Fallback>
+        <mc:Fallback xmlns="">
           <p:sp>
             <p:nvSpPr>
               <p:cNvPr id="15" name="Textfeld 14">
@@ -10965,8 +10965,8 @@
           </p:sp>
         </mc:Fallback>
       </mc:AlternateContent>
-      <mc:AlternateContent xmlns:mc="http://schemas.openxmlformats.org/markup-compatibility/2006">
-        <mc:Choice xmlns:a14="http://schemas.microsoft.com/office/drawing/2010/main" Requires="a14">
+      <mc:AlternateContent xmlns:mc="http://schemas.openxmlformats.org/markup-compatibility/2006" xmlns:a14="http://schemas.microsoft.com/office/drawing/2010/main">
+        <mc:Choice Requires="a14">
           <p:sp>
             <p:nvSpPr>
               <p:cNvPr id="19" name="Textfeld 18">
@@ -11112,7 +11112,7 @@
             </p:txBody>
           </p:sp>
         </mc:Choice>
-        <mc:Fallback>
+        <mc:Fallback xmlns="">
           <p:sp>
             <p:nvSpPr>
               <p:cNvPr id="19" name="Textfeld 18">
@@ -11162,8 +11162,8 @@
           </p:sp>
         </mc:Fallback>
       </mc:AlternateContent>
-      <mc:AlternateContent xmlns:mc="http://schemas.openxmlformats.org/markup-compatibility/2006">
-        <mc:Choice xmlns:a14="http://schemas.microsoft.com/office/drawing/2010/main" Requires="a14">
+      <mc:AlternateContent xmlns:mc="http://schemas.openxmlformats.org/markup-compatibility/2006" xmlns:a14="http://schemas.microsoft.com/office/drawing/2010/main">
+        <mc:Choice Requires="a14">
           <p:sp>
             <p:nvSpPr>
               <p:cNvPr id="22" name="Textfeld 21">
@@ -11316,7 +11316,7 @@
             </p:txBody>
           </p:sp>
         </mc:Choice>
-        <mc:Fallback>
+        <mc:Fallback xmlns="">
           <p:sp>
             <p:nvSpPr>
               <p:cNvPr id="22" name="Textfeld 21">
@@ -11511,7 +11511,7 @@
         </p:nvSpPr>
         <p:spPr>
           <a:xfrm>
-            <a:off x="7559455" y="3878295"/>
+            <a:off x="7636562" y="3878295"/>
             <a:ext cx="2795001" cy="280863"/>
           </a:xfrm>
           <a:prstGeom prst="rect">
@@ -11558,8 +11558,8 @@
           </a:p>
         </p:txBody>
       </p:sp>
-      <mc:AlternateContent xmlns:mc="http://schemas.openxmlformats.org/markup-compatibility/2006" xmlns:a14="http://schemas.microsoft.com/office/drawing/2010/main">
-        <mc:Choice Requires="a14">
+      <mc:AlternateContent xmlns:mc="http://schemas.openxmlformats.org/markup-compatibility/2006">
+        <mc:Choice xmlns:a14="http://schemas.microsoft.com/office/drawing/2010/main" Requires="a14">
           <p:sp>
             <p:nvSpPr>
               <p:cNvPr id="29" name="Textfeld 28">
@@ -11574,7 +11574,7 @@
             </p:nvSpPr>
             <p:spPr>
               <a:xfrm>
-                <a:off x="9261991" y="4482840"/>
+                <a:off x="9351563" y="4482840"/>
                 <a:ext cx="1080000" cy="277200"/>
               </a:xfrm>
               <a:prstGeom prst="rect">
@@ -11636,13 +11636,13 @@
             </p:txBody>
           </p:sp>
         </mc:Choice>
-        <mc:Fallback xmlns="">
+        <mc:Fallback>
           <p:sp>
             <p:nvSpPr>
               <p:cNvPr id="29" name="Textfeld 28">
                 <a:extLst>
                   <a:ext uri="{FF2B5EF4-FFF2-40B4-BE49-F238E27FC236}">
-                    <a16:creationId xmlns:a16="http://schemas.microsoft.com/office/drawing/2014/main" id="{A1E211F9-17D8-404F-BDD9-8FA1CF6DEBDF}"/>
+                    <a16:creationId xmlns:a16="http://schemas.microsoft.com/office/drawing/2014/main" id="{6A843E82-AE36-2049-F32E-7DB7C257BD0C}"/>
                   </a:ext>
                 </a:extLst>
               </p:cNvPr>
@@ -11653,7 +11653,7 @@
             </p:nvSpPr>
             <p:spPr>
               <a:xfrm>
-                <a:off x="9261991" y="4482840"/>
+                <a:off x="9351563" y="4482840"/>
                 <a:ext cx="1080000" cy="277200"/>
               </a:xfrm>
               <a:prstGeom prst="rect">
@@ -11900,7 +11900,7 @@
         </p:nvSpPr>
         <p:spPr>
           <a:xfrm>
-            <a:off x="9168872" y="4968284"/>
+            <a:off x="9262621" y="4968284"/>
             <a:ext cx="1168942" cy="276999"/>
           </a:xfrm>
           <a:prstGeom prst="rect">
@@ -12063,8 +12063,8 @@
         </p:nvSpPr>
         <p:spPr>
           <a:xfrm>
-            <a:off x="7588434" y="5449810"/>
-            <a:ext cx="2795000" cy="280863"/>
+            <a:off x="7588433" y="5449810"/>
+            <a:ext cx="2838737" cy="284869"/>
           </a:xfrm>
           <a:prstGeom prst="rect">
             <a:avLst/>
@@ -12447,7 +12447,7 @@
             </p:nvSpPr>
             <p:spPr>
               <a:xfrm>
-                <a:off x="5037088" y="3113051"/>
+                <a:off x="5130837" y="3111855"/>
                 <a:ext cx="2338425" cy="276999"/>
               </a:xfrm>
               <a:prstGeom prst="rect">
@@ -12526,7 +12526,7 @@
             </p:nvSpPr>
             <p:spPr>
               <a:xfrm>
-                <a:off x="5037088" y="3113051"/>
+                <a:off x="5130837" y="3111855"/>
                 <a:ext cx="2338425" cy="276999"/>
               </a:xfrm>
               <a:prstGeom prst="rect">
@@ -12578,7 +12578,7 @@
             </p:nvSpPr>
             <p:spPr>
               <a:xfrm>
-                <a:off x="7588434" y="3100255"/>
+                <a:off x="7625917" y="3100255"/>
                 <a:ext cx="2805646" cy="276999"/>
               </a:xfrm>
               <a:prstGeom prst="rect">
@@ -12657,7 +12657,7 @@
             </p:nvSpPr>
             <p:spPr>
               <a:xfrm>
-                <a:off x="7588434" y="3100255"/>
+                <a:off x="7625917" y="3100255"/>
                 <a:ext cx="2805646" cy="276999"/>
               </a:xfrm>
               <a:prstGeom prst="rect">
@@ -12707,8 +12707,8 @@
         </p:nvSpPr>
         <p:spPr>
           <a:xfrm>
-            <a:off x="10463276" y="5446449"/>
-            <a:ext cx="1586791" cy="276999"/>
+            <a:off x="10508557" y="5453366"/>
+            <a:ext cx="1618426" cy="277200"/>
           </a:xfrm>
           <a:prstGeom prst="rect">
             <a:avLst/>
@@ -13002,7 +13002,7 @@
         </p:nvSpPr>
         <p:spPr>
           <a:xfrm>
-            <a:off x="10463276" y="4951684"/>
+            <a:off x="10508891" y="4951684"/>
             <a:ext cx="1618427" cy="276999"/>
           </a:xfrm>
           <a:prstGeom prst="rect">
@@ -13055,8 +13055,8 @@
         </p:nvSpPr>
         <p:spPr>
           <a:xfrm>
-            <a:off x="10463276" y="3876297"/>
-            <a:ext cx="1618761" cy="276999"/>
+            <a:off x="10508557" y="3876296"/>
+            <a:ext cx="1618761" cy="277200"/>
           </a:xfrm>
           <a:prstGeom prst="rect">
             <a:avLst/>
@@ -14127,9 +14127,9 @@
           <p:nvPr/>
         </p:nvCxnSpPr>
         <p:spPr>
-          <a:xfrm flipH="1">
-            <a:off x="7687451" y="1109786"/>
-            <a:ext cx="14973" cy="1092728"/>
+          <a:xfrm>
+            <a:off x="7702424" y="1109786"/>
+            <a:ext cx="78776" cy="1091532"/>
           </a:xfrm>
           <a:prstGeom prst="straightConnector1">
             <a:avLst/>

--- a/vignettes/figures/decision_tree.pptx
+++ b/vignettes/figures/decision_tree.pptx
@@ -10459,8 +10459,8 @@
           </p:sp>
         </mc:Fallback>
       </mc:AlternateContent>
-      <mc:AlternateContent xmlns:mc="http://schemas.openxmlformats.org/markup-compatibility/2006" xmlns:a14="http://schemas.microsoft.com/office/drawing/2010/main">
-        <mc:Choice Requires="a14">
+      <mc:AlternateContent xmlns:mc="http://schemas.openxmlformats.org/markup-compatibility/2006">
+        <mc:Choice xmlns:a14="http://schemas.microsoft.com/office/drawing/2010/main" Requires="a14">
           <p:sp>
             <p:nvSpPr>
               <p:cNvPr id="9" name="Textfeld 8">
@@ -10475,7 +10475,7 @@
             </p:nvSpPr>
             <p:spPr>
               <a:xfrm>
-                <a:off x="5050390" y="832787"/>
+                <a:off x="5127496" y="832787"/>
                 <a:ext cx="5304067" cy="276999"/>
               </a:xfrm>
               <a:prstGeom prst="rect">
@@ -10544,7 +10544,7 @@
             </p:txBody>
           </p:sp>
         </mc:Choice>
-        <mc:Fallback xmlns="">
+        <mc:Fallback>
           <p:sp>
             <p:nvSpPr>
               <p:cNvPr id="9" name="Textfeld 8">
@@ -10561,7 +10561,7 @@
             </p:nvSpPr>
             <p:spPr>
               <a:xfrm>
-                <a:off x="5050390" y="832787"/>
+                <a:off x="5127496" y="832787"/>
                 <a:ext cx="5304067" cy="276999"/>
               </a:xfrm>
               <a:prstGeom prst="rect">
@@ -14128,8 +14128,8 @@
         </p:nvCxnSpPr>
         <p:spPr>
           <a:xfrm>
-            <a:off x="7702424" y="1109786"/>
-            <a:ext cx="78776" cy="1091532"/>
+            <a:off x="7779530" y="1109786"/>
+            <a:ext cx="1670" cy="1091532"/>
           </a:xfrm>
           <a:prstGeom prst="straightConnector1">
             <a:avLst/>

--- a/vignettes/figures/decision_tree.pptx
+++ b/vignettes/figures/decision_tree.pptx
@@ -14038,7 +14038,7 @@
         </p:nvCxnSpPr>
         <p:spPr>
           <a:xfrm flipH="1">
-            <a:off x="6086811" y="5264410"/>
+            <a:off x="6182061" y="5264410"/>
             <a:ext cx="4391" cy="180489"/>
           </a:xfrm>
           <a:prstGeom prst="straightConnector1">

--- a/vignettes/figures/decision_tree.pptx
+++ b/vignettes/figures/decision_tree.pptx
@@ -5,11 +5,12 @@
     <p:sldMasterId id="2147483648" r:id="rId1"/>
   </p:sldMasterIdLst>
   <p:notesMasterIdLst>
-    <p:notesMasterId r:id="rId4"/>
+    <p:notesMasterId r:id="rId5"/>
   </p:notesMasterIdLst>
   <p:sldIdLst>
     <p:sldId id="259" r:id="rId2"/>
     <p:sldId id="260" r:id="rId3"/>
+    <p:sldId id="261" r:id="rId4"/>
   </p:sldIdLst>
   <p:sldSz cx="12192000" cy="6858000"/>
   <p:notesSz cx="6858000" cy="9144000"/>
@@ -130,13 +131,37 @@
 <file path=ppt/revisionInfo.xml><?xml version="1.0" encoding="utf-8"?>
 <p1510:revInfo xmlns:a="http://schemas.openxmlformats.org/drawingml/2006/main" xmlns:r="http://schemas.openxmlformats.org/officeDocument/2006/relationships" xmlns:p1510="http://schemas.microsoft.com/office/powerpoint/2015/10/main">
   <p1510:revLst>
-    <p1510:client id="{895C96C1-8C91-454F-AE14-4A89B17CB3FA}" v="20" dt="2025-05-25T17:04:25.327"/>
+    <p1510:client id="{34CB6A71-7513-2F40-82C8-B9798DAD0967}" v="1" dt="2025-06-17T14:09:00.039"/>
   </p1510:revLst>
 </p1510:revInfo>
 </file>
 
 <file path=ppt/changesInfos/changesInfo1.xml><?xml version="1.0" encoding="utf-8"?>
 <pc:chgInfo xmlns:a="http://schemas.openxmlformats.org/drawingml/2006/main" xmlns:r="http://schemas.openxmlformats.org/officeDocument/2006/relationships" xmlns:ac="http://schemas.microsoft.com/office/drawing/2013/main/command" xmlns:pc="http://schemas.microsoft.com/office/powerpoint/2013/main/command">
+  <pc:docChgLst>
+    <pc:chgData name="Schilling Sabine HSLU W" userId="b0e2af5c-9187-4900-883a-c96514cd8e15" providerId="ADAL" clId="{34CB6A71-7513-2F40-82C8-B9798DAD0967}"/>
+    <pc:docChg chg="addSld modSld">
+      <pc:chgData name="Schilling Sabine HSLU W" userId="b0e2af5c-9187-4900-883a-c96514cd8e15" providerId="ADAL" clId="{34CB6A71-7513-2F40-82C8-B9798DAD0967}" dt="2025-06-17T14:09:11.698" v="14" actId="20577"/>
+      <pc:docMkLst>
+        <pc:docMk/>
+      </pc:docMkLst>
+      <pc:sldChg chg="modSp add mod">
+        <pc:chgData name="Schilling Sabine HSLU W" userId="b0e2af5c-9187-4900-883a-c96514cd8e15" providerId="ADAL" clId="{34CB6A71-7513-2F40-82C8-B9798DAD0967}" dt="2025-06-17T14:09:11.698" v="14" actId="20577"/>
+        <pc:sldMkLst>
+          <pc:docMk/>
+          <pc:sldMk cId="348234868" sldId="261"/>
+        </pc:sldMkLst>
+        <pc:spChg chg="mod">
+          <ac:chgData name="Schilling Sabine HSLU W" userId="b0e2af5c-9187-4900-883a-c96514cd8e15" providerId="ADAL" clId="{34CB6A71-7513-2F40-82C8-B9798DAD0967}" dt="2025-06-17T14:09:11.698" v="14" actId="20577"/>
+          <ac:spMkLst>
+            <pc:docMk/>
+            <pc:sldMk cId="348234868" sldId="261"/>
+            <ac:spMk id="28" creationId="{DBB7D267-1E52-0B13-53D5-F9C1DDFB927A}"/>
+          </ac:spMkLst>
+        </pc:spChg>
+      </pc:sldChg>
+    </pc:docChg>
+  </pc:docChgLst>
   <pc:docChgLst>
     <pc:chgData name="Schilling Sabine HSLU W" userId="b0e2af5c-9187-4900-883a-c96514cd8e15" providerId="ADAL" clId="{895C96C1-8C91-454F-AE14-4A89B17CB3FA}"/>
     <pc:docChg chg="modSld">
@@ -286,7 +311,7 @@
           <a:p>
             <a:fld id="{0AECA108-3915-9043-8428-B4BE4472B821}" type="datetimeFigureOut">
               <a:rPr lang="de-DE" smtClean="0"/>
-              <a:t>02.06.25</a:t>
+              <a:t>17.06.25</a:t>
             </a:fld>
             <a:endParaRPr lang="de-DE"/>
           </a:p>
@@ -745,6 +770,114 @@
 </p:notes>
 </file>
 
+<file path=ppt/notesSlides/notesSlide3.xml><?xml version="1.0" encoding="utf-8"?>
+<p:notes xmlns:a="http://schemas.openxmlformats.org/drawingml/2006/main" xmlns:r="http://schemas.openxmlformats.org/officeDocument/2006/relationships" xmlns:p="http://schemas.openxmlformats.org/presentationml/2006/main">
+  <p:cSld>
+    <p:spTree>
+      <p:nvGrpSpPr>
+        <p:cNvPr id="1" name="">
+          <a:extLst>
+            <a:ext uri="{FF2B5EF4-FFF2-40B4-BE49-F238E27FC236}">
+              <a16:creationId xmlns:a16="http://schemas.microsoft.com/office/drawing/2014/main" id="{F311F13F-07D4-A934-FD35-6ECF11F11C34}"/>
+            </a:ext>
+          </a:extLst>
+        </p:cNvPr>
+        <p:cNvGrpSpPr/>
+        <p:nvPr/>
+      </p:nvGrpSpPr>
+      <p:grpSpPr>
+        <a:xfrm>
+          <a:off x="0" y="0"/>
+          <a:ext cx="0" cy="0"/>
+          <a:chOff x="0" y="0"/>
+          <a:chExt cx="0" cy="0"/>
+        </a:xfrm>
+      </p:grpSpPr>
+      <p:sp>
+        <p:nvSpPr>
+          <p:cNvPr id="2" name="Folienbildplatzhalter 1">
+            <a:extLst>
+              <a:ext uri="{FF2B5EF4-FFF2-40B4-BE49-F238E27FC236}">
+                <a16:creationId xmlns:a16="http://schemas.microsoft.com/office/drawing/2014/main" id="{7D301AF7-AF76-5D7C-E948-42503E46B213}"/>
+              </a:ext>
+            </a:extLst>
+          </p:cNvPr>
+          <p:cNvSpPr>
+            <a:spLocks noGrp="1" noRot="1" noChangeAspect="1"/>
+          </p:cNvSpPr>
+          <p:nvPr>
+            <p:ph type="sldImg"/>
+          </p:nvPr>
+        </p:nvSpPr>
+        <p:spPr/>
+      </p:sp>
+      <p:sp>
+        <p:nvSpPr>
+          <p:cNvPr id="3" name="Notizenplatzhalter 2">
+            <a:extLst>
+              <a:ext uri="{FF2B5EF4-FFF2-40B4-BE49-F238E27FC236}">
+                <a16:creationId xmlns:a16="http://schemas.microsoft.com/office/drawing/2014/main" id="{D4E8C43C-7B26-055A-5544-B5D0DC4E1AF5}"/>
+              </a:ext>
+            </a:extLst>
+          </p:cNvPr>
+          <p:cNvSpPr>
+            <a:spLocks noGrp="1"/>
+          </p:cNvSpPr>
+          <p:nvPr>
+            <p:ph type="body" idx="1"/>
+          </p:nvPr>
+        </p:nvSpPr>
+        <p:spPr/>
+        <p:txBody>
+          <a:bodyPr/>
+          <a:lstStyle/>
+          <a:p>
+            <a:endParaRPr lang="de-DE" dirty="0"/>
+          </a:p>
+        </p:txBody>
+      </p:sp>
+      <p:sp>
+        <p:nvSpPr>
+          <p:cNvPr id="4" name="Foliennummernplatzhalter 3">
+            <a:extLst>
+              <a:ext uri="{FF2B5EF4-FFF2-40B4-BE49-F238E27FC236}">
+                <a16:creationId xmlns:a16="http://schemas.microsoft.com/office/drawing/2014/main" id="{712895C5-68DC-C717-7DB5-AC4DEF0DD87D}"/>
+              </a:ext>
+            </a:extLst>
+          </p:cNvPr>
+          <p:cNvSpPr>
+            <a:spLocks noGrp="1"/>
+          </p:cNvSpPr>
+          <p:nvPr>
+            <p:ph type="sldNum" sz="quarter" idx="5"/>
+          </p:nvPr>
+        </p:nvSpPr>
+        <p:spPr/>
+        <p:txBody>
+          <a:bodyPr/>
+          <a:lstStyle/>
+          <a:p>
+            <a:fld id="{67B21A6D-3249-074E-BBD6-BCFA95367850}" type="slidenum">
+              <a:rPr lang="de-DE" smtClean="0"/>
+              <a:t>3</a:t>
+            </a:fld>
+            <a:endParaRPr lang="de-DE"/>
+          </a:p>
+        </p:txBody>
+      </p:sp>
+    </p:spTree>
+    <p:extLst>
+      <p:ext uri="{BB962C8B-B14F-4D97-AF65-F5344CB8AC3E}">
+        <p14:creationId xmlns:p14="http://schemas.microsoft.com/office/powerpoint/2010/main" val="404721673"/>
+      </p:ext>
+    </p:extLst>
+  </p:cSld>
+  <p:clrMapOvr>
+    <a:masterClrMapping/>
+  </p:clrMapOvr>
+</p:notes>
+</file>
+
 <file path=ppt/slideLayouts/slideLayout1.xml><?xml version="1.0" encoding="utf-8"?>
 <p:sldLayout xmlns:a="http://schemas.openxmlformats.org/drawingml/2006/main" xmlns:r="http://schemas.openxmlformats.org/officeDocument/2006/relationships" xmlns:p="http://schemas.openxmlformats.org/presentationml/2006/main" type="title" preserve="1">
   <p:cSld name="Titelfolie">
@@ -892,7 +1025,7 @@
           <a:p>
             <a:fld id="{43497422-92ED-3D47-BF28-17000E80E497}" type="datetimeFigureOut">
               <a:rPr lang="de-DE" smtClean="0"/>
-              <a:t>02.06.25</a:t>
+              <a:t>17.06.25</a:t>
             </a:fld>
             <a:endParaRPr lang="de-DE"/>
           </a:p>
@@ -1090,7 +1223,7 @@
           <a:p>
             <a:fld id="{43497422-92ED-3D47-BF28-17000E80E497}" type="datetimeFigureOut">
               <a:rPr lang="de-DE" smtClean="0"/>
-              <a:t>02.06.25</a:t>
+              <a:t>17.06.25</a:t>
             </a:fld>
             <a:endParaRPr lang="de-DE"/>
           </a:p>
@@ -1298,7 +1431,7 @@
           <a:p>
             <a:fld id="{43497422-92ED-3D47-BF28-17000E80E497}" type="datetimeFigureOut">
               <a:rPr lang="de-DE" smtClean="0"/>
-              <a:t>02.06.25</a:t>
+              <a:t>17.06.25</a:t>
             </a:fld>
             <a:endParaRPr lang="de-DE"/>
           </a:p>
@@ -1496,7 +1629,7 @@
           <a:p>
             <a:fld id="{43497422-92ED-3D47-BF28-17000E80E497}" type="datetimeFigureOut">
               <a:rPr lang="de-DE" smtClean="0"/>
-              <a:t>02.06.25</a:t>
+              <a:t>17.06.25</a:t>
             </a:fld>
             <a:endParaRPr lang="de-DE"/>
           </a:p>
@@ -1771,7 +1904,7 @@
           <a:p>
             <a:fld id="{43497422-92ED-3D47-BF28-17000E80E497}" type="datetimeFigureOut">
               <a:rPr lang="de-DE" smtClean="0"/>
-              <a:t>02.06.25</a:t>
+              <a:t>17.06.25</a:t>
             </a:fld>
             <a:endParaRPr lang="de-DE"/>
           </a:p>
@@ -2036,7 +2169,7 @@
           <a:p>
             <a:fld id="{43497422-92ED-3D47-BF28-17000E80E497}" type="datetimeFigureOut">
               <a:rPr lang="de-DE" smtClean="0"/>
-              <a:t>02.06.25</a:t>
+              <a:t>17.06.25</a:t>
             </a:fld>
             <a:endParaRPr lang="de-DE"/>
           </a:p>
@@ -2448,7 +2581,7 @@
           <a:p>
             <a:fld id="{43497422-92ED-3D47-BF28-17000E80E497}" type="datetimeFigureOut">
               <a:rPr lang="de-DE" smtClean="0"/>
-              <a:t>02.06.25</a:t>
+              <a:t>17.06.25</a:t>
             </a:fld>
             <a:endParaRPr lang="de-DE"/>
           </a:p>
@@ -2589,7 +2722,7 @@
           <a:p>
             <a:fld id="{43497422-92ED-3D47-BF28-17000E80E497}" type="datetimeFigureOut">
               <a:rPr lang="de-DE" smtClean="0"/>
-              <a:t>02.06.25</a:t>
+              <a:t>17.06.25</a:t>
             </a:fld>
             <a:endParaRPr lang="de-DE"/>
           </a:p>
@@ -2702,7 +2835,7 @@
           <a:p>
             <a:fld id="{43497422-92ED-3D47-BF28-17000E80E497}" type="datetimeFigureOut">
               <a:rPr lang="de-DE" smtClean="0"/>
-              <a:t>02.06.25</a:t>
+              <a:t>17.06.25</a:t>
             </a:fld>
             <a:endParaRPr lang="de-DE"/>
           </a:p>
@@ -3013,7 +3146,7 @@
           <a:p>
             <a:fld id="{43497422-92ED-3D47-BF28-17000E80E497}" type="datetimeFigureOut">
               <a:rPr lang="de-DE" smtClean="0"/>
-              <a:t>02.06.25</a:t>
+              <a:t>17.06.25</a:t>
             </a:fld>
             <a:endParaRPr lang="de-DE"/>
           </a:p>
@@ -3301,7 +3434,7 @@
           <a:p>
             <a:fld id="{43497422-92ED-3D47-BF28-17000E80E497}" type="datetimeFigureOut">
               <a:rPr lang="de-DE" smtClean="0"/>
-              <a:t>02.06.25</a:t>
+              <a:t>17.06.25</a:t>
             </a:fld>
             <a:endParaRPr lang="de-DE"/>
           </a:p>
@@ -3542,7 +3675,7 @@
           <a:p>
             <a:fld id="{43497422-92ED-3D47-BF28-17000E80E497}" type="datetimeFigureOut">
               <a:rPr lang="de-DE" smtClean="0"/>
-              <a:t>02.06.25</a:t>
+              <a:t>17.06.25</a:t>
             </a:fld>
             <a:endParaRPr lang="de-DE"/>
           </a:p>
@@ -10459,8 +10592,8 @@
           </p:sp>
         </mc:Fallback>
       </mc:AlternateContent>
-      <mc:AlternateContent xmlns:mc="http://schemas.openxmlformats.org/markup-compatibility/2006">
-        <mc:Choice xmlns:a14="http://schemas.microsoft.com/office/drawing/2010/main" Requires="a14">
+      <mc:AlternateContent xmlns:mc="http://schemas.openxmlformats.org/markup-compatibility/2006" xmlns:a14="http://schemas.microsoft.com/office/drawing/2010/main">
+        <mc:Choice Requires="a14">
           <p:sp>
             <p:nvSpPr>
               <p:cNvPr id="9" name="Textfeld 8">
@@ -10544,7 +10677,7 @@
             </p:txBody>
           </p:sp>
         </mc:Choice>
-        <mc:Fallback>
+        <mc:Fallback xmlns="">
           <p:sp>
             <p:nvSpPr>
               <p:cNvPr id="9" name="Textfeld 8">
@@ -11558,8 +11691,8 @@
           </a:p>
         </p:txBody>
       </p:sp>
-      <mc:AlternateContent xmlns:mc="http://schemas.openxmlformats.org/markup-compatibility/2006">
-        <mc:Choice xmlns:a14="http://schemas.microsoft.com/office/drawing/2010/main" Requires="a14">
+      <mc:AlternateContent xmlns:mc="http://schemas.openxmlformats.org/markup-compatibility/2006" xmlns:a14="http://schemas.microsoft.com/office/drawing/2010/main">
+        <mc:Choice Requires="a14">
           <p:sp>
             <p:nvSpPr>
               <p:cNvPr id="29" name="Textfeld 28">
@@ -11636,7 +11769,7 @@
             </p:txBody>
           </p:sp>
         </mc:Choice>
-        <mc:Fallback>
+        <mc:Fallback xmlns="">
           <p:sp>
             <p:nvSpPr>
               <p:cNvPr id="29" name="Textfeld 28">
@@ -12431,8 +12564,8 @@
           </p:style>
         </p:cxnSp>
       </p:grpSp>
-      <mc:AlternateContent xmlns:mc="http://schemas.openxmlformats.org/markup-compatibility/2006">
-        <mc:Choice xmlns:a14="http://schemas.microsoft.com/office/drawing/2010/main" Requires="a14">
+      <mc:AlternateContent xmlns:mc="http://schemas.openxmlformats.org/markup-compatibility/2006" xmlns:a14="http://schemas.microsoft.com/office/drawing/2010/main">
+        <mc:Choice Requires="a14">
           <p:sp>
             <p:nvSpPr>
               <p:cNvPr id="82" name="Textfeld 81">
@@ -12509,7 +12642,7 @@
             </p:txBody>
           </p:sp>
         </mc:Choice>
-        <mc:Fallback>
+        <mc:Fallback xmlns="">
           <p:sp>
             <p:nvSpPr>
               <p:cNvPr id="82" name="Textfeld 81">
@@ -12562,8 +12695,8 @@
           </p:sp>
         </mc:Fallback>
       </mc:AlternateContent>
-      <mc:AlternateContent xmlns:mc="http://schemas.openxmlformats.org/markup-compatibility/2006">
-        <mc:Choice xmlns:a14="http://schemas.microsoft.com/office/drawing/2010/main" Requires="a14">
+      <mc:AlternateContent xmlns:mc="http://schemas.openxmlformats.org/markup-compatibility/2006" xmlns:a14="http://schemas.microsoft.com/office/drawing/2010/main">
+        <mc:Choice Requires="a14">
           <p:sp>
             <p:nvSpPr>
               <p:cNvPr id="88" name="Textfeld 87">
@@ -12640,7 +12773,7 @@
             </p:txBody>
           </p:sp>
         </mc:Choice>
-        <mc:Fallback>
+        <mc:Fallback xmlns="">
           <p:sp>
             <p:nvSpPr>
               <p:cNvPr id="88" name="Textfeld 87">
@@ -14370,6 +14503,4629 @@
 </p:sld>
 </file>
 
+<file path=ppt/slides/slide3.xml><?xml version="1.0" encoding="utf-8"?>
+<p:sld xmlns:a="http://schemas.openxmlformats.org/drawingml/2006/main" xmlns:r="http://schemas.openxmlformats.org/officeDocument/2006/relationships" xmlns:p="http://schemas.openxmlformats.org/presentationml/2006/main">
+  <p:cSld>
+    <p:spTree>
+      <p:nvGrpSpPr>
+        <p:cNvPr id="1" name="">
+          <a:extLst>
+            <a:ext uri="{FF2B5EF4-FFF2-40B4-BE49-F238E27FC236}">
+              <a16:creationId xmlns:a16="http://schemas.microsoft.com/office/drawing/2014/main" id="{4D085427-4A64-702B-9163-D84D61A2F7BD}"/>
+            </a:ext>
+          </a:extLst>
+        </p:cNvPr>
+        <p:cNvGrpSpPr/>
+        <p:nvPr/>
+      </p:nvGrpSpPr>
+      <p:grpSpPr>
+        <a:xfrm>
+          <a:off x="0" y="0"/>
+          <a:ext cx="0" cy="0"/>
+          <a:chOff x="0" y="0"/>
+          <a:chExt cx="0" cy="0"/>
+        </a:xfrm>
+      </p:grpSpPr>
+      <p:sp>
+        <p:nvSpPr>
+          <p:cNvPr id="18" name="Textfeld 17">
+            <a:extLst>
+              <a:ext uri="{FF2B5EF4-FFF2-40B4-BE49-F238E27FC236}">
+                <a16:creationId xmlns:a16="http://schemas.microsoft.com/office/drawing/2014/main" id="{6B313EE7-478A-0AAC-A308-F43BA3BD9FA8}"/>
+              </a:ext>
+            </a:extLst>
+          </p:cNvPr>
+          <p:cNvSpPr txBox="1"/>
+          <p:nvPr/>
+        </p:nvSpPr>
+        <p:spPr>
+          <a:xfrm>
+            <a:off x="262794" y="2202514"/>
+            <a:ext cx="2959748" cy="276999"/>
+          </a:xfrm>
+          <a:prstGeom prst="rect">
+            <a:avLst/>
+          </a:prstGeom>
+          <a:solidFill>
+            <a:schemeClr val="accent2">
+              <a:alpha val="19906"/>
+            </a:schemeClr>
+          </a:solidFill>
+          <a:ln w="12700">
+            <a:solidFill>
+              <a:schemeClr val="tx1"/>
+            </a:solidFill>
+          </a:ln>
+        </p:spPr>
+        <p:txBody>
+          <a:bodyPr wrap="square">
+            <a:spAutoFit/>
+          </a:bodyPr>
+          <a:lstStyle/>
+          <a:p>
+            <a:pPr algn="ctr"/>
+            <a:r>
+              <a:rPr lang="en-GB" sz="1200" noProof="0" dirty="0" err="1">
+                <a:latin typeface="Courier New" panose="02070309020205020404" pitchFamily="49" charset="0"/>
+                <a:ea typeface="Cambria Math" panose="02040503050406030204" pitchFamily="18" charset="0"/>
+                <a:cs typeface="Courier New" panose="02070309020205020404" pitchFamily="49" charset="0"/>
+              </a:rPr>
+              <a:t>shapiro.test</a:t>
+            </a:r>
+            <a:r>
+              <a:rPr lang="en-GB" sz="1200" noProof="0" dirty="0">
+                <a:latin typeface="Courier New" panose="02070309020205020404" pitchFamily="49" charset="0"/>
+                <a:ea typeface="Cambria Math" panose="02040503050406030204" pitchFamily="18" charset="0"/>
+                <a:cs typeface="Courier New" panose="02070309020205020404" pitchFamily="49" charset="0"/>
+              </a:rPr>
+              <a:t>()</a:t>
+            </a:r>
+            <a:r>
+              <a:rPr lang="en-GB" sz="1200" noProof="0" dirty="0">
+                <a:latin typeface="Calibri" panose="020F0502020204030204" pitchFamily="34" charset="0"/>
+                <a:ea typeface="Cambria Math" panose="02040503050406030204" pitchFamily="18" charset="0"/>
+                <a:cs typeface="Calibri" panose="020F0502020204030204" pitchFamily="34" charset="0"/>
+              </a:rPr>
+              <a:t> for both levels</a:t>
+            </a:r>
+          </a:p>
+        </p:txBody>
+      </p:sp>
+      <p:sp>
+        <p:nvSpPr>
+          <p:cNvPr id="160" name="Textfeld 159">
+            <a:extLst>
+              <a:ext uri="{FF2B5EF4-FFF2-40B4-BE49-F238E27FC236}">
+                <a16:creationId xmlns:a16="http://schemas.microsoft.com/office/drawing/2014/main" id="{2D81EBD4-ABC7-BD04-F3FC-5DE26B768280}"/>
+              </a:ext>
+            </a:extLst>
+          </p:cNvPr>
+          <p:cNvSpPr txBox="1"/>
+          <p:nvPr/>
+        </p:nvSpPr>
+        <p:spPr>
+          <a:xfrm>
+            <a:off x="10508890" y="2202514"/>
+            <a:ext cx="1618428" cy="276999"/>
+          </a:xfrm>
+          <a:prstGeom prst="rect">
+            <a:avLst/>
+          </a:prstGeom>
+          <a:solidFill>
+            <a:schemeClr val="accent2">
+              <a:lumMod val="20000"/>
+              <a:lumOff val="80000"/>
+            </a:schemeClr>
+          </a:solidFill>
+          <a:ln w="12700">
+            <a:solidFill>
+              <a:schemeClr val="accent1">
+                <a:lumMod val="20000"/>
+                <a:lumOff val="80000"/>
+              </a:schemeClr>
+            </a:solidFill>
+          </a:ln>
+        </p:spPr>
+        <p:txBody>
+          <a:bodyPr wrap="square">
+            <a:spAutoFit/>
+          </a:bodyPr>
+          <a:lstStyle>
+            <a:defPPr>
+              <a:defRPr lang="de-DE"/>
+            </a:defPPr>
+            <a:lvl1pPr algn="ctr">
+              <a:defRPr sz="1200"/>
+            </a:lvl1pPr>
+          </a:lstStyle>
+          <a:p>
+            <a:r>
+              <a:rPr lang="en-GB" noProof="0" dirty="0">
+                <a:latin typeface="Calibri" panose="020F0502020204030204" pitchFamily="34" charset="0"/>
+                <a:ea typeface="Cambria Math" panose="02040503050406030204" pitchFamily="18" charset="0"/>
+                <a:cs typeface="Calibri" panose="020F0502020204030204" pitchFamily="34" charset="0"/>
+              </a:rPr>
+              <a:t>Check normality</a:t>
+            </a:r>
+          </a:p>
+        </p:txBody>
+      </p:sp>
+      <p:sp>
+        <p:nvSpPr>
+          <p:cNvPr id="6" name="Textfeld 5">
+            <a:extLst>
+              <a:ext uri="{FF2B5EF4-FFF2-40B4-BE49-F238E27FC236}">
+                <a16:creationId xmlns:a16="http://schemas.microsoft.com/office/drawing/2014/main" id="{43159668-ED57-4913-C175-44EB70EE5798}"/>
+              </a:ext>
+            </a:extLst>
+          </p:cNvPr>
+          <p:cNvSpPr txBox="1"/>
+          <p:nvPr/>
+        </p:nvSpPr>
+        <p:spPr>
+          <a:xfrm>
+            <a:off x="5130837" y="2201318"/>
+            <a:ext cx="5300726" cy="276999"/>
+          </a:xfrm>
+          <a:prstGeom prst="rect">
+            <a:avLst/>
+          </a:prstGeom>
+          <a:solidFill>
+            <a:schemeClr val="accent2">
+              <a:alpha val="19906"/>
+            </a:schemeClr>
+          </a:solidFill>
+          <a:ln w="12700">
+            <a:solidFill>
+              <a:schemeClr val="tx1"/>
+            </a:solidFill>
+          </a:ln>
+        </p:spPr>
+        <p:txBody>
+          <a:bodyPr wrap="square">
+            <a:spAutoFit/>
+          </a:bodyPr>
+          <a:lstStyle/>
+          <a:p>
+            <a:pPr algn="ctr"/>
+            <a:r>
+              <a:rPr lang="en-GB" sz="1200" noProof="0" dirty="0" err="1">
+                <a:latin typeface="Courier New" panose="02070309020205020404" pitchFamily="49" charset="0"/>
+                <a:ea typeface="Cambria Math" panose="02040503050406030204" pitchFamily="18" charset="0"/>
+                <a:cs typeface="Courier New" panose="02070309020205020404" pitchFamily="49" charset="0"/>
+              </a:rPr>
+              <a:t>shapiro.test</a:t>
+            </a:r>
+            <a:r>
+              <a:rPr lang="en-GB" sz="1200" noProof="0" dirty="0">
+                <a:latin typeface="Courier New" panose="02070309020205020404" pitchFamily="49" charset="0"/>
+                <a:ea typeface="Cambria Math" panose="02040503050406030204" pitchFamily="18" charset="0"/>
+                <a:cs typeface="Courier New" panose="02070309020205020404" pitchFamily="49" charset="0"/>
+              </a:rPr>
+              <a:t>()</a:t>
+            </a:r>
+            <a:r>
+              <a:rPr lang="en-GB" sz="1200" noProof="0" dirty="0">
+                <a:latin typeface="Calibri" panose="020F0502020204030204" pitchFamily="34" charset="0"/>
+                <a:ea typeface="Cambria Math" panose="02040503050406030204" pitchFamily="18" charset="0"/>
+                <a:cs typeface="Calibri" panose="020F0502020204030204" pitchFamily="34" charset="0"/>
+              </a:rPr>
+              <a:t> </a:t>
+            </a:r>
+            <a:r>
+              <a:rPr lang="en-GB" sz="1200" dirty="0">
+                <a:latin typeface="Calibri" panose="020F0502020204030204" pitchFamily="34" charset="0"/>
+                <a:ea typeface="Cambria Math" panose="02040503050406030204" pitchFamily="18" charset="0"/>
+                <a:cs typeface="Calibri" panose="020F0502020204030204" pitchFamily="34" charset="0"/>
+              </a:rPr>
+              <a:t>of residuals</a:t>
+            </a:r>
+            <a:endParaRPr lang="en-GB" sz="1200" noProof="0" dirty="0">
+              <a:latin typeface="Calibri" panose="020F0502020204030204" pitchFamily="34" charset="0"/>
+              <a:ea typeface="Cambria Math" panose="02040503050406030204" pitchFamily="18" charset="0"/>
+              <a:cs typeface="Calibri" panose="020F0502020204030204" pitchFamily="34" charset="0"/>
+            </a:endParaRPr>
+          </a:p>
+        </p:txBody>
+      </p:sp>
+      <mc:AlternateContent xmlns:mc="http://schemas.openxmlformats.org/markup-compatibility/2006" xmlns:a14="http://schemas.microsoft.com/office/drawing/2010/main">
+        <mc:Choice Requires="a14">
+          <p:sp>
+            <p:nvSpPr>
+              <p:cNvPr id="7" name="Textfeld 6">
+                <a:extLst>
+                  <a:ext uri="{FF2B5EF4-FFF2-40B4-BE49-F238E27FC236}">
+                    <a16:creationId xmlns:a16="http://schemas.microsoft.com/office/drawing/2014/main" id="{24802BBD-0262-E7F6-6C54-2597D007CE1E}"/>
+                  </a:ext>
+                </a:extLst>
+              </p:cNvPr>
+              <p:cNvSpPr txBox="1"/>
+              <p:nvPr/>
+            </p:nvSpPr>
+            <p:spPr>
+              <a:xfrm>
+                <a:off x="3982498" y="268315"/>
+                <a:ext cx="4305145" cy="461665"/>
+              </a:xfrm>
+              <a:prstGeom prst="rect">
+                <a:avLst/>
+              </a:prstGeom>
+              <a:noFill/>
+              <a:ln w="6350">
+                <a:solidFill>
+                  <a:schemeClr val="bg1">
+                    <a:lumMod val="85000"/>
+                  </a:schemeClr>
+                </a:solidFill>
+              </a:ln>
+            </p:spPr>
+            <p:txBody>
+              <a:bodyPr wrap="square">
+                <a:spAutoFit/>
+              </a:bodyPr>
+              <a:lstStyle/>
+              <a:p>
+                <a:pPr marL="171450" indent="-171450">
+                  <a:buFont typeface="Arial" panose="020B0604020202020204" pitchFamily="34" charset="0"/>
+                  <a:buChar char="•"/>
+                </a:pPr>
+                <a:r>
+                  <a:rPr lang="en-GB" sz="1200" dirty="0">
+                    <a:latin typeface="Calibri" panose="020F0502020204030204" pitchFamily="34" charset="0"/>
+                    <a:ea typeface="Cambria Math" panose="02040503050406030204" pitchFamily="18" charset="0"/>
+                    <a:cs typeface="Calibri" panose="020F0502020204030204" pitchFamily="34" charset="0"/>
+                  </a:rPr>
+                  <a:t>C</a:t>
+                </a:r>
+                <a:r>
+                  <a:rPr lang="en-GB" sz="1200" noProof="0" dirty="0" err="1">
+                    <a:latin typeface="Calibri" panose="020F0502020204030204" pitchFamily="34" charset="0"/>
+                    <a:ea typeface="Cambria Math" panose="02040503050406030204" pitchFamily="18" charset="0"/>
+                    <a:cs typeface="Calibri" panose="020F0502020204030204" pitchFamily="34" charset="0"/>
+                  </a:rPr>
+                  <a:t>ategorical</a:t>
+                </a:r>
+                <a:r>
+                  <a:rPr lang="en-GB" sz="1200" noProof="0" dirty="0">
+                    <a:latin typeface="Calibri" panose="020F0502020204030204" pitchFamily="34" charset="0"/>
+                    <a:ea typeface="Cambria Math" panose="02040503050406030204" pitchFamily="18" charset="0"/>
+                    <a:cs typeface="Calibri" panose="020F0502020204030204" pitchFamily="34" charset="0"/>
+                  </a:rPr>
+                  <a:t> predictor of </a:t>
+                </a:r>
+                <a:r>
+                  <a:rPr lang="en-GB" sz="1200" noProof="0" dirty="0">
+                    <a:latin typeface="Courier New" panose="02070309020205020404" pitchFamily="49" charset="0"/>
+                    <a:ea typeface="Cambria Math" panose="02040503050406030204" pitchFamily="18" charset="0"/>
+                    <a:cs typeface="Courier New" panose="02070309020205020404" pitchFamily="49" charset="0"/>
+                  </a:rPr>
+                  <a:t>class </a:t>
+                </a:r>
+                <a:r>
+                  <a:rPr lang="en-GB" sz="1200" dirty="0">
+                    <a:latin typeface="Calibri" panose="020F0502020204030204" pitchFamily="34" charset="0"/>
+                    <a:ea typeface="Cambria Math" panose="02040503050406030204" pitchFamily="18" charset="0"/>
+                    <a:cs typeface="Calibri" panose="020F0502020204030204" pitchFamily="34" charset="0"/>
+                  </a:rPr>
+                  <a:t>“</a:t>
+                </a:r>
+                <a:r>
+                  <a:rPr lang="en-GB" sz="1200" dirty="0">
+                    <a:latin typeface="Courier New" panose="02070309020205020404" pitchFamily="49" charset="0"/>
+                    <a:ea typeface="Cambria Math" panose="02040503050406030204" pitchFamily="18" charset="0"/>
+                    <a:cs typeface="Courier New" panose="02070309020205020404" pitchFamily="49" charset="0"/>
+                  </a:rPr>
+                  <a:t>factor</a:t>
+                </a:r>
+                <a:r>
+                  <a:rPr lang="en-GB" sz="1200" noProof="0" dirty="0">
+                    <a:latin typeface="Calibri" panose="020F0502020204030204" pitchFamily="34" charset="0"/>
+                    <a:ea typeface="Cambria Math" panose="02040503050406030204" pitchFamily="18" charset="0"/>
+                    <a:cs typeface="Calibri" panose="020F0502020204030204" pitchFamily="34" charset="0"/>
+                  </a:rPr>
+                  <a:t>“  with </a:t>
+                </a:r>
+                <a14:m>
+                  <m:oMath xmlns:m="http://schemas.openxmlformats.org/officeDocument/2006/math">
+                    <m:r>
+                      <a:rPr lang="en-GB" sz="1200" i="1" noProof="0" smtClean="0">
+                        <a:latin typeface="Cambria Math" panose="02040503050406030204" pitchFamily="18" charset="0"/>
+                        <a:ea typeface="Cambria Math" panose="02040503050406030204" pitchFamily="18" charset="0"/>
+                      </a:rPr>
+                      <m:t>𝑁</m:t>
+                    </m:r>
+                  </m:oMath>
+                </a14:m>
+                <a:r>
+                  <a:rPr lang="en-GB" sz="1200" noProof="0" dirty="0">
+                    <a:latin typeface="Calibri" panose="020F0502020204030204" pitchFamily="34" charset="0"/>
+                    <a:ea typeface="Cambria Math" panose="02040503050406030204" pitchFamily="18" charset="0"/>
+                    <a:cs typeface="Calibri" panose="020F0502020204030204" pitchFamily="34" charset="0"/>
+                  </a:rPr>
+                  <a:t> levels</a:t>
+                </a:r>
+              </a:p>
+              <a:p>
+                <a:pPr marL="171450" indent="-171450">
+                  <a:buFont typeface="Arial" panose="020B0604020202020204" pitchFamily="34" charset="0"/>
+                  <a:buChar char="•"/>
+                </a:pPr>
+                <a:r>
+                  <a:rPr lang="en-GB" sz="1200" dirty="0">
+                    <a:latin typeface="Calibri" panose="020F0502020204030204" pitchFamily="34" charset="0"/>
+                    <a:ea typeface="Cambria Math" panose="02040503050406030204" pitchFamily="18" charset="0"/>
+                    <a:cs typeface="Calibri" panose="020F0502020204030204" pitchFamily="34" charset="0"/>
+                  </a:rPr>
+                  <a:t>N</a:t>
+                </a:r>
+                <a:r>
+                  <a:rPr lang="en-GB" sz="1200" noProof="0" dirty="0" err="1">
+                    <a:latin typeface="Calibri" panose="020F0502020204030204" pitchFamily="34" charset="0"/>
+                    <a:ea typeface="Cambria Math" panose="02040503050406030204" pitchFamily="18" charset="0"/>
+                    <a:cs typeface="Calibri" panose="020F0502020204030204" pitchFamily="34" charset="0"/>
+                  </a:rPr>
+                  <a:t>umeric</a:t>
+                </a:r>
+                <a:r>
+                  <a:rPr lang="en-GB" sz="1200" noProof="0" dirty="0">
+                    <a:latin typeface="Calibri" panose="020F0502020204030204" pitchFamily="34" charset="0"/>
+                    <a:ea typeface="Cambria Math" panose="02040503050406030204" pitchFamily="18" charset="0"/>
+                    <a:cs typeface="Calibri" panose="020F0502020204030204" pitchFamily="34" charset="0"/>
+                  </a:rPr>
+                  <a:t> response of </a:t>
+                </a:r>
+                <a:r>
+                  <a:rPr lang="en-GB" sz="1200" noProof="0" dirty="0">
+                    <a:latin typeface="Courier New" panose="02070309020205020404" pitchFamily="49" charset="0"/>
+                    <a:ea typeface="Cambria Math" panose="02040503050406030204" pitchFamily="18" charset="0"/>
+                    <a:cs typeface="Courier New" panose="02070309020205020404" pitchFamily="49" charset="0"/>
+                  </a:rPr>
+                  <a:t>class </a:t>
+                </a:r>
+                <a:r>
+                  <a:rPr lang="en-GB" sz="1200" dirty="0">
+                    <a:latin typeface="Calibri" panose="020F0502020204030204" pitchFamily="34" charset="0"/>
+                    <a:ea typeface="Cambria Math" panose="02040503050406030204" pitchFamily="18" charset="0"/>
+                    <a:cs typeface="Calibri" panose="020F0502020204030204" pitchFamily="34" charset="0"/>
+                  </a:rPr>
+                  <a:t>“</a:t>
+                </a:r>
+                <a:r>
+                  <a:rPr lang="en-GB" sz="1200" noProof="0" dirty="0">
+                    <a:latin typeface="Courier New" panose="02070309020205020404" pitchFamily="49" charset="0"/>
+                    <a:ea typeface="Cambria Math" panose="02040503050406030204" pitchFamily="18" charset="0"/>
+                    <a:cs typeface="Courier New" panose="02070309020205020404" pitchFamily="49" charset="0"/>
+                  </a:rPr>
+                  <a:t>numeric</a:t>
+                </a:r>
+                <a:r>
+                  <a:rPr lang="en-GB" sz="1200" dirty="0">
+                    <a:latin typeface="Calibri" panose="020F0502020204030204" pitchFamily="34" charset="0"/>
+                    <a:ea typeface="Cambria Math" panose="02040503050406030204" pitchFamily="18" charset="0"/>
+                    <a:cs typeface="Calibri" panose="020F0502020204030204" pitchFamily="34" charset="0"/>
+                  </a:rPr>
+                  <a:t>”</a:t>
+                </a:r>
+                <a:r>
+                  <a:rPr lang="en-GB" sz="1200" dirty="0">
+                    <a:latin typeface="Courier New" panose="02070309020205020404" pitchFamily="49" charset="0"/>
+                    <a:ea typeface="Cambria Math" panose="02040503050406030204" pitchFamily="18" charset="0"/>
+                    <a:cs typeface="Courier New" panose="02070309020205020404" pitchFamily="49" charset="0"/>
+                  </a:rPr>
+                  <a:t> </a:t>
+                </a:r>
+                <a:r>
+                  <a:rPr lang="en-GB" sz="1200" noProof="0" dirty="0">
+                    <a:latin typeface="Calibri" panose="020F0502020204030204" pitchFamily="34" charset="0"/>
+                    <a:ea typeface="Cambria Math" panose="02040503050406030204" pitchFamily="18" charset="0"/>
+                    <a:cs typeface="Calibri" panose="020F0502020204030204" pitchFamily="34" charset="0"/>
+                  </a:rPr>
+                  <a:t>or “</a:t>
+                </a:r>
+                <a:r>
+                  <a:rPr lang="en-GB" sz="1200" noProof="0" dirty="0">
+                    <a:latin typeface="Courier New" panose="02070309020205020404" pitchFamily="49" charset="0"/>
+                    <a:ea typeface="Cambria Math" panose="02040503050406030204" pitchFamily="18" charset="0"/>
+                    <a:cs typeface="Courier New" panose="02070309020205020404" pitchFamily="49" charset="0"/>
+                  </a:rPr>
+                  <a:t>integer</a:t>
+                </a:r>
+                <a:r>
+                  <a:rPr lang="en-GB" sz="1200" dirty="0">
+                    <a:latin typeface="Calibri" panose="020F0502020204030204" pitchFamily="34" charset="0"/>
+                    <a:ea typeface="Cambria Math" panose="02040503050406030204" pitchFamily="18" charset="0"/>
+                    <a:cs typeface="Calibri" panose="020F0502020204030204" pitchFamily="34" charset="0"/>
+                  </a:rPr>
+                  <a:t>”</a:t>
+                </a:r>
+                <a:endParaRPr lang="en-GB" sz="1200" noProof="0" dirty="0">
+                  <a:latin typeface="Calibri" panose="020F0502020204030204" pitchFamily="34" charset="0"/>
+                  <a:ea typeface="Cambria Math" panose="02040503050406030204" pitchFamily="18" charset="0"/>
+                  <a:cs typeface="Calibri" panose="020F0502020204030204" pitchFamily="34" charset="0"/>
+                </a:endParaRPr>
+              </a:p>
+            </p:txBody>
+          </p:sp>
+        </mc:Choice>
+        <mc:Fallback xmlns="">
+          <p:sp>
+            <p:nvSpPr>
+              <p:cNvPr id="7" name="Textfeld 6">
+                <a:extLst>
+                  <a:ext uri="{FF2B5EF4-FFF2-40B4-BE49-F238E27FC236}">
+                    <a16:creationId xmlns:a16="http://schemas.microsoft.com/office/drawing/2014/main" id="{D954AB4D-A237-C043-A913-633703A9C26B}"/>
+                  </a:ext>
+                </a:extLst>
+              </p:cNvPr>
+              <p:cNvSpPr txBox="1">
+                <a:spLocks noRot="1" noChangeAspect="1" noMove="1" noResize="1" noEditPoints="1" noAdjustHandles="1" noChangeArrowheads="1" noChangeShapeType="1" noTextEdit="1"/>
+              </p:cNvSpPr>
+              <p:nvPr/>
+            </p:nvSpPr>
+            <p:spPr>
+              <a:xfrm>
+                <a:off x="3982498" y="268315"/>
+                <a:ext cx="4305145" cy="461665"/>
+              </a:xfrm>
+              <a:prstGeom prst="rect">
+                <a:avLst/>
+              </a:prstGeom>
+              <a:blipFill>
+                <a:blip r:embed="rId3"/>
+                <a:stretch>
+                  <a:fillRect b="-5263"/>
+                </a:stretch>
+              </a:blipFill>
+              <a:ln w="6350">
+                <a:solidFill>
+                  <a:schemeClr val="bg1">
+                    <a:lumMod val="85000"/>
+                  </a:schemeClr>
+                </a:solidFill>
+              </a:ln>
+            </p:spPr>
+            <p:txBody>
+              <a:bodyPr/>
+              <a:lstStyle/>
+              <a:p>
+                <a:r>
+                  <a:rPr lang="de-DE">
+                    <a:noFill/>
+                  </a:rPr>
+                  <a:t> </a:t>
+                </a:r>
+              </a:p>
+            </p:txBody>
+          </p:sp>
+        </mc:Fallback>
+      </mc:AlternateContent>
+      <mc:AlternateContent xmlns:mc="http://schemas.openxmlformats.org/markup-compatibility/2006" xmlns:a14="http://schemas.microsoft.com/office/drawing/2010/main">
+        <mc:Choice Requires="a14">
+          <p:sp>
+            <p:nvSpPr>
+              <p:cNvPr id="8" name="Textfeld 7">
+                <a:extLst>
+                  <a:ext uri="{FF2B5EF4-FFF2-40B4-BE49-F238E27FC236}">
+                    <a16:creationId xmlns:a16="http://schemas.microsoft.com/office/drawing/2014/main" id="{C46BE5EB-9EA9-6440-EB52-274F49A2AA2D}"/>
+                  </a:ext>
+                </a:extLst>
+              </p:cNvPr>
+              <p:cNvSpPr txBox="1"/>
+              <p:nvPr/>
+            </p:nvSpPr>
+            <p:spPr>
+              <a:xfrm>
+                <a:off x="262794" y="832787"/>
+                <a:ext cx="4514400" cy="276999"/>
+              </a:xfrm>
+              <a:prstGeom prst="rect">
+                <a:avLst/>
+              </a:prstGeom>
+              <a:noFill/>
+              <a:ln w="12700">
+                <a:solidFill>
+                  <a:schemeClr val="tx1"/>
+                </a:solidFill>
+              </a:ln>
+            </p:spPr>
+            <p:txBody>
+              <a:bodyPr wrap="square">
+                <a:spAutoFit/>
+              </a:bodyPr>
+              <a:lstStyle>
+                <a:defPPr>
+                  <a:defRPr lang="de-DE"/>
+                </a:defPPr>
+              </a:lstStyle>
+              <a:p>
+                <a:pPr algn="ctr"/>
+                <a:r>
+                  <a:rPr lang="en-GB" sz="1200" dirty="0">
+                    <a:latin typeface="Calibri" panose="020F0502020204030204" pitchFamily="34" charset="0"/>
+                    <a:ea typeface="Cambria Math" panose="02040503050406030204" pitchFamily="18" charset="0"/>
+                    <a:cs typeface="Calibri" panose="020F0502020204030204" pitchFamily="34" charset="0"/>
+                  </a:rPr>
+                  <a:t>predictor</a:t>
+                </a:r>
+                <a:r>
+                  <a:rPr lang="en-GB" sz="1200" noProof="0" dirty="0">
+                    <a:latin typeface="Calibri" panose="020F0502020204030204" pitchFamily="34" charset="0"/>
+                    <a:ea typeface="Cambria Math" panose="02040503050406030204" pitchFamily="18" charset="0"/>
+                    <a:cs typeface="Calibri" panose="020F0502020204030204" pitchFamily="34" charset="0"/>
+                  </a:rPr>
+                  <a:t>: </a:t>
+                </a:r>
+                <a14:m>
+                  <m:oMath xmlns:m="http://schemas.openxmlformats.org/officeDocument/2006/math">
+                    <m:r>
+                      <a:rPr lang="en-GB" sz="1200" i="1" noProof="0" smtClean="0">
+                        <a:latin typeface="Cambria Math" panose="02040503050406030204" pitchFamily="18" charset="0"/>
+                        <a:ea typeface="Cambria Math" panose="02040503050406030204" pitchFamily="18" charset="0"/>
+                      </a:rPr>
+                      <m:t>𝑁</m:t>
+                    </m:r>
+                    <m:r>
+                      <a:rPr lang="en-GB" sz="1200" i="1" noProof="0" smtClean="0">
+                        <a:latin typeface="Cambria Math" panose="02040503050406030204" pitchFamily="18" charset="0"/>
+                        <a:ea typeface="Cambria Math" panose="02040503050406030204" pitchFamily="18" charset="0"/>
+                      </a:rPr>
+                      <m:t>=2 </m:t>
+                    </m:r>
+                  </m:oMath>
+                </a14:m>
+                <a:r>
+                  <a:rPr lang="en-GB" sz="1200" noProof="0" dirty="0">
+                    <a:latin typeface="Calibri" panose="020F0502020204030204" pitchFamily="34" charset="0"/>
+                    <a:ea typeface="Cambria Math" panose="02040503050406030204" pitchFamily="18" charset="0"/>
+                    <a:cs typeface="Calibri" panose="020F0502020204030204" pitchFamily="34" charset="0"/>
+                  </a:rPr>
+                  <a:t>levels  with </a:t>
+                </a:r>
+                <a14:m>
+                  <m:oMath xmlns:m="http://schemas.openxmlformats.org/officeDocument/2006/math">
+                    <m:sSub>
+                      <m:sSubPr>
+                        <m:ctrlPr>
+                          <a:rPr lang="en-GB" sz="1200" b="0" i="1" noProof="0" smtClean="0">
+                            <a:latin typeface="Cambria Math" panose="02040503050406030204" pitchFamily="18" charset="0"/>
+                            <a:ea typeface="Cambria Math" panose="02040503050406030204" pitchFamily="18" charset="0"/>
+                          </a:rPr>
+                        </m:ctrlPr>
+                      </m:sSubPr>
+                      <m:e>
+                        <m:r>
+                          <a:rPr lang="en-GB" sz="1200" b="0" i="1" noProof="0" smtClean="0">
+                            <a:latin typeface="Cambria Math" panose="02040503050406030204" pitchFamily="18" charset="0"/>
+                            <a:ea typeface="Cambria Math" panose="02040503050406030204" pitchFamily="18" charset="0"/>
+                          </a:rPr>
+                          <m:t>𝑛</m:t>
+                        </m:r>
+                      </m:e>
+                      <m:sub>
+                        <m:r>
+                          <a:rPr lang="en-GB" sz="1200" b="0" i="1" noProof="0" smtClean="0">
+                            <a:latin typeface="Cambria Math" panose="02040503050406030204" pitchFamily="18" charset="0"/>
+                            <a:ea typeface="Cambria Math" panose="02040503050406030204" pitchFamily="18" charset="0"/>
+                          </a:rPr>
+                          <m:t>1</m:t>
+                        </m:r>
+                      </m:sub>
+                    </m:sSub>
+                  </m:oMath>
+                </a14:m>
+                <a:r>
+                  <a:rPr lang="en-GB" sz="1200" noProof="0" dirty="0">
+                    <a:latin typeface="Calibri" panose="020F0502020204030204" pitchFamily="34" charset="0"/>
+                    <a:ea typeface="Cambria Math" panose="02040503050406030204" pitchFamily="18" charset="0"/>
+                    <a:cs typeface="Calibri" panose="020F0502020204030204" pitchFamily="34" charset="0"/>
+                  </a:rPr>
+                  <a:t> resp.  </a:t>
+                </a:r>
+                <a14:m>
+                  <m:oMath xmlns:m="http://schemas.openxmlformats.org/officeDocument/2006/math">
+                    <m:sSub>
+                      <m:sSubPr>
+                        <m:ctrlPr>
+                          <a:rPr lang="en-GB" sz="1200" b="0" i="1" noProof="0" smtClean="0">
+                            <a:latin typeface="Cambria Math" panose="02040503050406030204" pitchFamily="18" charset="0"/>
+                            <a:ea typeface="Cambria Math" panose="02040503050406030204" pitchFamily="18" charset="0"/>
+                          </a:rPr>
+                        </m:ctrlPr>
+                      </m:sSubPr>
+                      <m:e>
+                        <m:r>
+                          <a:rPr lang="en-GB" sz="1200" b="0" i="1" noProof="0" smtClean="0">
+                            <a:latin typeface="Cambria Math" panose="02040503050406030204" pitchFamily="18" charset="0"/>
+                            <a:ea typeface="Cambria Math" panose="02040503050406030204" pitchFamily="18" charset="0"/>
+                          </a:rPr>
+                          <m:t>𝑛</m:t>
+                        </m:r>
+                      </m:e>
+                      <m:sub>
+                        <m:r>
+                          <a:rPr lang="en-GB" sz="1200" b="0" i="1" noProof="0" smtClean="0">
+                            <a:latin typeface="Cambria Math" panose="02040503050406030204" pitchFamily="18" charset="0"/>
+                            <a:ea typeface="Cambria Math" panose="02040503050406030204" pitchFamily="18" charset="0"/>
+                          </a:rPr>
+                          <m:t>2</m:t>
+                        </m:r>
+                      </m:sub>
+                    </m:sSub>
+                  </m:oMath>
+                </a14:m>
+                <a:r>
+                  <a:rPr lang="en-GB" sz="1200" noProof="0" dirty="0">
+                    <a:latin typeface="Calibri" panose="020F0502020204030204" pitchFamily="34" charset="0"/>
+                    <a:ea typeface="Cambria Math" panose="02040503050406030204" pitchFamily="18" charset="0"/>
+                    <a:cs typeface="Calibri" panose="020F0502020204030204" pitchFamily="34" charset="0"/>
+                  </a:rPr>
+                  <a:t> entries in each level</a:t>
+                </a:r>
+              </a:p>
+            </p:txBody>
+          </p:sp>
+        </mc:Choice>
+        <mc:Fallback xmlns="">
+          <p:sp>
+            <p:nvSpPr>
+              <p:cNvPr id="8" name="Textfeld 7">
+                <a:extLst>
+                  <a:ext uri="{FF2B5EF4-FFF2-40B4-BE49-F238E27FC236}">
+                    <a16:creationId xmlns:a16="http://schemas.microsoft.com/office/drawing/2014/main" id="{295FEA9A-D31C-504B-9808-C226C7EA0707}"/>
+                  </a:ext>
+                </a:extLst>
+              </p:cNvPr>
+              <p:cNvSpPr txBox="1">
+                <a:spLocks noRot="1" noChangeAspect="1" noMove="1" noResize="1" noEditPoints="1" noAdjustHandles="1" noChangeArrowheads="1" noChangeShapeType="1" noTextEdit="1"/>
+              </p:cNvSpPr>
+              <p:nvPr/>
+            </p:nvSpPr>
+            <p:spPr>
+              <a:xfrm>
+                <a:off x="262794" y="832787"/>
+                <a:ext cx="4514400" cy="276999"/>
+              </a:xfrm>
+              <a:prstGeom prst="rect">
+                <a:avLst/>
+              </a:prstGeom>
+              <a:blipFill>
+                <a:blip r:embed="rId4"/>
+                <a:stretch>
+                  <a:fillRect b="-13043"/>
+                </a:stretch>
+              </a:blipFill>
+              <a:ln w="12700">
+                <a:solidFill>
+                  <a:schemeClr val="tx1"/>
+                </a:solidFill>
+              </a:ln>
+            </p:spPr>
+            <p:txBody>
+              <a:bodyPr/>
+              <a:lstStyle/>
+              <a:p>
+                <a:r>
+                  <a:rPr lang="de-DE">
+                    <a:noFill/>
+                  </a:rPr>
+                  <a:t> </a:t>
+                </a:r>
+              </a:p>
+            </p:txBody>
+          </p:sp>
+        </mc:Fallback>
+      </mc:AlternateContent>
+      <mc:AlternateContent xmlns:mc="http://schemas.openxmlformats.org/markup-compatibility/2006" xmlns:a14="http://schemas.microsoft.com/office/drawing/2010/main">
+        <mc:Choice Requires="a14">
+          <p:sp>
+            <p:nvSpPr>
+              <p:cNvPr id="9" name="Textfeld 8">
+                <a:extLst>
+                  <a:ext uri="{FF2B5EF4-FFF2-40B4-BE49-F238E27FC236}">
+                    <a16:creationId xmlns:a16="http://schemas.microsoft.com/office/drawing/2014/main" id="{ABC84E86-D454-4E88-1982-B7D0844FF777}"/>
+                  </a:ext>
+                </a:extLst>
+              </p:cNvPr>
+              <p:cNvSpPr txBox="1"/>
+              <p:nvPr/>
+            </p:nvSpPr>
+            <p:spPr>
+              <a:xfrm>
+                <a:off x="5127496" y="832787"/>
+                <a:ext cx="5304067" cy="276999"/>
+              </a:xfrm>
+              <a:prstGeom prst="rect">
+                <a:avLst/>
+              </a:prstGeom>
+              <a:noFill/>
+              <a:ln w="12700">
+                <a:solidFill>
+                  <a:schemeClr val="accent1">
+                    <a:lumMod val="40000"/>
+                    <a:lumOff val="60000"/>
+                  </a:schemeClr>
+                </a:solidFill>
+              </a:ln>
+            </p:spPr>
+            <p:txBody>
+              <a:bodyPr wrap="square">
+                <a:spAutoFit/>
+              </a:bodyPr>
+              <a:lstStyle/>
+              <a:p>
+                <a:pPr algn="ctr"/>
+                <a:r>
+                  <a:rPr lang="en-GB" sz="1200" dirty="0">
+                    <a:latin typeface="Calibri" panose="020F0502020204030204" pitchFamily="34" charset="0"/>
+                    <a:ea typeface="Cambria Math" panose="02040503050406030204" pitchFamily="18" charset="0"/>
+                    <a:cs typeface="Calibri" panose="020F0502020204030204" pitchFamily="34" charset="0"/>
+                  </a:rPr>
+                  <a:t>predictor</a:t>
+                </a:r>
+                <a:r>
+                  <a:rPr lang="en-GB" sz="1200" noProof="0" dirty="0">
+                    <a:latin typeface="Calibri" panose="020F0502020204030204" pitchFamily="34" charset="0"/>
+                    <a:ea typeface="Cambria Math" panose="02040503050406030204" pitchFamily="18" charset="0"/>
+                    <a:cs typeface="Calibri" panose="020F0502020204030204" pitchFamily="34" charset="0"/>
+                  </a:rPr>
+                  <a:t>:  </a:t>
+                </a:r>
+                <a14:m>
+                  <m:oMath xmlns:m="http://schemas.openxmlformats.org/officeDocument/2006/math">
+                    <m:r>
+                      <a:rPr lang="en-GB" sz="1200" b="0" i="1" noProof="0" smtClean="0">
+                        <a:latin typeface="Cambria Math" panose="02040503050406030204" pitchFamily="18" charset="0"/>
+                        <a:ea typeface="Cambria Math" panose="02040503050406030204" pitchFamily="18" charset="0"/>
+                      </a:rPr>
+                      <m:t>𝑁</m:t>
+                    </m:r>
+                    <m:r>
+                      <a:rPr lang="en-GB" sz="1200" b="0" i="1" noProof="0" smtClean="0">
+                        <a:latin typeface="Cambria Math" panose="02040503050406030204" pitchFamily="18" charset="0"/>
+                        <a:ea typeface="Cambria Math" panose="02040503050406030204" pitchFamily="18" charset="0"/>
+                      </a:rPr>
+                      <m:t>&gt;2</m:t>
+                    </m:r>
+                  </m:oMath>
+                </a14:m>
+                <a:r>
+                  <a:rPr lang="en-GB" sz="1200" noProof="0" dirty="0">
+                    <a:latin typeface="Calibri" panose="020F0502020204030204" pitchFamily="34" charset="0"/>
+                    <a:ea typeface="Cambria Math" panose="02040503050406030204" pitchFamily="18" charset="0"/>
+                    <a:cs typeface="Calibri" panose="020F0502020204030204" pitchFamily="34" charset="0"/>
+                  </a:rPr>
+                  <a:t> levels</a:t>
+                </a:r>
+              </a:p>
+            </p:txBody>
+          </p:sp>
+        </mc:Choice>
+        <mc:Fallback xmlns="">
+          <p:sp>
+            <p:nvSpPr>
+              <p:cNvPr id="9" name="Textfeld 8">
+                <a:extLst>
+                  <a:ext uri="{FF2B5EF4-FFF2-40B4-BE49-F238E27FC236}">
+                    <a16:creationId xmlns:a16="http://schemas.microsoft.com/office/drawing/2014/main" id="{8503CA89-315E-D465-88DB-CCE4B3127177}"/>
+                  </a:ext>
+                </a:extLst>
+              </p:cNvPr>
+              <p:cNvSpPr txBox="1">
+                <a:spLocks noRot="1" noChangeAspect="1" noMove="1" noResize="1" noEditPoints="1" noAdjustHandles="1" noChangeArrowheads="1" noChangeShapeType="1" noTextEdit="1"/>
+              </p:cNvSpPr>
+              <p:nvPr/>
+            </p:nvSpPr>
+            <p:spPr>
+              <a:xfrm>
+                <a:off x="5127496" y="832787"/>
+                <a:ext cx="5304067" cy="276999"/>
+              </a:xfrm>
+              <a:prstGeom prst="rect">
+                <a:avLst/>
+              </a:prstGeom>
+              <a:blipFill>
+                <a:blip r:embed="rId5"/>
+                <a:stretch>
+                  <a:fillRect b="-13043"/>
+                </a:stretch>
+              </a:blipFill>
+              <a:ln w="12700">
+                <a:solidFill>
+                  <a:schemeClr val="accent1">
+                    <a:lumMod val="40000"/>
+                    <a:lumOff val="60000"/>
+                  </a:schemeClr>
+                </a:solidFill>
+              </a:ln>
+            </p:spPr>
+            <p:txBody>
+              <a:bodyPr/>
+              <a:lstStyle/>
+              <a:p>
+                <a:r>
+                  <a:rPr lang="de-DE">
+                    <a:noFill/>
+                  </a:rPr>
+                  <a:t> </a:t>
+                </a:r>
+              </a:p>
+            </p:txBody>
+          </p:sp>
+        </mc:Fallback>
+      </mc:AlternateContent>
+      <mc:AlternateContent xmlns:mc="http://schemas.openxmlformats.org/markup-compatibility/2006" xmlns:a14="http://schemas.microsoft.com/office/drawing/2010/main">
+        <mc:Choice Requires="a14">
+          <p:sp>
+            <p:nvSpPr>
+              <p:cNvPr id="13" name="Textfeld 12">
+                <a:extLst>
+                  <a:ext uri="{FF2B5EF4-FFF2-40B4-BE49-F238E27FC236}">
+                    <a16:creationId xmlns:a16="http://schemas.microsoft.com/office/drawing/2014/main" id="{ABCD3EE2-CF4F-C458-FAE6-2B49D5E8CB09}"/>
+                  </a:ext>
+                </a:extLst>
+              </p:cNvPr>
+              <p:cNvSpPr txBox="1"/>
+              <p:nvPr/>
+            </p:nvSpPr>
+            <p:spPr>
+              <a:xfrm>
+                <a:off x="3296687" y="1721123"/>
+                <a:ext cx="1490532" cy="276999"/>
+              </a:xfrm>
+              <a:prstGeom prst="rect">
+                <a:avLst/>
+              </a:prstGeom>
+              <a:noFill/>
+              <a:ln w="12700">
+                <a:solidFill>
+                  <a:schemeClr val="tx1"/>
+                </a:solidFill>
+              </a:ln>
+            </p:spPr>
+            <p:txBody>
+              <a:bodyPr wrap="square">
+                <a:spAutoFit/>
+              </a:bodyPr>
+              <a:lstStyle>
+                <a:defPPr>
+                  <a:defRPr lang="de-DE"/>
+                </a:defPPr>
+              </a:lstStyle>
+              <a:p>
+                <a:pPr algn="ctr"/>
+                <a14:m>
+                  <m:oMath xmlns:m="http://schemas.openxmlformats.org/officeDocument/2006/math">
+                    <m:sSub>
+                      <m:sSubPr>
+                        <m:ctrlPr>
+                          <a:rPr lang="en-GB" sz="1200" b="0" i="1" noProof="0" smtClean="0">
+                            <a:latin typeface="Cambria Math" panose="02040503050406030204" pitchFamily="18" charset="0"/>
+                            <a:ea typeface="Cambria Math" panose="02040503050406030204" pitchFamily="18" charset="0"/>
+                          </a:rPr>
+                        </m:ctrlPr>
+                      </m:sSubPr>
+                      <m:e>
+                        <m:r>
+                          <a:rPr lang="en-GB" sz="1200" b="0" i="1" noProof="0" smtClean="0">
+                            <a:latin typeface="Cambria Math" panose="02040503050406030204" pitchFamily="18" charset="0"/>
+                            <a:ea typeface="Cambria Math" panose="02040503050406030204" pitchFamily="18" charset="0"/>
+                          </a:rPr>
+                          <m:t>𝑛</m:t>
+                        </m:r>
+                      </m:e>
+                      <m:sub>
+                        <m:r>
+                          <a:rPr lang="en-GB" sz="1200" b="0" i="1" noProof="0" smtClean="0">
+                            <a:latin typeface="Cambria Math" panose="02040503050406030204" pitchFamily="18" charset="0"/>
+                            <a:ea typeface="Cambria Math" panose="02040503050406030204" pitchFamily="18" charset="0"/>
+                          </a:rPr>
+                          <m:t>1</m:t>
+                        </m:r>
+                      </m:sub>
+                    </m:sSub>
+                  </m:oMath>
+                </a14:m>
+                <a:r>
+                  <a:rPr lang="en-GB" sz="1200" noProof="0" dirty="0">
+                    <a:latin typeface="Calibri" panose="020F0502020204030204" pitchFamily="34" charset="0"/>
+                    <a:ea typeface="Cambria Math" panose="02040503050406030204" pitchFamily="18" charset="0"/>
+                    <a:cs typeface="Calibri" panose="020F0502020204030204" pitchFamily="34" charset="0"/>
+                  </a:rPr>
+                  <a:t> and </a:t>
+                </a:r>
+                <a14:m>
+                  <m:oMath xmlns:m="http://schemas.openxmlformats.org/officeDocument/2006/math">
+                    <m:sSub>
+                      <m:sSubPr>
+                        <m:ctrlPr>
+                          <a:rPr lang="en-GB" sz="1200" i="1" noProof="0" smtClean="0">
+                            <a:latin typeface="Cambria Math" panose="02040503050406030204" pitchFamily="18" charset="0"/>
+                            <a:ea typeface="Cambria Math" panose="02040503050406030204" pitchFamily="18" charset="0"/>
+                          </a:rPr>
+                        </m:ctrlPr>
+                      </m:sSubPr>
+                      <m:e>
+                        <m:r>
+                          <a:rPr lang="en-GB" sz="1200" i="1" noProof="0" smtClean="0">
+                            <a:latin typeface="Cambria Math" panose="02040503050406030204" pitchFamily="18" charset="0"/>
+                            <a:ea typeface="Cambria Math" panose="02040503050406030204" pitchFamily="18" charset="0"/>
+                          </a:rPr>
+                          <m:t>𝑛</m:t>
+                        </m:r>
+                      </m:e>
+                      <m:sub>
+                        <m:r>
+                          <a:rPr lang="en-GB" sz="1200" b="0" i="1" noProof="0" smtClean="0">
+                            <a:latin typeface="Cambria Math" panose="02040503050406030204" pitchFamily="18" charset="0"/>
+                            <a:ea typeface="Cambria Math" panose="02040503050406030204" pitchFamily="18" charset="0"/>
+                          </a:rPr>
+                          <m:t>2</m:t>
+                        </m:r>
+                      </m:sub>
+                    </m:sSub>
+                    <m:r>
+                      <a:rPr lang="en-GB" sz="1200" b="0" i="1" noProof="0" smtClean="0">
+                        <a:latin typeface="Cambria Math" panose="02040503050406030204" pitchFamily="18" charset="0"/>
+                        <a:ea typeface="Cambria Math" panose="02040503050406030204" pitchFamily="18" charset="0"/>
+                      </a:rPr>
+                      <m:t>&gt;30</m:t>
+                    </m:r>
+                  </m:oMath>
+                </a14:m>
+                <a:r>
+                  <a:rPr lang="en-GB" sz="1200" noProof="0" dirty="0">
+                    <a:latin typeface="Calibri" panose="020F0502020204030204" pitchFamily="34" charset="0"/>
+                    <a:ea typeface="Cambria Math" panose="02040503050406030204" pitchFamily="18" charset="0"/>
+                    <a:cs typeface="Calibri" panose="020F0502020204030204" pitchFamily="34" charset="0"/>
+                  </a:rPr>
+                  <a:t> </a:t>
+                </a:r>
+              </a:p>
+            </p:txBody>
+          </p:sp>
+        </mc:Choice>
+        <mc:Fallback xmlns="">
+          <p:sp>
+            <p:nvSpPr>
+              <p:cNvPr id="13" name="Textfeld 12">
+                <a:extLst>
+                  <a:ext uri="{FF2B5EF4-FFF2-40B4-BE49-F238E27FC236}">
+                    <a16:creationId xmlns:a16="http://schemas.microsoft.com/office/drawing/2014/main" id="{E013A2E8-9419-9082-A924-2FDA53C069E7}"/>
+                  </a:ext>
+                </a:extLst>
+              </p:cNvPr>
+              <p:cNvSpPr txBox="1">
+                <a:spLocks noRot="1" noChangeAspect="1" noMove="1" noResize="1" noEditPoints="1" noAdjustHandles="1" noChangeArrowheads="1" noChangeShapeType="1" noTextEdit="1"/>
+              </p:cNvSpPr>
+              <p:nvPr/>
+            </p:nvSpPr>
+            <p:spPr>
+              <a:xfrm>
+                <a:off x="3296687" y="1721123"/>
+                <a:ext cx="1490532" cy="276999"/>
+              </a:xfrm>
+              <a:prstGeom prst="rect">
+                <a:avLst/>
+              </a:prstGeom>
+              <a:blipFill>
+                <a:blip r:embed="rId6"/>
+                <a:stretch>
+                  <a:fillRect b="-12500"/>
+                </a:stretch>
+              </a:blipFill>
+              <a:ln w="12700">
+                <a:solidFill>
+                  <a:schemeClr val="tx1"/>
+                </a:solidFill>
+              </a:ln>
+            </p:spPr>
+            <p:txBody>
+              <a:bodyPr/>
+              <a:lstStyle/>
+              <a:p>
+                <a:r>
+                  <a:rPr lang="de-DE">
+                    <a:noFill/>
+                  </a:rPr>
+                  <a:t> </a:t>
+                </a:r>
+              </a:p>
+            </p:txBody>
+          </p:sp>
+        </mc:Fallback>
+      </mc:AlternateContent>
+      <mc:AlternateContent xmlns:mc="http://schemas.openxmlformats.org/markup-compatibility/2006" xmlns:a14="http://schemas.microsoft.com/office/drawing/2010/main">
+        <mc:Choice Requires="a14">
+          <p:sp>
+            <p:nvSpPr>
+              <p:cNvPr id="15" name="Textfeld 14">
+                <a:extLst>
+                  <a:ext uri="{FF2B5EF4-FFF2-40B4-BE49-F238E27FC236}">
+                    <a16:creationId xmlns:a16="http://schemas.microsoft.com/office/drawing/2014/main" id="{94756C1F-A31C-5037-B552-BDE9328D426E}"/>
+                  </a:ext>
+                </a:extLst>
+              </p:cNvPr>
+              <p:cNvSpPr txBox="1"/>
+              <p:nvPr/>
+            </p:nvSpPr>
+            <p:spPr>
+              <a:xfrm>
+                <a:off x="271610" y="1721123"/>
+                <a:ext cx="2950932" cy="276999"/>
+              </a:xfrm>
+              <a:prstGeom prst="rect">
+                <a:avLst/>
+              </a:prstGeom>
+              <a:noFill/>
+              <a:ln w="12700">
+                <a:solidFill>
+                  <a:schemeClr val="tx1"/>
+                </a:solidFill>
+              </a:ln>
+            </p:spPr>
+            <p:txBody>
+              <a:bodyPr wrap="square">
+                <a:spAutoFit/>
+              </a:bodyPr>
+              <a:lstStyle>
+                <a:defPPr>
+                  <a:defRPr lang="de-DE"/>
+                </a:defPPr>
+              </a:lstStyle>
+              <a:p>
+                <a:pPr algn="ctr"/>
+                <a14:m>
+                  <m:oMath xmlns:m="http://schemas.openxmlformats.org/officeDocument/2006/math">
+                    <m:sSub>
+                      <m:sSubPr>
+                        <m:ctrlPr>
+                          <a:rPr lang="en-GB" sz="1200" b="0" i="1" noProof="0" smtClean="0">
+                            <a:latin typeface="Cambria Math" panose="02040503050406030204" pitchFamily="18" charset="0"/>
+                            <a:ea typeface="Cambria Math" panose="02040503050406030204" pitchFamily="18" charset="0"/>
+                          </a:rPr>
+                        </m:ctrlPr>
+                      </m:sSubPr>
+                      <m:e>
+                        <m:r>
+                          <a:rPr lang="en-GB" sz="1200" b="0" i="1" noProof="0" smtClean="0">
+                            <a:latin typeface="Cambria Math" panose="02040503050406030204" pitchFamily="18" charset="0"/>
+                            <a:ea typeface="Cambria Math" panose="02040503050406030204" pitchFamily="18" charset="0"/>
+                          </a:rPr>
+                          <m:t>𝑛</m:t>
+                        </m:r>
+                      </m:e>
+                      <m:sub>
+                        <m:r>
+                          <a:rPr lang="en-GB" sz="1200" b="0" i="1" noProof="0" smtClean="0">
+                            <a:latin typeface="Cambria Math" panose="02040503050406030204" pitchFamily="18" charset="0"/>
+                            <a:ea typeface="Cambria Math" panose="02040503050406030204" pitchFamily="18" charset="0"/>
+                          </a:rPr>
+                          <m:t>1</m:t>
+                        </m:r>
+                      </m:sub>
+                    </m:sSub>
+                  </m:oMath>
+                </a14:m>
+                <a:r>
+                  <a:rPr lang="en-GB" sz="1200" noProof="0" dirty="0">
+                    <a:latin typeface="Calibri" panose="020F0502020204030204" pitchFamily="34" charset="0"/>
+                    <a:ea typeface="Cambria Math" panose="02040503050406030204" pitchFamily="18" charset="0"/>
+                    <a:cs typeface="Calibri" panose="020F0502020204030204" pitchFamily="34" charset="0"/>
+                  </a:rPr>
+                  <a:t> or </a:t>
+                </a:r>
+                <a14:m>
+                  <m:oMath xmlns:m="http://schemas.openxmlformats.org/officeDocument/2006/math">
+                    <m:sSub>
+                      <m:sSubPr>
+                        <m:ctrlPr>
+                          <a:rPr lang="en-GB" sz="1200" i="1" noProof="0" smtClean="0">
+                            <a:latin typeface="Cambria Math" panose="02040503050406030204" pitchFamily="18" charset="0"/>
+                            <a:ea typeface="Cambria Math" panose="02040503050406030204" pitchFamily="18" charset="0"/>
+                            <a:cs typeface="Calibri" panose="020F0502020204030204" pitchFamily="34" charset="0"/>
+                          </a:rPr>
+                        </m:ctrlPr>
+                      </m:sSubPr>
+                      <m:e>
+                        <m:r>
+                          <a:rPr lang="en-GB" sz="1200" i="1" noProof="0" smtClean="0">
+                            <a:latin typeface="Cambria Math" panose="02040503050406030204" pitchFamily="18" charset="0"/>
+                            <a:ea typeface="Cambria Math" panose="02040503050406030204" pitchFamily="18" charset="0"/>
+                          </a:rPr>
+                          <m:t>𝑛</m:t>
+                        </m:r>
+                      </m:e>
+                      <m:sub>
+                        <m:r>
+                          <a:rPr lang="en-GB" sz="1200" i="1" noProof="0" smtClean="0">
+                            <a:latin typeface="Cambria Math" panose="02040503050406030204" pitchFamily="18" charset="0"/>
+                            <a:ea typeface="Cambria Math" panose="02040503050406030204" pitchFamily="18" charset="0"/>
+                          </a:rPr>
+                          <m:t>2</m:t>
+                        </m:r>
+                      </m:sub>
+                    </m:sSub>
+                    <m:r>
+                      <a:rPr lang="en-GB" sz="1200" i="1" noProof="0" smtClean="0">
+                        <a:latin typeface="Cambria Math" panose="02040503050406030204" pitchFamily="18" charset="0"/>
+                        <a:ea typeface="Cambria Math" panose="02040503050406030204" pitchFamily="18" charset="0"/>
+                      </a:rPr>
+                      <m:t>≤30</m:t>
+                    </m:r>
+                    <m:r>
+                      <a:rPr lang="en-GB" sz="1200" i="1" noProof="0" smtClean="0">
+                        <a:latin typeface="Cambria Math" panose="02040503050406030204" pitchFamily="18" charset="0"/>
+                        <a:ea typeface="Cambria Math" panose="02040503050406030204" pitchFamily="18" charset="0"/>
+                        <a:cs typeface="Calibri" panose="020F0502020204030204" pitchFamily="34" charset="0"/>
+                      </a:rPr>
+                      <m:t> </m:t>
+                    </m:r>
+                  </m:oMath>
+                </a14:m>
+                <a:endParaRPr lang="en-GB" sz="1200" noProof="0" dirty="0">
+                  <a:latin typeface="Calibri" panose="020F0502020204030204" pitchFamily="34" charset="0"/>
+                  <a:ea typeface="Cambria Math" panose="02040503050406030204" pitchFamily="18" charset="0"/>
+                  <a:cs typeface="Calibri" panose="020F0502020204030204" pitchFamily="34" charset="0"/>
+                </a:endParaRPr>
+              </a:p>
+            </p:txBody>
+          </p:sp>
+        </mc:Choice>
+        <mc:Fallback xmlns="">
+          <p:sp>
+            <p:nvSpPr>
+              <p:cNvPr id="15" name="Textfeld 14">
+                <a:extLst>
+                  <a:ext uri="{FF2B5EF4-FFF2-40B4-BE49-F238E27FC236}">
+                    <a16:creationId xmlns:a16="http://schemas.microsoft.com/office/drawing/2014/main" id="{2A7C589D-90CE-28E1-F515-49850CAABBCC}"/>
+                  </a:ext>
+                </a:extLst>
+              </p:cNvPr>
+              <p:cNvSpPr txBox="1">
+                <a:spLocks noRot="1" noChangeAspect="1" noMove="1" noResize="1" noEditPoints="1" noAdjustHandles="1" noChangeArrowheads="1" noChangeShapeType="1" noTextEdit="1"/>
+              </p:cNvSpPr>
+              <p:nvPr/>
+            </p:nvSpPr>
+            <p:spPr>
+              <a:xfrm>
+                <a:off x="271610" y="1721123"/>
+                <a:ext cx="2950932" cy="276999"/>
+              </a:xfrm>
+              <a:prstGeom prst="rect">
+                <a:avLst/>
+              </a:prstGeom>
+              <a:blipFill>
+                <a:blip r:embed="rId7"/>
+                <a:stretch>
+                  <a:fillRect b="-12500"/>
+                </a:stretch>
+              </a:blipFill>
+              <a:ln w="12700">
+                <a:solidFill>
+                  <a:schemeClr val="tx1"/>
+                </a:solidFill>
+              </a:ln>
+            </p:spPr>
+            <p:txBody>
+              <a:bodyPr/>
+              <a:lstStyle/>
+              <a:p>
+                <a:r>
+                  <a:rPr lang="de-DE">
+                    <a:noFill/>
+                  </a:rPr>
+                  <a:t> </a:t>
+                </a:r>
+              </a:p>
+            </p:txBody>
+          </p:sp>
+        </mc:Fallback>
+      </mc:AlternateContent>
+      <mc:AlternateContent xmlns:mc="http://schemas.openxmlformats.org/markup-compatibility/2006" xmlns:a14="http://schemas.microsoft.com/office/drawing/2010/main">
+        <mc:Choice Requires="a14">
+          <p:sp>
+            <p:nvSpPr>
+              <p:cNvPr id="19" name="Textfeld 18">
+                <a:extLst>
+                  <a:ext uri="{FF2B5EF4-FFF2-40B4-BE49-F238E27FC236}">
+                    <a16:creationId xmlns:a16="http://schemas.microsoft.com/office/drawing/2014/main" id="{EFAF1AC6-90E7-2A55-B785-52B2C29B18B8}"/>
+                  </a:ext>
+                </a:extLst>
+              </p:cNvPr>
+              <p:cNvSpPr txBox="1"/>
+              <p:nvPr/>
+            </p:nvSpPr>
+            <p:spPr>
+              <a:xfrm>
+                <a:off x="1782316" y="3003780"/>
+                <a:ext cx="1440000" cy="276999"/>
+              </a:xfrm>
+              <a:prstGeom prst="rect">
+                <a:avLst/>
+              </a:prstGeom>
+              <a:noFill/>
+              <a:ln w="12700">
+                <a:solidFill>
+                  <a:schemeClr val="tx1"/>
+                </a:solidFill>
+              </a:ln>
+            </p:spPr>
+            <p:txBody>
+              <a:bodyPr wrap="square">
+                <a:spAutoFit/>
+              </a:bodyPr>
+              <a:lstStyle/>
+              <a:p>
+                <a14:m>
+                  <m:oMath xmlns:m="http://schemas.openxmlformats.org/officeDocument/2006/math">
+                    <m:sSub>
+                      <m:sSubPr>
+                        <m:ctrlPr>
+                          <a:rPr lang="en-GB" sz="1200" b="0" i="1" noProof="0" smtClean="0">
+                            <a:latin typeface="Cambria Math" panose="02040503050406030204" pitchFamily="18" charset="0"/>
+                            <a:ea typeface="Cambria Math" panose="02040503050406030204" pitchFamily="18" charset="0"/>
+                          </a:rPr>
+                        </m:ctrlPr>
+                      </m:sSubPr>
+                      <m:e>
+                        <m:r>
+                          <a:rPr lang="en-GB" sz="1200" b="0" i="1" noProof="0" smtClean="0">
+                            <a:latin typeface="Cambria Math" panose="02040503050406030204" pitchFamily="18" charset="0"/>
+                            <a:ea typeface="Cambria Math" panose="02040503050406030204" pitchFamily="18" charset="0"/>
+                          </a:rPr>
+                          <m:t>𝑝</m:t>
+                        </m:r>
+                      </m:e>
+                      <m:sub>
+                        <m:r>
+                          <a:rPr lang="en-GB" sz="1200" b="0" i="1" noProof="0" smtClean="0">
+                            <a:latin typeface="Cambria Math" panose="02040503050406030204" pitchFamily="18" charset="0"/>
+                            <a:ea typeface="Cambria Math" panose="02040503050406030204" pitchFamily="18" charset="0"/>
+                          </a:rPr>
+                          <m:t>1</m:t>
+                        </m:r>
+                      </m:sub>
+                    </m:sSub>
+                    <m:r>
+                      <a:rPr lang="en-GB" sz="1200" b="0" i="1" noProof="0" smtClean="0">
+                        <a:latin typeface="Cambria Math" panose="02040503050406030204" pitchFamily="18" charset="0"/>
+                        <a:ea typeface="Cambria Math" panose="02040503050406030204" pitchFamily="18" charset="0"/>
+                      </a:rPr>
+                      <m:t>≥</m:t>
+                    </m:r>
+                    <m:r>
+                      <a:rPr lang="en-GB" sz="1200" b="0" i="1" noProof="0" smtClean="0">
+                        <a:latin typeface="Cambria Math" panose="02040503050406030204" pitchFamily="18" charset="0"/>
+                        <a:ea typeface="Cambria Math" panose="02040503050406030204" pitchFamily="18" charset="0"/>
+                      </a:rPr>
+                      <m:t>𝛼</m:t>
+                    </m:r>
+                  </m:oMath>
+                </a14:m>
+                <a:r>
+                  <a:rPr lang="en-GB" sz="1200" noProof="0" dirty="0">
+                    <a:latin typeface="Calibri" panose="020F0502020204030204" pitchFamily="34" charset="0"/>
+                    <a:ea typeface="Cambria Math" panose="02040503050406030204" pitchFamily="18" charset="0"/>
+                    <a:cs typeface="Calibri" panose="020F0502020204030204" pitchFamily="34" charset="0"/>
+                  </a:rPr>
+                  <a:t> and </a:t>
+                </a:r>
+                <a14:m>
+                  <m:oMath xmlns:m="http://schemas.openxmlformats.org/officeDocument/2006/math">
+                    <m:sSub>
+                      <m:sSubPr>
+                        <m:ctrlPr>
+                          <a:rPr lang="en-GB" sz="1200" b="0" i="1" noProof="0" smtClean="0">
+                            <a:latin typeface="Cambria Math" panose="02040503050406030204" pitchFamily="18" charset="0"/>
+                            <a:ea typeface="Cambria Math" panose="02040503050406030204" pitchFamily="18" charset="0"/>
+                          </a:rPr>
+                        </m:ctrlPr>
+                      </m:sSubPr>
+                      <m:e>
+                        <m:r>
+                          <a:rPr lang="en-GB" sz="1200" b="0" i="1" noProof="0" smtClean="0">
+                            <a:latin typeface="Cambria Math" panose="02040503050406030204" pitchFamily="18" charset="0"/>
+                            <a:ea typeface="Cambria Math" panose="02040503050406030204" pitchFamily="18" charset="0"/>
+                          </a:rPr>
+                          <m:t>𝑝</m:t>
+                        </m:r>
+                      </m:e>
+                      <m:sub>
+                        <m:r>
+                          <a:rPr lang="en-GB" sz="1200" b="0" i="1" noProof="0" smtClean="0">
+                            <a:latin typeface="Cambria Math" panose="02040503050406030204" pitchFamily="18" charset="0"/>
+                            <a:ea typeface="Cambria Math" panose="02040503050406030204" pitchFamily="18" charset="0"/>
+                          </a:rPr>
+                          <m:t>2</m:t>
+                        </m:r>
+                      </m:sub>
+                    </m:sSub>
+                    <m:r>
+                      <a:rPr lang="en-GB" sz="1200" b="0" i="1" noProof="0" smtClean="0">
+                        <a:latin typeface="Cambria Math" panose="02040503050406030204" pitchFamily="18" charset="0"/>
+                        <a:ea typeface="Cambria Math" panose="02040503050406030204" pitchFamily="18" charset="0"/>
+                      </a:rPr>
+                      <m:t>≥</m:t>
+                    </m:r>
+                    <m:r>
+                      <a:rPr lang="en-GB" sz="1200" b="0" i="1" noProof="0" smtClean="0">
+                        <a:latin typeface="Cambria Math" panose="02040503050406030204" pitchFamily="18" charset="0"/>
+                        <a:ea typeface="Cambria Math" panose="02040503050406030204" pitchFamily="18" charset="0"/>
+                      </a:rPr>
+                      <m:t>𝛼</m:t>
+                    </m:r>
+                  </m:oMath>
+                </a14:m>
+                <a:r>
+                  <a:rPr lang="en-GB" sz="1200" noProof="0" dirty="0">
+                    <a:latin typeface="Calibri" panose="020F0502020204030204" pitchFamily="34" charset="0"/>
+                    <a:ea typeface="Cambria Math" panose="02040503050406030204" pitchFamily="18" charset="0"/>
+                    <a:cs typeface="Calibri" panose="020F0502020204030204" pitchFamily="34" charset="0"/>
+                  </a:rPr>
+                  <a:t> </a:t>
+                </a:r>
+              </a:p>
+            </p:txBody>
+          </p:sp>
+        </mc:Choice>
+        <mc:Fallback xmlns="">
+          <p:sp>
+            <p:nvSpPr>
+              <p:cNvPr id="19" name="Textfeld 18">
+                <a:extLst>
+                  <a:ext uri="{FF2B5EF4-FFF2-40B4-BE49-F238E27FC236}">
+                    <a16:creationId xmlns:a16="http://schemas.microsoft.com/office/drawing/2014/main" id="{738B4D66-E2FD-3D06-F527-A82D7C3BDF1B}"/>
+                  </a:ext>
+                </a:extLst>
+              </p:cNvPr>
+              <p:cNvSpPr txBox="1">
+                <a:spLocks noRot="1" noChangeAspect="1" noMove="1" noResize="1" noEditPoints="1" noAdjustHandles="1" noChangeArrowheads="1" noChangeShapeType="1" noTextEdit="1"/>
+              </p:cNvSpPr>
+              <p:nvPr/>
+            </p:nvSpPr>
+            <p:spPr>
+              <a:xfrm>
+                <a:off x="1782316" y="3003780"/>
+                <a:ext cx="1440000" cy="276999"/>
+              </a:xfrm>
+              <a:prstGeom prst="rect">
+                <a:avLst/>
+              </a:prstGeom>
+              <a:blipFill>
+                <a:blip r:embed="rId8"/>
+                <a:stretch>
+                  <a:fillRect b="-13043"/>
+                </a:stretch>
+              </a:blipFill>
+              <a:ln w="12700">
+                <a:solidFill>
+                  <a:schemeClr val="tx1"/>
+                </a:solidFill>
+              </a:ln>
+            </p:spPr>
+            <p:txBody>
+              <a:bodyPr/>
+              <a:lstStyle/>
+              <a:p>
+                <a:r>
+                  <a:rPr lang="de-DE">
+                    <a:noFill/>
+                  </a:rPr>
+                  <a:t> </a:t>
+                </a:r>
+              </a:p>
+            </p:txBody>
+          </p:sp>
+        </mc:Fallback>
+      </mc:AlternateContent>
+      <mc:AlternateContent xmlns:mc="http://schemas.openxmlformats.org/markup-compatibility/2006" xmlns:a14="http://schemas.microsoft.com/office/drawing/2010/main">
+        <mc:Choice Requires="a14">
+          <p:sp>
+            <p:nvSpPr>
+              <p:cNvPr id="22" name="Textfeld 21">
+                <a:extLst>
+                  <a:ext uri="{FF2B5EF4-FFF2-40B4-BE49-F238E27FC236}">
+                    <a16:creationId xmlns:a16="http://schemas.microsoft.com/office/drawing/2014/main" id="{A030B03B-5138-C1B5-576C-D5123D95FDBA}"/>
+                  </a:ext>
+                </a:extLst>
+              </p:cNvPr>
+              <p:cNvSpPr txBox="1"/>
+              <p:nvPr/>
+            </p:nvSpPr>
+            <p:spPr>
+              <a:xfrm>
+                <a:off x="271610" y="3003780"/>
+                <a:ext cx="1440000" cy="276999"/>
+              </a:xfrm>
+              <a:prstGeom prst="rect">
+                <a:avLst/>
+              </a:prstGeom>
+              <a:noFill/>
+              <a:ln w="12700">
+                <a:solidFill>
+                  <a:schemeClr val="tx1"/>
+                </a:solidFill>
+              </a:ln>
+            </p:spPr>
+            <p:txBody>
+              <a:bodyPr wrap="square">
+                <a:spAutoFit/>
+              </a:bodyPr>
+              <a:lstStyle/>
+              <a:p>
+                <a14:m>
+                  <m:oMath xmlns:m="http://schemas.openxmlformats.org/officeDocument/2006/math">
+                    <m:sSub>
+                      <m:sSubPr>
+                        <m:ctrlPr>
+                          <a:rPr lang="en-GB" sz="1200" b="0" i="1" noProof="0" smtClean="0">
+                            <a:latin typeface="Cambria Math" panose="02040503050406030204" pitchFamily="18" charset="0"/>
+                            <a:ea typeface="Cambria Math" panose="02040503050406030204" pitchFamily="18" charset="0"/>
+                          </a:rPr>
+                        </m:ctrlPr>
+                      </m:sSubPr>
+                      <m:e>
+                        <m:r>
+                          <a:rPr lang="en-GB" sz="1200" b="0" i="1" noProof="0" smtClean="0">
+                            <a:latin typeface="Cambria Math" panose="02040503050406030204" pitchFamily="18" charset="0"/>
+                            <a:ea typeface="Cambria Math" panose="02040503050406030204" pitchFamily="18" charset="0"/>
+                          </a:rPr>
+                          <m:t>𝑝</m:t>
+                        </m:r>
+                      </m:e>
+                      <m:sub>
+                        <m:r>
+                          <a:rPr lang="en-GB" sz="1200" b="0" i="1" noProof="0" smtClean="0">
+                            <a:latin typeface="Cambria Math" panose="02040503050406030204" pitchFamily="18" charset="0"/>
+                            <a:ea typeface="Cambria Math" panose="02040503050406030204" pitchFamily="18" charset="0"/>
+                          </a:rPr>
+                          <m:t>1</m:t>
+                        </m:r>
+                      </m:sub>
+                    </m:sSub>
+                    <m:r>
+                      <a:rPr lang="en-GB" sz="1200" b="0" i="1" noProof="0" smtClean="0">
+                        <a:latin typeface="Cambria Math" panose="02040503050406030204" pitchFamily="18" charset="0"/>
+                        <a:ea typeface="Cambria Math" panose="02040503050406030204" pitchFamily="18" charset="0"/>
+                      </a:rPr>
+                      <m:t>&lt;</m:t>
+                    </m:r>
+                    <m:r>
+                      <a:rPr lang="en-GB" sz="1200" b="0" i="1" noProof="0" smtClean="0">
+                        <a:latin typeface="Cambria Math" panose="02040503050406030204" pitchFamily="18" charset="0"/>
+                        <a:ea typeface="Cambria Math" panose="02040503050406030204" pitchFamily="18" charset="0"/>
+                      </a:rPr>
+                      <m:t>𝛼</m:t>
+                    </m:r>
+                    <m:r>
+                      <a:rPr lang="en-GB" sz="1200" b="0" i="1" noProof="0" smtClean="0">
+                        <a:latin typeface="Cambria Math" panose="02040503050406030204" pitchFamily="18" charset="0"/>
+                        <a:ea typeface="Cambria Math" panose="02040503050406030204" pitchFamily="18" charset="0"/>
+                      </a:rPr>
+                      <m:t>  </m:t>
+                    </m:r>
+                  </m:oMath>
+                </a14:m>
+                <a:r>
+                  <a:rPr lang="en-GB" sz="1200" noProof="0" dirty="0">
+                    <a:latin typeface="Calibri" panose="020F0502020204030204" pitchFamily="34" charset="0"/>
+                    <a:ea typeface="Cambria Math" panose="02040503050406030204" pitchFamily="18" charset="0"/>
+                    <a:cs typeface="Calibri" panose="020F0502020204030204" pitchFamily="34" charset="0"/>
+                  </a:rPr>
+                  <a:t>or </a:t>
+                </a:r>
+                <a14:m>
+                  <m:oMath xmlns:m="http://schemas.openxmlformats.org/officeDocument/2006/math">
+                    <m:sSub>
+                      <m:sSubPr>
+                        <m:ctrlPr>
+                          <a:rPr lang="en-GB" sz="1200" i="1" noProof="0" smtClean="0">
+                            <a:latin typeface="Cambria Math" panose="02040503050406030204" pitchFamily="18" charset="0"/>
+                            <a:ea typeface="Cambria Math" panose="02040503050406030204" pitchFamily="18" charset="0"/>
+                          </a:rPr>
+                        </m:ctrlPr>
+                      </m:sSubPr>
+                      <m:e>
+                        <m:r>
+                          <a:rPr lang="en-GB" sz="1200" i="1" noProof="0" smtClean="0">
+                            <a:latin typeface="Cambria Math" panose="02040503050406030204" pitchFamily="18" charset="0"/>
+                            <a:ea typeface="Cambria Math" panose="02040503050406030204" pitchFamily="18" charset="0"/>
+                          </a:rPr>
+                          <m:t>𝑝</m:t>
+                        </m:r>
+                      </m:e>
+                      <m:sub>
+                        <m:r>
+                          <a:rPr lang="en-GB" sz="1200" b="0" i="1" noProof="0" smtClean="0">
+                            <a:latin typeface="Cambria Math" panose="02040503050406030204" pitchFamily="18" charset="0"/>
+                            <a:ea typeface="Cambria Math" panose="02040503050406030204" pitchFamily="18" charset="0"/>
+                          </a:rPr>
+                          <m:t>2</m:t>
+                        </m:r>
+                      </m:sub>
+                    </m:sSub>
+                    <m:r>
+                      <a:rPr lang="en-GB" sz="1200" i="1" noProof="0" smtClean="0">
+                        <a:latin typeface="Cambria Math" panose="02040503050406030204" pitchFamily="18" charset="0"/>
+                        <a:ea typeface="Cambria Math" panose="02040503050406030204" pitchFamily="18" charset="0"/>
+                      </a:rPr>
+                      <m:t>&lt;</m:t>
+                    </m:r>
+                    <m:r>
+                      <a:rPr lang="en-GB" sz="1200" i="1" noProof="0" smtClean="0">
+                        <a:latin typeface="Cambria Math" panose="02040503050406030204" pitchFamily="18" charset="0"/>
+                        <a:ea typeface="Cambria Math" panose="02040503050406030204" pitchFamily="18" charset="0"/>
+                      </a:rPr>
+                      <m:t>𝛼</m:t>
+                    </m:r>
+                  </m:oMath>
+                </a14:m>
+                <a:r>
+                  <a:rPr lang="en-GB" sz="1200" noProof="0" dirty="0">
+                    <a:latin typeface="Calibri" panose="020F0502020204030204" pitchFamily="34" charset="0"/>
+                    <a:ea typeface="Cambria Math" panose="02040503050406030204" pitchFamily="18" charset="0"/>
+                    <a:cs typeface="Calibri" panose="020F0502020204030204" pitchFamily="34" charset="0"/>
+                  </a:rPr>
+                  <a:t> </a:t>
+                </a:r>
+              </a:p>
+            </p:txBody>
+          </p:sp>
+        </mc:Choice>
+        <mc:Fallback xmlns="">
+          <p:sp>
+            <p:nvSpPr>
+              <p:cNvPr id="22" name="Textfeld 21">
+                <a:extLst>
+                  <a:ext uri="{FF2B5EF4-FFF2-40B4-BE49-F238E27FC236}">
+                    <a16:creationId xmlns:a16="http://schemas.microsoft.com/office/drawing/2014/main" id="{935D93BB-1C95-A787-6B51-42A0FF2A9242}"/>
+                  </a:ext>
+                </a:extLst>
+              </p:cNvPr>
+              <p:cNvSpPr txBox="1">
+                <a:spLocks noRot="1" noChangeAspect="1" noMove="1" noResize="1" noEditPoints="1" noAdjustHandles="1" noChangeArrowheads="1" noChangeShapeType="1" noTextEdit="1"/>
+              </p:cNvSpPr>
+              <p:nvPr/>
+            </p:nvSpPr>
+            <p:spPr>
+              <a:xfrm>
+                <a:off x="271610" y="3003780"/>
+                <a:ext cx="1440000" cy="276999"/>
+              </a:xfrm>
+              <a:prstGeom prst="rect">
+                <a:avLst/>
+              </a:prstGeom>
+              <a:blipFill>
+                <a:blip r:embed="rId9"/>
+                <a:stretch>
+                  <a:fillRect b="-13043"/>
+                </a:stretch>
+              </a:blipFill>
+              <a:ln w="12700">
+                <a:solidFill>
+                  <a:schemeClr val="tx1"/>
+                </a:solidFill>
+              </a:ln>
+            </p:spPr>
+            <p:txBody>
+              <a:bodyPr/>
+              <a:lstStyle/>
+              <a:p>
+                <a:r>
+                  <a:rPr lang="de-DE">
+                    <a:noFill/>
+                  </a:rPr>
+                  <a:t> </a:t>
+                </a:r>
+              </a:p>
+            </p:txBody>
+          </p:sp>
+        </mc:Fallback>
+      </mc:AlternateContent>
+      <p:sp>
+        <p:nvSpPr>
+          <p:cNvPr id="23" name="Textfeld 22">
+            <a:extLst>
+              <a:ext uri="{FF2B5EF4-FFF2-40B4-BE49-F238E27FC236}">
+                <a16:creationId xmlns:a16="http://schemas.microsoft.com/office/drawing/2014/main" id="{743E7F75-A4AC-7D85-FEB9-2656D4688F17}"/>
+              </a:ext>
+            </a:extLst>
+          </p:cNvPr>
+          <p:cNvSpPr txBox="1"/>
+          <p:nvPr/>
+        </p:nvSpPr>
+        <p:spPr>
+          <a:xfrm>
+            <a:off x="219834" y="4971020"/>
+            <a:ext cx="1447008" cy="276999"/>
+          </a:xfrm>
+          <a:prstGeom prst="rect">
+            <a:avLst/>
+          </a:prstGeom>
+          <a:solidFill>
+            <a:schemeClr val="accent1">
+              <a:lumMod val="40000"/>
+              <a:lumOff val="60000"/>
+            </a:schemeClr>
+          </a:solidFill>
+          <a:ln w="12700">
+            <a:solidFill>
+              <a:schemeClr val="tx1"/>
+            </a:solidFill>
+          </a:ln>
+        </p:spPr>
+        <p:txBody>
+          <a:bodyPr wrap="square">
+            <a:spAutoFit/>
+          </a:bodyPr>
+          <a:lstStyle>
+            <a:defPPr>
+              <a:defRPr lang="de-DE"/>
+            </a:defPPr>
+            <a:lvl1pPr algn="ctr">
+              <a:defRPr sz="1200"/>
+            </a:lvl1pPr>
+          </a:lstStyle>
+          <a:p>
+            <a:r>
+              <a:rPr lang="en-GB" noProof="0" dirty="0" err="1">
+                <a:latin typeface="Courier New" panose="02070309020205020404" pitchFamily="49" charset="0"/>
+                <a:ea typeface="Cambria Math" panose="02040503050406030204" pitchFamily="18" charset="0"/>
+                <a:cs typeface="Courier New" panose="02070309020205020404" pitchFamily="49" charset="0"/>
+              </a:rPr>
+              <a:t>wilcox.test</a:t>
+            </a:r>
+            <a:r>
+              <a:rPr lang="en-GB" noProof="0" dirty="0">
+                <a:latin typeface="Courier New" panose="02070309020205020404" pitchFamily="49" charset="0"/>
+                <a:ea typeface="Cambria Math" panose="02040503050406030204" pitchFamily="18" charset="0"/>
+                <a:cs typeface="Courier New" panose="02070309020205020404" pitchFamily="49" charset="0"/>
+              </a:rPr>
+              <a:t>()</a:t>
+            </a:r>
+          </a:p>
+        </p:txBody>
+      </p:sp>
+      <p:sp>
+        <p:nvSpPr>
+          <p:cNvPr id="27" name="Textfeld 26">
+            <a:extLst>
+              <a:ext uri="{FF2B5EF4-FFF2-40B4-BE49-F238E27FC236}">
+                <a16:creationId xmlns:a16="http://schemas.microsoft.com/office/drawing/2014/main" id="{849D1520-361E-ACB7-4450-5002EB1D23CC}"/>
+              </a:ext>
+            </a:extLst>
+          </p:cNvPr>
+          <p:cNvSpPr txBox="1"/>
+          <p:nvPr/>
+        </p:nvSpPr>
+        <p:spPr>
+          <a:xfrm>
+            <a:off x="5130837" y="4971019"/>
+            <a:ext cx="2338435" cy="276999"/>
+          </a:xfrm>
+          <a:prstGeom prst="rect">
+            <a:avLst/>
+          </a:prstGeom>
+          <a:solidFill>
+            <a:schemeClr val="accent1">
+              <a:lumMod val="40000"/>
+              <a:lumOff val="60000"/>
+            </a:schemeClr>
+          </a:solidFill>
+          <a:ln w="12700">
+            <a:solidFill>
+              <a:schemeClr val="accent1">
+                <a:lumMod val="40000"/>
+                <a:lumOff val="60000"/>
+              </a:schemeClr>
+            </a:solidFill>
+          </a:ln>
+        </p:spPr>
+        <p:txBody>
+          <a:bodyPr wrap="square">
+            <a:spAutoFit/>
+          </a:bodyPr>
+          <a:lstStyle>
+            <a:defPPr>
+              <a:defRPr lang="de-DE"/>
+            </a:defPPr>
+            <a:lvl1pPr algn="ctr">
+              <a:defRPr sz="1200"/>
+            </a:lvl1pPr>
+          </a:lstStyle>
+          <a:p>
+            <a:r>
+              <a:rPr lang="en-GB" noProof="0" dirty="0" err="1">
+                <a:latin typeface="Courier New" panose="02070309020205020404" pitchFamily="49" charset="0"/>
+                <a:ea typeface="Cambria Math" panose="02040503050406030204" pitchFamily="18" charset="0"/>
+                <a:cs typeface="Courier New" panose="02070309020205020404" pitchFamily="49" charset="0"/>
+              </a:rPr>
+              <a:t>kruskal.test</a:t>
+            </a:r>
+            <a:r>
+              <a:rPr lang="en-GB" noProof="0" dirty="0">
+                <a:latin typeface="Courier New" panose="02070309020205020404" pitchFamily="49" charset="0"/>
+                <a:ea typeface="Cambria Math" panose="02040503050406030204" pitchFamily="18" charset="0"/>
+                <a:cs typeface="Courier New" panose="02070309020205020404" pitchFamily="49" charset="0"/>
+              </a:rPr>
+              <a:t>()</a:t>
+            </a:r>
+          </a:p>
+        </p:txBody>
+      </p:sp>
+      <p:sp>
+        <p:nvSpPr>
+          <p:cNvPr id="28" name="Textfeld 27">
+            <a:extLst>
+              <a:ext uri="{FF2B5EF4-FFF2-40B4-BE49-F238E27FC236}">
+                <a16:creationId xmlns:a16="http://schemas.microsoft.com/office/drawing/2014/main" id="{DBB7D267-1E52-0B13-53D5-F9C1DDFB927A}"/>
+              </a:ext>
+            </a:extLst>
+          </p:cNvPr>
+          <p:cNvSpPr txBox="1"/>
+          <p:nvPr/>
+        </p:nvSpPr>
+        <p:spPr>
+          <a:xfrm>
+            <a:off x="7636562" y="3878295"/>
+            <a:ext cx="2795001" cy="280863"/>
+          </a:xfrm>
+          <a:prstGeom prst="rect">
+            <a:avLst/>
+          </a:prstGeom>
+          <a:solidFill>
+            <a:schemeClr val="accent6">
+              <a:lumMod val="20000"/>
+              <a:lumOff val="80000"/>
+            </a:schemeClr>
+          </a:solidFill>
+          <a:ln w="12700">
+            <a:solidFill>
+              <a:schemeClr val="accent1">
+                <a:lumMod val="40000"/>
+                <a:lumOff val="60000"/>
+              </a:schemeClr>
+            </a:solidFill>
+          </a:ln>
+        </p:spPr>
+        <p:txBody>
+          <a:bodyPr wrap="square">
+            <a:spAutoFit/>
+          </a:bodyPr>
+          <a:lstStyle/>
+          <a:p>
+            <a:pPr algn="ctr"/>
+            <a:r>
+              <a:rPr lang="en-GB" sz="1200" dirty="0" err="1">
+                <a:latin typeface="Courier New" panose="02070309020205020404" pitchFamily="49" charset="0"/>
+                <a:ea typeface="Cambria Math" panose="02040503050406030204" pitchFamily="18" charset="0"/>
+                <a:cs typeface="Courier New" panose="02070309020205020404" pitchFamily="49" charset="0"/>
+              </a:rPr>
+              <a:t>levene</a:t>
+            </a:r>
+            <a:r>
+              <a:rPr lang="en-GB" sz="1200" noProof="0" dirty="0">
+                <a:latin typeface="Courier New" panose="02070309020205020404" pitchFamily="49" charset="0"/>
+                <a:ea typeface="Cambria Math" panose="02040503050406030204" pitchFamily="18" charset="0"/>
+                <a:cs typeface="Courier New" panose="02070309020205020404" pitchFamily="49" charset="0"/>
+              </a:rPr>
+              <a:t>.test() </a:t>
+            </a:r>
+          </a:p>
+        </p:txBody>
+      </p:sp>
+      <mc:AlternateContent xmlns:mc="http://schemas.openxmlformats.org/markup-compatibility/2006" xmlns:a14="http://schemas.microsoft.com/office/drawing/2010/main">
+        <mc:Choice Requires="a14">
+          <p:sp>
+            <p:nvSpPr>
+              <p:cNvPr id="29" name="Textfeld 28">
+                <a:extLst>
+                  <a:ext uri="{FF2B5EF4-FFF2-40B4-BE49-F238E27FC236}">
+                    <a16:creationId xmlns:a16="http://schemas.microsoft.com/office/drawing/2014/main" id="{8113821A-D6F4-A2CE-3EE0-34D6C3BFE470}"/>
+                  </a:ext>
+                </a:extLst>
+              </p:cNvPr>
+              <p:cNvSpPr txBox="1"/>
+              <p:nvPr/>
+            </p:nvSpPr>
+            <p:spPr>
+              <a:xfrm>
+                <a:off x="9351563" y="4482840"/>
+                <a:ext cx="1080000" cy="277200"/>
+              </a:xfrm>
+              <a:prstGeom prst="rect">
+                <a:avLst/>
+              </a:prstGeom>
+              <a:noFill/>
+              <a:ln w="12700">
+                <a:solidFill>
+                  <a:schemeClr val="accent1">
+                    <a:lumMod val="40000"/>
+                    <a:lumOff val="60000"/>
+                  </a:schemeClr>
+                </a:solidFill>
+              </a:ln>
+            </p:spPr>
+            <p:txBody>
+              <a:bodyPr wrap="square">
+                <a:spAutoFit/>
+              </a:bodyPr>
+              <a:lstStyle/>
+              <a:p>
+                <a:pPr algn="ctr"/>
+                <a14:m>
+                  <m:oMathPara xmlns:m="http://schemas.openxmlformats.org/officeDocument/2006/math">
+                    <m:oMathParaPr>
+                      <m:jc m:val="centerGroup"/>
+                    </m:oMathParaPr>
+                    <m:oMath xmlns:m="http://schemas.openxmlformats.org/officeDocument/2006/math">
+                      <m:r>
+                        <a:rPr lang="en-GB" sz="1200" b="0" i="1" noProof="0" smtClean="0">
+                          <a:latin typeface="Cambria Math" panose="02040503050406030204" pitchFamily="18" charset="0"/>
+                          <a:ea typeface="Cambria Math" panose="02040503050406030204" pitchFamily="18" charset="0"/>
+                        </a:rPr>
+                        <m:t>𝑝</m:t>
+                      </m:r>
+                      <m:r>
+                        <a:rPr lang="en-GB" sz="1200" b="0" i="1" noProof="0" smtClean="0">
+                          <a:latin typeface="Cambria Math" panose="02040503050406030204" pitchFamily="18" charset="0"/>
+                          <a:ea typeface="Cambria Math" panose="02040503050406030204" pitchFamily="18" charset="0"/>
+                        </a:rPr>
+                        <m:t>≥</m:t>
+                      </m:r>
+                      <m:r>
+                        <a:rPr lang="en-GB" sz="1200" b="0" i="1" noProof="0" smtClean="0">
+                          <a:latin typeface="Cambria Math" panose="02040503050406030204" pitchFamily="18" charset="0"/>
+                          <a:ea typeface="Cambria Math" panose="02040503050406030204" pitchFamily="18" charset="0"/>
+                        </a:rPr>
+                        <m:t>𝛼</m:t>
+                      </m:r>
+                    </m:oMath>
+                  </m:oMathPara>
+                </a14:m>
+                <a:endParaRPr lang="en-GB" sz="1200" noProof="0" dirty="0">
+                  <a:latin typeface="Calibri" panose="020F0502020204030204" pitchFamily="34" charset="0"/>
+                  <a:ea typeface="Cambria Math" panose="02040503050406030204" pitchFamily="18" charset="0"/>
+                  <a:cs typeface="Calibri" panose="020F0502020204030204" pitchFamily="34" charset="0"/>
+                </a:endParaRPr>
+              </a:p>
+            </p:txBody>
+          </p:sp>
+        </mc:Choice>
+        <mc:Fallback xmlns="">
+          <p:sp>
+            <p:nvSpPr>
+              <p:cNvPr id="29" name="Textfeld 28">
+                <a:extLst>
+                  <a:ext uri="{FF2B5EF4-FFF2-40B4-BE49-F238E27FC236}">
+                    <a16:creationId xmlns:a16="http://schemas.microsoft.com/office/drawing/2014/main" id="{6A843E82-AE36-2049-F32E-7DB7C257BD0C}"/>
+                  </a:ext>
+                </a:extLst>
+              </p:cNvPr>
+              <p:cNvSpPr txBox="1">
+                <a:spLocks noRot="1" noChangeAspect="1" noMove="1" noResize="1" noEditPoints="1" noAdjustHandles="1" noChangeArrowheads="1" noChangeShapeType="1" noTextEdit="1"/>
+              </p:cNvSpPr>
+              <p:nvPr/>
+            </p:nvSpPr>
+            <p:spPr>
+              <a:xfrm>
+                <a:off x="9351563" y="4482840"/>
+                <a:ext cx="1080000" cy="277200"/>
+              </a:xfrm>
+              <a:prstGeom prst="rect">
+                <a:avLst/>
+              </a:prstGeom>
+              <a:blipFill>
+                <a:blip r:embed="rId10"/>
+                <a:stretch>
+                  <a:fillRect/>
+                </a:stretch>
+              </a:blipFill>
+              <a:ln w="12700">
+                <a:solidFill>
+                  <a:schemeClr val="accent1">
+                    <a:lumMod val="40000"/>
+                    <a:lumOff val="60000"/>
+                  </a:schemeClr>
+                </a:solidFill>
+              </a:ln>
+            </p:spPr>
+            <p:txBody>
+              <a:bodyPr/>
+              <a:lstStyle/>
+              <a:p>
+                <a:r>
+                  <a:rPr lang="de-DE">
+                    <a:noFill/>
+                  </a:rPr>
+                  <a:t> </a:t>
+                </a:r>
+              </a:p>
+            </p:txBody>
+          </p:sp>
+        </mc:Fallback>
+      </mc:AlternateContent>
+      <mc:AlternateContent xmlns:mc="http://schemas.openxmlformats.org/markup-compatibility/2006" xmlns:a14="http://schemas.microsoft.com/office/drawing/2010/main">
+        <mc:Choice Requires="a14">
+          <p:sp>
+            <p:nvSpPr>
+              <p:cNvPr id="30" name="Textfeld 29">
+                <a:extLst>
+                  <a:ext uri="{FF2B5EF4-FFF2-40B4-BE49-F238E27FC236}">
+                    <a16:creationId xmlns:a16="http://schemas.microsoft.com/office/drawing/2014/main" id="{5C9A15C2-7CF0-23A3-D572-F3963B427E63}"/>
+                  </a:ext>
+                </a:extLst>
+              </p:cNvPr>
+              <p:cNvSpPr txBox="1"/>
+              <p:nvPr/>
+            </p:nvSpPr>
+            <p:spPr>
+              <a:xfrm>
+                <a:off x="7582544" y="4472251"/>
+                <a:ext cx="1080000" cy="276999"/>
+              </a:xfrm>
+              <a:prstGeom prst="rect">
+                <a:avLst/>
+              </a:prstGeom>
+              <a:noFill/>
+              <a:ln w="12700">
+                <a:solidFill>
+                  <a:schemeClr val="accent1">
+                    <a:lumMod val="40000"/>
+                    <a:lumOff val="60000"/>
+                  </a:schemeClr>
+                </a:solidFill>
+              </a:ln>
+            </p:spPr>
+            <p:txBody>
+              <a:bodyPr wrap="square">
+                <a:spAutoFit/>
+              </a:bodyPr>
+              <a:lstStyle/>
+              <a:p>
+                <a:pPr algn="ctr"/>
+                <a14:m>
+                  <m:oMathPara xmlns:m="http://schemas.openxmlformats.org/officeDocument/2006/math">
+                    <m:oMathParaPr>
+                      <m:jc m:val="centerGroup"/>
+                    </m:oMathParaPr>
+                    <m:oMath xmlns:m="http://schemas.openxmlformats.org/officeDocument/2006/math">
+                      <m:r>
+                        <a:rPr lang="en-GB" sz="1200" b="0" i="1" noProof="0" smtClean="0">
+                          <a:latin typeface="Cambria Math" panose="02040503050406030204" pitchFamily="18" charset="0"/>
+                          <a:ea typeface="Cambria Math" panose="02040503050406030204" pitchFamily="18" charset="0"/>
+                        </a:rPr>
+                        <m:t>𝑝</m:t>
+                      </m:r>
+                      <m:r>
+                        <a:rPr lang="en-GB" sz="1200" b="0" i="1" noProof="0" smtClean="0">
+                          <a:latin typeface="Cambria Math" panose="02040503050406030204" pitchFamily="18" charset="0"/>
+                          <a:ea typeface="Cambria Math" panose="02040503050406030204" pitchFamily="18" charset="0"/>
+                        </a:rPr>
+                        <m:t>&lt;</m:t>
+                      </m:r>
+                      <m:r>
+                        <a:rPr lang="en-GB" sz="1200" b="0" i="1" noProof="0" smtClean="0">
+                          <a:latin typeface="Cambria Math" panose="02040503050406030204" pitchFamily="18" charset="0"/>
+                          <a:ea typeface="Cambria Math" panose="02040503050406030204" pitchFamily="18" charset="0"/>
+                        </a:rPr>
+                        <m:t>𝛼</m:t>
+                      </m:r>
+                    </m:oMath>
+                  </m:oMathPara>
+                </a14:m>
+                <a:endParaRPr lang="en-GB" sz="1200" noProof="0" dirty="0">
+                  <a:latin typeface="Calibri" panose="020F0502020204030204" pitchFamily="34" charset="0"/>
+                  <a:ea typeface="Cambria Math" panose="02040503050406030204" pitchFamily="18" charset="0"/>
+                  <a:cs typeface="Calibri" panose="020F0502020204030204" pitchFamily="34" charset="0"/>
+                </a:endParaRPr>
+              </a:p>
+            </p:txBody>
+          </p:sp>
+        </mc:Choice>
+        <mc:Fallback xmlns="">
+          <p:sp>
+            <p:nvSpPr>
+              <p:cNvPr id="30" name="Textfeld 29">
+                <a:extLst>
+                  <a:ext uri="{FF2B5EF4-FFF2-40B4-BE49-F238E27FC236}">
+                    <a16:creationId xmlns:a16="http://schemas.microsoft.com/office/drawing/2014/main" id="{5E44A5B4-1C65-9447-A4FA-813B5715A602}"/>
+                  </a:ext>
+                </a:extLst>
+              </p:cNvPr>
+              <p:cNvSpPr txBox="1">
+                <a:spLocks noRot="1" noChangeAspect="1" noMove="1" noResize="1" noEditPoints="1" noAdjustHandles="1" noChangeArrowheads="1" noChangeShapeType="1" noTextEdit="1"/>
+              </p:cNvSpPr>
+              <p:nvPr/>
+            </p:nvSpPr>
+            <p:spPr>
+              <a:xfrm>
+                <a:off x="7582544" y="4472251"/>
+                <a:ext cx="1080000" cy="276999"/>
+              </a:xfrm>
+              <a:prstGeom prst="rect">
+                <a:avLst/>
+              </a:prstGeom>
+              <a:blipFill>
+                <a:blip r:embed="rId11"/>
+                <a:stretch>
+                  <a:fillRect/>
+                </a:stretch>
+              </a:blipFill>
+              <a:ln w="12700">
+                <a:solidFill>
+                  <a:schemeClr val="accent1">
+                    <a:lumMod val="40000"/>
+                    <a:lumOff val="60000"/>
+                  </a:schemeClr>
+                </a:solidFill>
+              </a:ln>
+            </p:spPr>
+            <p:txBody>
+              <a:bodyPr/>
+              <a:lstStyle/>
+              <a:p>
+                <a:r>
+                  <a:rPr lang="de-DE">
+                    <a:noFill/>
+                  </a:rPr>
+                  <a:t> </a:t>
+                </a:r>
+              </a:p>
+            </p:txBody>
+          </p:sp>
+        </mc:Fallback>
+      </mc:AlternateContent>
+      <p:sp>
+        <p:nvSpPr>
+          <p:cNvPr id="31" name="Textfeld 30">
+            <a:extLst>
+              <a:ext uri="{FF2B5EF4-FFF2-40B4-BE49-F238E27FC236}">
+                <a16:creationId xmlns:a16="http://schemas.microsoft.com/office/drawing/2014/main" id="{EC96271C-6ED1-D290-081B-E3C7E413F6D5}"/>
+              </a:ext>
+            </a:extLst>
+          </p:cNvPr>
+          <p:cNvSpPr txBox="1"/>
+          <p:nvPr/>
+        </p:nvSpPr>
+        <p:spPr>
+          <a:xfrm>
+            <a:off x="7579542" y="4968485"/>
+            <a:ext cx="1457998" cy="276999"/>
+          </a:xfrm>
+          <a:prstGeom prst="rect">
+            <a:avLst/>
+          </a:prstGeom>
+          <a:solidFill>
+            <a:schemeClr val="accent4">
+              <a:alpha val="19758"/>
+            </a:schemeClr>
+          </a:solidFill>
+          <a:ln w="12700">
+            <a:solidFill>
+              <a:schemeClr val="accent1">
+                <a:lumMod val="40000"/>
+                <a:lumOff val="60000"/>
+              </a:schemeClr>
+            </a:solidFill>
+          </a:ln>
+        </p:spPr>
+        <p:txBody>
+          <a:bodyPr wrap="square">
+            <a:spAutoFit/>
+          </a:bodyPr>
+          <a:lstStyle>
+            <a:defPPr>
+              <a:defRPr lang="de-DE"/>
+            </a:defPPr>
+            <a:lvl1pPr algn="ctr">
+              <a:defRPr sz="1200"/>
+            </a:lvl1pPr>
+          </a:lstStyle>
+          <a:p>
+            <a:r>
+              <a:rPr lang="en-GB" noProof="0" dirty="0" err="1">
+                <a:latin typeface="Courier New" panose="02070309020205020404" pitchFamily="49" charset="0"/>
+                <a:ea typeface="Cambria Math" panose="02040503050406030204" pitchFamily="18" charset="0"/>
+                <a:cs typeface="Courier New" panose="02070309020205020404" pitchFamily="49" charset="0"/>
+              </a:rPr>
+              <a:t>oneway.test</a:t>
+            </a:r>
+            <a:r>
+              <a:rPr lang="en-GB" noProof="0" dirty="0">
+                <a:latin typeface="Courier New" panose="02070309020205020404" pitchFamily="49" charset="0"/>
+                <a:ea typeface="Cambria Math" panose="02040503050406030204" pitchFamily="18" charset="0"/>
+                <a:cs typeface="Courier New" panose="02070309020205020404" pitchFamily="49" charset="0"/>
+              </a:rPr>
+              <a:t>()</a:t>
+            </a:r>
+          </a:p>
+        </p:txBody>
+      </p:sp>
+      <p:sp>
+        <p:nvSpPr>
+          <p:cNvPr id="32" name="Textfeld 31">
+            <a:extLst>
+              <a:ext uri="{FF2B5EF4-FFF2-40B4-BE49-F238E27FC236}">
+                <a16:creationId xmlns:a16="http://schemas.microsoft.com/office/drawing/2014/main" id="{1851ACE8-3789-7F14-1006-C88A2D2B6D83}"/>
+              </a:ext>
+            </a:extLst>
+          </p:cNvPr>
+          <p:cNvSpPr txBox="1"/>
+          <p:nvPr/>
+        </p:nvSpPr>
+        <p:spPr>
+          <a:xfrm>
+            <a:off x="9262621" y="4968284"/>
+            <a:ext cx="1168942" cy="276999"/>
+          </a:xfrm>
+          <a:prstGeom prst="rect">
+            <a:avLst/>
+          </a:prstGeom>
+          <a:solidFill>
+            <a:schemeClr val="accent4">
+              <a:alpha val="19758"/>
+            </a:schemeClr>
+          </a:solidFill>
+          <a:ln w="12700">
+            <a:solidFill>
+              <a:schemeClr val="accent1">
+                <a:lumMod val="40000"/>
+                <a:lumOff val="60000"/>
+              </a:schemeClr>
+            </a:solidFill>
+          </a:ln>
+        </p:spPr>
+        <p:txBody>
+          <a:bodyPr wrap="square">
+            <a:spAutoFit/>
+          </a:bodyPr>
+          <a:lstStyle/>
+          <a:p>
+            <a:pPr algn="ctr"/>
+            <a:r>
+              <a:rPr lang="en-GB" sz="1200" noProof="0" dirty="0" err="1">
+                <a:latin typeface="Courier New" panose="02070309020205020404" pitchFamily="49" charset="0"/>
+                <a:ea typeface="Cambria Math" panose="02040503050406030204" pitchFamily="18" charset="0"/>
+                <a:cs typeface="Courier New" panose="02070309020205020404" pitchFamily="49" charset="0"/>
+              </a:rPr>
+              <a:t>aov</a:t>
+            </a:r>
+            <a:r>
+              <a:rPr lang="en-GB" sz="1200" noProof="0" dirty="0">
+                <a:latin typeface="Courier New" panose="02070309020205020404" pitchFamily="49" charset="0"/>
+                <a:ea typeface="Cambria Math" panose="02040503050406030204" pitchFamily="18" charset="0"/>
+                <a:cs typeface="Courier New" panose="02070309020205020404" pitchFamily="49" charset="0"/>
+              </a:rPr>
+              <a:t>()</a:t>
+            </a:r>
+          </a:p>
+        </p:txBody>
+      </p:sp>
+      <p:grpSp>
+        <p:nvGrpSpPr>
+          <p:cNvPr id="427" name="Gruppieren 426">
+            <a:extLst>
+              <a:ext uri="{FF2B5EF4-FFF2-40B4-BE49-F238E27FC236}">
+                <a16:creationId xmlns:a16="http://schemas.microsoft.com/office/drawing/2014/main" id="{D09F6AFC-B815-576E-4600-FE8EFA1ABA3E}"/>
+              </a:ext>
+            </a:extLst>
+          </p:cNvPr>
+          <p:cNvGrpSpPr/>
+          <p:nvPr/>
+        </p:nvGrpSpPr>
+        <p:grpSpPr>
+          <a:xfrm>
+            <a:off x="8296125" y="4173488"/>
+            <a:ext cx="1289076" cy="305400"/>
+            <a:chOff x="8002301" y="4581613"/>
+            <a:chExt cx="1289076" cy="305400"/>
+          </a:xfrm>
+        </p:grpSpPr>
+        <p:cxnSp>
+          <p:nvCxnSpPr>
+            <p:cNvPr id="85" name="Gerade Verbindung mit Pfeil 84">
+              <a:extLst>
+                <a:ext uri="{FF2B5EF4-FFF2-40B4-BE49-F238E27FC236}">
+                  <a16:creationId xmlns:a16="http://schemas.microsoft.com/office/drawing/2014/main" id="{CF310334-7163-DACC-E5C7-DBDACE235CD3}"/>
+                </a:ext>
+              </a:extLst>
+            </p:cNvPr>
+            <p:cNvCxnSpPr>
+              <a:cxnSpLocks/>
+            </p:cNvCxnSpPr>
+            <p:nvPr/>
+          </p:nvCxnSpPr>
+          <p:spPr>
+            <a:xfrm flipH="1">
+              <a:off x="8002301" y="4581613"/>
+              <a:ext cx="639486" cy="305400"/>
+            </a:xfrm>
+            <a:prstGeom prst="straightConnector1">
+              <a:avLst/>
+            </a:prstGeom>
+            <a:ln>
+              <a:tailEnd type="triangle"/>
+            </a:ln>
+          </p:spPr>
+          <p:style>
+            <a:lnRef idx="1">
+              <a:schemeClr val="accent1"/>
+            </a:lnRef>
+            <a:fillRef idx="0">
+              <a:schemeClr val="accent1"/>
+            </a:fillRef>
+            <a:effectRef idx="0">
+              <a:schemeClr val="accent1"/>
+            </a:effectRef>
+            <a:fontRef idx="minor">
+              <a:schemeClr val="tx1"/>
+            </a:fontRef>
+          </p:style>
+        </p:cxnSp>
+        <p:cxnSp>
+          <p:nvCxnSpPr>
+            <p:cNvPr id="86" name="Gerade Verbindung mit Pfeil 85">
+              <a:extLst>
+                <a:ext uri="{FF2B5EF4-FFF2-40B4-BE49-F238E27FC236}">
+                  <a16:creationId xmlns:a16="http://schemas.microsoft.com/office/drawing/2014/main" id="{137AD157-3F86-DF6B-ECDD-49AF2DFF4C42}"/>
+                </a:ext>
+              </a:extLst>
+            </p:cNvPr>
+            <p:cNvCxnSpPr>
+              <a:cxnSpLocks/>
+            </p:cNvCxnSpPr>
+            <p:nvPr/>
+          </p:nvCxnSpPr>
+          <p:spPr>
+            <a:xfrm>
+              <a:off x="8641787" y="4581613"/>
+              <a:ext cx="649590" cy="305400"/>
+            </a:xfrm>
+            <a:prstGeom prst="straightConnector1">
+              <a:avLst/>
+            </a:prstGeom>
+            <a:ln>
+              <a:tailEnd type="triangle"/>
+            </a:ln>
+          </p:spPr>
+          <p:style>
+            <a:lnRef idx="1">
+              <a:schemeClr val="accent1"/>
+            </a:lnRef>
+            <a:fillRef idx="0">
+              <a:schemeClr val="accent1"/>
+            </a:fillRef>
+            <a:effectRef idx="0">
+              <a:schemeClr val="accent1"/>
+            </a:effectRef>
+            <a:fontRef idx="minor">
+              <a:schemeClr val="tx1"/>
+            </a:fontRef>
+          </p:style>
+        </p:cxnSp>
+      </p:grpSp>
+      <p:sp>
+        <p:nvSpPr>
+          <p:cNvPr id="93" name="Textfeld 92">
+            <a:extLst>
+              <a:ext uri="{FF2B5EF4-FFF2-40B4-BE49-F238E27FC236}">
+                <a16:creationId xmlns:a16="http://schemas.microsoft.com/office/drawing/2014/main" id="{1816C4C5-9900-56B2-070D-4FC7DE63AB37}"/>
+              </a:ext>
+            </a:extLst>
+          </p:cNvPr>
+          <p:cNvSpPr txBox="1"/>
+          <p:nvPr/>
+        </p:nvSpPr>
+        <p:spPr>
+          <a:xfrm>
+            <a:off x="7588433" y="5449810"/>
+            <a:ext cx="2838737" cy="284869"/>
+          </a:xfrm>
+          <a:prstGeom prst="rect">
+            <a:avLst/>
+          </a:prstGeom>
+          <a:solidFill>
+            <a:schemeClr val="bg2">
+              <a:lumMod val="90000"/>
+            </a:schemeClr>
+          </a:solidFill>
+          <a:ln w="12700">
+            <a:solidFill>
+              <a:schemeClr val="accent1">
+                <a:lumMod val="40000"/>
+                <a:lumOff val="60000"/>
+              </a:schemeClr>
+            </a:solidFill>
+          </a:ln>
+        </p:spPr>
+        <p:txBody>
+          <a:bodyPr wrap="square">
+            <a:spAutoFit/>
+          </a:bodyPr>
+          <a:lstStyle>
+            <a:defPPr>
+              <a:defRPr lang="de-DE"/>
+            </a:defPPr>
+            <a:lvl1pPr algn="ctr">
+              <a:defRPr sz="1200"/>
+            </a:lvl1pPr>
+          </a:lstStyle>
+          <a:p>
+            <a:r>
+              <a:rPr lang="en-GB" noProof="0" dirty="0" err="1">
+                <a:latin typeface="Courier New" panose="02070309020205020404" pitchFamily="49" charset="0"/>
+                <a:ea typeface="Cambria Math" panose="02040503050406030204" pitchFamily="18" charset="0"/>
+                <a:cs typeface="Courier New" panose="02070309020205020404" pitchFamily="49" charset="0"/>
+              </a:rPr>
+              <a:t>TukeyHSD</a:t>
+            </a:r>
+            <a:r>
+              <a:rPr lang="en-GB" noProof="0" dirty="0">
+                <a:latin typeface="Courier New" panose="02070309020205020404" pitchFamily="49" charset="0"/>
+                <a:ea typeface="Cambria Math" panose="02040503050406030204" pitchFamily="18" charset="0"/>
+                <a:cs typeface="Courier New" panose="02070309020205020404" pitchFamily="49" charset="0"/>
+              </a:rPr>
+              <a:t>()</a:t>
+            </a:r>
+          </a:p>
+        </p:txBody>
+      </p:sp>
+      <p:sp>
+        <p:nvSpPr>
+          <p:cNvPr id="94" name="Textfeld 93">
+            <a:extLst>
+              <a:ext uri="{FF2B5EF4-FFF2-40B4-BE49-F238E27FC236}">
+                <a16:creationId xmlns:a16="http://schemas.microsoft.com/office/drawing/2014/main" id="{04816788-AF21-588C-C893-9A3FCC982798}"/>
+              </a:ext>
+            </a:extLst>
+          </p:cNvPr>
+          <p:cNvSpPr txBox="1"/>
+          <p:nvPr/>
+        </p:nvSpPr>
+        <p:spPr>
+          <a:xfrm>
+            <a:off x="5130837" y="5449811"/>
+            <a:ext cx="2341205" cy="276999"/>
+          </a:xfrm>
+          <a:prstGeom prst="rect">
+            <a:avLst/>
+          </a:prstGeom>
+          <a:solidFill>
+            <a:schemeClr val="bg2">
+              <a:lumMod val="90000"/>
+            </a:schemeClr>
+          </a:solidFill>
+          <a:ln w="12700">
+            <a:solidFill>
+              <a:schemeClr val="accent1">
+                <a:lumMod val="40000"/>
+                <a:lumOff val="60000"/>
+              </a:schemeClr>
+            </a:solidFill>
+          </a:ln>
+        </p:spPr>
+        <p:txBody>
+          <a:bodyPr wrap="square">
+            <a:spAutoFit/>
+          </a:bodyPr>
+          <a:lstStyle/>
+          <a:p>
+            <a:pPr algn="ctr"/>
+            <a:r>
+              <a:rPr lang="en-GB" sz="1200" noProof="0" dirty="0" err="1">
+                <a:latin typeface="Courier New" panose="02070309020205020404" pitchFamily="49" charset="0"/>
+                <a:ea typeface="Cambria Math" panose="02040503050406030204" pitchFamily="18" charset="0"/>
+                <a:cs typeface="Courier New" panose="02070309020205020404" pitchFamily="49" charset="0"/>
+              </a:rPr>
+              <a:t>pairwise.wilcox.test</a:t>
+            </a:r>
+            <a:r>
+              <a:rPr lang="en-GB" sz="1200" noProof="0" dirty="0">
+                <a:latin typeface="Courier New" panose="02070309020205020404" pitchFamily="49" charset="0"/>
+                <a:ea typeface="Cambria Math" panose="02040503050406030204" pitchFamily="18" charset="0"/>
+                <a:cs typeface="Courier New" panose="02070309020205020404" pitchFamily="49" charset="0"/>
+              </a:rPr>
+              <a:t>()</a:t>
+            </a:r>
+          </a:p>
+        </p:txBody>
+      </p:sp>
+      <p:cxnSp>
+        <p:nvCxnSpPr>
+          <p:cNvPr id="2" name="Gerade Verbindung mit Pfeil 1">
+            <a:extLst>
+              <a:ext uri="{FF2B5EF4-FFF2-40B4-BE49-F238E27FC236}">
+                <a16:creationId xmlns:a16="http://schemas.microsoft.com/office/drawing/2014/main" id="{442ABA59-9984-CC9C-22E8-4CD2259C18BC}"/>
+              </a:ext>
+            </a:extLst>
+          </p:cNvPr>
+          <p:cNvCxnSpPr>
+            <a:cxnSpLocks/>
+          </p:cNvCxnSpPr>
+          <p:nvPr/>
+        </p:nvCxnSpPr>
+        <p:spPr>
+          <a:xfrm flipH="1">
+            <a:off x="4041194" y="1992541"/>
+            <a:ext cx="15604" cy="2920119"/>
+          </a:xfrm>
+          <a:prstGeom prst="straightConnector1">
+            <a:avLst/>
+          </a:prstGeom>
+          <a:ln>
+            <a:solidFill>
+              <a:schemeClr val="tx1"/>
+            </a:solidFill>
+            <a:tailEnd type="triangle"/>
+          </a:ln>
+        </p:spPr>
+        <p:style>
+          <a:lnRef idx="1">
+            <a:schemeClr val="accent1"/>
+          </a:lnRef>
+          <a:fillRef idx="0">
+            <a:schemeClr val="accent1"/>
+          </a:fillRef>
+          <a:effectRef idx="0">
+            <a:schemeClr val="accent1"/>
+          </a:effectRef>
+          <a:fontRef idx="minor">
+            <a:schemeClr val="tx1"/>
+          </a:fontRef>
+        </p:style>
+      </p:cxnSp>
+      <p:sp>
+        <p:nvSpPr>
+          <p:cNvPr id="50" name="Textfeld 49">
+            <a:extLst>
+              <a:ext uri="{FF2B5EF4-FFF2-40B4-BE49-F238E27FC236}">
+                <a16:creationId xmlns:a16="http://schemas.microsoft.com/office/drawing/2014/main" id="{6B44DB3D-B95D-EFAC-75E5-157A6CC47CE5}"/>
+              </a:ext>
+            </a:extLst>
+          </p:cNvPr>
+          <p:cNvSpPr txBox="1"/>
+          <p:nvPr/>
+        </p:nvSpPr>
+        <p:spPr>
+          <a:xfrm>
+            <a:off x="1792997" y="4971020"/>
+            <a:ext cx="3053668" cy="276999"/>
+          </a:xfrm>
+          <a:prstGeom prst="rect">
+            <a:avLst/>
+          </a:prstGeom>
+          <a:solidFill>
+            <a:schemeClr val="accent4">
+              <a:alpha val="19758"/>
+            </a:schemeClr>
+          </a:solidFill>
+          <a:ln w="12700">
+            <a:solidFill>
+              <a:schemeClr val="tx1"/>
+            </a:solidFill>
+          </a:ln>
+        </p:spPr>
+        <p:txBody>
+          <a:bodyPr wrap="square">
+            <a:spAutoFit/>
+          </a:bodyPr>
+          <a:lstStyle/>
+          <a:p>
+            <a:pPr algn="ctr"/>
+            <a:r>
+              <a:rPr lang="en-GB" sz="1200" noProof="0" dirty="0" err="1">
+                <a:latin typeface="Courier New" panose="02070309020205020404" pitchFamily="49" charset="0"/>
+                <a:ea typeface="Cambria Math" panose="02040503050406030204" pitchFamily="18" charset="0"/>
+                <a:cs typeface="Courier New" panose="02070309020205020404" pitchFamily="49" charset="0"/>
+              </a:rPr>
+              <a:t>t.test</a:t>
+            </a:r>
+            <a:r>
+              <a:rPr lang="en-GB" sz="1200" noProof="0" dirty="0">
+                <a:latin typeface="Courier New" panose="02070309020205020404" pitchFamily="49" charset="0"/>
+                <a:ea typeface="Cambria Math" panose="02040503050406030204" pitchFamily="18" charset="0"/>
+                <a:cs typeface="Courier New" panose="02070309020205020404" pitchFamily="49" charset="0"/>
+              </a:rPr>
+              <a:t>()</a:t>
+            </a:r>
+          </a:p>
+        </p:txBody>
+      </p:sp>
+      <p:cxnSp>
+        <p:nvCxnSpPr>
+          <p:cNvPr id="51" name="Gerade Verbindung mit Pfeil 50">
+            <a:extLst>
+              <a:ext uri="{FF2B5EF4-FFF2-40B4-BE49-F238E27FC236}">
+                <a16:creationId xmlns:a16="http://schemas.microsoft.com/office/drawing/2014/main" id="{26243798-860B-2ACA-D728-5E3E3765CAF3}"/>
+              </a:ext>
+            </a:extLst>
+          </p:cNvPr>
+          <p:cNvCxnSpPr>
+            <a:cxnSpLocks/>
+            <a:stCxn id="22" idx="2"/>
+            <a:endCxn id="23" idx="0"/>
+          </p:cNvCxnSpPr>
+          <p:nvPr/>
+        </p:nvCxnSpPr>
+        <p:spPr>
+          <a:xfrm flipH="1">
+            <a:off x="943338" y="3280779"/>
+            <a:ext cx="48272" cy="1690241"/>
+          </a:xfrm>
+          <a:prstGeom prst="straightConnector1">
+            <a:avLst/>
+          </a:prstGeom>
+          <a:ln>
+            <a:solidFill>
+              <a:schemeClr val="tx1"/>
+            </a:solidFill>
+            <a:tailEnd type="triangle"/>
+          </a:ln>
+        </p:spPr>
+        <p:style>
+          <a:lnRef idx="1">
+            <a:schemeClr val="accent1"/>
+          </a:lnRef>
+          <a:fillRef idx="0">
+            <a:schemeClr val="accent1"/>
+          </a:fillRef>
+          <a:effectRef idx="0">
+            <a:schemeClr val="accent1"/>
+          </a:effectRef>
+          <a:fontRef idx="minor">
+            <a:schemeClr val="tx1"/>
+          </a:fontRef>
+        </p:style>
+      </p:cxnSp>
+      <p:grpSp>
+        <p:nvGrpSpPr>
+          <p:cNvPr id="69" name="Gruppieren 68">
+            <a:extLst>
+              <a:ext uri="{FF2B5EF4-FFF2-40B4-BE49-F238E27FC236}">
+                <a16:creationId xmlns:a16="http://schemas.microsoft.com/office/drawing/2014/main" id="{54B2A6BE-D508-A351-28B4-83ED32FE15FF}"/>
+              </a:ext>
+            </a:extLst>
+          </p:cNvPr>
+          <p:cNvGrpSpPr/>
+          <p:nvPr/>
+        </p:nvGrpSpPr>
+        <p:grpSpPr>
+          <a:xfrm>
+            <a:off x="824372" y="2492447"/>
+            <a:ext cx="1552397" cy="469922"/>
+            <a:chOff x="2719572" y="1536945"/>
+            <a:chExt cx="1289076" cy="305400"/>
+          </a:xfrm>
+        </p:grpSpPr>
+        <p:cxnSp>
+          <p:nvCxnSpPr>
+            <p:cNvPr id="70" name="Gerade Verbindung mit Pfeil 69">
+              <a:extLst>
+                <a:ext uri="{FF2B5EF4-FFF2-40B4-BE49-F238E27FC236}">
+                  <a16:creationId xmlns:a16="http://schemas.microsoft.com/office/drawing/2014/main" id="{D200E892-AEC3-6065-5388-73EFE83A92D7}"/>
+                </a:ext>
+              </a:extLst>
+            </p:cNvPr>
+            <p:cNvCxnSpPr>
+              <a:cxnSpLocks/>
+            </p:cNvCxnSpPr>
+            <p:nvPr/>
+          </p:nvCxnSpPr>
+          <p:spPr>
+            <a:xfrm flipH="1">
+              <a:off x="2719572" y="1536945"/>
+              <a:ext cx="639486" cy="305400"/>
+            </a:xfrm>
+            <a:prstGeom prst="straightConnector1">
+              <a:avLst/>
+            </a:prstGeom>
+            <a:ln>
+              <a:solidFill>
+                <a:schemeClr val="tx1"/>
+              </a:solidFill>
+              <a:tailEnd type="triangle"/>
+            </a:ln>
+          </p:spPr>
+          <p:style>
+            <a:lnRef idx="1">
+              <a:schemeClr val="accent1"/>
+            </a:lnRef>
+            <a:fillRef idx="0">
+              <a:schemeClr val="accent1"/>
+            </a:fillRef>
+            <a:effectRef idx="0">
+              <a:schemeClr val="accent1"/>
+            </a:effectRef>
+            <a:fontRef idx="minor">
+              <a:schemeClr val="tx1"/>
+            </a:fontRef>
+          </p:style>
+        </p:cxnSp>
+        <p:cxnSp>
+          <p:nvCxnSpPr>
+            <p:cNvPr id="71" name="Gerade Verbindung mit Pfeil 70">
+              <a:extLst>
+                <a:ext uri="{FF2B5EF4-FFF2-40B4-BE49-F238E27FC236}">
+                  <a16:creationId xmlns:a16="http://schemas.microsoft.com/office/drawing/2014/main" id="{8395A6F8-FDF1-5AAD-57E2-7013C1DC307B}"/>
+                </a:ext>
+              </a:extLst>
+            </p:cNvPr>
+            <p:cNvCxnSpPr>
+              <a:cxnSpLocks/>
+            </p:cNvCxnSpPr>
+            <p:nvPr/>
+          </p:nvCxnSpPr>
+          <p:spPr>
+            <a:xfrm>
+              <a:off x="3359058" y="1536945"/>
+              <a:ext cx="649590" cy="305400"/>
+            </a:xfrm>
+            <a:prstGeom prst="straightConnector1">
+              <a:avLst/>
+            </a:prstGeom>
+            <a:ln>
+              <a:solidFill>
+                <a:schemeClr val="tx1"/>
+              </a:solidFill>
+              <a:tailEnd type="triangle"/>
+            </a:ln>
+          </p:spPr>
+          <p:style>
+            <a:lnRef idx="1">
+              <a:schemeClr val="accent1"/>
+            </a:lnRef>
+            <a:fillRef idx="0">
+              <a:schemeClr val="accent1"/>
+            </a:fillRef>
+            <a:effectRef idx="0">
+              <a:schemeClr val="accent1"/>
+            </a:effectRef>
+            <a:fontRef idx="minor">
+              <a:schemeClr val="tx1"/>
+            </a:fontRef>
+          </p:style>
+        </p:cxnSp>
+      </p:grpSp>
+      <mc:AlternateContent xmlns:mc="http://schemas.openxmlformats.org/markup-compatibility/2006" xmlns:a14="http://schemas.microsoft.com/office/drawing/2010/main">
+        <mc:Choice Requires="a14">
+          <p:sp>
+            <p:nvSpPr>
+              <p:cNvPr id="82" name="Textfeld 81">
+                <a:extLst>
+                  <a:ext uri="{FF2B5EF4-FFF2-40B4-BE49-F238E27FC236}">
+                    <a16:creationId xmlns:a16="http://schemas.microsoft.com/office/drawing/2014/main" id="{FF8AA592-C660-3782-5CA1-25F1FB0AAFB5}"/>
+                  </a:ext>
+                </a:extLst>
+              </p:cNvPr>
+              <p:cNvSpPr txBox="1"/>
+              <p:nvPr/>
+            </p:nvSpPr>
+            <p:spPr>
+              <a:xfrm>
+                <a:off x="5130837" y="3111855"/>
+                <a:ext cx="2338425" cy="276999"/>
+              </a:xfrm>
+              <a:prstGeom prst="rect">
+                <a:avLst/>
+              </a:prstGeom>
+              <a:noFill/>
+              <a:ln w="12700">
+                <a:solidFill>
+                  <a:schemeClr val="accent1">
+                    <a:lumMod val="40000"/>
+                    <a:lumOff val="60000"/>
+                  </a:schemeClr>
+                </a:solidFill>
+              </a:ln>
+            </p:spPr>
+            <p:txBody>
+              <a:bodyPr wrap="square">
+                <a:spAutoFit/>
+              </a:bodyPr>
+              <a:lstStyle/>
+              <a:p>
+                <a:pPr algn="ctr"/>
+                <a14:m>
+                  <m:oMathPara xmlns:m="http://schemas.openxmlformats.org/officeDocument/2006/math">
+                    <m:oMathParaPr>
+                      <m:jc m:val="centerGroup"/>
+                    </m:oMathParaPr>
+                    <m:oMath xmlns:m="http://schemas.openxmlformats.org/officeDocument/2006/math">
+                      <m:r>
+                        <a:rPr lang="en-GB" sz="1200" i="1">
+                          <a:latin typeface="Cambria Math" panose="02040503050406030204" pitchFamily="18" charset="0"/>
+                          <a:ea typeface="Cambria Math" panose="02040503050406030204" pitchFamily="18" charset="0"/>
+                        </a:rPr>
+                        <m:t>𝑝</m:t>
+                      </m:r>
+                      <m:r>
+                        <a:rPr lang="en-GB" sz="1200" i="1">
+                          <a:latin typeface="Cambria Math" panose="02040503050406030204" pitchFamily="18" charset="0"/>
+                          <a:ea typeface="Cambria Math" panose="02040503050406030204" pitchFamily="18" charset="0"/>
+                        </a:rPr>
+                        <m:t>&lt;</m:t>
+                      </m:r>
+                      <m:r>
+                        <a:rPr lang="en-GB" sz="1200" i="1">
+                          <a:latin typeface="Cambria Math" panose="02040503050406030204" pitchFamily="18" charset="0"/>
+                          <a:ea typeface="Cambria Math" panose="02040503050406030204" pitchFamily="18" charset="0"/>
+                        </a:rPr>
+                        <m:t>𝛼</m:t>
+                      </m:r>
+                    </m:oMath>
+                  </m:oMathPara>
+                </a14:m>
+                <a:endParaRPr lang="en-GB" sz="1200" noProof="0" dirty="0">
+                  <a:latin typeface="Calibri" panose="020F0502020204030204" pitchFamily="34" charset="0"/>
+                  <a:ea typeface="Cambria Math" panose="02040503050406030204" pitchFamily="18" charset="0"/>
+                  <a:cs typeface="Calibri" panose="020F0502020204030204" pitchFamily="34" charset="0"/>
+                </a:endParaRPr>
+              </a:p>
+            </p:txBody>
+          </p:sp>
+        </mc:Choice>
+        <mc:Fallback xmlns="">
+          <p:sp>
+            <p:nvSpPr>
+              <p:cNvPr id="82" name="Textfeld 81">
+                <a:extLst>
+                  <a:ext uri="{FF2B5EF4-FFF2-40B4-BE49-F238E27FC236}">
+                    <a16:creationId xmlns:a16="http://schemas.microsoft.com/office/drawing/2014/main" id="{74CB43FD-F472-800C-0BC9-D288FF8733B0}"/>
+                  </a:ext>
+                </a:extLst>
+              </p:cNvPr>
+              <p:cNvSpPr txBox="1">
+                <a:spLocks noRot="1" noChangeAspect="1" noMove="1" noResize="1" noEditPoints="1" noAdjustHandles="1" noChangeArrowheads="1" noChangeShapeType="1" noTextEdit="1"/>
+              </p:cNvSpPr>
+              <p:nvPr/>
+            </p:nvSpPr>
+            <p:spPr>
+              <a:xfrm>
+                <a:off x="5130837" y="3111855"/>
+                <a:ext cx="2338425" cy="276999"/>
+              </a:xfrm>
+              <a:prstGeom prst="rect">
+                <a:avLst/>
+              </a:prstGeom>
+              <a:blipFill>
+                <a:blip r:embed="rId12"/>
+                <a:stretch>
+                  <a:fillRect/>
+                </a:stretch>
+              </a:blipFill>
+              <a:ln w="12700">
+                <a:solidFill>
+                  <a:schemeClr val="accent1">
+                    <a:lumMod val="40000"/>
+                    <a:lumOff val="60000"/>
+                  </a:schemeClr>
+                </a:solidFill>
+              </a:ln>
+            </p:spPr>
+            <p:txBody>
+              <a:bodyPr/>
+              <a:lstStyle/>
+              <a:p>
+                <a:r>
+                  <a:rPr lang="de-DE">
+                    <a:noFill/>
+                  </a:rPr>
+                  <a:t> </a:t>
+                </a:r>
+              </a:p>
+            </p:txBody>
+          </p:sp>
+        </mc:Fallback>
+      </mc:AlternateContent>
+      <mc:AlternateContent xmlns:mc="http://schemas.openxmlformats.org/markup-compatibility/2006" xmlns:a14="http://schemas.microsoft.com/office/drawing/2010/main">
+        <mc:Choice Requires="a14">
+          <p:sp>
+            <p:nvSpPr>
+              <p:cNvPr id="88" name="Textfeld 87">
+                <a:extLst>
+                  <a:ext uri="{FF2B5EF4-FFF2-40B4-BE49-F238E27FC236}">
+                    <a16:creationId xmlns:a16="http://schemas.microsoft.com/office/drawing/2014/main" id="{EA598DBA-4B0B-AAE3-7F99-27798F6877BE}"/>
+                  </a:ext>
+                </a:extLst>
+              </p:cNvPr>
+              <p:cNvSpPr txBox="1"/>
+              <p:nvPr/>
+            </p:nvSpPr>
+            <p:spPr>
+              <a:xfrm>
+                <a:off x="7625917" y="3100255"/>
+                <a:ext cx="2805646" cy="276999"/>
+              </a:xfrm>
+              <a:prstGeom prst="rect">
+                <a:avLst/>
+              </a:prstGeom>
+              <a:noFill/>
+              <a:ln w="12700">
+                <a:solidFill>
+                  <a:schemeClr val="accent1">
+                    <a:lumMod val="40000"/>
+                    <a:lumOff val="60000"/>
+                  </a:schemeClr>
+                </a:solidFill>
+              </a:ln>
+            </p:spPr>
+            <p:txBody>
+              <a:bodyPr wrap="square">
+                <a:spAutoFit/>
+              </a:bodyPr>
+              <a:lstStyle/>
+              <a:p>
+                <a:pPr algn="ctr"/>
+                <a14:m>
+                  <m:oMathPara xmlns:m="http://schemas.openxmlformats.org/officeDocument/2006/math">
+                    <m:oMathParaPr>
+                      <m:jc m:val="centerGroup"/>
+                    </m:oMathParaPr>
+                    <m:oMath xmlns:m="http://schemas.openxmlformats.org/officeDocument/2006/math">
+                      <m:r>
+                        <a:rPr lang="en-GB" sz="1200" b="0" i="1" noProof="0" smtClean="0">
+                          <a:latin typeface="Cambria Math" panose="02040503050406030204" pitchFamily="18" charset="0"/>
+                          <a:ea typeface="Cambria Math" panose="02040503050406030204" pitchFamily="18" charset="0"/>
+                        </a:rPr>
+                        <m:t>𝑝</m:t>
+                      </m:r>
+                      <m:r>
+                        <a:rPr lang="en-GB" sz="1200" b="0" i="1" noProof="0" smtClean="0">
+                          <a:latin typeface="Cambria Math" panose="02040503050406030204" pitchFamily="18" charset="0"/>
+                          <a:ea typeface="Cambria Math" panose="02040503050406030204" pitchFamily="18" charset="0"/>
+                        </a:rPr>
+                        <m:t>≥</m:t>
+                      </m:r>
+                      <m:r>
+                        <a:rPr lang="en-GB" sz="1200" b="0" i="1" noProof="0" smtClean="0">
+                          <a:latin typeface="Cambria Math" panose="02040503050406030204" pitchFamily="18" charset="0"/>
+                          <a:ea typeface="Cambria Math" panose="02040503050406030204" pitchFamily="18" charset="0"/>
+                        </a:rPr>
+                        <m:t>𝛼</m:t>
+                      </m:r>
+                    </m:oMath>
+                  </m:oMathPara>
+                </a14:m>
+                <a:endParaRPr lang="en-GB" sz="1200" noProof="0" dirty="0">
+                  <a:latin typeface="Calibri" panose="020F0502020204030204" pitchFamily="34" charset="0"/>
+                  <a:ea typeface="Cambria Math" panose="02040503050406030204" pitchFamily="18" charset="0"/>
+                  <a:cs typeface="Calibri" panose="020F0502020204030204" pitchFamily="34" charset="0"/>
+                </a:endParaRPr>
+              </a:p>
+            </p:txBody>
+          </p:sp>
+        </mc:Choice>
+        <mc:Fallback xmlns="">
+          <p:sp>
+            <p:nvSpPr>
+              <p:cNvPr id="88" name="Textfeld 87">
+                <a:extLst>
+                  <a:ext uri="{FF2B5EF4-FFF2-40B4-BE49-F238E27FC236}">
+                    <a16:creationId xmlns:a16="http://schemas.microsoft.com/office/drawing/2014/main" id="{436DE9B5-559B-6581-9440-FF83D251A495}"/>
+                  </a:ext>
+                </a:extLst>
+              </p:cNvPr>
+              <p:cNvSpPr txBox="1">
+                <a:spLocks noRot="1" noChangeAspect="1" noMove="1" noResize="1" noEditPoints="1" noAdjustHandles="1" noChangeArrowheads="1" noChangeShapeType="1" noTextEdit="1"/>
+              </p:cNvSpPr>
+              <p:nvPr/>
+            </p:nvSpPr>
+            <p:spPr>
+              <a:xfrm>
+                <a:off x="7625917" y="3100255"/>
+                <a:ext cx="2805646" cy="276999"/>
+              </a:xfrm>
+              <a:prstGeom prst="rect">
+                <a:avLst/>
+              </a:prstGeom>
+              <a:blipFill>
+                <a:blip r:embed="rId13"/>
+                <a:stretch>
+                  <a:fillRect/>
+                </a:stretch>
+              </a:blipFill>
+              <a:ln w="12700">
+                <a:solidFill>
+                  <a:schemeClr val="accent1">
+                    <a:lumMod val="40000"/>
+                    <a:lumOff val="60000"/>
+                  </a:schemeClr>
+                </a:solidFill>
+              </a:ln>
+            </p:spPr>
+            <p:txBody>
+              <a:bodyPr/>
+              <a:lstStyle/>
+              <a:p>
+                <a:r>
+                  <a:rPr lang="de-DE">
+                    <a:noFill/>
+                  </a:rPr>
+                  <a:t> </a:t>
+                </a:r>
+              </a:p>
+            </p:txBody>
+          </p:sp>
+        </mc:Fallback>
+      </mc:AlternateContent>
+      <p:sp>
+        <p:nvSpPr>
+          <p:cNvPr id="4" name="Textfeld 3">
+            <a:extLst>
+              <a:ext uri="{FF2B5EF4-FFF2-40B4-BE49-F238E27FC236}">
+                <a16:creationId xmlns:a16="http://schemas.microsoft.com/office/drawing/2014/main" id="{8034E0AE-CBAC-2B8E-9BAE-94624C86B232}"/>
+              </a:ext>
+            </a:extLst>
+          </p:cNvPr>
+          <p:cNvSpPr txBox="1"/>
+          <p:nvPr/>
+        </p:nvSpPr>
+        <p:spPr>
+          <a:xfrm>
+            <a:off x="10508557" y="5453366"/>
+            <a:ext cx="1618426" cy="277200"/>
+          </a:xfrm>
+          <a:prstGeom prst="rect">
+            <a:avLst/>
+          </a:prstGeom>
+          <a:solidFill>
+            <a:schemeClr val="bg2">
+              <a:lumMod val="90000"/>
+            </a:schemeClr>
+          </a:solidFill>
+          <a:ln w="12700">
+            <a:solidFill>
+              <a:schemeClr val="bg2">
+                <a:lumMod val="90000"/>
+              </a:schemeClr>
+            </a:solidFill>
+          </a:ln>
+        </p:spPr>
+        <p:txBody>
+          <a:bodyPr wrap="square">
+            <a:spAutoFit/>
+          </a:bodyPr>
+          <a:lstStyle>
+            <a:defPPr>
+              <a:defRPr lang="de-DE"/>
+            </a:defPPr>
+            <a:lvl1pPr algn="ctr">
+              <a:defRPr sz="1200"/>
+            </a:lvl1pPr>
+          </a:lstStyle>
+          <a:p>
+            <a:r>
+              <a:rPr lang="en-GB" noProof="0" dirty="0">
+                <a:latin typeface="Calibri" panose="020F0502020204030204" pitchFamily="34" charset="0"/>
+                <a:ea typeface="Cambria Math" panose="02040503050406030204" pitchFamily="18" charset="0"/>
+                <a:cs typeface="Calibri" panose="020F0502020204030204" pitchFamily="34" charset="0"/>
+              </a:rPr>
+              <a:t>Post-hoc test </a:t>
+            </a:r>
+          </a:p>
+        </p:txBody>
+      </p:sp>
+      <mc:AlternateContent xmlns:mc="http://schemas.openxmlformats.org/markup-compatibility/2006" xmlns:a14="http://schemas.microsoft.com/office/drawing/2010/main">
+        <mc:Choice Requires="a14">
+          <p:sp>
+            <p:nvSpPr>
+              <p:cNvPr id="11" name="Textfeld 10">
+                <a:extLst>
+                  <a:ext uri="{FF2B5EF4-FFF2-40B4-BE49-F238E27FC236}">
+                    <a16:creationId xmlns:a16="http://schemas.microsoft.com/office/drawing/2014/main" id="{660F1CCB-0E89-EC4D-FE95-51F423E84B38}"/>
+                  </a:ext>
+                </a:extLst>
+              </p:cNvPr>
+              <p:cNvSpPr txBox="1"/>
+              <p:nvPr/>
+            </p:nvSpPr>
+            <p:spPr>
+              <a:xfrm>
+                <a:off x="9967683" y="5959220"/>
+                <a:ext cx="2082384" cy="461665"/>
+              </a:xfrm>
+              <a:prstGeom prst="rect">
+                <a:avLst/>
+              </a:prstGeom>
+              <a:noFill/>
+              <a:ln>
+                <a:noFill/>
+              </a:ln>
+            </p:spPr>
+            <p:txBody>
+              <a:bodyPr wrap="square">
+                <a:spAutoFit/>
+              </a:bodyPr>
+              <a:lstStyle/>
+              <a:p>
+                <a14:m>
+                  <m:oMath xmlns:m="http://schemas.openxmlformats.org/officeDocument/2006/math">
+                    <m:r>
+                      <a:rPr lang="en-GB" sz="1200" i="1" noProof="0" smtClean="0">
+                        <a:latin typeface="Cambria Math" panose="02040503050406030204" pitchFamily="18" charset="0"/>
+                        <a:ea typeface="Cambria Math" panose="02040503050406030204" pitchFamily="18" charset="0"/>
+                      </a:rPr>
+                      <m:t>𝛼</m:t>
+                    </m:r>
+                    <m:r>
+                      <a:rPr lang="en-GB" sz="1200" b="0" i="1" noProof="0" smtClean="0">
+                        <a:latin typeface="Cambria Math" panose="02040503050406030204" pitchFamily="18" charset="0"/>
+                        <a:ea typeface="Cambria Math" panose="02040503050406030204" pitchFamily="18" charset="0"/>
+                      </a:rPr>
+                      <m:t>=1−</m:t>
+                    </m:r>
+                  </m:oMath>
+                </a14:m>
+                <a:r>
+                  <a:rPr lang="en-GB" sz="1200" noProof="0" dirty="0">
+                    <a:latin typeface="Calibri" panose="020F0502020204030204" pitchFamily="34" charset="0"/>
+                    <a:ea typeface="Cambria Math" panose="02040503050406030204" pitchFamily="18" charset="0"/>
+                    <a:cs typeface="Calibri" panose="020F0502020204030204" pitchFamily="34" charset="0"/>
+                  </a:rPr>
+                  <a:t> </a:t>
+                </a:r>
+                <a:r>
+                  <a:rPr lang="en-GB" sz="1200" noProof="0" dirty="0" err="1">
+                    <a:latin typeface="Courier New" panose="02070309020205020404" pitchFamily="49" charset="0"/>
+                    <a:ea typeface="CMU Bright Roman" panose="02000603000000000000" pitchFamily="2" charset="0"/>
+                    <a:cs typeface="Courier New" panose="02070309020205020404" pitchFamily="49" charset="0"/>
+                  </a:rPr>
+                  <a:t>conf.level</a:t>
+                </a:r>
+                <a:r>
+                  <a:rPr lang="en-GB" sz="800" noProof="0" dirty="0">
+                    <a:latin typeface="CMU Bright Roman" panose="02000603000000000000" pitchFamily="2" charset="0"/>
+                    <a:ea typeface="CMU Bright Roman" panose="02000603000000000000" pitchFamily="2" charset="0"/>
+                    <a:cs typeface="CMU Bright Roman" panose="02000603000000000000" pitchFamily="2" charset="0"/>
+                  </a:rPr>
+                  <a:t> </a:t>
+                </a:r>
+              </a:p>
+              <a:p>
+                <a14:m>
+                  <m:oMath xmlns:m="http://schemas.openxmlformats.org/officeDocument/2006/math">
+                    <m:sSub>
+                      <m:sSubPr>
+                        <m:ctrlPr>
+                          <a:rPr lang="en-GB" sz="1200" i="1" noProof="0" smtClean="0">
+                            <a:latin typeface="Cambria Math" panose="02040503050406030204" pitchFamily="18" charset="0"/>
+                            <a:ea typeface="Cambria Math" panose="02040503050406030204" pitchFamily="18" charset="0"/>
+                          </a:rPr>
+                        </m:ctrlPr>
+                      </m:sSubPr>
+                      <m:e>
+                        <m:r>
+                          <a:rPr lang="en-GB" sz="1200" i="1" noProof="0" smtClean="0">
+                            <a:latin typeface="Cambria Math" panose="02040503050406030204" pitchFamily="18" charset="0"/>
+                            <a:ea typeface="Cambria Math" panose="02040503050406030204" pitchFamily="18" charset="0"/>
+                          </a:rPr>
+                          <m:t>𝑝</m:t>
+                        </m:r>
+                      </m:e>
+                      <m:sub>
+                        <m:r>
+                          <a:rPr lang="en-GB" sz="1200" i="1" noProof="0" smtClean="0">
+                            <a:latin typeface="Cambria Math" panose="02040503050406030204" pitchFamily="18" charset="0"/>
+                            <a:ea typeface="Cambria Math" panose="02040503050406030204" pitchFamily="18" charset="0"/>
+                          </a:rPr>
+                          <m:t>𝑖</m:t>
+                        </m:r>
+                      </m:sub>
+                    </m:sSub>
+                    <m:r>
+                      <a:rPr lang="en-US" sz="1200" b="0" i="0" noProof="0" smtClean="0">
+                        <a:latin typeface="Cambria Math" panose="02040503050406030204" pitchFamily="18" charset="0"/>
+                        <a:ea typeface="Cambria Math" panose="02040503050406030204" pitchFamily="18" charset="0"/>
+                      </a:rPr>
+                      <m:t>=</m:t>
+                    </m:r>
+                  </m:oMath>
+                </a14:m>
+                <a:r>
+                  <a:rPr lang="en-GB" sz="1200" noProof="0" dirty="0">
+                    <a:ea typeface="Cambria Math" panose="02040503050406030204" pitchFamily="18" charset="0"/>
+                  </a:rPr>
+                  <a:t> </a:t>
+                </a:r>
+                <a14:m>
+                  <m:oMath xmlns:m="http://schemas.openxmlformats.org/officeDocument/2006/math">
+                    <m:r>
+                      <a:rPr lang="en-GB" sz="1200" i="1" noProof="0" dirty="0" smtClean="0">
+                        <a:latin typeface="Cambria Math" panose="02040503050406030204" pitchFamily="18" charset="0"/>
+                        <a:ea typeface="Cambria Math" panose="02040503050406030204" pitchFamily="18" charset="0"/>
+                      </a:rPr>
+                      <m:t>𝑝</m:t>
+                    </m:r>
+                  </m:oMath>
+                </a14:m>
+                <a:r>
+                  <a:rPr lang="en-GB" sz="1200" noProof="0" dirty="0">
+                    <a:ea typeface="Cambria Math" panose="02040503050406030204" pitchFamily="18" charset="0"/>
+                  </a:rPr>
+                  <a:t>-value of level </a:t>
+                </a:r>
+                <a14:m>
+                  <m:oMath xmlns:m="http://schemas.openxmlformats.org/officeDocument/2006/math">
+                    <m:r>
+                      <a:rPr lang="en-GB" sz="1200" i="1" noProof="0" smtClean="0">
+                        <a:latin typeface="Cambria Math" panose="02040503050406030204" pitchFamily="18" charset="0"/>
+                        <a:ea typeface="Cambria Math" panose="02040503050406030204" pitchFamily="18" charset="0"/>
+                      </a:rPr>
+                      <m:t>𝑖</m:t>
+                    </m:r>
+                    <m:r>
+                      <a:rPr lang="en-GB" sz="1200" i="1" noProof="0" smtClean="0">
+                        <a:latin typeface="Cambria Math" panose="02040503050406030204" pitchFamily="18" charset="0"/>
+                        <a:ea typeface="Cambria Math" panose="02040503050406030204" pitchFamily="18" charset="0"/>
+                      </a:rPr>
+                      <m:t>,</m:t>
+                    </m:r>
+                  </m:oMath>
+                </a14:m>
+                <a:r>
+                  <a:rPr lang="en-GB" sz="1200" noProof="0" dirty="0">
+                    <a:ea typeface="Cambria Math" panose="02040503050406030204" pitchFamily="18" charset="0"/>
+                  </a:rPr>
+                  <a:t> </a:t>
+                </a:r>
+                <a14:m>
+                  <m:oMath xmlns:m="http://schemas.openxmlformats.org/officeDocument/2006/math">
+                    <m:r>
+                      <a:rPr lang="en-GB" sz="1200" i="1" noProof="0" smtClean="0">
+                        <a:latin typeface="Cambria Math" panose="02040503050406030204" pitchFamily="18" charset="0"/>
+                        <a:ea typeface="Cambria Math" panose="02040503050406030204" pitchFamily="18" charset="0"/>
+                      </a:rPr>
+                      <m:t>𝑖</m:t>
+                    </m:r>
+                    <m:r>
+                      <a:rPr lang="en-GB" sz="1200" i="1" noProof="0" smtClean="0">
+                        <a:latin typeface="Cambria Math" panose="02040503050406030204" pitchFamily="18" charset="0"/>
+                        <a:ea typeface="Cambria Math" panose="02040503050406030204" pitchFamily="18" charset="0"/>
+                      </a:rPr>
+                      <m:t>=1,2</m:t>
+                    </m:r>
+                  </m:oMath>
+                </a14:m>
+                <a:endParaRPr lang="en-GB" sz="1200" noProof="0" dirty="0">
+                  <a:latin typeface="CMU Bright Roman" panose="02000603000000000000" pitchFamily="2" charset="0"/>
+                  <a:ea typeface="CMU Bright Roman" panose="02000603000000000000" pitchFamily="2" charset="0"/>
+                  <a:cs typeface="CMU Bright Roman" panose="02000603000000000000" pitchFamily="2" charset="0"/>
+                </a:endParaRPr>
+              </a:p>
+            </p:txBody>
+          </p:sp>
+        </mc:Choice>
+        <mc:Fallback xmlns="">
+          <p:sp>
+            <p:nvSpPr>
+              <p:cNvPr id="11" name="Textfeld 10">
+                <a:extLst>
+                  <a:ext uri="{FF2B5EF4-FFF2-40B4-BE49-F238E27FC236}">
+                    <a16:creationId xmlns:a16="http://schemas.microsoft.com/office/drawing/2014/main" id="{BEADCB87-2FE2-B735-89A2-59CFEE3B9378}"/>
+                  </a:ext>
+                </a:extLst>
+              </p:cNvPr>
+              <p:cNvSpPr txBox="1">
+                <a:spLocks noRot="1" noChangeAspect="1" noMove="1" noResize="1" noEditPoints="1" noAdjustHandles="1" noChangeArrowheads="1" noChangeShapeType="1" noTextEdit="1"/>
+              </p:cNvSpPr>
+              <p:nvPr/>
+            </p:nvSpPr>
+            <p:spPr>
+              <a:xfrm>
+                <a:off x="9967683" y="5959220"/>
+                <a:ext cx="2082384" cy="461665"/>
+              </a:xfrm>
+              <a:prstGeom prst="rect">
+                <a:avLst/>
+              </a:prstGeom>
+              <a:blipFill>
+                <a:blip r:embed="rId18"/>
+                <a:stretch>
+                  <a:fillRect t="-2703" b="-10811"/>
+                </a:stretch>
+              </a:blipFill>
+              <a:ln>
+                <a:noFill/>
+              </a:ln>
+            </p:spPr>
+            <p:txBody>
+              <a:bodyPr/>
+              <a:lstStyle/>
+              <a:p>
+                <a:r>
+                  <a:rPr lang="de-DE">
+                    <a:noFill/>
+                  </a:rPr>
+                  <a:t> </a:t>
+                </a:r>
+              </a:p>
+            </p:txBody>
+          </p:sp>
+        </mc:Fallback>
+      </mc:AlternateContent>
+      <p:sp>
+        <p:nvSpPr>
+          <p:cNvPr id="149" name="Textfeld 148">
+            <a:extLst>
+              <a:ext uri="{FF2B5EF4-FFF2-40B4-BE49-F238E27FC236}">
+                <a16:creationId xmlns:a16="http://schemas.microsoft.com/office/drawing/2014/main" id="{E18EDFC7-E6F5-7AD6-1BF9-8BE154A0C051}"/>
+              </a:ext>
+            </a:extLst>
+          </p:cNvPr>
+          <p:cNvSpPr txBox="1"/>
+          <p:nvPr/>
+        </p:nvSpPr>
+        <p:spPr>
+          <a:xfrm>
+            <a:off x="10508891" y="4951684"/>
+            <a:ext cx="1618427" cy="276999"/>
+          </a:xfrm>
+          <a:prstGeom prst="rect">
+            <a:avLst/>
+          </a:prstGeom>
+          <a:noFill/>
+          <a:ln w="12700">
+            <a:solidFill>
+              <a:schemeClr val="bg2">
+                <a:lumMod val="90000"/>
+              </a:schemeClr>
+            </a:solidFill>
+          </a:ln>
+        </p:spPr>
+        <p:txBody>
+          <a:bodyPr wrap="square">
+            <a:spAutoFit/>
+          </a:bodyPr>
+          <a:lstStyle>
+            <a:defPPr>
+              <a:defRPr lang="de-DE"/>
+            </a:defPPr>
+            <a:lvl1pPr algn="ctr">
+              <a:defRPr sz="1200"/>
+            </a:lvl1pPr>
+          </a:lstStyle>
+          <a:p>
+            <a:r>
+              <a:rPr lang="en-GB" noProof="0" dirty="0">
+                <a:latin typeface="Calibri" panose="020F0502020204030204" pitchFamily="34" charset="0"/>
+                <a:ea typeface="Cambria Math" panose="02040503050406030204" pitchFamily="18" charset="0"/>
+                <a:cs typeface="Calibri" panose="020F0502020204030204" pitchFamily="34" charset="0"/>
+              </a:rPr>
+              <a:t>Final test selected </a:t>
+            </a:r>
+          </a:p>
+        </p:txBody>
+      </p:sp>
+      <p:sp>
+        <p:nvSpPr>
+          <p:cNvPr id="159" name="Textfeld 158">
+            <a:extLst>
+              <a:ext uri="{FF2B5EF4-FFF2-40B4-BE49-F238E27FC236}">
+                <a16:creationId xmlns:a16="http://schemas.microsoft.com/office/drawing/2014/main" id="{D01F2F02-B5B5-CDEA-DC9F-C49B13E8C5AC}"/>
+              </a:ext>
+            </a:extLst>
+          </p:cNvPr>
+          <p:cNvSpPr txBox="1"/>
+          <p:nvPr/>
+        </p:nvSpPr>
+        <p:spPr>
+          <a:xfrm>
+            <a:off x="10508557" y="3876296"/>
+            <a:ext cx="1618761" cy="277200"/>
+          </a:xfrm>
+          <a:prstGeom prst="rect">
+            <a:avLst/>
+          </a:prstGeom>
+          <a:solidFill>
+            <a:schemeClr val="accent6">
+              <a:lumMod val="20000"/>
+              <a:lumOff val="80000"/>
+            </a:schemeClr>
+          </a:solidFill>
+          <a:ln w="12700">
+            <a:solidFill>
+              <a:schemeClr val="accent1">
+                <a:lumMod val="20000"/>
+                <a:lumOff val="80000"/>
+              </a:schemeClr>
+            </a:solidFill>
+          </a:ln>
+        </p:spPr>
+        <p:txBody>
+          <a:bodyPr wrap="square">
+            <a:spAutoFit/>
+          </a:bodyPr>
+          <a:lstStyle>
+            <a:defPPr>
+              <a:defRPr lang="de-DE"/>
+            </a:defPPr>
+            <a:lvl1pPr algn="ctr">
+              <a:defRPr sz="1200"/>
+            </a:lvl1pPr>
+          </a:lstStyle>
+          <a:p>
+            <a:r>
+              <a:rPr lang="en-GB" dirty="0">
+                <a:latin typeface="Calibri" panose="020F0502020204030204" pitchFamily="34" charset="0"/>
+                <a:ea typeface="Cambria Math" panose="02040503050406030204" pitchFamily="18" charset="0"/>
+                <a:cs typeface="Calibri" panose="020F0502020204030204" pitchFamily="34" charset="0"/>
+              </a:rPr>
+              <a:t>C</a:t>
+            </a:r>
+            <a:r>
+              <a:rPr lang="en-GB" noProof="0" dirty="0">
+                <a:latin typeface="Calibri" panose="020F0502020204030204" pitchFamily="34" charset="0"/>
+                <a:ea typeface="Cambria Math" panose="02040503050406030204" pitchFamily="18" charset="0"/>
+                <a:cs typeface="Calibri" panose="020F0502020204030204" pitchFamily="34" charset="0"/>
+              </a:rPr>
+              <a:t>heck </a:t>
+            </a:r>
+            <a:r>
+              <a:rPr lang="en-GB" noProof="0" dirty="0" err="1">
+                <a:latin typeface="Calibri" panose="020F0502020204030204" pitchFamily="34" charset="0"/>
+                <a:ea typeface="Cambria Math" panose="02040503050406030204" pitchFamily="18" charset="0"/>
+                <a:cs typeface="Calibri" panose="020F0502020204030204" pitchFamily="34" charset="0"/>
+              </a:rPr>
+              <a:t>homoscedacity</a:t>
+            </a:r>
+            <a:r>
+              <a:rPr lang="en-GB" noProof="0" dirty="0">
+                <a:latin typeface="Calibri" panose="020F0502020204030204" pitchFamily="34" charset="0"/>
+                <a:ea typeface="Cambria Math" panose="02040503050406030204" pitchFamily="18" charset="0"/>
+                <a:cs typeface="Calibri" panose="020F0502020204030204" pitchFamily="34" charset="0"/>
+              </a:rPr>
+              <a:t> </a:t>
+            </a:r>
+          </a:p>
+        </p:txBody>
+      </p:sp>
+      <p:cxnSp>
+        <p:nvCxnSpPr>
+          <p:cNvPr id="182" name="Gewinkelte Verbindung 181">
+            <a:extLst>
+              <a:ext uri="{FF2B5EF4-FFF2-40B4-BE49-F238E27FC236}">
+                <a16:creationId xmlns:a16="http://schemas.microsoft.com/office/drawing/2014/main" id="{2B1DB2AC-11C9-33FF-0221-1D77F8B25059}"/>
+              </a:ext>
+            </a:extLst>
+          </p:cNvPr>
+          <p:cNvCxnSpPr>
+            <a:cxnSpLocks/>
+            <a:stCxn id="7" idx="1"/>
+            <a:endCxn id="8" idx="0"/>
+          </p:cNvCxnSpPr>
+          <p:nvPr/>
+        </p:nvCxnSpPr>
+        <p:spPr>
+          <a:xfrm rot="10800000" flipV="1">
+            <a:off x="2519994" y="499147"/>
+            <a:ext cx="1462504" cy="333639"/>
+          </a:xfrm>
+          <a:prstGeom prst="bentConnector2">
+            <a:avLst/>
+          </a:prstGeom>
+          <a:ln>
+            <a:solidFill>
+              <a:schemeClr val="tx1"/>
+            </a:solidFill>
+            <a:tailEnd type="triangle"/>
+          </a:ln>
+        </p:spPr>
+        <p:style>
+          <a:lnRef idx="1">
+            <a:schemeClr val="accent1"/>
+          </a:lnRef>
+          <a:fillRef idx="0">
+            <a:schemeClr val="accent1"/>
+          </a:fillRef>
+          <a:effectRef idx="0">
+            <a:schemeClr val="accent1"/>
+          </a:effectRef>
+          <a:fontRef idx="minor">
+            <a:schemeClr val="tx1"/>
+          </a:fontRef>
+        </p:style>
+      </p:cxnSp>
+      <p:cxnSp>
+        <p:nvCxnSpPr>
+          <p:cNvPr id="185" name="Gewinkelte Verbindung 184">
+            <a:extLst>
+              <a:ext uri="{FF2B5EF4-FFF2-40B4-BE49-F238E27FC236}">
+                <a16:creationId xmlns:a16="http://schemas.microsoft.com/office/drawing/2014/main" id="{B4465E71-B3EF-DC5B-4146-90C0A29DC7E5}"/>
+              </a:ext>
+            </a:extLst>
+          </p:cNvPr>
+          <p:cNvCxnSpPr>
+            <a:cxnSpLocks/>
+            <a:stCxn id="7" idx="3"/>
+          </p:cNvCxnSpPr>
+          <p:nvPr/>
+        </p:nvCxnSpPr>
+        <p:spPr>
+          <a:xfrm>
+            <a:off x="8287643" y="499148"/>
+            <a:ext cx="1512594" cy="334194"/>
+          </a:xfrm>
+          <a:prstGeom prst="bentConnector3">
+            <a:avLst>
+              <a:gd name="adj1" fmla="val 101482"/>
+            </a:avLst>
+          </a:prstGeom>
+          <a:ln>
+            <a:tailEnd type="triangle"/>
+          </a:ln>
+        </p:spPr>
+        <p:style>
+          <a:lnRef idx="1">
+            <a:schemeClr val="accent1"/>
+          </a:lnRef>
+          <a:fillRef idx="0">
+            <a:schemeClr val="accent1"/>
+          </a:fillRef>
+          <a:effectRef idx="0">
+            <a:schemeClr val="accent1"/>
+          </a:effectRef>
+          <a:fontRef idx="minor">
+            <a:schemeClr val="tx1"/>
+          </a:fontRef>
+        </p:style>
+      </p:cxnSp>
+      <p:cxnSp>
+        <p:nvCxnSpPr>
+          <p:cNvPr id="320" name="Gerade Verbindung mit Pfeil 319">
+            <a:extLst>
+              <a:ext uri="{FF2B5EF4-FFF2-40B4-BE49-F238E27FC236}">
+                <a16:creationId xmlns:a16="http://schemas.microsoft.com/office/drawing/2014/main" id="{541C7AAA-B3A8-9D92-DE50-39F0A7FC41EC}"/>
+              </a:ext>
+            </a:extLst>
+          </p:cNvPr>
+          <p:cNvCxnSpPr>
+            <a:cxnSpLocks/>
+          </p:cNvCxnSpPr>
+          <p:nvPr/>
+        </p:nvCxnSpPr>
+        <p:spPr>
+          <a:xfrm>
+            <a:off x="6189491" y="3402561"/>
+            <a:ext cx="0" cy="1510099"/>
+          </a:xfrm>
+          <a:prstGeom prst="straightConnector1">
+            <a:avLst/>
+          </a:prstGeom>
+          <a:ln>
+            <a:tailEnd type="triangle"/>
+          </a:ln>
+        </p:spPr>
+        <p:style>
+          <a:lnRef idx="1">
+            <a:schemeClr val="accent1"/>
+          </a:lnRef>
+          <a:fillRef idx="0">
+            <a:schemeClr val="accent1"/>
+          </a:fillRef>
+          <a:effectRef idx="0">
+            <a:schemeClr val="accent1"/>
+          </a:effectRef>
+          <a:fontRef idx="minor">
+            <a:schemeClr val="tx1"/>
+          </a:fontRef>
+        </p:style>
+      </p:cxnSp>
+      <p:cxnSp>
+        <p:nvCxnSpPr>
+          <p:cNvPr id="363" name="Gerade Verbindung mit Pfeil 362">
+            <a:extLst>
+              <a:ext uri="{FF2B5EF4-FFF2-40B4-BE49-F238E27FC236}">
+                <a16:creationId xmlns:a16="http://schemas.microsoft.com/office/drawing/2014/main" id="{0620544F-8BDB-0246-4FCA-0500489D7CD2}"/>
+              </a:ext>
+            </a:extLst>
+          </p:cNvPr>
+          <p:cNvCxnSpPr>
+            <a:cxnSpLocks/>
+            <a:stCxn id="19" idx="2"/>
+          </p:cNvCxnSpPr>
+          <p:nvPr/>
+        </p:nvCxnSpPr>
+        <p:spPr>
+          <a:xfrm>
+            <a:off x="2502316" y="3280779"/>
+            <a:ext cx="0" cy="1670905"/>
+          </a:xfrm>
+          <a:prstGeom prst="straightConnector1">
+            <a:avLst/>
+          </a:prstGeom>
+          <a:ln>
+            <a:solidFill>
+              <a:schemeClr val="tx1"/>
+            </a:solidFill>
+            <a:tailEnd type="triangle"/>
+          </a:ln>
+        </p:spPr>
+        <p:style>
+          <a:lnRef idx="1">
+            <a:schemeClr val="accent1"/>
+          </a:lnRef>
+          <a:fillRef idx="0">
+            <a:schemeClr val="accent1"/>
+          </a:fillRef>
+          <a:effectRef idx="0">
+            <a:schemeClr val="accent1"/>
+          </a:effectRef>
+          <a:fontRef idx="minor">
+            <a:schemeClr val="tx1"/>
+          </a:fontRef>
+        </p:style>
+      </p:cxnSp>
+      <p:sp>
+        <p:nvSpPr>
+          <p:cNvPr id="5" name="Textfeld 4">
+            <a:extLst>
+              <a:ext uri="{FF2B5EF4-FFF2-40B4-BE49-F238E27FC236}">
+                <a16:creationId xmlns:a16="http://schemas.microsoft.com/office/drawing/2014/main" id="{C7B9B6B0-E0F5-E570-B1D7-EFDDAC4CD8CE}"/>
+              </a:ext>
+            </a:extLst>
+          </p:cNvPr>
+          <p:cNvSpPr txBox="1"/>
+          <p:nvPr/>
+        </p:nvSpPr>
+        <p:spPr>
+          <a:xfrm>
+            <a:off x="305981" y="6396835"/>
+            <a:ext cx="1868481" cy="281831"/>
+          </a:xfrm>
+          <a:prstGeom prst="rect">
+            <a:avLst/>
+          </a:prstGeom>
+          <a:solidFill>
+            <a:schemeClr val="accent1">
+              <a:lumMod val="40000"/>
+              <a:lumOff val="60000"/>
+            </a:schemeClr>
+          </a:solidFill>
+          <a:ln w="12700">
+            <a:noFill/>
+          </a:ln>
+        </p:spPr>
+        <p:txBody>
+          <a:bodyPr wrap="square">
+            <a:spAutoFit/>
+          </a:bodyPr>
+          <a:lstStyle>
+            <a:defPPr>
+              <a:defRPr lang="de-DE"/>
+            </a:defPPr>
+            <a:lvl1pPr algn="ctr">
+              <a:defRPr sz="1200"/>
+            </a:lvl1pPr>
+          </a:lstStyle>
+          <a:p>
+            <a:r>
+              <a:rPr lang="en-GB" noProof="0" dirty="0">
+                <a:latin typeface="Calibri" panose="020F0502020204030204" pitchFamily="34" charset="0"/>
+                <a:ea typeface="Cambria Math" panose="02040503050406030204" pitchFamily="18" charset="0"/>
+                <a:cs typeface="Calibri" panose="020F0502020204030204" pitchFamily="34" charset="0"/>
+              </a:rPr>
+              <a:t>non-parametric tests </a:t>
+            </a:r>
+          </a:p>
+        </p:txBody>
+      </p:sp>
+      <p:sp>
+        <p:nvSpPr>
+          <p:cNvPr id="148" name="Textfeld 147">
+            <a:extLst>
+              <a:ext uri="{FF2B5EF4-FFF2-40B4-BE49-F238E27FC236}">
+                <a16:creationId xmlns:a16="http://schemas.microsoft.com/office/drawing/2014/main" id="{2C4D11F2-4EFC-38E2-5A76-DAD361E4EF56}"/>
+              </a:ext>
+            </a:extLst>
+          </p:cNvPr>
+          <p:cNvSpPr txBox="1"/>
+          <p:nvPr/>
+        </p:nvSpPr>
+        <p:spPr>
+          <a:xfrm>
+            <a:off x="305981" y="5974839"/>
+            <a:ext cx="1859022" cy="281831"/>
+          </a:xfrm>
+          <a:prstGeom prst="rect">
+            <a:avLst/>
+          </a:prstGeom>
+          <a:solidFill>
+            <a:schemeClr val="accent4">
+              <a:alpha val="19758"/>
+            </a:schemeClr>
+          </a:solidFill>
+          <a:ln w="12700">
+            <a:noFill/>
+          </a:ln>
+        </p:spPr>
+        <p:txBody>
+          <a:bodyPr wrap="square">
+            <a:spAutoFit/>
+          </a:bodyPr>
+          <a:lstStyle/>
+          <a:p>
+            <a:pPr algn="ctr"/>
+            <a:r>
+              <a:rPr lang="en-GB" sz="1200" noProof="0" dirty="0">
+                <a:latin typeface="Calibri" panose="020F0502020204030204" pitchFamily="34" charset="0"/>
+                <a:ea typeface="Cambria Math" panose="02040503050406030204" pitchFamily="18" charset="0"/>
+                <a:cs typeface="Calibri" panose="020F0502020204030204" pitchFamily="34" charset="0"/>
+              </a:rPr>
+              <a:t>parametric tests</a:t>
+            </a:r>
+          </a:p>
+        </p:txBody>
+      </p:sp>
+      <mc:AlternateContent xmlns:mc="http://schemas.openxmlformats.org/markup-compatibility/2006" xmlns:a14="http://schemas.microsoft.com/office/drawing/2010/main">
+        <mc:Choice Requires="a14">
+          <p:sp>
+            <p:nvSpPr>
+              <p:cNvPr id="467" name="Textfeld 466">
+                <a:extLst>
+                  <a:ext uri="{FF2B5EF4-FFF2-40B4-BE49-F238E27FC236}">
+                    <a16:creationId xmlns:a16="http://schemas.microsoft.com/office/drawing/2014/main" id="{29F8B6C9-4A2D-DF13-DB81-DAAAFFA4FF1C}"/>
+                  </a:ext>
+                </a:extLst>
+              </p:cNvPr>
+              <p:cNvSpPr txBox="1"/>
+              <p:nvPr/>
+            </p:nvSpPr>
+            <p:spPr>
+              <a:xfrm>
+                <a:off x="2248265" y="5954905"/>
+                <a:ext cx="2538462" cy="281831"/>
+              </a:xfrm>
+              <a:prstGeom prst="rect">
+                <a:avLst/>
+              </a:prstGeom>
+              <a:noFill/>
+              <a:ln w="12700">
+                <a:solidFill>
+                  <a:schemeClr val="tx1"/>
+                </a:solidFill>
+              </a:ln>
+            </p:spPr>
+            <p:txBody>
+              <a:bodyPr wrap="square">
+                <a:spAutoFit/>
+              </a:bodyPr>
+              <a:lstStyle>
+                <a:defPPr>
+                  <a:defRPr lang="de-DE"/>
+                </a:defPPr>
+                <a:lvl1pPr algn="ctr">
+                  <a:defRPr sz="1200"/>
+                </a:lvl1pPr>
+              </a:lstStyle>
+              <a:p>
+                <a:r>
+                  <a:rPr lang="en-GB" dirty="0">
+                    <a:latin typeface="Calibri" panose="020F0502020204030204" pitchFamily="34" charset="0"/>
+                    <a:ea typeface="Cambria Math" panose="02040503050406030204" pitchFamily="18" charset="0"/>
+                    <a:cs typeface="Calibri" panose="020F0502020204030204" pitchFamily="34" charset="0"/>
+                  </a:rPr>
+                  <a:t>predictor</a:t>
+                </a:r>
+                <a:r>
+                  <a:rPr lang="en-GB" noProof="0" dirty="0">
+                    <a:latin typeface="Calibri" panose="020F0502020204030204" pitchFamily="34" charset="0"/>
+                    <a:ea typeface="Cambria Math" panose="02040503050406030204" pitchFamily="18" charset="0"/>
+                    <a:cs typeface="Calibri" panose="020F0502020204030204" pitchFamily="34" charset="0"/>
+                  </a:rPr>
+                  <a:t> with </a:t>
+                </a:r>
+                <a14:m>
+                  <m:oMath xmlns:m="http://schemas.openxmlformats.org/officeDocument/2006/math">
+                    <m:r>
+                      <a:rPr lang="en-GB" i="1" noProof="0" dirty="0" smtClean="0">
+                        <a:latin typeface="Cambria Math" panose="02040503050406030204" pitchFamily="18" charset="0"/>
+                        <a:ea typeface="Cambria Math" panose="02040503050406030204" pitchFamily="18" charset="0"/>
+                        <a:cs typeface="Calibri" panose="020F0502020204030204" pitchFamily="34" charset="0"/>
+                      </a:rPr>
+                      <m:t>𝑁</m:t>
+                    </m:r>
+                    <m:r>
+                      <a:rPr lang="en-GB" i="1" noProof="0" dirty="0" smtClean="0">
+                        <a:latin typeface="Cambria Math" panose="02040503050406030204" pitchFamily="18" charset="0"/>
+                        <a:ea typeface="Cambria Math" panose="02040503050406030204" pitchFamily="18" charset="0"/>
+                        <a:cs typeface="Calibri" panose="020F0502020204030204" pitchFamily="34" charset="0"/>
+                      </a:rPr>
+                      <m:t>=2</m:t>
+                    </m:r>
+                  </m:oMath>
+                </a14:m>
+                <a:r>
+                  <a:rPr lang="en-GB" noProof="0" dirty="0">
+                    <a:latin typeface="Calibri" panose="020F0502020204030204" pitchFamily="34" charset="0"/>
+                    <a:ea typeface="Cambria Math" panose="02040503050406030204" pitchFamily="18" charset="0"/>
+                    <a:cs typeface="Calibri" panose="020F0502020204030204" pitchFamily="34" charset="0"/>
+                  </a:rPr>
+                  <a:t> levels </a:t>
+                </a:r>
+              </a:p>
+            </p:txBody>
+          </p:sp>
+        </mc:Choice>
+        <mc:Fallback xmlns="">
+          <p:sp>
+            <p:nvSpPr>
+              <p:cNvPr id="467" name="Textfeld 466">
+                <a:extLst>
+                  <a:ext uri="{FF2B5EF4-FFF2-40B4-BE49-F238E27FC236}">
+                    <a16:creationId xmlns:a16="http://schemas.microsoft.com/office/drawing/2014/main" id="{9F3DB9C3-A6B3-DC3B-D937-ACB248DD1895}"/>
+                  </a:ext>
+                </a:extLst>
+              </p:cNvPr>
+              <p:cNvSpPr txBox="1">
+                <a:spLocks noRot="1" noChangeAspect="1" noMove="1" noResize="1" noEditPoints="1" noAdjustHandles="1" noChangeArrowheads="1" noChangeShapeType="1" noTextEdit="1"/>
+              </p:cNvSpPr>
+              <p:nvPr/>
+            </p:nvSpPr>
+            <p:spPr>
+              <a:xfrm>
+                <a:off x="2248265" y="5954905"/>
+                <a:ext cx="2538462" cy="281831"/>
+              </a:xfrm>
+              <a:prstGeom prst="rect">
+                <a:avLst/>
+              </a:prstGeom>
+              <a:blipFill>
+                <a:blip r:embed="rId19"/>
+                <a:stretch>
+                  <a:fillRect b="-8333"/>
+                </a:stretch>
+              </a:blipFill>
+              <a:ln w="12700">
+                <a:solidFill>
+                  <a:schemeClr val="tx1"/>
+                </a:solidFill>
+              </a:ln>
+            </p:spPr>
+            <p:txBody>
+              <a:bodyPr/>
+              <a:lstStyle/>
+              <a:p>
+                <a:r>
+                  <a:rPr lang="de-DE">
+                    <a:noFill/>
+                  </a:rPr>
+                  <a:t> </a:t>
+                </a:r>
+              </a:p>
+            </p:txBody>
+          </p:sp>
+        </mc:Fallback>
+      </mc:AlternateContent>
+      <mc:AlternateContent xmlns:mc="http://schemas.openxmlformats.org/markup-compatibility/2006" xmlns:a14="http://schemas.microsoft.com/office/drawing/2010/main">
+        <mc:Choice Requires="a14">
+          <p:sp>
+            <p:nvSpPr>
+              <p:cNvPr id="468" name="Textfeld 467">
+                <a:extLst>
+                  <a:ext uri="{FF2B5EF4-FFF2-40B4-BE49-F238E27FC236}">
+                    <a16:creationId xmlns:a16="http://schemas.microsoft.com/office/drawing/2014/main" id="{98215D10-AA82-4137-BC4D-73F96F508950}"/>
+                  </a:ext>
+                </a:extLst>
+              </p:cNvPr>
+              <p:cNvSpPr txBox="1"/>
+              <p:nvPr/>
+            </p:nvSpPr>
+            <p:spPr>
+              <a:xfrm>
+                <a:off x="2238790" y="6376901"/>
+                <a:ext cx="2543546" cy="276999"/>
+              </a:xfrm>
+              <a:prstGeom prst="rect">
+                <a:avLst/>
+              </a:prstGeom>
+              <a:noFill/>
+              <a:ln w="12700">
+                <a:solidFill>
+                  <a:schemeClr val="accent1">
+                    <a:lumMod val="40000"/>
+                    <a:lumOff val="60000"/>
+                  </a:schemeClr>
+                </a:solidFill>
+              </a:ln>
+            </p:spPr>
+            <p:txBody>
+              <a:bodyPr wrap="square">
+                <a:spAutoFit/>
+              </a:bodyPr>
+              <a:lstStyle>
+                <a:defPPr>
+                  <a:defRPr lang="de-DE"/>
+                </a:defPPr>
+                <a:lvl1pPr algn="ctr">
+                  <a:defRPr sz="1200"/>
+                </a:lvl1pPr>
+              </a:lstStyle>
+              <a:p>
+                <a:r>
+                  <a:rPr lang="en-GB" dirty="0">
+                    <a:latin typeface="Calibri" panose="020F0502020204030204" pitchFamily="34" charset="0"/>
+                    <a:ea typeface="Cambria Math" panose="02040503050406030204" pitchFamily="18" charset="0"/>
+                    <a:cs typeface="Calibri" panose="020F0502020204030204" pitchFamily="34" charset="0"/>
+                  </a:rPr>
+                  <a:t>predictor</a:t>
+                </a:r>
+                <a:r>
+                  <a:rPr lang="en-GB" noProof="0" dirty="0">
+                    <a:latin typeface="Calibri" panose="020F0502020204030204" pitchFamily="34" charset="0"/>
+                    <a:ea typeface="Cambria Math" panose="02040503050406030204" pitchFamily="18" charset="0"/>
+                    <a:cs typeface="Calibri" panose="020F0502020204030204" pitchFamily="34" charset="0"/>
+                  </a:rPr>
+                  <a:t> with </a:t>
+                </a:r>
+                <a14:m>
+                  <m:oMath xmlns:m="http://schemas.openxmlformats.org/officeDocument/2006/math">
+                    <m:r>
+                      <a:rPr lang="en-GB" i="1" noProof="0" dirty="0" smtClean="0">
+                        <a:latin typeface="Cambria Math" panose="02040503050406030204" pitchFamily="18" charset="0"/>
+                        <a:ea typeface="Cambria Math" panose="02040503050406030204" pitchFamily="18" charset="0"/>
+                        <a:cs typeface="Calibri" panose="020F0502020204030204" pitchFamily="34" charset="0"/>
+                      </a:rPr>
+                      <m:t>𝑁</m:t>
+                    </m:r>
+                    <m:r>
+                      <a:rPr lang="en-GB" i="1" noProof="0" dirty="0" smtClean="0">
+                        <a:latin typeface="Cambria Math" panose="02040503050406030204" pitchFamily="18" charset="0"/>
+                        <a:ea typeface="Cambria Math" panose="02040503050406030204" pitchFamily="18" charset="0"/>
+                        <a:cs typeface="Calibri" panose="020F0502020204030204" pitchFamily="34" charset="0"/>
+                      </a:rPr>
+                      <m:t>&gt; 2 </m:t>
+                    </m:r>
+                  </m:oMath>
+                </a14:m>
+                <a:r>
+                  <a:rPr lang="en-GB" noProof="0" dirty="0">
+                    <a:latin typeface="Calibri" panose="020F0502020204030204" pitchFamily="34" charset="0"/>
+                    <a:ea typeface="Cambria Math" panose="02040503050406030204" pitchFamily="18" charset="0"/>
+                    <a:cs typeface="Calibri" panose="020F0502020204030204" pitchFamily="34" charset="0"/>
+                  </a:rPr>
+                  <a:t>levels </a:t>
+                </a:r>
+              </a:p>
+            </p:txBody>
+          </p:sp>
+        </mc:Choice>
+        <mc:Fallback xmlns="">
+          <p:sp>
+            <p:nvSpPr>
+              <p:cNvPr id="468" name="Textfeld 467">
+                <a:extLst>
+                  <a:ext uri="{FF2B5EF4-FFF2-40B4-BE49-F238E27FC236}">
+                    <a16:creationId xmlns:a16="http://schemas.microsoft.com/office/drawing/2014/main" id="{706DE281-AE3D-2689-6BA1-030155DAFDD8}"/>
+                  </a:ext>
+                </a:extLst>
+              </p:cNvPr>
+              <p:cNvSpPr txBox="1">
+                <a:spLocks noRot="1" noChangeAspect="1" noMove="1" noResize="1" noEditPoints="1" noAdjustHandles="1" noChangeArrowheads="1" noChangeShapeType="1" noTextEdit="1"/>
+              </p:cNvSpPr>
+              <p:nvPr/>
+            </p:nvSpPr>
+            <p:spPr>
+              <a:xfrm>
+                <a:off x="2238790" y="6376901"/>
+                <a:ext cx="2543546" cy="276999"/>
+              </a:xfrm>
+              <a:prstGeom prst="rect">
+                <a:avLst/>
+              </a:prstGeom>
+              <a:blipFill>
+                <a:blip r:embed="rId20"/>
+                <a:stretch>
+                  <a:fillRect b="-12500"/>
+                </a:stretch>
+              </a:blipFill>
+              <a:ln w="12700">
+                <a:solidFill>
+                  <a:schemeClr val="accent1">
+                    <a:lumMod val="40000"/>
+                    <a:lumOff val="60000"/>
+                  </a:schemeClr>
+                </a:solidFill>
+              </a:ln>
+            </p:spPr>
+            <p:txBody>
+              <a:bodyPr/>
+              <a:lstStyle/>
+              <a:p>
+                <a:r>
+                  <a:rPr lang="de-DE">
+                    <a:noFill/>
+                  </a:rPr>
+                  <a:t> </a:t>
+                </a:r>
+              </a:p>
+            </p:txBody>
+          </p:sp>
+        </mc:Fallback>
+      </mc:AlternateContent>
+      <p:sp>
+        <p:nvSpPr>
+          <p:cNvPr id="477" name="Textfeld 476">
+            <a:extLst>
+              <a:ext uri="{FF2B5EF4-FFF2-40B4-BE49-F238E27FC236}">
+                <a16:creationId xmlns:a16="http://schemas.microsoft.com/office/drawing/2014/main" id="{694F209D-AE15-3C11-6D5D-136CF693359B}"/>
+              </a:ext>
+            </a:extLst>
+          </p:cNvPr>
+          <p:cNvSpPr txBox="1"/>
+          <p:nvPr/>
+        </p:nvSpPr>
+        <p:spPr>
+          <a:xfrm>
+            <a:off x="305981" y="5743382"/>
+            <a:ext cx="1091245" cy="281831"/>
+          </a:xfrm>
+          <a:prstGeom prst="rect">
+            <a:avLst/>
+          </a:prstGeom>
+          <a:noFill/>
+          <a:ln w="12700">
+            <a:noFill/>
+          </a:ln>
+        </p:spPr>
+        <p:txBody>
+          <a:bodyPr wrap="square">
+            <a:spAutoFit/>
+          </a:bodyPr>
+          <a:lstStyle>
+            <a:defPPr>
+              <a:defRPr lang="de-DE"/>
+            </a:defPPr>
+            <a:lvl1pPr algn="ctr">
+              <a:defRPr sz="1200"/>
+            </a:lvl1pPr>
+          </a:lstStyle>
+          <a:p>
+            <a:pPr algn="l"/>
+            <a:r>
+              <a:rPr lang="en-GB" noProof="0" dirty="0">
+                <a:latin typeface="Calibri" panose="020F0502020204030204" pitchFamily="34" charset="0"/>
+                <a:ea typeface="Cambria Math" panose="02040503050406030204" pitchFamily="18" charset="0"/>
+                <a:cs typeface="Calibri" panose="020F0502020204030204" pitchFamily="34" charset="0"/>
+              </a:rPr>
+              <a:t>Colour code: </a:t>
+            </a:r>
+          </a:p>
+        </p:txBody>
+      </p:sp>
+      <p:grpSp>
+        <p:nvGrpSpPr>
+          <p:cNvPr id="491" name="Gruppieren 490">
+            <a:extLst>
+              <a:ext uri="{FF2B5EF4-FFF2-40B4-BE49-F238E27FC236}">
+                <a16:creationId xmlns:a16="http://schemas.microsoft.com/office/drawing/2014/main" id="{3BEF4251-E783-6997-81AF-73FA2A62F8C2}"/>
+              </a:ext>
+            </a:extLst>
+          </p:cNvPr>
+          <p:cNvGrpSpPr/>
+          <p:nvPr/>
+        </p:nvGrpSpPr>
+        <p:grpSpPr>
+          <a:xfrm>
+            <a:off x="1666842" y="1127125"/>
+            <a:ext cx="1785240" cy="542165"/>
+            <a:chOff x="2719572" y="1536945"/>
+            <a:chExt cx="1289076" cy="305400"/>
+          </a:xfrm>
+        </p:grpSpPr>
+        <p:cxnSp>
+          <p:nvCxnSpPr>
+            <p:cNvPr id="492" name="Gerade Verbindung mit Pfeil 491">
+              <a:extLst>
+                <a:ext uri="{FF2B5EF4-FFF2-40B4-BE49-F238E27FC236}">
+                  <a16:creationId xmlns:a16="http://schemas.microsoft.com/office/drawing/2014/main" id="{C2D3EC66-2791-4F1C-501D-1BB263EEE32A}"/>
+                </a:ext>
+              </a:extLst>
+            </p:cNvPr>
+            <p:cNvCxnSpPr>
+              <a:cxnSpLocks/>
+            </p:cNvCxnSpPr>
+            <p:nvPr/>
+          </p:nvCxnSpPr>
+          <p:spPr>
+            <a:xfrm flipH="1">
+              <a:off x="2719572" y="1536945"/>
+              <a:ext cx="639486" cy="305400"/>
+            </a:xfrm>
+            <a:prstGeom prst="straightConnector1">
+              <a:avLst/>
+            </a:prstGeom>
+            <a:ln>
+              <a:solidFill>
+                <a:schemeClr val="tx1"/>
+              </a:solidFill>
+              <a:tailEnd type="triangle"/>
+            </a:ln>
+          </p:spPr>
+          <p:style>
+            <a:lnRef idx="1">
+              <a:schemeClr val="accent1"/>
+            </a:lnRef>
+            <a:fillRef idx="0">
+              <a:schemeClr val="accent1"/>
+            </a:fillRef>
+            <a:effectRef idx="0">
+              <a:schemeClr val="accent1"/>
+            </a:effectRef>
+            <a:fontRef idx="minor">
+              <a:schemeClr val="tx1"/>
+            </a:fontRef>
+          </p:style>
+        </p:cxnSp>
+        <p:cxnSp>
+          <p:nvCxnSpPr>
+            <p:cNvPr id="493" name="Gerade Verbindung mit Pfeil 492">
+              <a:extLst>
+                <a:ext uri="{FF2B5EF4-FFF2-40B4-BE49-F238E27FC236}">
+                  <a16:creationId xmlns:a16="http://schemas.microsoft.com/office/drawing/2014/main" id="{625E0312-D230-8901-EE53-C7074AB39DF3}"/>
+                </a:ext>
+              </a:extLst>
+            </p:cNvPr>
+            <p:cNvCxnSpPr>
+              <a:cxnSpLocks/>
+            </p:cNvCxnSpPr>
+            <p:nvPr/>
+          </p:nvCxnSpPr>
+          <p:spPr>
+            <a:xfrm>
+              <a:off x="3359058" y="1536945"/>
+              <a:ext cx="649590" cy="305400"/>
+            </a:xfrm>
+            <a:prstGeom prst="straightConnector1">
+              <a:avLst/>
+            </a:prstGeom>
+            <a:ln>
+              <a:solidFill>
+                <a:schemeClr val="tx1"/>
+              </a:solidFill>
+              <a:tailEnd type="triangle"/>
+            </a:ln>
+          </p:spPr>
+          <p:style>
+            <a:lnRef idx="1">
+              <a:schemeClr val="accent1"/>
+            </a:lnRef>
+            <a:fillRef idx="0">
+              <a:schemeClr val="accent1"/>
+            </a:fillRef>
+            <a:effectRef idx="0">
+              <a:schemeClr val="accent1"/>
+            </a:effectRef>
+            <a:fontRef idx="minor">
+              <a:schemeClr val="tx1"/>
+            </a:fontRef>
+          </p:style>
+        </p:cxnSp>
+      </p:grpSp>
+      <p:cxnSp>
+        <p:nvCxnSpPr>
+          <p:cNvPr id="461" name="Gerade Verbindung mit Pfeil 460">
+            <a:extLst>
+              <a:ext uri="{FF2B5EF4-FFF2-40B4-BE49-F238E27FC236}">
+                <a16:creationId xmlns:a16="http://schemas.microsoft.com/office/drawing/2014/main" id="{B8535EFA-6F94-0EE5-B427-A5E577793C6E}"/>
+              </a:ext>
+            </a:extLst>
+          </p:cNvPr>
+          <p:cNvCxnSpPr>
+            <a:cxnSpLocks/>
+          </p:cNvCxnSpPr>
+          <p:nvPr/>
+        </p:nvCxnSpPr>
+        <p:spPr>
+          <a:xfrm flipH="1">
+            <a:off x="8287643" y="4758610"/>
+            <a:ext cx="4391" cy="180489"/>
+          </a:xfrm>
+          <a:prstGeom prst="straightConnector1">
+            <a:avLst/>
+          </a:prstGeom>
+          <a:ln>
+            <a:solidFill>
+              <a:schemeClr val="accent1"/>
+            </a:solidFill>
+            <a:tailEnd type="triangle"/>
+          </a:ln>
+        </p:spPr>
+        <p:style>
+          <a:lnRef idx="1">
+            <a:schemeClr val="accent1"/>
+          </a:lnRef>
+          <a:fillRef idx="0">
+            <a:schemeClr val="accent1"/>
+          </a:fillRef>
+          <a:effectRef idx="0">
+            <a:schemeClr val="accent1"/>
+          </a:effectRef>
+          <a:fontRef idx="minor">
+            <a:schemeClr val="tx1"/>
+          </a:fontRef>
+        </p:style>
+      </p:cxnSp>
+      <p:cxnSp>
+        <p:nvCxnSpPr>
+          <p:cNvPr id="465" name="Gerade Verbindung mit Pfeil 464">
+            <a:extLst>
+              <a:ext uri="{FF2B5EF4-FFF2-40B4-BE49-F238E27FC236}">
+                <a16:creationId xmlns:a16="http://schemas.microsoft.com/office/drawing/2014/main" id="{D06C3080-1070-97B4-78A3-EB48C636F88F}"/>
+              </a:ext>
+            </a:extLst>
+          </p:cNvPr>
+          <p:cNvCxnSpPr>
+            <a:cxnSpLocks/>
+          </p:cNvCxnSpPr>
+          <p:nvPr/>
+        </p:nvCxnSpPr>
+        <p:spPr>
+          <a:xfrm flipH="1">
+            <a:off x="9767473" y="4763372"/>
+            <a:ext cx="4391" cy="180489"/>
+          </a:xfrm>
+          <a:prstGeom prst="straightConnector1">
+            <a:avLst/>
+          </a:prstGeom>
+          <a:ln>
+            <a:solidFill>
+              <a:schemeClr val="accent1"/>
+            </a:solidFill>
+            <a:tailEnd type="triangle"/>
+          </a:ln>
+        </p:spPr>
+        <p:style>
+          <a:lnRef idx="1">
+            <a:schemeClr val="accent1"/>
+          </a:lnRef>
+          <a:fillRef idx="0">
+            <a:schemeClr val="accent1"/>
+          </a:fillRef>
+          <a:effectRef idx="0">
+            <a:schemeClr val="accent1"/>
+          </a:effectRef>
+          <a:fontRef idx="minor">
+            <a:schemeClr val="tx1"/>
+          </a:fontRef>
+        </p:style>
+      </p:cxnSp>
+      <p:cxnSp>
+        <p:nvCxnSpPr>
+          <p:cNvPr id="466" name="Gerade Verbindung mit Pfeil 465">
+            <a:extLst>
+              <a:ext uri="{FF2B5EF4-FFF2-40B4-BE49-F238E27FC236}">
+                <a16:creationId xmlns:a16="http://schemas.microsoft.com/office/drawing/2014/main" id="{B9B089EB-341B-4C1A-279C-AEFB2282C6A0}"/>
+              </a:ext>
+            </a:extLst>
+          </p:cNvPr>
+          <p:cNvCxnSpPr>
+            <a:cxnSpLocks/>
+          </p:cNvCxnSpPr>
+          <p:nvPr/>
+        </p:nvCxnSpPr>
+        <p:spPr>
+          <a:xfrm flipH="1">
+            <a:off x="8287643" y="5246480"/>
+            <a:ext cx="4391" cy="180489"/>
+          </a:xfrm>
+          <a:prstGeom prst="straightConnector1">
+            <a:avLst/>
+          </a:prstGeom>
+          <a:ln>
+            <a:solidFill>
+              <a:schemeClr val="accent1"/>
+            </a:solidFill>
+            <a:tailEnd type="triangle"/>
+          </a:ln>
+        </p:spPr>
+        <p:style>
+          <a:lnRef idx="1">
+            <a:schemeClr val="accent1"/>
+          </a:lnRef>
+          <a:fillRef idx="0">
+            <a:schemeClr val="accent1"/>
+          </a:fillRef>
+          <a:effectRef idx="0">
+            <a:schemeClr val="accent1"/>
+          </a:effectRef>
+          <a:fontRef idx="minor">
+            <a:schemeClr val="tx1"/>
+          </a:fontRef>
+        </p:style>
+      </p:cxnSp>
+      <p:cxnSp>
+        <p:nvCxnSpPr>
+          <p:cNvPr id="469" name="Gerade Verbindung mit Pfeil 468">
+            <a:extLst>
+              <a:ext uri="{FF2B5EF4-FFF2-40B4-BE49-F238E27FC236}">
+                <a16:creationId xmlns:a16="http://schemas.microsoft.com/office/drawing/2014/main" id="{F87DBCB6-F331-0B0E-92E8-49B95251FE7D}"/>
+              </a:ext>
+            </a:extLst>
+          </p:cNvPr>
+          <p:cNvCxnSpPr>
+            <a:cxnSpLocks/>
+          </p:cNvCxnSpPr>
+          <p:nvPr/>
+        </p:nvCxnSpPr>
+        <p:spPr>
+          <a:xfrm flipH="1">
+            <a:off x="9767473" y="5251947"/>
+            <a:ext cx="4391" cy="180489"/>
+          </a:xfrm>
+          <a:prstGeom prst="straightConnector1">
+            <a:avLst/>
+          </a:prstGeom>
+          <a:ln>
+            <a:solidFill>
+              <a:schemeClr val="accent1"/>
+            </a:solidFill>
+            <a:tailEnd type="triangle"/>
+          </a:ln>
+        </p:spPr>
+        <p:style>
+          <a:lnRef idx="1">
+            <a:schemeClr val="accent1"/>
+          </a:lnRef>
+          <a:fillRef idx="0">
+            <a:schemeClr val="accent1"/>
+          </a:fillRef>
+          <a:effectRef idx="0">
+            <a:schemeClr val="accent1"/>
+          </a:effectRef>
+          <a:fontRef idx="minor">
+            <a:schemeClr val="tx1"/>
+          </a:fontRef>
+        </p:style>
+      </p:cxnSp>
+      <p:cxnSp>
+        <p:nvCxnSpPr>
+          <p:cNvPr id="470" name="Gerade Verbindung mit Pfeil 469">
+            <a:extLst>
+              <a:ext uri="{FF2B5EF4-FFF2-40B4-BE49-F238E27FC236}">
+                <a16:creationId xmlns:a16="http://schemas.microsoft.com/office/drawing/2014/main" id="{C02C6353-A580-F09F-5950-72AFB94CF120}"/>
+              </a:ext>
+            </a:extLst>
+          </p:cNvPr>
+          <p:cNvCxnSpPr>
+            <a:cxnSpLocks/>
+          </p:cNvCxnSpPr>
+          <p:nvPr/>
+        </p:nvCxnSpPr>
+        <p:spPr>
+          <a:xfrm flipH="1">
+            <a:off x="6182061" y="5264410"/>
+            <a:ext cx="4391" cy="180489"/>
+          </a:xfrm>
+          <a:prstGeom prst="straightConnector1">
+            <a:avLst/>
+          </a:prstGeom>
+          <a:ln>
+            <a:solidFill>
+              <a:schemeClr val="accent1"/>
+            </a:solidFill>
+            <a:tailEnd type="triangle"/>
+          </a:ln>
+        </p:spPr>
+        <p:style>
+          <a:lnRef idx="1">
+            <a:schemeClr val="accent1"/>
+          </a:lnRef>
+          <a:fillRef idx="0">
+            <a:schemeClr val="accent1"/>
+          </a:fillRef>
+          <a:effectRef idx="0">
+            <a:schemeClr val="accent1"/>
+          </a:effectRef>
+          <a:fontRef idx="minor">
+            <a:schemeClr val="tx1"/>
+          </a:fontRef>
+        </p:style>
+      </p:cxnSp>
+      <p:cxnSp>
+        <p:nvCxnSpPr>
+          <p:cNvPr id="496" name="Gerade Verbindung mit Pfeil 495">
+            <a:extLst>
+              <a:ext uri="{FF2B5EF4-FFF2-40B4-BE49-F238E27FC236}">
+                <a16:creationId xmlns:a16="http://schemas.microsoft.com/office/drawing/2014/main" id="{8B851C1B-D9B5-D945-19A5-F7938D5CD3A1}"/>
+              </a:ext>
+            </a:extLst>
+          </p:cNvPr>
+          <p:cNvCxnSpPr>
+            <a:cxnSpLocks/>
+          </p:cNvCxnSpPr>
+          <p:nvPr/>
+        </p:nvCxnSpPr>
+        <p:spPr>
+          <a:xfrm flipH="1">
+            <a:off x="8946555" y="3270049"/>
+            <a:ext cx="7967" cy="597516"/>
+          </a:xfrm>
+          <a:prstGeom prst="straightConnector1">
+            <a:avLst/>
+          </a:prstGeom>
+          <a:ln>
+            <a:solidFill>
+              <a:schemeClr val="accent1"/>
+            </a:solidFill>
+            <a:tailEnd type="triangle"/>
+          </a:ln>
+        </p:spPr>
+        <p:style>
+          <a:lnRef idx="1">
+            <a:schemeClr val="accent1"/>
+          </a:lnRef>
+          <a:fillRef idx="0">
+            <a:schemeClr val="accent1"/>
+          </a:fillRef>
+          <a:effectRef idx="0">
+            <a:schemeClr val="accent1"/>
+          </a:effectRef>
+          <a:fontRef idx="minor">
+            <a:schemeClr val="tx1"/>
+          </a:fontRef>
+        </p:style>
+      </p:cxnSp>
+      <p:cxnSp>
+        <p:nvCxnSpPr>
+          <p:cNvPr id="77" name="Gerade Verbindung mit Pfeil 76">
+            <a:extLst>
+              <a:ext uri="{FF2B5EF4-FFF2-40B4-BE49-F238E27FC236}">
+                <a16:creationId xmlns:a16="http://schemas.microsoft.com/office/drawing/2014/main" id="{E58B5024-72E9-BF24-2F70-4C93506905A1}"/>
+              </a:ext>
+            </a:extLst>
+          </p:cNvPr>
+          <p:cNvCxnSpPr>
+            <a:cxnSpLocks/>
+            <a:stCxn id="9" idx="2"/>
+            <a:endCxn id="6" idx="0"/>
+          </p:cNvCxnSpPr>
+          <p:nvPr/>
+        </p:nvCxnSpPr>
+        <p:spPr>
+          <a:xfrm>
+            <a:off x="7779530" y="1109786"/>
+            <a:ext cx="1670" cy="1091532"/>
+          </a:xfrm>
+          <a:prstGeom prst="straightConnector1">
+            <a:avLst/>
+          </a:prstGeom>
+          <a:ln>
+            <a:solidFill>
+              <a:schemeClr val="accent1"/>
+            </a:solidFill>
+            <a:tailEnd type="triangle"/>
+          </a:ln>
+        </p:spPr>
+        <p:style>
+          <a:lnRef idx="1">
+            <a:schemeClr val="accent1"/>
+          </a:lnRef>
+          <a:fillRef idx="0">
+            <a:schemeClr val="accent1"/>
+          </a:fillRef>
+          <a:effectRef idx="0">
+            <a:schemeClr val="accent1"/>
+          </a:effectRef>
+          <a:fontRef idx="minor">
+            <a:schemeClr val="tx1"/>
+          </a:fontRef>
+        </p:style>
+      </p:cxnSp>
+      <p:cxnSp>
+        <p:nvCxnSpPr>
+          <p:cNvPr id="78" name="Gerade Verbindung mit Pfeil 77">
+            <a:extLst>
+              <a:ext uri="{FF2B5EF4-FFF2-40B4-BE49-F238E27FC236}">
+                <a16:creationId xmlns:a16="http://schemas.microsoft.com/office/drawing/2014/main" id="{A976BA90-C577-0271-8A7E-30EDF616A86D}"/>
+              </a:ext>
+            </a:extLst>
+          </p:cNvPr>
+          <p:cNvCxnSpPr>
+            <a:cxnSpLocks/>
+          </p:cNvCxnSpPr>
+          <p:nvPr/>
+        </p:nvCxnSpPr>
+        <p:spPr>
+          <a:xfrm flipH="1">
+            <a:off x="1572292" y="1996567"/>
+            <a:ext cx="4391" cy="180489"/>
+          </a:xfrm>
+          <a:prstGeom prst="straightConnector1">
+            <a:avLst/>
+          </a:prstGeom>
+          <a:ln>
+            <a:solidFill>
+              <a:schemeClr val="tx1"/>
+            </a:solidFill>
+            <a:tailEnd type="triangle"/>
+          </a:ln>
+        </p:spPr>
+        <p:style>
+          <a:lnRef idx="1">
+            <a:schemeClr val="accent1"/>
+          </a:lnRef>
+          <a:fillRef idx="0">
+            <a:schemeClr val="accent1"/>
+          </a:fillRef>
+          <a:effectRef idx="0">
+            <a:schemeClr val="accent1"/>
+          </a:effectRef>
+          <a:fontRef idx="minor">
+            <a:schemeClr val="tx1"/>
+          </a:fontRef>
+        </p:style>
+      </p:cxnSp>
+      <p:sp>
+        <p:nvSpPr>
+          <p:cNvPr id="79" name="Rechteck 78">
+            <a:extLst>
+              <a:ext uri="{FF2B5EF4-FFF2-40B4-BE49-F238E27FC236}">
+                <a16:creationId xmlns:a16="http://schemas.microsoft.com/office/drawing/2014/main" id="{DC688577-4FC9-203C-8BF7-B9332F066223}"/>
+              </a:ext>
+            </a:extLst>
+          </p:cNvPr>
+          <p:cNvSpPr/>
+          <p:nvPr/>
+        </p:nvSpPr>
+        <p:spPr>
+          <a:xfrm>
+            <a:off x="243603" y="5730875"/>
+            <a:ext cx="4603061" cy="999264"/>
+          </a:xfrm>
+          <a:prstGeom prst="rect">
+            <a:avLst/>
+          </a:prstGeom>
+          <a:noFill/>
+          <a:ln>
+            <a:solidFill>
+              <a:schemeClr val="bg1">
+                <a:lumMod val="85000"/>
+              </a:schemeClr>
+            </a:solidFill>
+          </a:ln>
+        </p:spPr>
+        <p:style>
+          <a:lnRef idx="2">
+            <a:schemeClr val="accent1">
+              <a:shade val="15000"/>
+            </a:schemeClr>
+          </a:lnRef>
+          <a:fillRef idx="1">
+            <a:schemeClr val="accent1"/>
+          </a:fillRef>
+          <a:effectRef idx="0">
+            <a:schemeClr val="accent1"/>
+          </a:effectRef>
+          <a:fontRef idx="minor">
+            <a:schemeClr val="lt1"/>
+          </a:fontRef>
+        </p:style>
+        <p:txBody>
+          <a:bodyPr rtlCol="0" anchor="ctr"/>
+          <a:lstStyle/>
+          <a:p>
+            <a:pPr algn="ctr"/>
+            <a:endParaRPr lang="de-DE"/>
+          </a:p>
+        </p:txBody>
+      </p:sp>
+      <p:grpSp>
+        <p:nvGrpSpPr>
+          <p:cNvPr id="17" name="Gruppieren 16">
+            <a:extLst>
+              <a:ext uri="{FF2B5EF4-FFF2-40B4-BE49-F238E27FC236}">
+                <a16:creationId xmlns:a16="http://schemas.microsoft.com/office/drawing/2014/main" id="{A8F6590F-D0D3-C8CF-DA7E-CF6D94FE78DB}"/>
+              </a:ext>
+            </a:extLst>
+          </p:cNvPr>
+          <p:cNvGrpSpPr/>
+          <p:nvPr/>
+        </p:nvGrpSpPr>
+        <p:grpSpPr>
+          <a:xfrm>
+            <a:off x="6911252" y="2511762"/>
+            <a:ext cx="1552397" cy="469922"/>
+            <a:chOff x="2719572" y="1536945"/>
+            <a:chExt cx="1289076" cy="305400"/>
+          </a:xfrm>
+        </p:grpSpPr>
+        <p:cxnSp>
+          <p:nvCxnSpPr>
+            <p:cNvPr id="20" name="Gerade Verbindung mit Pfeil 19">
+              <a:extLst>
+                <a:ext uri="{FF2B5EF4-FFF2-40B4-BE49-F238E27FC236}">
+                  <a16:creationId xmlns:a16="http://schemas.microsoft.com/office/drawing/2014/main" id="{90AAC1B5-81A6-8756-6A74-272E6E3E8F2D}"/>
+                </a:ext>
+              </a:extLst>
+            </p:cNvPr>
+            <p:cNvCxnSpPr>
+              <a:cxnSpLocks/>
+            </p:cNvCxnSpPr>
+            <p:nvPr/>
+          </p:nvCxnSpPr>
+          <p:spPr>
+            <a:xfrm flipH="1">
+              <a:off x="2719572" y="1536945"/>
+              <a:ext cx="639486" cy="305400"/>
+            </a:xfrm>
+            <a:prstGeom prst="straightConnector1">
+              <a:avLst/>
+            </a:prstGeom>
+            <a:ln>
+              <a:tailEnd type="triangle"/>
+            </a:ln>
+          </p:spPr>
+          <p:style>
+            <a:lnRef idx="1">
+              <a:schemeClr val="accent1"/>
+            </a:lnRef>
+            <a:fillRef idx="0">
+              <a:schemeClr val="accent1"/>
+            </a:fillRef>
+            <a:effectRef idx="0">
+              <a:schemeClr val="accent1"/>
+            </a:effectRef>
+            <a:fontRef idx="minor">
+              <a:schemeClr val="tx1"/>
+            </a:fontRef>
+          </p:style>
+        </p:cxnSp>
+        <p:cxnSp>
+          <p:nvCxnSpPr>
+            <p:cNvPr id="21" name="Gerade Verbindung mit Pfeil 20">
+              <a:extLst>
+                <a:ext uri="{FF2B5EF4-FFF2-40B4-BE49-F238E27FC236}">
+                  <a16:creationId xmlns:a16="http://schemas.microsoft.com/office/drawing/2014/main" id="{5F189AB0-A0A6-23BC-E7AC-F37F653109ED}"/>
+                </a:ext>
+              </a:extLst>
+            </p:cNvPr>
+            <p:cNvCxnSpPr>
+              <a:cxnSpLocks/>
+            </p:cNvCxnSpPr>
+            <p:nvPr/>
+          </p:nvCxnSpPr>
+          <p:spPr>
+            <a:xfrm>
+              <a:off x="3359058" y="1536945"/>
+              <a:ext cx="649590" cy="305400"/>
+            </a:xfrm>
+            <a:prstGeom prst="straightConnector1">
+              <a:avLst/>
+            </a:prstGeom>
+            <a:ln>
+              <a:tailEnd type="triangle"/>
+            </a:ln>
+          </p:spPr>
+          <p:style>
+            <a:lnRef idx="1">
+              <a:schemeClr val="accent1"/>
+            </a:lnRef>
+            <a:fillRef idx="0">
+              <a:schemeClr val="accent1"/>
+            </a:fillRef>
+            <a:effectRef idx="0">
+              <a:schemeClr val="accent1"/>
+            </a:effectRef>
+            <a:fontRef idx="minor">
+              <a:schemeClr val="tx1"/>
+            </a:fontRef>
+          </p:style>
+        </p:cxnSp>
+      </p:grpSp>
+    </p:spTree>
+    <p:extLst>
+      <p:ext uri="{BB962C8B-B14F-4D97-AF65-F5344CB8AC3E}">
+        <p14:creationId xmlns:p14="http://schemas.microsoft.com/office/powerpoint/2010/main" val="348234868"/>
+      </p:ext>
+    </p:extLst>
+  </p:cSld>
+  <p:clrMapOvr>
+    <a:masterClrMapping/>
+  </p:clrMapOvr>
+</p:sld>
+</file>
+
 <file path=ppt/theme/theme1.xml><?xml version="1.0" encoding="utf-8"?>
 <a:theme xmlns:a="http://schemas.openxmlformats.org/drawingml/2006/main" name="Office">
   <a:themeElements>

--- a/vignettes/figures/decision_tree.pptx
+++ b/vignettes/figures/decision_tree.pptx
@@ -5,12 +5,13 @@
     <p:sldMasterId id="2147483648" r:id="rId1"/>
   </p:sldMasterIdLst>
   <p:notesMasterIdLst>
-    <p:notesMasterId r:id="rId5"/>
+    <p:notesMasterId r:id="rId6"/>
   </p:notesMasterIdLst>
   <p:sldIdLst>
     <p:sldId id="259" r:id="rId2"/>
     <p:sldId id="260" r:id="rId3"/>
     <p:sldId id="261" r:id="rId4"/>
+    <p:sldId id="262" r:id="rId5"/>
   </p:sldIdLst>
   <p:sldSz cx="12192000" cy="6858000"/>
   <p:notesSz cx="6858000" cy="9144000"/>
@@ -112,7 +113,7 @@
   <p:extLst>
     <p:ext uri="{EFAFB233-063F-42B5-8137-9DF3F51BA10A}">
       <p15:sldGuideLst xmlns:p15="http://schemas.microsoft.com/office/powerpoint/2012/main">
-        <p15:guide id="1" orient="horz" pos="2205" userDrawn="1">
+        <p15:guide id="1" orient="horz" pos="2228" userDrawn="1">
           <p15:clr>
             <a:srgbClr val="A4A3A4"/>
           </p15:clr>
@@ -131,7 +132,7 @@
 <file path=ppt/revisionInfo.xml><?xml version="1.0" encoding="utf-8"?>
 <p1510:revInfo xmlns:a="http://schemas.openxmlformats.org/drawingml/2006/main" xmlns:r="http://schemas.openxmlformats.org/officeDocument/2006/relationships" xmlns:p1510="http://schemas.microsoft.com/office/powerpoint/2015/10/main">
   <p1510:revLst>
-    <p1510:client id="{34CB6A71-7513-2F40-82C8-B9798DAD0967}" v="1" dt="2025-06-17T14:09:00.039"/>
+    <p1510:client id="{34CB6A71-7513-2F40-82C8-B9798DAD0967}" v="21" dt="2025-06-27T06:34:11.769"/>
   </p1510:revLst>
 </p1510:revInfo>
 </file>
@@ -140,8 +141,8 @@
 <pc:chgInfo xmlns:a="http://schemas.openxmlformats.org/drawingml/2006/main" xmlns:r="http://schemas.openxmlformats.org/officeDocument/2006/relationships" xmlns:ac="http://schemas.microsoft.com/office/drawing/2013/main/command" xmlns:pc="http://schemas.microsoft.com/office/powerpoint/2013/main/command">
   <pc:docChgLst>
     <pc:chgData name="Schilling Sabine HSLU W" userId="b0e2af5c-9187-4900-883a-c96514cd8e15" providerId="ADAL" clId="{34CB6A71-7513-2F40-82C8-B9798DAD0967}"/>
-    <pc:docChg chg="addSld modSld">
-      <pc:chgData name="Schilling Sabine HSLU W" userId="b0e2af5c-9187-4900-883a-c96514cd8e15" providerId="ADAL" clId="{34CB6A71-7513-2F40-82C8-B9798DAD0967}" dt="2025-06-17T14:09:11.698" v="14" actId="20577"/>
+    <pc:docChg chg="undo custSel addSld modSld">
+      <pc:chgData name="Schilling Sabine HSLU W" userId="b0e2af5c-9187-4900-883a-c96514cd8e15" providerId="ADAL" clId="{34CB6A71-7513-2F40-82C8-B9798DAD0967}" dt="2025-06-27T06:37:40.870" v="220" actId="1076"/>
       <pc:docMkLst>
         <pc:docMk/>
       </pc:docMkLst>
@@ -159,6 +160,333 @@
             <ac:spMk id="28" creationId="{DBB7D267-1E52-0B13-53D5-F9C1DDFB927A}"/>
           </ac:spMkLst>
         </pc:spChg>
+      </pc:sldChg>
+      <pc:sldChg chg="addSp delSp modSp add mod">
+        <pc:chgData name="Schilling Sabine HSLU W" userId="b0e2af5c-9187-4900-883a-c96514cd8e15" providerId="ADAL" clId="{34CB6A71-7513-2F40-82C8-B9798DAD0967}" dt="2025-06-27T06:37:40.870" v="220" actId="1076"/>
+        <pc:sldMkLst>
+          <pc:docMk/>
+          <pc:sldMk cId="1204678845" sldId="262"/>
+        </pc:sldMkLst>
+        <pc:spChg chg="mod">
+          <ac:chgData name="Schilling Sabine HSLU W" userId="b0e2af5c-9187-4900-883a-c96514cd8e15" providerId="ADAL" clId="{34CB6A71-7513-2F40-82C8-B9798DAD0967}" dt="2025-06-26T23:04:34.009" v="198" actId="20577"/>
+          <ac:spMkLst>
+            <pc:docMk/>
+            <pc:sldMk cId="1204678845" sldId="262"/>
+            <ac:spMk id="6" creationId="{5041E22F-3BF9-36A5-A02E-A1CA5CD6355B}"/>
+          </ac:spMkLst>
+        </pc:spChg>
+        <pc:spChg chg="mod">
+          <ac:chgData name="Schilling Sabine HSLU W" userId="b0e2af5c-9187-4900-883a-c96514cd8e15" providerId="ADAL" clId="{34CB6A71-7513-2F40-82C8-B9798DAD0967}" dt="2025-06-26T23:03:25.913" v="174" actId="20577"/>
+          <ac:spMkLst>
+            <pc:docMk/>
+            <pc:sldMk cId="1204678845" sldId="262"/>
+            <ac:spMk id="8" creationId="{E3318CDC-A259-D024-A26F-5F4347C6CF44}"/>
+          </ac:spMkLst>
+        </pc:spChg>
+        <pc:spChg chg="add mod">
+          <ac:chgData name="Schilling Sabine HSLU W" userId="b0e2af5c-9187-4900-883a-c96514cd8e15" providerId="ADAL" clId="{34CB6A71-7513-2F40-82C8-B9798DAD0967}" dt="2025-06-26T23:02:56.272" v="173" actId="692"/>
+          <ac:spMkLst>
+            <pc:docMk/>
+            <pc:sldMk cId="1204678845" sldId="262"/>
+            <ac:spMk id="12" creationId="{9ADEF9D0-00F0-F5EA-9D10-3147669DA4E9}"/>
+          </ac:spMkLst>
+        </pc:spChg>
+        <pc:spChg chg="del">
+          <ac:chgData name="Schilling Sabine HSLU W" userId="b0e2af5c-9187-4900-883a-c96514cd8e15" providerId="ADAL" clId="{34CB6A71-7513-2F40-82C8-B9798DAD0967}" dt="2025-06-26T21:40:54.611" v="16" actId="478"/>
+          <ac:spMkLst>
+            <pc:docMk/>
+            <pc:sldMk cId="1204678845" sldId="262"/>
+            <ac:spMk id="13" creationId="{C38BDB07-B7DB-532B-ACED-180D4FF70E8E}"/>
+          </ac:spMkLst>
+        </pc:spChg>
+        <pc:spChg chg="add mod">
+          <ac:chgData name="Schilling Sabine HSLU W" userId="b0e2af5c-9187-4900-883a-c96514cd8e15" providerId="ADAL" clId="{34CB6A71-7513-2F40-82C8-B9798DAD0967}" dt="2025-06-27T06:33:27.617" v="206" actId="14100"/>
+          <ac:spMkLst>
+            <pc:docMk/>
+            <pc:sldMk cId="1204678845" sldId="262"/>
+            <ac:spMk id="14" creationId="{20846030-859A-E241-EBA5-3995AF805E12}"/>
+          </ac:spMkLst>
+        </pc:spChg>
+        <pc:spChg chg="del">
+          <ac:chgData name="Schilling Sabine HSLU W" userId="b0e2af5c-9187-4900-883a-c96514cd8e15" providerId="ADAL" clId="{34CB6A71-7513-2F40-82C8-B9798DAD0967}" dt="2025-06-26T21:41:13.705" v="31" actId="478"/>
+          <ac:spMkLst>
+            <pc:docMk/>
+            <pc:sldMk cId="1204678845" sldId="262"/>
+            <ac:spMk id="15" creationId="{A9ECC120-19D1-5C25-47A8-15EEE221650B}"/>
+          </ac:spMkLst>
+        </pc:spChg>
+        <pc:spChg chg="mod">
+          <ac:chgData name="Schilling Sabine HSLU W" userId="b0e2af5c-9187-4900-883a-c96514cd8e15" providerId="ADAL" clId="{34CB6A71-7513-2F40-82C8-B9798DAD0967}" dt="2025-06-27T06:36:42.485" v="215" actId="1076"/>
+          <ac:spMkLst>
+            <pc:docMk/>
+            <pc:sldMk cId="1204678845" sldId="262"/>
+            <ac:spMk id="18" creationId="{BF899660-D5DA-809D-E6C3-AC322CD5001E}"/>
+          </ac:spMkLst>
+        </pc:spChg>
+        <pc:spChg chg="del">
+          <ac:chgData name="Schilling Sabine HSLU W" userId="b0e2af5c-9187-4900-883a-c96514cd8e15" providerId="ADAL" clId="{34CB6A71-7513-2F40-82C8-B9798DAD0967}" dt="2025-06-26T21:42:03.736" v="42" actId="478"/>
+          <ac:spMkLst>
+            <pc:docMk/>
+            <pc:sldMk cId="1204678845" sldId="262"/>
+            <ac:spMk id="19" creationId="{CC1A8505-EE17-4D59-04CC-180E1A9A58F1}"/>
+          </ac:spMkLst>
+        </pc:spChg>
+        <pc:spChg chg="mod">
+          <ac:chgData name="Schilling Sabine HSLU W" userId="b0e2af5c-9187-4900-883a-c96514cd8e15" providerId="ADAL" clId="{34CB6A71-7513-2F40-82C8-B9798DAD0967}" dt="2025-06-26T23:02:14.811" v="172" actId="20577"/>
+          <ac:spMkLst>
+            <pc:docMk/>
+            <pc:sldMk cId="1204678845" sldId="262"/>
+            <ac:spMk id="22" creationId="{2DFF59E4-1F7A-7BA6-163B-D7AE2EBD1C6B}"/>
+          </ac:spMkLst>
+        </pc:spChg>
+        <pc:spChg chg="mod">
+          <ac:chgData name="Schilling Sabine HSLU W" userId="b0e2af5c-9187-4900-883a-c96514cd8e15" providerId="ADAL" clId="{34CB6A71-7513-2F40-82C8-B9798DAD0967}" dt="2025-06-26T22:05:45.039" v="146" actId="555"/>
+          <ac:spMkLst>
+            <pc:docMk/>
+            <pc:sldMk cId="1204678845" sldId="262"/>
+            <ac:spMk id="23" creationId="{5C7CDA5D-7A7D-7660-6170-8CB90A2D0316}"/>
+          </ac:spMkLst>
+        </pc:spChg>
+        <pc:spChg chg="add mod">
+          <ac:chgData name="Schilling Sabine HSLU W" userId="b0e2af5c-9187-4900-883a-c96514cd8e15" providerId="ADAL" clId="{34CB6A71-7513-2F40-82C8-B9798DAD0967}" dt="2025-06-27T06:33:06.682" v="204" actId="552"/>
+          <ac:spMkLst>
+            <pc:docMk/>
+            <pc:sldMk cId="1204678845" sldId="262"/>
+            <ac:spMk id="26" creationId="{C791BA0E-61FE-5A8C-2CB4-D292E35798B4}"/>
+          </ac:spMkLst>
+        </pc:spChg>
+        <pc:spChg chg="mod">
+          <ac:chgData name="Schilling Sabine HSLU W" userId="b0e2af5c-9187-4900-883a-c96514cd8e15" providerId="ADAL" clId="{34CB6A71-7513-2F40-82C8-B9798DAD0967}" dt="2025-06-26T22:05:45.039" v="146" actId="555"/>
+          <ac:spMkLst>
+            <pc:docMk/>
+            <pc:sldMk cId="1204678845" sldId="262"/>
+            <ac:spMk id="27" creationId="{83832513-0975-978B-6D9C-26E68B595B89}"/>
+          </ac:spMkLst>
+        </pc:spChg>
+        <pc:spChg chg="mod">
+          <ac:chgData name="Schilling Sabine HSLU W" userId="b0e2af5c-9187-4900-883a-c96514cd8e15" providerId="ADAL" clId="{34CB6A71-7513-2F40-82C8-B9798DAD0967}" dt="2025-06-27T06:30:56.232" v="201" actId="554"/>
+          <ac:spMkLst>
+            <pc:docMk/>
+            <pc:sldMk cId="1204678845" sldId="262"/>
+            <ac:spMk id="28" creationId="{D48FDD05-23D7-C71E-4750-65EE696E1333}"/>
+          </ac:spMkLst>
+        </pc:spChg>
+        <pc:spChg chg="add mod">
+          <ac:chgData name="Schilling Sabine HSLU W" userId="b0e2af5c-9187-4900-883a-c96514cd8e15" providerId="ADAL" clId="{34CB6A71-7513-2F40-82C8-B9798DAD0967}" dt="2025-06-26T23:02:56.272" v="173" actId="692"/>
+          <ac:spMkLst>
+            <pc:docMk/>
+            <pc:sldMk cId="1204678845" sldId="262"/>
+            <ac:spMk id="33" creationId="{B1D95190-09EF-418D-E636-63CC490EF370}"/>
+          </ac:spMkLst>
+        </pc:spChg>
+        <pc:spChg chg="add mod">
+          <ac:chgData name="Schilling Sabine HSLU W" userId="b0e2af5c-9187-4900-883a-c96514cd8e15" providerId="ADAL" clId="{34CB6A71-7513-2F40-82C8-B9798DAD0967}" dt="2025-06-26T22:07:04.482" v="157" actId="20577"/>
+          <ac:spMkLst>
+            <pc:docMk/>
+            <pc:sldMk cId="1204678845" sldId="262"/>
+            <ac:spMk id="36" creationId="{ECCE17DD-B46E-1702-6EFD-95736ECEC4B3}"/>
+          </ac:spMkLst>
+        </pc:spChg>
+        <pc:spChg chg="mod">
+          <ac:chgData name="Schilling Sabine HSLU W" userId="b0e2af5c-9187-4900-883a-c96514cd8e15" providerId="ADAL" clId="{34CB6A71-7513-2F40-82C8-B9798DAD0967}" dt="2025-06-27T06:33:19.523" v="205" actId="14100"/>
+          <ac:spMkLst>
+            <pc:docMk/>
+            <pc:sldMk cId="1204678845" sldId="262"/>
+            <ac:spMk id="50" creationId="{63257200-026C-C81B-39C8-2A4C202CF0F9}"/>
+          </ac:spMkLst>
+        </pc:spChg>
+        <pc:spChg chg="mod">
+          <ac:chgData name="Schilling Sabine HSLU W" userId="b0e2af5c-9187-4900-883a-c96514cd8e15" providerId="ADAL" clId="{34CB6A71-7513-2F40-82C8-B9798DAD0967}" dt="2025-06-27T06:33:36.720" v="207" actId="14100"/>
+          <ac:spMkLst>
+            <pc:docMk/>
+            <pc:sldMk cId="1204678845" sldId="262"/>
+            <ac:spMk id="79" creationId="{DB134487-4303-3E7F-8FC9-C1FD88E16AE7}"/>
+          </ac:spMkLst>
+        </pc:spChg>
+        <pc:spChg chg="mod">
+          <ac:chgData name="Schilling Sabine HSLU W" userId="b0e2af5c-9187-4900-883a-c96514cd8e15" providerId="ADAL" clId="{34CB6A71-7513-2F40-82C8-B9798DAD0967}" dt="2025-06-26T22:06:23.723" v="151" actId="554"/>
+          <ac:spMkLst>
+            <pc:docMk/>
+            <pc:sldMk cId="1204678845" sldId="262"/>
+            <ac:spMk id="82" creationId="{BF04DA9D-97D8-96F5-84BA-59A3F0B6A5DF}"/>
+          </ac:spMkLst>
+        </pc:spChg>
+        <pc:spChg chg="mod">
+          <ac:chgData name="Schilling Sabine HSLU W" userId="b0e2af5c-9187-4900-883a-c96514cd8e15" providerId="ADAL" clId="{34CB6A71-7513-2F40-82C8-B9798DAD0967}" dt="2025-06-26T22:06:23.723" v="151" actId="554"/>
+          <ac:spMkLst>
+            <pc:docMk/>
+            <pc:sldMk cId="1204678845" sldId="262"/>
+            <ac:spMk id="88" creationId="{41945B6E-45C9-794B-1A21-D189DCDB5BE8}"/>
+          </ac:spMkLst>
+        </pc:spChg>
+        <pc:grpChg chg="add mod">
+          <ac:chgData name="Schilling Sabine HSLU W" userId="b0e2af5c-9187-4900-883a-c96514cd8e15" providerId="ADAL" clId="{34CB6A71-7513-2F40-82C8-B9798DAD0967}" dt="2025-06-27T06:30:38.606" v="200" actId="14100"/>
+          <ac:grpSpMkLst>
+            <pc:docMk/>
+            <pc:sldMk cId="1204678845" sldId="262"/>
+            <ac:grpSpMk id="16" creationId="{667E95F6-12FE-A5E6-67AD-7C94BA056D3F}"/>
+          </ac:grpSpMkLst>
+        </pc:grpChg>
+        <pc:grpChg chg="add mod">
+          <ac:chgData name="Schilling Sabine HSLU W" userId="b0e2af5c-9187-4900-883a-c96514cd8e15" providerId="ADAL" clId="{34CB6A71-7513-2F40-82C8-B9798DAD0967}" dt="2025-06-27T06:34:18.237" v="210" actId="1076"/>
+          <ac:grpSpMkLst>
+            <pc:docMk/>
+            <pc:sldMk cId="1204678845" sldId="262"/>
+            <ac:grpSpMk id="57" creationId="{01FC98A0-BDB2-25D2-3518-C27C2726AFCF}"/>
+          </ac:grpSpMkLst>
+        </pc:grpChg>
+        <pc:grpChg chg="mod">
+          <ac:chgData name="Schilling Sabine HSLU W" userId="b0e2af5c-9187-4900-883a-c96514cd8e15" providerId="ADAL" clId="{34CB6A71-7513-2F40-82C8-B9798DAD0967}" dt="2025-06-27T06:37:40.870" v="220" actId="1076"/>
+          <ac:grpSpMkLst>
+            <pc:docMk/>
+            <pc:sldMk cId="1204678845" sldId="262"/>
+            <ac:grpSpMk id="69" creationId="{57E5ABF6-2388-8290-B995-48621E50BDEC}"/>
+          </ac:grpSpMkLst>
+        </pc:grpChg>
+        <pc:grpChg chg="del">
+          <ac:chgData name="Schilling Sabine HSLU W" userId="b0e2af5c-9187-4900-883a-c96514cd8e15" providerId="ADAL" clId="{34CB6A71-7513-2F40-82C8-B9798DAD0967}" dt="2025-06-27T06:34:06.054" v="208" actId="478"/>
+          <ac:grpSpMkLst>
+            <pc:docMk/>
+            <pc:sldMk cId="1204678845" sldId="262"/>
+            <ac:grpSpMk id="427" creationId="{7E460D15-FB50-6343-3DDD-0EFFED5442B2}"/>
+          </ac:grpSpMkLst>
+        </pc:grpChg>
+        <pc:grpChg chg="del">
+          <ac:chgData name="Schilling Sabine HSLU W" userId="b0e2af5c-9187-4900-883a-c96514cd8e15" providerId="ADAL" clId="{34CB6A71-7513-2F40-82C8-B9798DAD0967}" dt="2025-06-26T21:41:28.797" v="35" actId="478"/>
+          <ac:grpSpMkLst>
+            <pc:docMk/>
+            <pc:sldMk cId="1204678845" sldId="262"/>
+            <ac:grpSpMk id="491" creationId="{BD8542B9-B982-B516-3810-AA0FBABFA8FD}"/>
+          </ac:grpSpMkLst>
+        </pc:grpChg>
+        <pc:cxnChg chg="del">
+          <ac:chgData name="Schilling Sabine HSLU W" userId="b0e2af5c-9187-4900-883a-c96514cd8e15" providerId="ADAL" clId="{34CB6A71-7513-2F40-82C8-B9798DAD0967}" dt="2025-06-26T21:41:22.493" v="33" actId="478"/>
+          <ac:cxnSpMkLst>
+            <pc:docMk/>
+            <pc:sldMk cId="1204678845" sldId="262"/>
+            <ac:cxnSpMk id="2" creationId="{EFB4117E-6BCA-F98C-6BD6-9026D64FD882}"/>
+          </ac:cxnSpMkLst>
+        </pc:cxnChg>
+        <pc:cxnChg chg="add mod">
+          <ac:chgData name="Schilling Sabine HSLU W" userId="b0e2af5c-9187-4900-883a-c96514cd8e15" providerId="ADAL" clId="{34CB6A71-7513-2F40-82C8-B9798DAD0967}" dt="2025-06-26T22:08:18.546" v="167" actId="14100"/>
+          <ac:cxnSpMkLst>
+            <pc:docMk/>
+            <pc:sldMk cId="1204678845" sldId="262"/>
+            <ac:cxnSpMk id="3" creationId="{05C779A5-B34F-864A-0CAB-7AFCA830E194}"/>
+          </ac:cxnSpMkLst>
+        </pc:cxnChg>
+        <pc:cxnChg chg="mod">
+          <ac:chgData name="Schilling Sabine HSLU W" userId="b0e2af5c-9187-4900-883a-c96514cd8e15" providerId="ADAL" clId="{34CB6A71-7513-2F40-82C8-B9798DAD0967}" dt="2025-06-27T06:30:29.058" v="199" actId="692"/>
+          <ac:cxnSpMkLst>
+            <pc:docMk/>
+            <pc:sldMk cId="1204678845" sldId="262"/>
+            <ac:cxnSpMk id="24" creationId="{F0AE9472-DA04-78A1-2986-01745AB9E436}"/>
+          </ac:cxnSpMkLst>
+        </pc:cxnChg>
+        <pc:cxnChg chg="mod">
+          <ac:chgData name="Schilling Sabine HSLU W" userId="b0e2af5c-9187-4900-883a-c96514cd8e15" providerId="ADAL" clId="{34CB6A71-7513-2F40-82C8-B9798DAD0967}" dt="2025-06-27T06:30:29.058" v="199" actId="692"/>
+          <ac:cxnSpMkLst>
+            <pc:docMk/>
+            <pc:sldMk cId="1204678845" sldId="262"/>
+            <ac:cxnSpMk id="25" creationId="{F4E91BD4-F4B4-B717-0859-CDB99694ED57}"/>
+          </ac:cxnSpMkLst>
+        </pc:cxnChg>
+        <pc:cxnChg chg="add mod">
+          <ac:chgData name="Schilling Sabine HSLU W" userId="b0e2af5c-9187-4900-883a-c96514cd8e15" providerId="ADAL" clId="{34CB6A71-7513-2F40-82C8-B9798DAD0967}" dt="2025-06-27T06:33:27.617" v="206" actId="14100"/>
+          <ac:cxnSpMkLst>
+            <pc:docMk/>
+            <pc:sldMk cId="1204678845" sldId="262"/>
+            <ac:cxnSpMk id="40" creationId="{787E0C3B-0116-A2D3-3D80-CF65AE9D7AE0}"/>
+          </ac:cxnSpMkLst>
+        </pc:cxnChg>
+        <pc:cxnChg chg="mod">
+          <ac:chgData name="Schilling Sabine HSLU W" userId="b0e2af5c-9187-4900-883a-c96514cd8e15" providerId="ADAL" clId="{34CB6A71-7513-2F40-82C8-B9798DAD0967}" dt="2025-06-26T22:06:23.723" v="151" actId="554"/>
+          <ac:cxnSpMkLst>
+            <pc:docMk/>
+            <pc:sldMk cId="1204678845" sldId="262"/>
+            <ac:cxnSpMk id="51" creationId="{B64620E3-C3F3-26A1-3DC6-C038F86008C7}"/>
+          </ac:cxnSpMkLst>
+        </pc:cxnChg>
+        <pc:cxnChg chg="add mod">
+          <ac:chgData name="Schilling Sabine HSLU W" userId="b0e2af5c-9187-4900-883a-c96514cd8e15" providerId="ADAL" clId="{34CB6A71-7513-2F40-82C8-B9798DAD0967}" dt="2025-06-27T06:31:30.104" v="203" actId="1076"/>
+          <ac:cxnSpMkLst>
+            <pc:docMk/>
+            <pc:sldMk cId="1204678845" sldId="262"/>
+            <ac:cxnSpMk id="54" creationId="{250D7122-8362-8B6B-4A89-AE6123EB8F25}"/>
+          </ac:cxnSpMkLst>
+        </pc:cxnChg>
+        <pc:cxnChg chg="add mod">
+          <ac:chgData name="Schilling Sabine HSLU W" userId="b0e2af5c-9187-4900-883a-c96514cd8e15" providerId="ADAL" clId="{34CB6A71-7513-2F40-82C8-B9798DAD0967}" dt="2025-06-27T06:31:30.104" v="203" actId="1076"/>
+          <ac:cxnSpMkLst>
+            <pc:docMk/>
+            <pc:sldMk cId="1204678845" sldId="262"/>
+            <ac:cxnSpMk id="55" creationId="{3B29FFA1-43D8-9BB2-2E35-D7479D90DE01}"/>
+          </ac:cxnSpMkLst>
+        </pc:cxnChg>
+        <pc:cxnChg chg="mod">
+          <ac:chgData name="Schilling Sabine HSLU W" userId="b0e2af5c-9187-4900-883a-c96514cd8e15" providerId="ADAL" clId="{34CB6A71-7513-2F40-82C8-B9798DAD0967}" dt="2025-06-27T06:34:27.209" v="211" actId="692"/>
+          <ac:cxnSpMkLst>
+            <pc:docMk/>
+            <pc:sldMk cId="1204678845" sldId="262"/>
+            <ac:cxnSpMk id="58" creationId="{7B62125E-5BA9-467A-866A-F8C6E3647308}"/>
+          </ac:cxnSpMkLst>
+        </pc:cxnChg>
+        <pc:cxnChg chg="mod">
+          <ac:chgData name="Schilling Sabine HSLU W" userId="b0e2af5c-9187-4900-883a-c96514cd8e15" providerId="ADAL" clId="{34CB6A71-7513-2F40-82C8-B9798DAD0967}" dt="2025-06-27T06:34:27.209" v="211" actId="692"/>
+          <ac:cxnSpMkLst>
+            <pc:docMk/>
+            <pc:sldMk cId="1204678845" sldId="262"/>
+            <ac:cxnSpMk id="59" creationId="{3925CEE0-FAD2-06DF-B64B-C112E8F63EC5}"/>
+          </ac:cxnSpMkLst>
+        </pc:cxnChg>
+        <pc:cxnChg chg="mod">
+          <ac:chgData name="Schilling Sabine HSLU W" userId="b0e2af5c-9187-4900-883a-c96514cd8e15" providerId="ADAL" clId="{34CB6A71-7513-2F40-82C8-B9798DAD0967}" dt="2025-06-27T06:37:23.226" v="218" actId="14100"/>
+          <ac:cxnSpMkLst>
+            <pc:docMk/>
+            <pc:sldMk cId="1204678845" sldId="262"/>
+            <ac:cxnSpMk id="70" creationId="{2C86DC12-7910-1467-92D6-CD01203D9E2B}"/>
+          </ac:cxnSpMkLst>
+        </pc:cxnChg>
+        <pc:cxnChg chg="mod">
+          <ac:chgData name="Schilling Sabine HSLU W" userId="b0e2af5c-9187-4900-883a-c96514cd8e15" providerId="ADAL" clId="{34CB6A71-7513-2F40-82C8-B9798DAD0967}" dt="2025-06-27T06:37:29.759" v="219" actId="14100"/>
+          <ac:cxnSpMkLst>
+            <pc:docMk/>
+            <pc:sldMk cId="1204678845" sldId="262"/>
+            <ac:cxnSpMk id="71" creationId="{A4669E96-C593-4D5F-A250-763437FF4C81}"/>
+          </ac:cxnSpMkLst>
+        </pc:cxnChg>
+        <pc:cxnChg chg="del">
+          <ac:chgData name="Schilling Sabine HSLU W" userId="b0e2af5c-9187-4900-883a-c96514cd8e15" providerId="ADAL" clId="{34CB6A71-7513-2F40-82C8-B9798DAD0967}" dt="2025-06-26T21:41:16.975" v="32" actId="478"/>
+          <ac:cxnSpMkLst>
+            <pc:docMk/>
+            <pc:sldMk cId="1204678845" sldId="262"/>
+            <ac:cxnSpMk id="78" creationId="{50E3D762-1A29-F869-E211-8704E91E1940}"/>
+          </ac:cxnSpMkLst>
+        </pc:cxnChg>
+        <pc:cxnChg chg="mod">
+          <ac:chgData name="Schilling Sabine HSLU W" userId="b0e2af5c-9187-4900-883a-c96514cd8e15" providerId="ADAL" clId="{34CB6A71-7513-2F40-82C8-B9798DAD0967}" dt="2025-06-26T22:08:12.533" v="165" actId="14100"/>
+          <ac:cxnSpMkLst>
+            <pc:docMk/>
+            <pc:sldMk cId="1204678845" sldId="262"/>
+            <ac:cxnSpMk id="182" creationId="{B5752629-A8C9-A04A-AE7D-53CABD92F13A}"/>
+          </ac:cxnSpMkLst>
+        </pc:cxnChg>
+        <pc:cxnChg chg="del mod">
+          <ac:chgData name="Schilling Sabine HSLU W" userId="b0e2af5c-9187-4900-883a-c96514cd8e15" providerId="ADAL" clId="{34CB6A71-7513-2F40-82C8-B9798DAD0967}" dt="2025-06-26T21:43:30.314" v="84" actId="478"/>
+          <ac:cxnSpMkLst>
+            <pc:docMk/>
+            <pc:sldMk cId="1204678845" sldId="262"/>
+            <ac:cxnSpMk id="363" creationId="{9A687757-C8FD-8058-C611-3A4D40D3006E}"/>
+          </ac:cxnSpMkLst>
+        </pc:cxnChg>
+        <pc:cxnChg chg="mod">
+          <ac:chgData name="Schilling Sabine HSLU W" userId="b0e2af5c-9187-4900-883a-c96514cd8e15" providerId="ADAL" clId="{34CB6A71-7513-2F40-82C8-B9798DAD0967}" dt="2025-06-26T22:06:40.279" v="154" actId="1076"/>
+          <ac:cxnSpMkLst>
+            <pc:docMk/>
+            <pc:sldMk cId="1204678845" sldId="262"/>
+            <ac:cxnSpMk id="496" creationId="{143F93D8-224B-C8B5-CA7E-A1A281B60DBA}"/>
+          </ac:cxnSpMkLst>
+        </pc:cxnChg>
       </pc:sldChg>
     </pc:docChg>
   </pc:docChgLst>
@@ -311,7 +639,7 @@
           <a:p>
             <a:fld id="{0AECA108-3915-9043-8428-B4BE4472B821}" type="datetimeFigureOut">
               <a:rPr lang="de-DE" smtClean="0"/>
-              <a:t>17.06.25</a:t>
+              <a:t>26.06.25</a:t>
             </a:fld>
             <a:endParaRPr lang="de-DE"/>
           </a:p>
@@ -878,6 +1206,114 @@
 </p:notes>
 </file>
 
+<file path=ppt/notesSlides/notesSlide4.xml><?xml version="1.0" encoding="utf-8"?>
+<p:notes xmlns:a="http://schemas.openxmlformats.org/drawingml/2006/main" xmlns:r="http://schemas.openxmlformats.org/officeDocument/2006/relationships" xmlns:p="http://schemas.openxmlformats.org/presentationml/2006/main">
+  <p:cSld>
+    <p:spTree>
+      <p:nvGrpSpPr>
+        <p:cNvPr id="1" name="">
+          <a:extLst>
+            <a:ext uri="{FF2B5EF4-FFF2-40B4-BE49-F238E27FC236}">
+              <a16:creationId xmlns:a16="http://schemas.microsoft.com/office/drawing/2014/main" id="{26CFB978-4465-4555-E314-226F7052951E}"/>
+            </a:ext>
+          </a:extLst>
+        </p:cNvPr>
+        <p:cNvGrpSpPr/>
+        <p:nvPr/>
+      </p:nvGrpSpPr>
+      <p:grpSpPr>
+        <a:xfrm>
+          <a:off x="0" y="0"/>
+          <a:ext cx="0" cy="0"/>
+          <a:chOff x="0" y="0"/>
+          <a:chExt cx="0" cy="0"/>
+        </a:xfrm>
+      </p:grpSpPr>
+      <p:sp>
+        <p:nvSpPr>
+          <p:cNvPr id="2" name="Folienbildplatzhalter 1">
+            <a:extLst>
+              <a:ext uri="{FF2B5EF4-FFF2-40B4-BE49-F238E27FC236}">
+                <a16:creationId xmlns:a16="http://schemas.microsoft.com/office/drawing/2014/main" id="{255BF8F9-F2D5-7FF6-A7FE-14DA655C2289}"/>
+              </a:ext>
+            </a:extLst>
+          </p:cNvPr>
+          <p:cNvSpPr>
+            <a:spLocks noGrp="1" noRot="1" noChangeAspect="1"/>
+          </p:cNvSpPr>
+          <p:nvPr>
+            <p:ph type="sldImg"/>
+          </p:nvPr>
+        </p:nvSpPr>
+        <p:spPr/>
+      </p:sp>
+      <p:sp>
+        <p:nvSpPr>
+          <p:cNvPr id="3" name="Notizenplatzhalter 2">
+            <a:extLst>
+              <a:ext uri="{FF2B5EF4-FFF2-40B4-BE49-F238E27FC236}">
+                <a16:creationId xmlns:a16="http://schemas.microsoft.com/office/drawing/2014/main" id="{4EBDC049-2C4D-3550-80F6-0B6A1F50D66D}"/>
+              </a:ext>
+            </a:extLst>
+          </p:cNvPr>
+          <p:cNvSpPr>
+            <a:spLocks noGrp="1"/>
+          </p:cNvSpPr>
+          <p:nvPr>
+            <p:ph type="body" idx="1"/>
+          </p:nvPr>
+        </p:nvSpPr>
+        <p:spPr/>
+        <p:txBody>
+          <a:bodyPr/>
+          <a:lstStyle/>
+          <a:p>
+            <a:endParaRPr lang="de-DE" dirty="0"/>
+          </a:p>
+        </p:txBody>
+      </p:sp>
+      <p:sp>
+        <p:nvSpPr>
+          <p:cNvPr id="4" name="Foliennummernplatzhalter 3">
+            <a:extLst>
+              <a:ext uri="{FF2B5EF4-FFF2-40B4-BE49-F238E27FC236}">
+                <a16:creationId xmlns:a16="http://schemas.microsoft.com/office/drawing/2014/main" id="{97EE3348-4D6E-45AD-3017-7C3367EC5C64}"/>
+              </a:ext>
+            </a:extLst>
+          </p:cNvPr>
+          <p:cNvSpPr>
+            <a:spLocks noGrp="1"/>
+          </p:cNvSpPr>
+          <p:nvPr>
+            <p:ph type="sldNum" sz="quarter" idx="5"/>
+          </p:nvPr>
+        </p:nvSpPr>
+        <p:spPr/>
+        <p:txBody>
+          <a:bodyPr/>
+          <a:lstStyle/>
+          <a:p>
+            <a:fld id="{67B21A6D-3249-074E-BBD6-BCFA95367850}" type="slidenum">
+              <a:rPr lang="de-DE" smtClean="0"/>
+              <a:t>4</a:t>
+            </a:fld>
+            <a:endParaRPr lang="de-DE"/>
+          </a:p>
+        </p:txBody>
+      </p:sp>
+    </p:spTree>
+    <p:extLst>
+      <p:ext uri="{BB962C8B-B14F-4D97-AF65-F5344CB8AC3E}">
+        <p14:creationId xmlns:p14="http://schemas.microsoft.com/office/powerpoint/2010/main" val="508706689"/>
+      </p:ext>
+    </p:extLst>
+  </p:cSld>
+  <p:clrMapOvr>
+    <a:masterClrMapping/>
+  </p:clrMapOvr>
+</p:notes>
+</file>
+
 <file path=ppt/slideLayouts/slideLayout1.xml><?xml version="1.0" encoding="utf-8"?>
 <p:sldLayout xmlns:a="http://schemas.openxmlformats.org/drawingml/2006/main" xmlns:r="http://schemas.openxmlformats.org/officeDocument/2006/relationships" xmlns:p="http://schemas.openxmlformats.org/presentationml/2006/main" type="title" preserve="1">
   <p:cSld name="Titelfolie">
@@ -1025,7 +1461,7 @@
           <a:p>
             <a:fld id="{43497422-92ED-3D47-BF28-17000E80E497}" type="datetimeFigureOut">
               <a:rPr lang="de-DE" smtClean="0"/>
-              <a:t>17.06.25</a:t>
+              <a:t>26.06.25</a:t>
             </a:fld>
             <a:endParaRPr lang="de-DE"/>
           </a:p>
@@ -1223,7 +1659,7 @@
           <a:p>
             <a:fld id="{43497422-92ED-3D47-BF28-17000E80E497}" type="datetimeFigureOut">
               <a:rPr lang="de-DE" smtClean="0"/>
-              <a:t>17.06.25</a:t>
+              <a:t>26.06.25</a:t>
             </a:fld>
             <a:endParaRPr lang="de-DE"/>
           </a:p>
@@ -1431,7 +1867,7 @@
           <a:p>
             <a:fld id="{43497422-92ED-3D47-BF28-17000E80E497}" type="datetimeFigureOut">
               <a:rPr lang="de-DE" smtClean="0"/>
-              <a:t>17.06.25</a:t>
+              <a:t>26.06.25</a:t>
             </a:fld>
             <a:endParaRPr lang="de-DE"/>
           </a:p>
@@ -1629,7 +2065,7 @@
           <a:p>
             <a:fld id="{43497422-92ED-3D47-BF28-17000E80E497}" type="datetimeFigureOut">
               <a:rPr lang="de-DE" smtClean="0"/>
-              <a:t>17.06.25</a:t>
+              <a:t>26.06.25</a:t>
             </a:fld>
             <a:endParaRPr lang="de-DE"/>
           </a:p>
@@ -1904,7 +2340,7 @@
           <a:p>
             <a:fld id="{43497422-92ED-3D47-BF28-17000E80E497}" type="datetimeFigureOut">
               <a:rPr lang="de-DE" smtClean="0"/>
-              <a:t>17.06.25</a:t>
+              <a:t>26.06.25</a:t>
             </a:fld>
             <a:endParaRPr lang="de-DE"/>
           </a:p>
@@ -2169,7 +2605,7 @@
           <a:p>
             <a:fld id="{43497422-92ED-3D47-BF28-17000E80E497}" type="datetimeFigureOut">
               <a:rPr lang="de-DE" smtClean="0"/>
-              <a:t>17.06.25</a:t>
+              <a:t>26.06.25</a:t>
             </a:fld>
             <a:endParaRPr lang="de-DE"/>
           </a:p>
@@ -2581,7 +3017,7 @@
           <a:p>
             <a:fld id="{43497422-92ED-3D47-BF28-17000E80E497}" type="datetimeFigureOut">
               <a:rPr lang="de-DE" smtClean="0"/>
-              <a:t>17.06.25</a:t>
+              <a:t>26.06.25</a:t>
             </a:fld>
             <a:endParaRPr lang="de-DE"/>
           </a:p>
@@ -2722,7 +3158,7 @@
           <a:p>
             <a:fld id="{43497422-92ED-3D47-BF28-17000E80E497}" type="datetimeFigureOut">
               <a:rPr lang="de-DE" smtClean="0"/>
-              <a:t>17.06.25</a:t>
+              <a:t>26.06.25</a:t>
             </a:fld>
             <a:endParaRPr lang="de-DE"/>
           </a:p>
@@ -2835,7 +3271,7 @@
           <a:p>
             <a:fld id="{43497422-92ED-3D47-BF28-17000E80E497}" type="datetimeFigureOut">
               <a:rPr lang="de-DE" smtClean="0"/>
-              <a:t>17.06.25</a:t>
+              <a:t>26.06.25</a:t>
             </a:fld>
             <a:endParaRPr lang="de-DE"/>
           </a:p>
@@ -3146,7 +3582,7 @@
           <a:p>
             <a:fld id="{43497422-92ED-3D47-BF28-17000E80E497}" type="datetimeFigureOut">
               <a:rPr lang="de-DE" smtClean="0"/>
-              <a:t>17.06.25</a:t>
+              <a:t>26.06.25</a:t>
             </a:fld>
             <a:endParaRPr lang="de-DE"/>
           </a:p>
@@ -3434,7 +3870,7 @@
           <a:p>
             <a:fld id="{43497422-92ED-3D47-BF28-17000E80E497}" type="datetimeFigureOut">
               <a:rPr lang="de-DE" smtClean="0"/>
-              <a:t>17.06.25</a:t>
+              <a:t>26.06.25</a:t>
             </a:fld>
             <a:endParaRPr lang="de-DE"/>
           </a:p>
@@ -3675,7 +4111,7 @@
           <a:p>
             <a:fld id="{43497422-92ED-3D47-BF28-17000E80E497}" type="datetimeFigureOut">
               <a:rPr lang="de-DE" smtClean="0"/>
-              <a:t>17.06.25</a:t>
+              <a:t>26.06.25</a:t>
             </a:fld>
             <a:endParaRPr lang="de-DE"/>
           </a:p>
@@ -19126,6 +19562,4470 @@
 </p:sld>
 </file>
 
+<file path=ppt/slides/slide4.xml><?xml version="1.0" encoding="utf-8"?>
+<p:sld xmlns:a="http://schemas.openxmlformats.org/drawingml/2006/main" xmlns:r="http://schemas.openxmlformats.org/officeDocument/2006/relationships" xmlns:p="http://schemas.openxmlformats.org/presentationml/2006/main">
+  <p:cSld>
+    <p:spTree>
+      <p:nvGrpSpPr>
+        <p:cNvPr id="1" name="">
+          <a:extLst>
+            <a:ext uri="{FF2B5EF4-FFF2-40B4-BE49-F238E27FC236}">
+              <a16:creationId xmlns:a16="http://schemas.microsoft.com/office/drawing/2014/main" id="{A2C38B6A-AC86-46AF-1D42-C6835BE668E6}"/>
+            </a:ext>
+          </a:extLst>
+        </p:cNvPr>
+        <p:cNvGrpSpPr/>
+        <p:nvPr/>
+      </p:nvGrpSpPr>
+      <p:grpSpPr>
+        <a:xfrm>
+          <a:off x="0" y="0"/>
+          <a:ext cx="0" cy="0"/>
+          <a:chOff x="0" y="0"/>
+          <a:chExt cx="0" cy="0"/>
+        </a:xfrm>
+      </p:grpSpPr>
+      <p:sp>
+        <p:nvSpPr>
+          <p:cNvPr id="18" name="Textfeld 17">
+            <a:extLst>
+              <a:ext uri="{FF2B5EF4-FFF2-40B4-BE49-F238E27FC236}">
+                <a16:creationId xmlns:a16="http://schemas.microsoft.com/office/drawing/2014/main" id="{BF899660-D5DA-809D-E6C3-AC322CD5001E}"/>
+              </a:ext>
+            </a:extLst>
+          </p:cNvPr>
+          <p:cNvSpPr txBox="1"/>
+          <p:nvPr/>
+        </p:nvSpPr>
+        <p:spPr>
+          <a:xfrm>
+            <a:off x="262793" y="2202514"/>
+            <a:ext cx="4657526" cy="274639"/>
+          </a:xfrm>
+          <a:prstGeom prst="rect">
+            <a:avLst/>
+          </a:prstGeom>
+          <a:solidFill>
+            <a:schemeClr val="accent2">
+              <a:alpha val="19906"/>
+            </a:schemeClr>
+          </a:solidFill>
+          <a:ln w="12700">
+            <a:solidFill>
+              <a:schemeClr val="tx1"/>
+            </a:solidFill>
+          </a:ln>
+        </p:spPr>
+        <p:txBody>
+          <a:bodyPr wrap="square">
+            <a:spAutoFit/>
+          </a:bodyPr>
+          <a:lstStyle/>
+          <a:p>
+            <a:pPr algn="ctr"/>
+            <a:r>
+              <a:rPr lang="en-GB" sz="1200" noProof="0" dirty="0" err="1">
+                <a:latin typeface="Courier New" panose="02070309020205020404" pitchFamily="49" charset="0"/>
+                <a:ea typeface="Cambria Math" panose="02040503050406030204" pitchFamily="18" charset="0"/>
+                <a:cs typeface="Courier New" panose="02070309020205020404" pitchFamily="49" charset="0"/>
+              </a:rPr>
+              <a:t>shapiro.test</a:t>
+            </a:r>
+            <a:r>
+              <a:rPr lang="en-GB" sz="1200" noProof="0" dirty="0">
+                <a:latin typeface="Courier New" panose="02070309020205020404" pitchFamily="49" charset="0"/>
+                <a:ea typeface="Cambria Math" panose="02040503050406030204" pitchFamily="18" charset="0"/>
+                <a:cs typeface="Courier New" panose="02070309020205020404" pitchFamily="49" charset="0"/>
+              </a:rPr>
+              <a:t> </a:t>
+            </a:r>
+            <a:r>
+              <a:rPr lang="en-GB" sz="1200" dirty="0">
+                <a:latin typeface="Calibri" panose="020F0502020204030204" pitchFamily="34" charset="0"/>
+                <a:ea typeface="Cambria Math" panose="02040503050406030204" pitchFamily="18" charset="0"/>
+                <a:cs typeface="Calibri" panose="020F0502020204030204" pitchFamily="34" charset="0"/>
+              </a:rPr>
+              <a:t>of residuals</a:t>
+            </a:r>
+            <a:endParaRPr lang="en-GB" sz="1200" noProof="0" dirty="0">
+              <a:latin typeface="Calibri" panose="020F0502020204030204" pitchFamily="34" charset="0"/>
+              <a:ea typeface="Cambria Math" panose="02040503050406030204" pitchFamily="18" charset="0"/>
+              <a:cs typeface="Calibri" panose="020F0502020204030204" pitchFamily="34" charset="0"/>
+            </a:endParaRPr>
+          </a:p>
+        </p:txBody>
+      </p:sp>
+      <p:sp>
+        <p:nvSpPr>
+          <p:cNvPr id="160" name="Textfeld 159">
+            <a:extLst>
+              <a:ext uri="{FF2B5EF4-FFF2-40B4-BE49-F238E27FC236}">
+                <a16:creationId xmlns:a16="http://schemas.microsoft.com/office/drawing/2014/main" id="{E40BC452-7426-C6AC-A346-1FB4E0D6180F}"/>
+              </a:ext>
+            </a:extLst>
+          </p:cNvPr>
+          <p:cNvSpPr txBox="1"/>
+          <p:nvPr/>
+        </p:nvSpPr>
+        <p:spPr>
+          <a:xfrm>
+            <a:off x="10508890" y="2202514"/>
+            <a:ext cx="1618428" cy="276999"/>
+          </a:xfrm>
+          <a:prstGeom prst="rect">
+            <a:avLst/>
+          </a:prstGeom>
+          <a:solidFill>
+            <a:schemeClr val="accent2">
+              <a:lumMod val="20000"/>
+              <a:lumOff val="80000"/>
+            </a:schemeClr>
+          </a:solidFill>
+          <a:ln w="12700">
+            <a:solidFill>
+              <a:schemeClr val="accent1">
+                <a:lumMod val="20000"/>
+                <a:lumOff val="80000"/>
+              </a:schemeClr>
+            </a:solidFill>
+          </a:ln>
+        </p:spPr>
+        <p:txBody>
+          <a:bodyPr wrap="square">
+            <a:spAutoFit/>
+          </a:bodyPr>
+          <a:lstStyle>
+            <a:defPPr>
+              <a:defRPr lang="de-DE"/>
+            </a:defPPr>
+            <a:lvl1pPr algn="ctr">
+              <a:defRPr sz="1200"/>
+            </a:lvl1pPr>
+          </a:lstStyle>
+          <a:p>
+            <a:r>
+              <a:rPr lang="en-GB" noProof="0" dirty="0">
+                <a:latin typeface="Calibri" panose="020F0502020204030204" pitchFamily="34" charset="0"/>
+                <a:ea typeface="Cambria Math" panose="02040503050406030204" pitchFamily="18" charset="0"/>
+                <a:cs typeface="Calibri" panose="020F0502020204030204" pitchFamily="34" charset="0"/>
+              </a:rPr>
+              <a:t>Check normality</a:t>
+            </a:r>
+          </a:p>
+        </p:txBody>
+      </p:sp>
+      <p:sp>
+        <p:nvSpPr>
+          <p:cNvPr id="6" name="Textfeld 5">
+            <a:extLst>
+              <a:ext uri="{FF2B5EF4-FFF2-40B4-BE49-F238E27FC236}">
+                <a16:creationId xmlns:a16="http://schemas.microsoft.com/office/drawing/2014/main" id="{5041E22F-3BF9-36A5-A02E-A1CA5CD6355B}"/>
+              </a:ext>
+            </a:extLst>
+          </p:cNvPr>
+          <p:cNvSpPr txBox="1"/>
+          <p:nvPr/>
+        </p:nvSpPr>
+        <p:spPr>
+          <a:xfrm>
+            <a:off x="5130837" y="2201318"/>
+            <a:ext cx="5300726" cy="276999"/>
+          </a:xfrm>
+          <a:prstGeom prst="rect">
+            <a:avLst/>
+          </a:prstGeom>
+          <a:solidFill>
+            <a:schemeClr val="accent2">
+              <a:alpha val="19906"/>
+            </a:schemeClr>
+          </a:solidFill>
+          <a:ln w="12700">
+            <a:solidFill>
+              <a:schemeClr val="tx1"/>
+            </a:solidFill>
+          </a:ln>
+        </p:spPr>
+        <p:txBody>
+          <a:bodyPr wrap="square">
+            <a:spAutoFit/>
+          </a:bodyPr>
+          <a:lstStyle/>
+          <a:p>
+            <a:pPr algn="ctr"/>
+            <a:r>
+              <a:rPr lang="en-GB" sz="1200" noProof="0" dirty="0" err="1">
+                <a:latin typeface="Courier New" panose="02070309020205020404" pitchFamily="49" charset="0"/>
+                <a:ea typeface="Cambria Math" panose="02040503050406030204" pitchFamily="18" charset="0"/>
+                <a:cs typeface="Courier New" panose="02070309020205020404" pitchFamily="49" charset="0"/>
+              </a:rPr>
+              <a:t>shapiro.test</a:t>
+            </a:r>
+            <a:r>
+              <a:rPr lang="en-GB" sz="1200" noProof="0" dirty="0">
+                <a:latin typeface="Courier New" panose="02070309020205020404" pitchFamily="49" charset="0"/>
+                <a:ea typeface="Cambria Math" panose="02040503050406030204" pitchFamily="18" charset="0"/>
+                <a:cs typeface="Courier New" panose="02070309020205020404" pitchFamily="49" charset="0"/>
+              </a:rPr>
+              <a:t>()</a:t>
+            </a:r>
+            <a:r>
+              <a:rPr lang="en-GB" sz="1200" noProof="0" dirty="0">
+                <a:latin typeface="Calibri" panose="020F0502020204030204" pitchFamily="34" charset="0"/>
+                <a:ea typeface="Cambria Math" panose="02040503050406030204" pitchFamily="18" charset="0"/>
+                <a:cs typeface="Calibri" panose="020F0502020204030204" pitchFamily="34" charset="0"/>
+              </a:rPr>
+              <a:t> </a:t>
+            </a:r>
+            <a:r>
+              <a:rPr lang="en-GB" sz="1200" dirty="0">
+                <a:latin typeface="Calibri" panose="020F0502020204030204" pitchFamily="34" charset="0"/>
+                <a:ea typeface="Cambria Math" panose="02040503050406030204" pitchFamily="18" charset="0"/>
+                <a:cs typeface="Calibri" panose="020F0502020204030204" pitchFamily="34" charset="0"/>
+              </a:rPr>
+              <a:t>of residuals</a:t>
+            </a:r>
+            <a:endParaRPr lang="en-GB" sz="1200" noProof="0" dirty="0">
+              <a:latin typeface="Calibri" panose="020F0502020204030204" pitchFamily="34" charset="0"/>
+              <a:ea typeface="Cambria Math" panose="02040503050406030204" pitchFamily="18" charset="0"/>
+              <a:cs typeface="Calibri" panose="020F0502020204030204" pitchFamily="34" charset="0"/>
+            </a:endParaRPr>
+          </a:p>
+        </p:txBody>
+      </p:sp>
+      <mc:AlternateContent xmlns:mc="http://schemas.openxmlformats.org/markup-compatibility/2006" xmlns:a14="http://schemas.microsoft.com/office/drawing/2010/main">
+        <mc:Choice Requires="a14">
+          <p:sp>
+            <p:nvSpPr>
+              <p:cNvPr id="7" name="Textfeld 6">
+                <a:extLst>
+                  <a:ext uri="{FF2B5EF4-FFF2-40B4-BE49-F238E27FC236}">
+                    <a16:creationId xmlns:a16="http://schemas.microsoft.com/office/drawing/2014/main" id="{9AA40098-BD80-C1D3-2ED8-B3ADA97680A3}"/>
+                  </a:ext>
+                </a:extLst>
+              </p:cNvPr>
+              <p:cNvSpPr txBox="1"/>
+              <p:nvPr/>
+            </p:nvSpPr>
+            <p:spPr>
+              <a:xfrm>
+                <a:off x="3982498" y="268315"/>
+                <a:ext cx="4305145" cy="461665"/>
+              </a:xfrm>
+              <a:prstGeom prst="rect">
+                <a:avLst/>
+              </a:prstGeom>
+              <a:noFill/>
+              <a:ln w="6350">
+                <a:solidFill>
+                  <a:schemeClr val="bg1">
+                    <a:lumMod val="85000"/>
+                  </a:schemeClr>
+                </a:solidFill>
+              </a:ln>
+            </p:spPr>
+            <p:txBody>
+              <a:bodyPr wrap="square">
+                <a:spAutoFit/>
+              </a:bodyPr>
+              <a:lstStyle/>
+              <a:p>
+                <a:pPr marL="171450" indent="-171450">
+                  <a:buFont typeface="Arial" panose="020B0604020202020204" pitchFamily="34" charset="0"/>
+                  <a:buChar char="•"/>
+                </a:pPr>
+                <a:r>
+                  <a:rPr lang="en-GB" sz="1200" dirty="0">
+                    <a:latin typeface="Calibri" panose="020F0502020204030204" pitchFamily="34" charset="0"/>
+                    <a:ea typeface="Cambria Math" panose="02040503050406030204" pitchFamily="18" charset="0"/>
+                    <a:cs typeface="Calibri" panose="020F0502020204030204" pitchFamily="34" charset="0"/>
+                  </a:rPr>
+                  <a:t>C</a:t>
+                </a:r>
+                <a:r>
+                  <a:rPr lang="en-GB" sz="1200" noProof="0" dirty="0" err="1">
+                    <a:latin typeface="Calibri" panose="020F0502020204030204" pitchFamily="34" charset="0"/>
+                    <a:ea typeface="Cambria Math" panose="02040503050406030204" pitchFamily="18" charset="0"/>
+                    <a:cs typeface="Calibri" panose="020F0502020204030204" pitchFamily="34" charset="0"/>
+                  </a:rPr>
+                  <a:t>ategorical</a:t>
+                </a:r>
+                <a:r>
+                  <a:rPr lang="en-GB" sz="1200" noProof="0" dirty="0">
+                    <a:latin typeface="Calibri" panose="020F0502020204030204" pitchFamily="34" charset="0"/>
+                    <a:ea typeface="Cambria Math" panose="02040503050406030204" pitchFamily="18" charset="0"/>
+                    <a:cs typeface="Calibri" panose="020F0502020204030204" pitchFamily="34" charset="0"/>
+                  </a:rPr>
+                  <a:t> predictor of </a:t>
+                </a:r>
+                <a:r>
+                  <a:rPr lang="en-GB" sz="1200" noProof="0" dirty="0">
+                    <a:latin typeface="Courier New" panose="02070309020205020404" pitchFamily="49" charset="0"/>
+                    <a:ea typeface="Cambria Math" panose="02040503050406030204" pitchFamily="18" charset="0"/>
+                    <a:cs typeface="Courier New" panose="02070309020205020404" pitchFamily="49" charset="0"/>
+                  </a:rPr>
+                  <a:t>class </a:t>
+                </a:r>
+                <a:r>
+                  <a:rPr lang="en-GB" sz="1200" dirty="0">
+                    <a:latin typeface="Calibri" panose="020F0502020204030204" pitchFamily="34" charset="0"/>
+                    <a:ea typeface="Cambria Math" panose="02040503050406030204" pitchFamily="18" charset="0"/>
+                    <a:cs typeface="Calibri" panose="020F0502020204030204" pitchFamily="34" charset="0"/>
+                  </a:rPr>
+                  <a:t>“</a:t>
+                </a:r>
+                <a:r>
+                  <a:rPr lang="en-GB" sz="1200" dirty="0">
+                    <a:latin typeface="Courier New" panose="02070309020205020404" pitchFamily="49" charset="0"/>
+                    <a:ea typeface="Cambria Math" panose="02040503050406030204" pitchFamily="18" charset="0"/>
+                    <a:cs typeface="Courier New" panose="02070309020205020404" pitchFamily="49" charset="0"/>
+                  </a:rPr>
+                  <a:t>factor</a:t>
+                </a:r>
+                <a:r>
+                  <a:rPr lang="en-GB" sz="1200" noProof="0" dirty="0">
+                    <a:latin typeface="Calibri" panose="020F0502020204030204" pitchFamily="34" charset="0"/>
+                    <a:ea typeface="Cambria Math" panose="02040503050406030204" pitchFamily="18" charset="0"/>
+                    <a:cs typeface="Calibri" panose="020F0502020204030204" pitchFamily="34" charset="0"/>
+                  </a:rPr>
+                  <a:t>“  with </a:t>
+                </a:r>
+                <a14:m>
+                  <m:oMath xmlns:m="http://schemas.openxmlformats.org/officeDocument/2006/math">
+                    <m:r>
+                      <a:rPr lang="en-GB" sz="1200" i="1" noProof="0" smtClean="0">
+                        <a:latin typeface="Cambria Math" panose="02040503050406030204" pitchFamily="18" charset="0"/>
+                        <a:ea typeface="Cambria Math" panose="02040503050406030204" pitchFamily="18" charset="0"/>
+                      </a:rPr>
+                      <m:t>𝑁</m:t>
+                    </m:r>
+                  </m:oMath>
+                </a14:m>
+                <a:r>
+                  <a:rPr lang="en-GB" sz="1200" noProof="0" dirty="0">
+                    <a:latin typeface="Calibri" panose="020F0502020204030204" pitchFamily="34" charset="0"/>
+                    <a:ea typeface="Cambria Math" panose="02040503050406030204" pitchFamily="18" charset="0"/>
+                    <a:cs typeface="Calibri" panose="020F0502020204030204" pitchFamily="34" charset="0"/>
+                  </a:rPr>
+                  <a:t> levels</a:t>
+                </a:r>
+              </a:p>
+              <a:p>
+                <a:pPr marL="171450" indent="-171450">
+                  <a:buFont typeface="Arial" panose="020B0604020202020204" pitchFamily="34" charset="0"/>
+                  <a:buChar char="•"/>
+                </a:pPr>
+                <a:r>
+                  <a:rPr lang="en-GB" sz="1200" dirty="0">
+                    <a:latin typeface="Calibri" panose="020F0502020204030204" pitchFamily="34" charset="0"/>
+                    <a:ea typeface="Cambria Math" panose="02040503050406030204" pitchFamily="18" charset="0"/>
+                    <a:cs typeface="Calibri" panose="020F0502020204030204" pitchFamily="34" charset="0"/>
+                  </a:rPr>
+                  <a:t>N</a:t>
+                </a:r>
+                <a:r>
+                  <a:rPr lang="en-GB" sz="1200" noProof="0" dirty="0" err="1">
+                    <a:latin typeface="Calibri" panose="020F0502020204030204" pitchFamily="34" charset="0"/>
+                    <a:ea typeface="Cambria Math" panose="02040503050406030204" pitchFamily="18" charset="0"/>
+                    <a:cs typeface="Calibri" panose="020F0502020204030204" pitchFamily="34" charset="0"/>
+                  </a:rPr>
+                  <a:t>umeric</a:t>
+                </a:r>
+                <a:r>
+                  <a:rPr lang="en-GB" sz="1200" noProof="0" dirty="0">
+                    <a:latin typeface="Calibri" panose="020F0502020204030204" pitchFamily="34" charset="0"/>
+                    <a:ea typeface="Cambria Math" panose="02040503050406030204" pitchFamily="18" charset="0"/>
+                    <a:cs typeface="Calibri" panose="020F0502020204030204" pitchFamily="34" charset="0"/>
+                  </a:rPr>
+                  <a:t> response of </a:t>
+                </a:r>
+                <a:r>
+                  <a:rPr lang="en-GB" sz="1200" noProof="0" dirty="0">
+                    <a:latin typeface="Courier New" panose="02070309020205020404" pitchFamily="49" charset="0"/>
+                    <a:ea typeface="Cambria Math" panose="02040503050406030204" pitchFamily="18" charset="0"/>
+                    <a:cs typeface="Courier New" panose="02070309020205020404" pitchFamily="49" charset="0"/>
+                  </a:rPr>
+                  <a:t>class </a:t>
+                </a:r>
+                <a:r>
+                  <a:rPr lang="en-GB" sz="1200" dirty="0">
+                    <a:latin typeface="Calibri" panose="020F0502020204030204" pitchFamily="34" charset="0"/>
+                    <a:ea typeface="Cambria Math" panose="02040503050406030204" pitchFamily="18" charset="0"/>
+                    <a:cs typeface="Calibri" panose="020F0502020204030204" pitchFamily="34" charset="0"/>
+                  </a:rPr>
+                  <a:t>“</a:t>
+                </a:r>
+                <a:r>
+                  <a:rPr lang="en-GB" sz="1200" noProof="0" dirty="0">
+                    <a:latin typeface="Courier New" panose="02070309020205020404" pitchFamily="49" charset="0"/>
+                    <a:ea typeface="Cambria Math" panose="02040503050406030204" pitchFamily="18" charset="0"/>
+                    <a:cs typeface="Courier New" panose="02070309020205020404" pitchFamily="49" charset="0"/>
+                  </a:rPr>
+                  <a:t>numeric</a:t>
+                </a:r>
+                <a:r>
+                  <a:rPr lang="en-GB" sz="1200" dirty="0">
+                    <a:latin typeface="Calibri" panose="020F0502020204030204" pitchFamily="34" charset="0"/>
+                    <a:ea typeface="Cambria Math" panose="02040503050406030204" pitchFamily="18" charset="0"/>
+                    <a:cs typeface="Calibri" panose="020F0502020204030204" pitchFamily="34" charset="0"/>
+                  </a:rPr>
+                  <a:t>”</a:t>
+                </a:r>
+                <a:r>
+                  <a:rPr lang="en-GB" sz="1200" dirty="0">
+                    <a:latin typeface="Courier New" panose="02070309020205020404" pitchFamily="49" charset="0"/>
+                    <a:ea typeface="Cambria Math" panose="02040503050406030204" pitchFamily="18" charset="0"/>
+                    <a:cs typeface="Courier New" panose="02070309020205020404" pitchFamily="49" charset="0"/>
+                  </a:rPr>
+                  <a:t> </a:t>
+                </a:r>
+                <a:r>
+                  <a:rPr lang="en-GB" sz="1200" noProof="0" dirty="0">
+                    <a:latin typeface="Calibri" panose="020F0502020204030204" pitchFamily="34" charset="0"/>
+                    <a:ea typeface="Cambria Math" panose="02040503050406030204" pitchFamily="18" charset="0"/>
+                    <a:cs typeface="Calibri" panose="020F0502020204030204" pitchFamily="34" charset="0"/>
+                  </a:rPr>
+                  <a:t>or “</a:t>
+                </a:r>
+                <a:r>
+                  <a:rPr lang="en-GB" sz="1200" noProof="0" dirty="0">
+                    <a:latin typeface="Courier New" panose="02070309020205020404" pitchFamily="49" charset="0"/>
+                    <a:ea typeface="Cambria Math" panose="02040503050406030204" pitchFamily="18" charset="0"/>
+                    <a:cs typeface="Courier New" panose="02070309020205020404" pitchFamily="49" charset="0"/>
+                  </a:rPr>
+                  <a:t>integer</a:t>
+                </a:r>
+                <a:r>
+                  <a:rPr lang="en-GB" sz="1200" dirty="0">
+                    <a:latin typeface="Calibri" panose="020F0502020204030204" pitchFamily="34" charset="0"/>
+                    <a:ea typeface="Cambria Math" panose="02040503050406030204" pitchFamily="18" charset="0"/>
+                    <a:cs typeface="Calibri" panose="020F0502020204030204" pitchFamily="34" charset="0"/>
+                  </a:rPr>
+                  <a:t>”</a:t>
+                </a:r>
+                <a:endParaRPr lang="en-GB" sz="1200" noProof="0" dirty="0">
+                  <a:latin typeface="Calibri" panose="020F0502020204030204" pitchFamily="34" charset="0"/>
+                  <a:ea typeface="Cambria Math" panose="02040503050406030204" pitchFamily="18" charset="0"/>
+                  <a:cs typeface="Calibri" panose="020F0502020204030204" pitchFamily="34" charset="0"/>
+                </a:endParaRPr>
+              </a:p>
+            </p:txBody>
+          </p:sp>
+        </mc:Choice>
+        <mc:Fallback xmlns="">
+          <p:sp>
+            <p:nvSpPr>
+              <p:cNvPr id="7" name="Textfeld 6">
+                <a:extLst>
+                  <a:ext uri="{FF2B5EF4-FFF2-40B4-BE49-F238E27FC236}">
+                    <a16:creationId xmlns:a16="http://schemas.microsoft.com/office/drawing/2014/main" id="{D954AB4D-A237-C043-A913-633703A9C26B}"/>
+                  </a:ext>
+                </a:extLst>
+              </p:cNvPr>
+              <p:cNvSpPr txBox="1">
+                <a:spLocks noRot="1" noChangeAspect="1" noMove="1" noResize="1" noEditPoints="1" noAdjustHandles="1" noChangeArrowheads="1" noChangeShapeType="1" noTextEdit="1"/>
+              </p:cNvSpPr>
+              <p:nvPr/>
+            </p:nvSpPr>
+            <p:spPr>
+              <a:xfrm>
+                <a:off x="3982498" y="268315"/>
+                <a:ext cx="4305145" cy="461665"/>
+              </a:xfrm>
+              <a:prstGeom prst="rect">
+                <a:avLst/>
+              </a:prstGeom>
+              <a:blipFill>
+                <a:blip r:embed="rId3"/>
+                <a:stretch>
+                  <a:fillRect b="-5263"/>
+                </a:stretch>
+              </a:blipFill>
+              <a:ln w="6350">
+                <a:solidFill>
+                  <a:schemeClr val="bg1">
+                    <a:lumMod val="85000"/>
+                  </a:schemeClr>
+                </a:solidFill>
+              </a:ln>
+            </p:spPr>
+            <p:txBody>
+              <a:bodyPr/>
+              <a:lstStyle/>
+              <a:p>
+                <a:r>
+                  <a:rPr lang="de-DE">
+                    <a:noFill/>
+                  </a:rPr>
+                  <a:t> </a:t>
+                </a:r>
+              </a:p>
+            </p:txBody>
+          </p:sp>
+        </mc:Fallback>
+      </mc:AlternateContent>
+      <mc:AlternateContent xmlns:mc="http://schemas.openxmlformats.org/markup-compatibility/2006">
+        <mc:Choice xmlns:a14="http://schemas.microsoft.com/office/drawing/2010/main" Requires="a14">
+          <p:sp>
+            <p:nvSpPr>
+              <p:cNvPr id="8" name="Textfeld 7">
+                <a:extLst>
+                  <a:ext uri="{FF2B5EF4-FFF2-40B4-BE49-F238E27FC236}">
+                    <a16:creationId xmlns:a16="http://schemas.microsoft.com/office/drawing/2014/main" id="{E3318CDC-A259-D024-A26F-5F4347C6CF44}"/>
+                  </a:ext>
+                </a:extLst>
+              </p:cNvPr>
+              <p:cNvSpPr txBox="1"/>
+              <p:nvPr/>
+            </p:nvSpPr>
+            <p:spPr>
+              <a:xfrm>
+                <a:off x="243603" y="832787"/>
+                <a:ext cx="4657526" cy="274639"/>
+              </a:xfrm>
+              <a:prstGeom prst="rect">
+                <a:avLst/>
+              </a:prstGeom>
+              <a:noFill/>
+              <a:ln w="12700">
+                <a:solidFill>
+                  <a:schemeClr val="tx1"/>
+                </a:solidFill>
+              </a:ln>
+            </p:spPr>
+            <p:txBody>
+              <a:bodyPr wrap="square">
+                <a:spAutoFit/>
+              </a:bodyPr>
+              <a:lstStyle>
+                <a:defPPr>
+                  <a:defRPr lang="de-DE"/>
+                </a:defPPr>
+              </a:lstStyle>
+              <a:p>
+                <a:pPr algn="ctr"/>
+                <a:r>
+                  <a:rPr lang="en-GB" sz="1200" dirty="0">
+                    <a:latin typeface="Calibri" panose="020F0502020204030204" pitchFamily="34" charset="0"/>
+                    <a:ea typeface="Cambria Math" panose="02040503050406030204" pitchFamily="18" charset="0"/>
+                    <a:cs typeface="Calibri" panose="020F0502020204030204" pitchFamily="34" charset="0"/>
+                  </a:rPr>
+                  <a:t>predictor</a:t>
+                </a:r>
+                <a:r>
+                  <a:rPr lang="en-GB" sz="1200" noProof="0" dirty="0">
+                    <a:latin typeface="Calibri" panose="020F0502020204030204" pitchFamily="34" charset="0"/>
+                    <a:ea typeface="Cambria Math" panose="02040503050406030204" pitchFamily="18" charset="0"/>
+                    <a:cs typeface="Calibri" panose="020F0502020204030204" pitchFamily="34" charset="0"/>
+                  </a:rPr>
+                  <a:t>: </a:t>
+                </a:r>
+                <a14:m>
+                  <m:oMath xmlns:m="http://schemas.openxmlformats.org/officeDocument/2006/math">
+                    <m:r>
+                      <a:rPr lang="en-GB" sz="1200" i="1" noProof="0" smtClean="0">
+                        <a:latin typeface="Cambria Math" panose="02040503050406030204" pitchFamily="18" charset="0"/>
+                        <a:ea typeface="Cambria Math" panose="02040503050406030204" pitchFamily="18" charset="0"/>
+                      </a:rPr>
+                      <m:t>𝑁</m:t>
+                    </m:r>
+                    <m:r>
+                      <a:rPr lang="en-GB" sz="1200" i="1" noProof="0" smtClean="0">
+                        <a:latin typeface="Cambria Math" panose="02040503050406030204" pitchFamily="18" charset="0"/>
+                        <a:ea typeface="Cambria Math" panose="02040503050406030204" pitchFamily="18" charset="0"/>
+                      </a:rPr>
+                      <m:t>=2 </m:t>
+                    </m:r>
+                  </m:oMath>
+                </a14:m>
+                <a:r>
+                  <a:rPr lang="en-GB" sz="1200" noProof="0" dirty="0">
+                    <a:latin typeface="Calibri" panose="020F0502020204030204" pitchFamily="34" charset="0"/>
+                    <a:ea typeface="Cambria Math" panose="02040503050406030204" pitchFamily="18" charset="0"/>
+                    <a:cs typeface="Calibri" panose="020F0502020204030204" pitchFamily="34" charset="0"/>
+                  </a:rPr>
+                  <a:t>levels</a:t>
+                </a:r>
+              </a:p>
+            </p:txBody>
+          </p:sp>
+        </mc:Choice>
+        <mc:Fallback>
+          <p:sp>
+            <p:nvSpPr>
+              <p:cNvPr id="8" name="Textfeld 7">
+                <a:extLst>
+                  <a:ext uri="{FF2B5EF4-FFF2-40B4-BE49-F238E27FC236}">
+                    <a16:creationId xmlns:a16="http://schemas.microsoft.com/office/drawing/2014/main" id="{E3318CDC-A259-D024-A26F-5F4347C6CF44}"/>
+                  </a:ext>
+                </a:extLst>
+              </p:cNvPr>
+              <p:cNvSpPr txBox="1">
+                <a:spLocks noRot="1" noChangeAspect="1" noMove="1" noResize="1" noEditPoints="1" noAdjustHandles="1" noChangeArrowheads="1" noChangeShapeType="1" noTextEdit="1"/>
+              </p:cNvSpPr>
+              <p:nvPr/>
+            </p:nvSpPr>
+            <p:spPr>
+              <a:xfrm>
+                <a:off x="243603" y="832787"/>
+                <a:ext cx="4657526" cy="274639"/>
+              </a:xfrm>
+              <a:prstGeom prst="rect">
+                <a:avLst/>
+              </a:prstGeom>
+              <a:blipFill>
+                <a:blip r:embed="rId4"/>
+                <a:stretch>
+                  <a:fillRect b="-13043"/>
+                </a:stretch>
+              </a:blipFill>
+              <a:ln w="12700">
+                <a:solidFill>
+                  <a:schemeClr val="tx1"/>
+                </a:solidFill>
+              </a:ln>
+            </p:spPr>
+            <p:txBody>
+              <a:bodyPr/>
+              <a:lstStyle/>
+              <a:p>
+                <a:r>
+                  <a:rPr lang="de-DE">
+                    <a:noFill/>
+                  </a:rPr>
+                  <a:t> </a:t>
+                </a:r>
+              </a:p>
+            </p:txBody>
+          </p:sp>
+        </mc:Fallback>
+      </mc:AlternateContent>
+      <mc:AlternateContent xmlns:mc="http://schemas.openxmlformats.org/markup-compatibility/2006" xmlns:a14="http://schemas.microsoft.com/office/drawing/2010/main">
+        <mc:Choice Requires="a14">
+          <p:sp>
+            <p:nvSpPr>
+              <p:cNvPr id="9" name="Textfeld 8">
+                <a:extLst>
+                  <a:ext uri="{FF2B5EF4-FFF2-40B4-BE49-F238E27FC236}">
+                    <a16:creationId xmlns:a16="http://schemas.microsoft.com/office/drawing/2014/main" id="{A909FEF4-8F2C-4C2E-2F3C-E170D9E6B63E}"/>
+                  </a:ext>
+                </a:extLst>
+              </p:cNvPr>
+              <p:cNvSpPr txBox="1"/>
+              <p:nvPr/>
+            </p:nvSpPr>
+            <p:spPr>
+              <a:xfrm>
+                <a:off x="5127496" y="832787"/>
+                <a:ext cx="5304067" cy="276999"/>
+              </a:xfrm>
+              <a:prstGeom prst="rect">
+                <a:avLst/>
+              </a:prstGeom>
+              <a:noFill/>
+              <a:ln w="12700">
+                <a:solidFill>
+                  <a:schemeClr val="accent1">
+                    <a:lumMod val="40000"/>
+                    <a:lumOff val="60000"/>
+                  </a:schemeClr>
+                </a:solidFill>
+              </a:ln>
+            </p:spPr>
+            <p:txBody>
+              <a:bodyPr wrap="square">
+                <a:spAutoFit/>
+              </a:bodyPr>
+              <a:lstStyle/>
+              <a:p>
+                <a:pPr algn="ctr"/>
+                <a:r>
+                  <a:rPr lang="en-GB" sz="1200" dirty="0">
+                    <a:latin typeface="Calibri" panose="020F0502020204030204" pitchFamily="34" charset="0"/>
+                    <a:ea typeface="Cambria Math" panose="02040503050406030204" pitchFamily="18" charset="0"/>
+                    <a:cs typeface="Calibri" panose="020F0502020204030204" pitchFamily="34" charset="0"/>
+                  </a:rPr>
+                  <a:t>predictor</a:t>
+                </a:r>
+                <a:r>
+                  <a:rPr lang="en-GB" sz="1200" noProof="0" dirty="0">
+                    <a:latin typeface="Calibri" panose="020F0502020204030204" pitchFamily="34" charset="0"/>
+                    <a:ea typeface="Cambria Math" panose="02040503050406030204" pitchFamily="18" charset="0"/>
+                    <a:cs typeface="Calibri" panose="020F0502020204030204" pitchFamily="34" charset="0"/>
+                  </a:rPr>
+                  <a:t>:  </a:t>
+                </a:r>
+                <a14:m>
+                  <m:oMath xmlns:m="http://schemas.openxmlformats.org/officeDocument/2006/math">
+                    <m:r>
+                      <a:rPr lang="en-GB" sz="1200" b="0" i="1" noProof="0" smtClean="0">
+                        <a:latin typeface="Cambria Math" panose="02040503050406030204" pitchFamily="18" charset="0"/>
+                        <a:ea typeface="Cambria Math" panose="02040503050406030204" pitchFamily="18" charset="0"/>
+                      </a:rPr>
+                      <m:t>𝑁</m:t>
+                    </m:r>
+                    <m:r>
+                      <a:rPr lang="en-GB" sz="1200" b="0" i="1" noProof="0" smtClean="0">
+                        <a:latin typeface="Cambria Math" panose="02040503050406030204" pitchFamily="18" charset="0"/>
+                        <a:ea typeface="Cambria Math" panose="02040503050406030204" pitchFamily="18" charset="0"/>
+                      </a:rPr>
+                      <m:t>&gt;2</m:t>
+                    </m:r>
+                  </m:oMath>
+                </a14:m>
+                <a:r>
+                  <a:rPr lang="en-GB" sz="1200" noProof="0" dirty="0">
+                    <a:latin typeface="Calibri" panose="020F0502020204030204" pitchFamily="34" charset="0"/>
+                    <a:ea typeface="Cambria Math" panose="02040503050406030204" pitchFamily="18" charset="0"/>
+                    <a:cs typeface="Calibri" panose="020F0502020204030204" pitchFamily="34" charset="0"/>
+                  </a:rPr>
+                  <a:t> levels</a:t>
+                </a:r>
+              </a:p>
+            </p:txBody>
+          </p:sp>
+        </mc:Choice>
+        <mc:Fallback xmlns="">
+          <p:sp>
+            <p:nvSpPr>
+              <p:cNvPr id="9" name="Textfeld 8">
+                <a:extLst>
+                  <a:ext uri="{FF2B5EF4-FFF2-40B4-BE49-F238E27FC236}">
+                    <a16:creationId xmlns:a16="http://schemas.microsoft.com/office/drawing/2014/main" id="{8503CA89-315E-D465-88DB-CCE4B3127177}"/>
+                  </a:ext>
+                </a:extLst>
+              </p:cNvPr>
+              <p:cNvSpPr txBox="1">
+                <a:spLocks noRot="1" noChangeAspect="1" noMove="1" noResize="1" noEditPoints="1" noAdjustHandles="1" noChangeArrowheads="1" noChangeShapeType="1" noTextEdit="1"/>
+              </p:cNvSpPr>
+              <p:nvPr/>
+            </p:nvSpPr>
+            <p:spPr>
+              <a:xfrm>
+                <a:off x="5127496" y="832787"/>
+                <a:ext cx="5304067" cy="276999"/>
+              </a:xfrm>
+              <a:prstGeom prst="rect">
+                <a:avLst/>
+              </a:prstGeom>
+              <a:blipFill>
+                <a:blip r:embed="rId5"/>
+                <a:stretch>
+                  <a:fillRect b="-13043"/>
+                </a:stretch>
+              </a:blipFill>
+              <a:ln w="12700">
+                <a:solidFill>
+                  <a:schemeClr val="accent1">
+                    <a:lumMod val="40000"/>
+                    <a:lumOff val="60000"/>
+                  </a:schemeClr>
+                </a:solidFill>
+              </a:ln>
+            </p:spPr>
+            <p:txBody>
+              <a:bodyPr/>
+              <a:lstStyle/>
+              <a:p>
+                <a:r>
+                  <a:rPr lang="de-DE">
+                    <a:noFill/>
+                  </a:rPr>
+                  <a:t> </a:t>
+                </a:r>
+              </a:p>
+            </p:txBody>
+          </p:sp>
+        </mc:Fallback>
+      </mc:AlternateContent>
+      <mc:AlternateContent xmlns:mc="http://schemas.openxmlformats.org/markup-compatibility/2006">
+        <mc:Choice xmlns:a14="http://schemas.microsoft.com/office/drawing/2010/main" Requires="a14">
+          <p:sp>
+            <p:nvSpPr>
+              <p:cNvPr id="22" name="Textfeld 21">
+                <a:extLst>
+                  <a:ext uri="{FF2B5EF4-FFF2-40B4-BE49-F238E27FC236}">
+                    <a16:creationId xmlns:a16="http://schemas.microsoft.com/office/drawing/2014/main" id="{2DFF59E4-1F7A-7BA6-163B-D7AE2EBD1C6B}"/>
+                  </a:ext>
+                </a:extLst>
+              </p:cNvPr>
+              <p:cNvSpPr txBox="1"/>
+              <p:nvPr/>
+            </p:nvSpPr>
+            <p:spPr>
+              <a:xfrm>
+                <a:off x="219834" y="3111855"/>
+                <a:ext cx="1440000" cy="276999"/>
+              </a:xfrm>
+              <a:prstGeom prst="rect">
+                <a:avLst/>
+              </a:prstGeom>
+              <a:noFill/>
+              <a:ln w="12700">
+                <a:solidFill>
+                  <a:schemeClr val="tx1"/>
+                </a:solidFill>
+              </a:ln>
+            </p:spPr>
+            <p:txBody>
+              <a:bodyPr wrap="square">
+                <a:spAutoFit/>
+              </a:bodyPr>
+              <a:lstStyle/>
+              <a:p>
+                <a14:m>
+                  <m:oMathPara xmlns:m="http://schemas.openxmlformats.org/officeDocument/2006/math">
+                    <m:oMathParaPr>
+                      <m:jc m:val="centerGroup"/>
+                    </m:oMathParaPr>
+                    <m:oMath xmlns:m="http://schemas.openxmlformats.org/officeDocument/2006/math">
+                      <m:r>
+                        <m:rPr>
+                          <m:sty m:val="p"/>
+                        </m:rPr>
+                        <a:rPr lang="en-US" sz="1200" b="0" i="0" noProof="0" smtClean="0">
+                          <a:latin typeface="Cambria Math" panose="02040503050406030204" pitchFamily="18" charset="0"/>
+                          <a:ea typeface="Cambria Math" panose="02040503050406030204" pitchFamily="18" charset="0"/>
+                        </a:rPr>
+                        <m:t>p</m:t>
+                      </m:r>
+                      <m:r>
+                        <a:rPr lang="en-GB" sz="1200" b="0" i="1" noProof="0" smtClean="0">
+                          <a:latin typeface="Cambria Math" panose="02040503050406030204" pitchFamily="18" charset="0"/>
+                          <a:ea typeface="Cambria Math" panose="02040503050406030204" pitchFamily="18" charset="0"/>
+                        </a:rPr>
+                        <m:t>&lt;</m:t>
+                      </m:r>
+                      <m:r>
+                        <a:rPr lang="en-GB" sz="1200" b="0" i="1" noProof="0" smtClean="0">
+                          <a:latin typeface="Cambria Math" panose="02040503050406030204" pitchFamily="18" charset="0"/>
+                          <a:ea typeface="Cambria Math" panose="02040503050406030204" pitchFamily="18" charset="0"/>
+                        </a:rPr>
+                        <m:t>𝛼</m:t>
+                      </m:r>
+                    </m:oMath>
+                  </m:oMathPara>
+                </a14:m>
+                <a:endParaRPr lang="en-GB" sz="1200" noProof="0" dirty="0">
+                  <a:latin typeface="Calibri" panose="020F0502020204030204" pitchFamily="34" charset="0"/>
+                  <a:ea typeface="Cambria Math" panose="02040503050406030204" pitchFamily="18" charset="0"/>
+                  <a:cs typeface="Calibri" panose="020F0502020204030204" pitchFamily="34" charset="0"/>
+                </a:endParaRPr>
+              </a:p>
+            </p:txBody>
+          </p:sp>
+        </mc:Choice>
+        <mc:Fallback>
+          <p:sp>
+            <p:nvSpPr>
+              <p:cNvPr id="22" name="Textfeld 21">
+                <a:extLst>
+                  <a:ext uri="{FF2B5EF4-FFF2-40B4-BE49-F238E27FC236}">
+                    <a16:creationId xmlns:a16="http://schemas.microsoft.com/office/drawing/2014/main" id="{2DFF59E4-1F7A-7BA6-163B-D7AE2EBD1C6B}"/>
+                  </a:ext>
+                </a:extLst>
+              </p:cNvPr>
+              <p:cNvSpPr txBox="1">
+                <a:spLocks noRot="1" noChangeAspect="1" noMove="1" noResize="1" noEditPoints="1" noAdjustHandles="1" noChangeArrowheads="1" noChangeShapeType="1" noTextEdit="1"/>
+              </p:cNvSpPr>
+              <p:nvPr/>
+            </p:nvSpPr>
+            <p:spPr>
+              <a:xfrm>
+                <a:off x="219834" y="3111855"/>
+                <a:ext cx="1440000" cy="276999"/>
+              </a:xfrm>
+              <a:prstGeom prst="rect">
+                <a:avLst/>
+              </a:prstGeom>
+              <a:blipFill>
+                <a:blip r:embed="rId6"/>
+                <a:stretch>
+                  <a:fillRect/>
+                </a:stretch>
+              </a:blipFill>
+              <a:ln w="12700">
+                <a:solidFill>
+                  <a:schemeClr val="tx1"/>
+                </a:solidFill>
+              </a:ln>
+            </p:spPr>
+            <p:txBody>
+              <a:bodyPr/>
+              <a:lstStyle/>
+              <a:p>
+                <a:r>
+                  <a:rPr lang="de-DE">
+                    <a:noFill/>
+                  </a:rPr>
+                  <a:t> </a:t>
+                </a:r>
+              </a:p>
+            </p:txBody>
+          </p:sp>
+        </mc:Fallback>
+      </mc:AlternateContent>
+      <p:sp>
+        <p:nvSpPr>
+          <p:cNvPr id="23" name="Textfeld 22">
+            <a:extLst>
+              <a:ext uri="{FF2B5EF4-FFF2-40B4-BE49-F238E27FC236}">
+                <a16:creationId xmlns:a16="http://schemas.microsoft.com/office/drawing/2014/main" id="{5C7CDA5D-7A7D-7660-6170-8CB90A2D0316}"/>
+              </a:ext>
+            </a:extLst>
+          </p:cNvPr>
+          <p:cNvSpPr txBox="1"/>
+          <p:nvPr/>
+        </p:nvSpPr>
+        <p:spPr>
+          <a:xfrm>
+            <a:off x="243603" y="4971019"/>
+            <a:ext cx="1396425" cy="276999"/>
+          </a:xfrm>
+          <a:prstGeom prst="rect">
+            <a:avLst/>
+          </a:prstGeom>
+          <a:solidFill>
+            <a:schemeClr val="accent1">
+              <a:lumMod val="40000"/>
+              <a:lumOff val="60000"/>
+            </a:schemeClr>
+          </a:solidFill>
+          <a:ln w="12700">
+            <a:solidFill>
+              <a:schemeClr val="tx1"/>
+            </a:solidFill>
+          </a:ln>
+        </p:spPr>
+        <p:txBody>
+          <a:bodyPr wrap="square">
+            <a:spAutoFit/>
+          </a:bodyPr>
+          <a:lstStyle>
+            <a:defPPr>
+              <a:defRPr lang="de-DE"/>
+            </a:defPPr>
+            <a:lvl1pPr algn="ctr">
+              <a:defRPr sz="1200"/>
+            </a:lvl1pPr>
+          </a:lstStyle>
+          <a:p>
+            <a:r>
+              <a:rPr lang="en-GB" noProof="0" dirty="0" err="1">
+                <a:latin typeface="Courier New" panose="02070309020205020404" pitchFamily="49" charset="0"/>
+                <a:ea typeface="Cambria Math" panose="02040503050406030204" pitchFamily="18" charset="0"/>
+                <a:cs typeface="Courier New" panose="02070309020205020404" pitchFamily="49" charset="0"/>
+              </a:rPr>
+              <a:t>wilcox.test</a:t>
+            </a:r>
+            <a:r>
+              <a:rPr lang="en-GB" noProof="0" dirty="0">
+                <a:latin typeface="Courier New" panose="02070309020205020404" pitchFamily="49" charset="0"/>
+                <a:ea typeface="Cambria Math" panose="02040503050406030204" pitchFamily="18" charset="0"/>
+                <a:cs typeface="Courier New" panose="02070309020205020404" pitchFamily="49" charset="0"/>
+              </a:rPr>
+              <a:t>()</a:t>
+            </a:r>
+          </a:p>
+        </p:txBody>
+      </p:sp>
+      <p:sp>
+        <p:nvSpPr>
+          <p:cNvPr id="27" name="Textfeld 26">
+            <a:extLst>
+              <a:ext uri="{FF2B5EF4-FFF2-40B4-BE49-F238E27FC236}">
+                <a16:creationId xmlns:a16="http://schemas.microsoft.com/office/drawing/2014/main" id="{83832513-0975-978B-6D9C-26E68B595B89}"/>
+              </a:ext>
+            </a:extLst>
+          </p:cNvPr>
+          <p:cNvSpPr txBox="1"/>
+          <p:nvPr/>
+        </p:nvSpPr>
+        <p:spPr>
+          <a:xfrm>
+            <a:off x="5130837" y="4971019"/>
+            <a:ext cx="2338435" cy="276999"/>
+          </a:xfrm>
+          <a:prstGeom prst="rect">
+            <a:avLst/>
+          </a:prstGeom>
+          <a:solidFill>
+            <a:schemeClr val="accent1">
+              <a:lumMod val="40000"/>
+              <a:lumOff val="60000"/>
+            </a:schemeClr>
+          </a:solidFill>
+          <a:ln w="12700">
+            <a:solidFill>
+              <a:schemeClr val="accent1">
+                <a:lumMod val="40000"/>
+                <a:lumOff val="60000"/>
+              </a:schemeClr>
+            </a:solidFill>
+          </a:ln>
+        </p:spPr>
+        <p:txBody>
+          <a:bodyPr wrap="square">
+            <a:spAutoFit/>
+          </a:bodyPr>
+          <a:lstStyle>
+            <a:defPPr>
+              <a:defRPr lang="de-DE"/>
+            </a:defPPr>
+            <a:lvl1pPr algn="ctr">
+              <a:defRPr sz="1200"/>
+            </a:lvl1pPr>
+          </a:lstStyle>
+          <a:p>
+            <a:r>
+              <a:rPr lang="en-GB" noProof="0" dirty="0" err="1">
+                <a:latin typeface="Courier New" panose="02070309020205020404" pitchFamily="49" charset="0"/>
+                <a:ea typeface="Cambria Math" panose="02040503050406030204" pitchFamily="18" charset="0"/>
+                <a:cs typeface="Courier New" panose="02070309020205020404" pitchFamily="49" charset="0"/>
+              </a:rPr>
+              <a:t>kruskal.test</a:t>
+            </a:r>
+            <a:r>
+              <a:rPr lang="en-GB" noProof="0" dirty="0">
+                <a:latin typeface="Courier New" panose="02070309020205020404" pitchFamily="49" charset="0"/>
+                <a:ea typeface="Cambria Math" panose="02040503050406030204" pitchFamily="18" charset="0"/>
+                <a:cs typeface="Courier New" panose="02070309020205020404" pitchFamily="49" charset="0"/>
+              </a:rPr>
+              <a:t>()</a:t>
+            </a:r>
+          </a:p>
+        </p:txBody>
+      </p:sp>
+      <p:sp>
+        <p:nvSpPr>
+          <p:cNvPr id="28" name="Textfeld 27">
+            <a:extLst>
+              <a:ext uri="{FF2B5EF4-FFF2-40B4-BE49-F238E27FC236}">
+                <a16:creationId xmlns:a16="http://schemas.microsoft.com/office/drawing/2014/main" id="{D48FDD05-23D7-C71E-4750-65EE696E1333}"/>
+              </a:ext>
+            </a:extLst>
+          </p:cNvPr>
+          <p:cNvSpPr txBox="1"/>
+          <p:nvPr/>
+        </p:nvSpPr>
+        <p:spPr>
+          <a:xfrm>
+            <a:off x="7636562" y="3878295"/>
+            <a:ext cx="2795001" cy="280863"/>
+          </a:xfrm>
+          <a:prstGeom prst="rect">
+            <a:avLst/>
+          </a:prstGeom>
+          <a:solidFill>
+            <a:schemeClr val="accent6">
+              <a:lumMod val="20000"/>
+              <a:lumOff val="80000"/>
+            </a:schemeClr>
+          </a:solidFill>
+          <a:ln w="12700">
+            <a:solidFill>
+              <a:schemeClr val="accent1">
+                <a:lumMod val="40000"/>
+                <a:lumOff val="60000"/>
+              </a:schemeClr>
+            </a:solidFill>
+          </a:ln>
+        </p:spPr>
+        <p:txBody>
+          <a:bodyPr wrap="square">
+            <a:spAutoFit/>
+          </a:bodyPr>
+          <a:lstStyle/>
+          <a:p>
+            <a:pPr algn="ctr"/>
+            <a:r>
+              <a:rPr lang="en-GB" sz="1200" dirty="0" err="1">
+                <a:latin typeface="Courier New" panose="02070309020205020404" pitchFamily="49" charset="0"/>
+                <a:ea typeface="Cambria Math" panose="02040503050406030204" pitchFamily="18" charset="0"/>
+                <a:cs typeface="Courier New" panose="02070309020205020404" pitchFamily="49" charset="0"/>
+              </a:rPr>
+              <a:t>levene</a:t>
+            </a:r>
+            <a:r>
+              <a:rPr lang="en-GB" sz="1200" noProof="0" dirty="0">
+                <a:latin typeface="Courier New" panose="02070309020205020404" pitchFamily="49" charset="0"/>
+                <a:ea typeface="Cambria Math" panose="02040503050406030204" pitchFamily="18" charset="0"/>
+                <a:cs typeface="Courier New" panose="02070309020205020404" pitchFamily="49" charset="0"/>
+              </a:rPr>
+              <a:t>.test() </a:t>
+            </a:r>
+          </a:p>
+        </p:txBody>
+      </p:sp>
+      <mc:AlternateContent xmlns:mc="http://schemas.openxmlformats.org/markup-compatibility/2006" xmlns:a14="http://schemas.microsoft.com/office/drawing/2010/main">
+        <mc:Choice Requires="a14">
+          <p:sp>
+            <p:nvSpPr>
+              <p:cNvPr id="29" name="Textfeld 28">
+                <a:extLst>
+                  <a:ext uri="{FF2B5EF4-FFF2-40B4-BE49-F238E27FC236}">
+                    <a16:creationId xmlns:a16="http://schemas.microsoft.com/office/drawing/2014/main" id="{FC4F2B37-5EA8-E1D5-E2FC-28541A35E4A6}"/>
+                  </a:ext>
+                </a:extLst>
+              </p:cNvPr>
+              <p:cNvSpPr txBox="1"/>
+              <p:nvPr/>
+            </p:nvSpPr>
+            <p:spPr>
+              <a:xfrm>
+                <a:off x="9351563" y="4482840"/>
+                <a:ext cx="1080000" cy="277200"/>
+              </a:xfrm>
+              <a:prstGeom prst="rect">
+                <a:avLst/>
+              </a:prstGeom>
+              <a:noFill/>
+              <a:ln w="12700">
+                <a:solidFill>
+                  <a:schemeClr val="accent1">
+                    <a:lumMod val="40000"/>
+                    <a:lumOff val="60000"/>
+                  </a:schemeClr>
+                </a:solidFill>
+              </a:ln>
+            </p:spPr>
+            <p:txBody>
+              <a:bodyPr wrap="square">
+                <a:spAutoFit/>
+              </a:bodyPr>
+              <a:lstStyle/>
+              <a:p>
+                <a:pPr algn="ctr"/>
+                <a14:m>
+                  <m:oMathPara xmlns:m="http://schemas.openxmlformats.org/officeDocument/2006/math">
+                    <m:oMathParaPr>
+                      <m:jc m:val="centerGroup"/>
+                    </m:oMathParaPr>
+                    <m:oMath xmlns:m="http://schemas.openxmlformats.org/officeDocument/2006/math">
+                      <m:r>
+                        <a:rPr lang="en-GB" sz="1200" b="0" i="1" noProof="0" smtClean="0">
+                          <a:latin typeface="Cambria Math" panose="02040503050406030204" pitchFamily="18" charset="0"/>
+                          <a:ea typeface="Cambria Math" panose="02040503050406030204" pitchFamily="18" charset="0"/>
+                        </a:rPr>
+                        <m:t>𝑝</m:t>
+                      </m:r>
+                      <m:r>
+                        <a:rPr lang="en-GB" sz="1200" b="0" i="1" noProof="0" smtClean="0">
+                          <a:latin typeface="Cambria Math" panose="02040503050406030204" pitchFamily="18" charset="0"/>
+                          <a:ea typeface="Cambria Math" panose="02040503050406030204" pitchFamily="18" charset="0"/>
+                        </a:rPr>
+                        <m:t>≥</m:t>
+                      </m:r>
+                      <m:r>
+                        <a:rPr lang="en-GB" sz="1200" b="0" i="1" noProof="0" smtClean="0">
+                          <a:latin typeface="Cambria Math" panose="02040503050406030204" pitchFamily="18" charset="0"/>
+                          <a:ea typeface="Cambria Math" panose="02040503050406030204" pitchFamily="18" charset="0"/>
+                        </a:rPr>
+                        <m:t>𝛼</m:t>
+                      </m:r>
+                    </m:oMath>
+                  </m:oMathPara>
+                </a14:m>
+                <a:endParaRPr lang="en-GB" sz="1200" noProof="0" dirty="0">
+                  <a:latin typeface="Calibri" panose="020F0502020204030204" pitchFamily="34" charset="0"/>
+                  <a:ea typeface="Cambria Math" panose="02040503050406030204" pitchFamily="18" charset="0"/>
+                  <a:cs typeface="Calibri" panose="020F0502020204030204" pitchFamily="34" charset="0"/>
+                </a:endParaRPr>
+              </a:p>
+            </p:txBody>
+          </p:sp>
+        </mc:Choice>
+        <mc:Fallback xmlns="">
+          <p:sp>
+            <p:nvSpPr>
+              <p:cNvPr id="29" name="Textfeld 28">
+                <a:extLst>
+                  <a:ext uri="{FF2B5EF4-FFF2-40B4-BE49-F238E27FC236}">
+                    <a16:creationId xmlns:a16="http://schemas.microsoft.com/office/drawing/2014/main" id="{6A843E82-AE36-2049-F32E-7DB7C257BD0C}"/>
+                  </a:ext>
+                </a:extLst>
+              </p:cNvPr>
+              <p:cNvSpPr txBox="1">
+                <a:spLocks noRot="1" noChangeAspect="1" noMove="1" noResize="1" noEditPoints="1" noAdjustHandles="1" noChangeArrowheads="1" noChangeShapeType="1" noTextEdit="1"/>
+              </p:cNvSpPr>
+              <p:nvPr/>
+            </p:nvSpPr>
+            <p:spPr>
+              <a:xfrm>
+                <a:off x="9351563" y="4482840"/>
+                <a:ext cx="1080000" cy="277200"/>
+              </a:xfrm>
+              <a:prstGeom prst="rect">
+                <a:avLst/>
+              </a:prstGeom>
+              <a:blipFill>
+                <a:blip r:embed="rId10"/>
+                <a:stretch>
+                  <a:fillRect/>
+                </a:stretch>
+              </a:blipFill>
+              <a:ln w="12700">
+                <a:solidFill>
+                  <a:schemeClr val="accent1">
+                    <a:lumMod val="40000"/>
+                    <a:lumOff val="60000"/>
+                  </a:schemeClr>
+                </a:solidFill>
+              </a:ln>
+            </p:spPr>
+            <p:txBody>
+              <a:bodyPr/>
+              <a:lstStyle/>
+              <a:p>
+                <a:r>
+                  <a:rPr lang="de-DE">
+                    <a:noFill/>
+                  </a:rPr>
+                  <a:t> </a:t>
+                </a:r>
+              </a:p>
+            </p:txBody>
+          </p:sp>
+        </mc:Fallback>
+      </mc:AlternateContent>
+      <mc:AlternateContent xmlns:mc="http://schemas.openxmlformats.org/markup-compatibility/2006" xmlns:a14="http://schemas.microsoft.com/office/drawing/2010/main">
+        <mc:Choice Requires="a14">
+          <p:sp>
+            <p:nvSpPr>
+              <p:cNvPr id="30" name="Textfeld 29">
+                <a:extLst>
+                  <a:ext uri="{FF2B5EF4-FFF2-40B4-BE49-F238E27FC236}">
+                    <a16:creationId xmlns:a16="http://schemas.microsoft.com/office/drawing/2014/main" id="{B00568AD-275D-9930-D410-65EB12E656DD}"/>
+                  </a:ext>
+                </a:extLst>
+              </p:cNvPr>
+              <p:cNvSpPr txBox="1"/>
+              <p:nvPr/>
+            </p:nvSpPr>
+            <p:spPr>
+              <a:xfrm>
+                <a:off x="7582544" y="4472251"/>
+                <a:ext cx="1080000" cy="276999"/>
+              </a:xfrm>
+              <a:prstGeom prst="rect">
+                <a:avLst/>
+              </a:prstGeom>
+              <a:noFill/>
+              <a:ln w="12700">
+                <a:solidFill>
+                  <a:schemeClr val="accent1">
+                    <a:lumMod val="40000"/>
+                    <a:lumOff val="60000"/>
+                  </a:schemeClr>
+                </a:solidFill>
+              </a:ln>
+            </p:spPr>
+            <p:txBody>
+              <a:bodyPr wrap="square">
+                <a:spAutoFit/>
+              </a:bodyPr>
+              <a:lstStyle/>
+              <a:p>
+                <a:pPr algn="ctr"/>
+                <a14:m>
+                  <m:oMathPara xmlns:m="http://schemas.openxmlformats.org/officeDocument/2006/math">
+                    <m:oMathParaPr>
+                      <m:jc m:val="centerGroup"/>
+                    </m:oMathParaPr>
+                    <m:oMath xmlns:m="http://schemas.openxmlformats.org/officeDocument/2006/math">
+                      <m:r>
+                        <a:rPr lang="en-GB" sz="1200" b="0" i="1" noProof="0" smtClean="0">
+                          <a:latin typeface="Cambria Math" panose="02040503050406030204" pitchFamily="18" charset="0"/>
+                          <a:ea typeface="Cambria Math" panose="02040503050406030204" pitchFamily="18" charset="0"/>
+                        </a:rPr>
+                        <m:t>𝑝</m:t>
+                      </m:r>
+                      <m:r>
+                        <a:rPr lang="en-GB" sz="1200" b="0" i="1" noProof="0" smtClean="0">
+                          <a:latin typeface="Cambria Math" panose="02040503050406030204" pitchFamily="18" charset="0"/>
+                          <a:ea typeface="Cambria Math" panose="02040503050406030204" pitchFamily="18" charset="0"/>
+                        </a:rPr>
+                        <m:t>&lt;</m:t>
+                      </m:r>
+                      <m:r>
+                        <a:rPr lang="en-GB" sz="1200" b="0" i="1" noProof="0" smtClean="0">
+                          <a:latin typeface="Cambria Math" panose="02040503050406030204" pitchFamily="18" charset="0"/>
+                          <a:ea typeface="Cambria Math" panose="02040503050406030204" pitchFamily="18" charset="0"/>
+                        </a:rPr>
+                        <m:t>𝛼</m:t>
+                      </m:r>
+                    </m:oMath>
+                  </m:oMathPara>
+                </a14:m>
+                <a:endParaRPr lang="en-GB" sz="1200" noProof="0" dirty="0">
+                  <a:latin typeface="Calibri" panose="020F0502020204030204" pitchFamily="34" charset="0"/>
+                  <a:ea typeface="Cambria Math" panose="02040503050406030204" pitchFamily="18" charset="0"/>
+                  <a:cs typeface="Calibri" panose="020F0502020204030204" pitchFamily="34" charset="0"/>
+                </a:endParaRPr>
+              </a:p>
+            </p:txBody>
+          </p:sp>
+        </mc:Choice>
+        <mc:Fallback xmlns="">
+          <p:sp>
+            <p:nvSpPr>
+              <p:cNvPr id="30" name="Textfeld 29">
+                <a:extLst>
+                  <a:ext uri="{FF2B5EF4-FFF2-40B4-BE49-F238E27FC236}">
+                    <a16:creationId xmlns:a16="http://schemas.microsoft.com/office/drawing/2014/main" id="{5E44A5B4-1C65-9447-A4FA-813B5715A602}"/>
+                  </a:ext>
+                </a:extLst>
+              </p:cNvPr>
+              <p:cNvSpPr txBox="1">
+                <a:spLocks noRot="1" noChangeAspect="1" noMove="1" noResize="1" noEditPoints="1" noAdjustHandles="1" noChangeArrowheads="1" noChangeShapeType="1" noTextEdit="1"/>
+              </p:cNvSpPr>
+              <p:nvPr/>
+            </p:nvSpPr>
+            <p:spPr>
+              <a:xfrm>
+                <a:off x="7582544" y="4472251"/>
+                <a:ext cx="1080000" cy="276999"/>
+              </a:xfrm>
+              <a:prstGeom prst="rect">
+                <a:avLst/>
+              </a:prstGeom>
+              <a:blipFill>
+                <a:blip r:embed="rId11"/>
+                <a:stretch>
+                  <a:fillRect/>
+                </a:stretch>
+              </a:blipFill>
+              <a:ln w="12700">
+                <a:solidFill>
+                  <a:schemeClr val="accent1">
+                    <a:lumMod val="40000"/>
+                    <a:lumOff val="60000"/>
+                  </a:schemeClr>
+                </a:solidFill>
+              </a:ln>
+            </p:spPr>
+            <p:txBody>
+              <a:bodyPr/>
+              <a:lstStyle/>
+              <a:p>
+                <a:r>
+                  <a:rPr lang="de-DE">
+                    <a:noFill/>
+                  </a:rPr>
+                  <a:t> </a:t>
+                </a:r>
+              </a:p>
+            </p:txBody>
+          </p:sp>
+        </mc:Fallback>
+      </mc:AlternateContent>
+      <p:sp>
+        <p:nvSpPr>
+          <p:cNvPr id="31" name="Textfeld 30">
+            <a:extLst>
+              <a:ext uri="{FF2B5EF4-FFF2-40B4-BE49-F238E27FC236}">
+                <a16:creationId xmlns:a16="http://schemas.microsoft.com/office/drawing/2014/main" id="{9C09EE9D-042C-AB6E-A71E-CE2C7FFBF6D8}"/>
+              </a:ext>
+            </a:extLst>
+          </p:cNvPr>
+          <p:cNvSpPr txBox="1"/>
+          <p:nvPr/>
+        </p:nvSpPr>
+        <p:spPr>
+          <a:xfrm>
+            <a:off x="7579542" y="4968485"/>
+            <a:ext cx="1457998" cy="276999"/>
+          </a:xfrm>
+          <a:prstGeom prst="rect">
+            <a:avLst/>
+          </a:prstGeom>
+          <a:solidFill>
+            <a:schemeClr val="accent4">
+              <a:alpha val="19758"/>
+            </a:schemeClr>
+          </a:solidFill>
+          <a:ln w="12700">
+            <a:solidFill>
+              <a:schemeClr val="accent1">
+                <a:lumMod val="40000"/>
+                <a:lumOff val="60000"/>
+              </a:schemeClr>
+            </a:solidFill>
+          </a:ln>
+        </p:spPr>
+        <p:txBody>
+          <a:bodyPr wrap="square">
+            <a:spAutoFit/>
+          </a:bodyPr>
+          <a:lstStyle>
+            <a:defPPr>
+              <a:defRPr lang="de-DE"/>
+            </a:defPPr>
+            <a:lvl1pPr algn="ctr">
+              <a:defRPr sz="1200"/>
+            </a:lvl1pPr>
+          </a:lstStyle>
+          <a:p>
+            <a:r>
+              <a:rPr lang="en-GB" noProof="0" dirty="0" err="1">
+                <a:latin typeface="Courier New" panose="02070309020205020404" pitchFamily="49" charset="0"/>
+                <a:ea typeface="Cambria Math" panose="02040503050406030204" pitchFamily="18" charset="0"/>
+                <a:cs typeface="Courier New" panose="02070309020205020404" pitchFamily="49" charset="0"/>
+              </a:rPr>
+              <a:t>oneway.test</a:t>
+            </a:r>
+            <a:r>
+              <a:rPr lang="en-GB" noProof="0" dirty="0">
+                <a:latin typeface="Courier New" panose="02070309020205020404" pitchFamily="49" charset="0"/>
+                <a:ea typeface="Cambria Math" panose="02040503050406030204" pitchFamily="18" charset="0"/>
+                <a:cs typeface="Courier New" panose="02070309020205020404" pitchFamily="49" charset="0"/>
+              </a:rPr>
+              <a:t>()</a:t>
+            </a:r>
+          </a:p>
+        </p:txBody>
+      </p:sp>
+      <p:sp>
+        <p:nvSpPr>
+          <p:cNvPr id="32" name="Textfeld 31">
+            <a:extLst>
+              <a:ext uri="{FF2B5EF4-FFF2-40B4-BE49-F238E27FC236}">
+                <a16:creationId xmlns:a16="http://schemas.microsoft.com/office/drawing/2014/main" id="{FCC84AB5-23E9-5BD9-1A22-36FF58C1D6A4}"/>
+              </a:ext>
+            </a:extLst>
+          </p:cNvPr>
+          <p:cNvSpPr txBox="1"/>
+          <p:nvPr/>
+        </p:nvSpPr>
+        <p:spPr>
+          <a:xfrm>
+            <a:off x="9262621" y="4968284"/>
+            <a:ext cx="1168942" cy="276999"/>
+          </a:xfrm>
+          <a:prstGeom prst="rect">
+            <a:avLst/>
+          </a:prstGeom>
+          <a:solidFill>
+            <a:schemeClr val="accent4">
+              <a:alpha val="19758"/>
+            </a:schemeClr>
+          </a:solidFill>
+          <a:ln w="12700">
+            <a:solidFill>
+              <a:schemeClr val="accent1">
+                <a:lumMod val="40000"/>
+                <a:lumOff val="60000"/>
+              </a:schemeClr>
+            </a:solidFill>
+          </a:ln>
+        </p:spPr>
+        <p:txBody>
+          <a:bodyPr wrap="square">
+            <a:spAutoFit/>
+          </a:bodyPr>
+          <a:lstStyle/>
+          <a:p>
+            <a:pPr algn="ctr"/>
+            <a:r>
+              <a:rPr lang="en-GB" sz="1200" noProof="0" dirty="0" err="1">
+                <a:latin typeface="Courier New" panose="02070309020205020404" pitchFamily="49" charset="0"/>
+                <a:ea typeface="Cambria Math" panose="02040503050406030204" pitchFamily="18" charset="0"/>
+                <a:cs typeface="Courier New" panose="02070309020205020404" pitchFamily="49" charset="0"/>
+              </a:rPr>
+              <a:t>aov</a:t>
+            </a:r>
+            <a:r>
+              <a:rPr lang="en-GB" sz="1200" noProof="0" dirty="0">
+                <a:latin typeface="Courier New" panose="02070309020205020404" pitchFamily="49" charset="0"/>
+                <a:ea typeface="Cambria Math" panose="02040503050406030204" pitchFamily="18" charset="0"/>
+                <a:cs typeface="Courier New" panose="02070309020205020404" pitchFamily="49" charset="0"/>
+              </a:rPr>
+              <a:t>()</a:t>
+            </a:r>
+          </a:p>
+        </p:txBody>
+      </p:sp>
+      <p:sp>
+        <p:nvSpPr>
+          <p:cNvPr id="93" name="Textfeld 92">
+            <a:extLst>
+              <a:ext uri="{FF2B5EF4-FFF2-40B4-BE49-F238E27FC236}">
+                <a16:creationId xmlns:a16="http://schemas.microsoft.com/office/drawing/2014/main" id="{7708DC37-9234-BC67-127C-4642706A18FC}"/>
+              </a:ext>
+            </a:extLst>
+          </p:cNvPr>
+          <p:cNvSpPr txBox="1"/>
+          <p:nvPr/>
+        </p:nvSpPr>
+        <p:spPr>
+          <a:xfrm>
+            <a:off x="7588433" y="5449810"/>
+            <a:ext cx="2838737" cy="284869"/>
+          </a:xfrm>
+          <a:prstGeom prst="rect">
+            <a:avLst/>
+          </a:prstGeom>
+          <a:solidFill>
+            <a:schemeClr val="bg2">
+              <a:lumMod val="90000"/>
+            </a:schemeClr>
+          </a:solidFill>
+          <a:ln w="12700">
+            <a:solidFill>
+              <a:schemeClr val="accent1">
+                <a:lumMod val="40000"/>
+                <a:lumOff val="60000"/>
+              </a:schemeClr>
+            </a:solidFill>
+          </a:ln>
+        </p:spPr>
+        <p:txBody>
+          <a:bodyPr wrap="square">
+            <a:spAutoFit/>
+          </a:bodyPr>
+          <a:lstStyle>
+            <a:defPPr>
+              <a:defRPr lang="de-DE"/>
+            </a:defPPr>
+            <a:lvl1pPr algn="ctr">
+              <a:defRPr sz="1200"/>
+            </a:lvl1pPr>
+          </a:lstStyle>
+          <a:p>
+            <a:r>
+              <a:rPr lang="en-GB" noProof="0" dirty="0" err="1">
+                <a:latin typeface="Courier New" panose="02070309020205020404" pitchFamily="49" charset="0"/>
+                <a:ea typeface="Cambria Math" panose="02040503050406030204" pitchFamily="18" charset="0"/>
+                <a:cs typeface="Courier New" panose="02070309020205020404" pitchFamily="49" charset="0"/>
+              </a:rPr>
+              <a:t>TukeyHSD</a:t>
+            </a:r>
+            <a:r>
+              <a:rPr lang="en-GB" noProof="0" dirty="0">
+                <a:latin typeface="Courier New" panose="02070309020205020404" pitchFamily="49" charset="0"/>
+                <a:ea typeface="Cambria Math" panose="02040503050406030204" pitchFamily="18" charset="0"/>
+                <a:cs typeface="Courier New" panose="02070309020205020404" pitchFamily="49" charset="0"/>
+              </a:rPr>
+              <a:t>()</a:t>
+            </a:r>
+          </a:p>
+        </p:txBody>
+      </p:sp>
+      <p:sp>
+        <p:nvSpPr>
+          <p:cNvPr id="94" name="Textfeld 93">
+            <a:extLst>
+              <a:ext uri="{FF2B5EF4-FFF2-40B4-BE49-F238E27FC236}">
+                <a16:creationId xmlns:a16="http://schemas.microsoft.com/office/drawing/2014/main" id="{B7A4F597-3E68-A6EE-9101-C8C5204C1A6B}"/>
+              </a:ext>
+            </a:extLst>
+          </p:cNvPr>
+          <p:cNvSpPr txBox="1"/>
+          <p:nvPr/>
+        </p:nvSpPr>
+        <p:spPr>
+          <a:xfrm>
+            <a:off x="5130837" y="5449811"/>
+            <a:ext cx="2341205" cy="276999"/>
+          </a:xfrm>
+          <a:prstGeom prst="rect">
+            <a:avLst/>
+          </a:prstGeom>
+          <a:solidFill>
+            <a:schemeClr val="bg2">
+              <a:lumMod val="90000"/>
+            </a:schemeClr>
+          </a:solidFill>
+          <a:ln w="12700">
+            <a:solidFill>
+              <a:schemeClr val="accent1">
+                <a:lumMod val="40000"/>
+                <a:lumOff val="60000"/>
+              </a:schemeClr>
+            </a:solidFill>
+          </a:ln>
+        </p:spPr>
+        <p:txBody>
+          <a:bodyPr wrap="square">
+            <a:spAutoFit/>
+          </a:bodyPr>
+          <a:lstStyle/>
+          <a:p>
+            <a:pPr algn="ctr"/>
+            <a:r>
+              <a:rPr lang="en-GB" sz="1200" noProof="0" dirty="0" err="1">
+                <a:latin typeface="Courier New" panose="02070309020205020404" pitchFamily="49" charset="0"/>
+                <a:ea typeface="Cambria Math" panose="02040503050406030204" pitchFamily="18" charset="0"/>
+                <a:cs typeface="Courier New" panose="02070309020205020404" pitchFamily="49" charset="0"/>
+              </a:rPr>
+              <a:t>pairwise.wilcox.test</a:t>
+            </a:r>
+            <a:r>
+              <a:rPr lang="en-GB" sz="1200" noProof="0" dirty="0">
+                <a:latin typeface="Courier New" panose="02070309020205020404" pitchFamily="49" charset="0"/>
+                <a:ea typeface="Cambria Math" panose="02040503050406030204" pitchFamily="18" charset="0"/>
+                <a:cs typeface="Courier New" panose="02070309020205020404" pitchFamily="49" charset="0"/>
+              </a:rPr>
+              <a:t>()</a:t>
+            </a:r>
+          </a:p>
+        </p:txBody>
+      </p:sp>
+      <p:sp>
+        <p:nvSpPr>
+          <p:cNvPr id="50" name="Textfeld 49">
+            <a:extLst>
+              <a:ext uri="{FF2B5EF4-FFF2-40B4-BE49-F238E27FC236}">
+                <a16:creationId xmlns:a16="http://schemas.microsoft.com/office/drawing/2014/main" id="{63257200-026C-C81B-39C8-2A4C202CF0F9}"/>
+              </a:ext>
+            </a:extLst>
+          </p:cNvPr>
+          <p:cNvSpPr txBox="1"/>
+          <p:nvPr/>
+        </p:nvSpPr>
+        <p:spPr>
+          <a:xfrm>
+            <a:off x="2919113" y="4971019"/>
+            <a:ext cx="1986643" cy="276999"/>
+          </a:xfrm>
+          <a:prstGeom prst="rect">
+            <a:avLst/>
+          </a:prstGeom>
+          <a:solidFill>
+            <a:schemeClr val="accent4">
+              <a:alpha val="19758"/>
+            </a:schemeClr>
+          </a:solidFill>
+          <a:ln w="12700">
+            <a:solidFill>
+              <a:schemeClr val="tx1"/>
+            </a:solidFill>
+          </a:ln>
+        </p:spPr>
+        <p:txBody>
+          <a:bodyPr wrap="square">
+            <a:spAutoFit/>
+          </a:bodyPr>
+          <a:lstStyle/>
+          <a:p>
+            <a:pPr algn="ctr"/>
+            <a:r>
+              <a:rPr lang="en-GB" sz="1200" noProof="0" dirty="0" err="1">
+                <a:latin typeface="Courier New" panose="02070309020205020404" pitchFamily="49" charset="0"/>
+                <a:ea typeface="Cambria Math" panose="02040503050406030204" pitchFamily="18" charset="0"/>
+                <a:cs typeface="Courier New" panose="02070309020205020404" pitchFamily="49" charset="0"/>
+              </a:rPr>
+              <a:t>t.test</a:t>
+            </a:r>
+            <a:r>
+              <a:rPr lang="en-GB" sz="1200" noProof="0" dirty="0">
+                <a:latin typeface="Courier New" panose="02070309020205020404" pitchFamily="49" charset="0"/>
+                <a:ea typeface="Cambria Math" panose="02040503050406030204" pitchFamily="18" charset="0"/>
+                <a:cs typeface="Courier New" panose="02070309020205020404" pitchFamily="49" charset="0"/>
+              </a:rPr>
+              <a:t>(…,</a:t>
+            </a:r>
+            <a:r>
+              <a:rPr lang="en-GB" sz="1200" dirty="0">
+                <a:latin typeface="Courier New" panose="02070309020205020404" pitchFamily="49" charset="0"/>
+                <a:ea typeface="Cambria Math" panose="02040503050406030204" pitchFamily="18" charset="0"/>
+                <a:cs typeface="Courier New" panose="02070309020205020404" pitchFamily="49" charset="0"/>
+              </a:rPr>
+              <a:t>var=equal</a:t>
+            </a:r>
+            <a:r>
+              <a:rPr lang="en-GB" sz="1200" noProof="0" dirty="0">
+                <a:latin typeface="Courier New" panose="02070309020205020404" pitchFamily="49" charset="0"/>
+                <a:ea typeface="Cambria Math" panose="02040503050406030204" pitchFamily="18" charset="0"/>
+                <a:cs typeface="Courier New" panose="02070309020205020404" pitchFamily="49" charset="0"/>
+              </a:rPr>
+              <a:t>)</a:t>
+            </a:r>
+          </a:p>
+        </p:txBody>
+      </p:sp>
+      <p:cxnSp>
+        <p:nvCxnSpPr>
+          <p:cNvPr id="51" name="Gerade Verbindung mit Pfeil 50">
+            <a:extLst>
+              <a:ext uri="{FF2B5EF4-FFF2-40B4-BE49-F238E27FC236}">
+                <a16:creationId xmlns:a16="http://schemas.microsoft.com/office/drawing/2014/main" id="{B64620E3-C3F3-26A1-3DC6-C038F86008C7}"/>
+              </a:ext>
+            </a:extLst>
+          </p:cNvPr>
+          <p:cNvCxnSpPr>
+            <a:cxnSpLocks/>
+            <a:stCxn id="22" idx="2"/>
+            <a:endCxn id="23" idx="0"/>
+          </p:cNvCxnSpPr>
+          <p:nvPr/>
+        </p:nvCxnSpPr>
+        <p:spPr>
+          <a:xfrm>
+            <a:off x="939834" y="3388854"/>
+            <a:ext cx="1982" cy="1582165"/>
+          </a:xfrm>
+          <a:prstGeom prst="straightConnector1">
+            <a:avLst/>
+          </a:prstGeom>
+          <a:ln>
+            <a:solidFill>
+              <a:schemeClr val="tx1"/>
+            </a:solidFill>
+            <a:tailEnd type="triangle"/>
+          </a:ln>
+        </p:spPr>
+        <p:style>
+          <a:lnRef idx="1">
+            <a:schemeClr val="accent1"/>
+          </a:lnRef>
+          <a:fillRef idx="0">
+            <a:schemeClr val="accent1"/>
+          </a:fillRef>
+          <a:effectRef idx="0">
+            <a:schemeClr val="accent1"/>
+          </a:effectRef>
+          <a:fontRef idx="minor">
+            <a:schemeClr val="tx1"/>
+          </a:fontRef>
+        </p:style>
+      </p:cxnSp>
+      <p:grpSp>
+        <p:nvGrpSpPr>
+          <p:cNvPr id="69" name="Gruppieren 68">
+            <a:extLst>
+              <a:ext uri="{FF2B5EF4-FFF2-40B4-BE49-F238E27FC236}">
+                <a16:creationId xmlns:a16="http://schemas.microsoft.com/office/drawing/2014/main" id="{57E5ABF6-2388-8290-B995-48621E50BDEC}"/>
+              </a:ext>
+            </a:extLst>
+          </p:cNvPr>
+          <p:cNvGrpSpPr/>
+          <p:nvPr/>
+        </p:nvGrpSpPr>
+        <p:grpSpPr>
+          <a:xfrm>
+            <a:off x="1550017" y="2483715"/>
+            <a:ext cx="1993496" cy="575761"/>
+            <a:chOff x="2504578" y="1536945"/>
+            <a:chExt cx="1655355" cy="374184"/>
+          </a:xfrm>
+        </p:grpSpPr>
+        <p:cxnSp>
+          <p:nvCxnSpPr>
+            <p:cNvPr id="70" name="Gerade Verbindung mit Pfeil 69">
+              <a:extLst>
+                <a:ext uri="{FF2B5EF4-FFF2-40B4-BE49-F238E27FC236}">
+                  <a16:creationId xmlns:a16="http://schemas.microsoft.com/office/drawing/2014/main" id="{2C86DC12-7910-1467-92D6-CD01203D9E2B}"/>
+                </a:ext>
+              </a:extLst>
+            </p:cNvPr>
+            <p:cNvCxnSpPr>
+              <a:cxnSpLocks/>
+            </p:cNvCxnSpPr>
+            <p:nvPr/>
+          </p:nvCxnSpPr>
+          <p:spPr>
+            <a:xfrm flipH="1">
+              <a:off x="2504578" y="1536945"/>
+              <a:ext cx="854480" cy="374184"/>
+            </a:xfrm>
+            <a:prstGeom prst="straightConnector1">
+              <a:avLst/>
+            </a:prstGeom>
+            <a:ln>
+              <a:solidFill>
+                <a:schemeClr val="tx1"/>
+              </a:solidFill>
+              <a:tailEnd type="triangle"/>
+            </a:ln>
+          </p:spPr>
+          <p:style>
+            <a:lnRef idx="1">
+              <a:schemeClr val="accent1"/>
+            </a:lnRef>
+            <a:fillRef idx="0">
+              <a:schemeClr val="accent1"/>
+            </a:fillRef>
+            <a:effectRef idx="0">
+              <a:schemeClr val="accent1"/>
+            </a:effectRef>
+            <a:fontRef idx="minor">
+              <a:schemeClr val="tx1"/>
+            </a:fontRef>
+          </p:style>
+        </p:cxnSp>
+        <p:cxnSp>
+          <p:nvCxnSpPr>
+            <p:cNvPr id="71" name="Gerade Verbindung mit Pfeil 70">
+              <a:extLst>
+                <a:ext uri="{FF2B5EF4-FFF2-40B4-BE49-F238E27FC236}">
+                  <a16:creationId xmlns:a16="http://schemas.microsoft.com/office/drawing/2014/main" id="{A4669E96-C593-4D5F-A250-763437FF4C81}"/>
+                </a:ext>
+              </a:extLst>
+            </p:cNvPr>
+            <p:cNvCxnSpPr>
+              <a:cxnSpLocks/>
+            </p:cNvCxnSpPr>
+            <p:nvPr/>
+          </p:nvCxnSpPr>
+          <p:spPr>
+            <a:xfrm>
+              <a:off x="3359058" y="1536945"/>
+              <a:ext cx="800875" cy="366544"/>
+            </a:xfrm>
+            <a:prstGeom prst="straightConnector1">
+              <a:avLst/>
+            </a:prstGeom>
+            <a:ln>
+              <a:solidFill>
+                <a:schemeClr val="tx1"/>
+              </a:solidFill>
+              <a:tailEnd type="triangle"/>
+            </a:ln>
+          </p:spPr>
+          <p:style>
+            <a:lnRef idx="1">
+              <a:schemeClr val="accent1"/>
+            </a:lnRef>
+            <a:fillRef idx="0">
+              <a:schemeClr val="accent1"/>
+            </a:fillRef>
+            <a:effectRef idx="0">
+              <a:schemeClr val="accent1"/>
+            </a:effectRef>
+            <a:fontRef idx="minor">
+              <a:schemeClr val="tx1"/>
+            </a:fontRef>
+          </p:style>
+        </p:cxnSp>
+      </p:grpSp>
+      <mc:AlternateContent xmlns:mc="http://schemas.openxmlformats.org/markup-compatibility/2006">
+        <mc:Choice xmlns:a14="http://schemas.microsoft.com/office/drawing/2010/main" Requires="a14">
+          <p:sp>
+            <p:nvSpPr>
+              <p:cNvPr id="82" name="Textfeld 81">
+                <a:extLst>
+                  <a:ext uri="{FF2B5EF4-FFF2-40B4-BE49-F238E27FC236}">
+                    <a16:creationId xmlns:a16="http://schemas.microsoft.com/office/drawing/2014/main" id="{BF04DA9D-97D8-96F5-84BA-59A3F0B6A5DF}"/>
+                  </a:ext>
+                </a:extLst>
+              </p:cNvPr>
+              <p:cNvSpPr txBox="1"/>
+              <p:nvPr/>
+            </p:nvSpPr>
+            <p:spPr>
+              <a:xfrm>
+                <a:off x="5130837" y="3111855"/>
+                <a:ext cx="2338425" cy="276999"/>
+              </a:xfrm>
+              <a:prstGeom prst="rect">
+                <a:avLst/>
+              </a:prstGeom>
+              <a:noFill/>
+              <a:ln w="12700">
+                <a:solidFill>
+                  <a:schemeClr val="accent1">
+                    <a:lumMod val="40000"/>
+                    <a:lumOff val="60000"/>
+                  </a:schemeClr>
+                </a:solidFill>
+              </a:ln>
+            </p:spPr>
+            <p:txBody>
+              <a:bodyPr wrap="square">
+                <a:spAutoFit/>
+              </a:bodyPr>
+              <a:lstStyle/>
+              <a:p>
+                <a:pPr algn="ctr"/>
+                <a14:m>
+                  <m:oMathPara xmlns:m="http://schemas.openxmlformats.org/officeDocument/2006/math">
+                    <m:oMathParaPr>
+                      <m:jc m:val="centerGroup"/>
+                    </m:oMathParaPr>
+                    <m:oMath xmlns:m="http://schemas.openxmlformats.org/officeDocument/2006/math">
+                      <m:r>
+                        <a:rPr lang="en-GB" sz="1200" i="1">
+                          <a:latin typeface="Cambria Math" panose="02040503050406030204" pitchFamily="18" charset="0"/>
+                          <a:ea typeface="Cambria Math" panose="02040503050406030204" pitchFamily="18" charset="0"/>
+                        </a:rPr>
+                        <m:t>𝑝</m:t>
+                      </m:r>
+                      <m:r>
+                        <a:rPr lang="en-GB" sz="1200" i="1">
+                          <a:latin typeface="Cambria Math" panose="02040503050406030204" pitchFamily="18" charset="0"/>
+                          <a:ea typeface="Cambria Math" panose="02040503050406030204" pitchFamily="18" charset="0"/>
+                        </a:rPr>
+                        <m:t>&lt;</m:t>
+                      </m:r>
+                      <m:r>
+                        <a:rPr lang="en-GB" sz="1200" i="1">
+                          <a:latin typeface="Cambria Math" panose="02040503050406030204" pitchFamily="18" charset="0"/>
+                          <a:ea typeface="Cambria Math" panose="02040503050406030204" pitchFamily="18" charset="0"/>
+                        </a:rPr>
+                        <m:t>𝛼</m:t>
+                      </m:r>
+                    </m:oMath>
+                  </m:oMathPara>
+                </a14:m>
+                <a:endParaRPr lang="en-GB" sz="1200" noProof="0" dirty="0">
+                  <a:latin typeface="Calibri" panose="020F0502020204030204" pitchFamily="34" charset="0"/>
+                  <a:ea typeface="Cambria Math" panose="02040503050406030204" pitchFamily="18" charset="0"/>
+                  <a:cs typeface="Calibri" panose="020F0502020204030204" pitchFamily="34" charset="0"/>
+                </a:endParaRPr>
+              </a:p>
+            </p:txBody>
+          </p:sp>
+        </mc:Choice>
+        <mc:Fallback>
+          <p:sp>
+            <p:nvSpPr>
+              <p:cNvPr id="82" name="Textfeld 81">
+                <a:extLst>
+                  <a:ext uri="{FF2B5EF4-FFF2-40B4-BE49-F238E27FC236}">
+                    <a16:creationId xmlns:a16="http://schemas.microsoft.com/office/drawing/2014/main" id="{BF04DA9D-97D8-96F5-84BA-59A3F0B6A5DF}"/>
+                  </a:ext>
+                </a:extLst>
+              </p:cNvPr>
+              <p:cNvSpPr txBox="1">
+                <a:spLocks noRot="1" noChangeAspect="1" noMove="1" noResize="1" noEditPoints="1" noAdjustHandles="1" noChangeArrowheads="1" noChangeShapeType="1" noTextEdit="1"/>
+              </p:cNvSpPr>
+              <p:nvPr/>
+            </p:nvSpPr>
+            <p:spPr>
+              <a:xfrm>
+                <a:off x="5130837" y="3111855"/>
+                <a:ext cx="2338425" cy="276999"/>
+              </a:xfrm>
+              <a:prstGeom prst="rect">
+                <a:avLst/>
+              </a:prstGeom>
+              <a:blipFill>
+                <a:blip r:embed="rId12"/>
+                <a:stretch>
+                  <a:fillRect/>
+                </a:stretch>
+              </a:blipFill>
+              <a:ln w="12700">
+                <a:solidFill>
+                  <a:schemeClr val="accent1">
+                    <a:lumMod val="40000"/>
+                    <a:lumOff val="60000"/>
+                  </a:schemeClr>
+                </a:solidFill>
+              </a:ln>
+            </p:spPr>
+            <p:txBody>
+              <a:bodyPr/>
+              <a:lstStyle/>
+              <a:p>
+                <a:r>
+                  <a:rPr lang="de-DE">
+                    <a:noFill/>
+                  </a:rPr>
+                  <a:t> </a:t>
+                </a:r>
+              </a:p>
+            </p:txBody>
+          </p:sp>
+        </mc:Fallback>
+      </mc:AlternateContent>
+      <mc:AlternateContent xmlns:mc="http://schemas.openxmlformats.org/markup-compatibility/2006">
+        <mc:Choice xmlns:a14="http://schemas.microsoft.com/office/drawing/2010/main" Requires="a14">
+          <p:sp>
+            <p:nvSpPr>
+              <p:cNvPr id="88" name="Textfeld 87">
+                <a:extLst>
+                  <a:ext uri="{FF2B5EF4-FFF2-40B4-BE49-F238E27FC236}">
+                    <a16:creationId xmlns:a16="http://schemas.microsoft.com/office/drawing/2014/main" id="{41945B6E-45C9-794B-1A21-D189DCDB5BE8}"/>
+                  </a:ext>
+                </a:extLst>
+              </p:cNvPr>
+              <p:cNvSpPr txBox="1"/>
+              <p:nvPr/>
+            </p:nvSpPr>
+            <p:spPr>
+              <a:xfrm>
+                <a:off x="7625917" y="3111855"/>
+                <a:ext cx="2805646" cy="276999"/>
+              </a:xfrm>
+              <a:prstGeom prst="rect">
+                <a:avLst/>
+              </a:prstGeom>
+              <a:noFill/>
+              <a:ln w="12700">
+                <a:solidFill>
+                  <a:schemeClr val="accent1">
+                    <a:lumMod val="40000"/>
+                    <a:lumOff val="60000"/>
+                  </a:schemeClr>
+                </a:solidFill>
+              </a:ln>
+            </p:spPr>
+            <p:txBody>
+              <a:bodyPr wrap="square">
+                <a:spAutoFit/>
+              </a:bodyPr>
+              <a:lstStyle/>
+              <a:p>
+                <a:pPr algn="ctr"/>
+                <a14:m>
+                  <m:oMathPara xmlns:m="http://schemas.openxmlformats.org/officeDocument/2006/math">
+                    <m:oMathParaPr>
+                      <m:jc m:val="centerGroup"/>
+                    </m:oMathParaPr>
+                    <m:oMath xmlns:m="http://schemas.openxmlformats.org/officeDocument/2006/math">
+                      <m:r>
+                        <a:rPr lang="en-GB" sz="1200" b="0" i="1" noProof="0" smtClean="0">
+                          <a:latin typeface="Cambria Math" panose="02040503050406030204" pitchFamily="18" charset="0"/>
+                          <a:ea typeface="Cambria Math" panose="02040503050406030204" pitchFamily="18" charset="0"/>
+                        </a:rPr>
+                        <m:t>𝑝</m:t>
+                      </m:r>
+                      <m:r>
+                        <a:rPr lang="en-GB" sz="1200" b="0" i="1" noProof="0" smtClean="0">
+                          <a:latin typeface="Cambria Math" panose="02040503050406030204" pitchFamily="18" charset="0"/>
+                          <a:ea typeface="Cambria Math" panose="02040503050406030204" pitchFamily="18" charset="0"/>
+                        </a:rPr>
+                        <m:t>≥</m:t>
+                      </m:r>
+                      <m:r>
+                        <a:rPr lang="en-GB" sz="1200" b="0" i="1" noProof="0" smtClean="0">
+                          <a:latin typeface="Cambria Math" panose="02040503050406030204" pitchFamily="18" charset="0"/>
+                          <a:ea typeface="Cambria Math" panose="02040503050406030204" pitchFamily="18" charset="0"/>
+                        </a:rPr>
+                        <m:t>𝛼</m:t>
+                      </m:r>
+                    </m:oMath>
+                  </m:oMathPara>
+                </a14:m>
+                <a:endParaRPr lang="en-GB" sz="1200" noProof="0" dirty="0">
+                  <a:latin typeface="Calibri" panose="020F0502020204030204" pitchFamily="34" charset="0"/>
+                  <a:ea typeface="Cambria Math" panose="02040503050406030204" pitchFamily="18" charset="0"/>
+                  <a:cs typeface="Calibri" panose="020F0502020204030204" pitchFamily="34" charset="0"/>
+                </a:endParaRPr>
+              </a:p>
+            </p:txBody>
+          </p:sp>
+        </mc:Choice>
+        <mc:Fallback>
+          <p:sp>
+            <p:nvSpPr>
+              <p:cNvPr id="88" name="Textfeld 87">
+                <a:extLst>
+                  <a:ext uri="{FF2B5EF4-FFF2-40B4-BE49-F238E27FC236}">
+                    <a16:creationId xmlns:a16="http://schemas.microsoft.com/office/drawing/2014/main" id="{41945B6E-45C9-794B-1A21-D189DCDB5BE8}"/>
+                  </a:ext>
+                </a:extLst>
+              </p:cNvPr>
+              <p:cNvSpPr txBox="1">
+                <a:spLocks noRot="1" noChangeAspect="1" noMove="1" noResize="1" noEditPoints="1" noAdjustHandles="1" noChangeArrowheads="1" noChangeShapeType="1" noTextEdit="1"/>
+              </p:cNvSpPr>
+              <p:nvPr/>
+            </p:nvSpPr>
+            <p:spPr>
+              <a:xfrm>
+                <a:off x="7625917" y="3111855"/>
+                <a:ext cx="2805646" cy="276999"/>
+              </a:xfrm>
+              <a:prstGeom prst="rect">
+                <a:avLst/>
+              </a:prstGeom>
+              <a:blipFill>
+                <a:blip r:embed="rId13"/>
+                <a:stretch>
+                  <a:fillRect/>
+                </a:stretch>
+              </a:blipFill>
+              <a:ln w="12700">
+                <a:solidFill>
+                  <a:schemeClr val="accent1">
+                    <a:lumMod val="40000"/>
+                    <a:lumOff val="60000"/>
+                  </a:schemeClr>
+                </a:solidFill>
+              </a:ln>
+            </p:spPr>
+            <p:txBody>
+              <a:bodyPr/>
+              <a:lstStyle/>
+              <a:p>
+                <a:r>
+                  <a:rPr lang="de-DE">
+                    <a:noFill/>
+                  </a:rPr>
+                  <a:t> </a:t>
+                </a:r>
+              </a:p>
+            </p:txBody>
+          </p:sp>
+        </mc:Fallback>
+      </mc:AlternateContent>
+      <p:sp>
+        <p:nvSpPr>
+          <p:cNvPr id="4" name="Textfeld 3">
+            <a:extLst>
+              <a:ext uri="{FF2B5EF4-FFF2-40B4-BE49-F238E27FC236}">
+                <a16:creationId xmlns:a16="http://schemas.microsoft.com/office/drawing/2014/main" id="{0940C7E3-0BA3-52FD-64E5-ABCBE0F0FA9F}"/>
+              </a:ext>
+            </a:extLst>
+          </p:cNvPr>
+          <p:cNvSpPr txBox="1"/>
+          <p:nvPr/>
+        </p:nvSpPr>
+        <p:spPr>
+          <a:xfrm>
+            <a:off x="10508557" y="5453366"/>
+            <a:ext cx="1618426" cy="277200"/>
+          </a:xfrm>
+          <a:prstGeom prst="rect">
+            <a:avLst/>
+          </a:prstGeom>
+          <a:solidFill>
+            <a:schemeClr val="bg2">
+              <a:lumMod val="90000"/>
+            </a:schemeClr>
+          </a:solidFill>
+          <a:ln w="12700">
+            <a:solidFill>
+              <a:schemeClr val="bg2">
+                <a:lumMod val="90000"/>
+              </a:schemeClr>
+            </a:solidFill>
+          </a:ln>
+        </p:spPr>
+        <p:txBody>
+          <a:bodyPr wrap="square">
+            <a:spAutoFit/>
+          </a:bodyPr>
+          <a:lstStyle>
+            <a:defPPr>
+              <a:defRPr lang="de-DE"/>
+            </a:defPPr>
+            <a:lvl1pPr algn="ctr">
+              <a:defRPr sz="1200"/>
+            </a:lvl1pPr>
+          </a:lstStyle>
+          <a:p>
+            <a:r>
+              <a:rPr lang="en-GB" noProof="0" dirty="0">
+                <a:latin typeface="Calibri" panose="020F0502020204030204" pitchFamily="34" charset="0"/>
+                <a:ea typeface="Cambria Math" panose="02040503050406030204" pitchFamily="18" charset="0"/>
+                <a:cs typeface="Calibri" panose="020F0502020204030204" pitchFamily="34" charset="0"/>
+              </a:rPr>
+              <a:t>Post-hoc test </a:t>
+            </a:r>
+          </a:p>
+        </p:txBody>
+      </p:sp>
+      <mc:AlternateContent xmlns:mc="http://schemas.openxmlformats.org/markup-compatibility/2006" xmlns:a14="http://schemas.microsoft.com/office/drawing/2010/main">
+        <mc:Choice Requires="a14">
+          <p:sp>
+            <p:nvSpPr>
+              <p:cNvPr id="11" name="Textfeld 10">
+                <a:extLst>
+                  <a:ext uri="{FF2B5EF4-FFF2-40B4-BE49-F238E27FC236}">
+                    <a16:creationId xmlns:a16="http://schemas.microsoft.com/office/drawing/2014/main" id="{41DA0602-FB07-ED0F-0E93-2EB2AC443C1A}"/>
+                  </a:ext>
+                </a:extLst>
+              </p:cNvPr>
+              <p:cNvSpPr txBox="1"/>
+              <p:nvPr/>
+            </p:nvSpPr>
+            <p:spPr>
+              <a:xfrm>
+                <a:off x="9967683" y="5959220"/>
+                <a:ext cx="2082384" cy="461665"/>
+              </a:xfrm>
+              <a:prstGeom prst="rect">
+                <a:avLst/>
+              </a:prstGeom>
+              <a:noFill/>
+              <a:ln>
+                <a:noFill/>
+              </a:ln>
+            </p:spPr>
+            <p:txBody>
+              <a:bodyPr wrap="square">
+                <a:spAutoFit/>
+              </a:bodyPr>
+              <a:lstStyle/>
+              <a:p>
+                <a14:m>
+                  <m:oMath xmlns:m="http://schemas.openxmlformats.org/officeDocument/2006/math">
+                    <m:r>
+                      <a:rPr lang="en-GB" sz="1200" i="1" noProof="0" smtClean="0">
+                        <a:latin typeface="Cambria Math" panose="02040503050406030204" pitchFamily="18" charset="0"/>
+                        <a:ea typeface="Cambria Math" panose="02040503050406030204" pitchFamily="18" charset="0"/>
+                      </a:rPr>
+                      <m:t>𝛼</m:t>
+                    </m:r>
+                    <m:r>
+                      <a:rPr lang="en-GB" sz="1200" b="0" i="1" noProof="0" smtClean="0">
+                        <a:latin typeface="Cambria Math" panose="02040503050406030204" pitchFamily="18" charset="0"/>
+                        <a:ea typeface="Cambria Math" panose="02040503050406030204" pitchFamily="18" charset="0"/>
+                      </a:rPr>
+                      <m:t>=1−</m:t>
+                    </m:r>
+                  </m:oMath>
+                </a14:m>
+                <a:r>
+                  <a:rPr lang="en-GB" sz="1200" noProof="0" dirty="0">
+                    <a:latin typeface="Calibri" panose="020F0502020204030204" pitchFamily="34" charset="0"/>
+                    <a:ea typeface="Cambria Math" panose="02040503050406030204" pitchFamily="18" charset="0"/>
+                    <a:cs typeface="Calibri" panose="020F0502020204030204" pitchFamily="34" charset="0"/>
+                  </a:rPr>
+                  <a:t> </a:t>
+                </a:r>
+                <a:r>
+                  <a:rPr lang="en-GB" sz="1200" noProof="0" dirty="0" err="1">
+                    <a:latin typeface="Courier New" panose="02070309020205020404" pitchFamily="49" charset="0"/>
+                    <a:ea typeface="CMU Bright Roman" panose="02000603000000000000" pitchFamily="2" charset="0"/>
+                    <a:cs typeface="Courier New" panose="02070309020205020404" pitchFamily="49" charset="0"/>
+                  </a:rPr>
+                  <a:t>conf.level</a:t>
+                </a:r>
+                <a:r>
+                  <a:rPr lang="en-GB" sz="800" noProof="0" dirty="0">
+                    <a:latin typeface="CMU Bright Roman" panose="02000603000000000000" pitchFamily="2" charset="0"/>
+                    <a:ea typeface="CMU Bright Roman" panose="02000603000000000000" pitchFamily="2" charset="0"/>
+                    <a:cs typeface="CMU Bright Roman" panose="02000603000000000000" pitchFamily="2" charset="0"/>
+                  </a:rPr>
+                  <a:t> </a:t>
+                </a:r>
+              </a:p>
+              <a:p>
+                <a14:m>
+                  <m:oMath xmlns:m="http://schemas.openxmlformats.org/officeDocument/2006/math">
+                    <m:sSub>
+                      <m:sSubPr>
+                        <m:ctrlPr>
+                          <a:rPr lang="en-GB" sz="1200" i="1" noProof="0" smtClean="0">
+                            <a:latin typeface="Cambria Math" panose="02040503050406030204" pitchFamily="18" charset="0"/>
+                            <a:ea typeface="Cambria Math" panose="02040503050406030204" pitchFamily="18" charset="0"/>
+                          </a:rPr>
+                        </m:ctrlPr>
+                      </m:sSubPr>
+                      <m:e>
+                        <m:r>
+                          <a:rPr lang="en-GB" sz="1200" i="1" noProof="0" smtClean="0">
+                            <a:latin typeface="Cambria Math" panose="02040503050406030204" pitchFamily="18" charset="0"/>
+                            <a:ea typeface="Cambria Math" panose="02040503050406030204" pitchFamily="18" charset="0"/>
+                          </a:rPr>
+                          <m:t>𝑝</m:t>
+                        </m:r>
+                      </m:e>
+                      <m:sub>
+                        <m:r>
+                          <a:rPr lang="en-GB" sz="1200" i="1" noProof="0" smtClean="0">
+                            <a:latin typeface="Cambria Math" panose="02040503050406030204" pitchFamily="18" charset="0"/>
+                            <a:ea typeface="Cambria Math" panose="02040503050406030204" pitchFamily="18" charset="0"/>
+                          </a:rPr>
+                          <m:t>𝑖</m:t>
+                        </m:r>
+                      </m:sub>
+                    </m:sSub>
+                    <m:r>
+                      <a:rPr lang="en-US" sz="1200" b="0" i="0" noProof="0" smtClean="0">
+                        <a:latin typeface="Cambria Math" panose="02040503050406030204" pitchFamily="18" charset="0"/>
+                        <a:ea typeface="Cambria Math" panose="02040503050406030204" pitchFamily="18" charset="0"/>
+                      </a:rPr>
+                      <m:t>=</m:t>
+                    </m:r>
+                  </m:oMath>
+                </a14:m>
+                <a:r>
+                  <a:rPr lang="en-GB" sz="1200" noProof="0" dirty="0">
+                    <a:ea typeface="Cambria Math" panose="02040503050406030204" pitchFamily="18" charset="0"/>
+                  </a:rPr>
+                  <a:t> </a:t>
+                </a:r>
+                <a14:m>
+                  <m:oMath xmlns:m="http://schemas.openxmlformats.org/officeDocument/2006/math">
+                    <m:r>
+                      <a:rPr lang="en-GB" sz="1200" i="1" noProof="0" dirty="0" smtClean="0">
+                        <a:latin typeface="Cambria Math" panose="02040503050406030204" pitchFamily="18" charset="0"/>
+                        <a:ea typeface="Cambria Math" panose="02040503050406030204" pitchFamily="18" charset="0"/>
+                      </a:rPr>
+                      <m:t>𝑝</m:t>
+                    </m:r>
+                  </m:oMath>
+                </a14:m>
+                <a:r>
+                  <a:rPr lang="en-GB" sz="1200" noProof="0" dirty="0">
+                    <a:ea typeface="Cambria Math" panose="02040503050406030204" pitchFamily="18" charset="0"/>
+                  </a:rPr>
+                  <a:t>-value of level </a:t>
+                </a:r>
+                <a14:m>
+                  <m:oMath xmlns:m="http://schemas.openxmlformats.org/officeDocument/2006/math">
+                    <m:r>
+                      <a:rPr lang="en-GB" sz="1200" i="1" noProof="0" smtClean="0">
+                        <a:latin typeface="Cambria Math" panose="02040503050406030204" pitchFamily="18" charset="0"/>
+                        <a:ea typeface="Cambria Math" panose="02040503050406030204" pitchFamily="18" charset="0"/>
+                      </a:rPr>
+                      <m:t>𝑖</m:t>
+                    </m:r>
+                    <m:r>
+                      <a:rPr lang="en-GB" sz="1200" i="1" noProof="0" smtClean="0">
+                        <a:latin typeface="Cambria Math" panose="02040503050406030204" pitchFamily="18" charset="0"/>
+                        <a:ea typeface="Cambria Math" panose="02040503050406030204" pitchFamily="18" charset="0"/>
+                      </a:rPr>
+                      <m:t>,</m:t>
+                    </m:r>
+                  </m:oMath>
+                </a14:m>
+                <a:r>
+                  <a:rPr lang="en-GB" sz="1200" noProof="0" dirty="0">
+                    <a:ea typeface="Cambria Math" panose="02040503050406030204" pitchFamily="18" charset="0"/>
+                  </a:rPr>
+                  <a:t> </a:t>
+                </a:r>
+                <a14:m>
+                  <m:oMath xmlns:m="http://schemas.openxmlformats.org/officeDocument/2006/math">
+                    <m:r>
+                      <a:rPr lang="en-GB" sz="1200" i="1" noProof="0" smtClean="0">
+                        <a:latin typeface="Cambria Math" panose="02040503050406030204" pitchFamily="18" charset="0"/>
+                        <a:ea typeface="Cambria Math" panose="02040503050406030204" pitchFamily="18" charset="0"/>
+                      </a:rPr>
+                      <m:t>𝑖</m:t>
+                    </m:r>
+                    <m:r>
+                      <a:rPr lang="en-GB" sz="1200" i="1" noProof="0" smtClean="0">
+                        <a:latin typeface="Cambria Math" panose="02040503050406030204" pitchFamily="18" charset="0"/>
+                        <a:ea typeface="Cambria Math" panose="02040503050406030204" pitchFamily="18" charset="0"/>
+                      </a:rPr>
+                      <m:t>=1,2</m:t>
+                    </m:r>
+                  </m:oMath>
+                </a14:m>
+                <a:endParaRPr lang="en-GB" sz="1200" noProof="0" dirty="0">
+                  <a:latin typeface="CMU Bright Roman" panose="02000603000000000000" pitchFamily="2" charset="0"/>
+                  <a:ea typeface="CMU Bright Roman" panose="02000603000000000000" pitchFamily="2" charset="0"/>
+                  <a:cs typeface="CMU Bright Roman" panose="02000603000000000000" pitchFamily="2" charset="0"/>
+                </a:endParaRPr>
+              </a:p>
+            </p:txBody>
+          </p:sp>
+        </mc:Choice>
+        <mc:Fallback xmlns="">
+          <p:sp>
+            <p:nvSpPr>
+              <p:cNvPr id="11" name="Textfeld 10">
+                <a:extLst>
+                  <a:ext uri="{FF2B5EF4-FFF2-40B4-BE49-F238E27FC236}">
+                    <a16:creationId xmlns:a16="http://schemas.microsoft.com/office/drawing/2014/main" id="{BEADCB87-2FE2-B735-89A2-59CFEE3B9378}"/>
+                  </a:ext>
+                </a:extLst>
+              </p:cNvPr>
+              <p:cNvSpPr txBox="1">
+                <a:spLocks noRot="1" noChangeAspect="1" noMove="1" noResize="1" noEditPoints="1" noAdjustHandles="1" noChangeArrowheads="1" noChangeShapeType="1" noTextEdit="1"/>
+              </p:cNvSpPr>
+              <p:nvPr/>
+            </p:nvSpPr>
+            <p:spPr>
+              <a:xfrm>
+                <a:off x="9967683" y="5959220"/>
+                <a:ext cx="2082384" cy="461665"/>
+              </a:xfrm>
+              <a:prstGeom prst="rect">
+                <a:avLst/>
+              </a:prstGeom>
+              <a:blipFill>
+                <a:blip r:embed="rId18"/>
+                <a:stretch>
+                  <a:fillRect t="-2703" b="-10811"/>
+                </a:stretch>
+              </a:blipFill>
+              <a:ln>
+                <a:noFill/>
+              </a:ln>
+            </p:spPr>
+            <p:txBody>
+              <a:bodyPr/>
+              <a:lstStyle/>
+              <a:p>
+                <a:r>
+                  <a:rPr lang="de-DE">
+                    <a:noFill/>
+                  </a:rPr>
+                  <a:t> </a:t>
+                </a:r>
+              </a:p>
+            </p:txBody>
+          </p:sp>
+        </mc:Fallback>
+      </mc:AlternateContent>
+      <p:sp>
+        <p:nvSpPr>
+          <p:cNvPr id="149" name="Textfeld 148">
+            <a:extLst>
+              <a:ext uri="{FF2B5EF4-FFF2-40B4-BE49-F238E27FC236}">
+                <a16:creationId xmlns:a16="http://schemas.microsoft.com/office/drawing/2014/main" id="{438F75F8-9363-DEBF-02AA-BB85A8D153B8}"/>
+              </a:ext>
+            </a:extLst>
+          </p:cNvPr>
+          <p:cNvSpPr txBox="1"/>
+          <p:nvPr/>
+        </p:nvSpPr>
+        <p:spPr>
+          <a:xfrm>
+            <a:off x="10508891" y="4951684"/>
+            <a:ext cx="1618427" cy="276999"/>
+          </a:xfrm>
+          <a:prstGeom prst="rect">
+            <a:avLst/>
+          </a:prstGeom>
+          <a:noFill/>
+          <a:ln w="12700">
+            <a:solidFill>
+              <a:schemeClr val="bg2">
+                <a:lumMod val="90000"/>
+              </a:schemeClr>
+            </a:solidFill>
+          </a:ln>
+        </p:spPr>
+        <p:txBody>
+          <a:bodyPr wrap="square">
+            <a:spAutoFit/>
+          </a:bodyPr>
+          <a:lstStyle>
+            <a:defPPr>
+              <a:defRPr lang="de-DE"/>
+            </a:defPPr>
+            <a:lvl1pPr algn="ctr">
+              <a:defRPr sz="1200"/>
+            </a:lvl1pPr>
+          </a:lstStyle>
+          <a:p>
+            <a:r>
+              <a:rPr lang="en-GB" noProof="0" dirty="0">
+                <a:latin typeface="Calibri" panose="020F0502020204030204" pitchFamily="34" charset="0"/>
+                <a:ea typeface="Cambria Math" panose="02040503050406030204" pitchFamily="18" charset="0"/>
+                <a:cs typeface="Calibri" panose="020F0502020204030204" pitchFamily="34" charset="0"/>
+              </a:rPr>
+              <a:t>Final test selected </a:t>
+            </a:r>
+          </a:p>
+        </p:txBody>
+      </p:sp>
+      <p:sp>
+        <p:nvSpPr>
+          <p:cNvPr id="159" name="Textfeld 158">
+            <a:extLst>
+              <a:ext uri="{FF2B5EF4-FFF2-40B4-BE49-F238E27FC236}">
+                <a16:creationId xmlns:a16="http://schemas.microsoft.com/office/drawing/2014/main" id="{F5B0DF0A-3BF2-0260-F569-CE3208F12E64}"/>
+              </a:ext>
+            </a:extLst>
+          </p:cNvPr>
+          <p:cNvSpPr txBox="1"/>
+          <p:nvPr/>
+        </p:nvSpPr>
+        <p:spPr>
+          <a:xfrm>
+            <a:off x="10508557" y="3876296"/>
+            <a:ext cx="1618761" cy="277200"/>
+          </a:xfrm>
+          <a:prstGeom prst="rect">
+            <a:avLst/>
+          </a:prstGeom>
+          <a:solidFill>
+            <a:schemeClr val="accent6">
+              <a:lumMod val="20000"/>
+              <a:lumOff val="80000"/>
+            </a:schemeClr>
+          </a:solidFill>
+          <a:ln w="12700">
+            <a:solidFill>
+              <a:schemeClr val="accent1">
+                <a:lumMod val="20000"/>
+                <a:lumOff val="80000"/>
+              </a:schemeClr>
+            </a:solidFill>
+          </a:ln>
+        </p:spPr>
+        <p:txBody>
+          <a:bodyPr wrap="square">
+            <a:spAutoFit/>
+          </a:bodyPr>
+          <a:lstStyle>
+            <a:defPPr>
+              <a:defRPr lang="de-DE"/>
+            </a:defPPr>
+            <a:lvl1pPr algn="ctr">
+              <a:defRPr sz="1200"/>
+            </a:lvl1pPr>
+          </a:lstStyle>
+          <a:p>
+            <a:r>
+              <a:rPr lang="en-GB" dirty="0">
+                <a:latin typeface="Calibri" panose="020F0502020204030204" pitchFamily="34" charset="0"/>
+                <a:ea typeface="Cambria Math" panose="02040503050406030204" pitchFamily="18" charset="0"/>
+                <a:cs typeface="Calibri" panose="020F0502020204030204" pitchFamily="34" charset="0"/>
+              </a:rPr>
+              <a:t>C</a:t>
+            </a:r>
+            <a:r>
+              <a:rPr lang="en-GB" noProof="0" dirty="0">
+                <a:latin typeface="Calibri" panose="020F0502020204030204" pitchFamily="34" charset="0"/>
+                <a:ea typeface="Cambria Math" panose="02040503050406030204" pitchFamily="18" charset="0"/>
+                <a:cs typeface="Calibri" panose="020F0502020204030204" pitchFamily="34" charset="0"/>
+              </a:rPr>
+              <a:t>heck </a:t>
+            </a:r>
+            <a:r>
+              <a:rPr lang="en-GB" noProof="0" dirty="0" err="1">
+                <a:latin typeface="Calibri" panose="020F0502020204030204" pitchFamily="34" charset="0"/>
+                <a:ea typeface="Cambria Math" panose="02040503050406030204" pitchFamily="18" charset="0"/>
+                <a:cs typeface="Calibri" panose="020F0502020204030204" pitchFamily="34" charset="0"/>
+              </a:rPr>
+              <a:t>homoscedacity</a:t>
+            </a:r>
+            <a:r>
+              <a:rPr lang="en-GB" noProof="0" dirty="0">
+                <a:latin typeface="Calibri" panose="020F0502020204030204" pitchFamily="34" charset="0"/>
+                <a:ea typeface="Cambria Math" panose="02040503050406030204" pitchFamily="18" charset="0"/>
+                <a:cs typeface="Calibri" panose="020F0502020204030204" pitchFamily="34" charset="0"/>
+              </a:rPr>
+              <a:t> </a:t>
+            </a:r>
+          </a:p>
+        </p:txBody>
+      </p:sp>
+      <p:cxnSp>
+        <p:nvCxnSpPr>
+          <p:cNvPr id="182" name="Gewinkelte Verbindung 181">
+            <a:extLst>
+              <a:ext uri="{FF2B5EF4-FFF2-40B4-BE49-F238E27FC236}">
+                <a16:creationId xmlns:a16="http://schemas.microsoft.com/office/drawing/2014/main" id="{B5752629-A8C9-A04A-AE7D-53CABD92F13A}"/>
+              </a:ext>
+            </a:extLst>
+          </p:cNvPr>
+          <p:cNvCxnSpPr>
+            <a:cxnSpLocks/>
+            <a:stCxn id="7" idx="1"/>
+            <a:endCxn id="8" idx="0"/>
+          </p:cNvCxnSpPr>
+          <p:nvPr/>
+        </p:nvCxnSpPr>
+        <p:spPr>
+          <a:xfrm rot="10800000" flipV="1">
+            <a:off x="2572366" y="499147"/>
+            <a:ext cx="1410132" cy="333639"/>
+          </a:xfrm>
+          <a:prstGeom prst="bentConnector2">
+            <a:avLst/>
+          </a:prstGeom>
+          <a:ln>
+            <a:solidFill>
+              <a:schemeClr val="tx1"/>
+            </a:solidFill>
+            <a:tailEnd type="triangle"/>
+          </a:ln>
+        </p:spPr>
+        <p:style>
+          <a:lnRef idx="1">
+            <a:schemeClr val="accent1"/>
+          </a:lnRef>
+          <a:fillRef idx="0">
+            <a:schemeClr val="accent1"/>
+          </a:fillRef>
+          <a:effectRef idx="0">
+            <a:schemeClr val="accent1"/>
+          </a:effectRef>
+          <a:fontRef idx="minor">
+            <a:schemeClr val="tx1"/>
+          </a:fontRef>
+        </p:style>
+      </p:cxnSp>
+      <p:cxnSp>
+        <p:nvCxnSpPr>
+          <p:cNvPr id="185" name="Gewinkelte Verbindung 184">
+            <a:extLst>
+              <a:ext uri="{FF2B5EF4-FFF2-40B4-BE49-F238E27FC236}">
+                <a16:creationId xmlns:a16="http://schemas.microsoft.com/office/drawing/2014/main" id="{5D015B63-1D2E-94A9-400F-AE5761A3DF14}"/>
+              </a:ext>
+            </a:extLst>
+          </p:cNvPr>
+          <p:cNvCxnSpPr>
+            <a:cxnSpLocks/>
+            <a:stCxn id="7" idx="3"/>
+          </p:cNvCxnSpPr>
+          <p:nvPr/>
+        </p:nvCxnSpPr>
+        <p:spPr>
+          <a:xfrm>
+            <a:off x="8287643" y="499148"/>
+            <a:ext cx="1512594" cy="334194"/>
+          </a:xfrm>
+          <a:prstGeom prst="bentConnector3">
+            <a:avLst>
+              <a:gd name="adj1" fmla="val 101482"/>
+            </a:avLst>
+          </a:prstGeom>
+          <a:ln>
+            <a:tailEnd type="triangle"/>
+          </a:ln>
+        </p:spPr>
+        <p:style>
+          <a:lnRef idx="1">
+            <a:schemeClr val="accent1"/>
+          </a:lnRef>
+          <a:fillRef idx="0">
+            <a:schemeClr val="accent1"/>
+          </a:fillRef>
+          <a:effectRef idx="0">
+            <a:schemeClr val="accent1"/>
+          </a:effectRef>
+          <a:fontRef idx="minor">
+            <a:schemeClr val="tx1"/>
+          </a:fontRef>
+        </p:style>
+      </p:cxnSp>
+      <p:cxnSp>
+        <p:nvCxnSpPr>
+          <p:cNvPr id="320" name="Gerade Verbindung mit Pfeil 319">
+            <a:extLst>
+              <a:ext uri="{FF2B5EF4-FFF2-40B4-BE49-F238E27FC236}">
+                <a16:creationId xmlns:a16="http://schemas.microsoft.com/office/drawing/2014/main" id="{A75AA5EB-258A-12CF-2AB8-86028E0A4D4A}"/>
+              </a:ext>
+            </a:extLst>
+          </p:cNvPr>
+          <p:cNvCxnSpPr>
+            <a:cxnSpLocks/>
+          </p:cNvCxnSpPr>
+          <p:nvPr/>
+        </p:nvCxnSpPr>
+        <p:spPr>
+          <a:xfrm>
+            <a:off x="6189491" y="3402561"/>
+            <a:ext cx="0" cy="1510099"/>
+          </a:xfrm>
+          <a:prstGeom prst="straightConnector1">
+            <a:avLst/>
+          </a:prstGeom>
+          <a:ln>
+            <a:tailEnd type="triangle"/>
+          </a:ln>
+        </p:spPr>
+        <p:style>
+          <a:lnRef idx="1">
+            <a:schemeClr val="accent1"/>
+          </a:lnRef>
+          <a:fillRef idx="0">
+            <a:schemeClr val="accent1"/>
+          </a:fillRef>
+          <a:effectRef idx="0">
+            <a:schemeClr val="accent1"/>
+          </a:effectRef>
+          <a:fontRef idx="minor">
+            <a:schemeClr val="tx1"/>
+          </a:fontRef>
+        </p:style>
+      </p:cxnSp>
+      <p:sp>
+        <p:nvSpPr>
+          <p:cNvPr id="5" name="Textfeld 4">
+            <a:extLst>
+              <a:ext uri="{FF2B5EF4-FFF2-40B4-BE49-F238E27FC236}">
+                <a16:creationId xmlns:a16="http://schemas.microsoft.com/office/drawing/2014/main" id="{365C4D10-DE8F-3A6B-C37B-6E40B8A849AD}"/>
+              </a:ext>
+            </a:extLst>
+          </p:cNvPr>
+          <p:cNvSpPr txBox="1"/>
+          <p:nvPr/>
+        </p:nvSpPr>
+        <p:spPr>
+          <a:xfrm>
+            <a:off x="305981" y="6396835"/>
+            <a:ext cx="1868481" cy="281831"/>
+          </a:xfrm>
+          <a:prstGeom prst="rect">
+            <a:avLst/>
+          </a:prstGeom>
+          <a:solidFill>
+            <a:schemeClr val="accent1">
+              <a:lumMod val="40000"/>
+              <a:lumOff val="60000"/>
+            </a:schemeClr>
+          </a:solidFill>
+          <a:ln w="12700">
+            <a:noFill/>
+          </a:ln>
+        </p:spPr>
+        <p:txBody>
+          <a:bodyPr wrap="square">
+            <a:spAutoFit/>
+          </a:bodyPr>
+          <a:lstStyle>
+            <a:defPPr>
+              <a:defRPr lang="de-DE"/>
+            </a:defPPr>
+            <a:lvl1pPr algn="ctr">
+              <a:defRPr sz="1200"/>
+            </a:lvl1pPr>
+          </a:lstStyle>
+          <a:p>
+            <a:r>
+              <a:rPr lang="en-GB" noProof="0" dirty="0">
+                <a:latin typeface="Calibri" panose="020F0502020204030204" pitchFamily="34" charset="0"/>
+                <a:ea typeface="Cambria Math" panose="02040503050406030204" pitchFamily="18" charset="0"/>
+                <a:cs typeface="Calibri" panose="020F0502020204030204" pitchFamily="34" charset="0"/>
+              </a:rPr>
+              <a:t>non-parametric tests </a:t>
+            </a:r>
+          </a:p>
+        </p:txBody>
+      </p:sp>
+      <p:sp>
+        <p:nvSpPr>
+          <p:cNvPr id="148" name="Textfeld 147">
+            <a:extLst>
+              <a:ext uri="{FF2B5EF4-FFF2-40B4-BE49-F238E27FC236}">
+                <a16:creationId xmlns:a16="http://schemas.microsoft.com/office/drawing/2014/main" id="{78C21D95-28DD-B762-C6D6-F32C505AB015}"/>
+              </a:ext>
+            </a:extLst>
+          </p:cNvPr>
+          <p:cNvSpPr txBox="1"/>
+          <p:nvPr/>
+        </p:nvSpPr>
+        <p:spPr>
+          <a:xfrm>
+            <a:off x="305981" y="5974839"/>
+            <a:ext cx="1859022" cy="281831"/>
+          </a:xfrm>
+          <a:prstGeom prst="rect">
+            <a:avLst/>
+          </a:prstGeom>
+          <a:solidFill>
+            <a:schemeClr val="accent4">
+              <a:alpha val="19758"/>
+            </a:schemeClr>
+          </a:solidFill>
+          <a:ln w="12700">
+            <a:noFill/>
+          </a:ln>
+        </p:spPr>
+        <p:txBody>
+          <a:bodyPr wrap="square">
+            <a:spAutoFit/>
+          </a:bodyPr>
+          <a:lstStyle/>
+          <a:p>
+            <a:pPr algn="ctr"/>
+            <a:r>
+              <a:rPr lang="en-GB" sz="1200" noProof="0" dirty="0">
+                <a:latin typeface="Calibri" panose="020F0502020204030204" pitchFamily="34" charset="0"/>
+                <a:ea typeface="Cambria Math" panose="02040503050406030204" pitchFamily="18" charset="0"/>
+                <a:cs typeface="Calibri" panose="020F0502020204030204" pitchFamily="34" charset="0"/>
+              </a:rPr>
+              <a:t>parametric tests</a:t>
+            </a:r>
+          </a:p>
+        </p:txBody>
+      </p:sp>
+      <mc:AlternateContent xmlns:mc="http://schemas.openxmlformats.org/markup-compatibility/2006" xmlns:a14="http://schemas.microsoft.com/office/drawing/2010/main">
+        <mc:Choice Requires="a14">
+          <p:sp>
+            <p:nvSpPr>
+              <p:cNvPr id="467" name="Textfeld 466">
+                <a:extLst>
+                  <a:ext uri="{FF2B5EF4-FFF2-40B4-BE49-F238E27FC236}">
+                    <a16:creationId xmlns:a16="http://schemas.microsoft.com/office/drawing/2014/main" id="{2F13D0A5-217D-5D16-19A1-015D2A681CF5}"/>
+                  </a:ext>
+                </a:extLst>
+              </p:cNvPr>
+              <p:cNvSpPr txBox="1"/>
+              <p:nvPr/>
+            </p:nvSpPr>
+            <p:spPr>
+              <a:xfrm>
+                <a:off x="2248265" y="5954905"/>
+                <a:ext cx="2538462" cy="281831"/>
+              </a:xfrm>
+              <a:prstGeom prst="rect">
+                <a:avLst/>
+              </a:prstGeom>
+              <a:noFill/>
+              <a:ln w="12700">
+                <a:solidFill>
+                  <a:schemeClr val="tx1"/>
+                </a:solidFill>
+              </a:ln>
+            </p:spPr>
+            <p:txBody>
+              <a:bodyPr wrap="square">
+                <a:spAutoFit/>
+              </a:bodyPr>
+              <a:lstStyle>
+                <a:defPPr>
+                  <a:defRPr lang="de-DE"/>
+                </a:defPPr>
+                <a:lvl1pPr algn="ctr">
+                  <a:defRPr sz="1200"/>
+                </a:lvl1pPr>
+              </a:lstStyle>
+              <a:p>
+                <a:r>
+                  <a:rPr lang="en-GB" dirty="0">
+                    <a:latin typeface="Calibri" panose="020F0502020204030204" pitchFamily="34" charset="0"/>
+                    <a:ea typeface="Cambria Math" panose="02040503050406030204" pitchFamily="18" charset="0"/>
+                    <a:cs typeface="Calibri" panose="020F0502020204030204" pitchFamily="34" charset="0"/>
+                  </a:rPr>
+                  <a:t>predictor</a:t>
+                </a:r>
+                <a:r>
+                  <a:rPr lang="en-GB" noProof="0" dirty="0">
+                    <a:latin typeface="Calibri" panose="020F0502020204030204" pitchFamily="34" charset="0"/>
+                    <a:ea typeface="Cambria Math" panose="02040503050406030204" pitchFamily="18" charset="0"/>
+                    <a:cs typeface="Calibri" panose="020F0502020204030204" pitchFamily="34" charset="0"/>
+                  </a:rPr>
+                  <a:t> with </a:t>
+                </a:r>
+                <a14:m>
+                  <m:oMath xmlns:m="http://schemas.openxmlformats.org/officeDocument/2006/math">
+                    <m:r>
+                      <a:rPr lang="en-GB" i="1" noProof="0" dirty="0" smtClean="0">
+                        <a:latin typeface="Cambria Math" panose="02040503050406030204" pitchFamily="18" charset="0"/>
+                        <a:ea typeface="Cambria Math" panose="02040503050406030204" pitchFamily="18" charset="0"/>
+                        <a:cs typeface="Calibri" panose="020F0502020204030204" pitchFamily="34" charset="0"/>
+                      </a:rPr>
+                      <m:t>𝑁</m:t>
+                    </m:r>
+                    <m:r>
+                      <a:rPr lang="en-GB" i="1" noProof="0" dirty="0" smtClean="0">
+                        <a:latin typeface="Cambria Math" panose="02040503050406030204" pitchFamily="18" charset="0"/>
+                        <a:ea typeface="Cambria Math" panose="02040503050406030204" pitchFamily="18" charset="0"/>
+                        <a:cs typeface="Calibri" panose="020F0502020204030204" pitchFamily="34" charset="0"/>
+                      </a:rPr>
+                      <m:t>=2</m:t>
+                    </m:r>
+                  </m:oMath>
+                </a14:m>
+                <a:r>
+                  <a:rPr lang="en-GB" noProof="0" dirty="0">
+                    <a:latin typeface="Calibri" panose="020F0502020204030204" pitchFamily="34" charset="0"/>
+                    <a:ea typeface="Cambria Math" panose="02040503050406030204" pitchFamily="18" charset="0"/>
+                    <a:cs typeface="Calibri" panose="020F0502020204030204" pitchFamily="34" charset="0"/>
+                  </a:rPr>
+                  <a:t> levels </a:t>
+                </a:r>
+              </a:p>
+            </p:txBody>
+          </p:sp>
+        </mc:Choice>
+        <mc:Fallback xmlns="">
+          <p:sp>
+            <p:nvSpPr>
+              <p:cNvPr id="467" name="Textfeld 466">
+                <a:extLst>
+                  <a:ext uri="{FF2B5EF4-FFF2-40B4-BE49-F238E27FC236}">
+                    <a16:creationId xmlns:a16="http://schemas.microsoft.com/office/drawing/2014/main" id="{9F3DB9C3-A6B3-DC3B-D937-ACB248DD1895}"/>
+                  </a:ext>
+                </a:extLst>
+              </p:cNvPr>
+              <p:cNvSpPr txBox="1">
+                <a:spLocks noRot="1" noChangeAspect="1" noMove="1" noResize="1" noEditPoints="1" noAdjustHandles="1" noChangeArrowheads="1" noChangeShapeType="1" noTextEdit="1"/>
+              </p:cNvSpPr>
+              <p:nvPr/>
+            </p:nvSpPr>
+            <p:spPr>
+              <a:xfrm>
+                <a:off x="2248265" y="5954905"/>
+                <a:ext cx="2538462" cy="281831"/>
+              </a:xfrm>
+              <a:prstGeom prst="rect">
+                <a:avLst/>
+              </a:prstGeom>
+              <a:blipFill>
+                <a:blip r:embed="rId19"/>
+                <a:stretch>
+                  <a:fillRect b="-8333"/>
+                </a:stretch>
+              </a:blipFill>
+              <a:ln w="12700">
+                <a:solidFill>
+                  <a:schemeClr val="tx1"/>
+                </a:solidFill>
+              </a:ln>
+            </p:spPr>
+            <p:txBody>
+              <a:bodyPr/>
+              <a:lstStyle/>
+              <a:p>
+                <a:r>
+                  <a:rPr lang="de-DE">
+                    <a:noFill/>
+                  </a:rPr>
+                  <a:t> </a:t>
+                </a:r>
+              </a:p>
+            </p:txBody>
+          </p:sp>
+        </mc:Fallback>
+      </mc:AlternateContent>
+      <mc:AlternateContent xmlns:mc="http://schemas.openxmlformats.org/markup-compatibility/2006" xmlns:a14="http://schemas.microsoft.com/office/drawing/2010/main">
+        <mc:Choice Requires="a14">
+          <p:sp>
+            <p:nvSpPr>
+              <p:cNvPr id="468" name="Textfeld 467">
+                <a:extLst>
+                  <a:ext uri="{FF2B5EF4-FFF2-40B4-BE49-F238E27FC236}">
+                    <a16:creationId xmlns:a16="http://schemas.microsoft.com/office/drawing/2014/main" id="{BA708414-72DA-52CC-30DE-48D5798E0B7D}"/>
+                  </a:ext>
+                </a:extLst>
+              </p:cNvPr>
+              <p:cNvSpPr txBox="1"/>
+              <p:nvPr/>
+            </p:nvSpPr>
+            <p:spPr>
+              <a:xfrm>
+                <a:off x="2238790" y="6376901"/>
+                <a:ext cx="2543546" cy="276999"/>
+              </a:xfrm>
+              <a:prstGeom prst="rect">
+                <a:avLst/>
+              </a:prstGeom>
+              <a:noFill/>
+              <a:ln w="12700">
+                <a:solidFill>
+                  <a:schemeClr val="accent1">
+                    <a:lumMod val="40000"/>
+                    <a:lumOff val="60000"/>
+                  </a:schemeClr>
+                </a:solidFill>
+              </a:ln>
+            </p:spPr>
+            <p:txBody>
+              <a:bodyPr wrap="square">
+                <a:spAutoFit/>
+              </a:bodyPr>
+              <a:lstStyle>
+                <a:defPPr>
+                  <a:defRPr lang="de-DE"/>
+                </a:defPPr>
+                <a:lvl1pPr algn="ctr">
+                  <a:defRPr sz="1200"/>
+                </a:lvl1pPr>
+              </a:lstStyle>
+              <a:p>
+                <a:r>
+                  <a:rPr lang="en-GB" dirty="0">
+                    <a:latin typeface="Calibri" panose="020F0502020204030204" pitchFamily="34" charset="0"/>
+                    <a:ea typeface="Cambria Math" panose="02040503050406030204" pitchFamily="18" charset="0"/>
+                    <a:cs typeface="Calibri" panose="020F0502020204030204" pitchFamily="34" charset="0"/>
+                  </a:rPr>
+                  <a:t>predictor</a:t>
+                </a:r>
+                <a:r>
+                  <a:rPr lang="en-GB" noProof="0" dirty="0">
+                    <a:latin typeface="Calibri" panose="020F0502020204030204" pitchFamily="34" charset="0"/>
+                    <a:ea typeface="Cambria Math" panose="02040503050406030204" pitchFamily="18" charset="0"/>
+                    <a:cs typeface="Calibri" panose="020F0502020204030204" pitchFamily="34" charset="0"/>
+                  </a:rPr>
+                  <a:t> with </a:t>
+                </a:r>
+                <a14:m>
+                  <m:oMath xmlns:m="http://schemas.openxmlformats.org/officeDocument/2006/math">
+                    <m:r>
+                      <a:rPr lang="en-GB" i="1" noProof="0" dirty="0" smtClean="0">
+                        <a:latin typeface="Cambria Math" panose="02040503050406030204" pitchFamily="18" charset="0"/>
+                        <a:ea typeface="Cambria Math" panose="02040503050406030204" pitchFamily="18" charset="0"/>
+                        <a:cs typeface="Calibri" panose="020F0502020204030204" pitchFamily="34" charset="0"/>
+                      </a:rPr>
+                      <m:t>𝑁</m:t>
+                    </m:r>
+                    <m:r>
+                      <a:rPr lang="en-GB" i="1" noProof="0" dirty="0" smtClean="0">
+                        <a:latin typeface="Cambria Math" panose="02040503050406030204" pitchFamily="18" charset="0"/>
+                        <a:ea typeface="Cambria Math" panose="02040503050406030204" pitchFamily="18" charset="0"/>
+                        <a:cs typeface="Calibri" panose="020F0502020204030204" pitchFamily="34" charset="0"/>
+                      </a:rPr>
+                      <m:t>&gt; 2 </m:t>
+                    </m:r>
+                  </m:oMath>
+                </a14:m>
+                <a:r>
+                  <a:rPr lang="en-GB" noProof="0" dirty="0">
+                    <a:latin typeface="Calibri" panose="020F0502020204030204" pitchFamily="34" charset="0"/>
+                    <a:ea typeface="Cambria Math" panose="02040503050406030204" pitchFamily="18" charset="0"/>
+                    <a:cs typeface="Calibri" panose="020F0502020204030204" pitchFamily="34" charset="0"/>
+                  </a:rPr>
+                  <a:t>levels </a:t>
+                </a:r>
+              </a:p>
+            </p:txBody>
+          </p:sp>
+        </mc:Choice>
+        <mc:Fallback xmlns="">
+          <p:sp>
+            <p:nvSpPr>
+              <p:cNvPr id="468" name="Textfeld 467">
+                <a:extLst>
+                  <a:ext uri="{FF2B5EF4-FFF2-40B4-BE49-F238E27FC236}">
+                    <a16:creationId xmlns:a16="http://schemas.microsoft.com/office/drawing/2014/main" id="{706DE281-AE3D-2689-6BA1-030155DAFDD8}"/>
+                  </a:ext>
+                </a:extLst>
+              </p:cNvPr>
+              <p:cNvSpPr txBox="1">
+                <a:spLocks noRot="1" noChangeAspect="1" noMove="1" noResize="1" noEditPoints="1" noAdjustHandles="1" noChangeArrowheads="1" noChangeShapeType="1" noTextEdit="1"/>
+              </p:cNvSpPr>
+              <p:nvPr/>
+            </p:nvSpPr>
+            <p:spPr>
+              <a:xfrm>
+                <a:off x="2238790" y="6376901"/>
+                <a:ext cx="2543546" cy="276999"/>
+              </a:xfrm>
+              <a:prstGeom prst="rect">
+                <a:avLst/>
+              </a:prstGeom>
+              <a:blipFill>
+                <a:blip r:embed="rId20"/>
+                <a:stretch>
+                  <a:fillRect b="-12500"/>
+                </a:stretch>
+              </a:blipFill>
+              <a:ln w="12700">
+                <a:solidFill>
+                  <a:schemeClr val="accent1">
+                    <a:lumMod val="40000"/>
+                    <a:lumOff val="60000"/>
+                  </a:schemeClr>
+                </a:solidFill>
+              </a:ln>
+            </p:spPr>
+            <p:txBody>
+              <a:bodyPr/>
+              <a:lstStyle/>
+              <a:p>
+                <a:r>
+                  <a:rPr lang="de-DE">
+                    <a:noFill/>
+                  </a:rPr>
+                  <a:t> </a:t>
+                </a:r>
+              </a:p>
+            </p:txBody>
+          </p:sp>
+        </mc:Fallback>
+      </mc:AlternateContent>
+      <p:sp>
+        <p:nvSpPr>
+          <p:cNvPr id="477" name="Textfeld 476">
+            <a:extLst>
+              <a:ext uri="{FF2B5EF4-FFF2-40B4-BE49-F238E27FC236}">
+                <a16:creationId xmlns:a16="http://schemas.microsoft.com/office/drawing/2014/main" id="{5E04AD3D-E659-F224-A766-37F34C0155CF}"/>
+              </a:ext>
+            </a:extLst>
+          </p:cNvPr>
+          <p:cNvSpPr txBox="1"/>
+          <p:nvPr/>
+        </p:nvSpPr>
+        <p:spPr>
+          <a:xfrm>
+            <a:off x="305981" y="5743382"/>
+            <a:ext cx="1091245" cy="281831"/>
+          </a:xfrm>
+          <a:prstGeom prst="rect">
+            <a:avLst/>
+          </a:prstGeom>
+          <a:noFill/>
+          <a:ln w="12700">
+            <a:noFill/>
+          </a:ln>
+        </p:spPr>
+        <p:txBody>
+          <a:bodyPr wrap="square">
+            <a:spAutoFit/>
+          </a:bodyPr>
+          <a:lstStyle>
+            <a:defPPr>
+              <a:defRPr lang="de-DE"/>
+            </a:defPPr>
+            <a:lvl1pPr algn="ctr">
+              <a:defRPr sz="1200"/>
+            </a:lvl1pPr>
+          </a:lstStyle>
+          <a:p>
+            <a:pPr algn="l"/>
+            <a:r>
+              <a:rPr lang="en-GB" noProof="0" dirty="0">
+                <a:latin typeface="Calibri" panose="020F0502020204030204" pitchFamily="34" charset="0"/>
+                <a:ea typeface="Cambria Math" panose="02040503050406030204" pitchFamily="18" charset="0"/>
+                <a:cs typeface="Calibri" panose="020F0502020204030204" pitchFamily="34" charset="0"/>
+              </a:rPr>
+              <a:t>Colour code: </a:t>
+            </a:r>
+          </a:p>
+        </p:txBody>
+      </p:sp>
+      <p:cxnSp>
+        <p:nvCxnSpPr>
+          <p:cNvPr id="461" name="Gerade Verbindung mit Pfeil 460">
+            <a:extLst>
+              <a:ext uri="{FF2B5EF4-FFF2-40B4-BE49-F238E27FC236}">
+                <a16:creationId xmlns:a16="http://schemas.microsoft.com/office/drawing/2014/main" id="{DBC7957C-90B8-5BAE-1222-ACC23C2E3BD2}"/>
+              </a:ext>
+            </a:extLst>
+          </p:cNvPr>
+          <p:cNvCxnSpPr>
+            <a:cxnSpLocks/>
+          </p:cNvCxnSpPr>
+          <p:nvPr/>
+        </p:nvCxnSpPr>
+        <p:spPr>
+          <a:xfrm flipH="1">
+            <a:off x="8287643" y="4758610"/>
+            <a:ext cx="4391" cy="180489"/>
+          </a:xfrm>
+          <a:prstGeom prst="straightConnector1">
+            <a:avLst/>
+          </a:prstGeom>
+          <a:ln>
+            <a:solidFill>
+              <a:schemeClr val="accent1"/>
+            </a:solidFill>
+            <a:tailEnd type="triangle"/>
+          </a:ln>
+        </p:spPr>
+        <p:style>
+          <a:lnRef idx="1">
+            <a:schemeClr val="accent1"/>
+          </a:lnRef>
+          <a:fillRef idx="0">
+            <a:schemeClr val="accent1"/>
+          </a:fillRef>
+          <a:effectRef idx="0">
+            <a:schemeClr val="accent1"/>
+          </a:effectRef>
+          <a:fontRef idx="minor">
+            <a:schemeClr val="tx1"/>
+          </a:fontRef>
+        </p:style>
+      </p:cxnSp>
+      <p:cxnSp>
+        <p:nvCxnSpPr>
+          <p:cNvPr id="465" name="Gerade Verbindung mit Pfeil 464">
+            <a:extLst>
+              <a:ext uri="{FF2B5EF4-FFF2-40B4-BE49-F238E27FC236}">
+                <a16:creationId xmlns:a16="http://schemas.microsoft.com/office/drawing/2014/main" id="{C57C8422-D454-1ADF-2C73-9037576004D7}"/>
+              </a:ext>
+            </a:extLst>
+          </p:cNvPr>
+          <p:cNvCxnSpPr>
+            <a:cxnSpLocks/>
+          </p:cNvCxnSpPr>
+          <p:nvPr/>
+        </p:nvCxnSpPr>
+        <p:spPr>
+          <a:xfrm flipH="1">
+            <a:off x="9767473" y="4763372"/>
+            <a:ext cx="4391" cy="180489"/>
+          </a:xfrm>
+          <a:prstGeom prst="straightConnector1">
+            <a:avLst/>
+          </a:prstGeom>
+          <a:ln>
+            <a:solidFill>
+              <a:schemeClr val="accent1"/>
+            </a:solidFill>
+            <a:tailEnd type="triangle"/>
+          </a:ln>
+        </p:spPr>
+        <p:style>
+          <a:lnRef idx="1">
+            <a:schemeClr val="accent1"/>
+          </a:lnRef>
+          <a:fillRef idx="0">
+            <a:schemeClr val="accent1"/>
+          </a:fillRef>
+          <a:effectRef idx="0">
+            <a:schemeClr val="accent1"/>
+          </a:effectRef>
+          <a:fontRef idx="minor">
+            <a:schemeClr val="tx1"/>
+          </a:fontRef>
+        </p:style>
+      </p:cxnSp>
+      <p:cxnSp>
+        <p:nvCxnSpPr>
+          <p:cNvPr id="466" name="Gerade Verbindung mit Pfeil 465">
+            <a:extLst>
+              <a:ext uri="{FF2B5EF4-FFF2-40B4-BE49-F238E27FC236}">
+                <a16:creationId xmlns:a16="http://schemas.microsoft.com/office/drawing/2014/main" id="{35E94092-5771-798A-C4D3-3BF747BAA164}"/>
+              </a:ext>
+            </a:extLst>
+          </p:cNvPr>
+          <p:cNvCxnSpPr>
+            <a:cxnSpLocks/>
+          </p:cNvCxnSpPr>
+          <p:nvPr/>
+        </p:nvCxnSpPr>
+        <p:spPr>
+          <a:xfrm flipH="1">
+            <a:off x="8287643" y="5246480"/>
+            <a:ext cx="4391" cy="180489"/>
+          </a:xfrm>
+          <a:prstGeom prst="straightConnector1">
+            <a:avLst/>
+          </a:prstGeom>
+          <a:ln>
+            <a:solidFill>
+              <a:schemeClr val="accent1"/>
+            </a:solidFill>
+            <a:tailEnd type="triangle"/>
+          </a:ln>
+        </p:spPr>
+        <p:style>
+          <a:lnRef idx="1">
+            <a:schemeClr val="accent1"/>
+          </a:lnRef>
+          <a:fillRef idx="0">
+            <a:schemeClr val="accent1"/>
+          </a:fillRef>
+          <a:effectRef idx="0">
+            <a:schemeClr val="accent1"/>
+          </a:effectRef>
+          <a:fontRef idx="minor">
+            <a:schemeClr val="tx1"/>
+          </a:fontRef>
+        </p:style>
+      </p:cxnSp>
+      <p:cxnSp>
+        <p:nvCxnSpPr>
+          <p:cNvPr id="469" name="Gerade Verbindung mit Pfeil 468">
+            <a:extLst>
+              <a:ext uri="{FF2B5EF4-FFF2-40B4-BE49-F238E27FC236}">
+                <a16:creationId xmlns:a16="http://schemas.microsoft.com/office/drawing/2014/main" id="{154AB36B-7780-0837-7934-A3EE6376C7A2}"/>
+              </a:ext>
+            </a:extLst>
+          </p:cNvPr>
+          <p:cNvCxnSpPr>
+            <a:cxnSpLocks/>
+          </p:cNvCxnSpPr>
+          <p:nvPr/>
+        </p:nvCxnSpPr>
+        <p:spPr>
+          <a:xfrm flipH="1">
+            <a:off x="9767473" y="5251947"/>
+            <a:ext cx="4391" cy="180489"/>
+          </a:xfrm>
+          <a:prstGeom prst="straightConnector1">
+            <a:avLst/>
+          </a:prstGeom>
+          <a:ln>
+            <a:solidFill>
+              <a:schemeClr val="accent1"/>
+            </a:solidFill>
+            <a:tailEnd type="triangle"/>
+          </a:ln>
+        </p:spPr>
+        <p:style>
+          <a:lnRef idx="1">
+            <a:schemeClr val="accent1"/>
+          </a:lnRef>
+          <a:fillRef idx="0">
+            <a:schemeClr val="accent1"/>
+          </a:fillRef>
+          <a:effectRef idx="0">
+            <a:schemeClr val="accent1"/>
+          </a:effectRef>
+          <a:fontRef idx="minor">
+            <a:schemeClr val="tx1"/>
+          </a:fontRef>
+        </p:style>
+      </p:cxnSp>
+      <p:cxnSp>
+        <p:nvCxnSpPr>
+          <p:cNvPr id="470" name="Gerade Verbindung mit Pfeil 469">
+            <a:extLst>
+              <a:ext uri="{FF2B5EF4-FFF2-40B4-BE49-F238E27FC236}">
+                <a16:creationId xmlns:a16="http://schemas.microsoft.com/office/drawing/2014/main" id="{861D7C3F-5E57-CF28-9B0A-0E9E594A598B}"/>
+              </a:ext>
+            </a:extLst>
+          </p:cNvPr>
+          <p:cNvCxnSpPr>
+            <a:cxnSpLocks/>
+          </p:cNvCxnSpPr>
+          <p:nvPr/>
+        </p:nvCxnSpPr>
+        <p:spPr>
+          <a:xfrm flipH="1">
+            <a:off x="6182061" y="5264410"/>
+            <a:ext cx="4391" cy="180489"/>
+          </a:xfrm>
+          <a:prstGeom prst="straightConnector1">
+            <a:avLst/>
+          </a:prstGeom>
+          <a:ln>
+            <a:solidFill>
+              <a:schemeClr val="accent1"/>
+            </a:solidFill>
+            <a:tailEnd type="triangle"/>
+          </a:ln>
+        </p:spPr>
+        <p:style>
+          <a:lnRef idx="1">
+            <a:schemeClr val="accent1"/>
+          </a:lnRef>
+          <a:fillRef idx="0">
+            <a:schemeClr val="accent1"/>
+          </a:fillRef>
+          <a:effectRef idx="0">
+            <a:schemeClr val="accent1"/>
+          </a:effectRef>
+          <a:fontRef idx="minor">
+            <a:schemeClr val="tx1"/>
+          </a:fontRef>
+        </p:style>
+      </p:cxnSp>
+      <p:cxnSp>
+        <p:nvCxnSpPr>
+          <p:cNvPr id="496" name="Gerade Verbindung mit Pfeil 495">
+            <a:extLst>
+              <a:ext uri="{FF2B5EF4-FFF2-40B4-BE49-F238E27FC236}">
+                <a16:creationId xmlns:a16="http://schemas.microsoft.com/office/drawing/2014/main" id="{143F93D8-224B-C8B5-CA7E-A1A281B60DBA}"/>
+              </a:ext>
+            </a:extLst>
+          </p:cNvPr>
+          <p:cNvCxnSpPr>
+            <a:cxnSpLocks/>
+          </p:cNvCxnSpPr>
+          <p:nvPr/>
+        </p:nvCxnSpPr>
+        <p:spPr>
+          <a:xfrm>
+            <a:off x="8987173" y="3402561"/>
+            <a:ext cx="10944" cy="438565"/>
+          </a:xfrm>
+          <a:prstGeom prst="straightConnector1">
+            <a:avLst/>
+          </a:prstGeom>
+          <a:ln>
+            <a:solidFill>
+              <a:schemeClr val="accent1"/>
+            </a:solidFill>
+            <a:tailEnd type="triangle"/>
+          </a:ln>
+        </p:spPr>
+        <p:style>
+          <a:lnRef idx="1">
+            <a:schemeClr val="accent1"/>
+          </a:lnRef>
+          <a:fillRef idx="0">
+            <a:schemeClr val="accent1"/>
+          </a:fillRef>
+          <a:effectRef idx="0">
+            <a:schemeClr val="accent1"/>
+          </a:effectRef>
+          <a:fontRef idx="minor">
+            <a:schemeClr val="tx1"/>
+          </a:fontRef>
+        </p:style>
+      </p:cxnSp>
+      <p:cxnSp>
+        <p:nvCxnSpPr>
+          <p:cNvPr id="77" name="Gerade Verbindung mit Pfeil 76">
+            <a:extLst>
+              <a:ext uri="{FF2B5EF4-FFF2-40B4-BE49-F238E27FC236}">
+                <a16:creationId xmlns:a16="http://schemas.microsoft.com/office/drawing/2014/main" id="{7879E07C-EBE3-9494-451B-3A8F51CD5888}"/>
+              </a:ext>
+            </a:extLst>
+          </p:cNvPr>
+          <p:cNvCxnSpPr>
+            <a:cxnSpLocks/>
+            <a:stCxn id="9" idx="2"/>
+            <a:endCxn id="6" idx="0"/>
+          </p:cNvCxnSpPr>
+          <p:nvPr/>
+        </p:nvCxnSpPr>
+        <p:spPr>
+          <a:xfrm>
+            <a:off x="7779530" y="1109786"/>
+            <a:ext cx="1670" cy="1091532"/>
+          </a:xfrm>
+          <a:prstGeom prst="straightConnector1">
+            <a:avLst/>
+          </a:prstGeom>
+          <a:ln>
+            <a:solidFill>
+              <a:schemeClr val="accent1"/>
+            </a:solidFill>
+            <a:tailEnd type="triangle"/>
+          </a:ln>
+        </p:spPr>
+        <p:style>
+          <a:lnRef idx="1">
+            <a:schemeClr val="accent1"/>
+          </a:lnRef>
+          <a:fillRef idx="0">
+            <a:schemeClr val="accent1"/>
+          </a:fillRef>
+          <a:effectRef idx="0">
+            <a:schemeClr val="accent1"/>
+          </a:effectRef>
+          <a:fontRef idx="minor">
+            <a:schemeClr val="tx1"/>
+          </a:fontRef>
+        </p:style>
+      </p:cxnSp>
+      <p:sp>
+        <p:nvSpPr>
+          <p:cNvPr id="79" name="Rechteck 78">
+            <a:extLst>
+              <a:ext uri="{FF2B5EF4-FFF2-40B4-BE49-F238E27FC236}">
+                <a16:creationId xmlns:a16="http://schemas.microsoft.com/office/drawing/2014/main" id="{DB134487-4303-3E7F-8FC9-C1FD88E16AE7}"/>
+              </a:ext>
+            </a:extLst>
+          </p:cNvPr>
+          <p:cNvSpPr/>
+          <p:nvPr/>
+        </p:nvSpPr>
+        <p:spPr>
+          <a:xfrm>
+            <a:off x="243603" y="5730875"/>
+            <a:ext cx="4676716" cy="999264"/>
+          </a:xfrm>
+          <a:prstGeom prst="rect">
+            <a:avLst/>
+          </a:prstGeom>
+          <a:noFill/>
+          <a:ln>
+            <a:solidFill>
+              <a:schemeClr val="bg1">
+                <a:lumMod val="85000"/>
+              </a:schemeClr>
+            </a:solidFill>
+          </a:ln>
+        </p:spPr>
+        <p:style>
+          <a:lnRef idx="2">
+            <a:schemeClr val="accent1">
+              <a:shade val="15000"/>
+            </a:schemeClr>
+          </a:lnRef>
+          <a:fillRef idx="1">
+            <a:schemeClr val="accent1"/>
+          </a:fillRef>
+          <a:effectRef idx="0">
+            <a:schemeClr val="accent1"/>
+          </a:effectRef>
+          <a:fontRef idx="minor">
+            <a:schemeClr val="lt1"/>
+          </a:fontRef>
+        </p:style>
+        <p:txBody>
+          <a:bodyPr rtlCol="0" anchor="ctr"/>
+          <a:lstStyle/>
+          <a:p>
+            <a:pPr algn="ctr"/>
+            <a:endParaRPr lang="de-DE"/>
+          </a:p>
+        </p:txBody>
+      </p:sp>
+      <p:grpSp>
+        <p:nvGrpSpPr>
+          <p:cNvPr id="17" name="Gruppieren 16">
+            <a:extLst>
+              <a:ext uri="{FF2B5EF4-FFF2-40B4-BE49-F238E27FC236}">
+                <a16:creationId xmlns:a16="http://schemas.microsoft.com/office/drawing/2014/main" id="{D71291D9-3B8E-EED2-1ADC-EA393B642B20}"/>
+              </a:ext>
+            </a:extLst>
+          </p:cNvPr>
+          <p:cNvGrpSpPr/>
+          <p:nvPr/>
+        </p:nvGrpSpPr>
+        <p:grpSpPr>
+          <a:xfrm>
+            <a:off x="6911252" y="2511762"/>
+            <a:ext cx="1552397" cy="469922"/>
+            <a:chOff x="2719572" y="1536945"/>
+            <a:chExt cx="1289076" cy="305400"/>
+          </a:xfrm>
+        </p:grpSpPr>
+        <p:cxnSp>
+          <p:nvCxnSpPr>
+            <p:cNvPr id="20" name="Gerade Verbindung mit Pfeil 19">
+              <a:extLst>
+                <a:ext uri="{FF2B5EF4-FFF2-40B4-BE49-F238E27FC236}">
+                  <a16:creationId xmlns:a16="http://schemas.microsoft.com/office/drawing/2014/main" id="{C93CDF20-DD35-EA40-C0A7-D219E06CB374}"/>
+                </a:ext>
+              </a:extLst>
+            </p:cNvPr>
+            <p:cNvCxnSpPr>
+              <a:cxnSpLocks/>
+            </p:cNvCxnSpPr>
+            <p:nvPr/>
+          </p:nvCxnSpPr>
+          <p:spPr>
+            <a:xfrm flipH="1">
+              <a:off x="2719572" y="1536945"/>
+              <a:ext cx="639486" cy="305400"/>
+            </a:xfrm>
+            <a:prstGeom prst="straightConnector1">
+              <a:avLst/>
+            </a:prstGeom>
+            <a:ln>
+              <a:tailEnd type="triangle"/>
+            </a:ln>
+          </p:spPr>
+          <p:style>
+            <a:lnRef idx="1">
+              <a:schemeClr val="accent1"/>
+            </a:lnRef>
+            <a:fillRef idx="0">
+              <a:schemeClr val="accent1"/>
+            </a:fillRef>
+            <a:effectRef idx="0">
+              <a:schemeClr val="accent1"/>
+            </a:effectRef>
+            <a:fontRef idx="minor">
+              <a:schemeClr val="tx1"/>
+            </a:fontRef>
+          </p:style>
+        </p:cxnSp>
+        <p:cxnSp>
+          <p:nvCxnSpPr>
+            <p:cNvPr id="21" name="Gerade Verbindung mit Pfeil 20">
+              <a:extLst>
+                <a:ext uri="{FF2B5EF4-FFF2-40B4-BE49-F238E27FC236}">
+                  <a16:creationId xmlns:a16="http://schemas.microsoft.com/office/drawing/2014/main" id="{179B6784-B6EC-E7C9-1356-95E7188752A5}"/>
+                </a:ext>
+              </a:extLst>
+            </p:cNvPr>
+            <p:cNvCxnSpPr>
+              <a:cxnSpLocks/>
+            </p:cNvCxnSpPr>
+            <p:nvPr/>
+          </p:nvCxnSpPr>
+          <p:spPr>
+            <a:xfrm>
+              <a:off x="3359058" y="1536945"/>
+              <a:ext cx="649590" cy="305400"/>
+            </a:xfrm>
+            <a:prstGeom prst="straightConnector1">
+              <a:avLst/>
+            </a:prstGeom>
+            <a:ln>
+              <a:tailEnd type="triangle"/>
+            </a:ln>
+          </p:spPr>
+          <p:style>
+            <a:lnRef idx="1">
+              <a:schemeClr val="accent1"/>
+            </a:lnRef>
+            <a:fillRef idx="0">
+              <a:schemeClr val="accent1"/>
+            </a:fillRef>
+            <a:effectRef idx="0">
+              <a:schemeClr val="accent1"/>
+            </a:effectRef>
+            <a:fontRef idx="minor">
+              <a:schemeClr val="tx1"/>
+            </a:fontRef>
+          </p:style>
+        </p:cxnSp>
+      </p:grpSp>
+      <p:cxnSp>
+        <p:nvCxnSpPr>
+          <p:cNvPr id="3" name="Gerade Verbindung mit Pfeil 2">
+            <a:extLst>
+              <a:ext uri="{FF2B5EF4-FFF2-40B4-BE49-F238E27FC236}">
+                <a16:creationId xmlns:a16="http://schemas.microsoft.com/office/drawing/2014/main" id="{05C779A5-B34F-864A-0CAB-7AFCA830E194}"/>
+              </a:ext>
+            </a:extLst>
+          </p:cNvPr>
+          <p:cNvCxnSpPr>
+            <a:cxnSpLocks/>
+            <a:stCxn id="8" idx="2"/>
+          </p:cNvCxnSpPr>
+          <p:nvPr/>
+        </p:nvCxnSpPr>
+        <p:spPr>
+          <a:xfrm>
+            <a:off x="2572366" y="1107426"/>
+            <a:ext cx="8548" cy="1105141"/>
+          </a:xfrm>
+          <a:prstGeom prst="straightConnector1">
+            <a:avLst/>
+          </a:prstGeom>
+          <a:ln>
+            <a:solidFill>
+              <a:schemeClr val="tx1"/>
+            </a:solidFill>
+            <a:tailEnd type="triangle"/>
+          </a:ln>
+        </p:spPr>
+        <p:style>
+          <a:lnRef idx="1">
+            <a:schemeClr val="accent1"/>
+          </a:lnRef>
+          <a:fillRef idx="0">
+            <a:schemeClr val="accent1"/>
+          </a:fillRef>
+          <a:effectRef idx="0">
+            <a:schemeClr val="accent1"/>
+          </a:effectRef>
+          <a:fontRef idx="minor">
+            <a:schemeClr val="tx1"/>
+          </a:fontRef>
+        </p:style>
+      </p:cxnSp>
+      <mc:AlternateContent xmlns:mc="http://schemas.openxmlformats.org/markup-compatibility/2006">
+        <mc:Choice xmlns:a14="http://schemas.microsoft.com/office/drawing/2010/main" Requires="a14">
+          <p:sp>
+            <p:nvSpPr>
+              <p:cNvPr id="12" name="Textfeld 11">
+                <a:extLst>
+                  <a:ext uri="{FF2B5EF4-FFF2-40B4-BE49-F238E27FC236}">
+                    <a16:creationId xmlns:a16="http://schemas.microsoft.com/office/drawing/2014/main" id="{9ADEF9D0-00F0-F5EA-9D10-3147669DA4E9}"/>
+                  </a:ext>
+                </a:extLst>
+              </p:cNvPr>
+              <p:cNvSpPr txBox="1"/>
+              <p:nvPr/>
+            </p:nvSpPr>
+            <p:spPr>
+              <a:xfrm>
+                <a:off x="1750297" y="3111855"/>
+                <a:ext cx="3170022" cy="274638"/>
+              </a:xfrm>
+              <a:prstGeom prst="rect">
+                <a:avLst/>
+              </a:prstGeom>
+              <a:noFill/>
+              <a:ln w="12700">
+                <a:solidFill>
+                  <a:schemeClr val="tx1"/>
+                </a:solidFill>
+              </a:ln>
+            </p:spPr>
+            <p:txBody>
+              <a:bodyPr wrap="square">
+                <a:spAutoFit/>
+              </a:bodyPr>
+              <a:lstStyle/>
+              <a:p>
+                <a:pPr algn="ctr"/>
+                <a14:m>
+                  <m:oMathPara xmlns:m="http://schemas.openxmlformats.org/officeDocument/2006/math">
+                    <m:oMathParaPr>
+                      <m:jc m:val="centerGroup"/>
+                    </m:oMathParaPr>
+                    <m:oMath xmlns:m="http://schemas.openxmlformats.org/officeDocument/2006/math">
+                      <m:r>
+                        <a:rPr lang="en-GB" sz="1200" b="0" i="1" noProof="0" smtClean="0">
+                          <a:latin typeface="Cambria Math" panose="02040503050406030204" pitchFamily="18" charset="0"/>
+                          <a:ea typeface="Cambria Math" panose="02040503050406030204" pitchFamily="18" charset="0"/>
+                        </a:rPr>
+                        <m:t>𝑝</m:t>
+                      </m:r>
+                      <m:r>
+                        <a:rPr lang="en-GB" sz="1200" b="0" i="1" noProof="0" smtClean="0">
+                          <a:latin typeface="Cambria Math" panose="02040503050406030204" pitchFamily="18" charset="0"/>
+                          <a:ea typeface="Cambria Math" panose="02040503050406030204" pitchFamily="18" charset="0"/>
+                        </a:rPr>
+                        <m:t>≥</m:t>
+                      </m:r>
+                      <m:r>
+                        <a:rPr lang="en-GB" sz="1200" b="0" i="1" noProof="0" smtClean="0">
+                          <a:latin typeface="Cambria Math" panose="02040503050406030204" pitchFamily="18" charset="0"/>
+                          <a:ea typeface="Cambria Math" panose="02040503050406030204" pitchFamily="18" charset="0"/>
+                        </a:rPr>
+                        <m:t>𝛼</m:t>
+                      </m:r>
+                    </m:oMath>
+                  </m:oMathPara>
+                </a14:m>
+                <a:endParaRPr lang="en-GB" sz="1200" noProof="0" dirty="0">
+                  <a:latin typeface="Calibri" panose="020F0502020204030204" pitchFamily="34" charset="0"/>
+                  <a:ea typeface="Cambria Math" panose="02040503050406030204" pitchFamily="18" charset="0"/>
+                  <a:cs typeface="Calibri" panose="020F0502020204030204" pitchFamily="34" charset="0"/>
+                </a:endParaRPr>
+              </a:p>
+            </p:txBody>
+          </p:sp>
+        </mc:Choice>
+        <mc:Fallback>
+          <p:sp>
+            <p:nvSpPr>
+              <p:cNvPr id="12" name="Textfeld 11">
+                <a:extLst>
+                  <a:ext uri="{FF2B5EF4-FFF2-40B4-BE49-F238E27FC236}">
+                    <a16:creationId xmlns:a16="http://schemas.microsoft.com/office/drawing/2014/main" id="{9ADEF9D0-00F0-F5EA-9D10-3147669DA4E9}"/>
+                  </a:ext>
+                </a:extLst>
+              </p:cNvPr>
+              <p:cNvSpPr txBox="1">
+                <a:spLocks noRot="1" noChangeAspect="1" noMove="1" noResize="1" noEditPoints="1" noAdjustHandles="1" noChangeArrowheads="1" noChangeShapeType="1" noTextEdit="1"/>
+              </p:cNvSpPr>
+              <p:nvPr/>
+            </p:nvSpPr>
+            <p:spPr>
+              <a:xfrm>
+                <a:off x="1750297" y="3111855"/>
+                <a:ext cx="3170022" cy="274638"/>
+              </a:xfrm>
+              <a:prstGeom prst="rect">
+                <a:avLst/>
+              </a:prstGeom>
+              <a:blipFill>
+                <a:blip r:embed="rId21"/>
+                <a:stretch>
+                  <a:fillRect/>
+                </a:stretch>
+              </a:blipFill>
+              <a:ln w="12700">
+                <a:solidFill>
+                  <a:schemeClr val="tx1"/>
+                </a:solidFill>
+              </a:ln>
+            </p:spPr>
+            <p:txBody>
+              <a:bodyPr/>
+              <a:lstStyle/>
+              <a:p>
+                <a:r>
+                  <a:rPr lang="de-DE">
+                    <a:noFill/>
+                  </a:rPr>
+                  <a:t> </a:t>
+                </a:r>
+              </a:p>
+            </p:txBody>
+          </p:sp>
+        </mc:Fallback>
+      </mc:AlternateContent>
+      <p:sp>
+        <p:nvSpPr>
+          <p:cNvPr id="14" name="Textfeld 13">
+            <a:extLst>
+              <a:ext uri="{FF2B5EF4-FFF2-40B4-BE49-F238E27FC236}">
+                <a16:creationId xmlns:a16="http://schemas.microsoft.com/office/drawing/2014/main" id="{20846030-859A-E241-EBA5-3995AF805E12}"/>
+              </a:ext>
+            </a:extLst>
+          </p:cNvPr>
+          <p:cNvSpPr txBox="1"/>
+          <p:nvPr/>
+        </p:nvSpPr>
+        <p:spPr>
+          <a:xfrm>
+            <a:off x="1724188" y="3878295"/>
+            <a:ext cx="3176941" cy="276999"/>
+          </a:xfrm>
+          <a:prstGeom prst="rect">
+            <a:avLst/>
+          </a:prstGeom>
+          <a:solidFill>
+            <a:schemeClr val="accent6">
+              <a:lumMod val="20000"/>
+              <a:lumOff val="80000"/>
+            </a:schemeClr>
+          </a:solidFill>
+          <a:ln w="12700">
+            <a:solidFill>
+              <a:schemeClr val="tx1"/>
+            </a:solidFill>
+          </a:ln>
+        </p:spPr>
+        <p:txBody>
+          <a:bodyPr wrap="square">
+            <a:spAutoFit/>
+          </a:bodyPr>
+          <a:lstStyle/>
+          <a:p>
+            <a:pPr algn="ctr"/>
+            <a:r>
+              <a:rPr lang="en-GB" sz="1200" dirty="0" err="1">
+                <a:latin typeface="Courier New" panose="02070309020205020404" pitchFamily="49" charset="0"/>
+                <a:ea typeface="Cambria Math" panose="02040503050406030204" pitchFamily="18" charset="0"/>
+                <a:cs typeface="Courier New" panose="02070309020205020404" pitchFamily="49" charset="0"/>
+              </a:rPr>
+              <a:t>levene</a:t>
+            </a:r>
+            <a:r>
+              <a:rPr lang="en-GB" sz="1200" noProof="0" dirty="0">
+                <a:latin typeface="Courier New" panose="02070309020205020404" pitchFamily="49" charset="0"/>
+                <a:ea typeface="Cambria Math" panose="02040503050406030204" pitchFamily="18" charset="0"/>
+                <a:cs typeface="Courier New" panose="02070309020205020404" pitchFamily="49" charset="0"/>
+              </a:rPr>
+              <a:t>.test() </a:t>
+            </a:r>
+          </a:p>
+        </p:txBody>
+      </p:sp>
+      <p:grpSp>
+        <p:nvGrpSpPr>
+          <p:cNvPr id="16" name="Gruppieren 15">
+            <a:extLst>
+              <a:ext uri="{FF2B5EF4-FFF2-40B4-BE49-F238E27FC236}">
+                <a16:creationId xmlns:a16="http://schemas.microsoft.com/office/drawing/2014/main" id="{667E95F6-12FE-A5E6-67AD-7C94BA056D3F}"/>
+              </a:ext>
+            </a:extLst>
+          </p:cNvPr>
+          <p:cNvGrpSpPr/>
+          <p:nvPr/>
+        </p:nvGrpSpPr>
+        <p:grpSpPr>
+          <a:xfrm>
+            <a:off x="2545133" y="4153496"/>
+            <a:ext cx="1435382" cy="253246"/>
+            <a:chOff x="8002301" y="4581613"/>
+            <a:chExt cx="1289076" cy="305400"/>
+          </a:xfrm>
+        </p:grpSpPr>
+        <p:cxnSp>
+          <p:nvCxnSpPr>
+            <p:cNvPr id="24" name="Gerade Verbindung mit Pfeil 23">
+              <a:extLst>
+                <a:ext uri="{FF2B5EF4-FFF2-40B4-BE49-F238E27FC236}">
+                  <a16:creationId xmlns:a16="http://schemas.microsoft.com/office/drawing/2014/main" id="{F0AE9472-DA04-78A1-2986-01745AB9E436}"/>
+                </a:ext>
+              </a:extLst>
+            </p:cNvPr>
+            <p:cNvCxnSpPr>
+              <a:cxnSpLocks/>
+            </p:cNvCxnSpPr>
+            <p:nvPr/>
+          </p:nvCxnSpPr>
+          <p:spPr>
+            <a:xfrm flipH="1">
+              <a:off x="8002301" y="4581613"/>
+              <a:ext cx="639486" cy="305400"/>
+            </a:xfrm>
+            <a:prstGeom prst="straightConnector1">
+              <a:avLst/>
+            </a:prstGeom>
+            <a:ln>
+              <a:solidFill>
+                <a:schemeClr val="tx1"/>
+              </a:solidFill>
+              <a:tailEnd type="triangle"/>
+            </a:ln>
+          </p:spPr>
+          <p:style>
+            <a:lnRef idx="1">
+              <a:schemeClr val="accent1"/>
+            </a:lnRef>
+            <a:fillRef idx="0">
+              <a:schemeClr val="accent1"/>
+            </a:fillRef>
+            <a:effectRef idx="0">
+              <a:schemeClr val="accent1"/>
+            </a:effectRef>
+            <a:fontRef idx="minor">
+              <a:schemeClr val="tx1"/>
+            </a:fontRef>
+          </p:style>
+        </p:cxnSp>
+        <p:cxnSp>
+          <p:nvCxnSpPr>
+            <p:cNvPr id="25" name="Gerade Verbindung mit Pfeil 24">
+              <a:extLst>
+                <a:ext uri="{FF2B5EF4-FFF2-40B4-BE49-F238E27FC236}">
+                  <a16:creationId xmlns:a16="http://schemas.microsoft.com/office/drawing/2014/main" id="{F4E91BD4-F4B4-B717-0859-CDB99694ED57}"/>
+                </a:ext>
+              </a:extLst>
+            </p:cNvPr>
+            <p:cNvCxnSpPr>
+              <a:cxnSpLocks/>
+            </p:cNvCxnSpPr>
+            <p:nvPr/>
+          </p:nvCxnSpPr>
+          <p:spPr>
+            <a:xfrm>
+              <a:off x="8641787" y="4581613"/>
+              <a:ext cx="649590" cy="305400"/>
+            </a:xfrm>
+            <a:prstGeom prst="straightConnector1">
+              <a:avLst/>
+            </a:prstGeom>
+            <a:ln>
+              <a:solidFill>
+                <a:schemeClr val="tx1"/>
+              </a:solidFill>
+              <a:tailEnd type="triangle"/>
+            </a:ln>
+          </p:spPr>
+          <p:style>
+            <a:lnRef idx="1">
+              <a:schemeClr val="accent1"/>
+            </a:lnRef>
+            <a:fillRef idx="0">
+              <a:schemeClr val="accent1"/>
+            </a:fillRef>
+            <a:effectRef idx="0">
+              <a:schemeClr val="accent1"/>
+            </a:effectRef>
+            <a:fontRef idx="minor">
+              <a:schemeClr val="tx1"/>
+            </a:fontRef>
+          </p:style>
+        </p:cxnSp>
+      </p:grpSp>
+      <mc:AlternateContent xmlns:mc="http://schemas.openxmlformats.org/markup-compatibility/2006">
+        <mc:Choice xmlns:a14="http://schemas.microsoft.com/office/drawing/2010/main" Requires="a14">
+          <p:sp>
+            <p:nvSpPr>
+              <p:cNvPr id="26" name="Textfeld 25">
+                <a:extLst>
+                  <a:ext uri="{FF2B5EF4-FFF2-40B4-BE49-F238E27FC236}">
+                    <a16:creationId xmlns:a16="http://schemas.microsoft.com/office/drawing/2014/main" id="{C791BA0E-61FE-5A8C-2CB4-D292E35798B4}"/>
+                  </a:ext>
+                </a:extLst>
+              </p:cNvPr>
+              <p:cNvSpPr txBox="1"/>
+              <p:nvPr/>
+            </p:nvSpPr>
+            <p:spPr>
+              <a:xfrm>
+                <a:off x="2919113" y="4450028"/>
+                <a:ext cx="2001206" cy="276798"/>
+              </a:xfrm>
+              <a:prstGeom prst="rect">
+                <a:avLst/>
+              </a:prstGeom>
+              <a:noFill/>
+              <a:ln w="12700">
+                <a:solidFill>
+                  <a:schemeClr val="tx1"/>
+                </a:solidFill>
+              </a:ln>
+            </p:spPr>
+            <p:txBody>
+              <a:bodyPr wrap="square">
+                <a:spAutoFit/>
+              </a:bodyPr>
+              <a:lstStyle/>
+              <a:p>
+                <a:pPr algn="ctr"/>
+                <a14:m>
+                  <m:oMathPara xmlns:m="http://schemas.openxmlformats.org/officeDocument/2006/math">
+                    <m:oMathParaPr>
+                      <m:jc m:val="centerGroup"/>
+                    </m:oMathParaPr>
+                    <m:oMath xmlns:m="http://schemas.openxmlformats.org/officeDocument/2006/math">
+                      <m:r>
+                        <a:rPr lang="en-GB" sz="1200" b="0" i="1" noProof="0" smtClean="0">
+                          <a:latin typeface="Cambria Math" panose="02040503050406030204" pitchFamily="18" charset="0"/>
+                          <a:ea typeface="Cambria Math" panose="02040503050406030204" pitchFamily="18" charset="0"/>
+                        </a:rPr>
+                        <m:t>𝑝</m:t>
+                      </m:r>
+                      <m:r>
+                        <a:rPr lang="en-GB" sz="1200" b="0" i="1" noProof="0" smtClean="0">
+                          <a:latin typeface="Cambria Math" panose="02040503050406030204" pitchFamily="18" charset="0"/>
+                          <a:ea typeface="Cambria Math" panose="02040503050406030204" pitchFamily="18" charset="0"/>
+                        </a:rPr>
+                        <m:t>≥</m:t>
+                      </m:r>
+                      <m:r>
+                        <a:rPr lang="en-GB" sz="1200" b="0" i="1" noProof="0" smtClean="0">
+                          <a:latin typeface="Cambria Math" panose="02040503050406030204" pitchFamily="18" charset="0"/>
+                          <a:ea typeface="Cambria Math" panose="02040503050406030204" pitchFamily="18" charset="0"/>
+                        </a:rPr>
+                        <m:t>𝛼</m:t>
+                      </m:r>
+                    </m:oMath>
+                  </m:oMathPara>
+                </a14:m>
+                <a:endParaRPr lang="en-GB" sz="1200" noProof="0" dirty="0">
+                  <a:latin typeface="Calibri" panose="020F0502020204030204" pitchFamily="34" charset="0"/>
+                  <a:ea typeface="Cambria Math" panose="02040503050406030204" pitchFamily="18" charset="0"/>
+                  <a:cs typeface="Calibri" panose="020F0502020204030204" pitchFamily="34" charset="0"/>
+                </a:endParaRPr>
+              </a:p>
+            </p:txBody>
+          </p:sp>
+        </mc:Choice>
+        <mc:Fallback>
+          <p:sp>
+            <p:nvSpPr>
+              <p:cNvPr id="26" name="Textfeld 25">
+                <a:extLst>
+                  <a:ext uri="{FF2B5EF4-FFF2-40B4-BE49-F238E27FC236}">
+                    <a16:creationId xmlns:a16="http://schemas.microsoft.com/office/drawing/2014/main" id="{C791BA0E-61FE-5A8C-2CB4-D292E35798B4}"/>
+                  </a:ext>
+                </a:extLst>
+              </p:cNvPr>
+              <p:cNvSpPr txBox="1">
+                <a:spLocks noRot="1" noChangeAspect="1" noMove="1" noResize="1" noEditPoints="1" noAdjustHandles="1" noChangeArrowheads="1" noChangeShapeType="1" noTextEdit="1"/>
+              </p:cNvSpPr>
+              <p:nvPr/>
+            </p:nvSpPr>
+            <p:spPr>
+              <a:xfrm>
+                <a:off x="2919113" y="4450028"/>
+                <a:ext cx="2001206" cy="276798"/>
+              </a:xfrm>
+              <a:prstGeom prst="rect">
+                <a:avLst/>
+              </a:prstGeom>
+              <a:blipFill>
+                <a:blip r:embed="rId22"/>
+                <a:stretch>
+                  <a:fillRect/>
+                </a:stretch>
+              </a:blipFill>
+              <a:ln w="12700">
+                <a:solidFill>
+                  <a:schemeClr val="tx1"/>
+                </a:solidFill>
+              </a:ln>
+            </p:spPr>
+            <p:txBody>
+              <a:bodyPr/>
+              <a:lstStyle/>
+              <a:p>
+                <a:r>
+                  <a:rPr lang="de-DE">
+                    <a:noFill/>
+                  </a:rPr>
+                  <a:t> </a:t>
+                </a:r>
+              </a:p>
+            </p:txBody>
+          </p:sp>
+        </mc:Fallback>
+      </mc:AlternateContent>
+      <mc:AlternateContent xmlns:mc="http://schemas.openxmlformats.org/markup-compatibility/2006">
+        <mc:Choice xmlns:a14="http://schemas.microsoft.com/office/drawing/2010/main" Requires="a14">
+          <p:sp>
+            <p:nvSpPr>
+              <p:cNvPr id="33" name="Textfeld 32">
+                <a:extLst>
+                  <a:ext uri="{FF2B5EF4-FFF2-40B4-BE49-F238E27FC236}">
+                    <a16:creationId xmlns:a16="http://schemas.microsoft.com/office/drawing/2014/main" id="{B1D95190-09EF-418D-E636-63CC490EF370}"/>
+                  </a:ext>
+                </a:extLst>
+              </p:cNvPr>
+              <p:cNvSpPr txBox="1"/>
+              <p:nvPr/>
+            </p:nvSpPr>
+            <p:spPr>
+              <a:xfrm>
+                <a:off x="1750926" y="4450028"/>
+                <a:ext cx="1090718" cy="276798"/>
+              </a:xfrm>
+              <a:prstGeom prst="rect">
+                <a:avLst/>
+              </a:prstGeom>
+              <a:noFill/>
+              <a:ln w="12700">
+                <a:solidFill>
+                  <a:schemeClr val="tx1"/>
+                </a:solidFill>
+              </a:ln>
+            </p:spPr>
+            <p:txBody>
+              <a:bodyPr wrap="square">
+                <a:spAutoFit/>
+              </a:bodyPr>
+              <a:lstStyle/>
+              <a:p>
+                <a:pPr algn="ctr"/>
+                <a14:m>
+                  <m:oMathPara xmlns:m="http://schemas.openxmlformats.org/officeDocument/2006/math">
+                    <m:oMathParaPr>
+                      <m:jc m:val="centerGroup"/>
+                    </m:oMathParaPr>
+                    <m:oMath xmlns:m="http://schemas.openxmlformats.org/officeDocument/2006/math">
+                      <m:r>
+                        <a:rPr lang="en-GB" sz="1200" b="0" i="1" noProof="0" smtClean="0">
+                          <a:latin typeface="Cambria Math" panose="02040503050406030204" pitchFamily="18" charset="0"/>
+                          <a:ea typeface="Cambria Math" panose="02040503050406030204" pitchFamily="18" charset="0"/>
+                        </a:rPr>
+                        <m:t>𝑝</m:t>
+                      </m:r>
+                      <m:r>
+                        <a:rPr lang="en-GB" sz="1200" b="0" i="1" noProof="0" smtClean="0">
+                          <a:latin typeface="Cambria Math" panose="02040503050406030204" pitchFamily="18" charset="0"/>
+                          <a:ea typeface="Cambria Math" panose="02040503050406030204" pitchFamily="18" charset="0"/>
+                        </a:rPr>
+                        <m:t>&lt;</m:t>
+                      </m:r>
+                      <m:r>
+                        <a:rPr lang="en-GB" sz="1200" b="0" i="1" noProof="0" smtClean="0">
+                          <a:latin typeface="Cambria Math" panose="02040503050406030204" pitchFamily="18" charset="0"/>
+                          <a:ea typeface="Cambria Math" panose="02040503050406030204" pitchFamily="18" charset="0"/>
+                        </a:rPr>
+                        <m:t>𝛼</m:t>
+                      </m:r>
+                    </m:oMath>
+                  </m:oMathPara>
+                </a14:m>
+                <a:endParaRPr lang="en-GB" sz="1200" noProof="0" dirty="0">
+                  <a:latin typeface="Calibri" panose="020F0502020204030204" pitchFamily="34" charset="0"/>
+                  <a:ea typeface="Cambria Math" panose="02040503050406030204" pitchFamily="18" charset="0"/>
+                  <a:cs typeface="Calibri" panose="020F0502020204030204" pitchFamily="34" charset="0"/>
+                </a:endParaRPr>
+              </a:p>
+            </p:txBody>
+          </p:sp>
+        </mc:Choice>
+        <mc:Fallback>
+          <p:sp>
+            <p:nvSpPr>
+              <p:cNvPr id="33" name="Textfeld 32">
+                <a:extLst>
+                  <a:ext uri="{FF2B5EF4-FFF2-40B4-BE49-F238E27FC236}">
+                    <a16:creationId xmlns:a16="http://schemas.microsoft.com/office/drawing/2014/main" id="{B1D95190-09EF-418D-E636-63CC490EF370}"/>
+                  </a:ext>
+                </a:extLst>
+              </p:cNvPr>
+              <p:cNvSpPr txBox="1">
+                <a:spLocks noRot="1" noChangeAspect="1" noMove="1" noResize="1" noEditPoints="1" noAdjustHandles="1" noChangeArrowheads="1" noChangeShapeType="1" noTextEdit="1"/>
+              </p:cNvSpPr>
+              <p:nvPr/>
+            </p:nvSpPr>
+            <p:spPr>
+              <a:xfrm>
+                <a:off x="1750926" y="4450028"/>
+                <a:ext cx="1090718" cy="276798"/>
+              </a:xfrm>
+              <a:prstGeom prst="rect">
+                <a:avLst/>
+              </a:prstGeom>
+              <a:blipFill>
+                <a:blip r:embed="rId23"/>
+                <a:stretch>
+                  <a:fillRect/>
+                </a:stretch>
+              </a:blipFill>
+              <a:ln w="12700">
+                <a:solidFill>
+                  <a:schemeClr val="tx1"/>
+                </a:solidFill>
+              </a:ln>
+            </p:spPr>
+            <p:txBody>
+              <a:bodyPr/>
+              <a:lstStyle/>
+              <a:p>
+                <a:r>
+                  <a:rPr lang="de-DE">
+                    <a:noFill/>
+                  </a:rPr>
+                  <a:t> </a:t>
+                </a:r>
+              </a:p>
+            </p:txBody>
+          </p:sp>
+        </mc:Fallback>
+      </mc:AlternateContent>
+      <p:sp>
+        <p:nvSpPr>
+          <p:cNvPr id="36" name="Textfeld 35">
+            <a:extLst>
+              <a:ext uri="{FF2B5EF4-FFF2-40B4-BE49-F238E27FC236}">
+                <a16:creationId xmlns:a16="http://schemas.microsoft.com/office/drawing/2014/main" id="{ECCE17DD-B46E-1702-6EFD-95736ECEC4B3}"/>
+              </a:ext>
+            </a:extLst>
+          </p:cNvPr>
+          <p:cNvSpPr txBox="1"/>
+          <p:nvPr/>
+        </p:nvSpPr>
+        <p:spPr>
+          <a:xfrm>
+            <a:off x="1750297" y="4971019"/>
+            <a:ext cx="1101257" cy="276999"/>
+          </a:xfrm>
+          <a:prstGeom prst="rect">
+            <a:avLst/>
+          </a:prstGeom>
+          <a:solidFill>
+            <a:schemeClr val="accent4">
+              <a:alpha val="19758"/>
+            </a:schemeClr>
+          </a:solidFill>
+          <a:ln w="12700">
+            <a:solidFill>
+              <a:schemeClr val="tx1"/>
+            </a:solidFill>
+          </a:ln>
+        </p:spPr>
+        <p:txBody>
+          <a:bodyPr wrap="square">
+            <a:spAutoFit/>
+          </a:bodyPr>
+          <a:lstStyle/>
+          <a:p>
+            <a:pPr algn="ctr"/>
+            <a:r>
+              <a:rPr lang="en-GB" sz="1200" noProof="0" dirty="0" err="1">
+                <a:latin typeface="Courier New" panose="02070309020205020404" pitchFamily="49" charset="0"/>
+                <a:ea typeface="Cambria Math" panose="02040503050406030204" pitchFamily="18" charset="0"/>
+                <a:cs typeface="Courier New" panose="02070309020205020404" pitchFamily="49" charset="0"/>
+              </a:rPr>
+              <a:t>t.test</a:t>
+            </a:r>
+            <a:r>
+              <a:rPr lang="en-GB" sz="1200" noProof="0" dirty="0">
+                <a:latin typeface="Courier New" panose="02070309020205020404" pitchFamily="49" charset="0"/>
+                <a:ea typeface="Cambria Math" panose="02040503050406030204" pitchFamily="18" charset="0"/>
+                <a:cs typeface="Courier New" panose="02070309020205020404" pitchFamily="49" charset="0"/>
+              </a:rPr>
+              <a:t>()</a:t>
+            </a:r>
+          </a:p>
+        </p:txBody>
+      </p:sp>
+      <p:cxnSp>
+        <p:nvCxnSpPr>
+          <p:cNvPr id="40" name="Gerade Verbindung mit Pfeil 39">
+            <a:extLst>
+              <a:ext uri="{FF2B5EF4-FFF2-40B4-BE49-F238E27FC236}">
+                <a16:creationId xmlns:a16="http://schemas.microsoft.com/office/drawing/2014/main" id="{787E0C3B-0116-A2D3-3D80-CF65AE9D7AE0}"/>
+              </a:ext>
+            </a:extLst>
+          </p:cNvPr>
+          <p:cNvCxnSpPr>
+            <a:cxnSpLocks/>
+            <a:stCxn id="12" idx="2"/>
+            <a:endCxn id="14" idx="0"/>
+          </p:cNvCxnSpPr>
+          <p:nvPr/>
+        </p:nvCxnSpPr>
+        <p:spPr>
+          <a:xfrm flipH="1">
+            <a:off x="3312659" y="3386493"/>
+            <a:ext cx="22649" cy="491802"/>
+          </a:xfrm>
+          <a:prstGeom prst="straightConnector1">
+            <a:avLst/>
+          </a:prstGeom>
+          <a:ln>
+            <a:solidFill>
+              <a:schemeClr val="accent1"/>
+            </a:solidFill>
+            <a:tailEnd type="triangle"/>
+          </a:ln>
+        </p:spPr>
+        <p:style>
+          <a:lnRef idx="1">
+            <a:schemeClr val="accent1"/>
+          </a:lnRef>
+          <a:fillRef idx="0">
+            <a:schemeClr val="accent1"/>
+          </a:fillRef>
+          <a:effectRef idx="0">
+            <a:schemeClr val="accent1"/>
+          </a:effectRef>
+          <a:fontRef idx="minor">
+            <a:schemeClr val="tx1"/>
+          </a:fontRef>
+        </p:style>
+      </p:cxnSp>
+      <p:cxnSp>
+        <p:nvCxnSpPr>
+          <p:cNvPr id="54" name="Gerade Verbindung mit Pfeil 53">
+            <a:extLst>
+              <a:ext uri="{FF2B5EF4-FFF2-40B4-BE49-F238E27FC236}">
+                <a16:creationId xmlns:a16="http://schemas.microsoft.com/office/drawing/2014/main" id="{250D7122-8362-8B6B-4A89-AE6123EB8F25}"/>
+              </a:ext>
+            </a:extLst>
+          </p:cNvPr>
+          <p:cNvCxnSpPr>
+            <a:cxnSpLocks/>
+          </p:cNvCxnSpPr>
+          <p:nvPr/>
+        </p:nvCxnSpPr>
+        <p:spPr>
+          <a:xfrm flipH="1">
+            <a:off x="2412864" y="4735169"/>
+            <a:ext cx="4391" cy="180489"/>
+          </a:xfrm>
+          <a:prstGeom prst="straightConnector1">
+            <a:avLst/>
+          </a:prstGeom>
+          <a:ln>
+            <a:solidFill>
+              <a:schemeClr val="accent1"/>
+            </a:solidFill>
+            <a:tailEnd type="triangle"/>
+          </a:ln>
+        </p:spPr>
+        <p:style>
+          <a:lnRef idx="1">
+            <a:schemeClr val="accent1"/>
+          </a:lnRef>
+          <a:fillRef idx="0">
+            <a:schemeClr val="accent1"/>
+          </a:fillRef>
+          <a:effectRef idx="0">
+            <a:schemeClr val="accent1"/>
+          </a:effectRef>
+          <a:fontRef idx="minor">
+            <a:schemeClr val="tx1"/>
+          </a:fontRef>
+        </p:style>
+      </p:cxnSp>
+      <p:cxnSp>
+        <p:nvCxnSpPr>
+          <p:cNvPr id="55" name="Gerade Verbindung mit Pfeil 54">
+            <a:extLst>
+              <a:ext uri="{FF2B5EF4-FFF2-40B4-BE49-F238E27FC236}">
+                <a16:creationId xmlns:a16="http://schemas.microsoft.com/office/drawing/2014/main" id="{3B29FFA1-43D8-9BB2-2E35-D7479D90DE01}"/>
+              </a:ext>
+            </a:extLst>
+          </p:cNvPr>
+          <p:cNvCxnSpPr>
+            <a:cxnSpLocks/>
+          </p:cNvCxnSpPr>
+          <p:nvPr/>
+        </p:nvCxnSpPr>
+        <p:spPr>
+          <a:xfrm flipH="1">
+            <a:off x="3892694" y="4739931"/>
+            <a:ext cx="4391" cy="180489"/>
+          </a:xfrm>
+          <a:prstGeom prst="straightConnector1">
+            <a:avLst/>
+          </a:prstGeom>
+          <a:ln>
+            <a:solidFill>
+              <a:schemeClr val="accent1"/>
+            </a:solidFill>
+            <a:tailEnd type="triangle"/>
+          </a:ln>
+        </p:spPr>
+        <p:style>
+          <a:lnRef idx="1">
+            <a:schemeClr val="accent1"/>
+          </a:lnRef>
+          <a:fillRef idx="0">
+            <a:schemeClr val="accent1"/>
+          </a:fillRef>
+          <a:effectRef idx="0">
+            <a:schemeClr val="accent1"/>
+          </a:effectRef>
+          <a:fontRef idx="minor">
+            <a:schemeClr val="tx1"/>
+          </a:fontRef>
+        </p:style>
+      </p:cxnSp>
+      <p:grpSp>
+        <p:nvGrpSpPr>
+          <p:cNvPr id="57" name="Gruppieren 56">
+            <a:extLst>
+              <a:ext uri="{FF2B5EF4-FFF2-40B4-BE49-F238E27FC236}">
+                <a16:creationId xmlns:a16="http://schemas.microsoft.com/office/drawing/2014/main" id="{01FC98A0-BDB2-25D2-3518-C27C2726AFCF}"/>
+              </a:ext>
+            </a:extLst>
+          </p:cNvPr>
+          <p:cNvGrpSpPr/>
+          <p:nvPr/>
+        </p:nvGrpSpPr>
+        <p:grpSpPr>
+          <a:xfrm>
+            <a:off x="8269482" y="4174551"/>
+            <a:ext cx="1435382" cy="253246"/>
+            <a:chOff x="8002301" y="4581613"/>
+            <a:chExt cx="1289076" cy="305400"/>
+          </a:xfrm>
+        </p:grpSpPr>
+        <p:cxnSp>
+          <p:nvCxnSpPr>
+            <p:cNvPr id="58" name="Gerade Verbindung mit Pfeil 57">
+              <a:extLst>
+                <a:ext uri="{FF2B5EF4-FFF2-40B4-BE49-F238E27FC236}">
+                  <a16:creationId xmlns:a16="http://schemas.microsoft.com/office/drawing/2014/main" id="{7B62125E-5BA9-467A-866A-F8C6E3647308}"/>
+                </a:ext>
+              </a:extLst>
+            </p:cNvPr>
+            <p:cNvCxnSpPr>
+              <a:cxnSpLocks/>
+            </p:cNvCxnSpPr>
+            <p:nvPr/>
+          </p:nvCxnSpPr>
+          <p:spPr>
+            <a:xfrm flipH="1">
+              <a:off x="8002301" y="4581613"/>
+              <a:ext cx="639486" cy="305400"/>
+            </a:xfrm>
+            <a:prstGeom prst="straightConnector1">
+              <a:avLst/>
+            </a:prstGeom>
+            <a:ln>
+              <a:solidFill>
+                <a:schemeClr val="accent1"/>
+              </a:solidFill>
+              <a:tailEnd type="triangle"/>
+            </a:ln>
+          </p:spPr>
+          <p:style>
+            <a:lnRef idx="1">
+              <a:schemeClr val="accent1"/>
+            </a:lnRef>
+            <a:fillRef idx="0">
+              <a:schemeClr val="accent1"/>
+            </a:fillRef>
+            <a:effectRef idx="0">
+              <a:schemeClr val="accent1"/>
+            </a:effectRef>
+            <a:fontRef idx="minor">
+              <a:schemeClr val="tx1"/>
+            </a:fontRef>
+          </p:style>
+        </p:cxnSp>
+        <p:cxnSp>
+          <p:nvCxnSpPr>
+            <p:cNvPr id="59" name="Gerade Verbindung mit Pfeil 58">
+              <a:extLst>
+                <a:ext uri="{FF2B5EF4-FFF2-40B4-BE49-F238E27FC236}">
+                  <a16:creationId xmlns:a16="http://schemas.microsoft.com/office/drawing/2014/main" id="{3925CEE0-FAD2-06DF-B64B-C112E8F63EC5}"/>
+                </a:ext>
+              </a:extLst>
+            </p:cNvPr>
+            <p:cNvCxnSpPr>
+              <a:cxnSpLocks/>
+            </p:cNvCxnSpPr>
+            <p:nvPr/>
+          </p:nvCxnSpPr>
+          <p:spPr>
+            <a:xfrm>
+              <a:off x="8641787" y="4581613"/>
+              <a:ext cx="649590" cy="305400"/>
+            </a:xfrm>
+            <a:prstGeom prst="straightConnector1">
+              <a:avLst/>
+            </a:prstGeom>
+            <a:ln>
+              <a:solidFill>
+                <a:schemeClr val="accent1"/>
+              </a:solidFill>
+              <a:tailEnd type="triangle"/>
+            </a:ln>
+          </p:spPr>
+          <p:style>
+            <a:lnRef idx="1">
+              <a:schemeClr val="accent1"/>
+            </a:lnRef>
+            <a:fillRef idx="0">
+              <a:schemeClr val="accent1"/>
+            </a:fillRef>
+            <a:effectRef idx="0">
+              <a:schemeClr val="accent1"/>
+            </a:effectRef>
+            <a:fontRef idx="minor">
+              <a:schemeClr val="tx1"/>
+            </a:fontRef>
+          </p:style>
+        </p:cxnSp>
+      </p:grpSp>
+    </p:spTree>
+    <p:extLst>
+      <p:ext uri="{BB962C8B-B14F-4D97-AF65-F5344CB8AC3E}">
+        <p14:creationId xmlns:p14="http://schemas.microsoft.com/office/powerpoint/2010/main" val="1204678845"/>
+      </p:ext>
+    </p:extLst>
+  </p:cSld>
+  <p:clrMapOvr>
+    <a:masterClrMapping/>
+  </p:clrMapOvr>
+</p:sld>
+</file>
+
 <file path=ppt/theme/theme1.xml><?xml version="1.0" encoding="utf-8"?>
 <a:theme xmlns:a="http://schemas.openxmlformats.org/drawingml/2006/main" name="Office">
   <a:themeElements>
